--- a/Final_ppt.pptx
+++ b/Final_ppt.pptx
@@ -206,7 +206,7 @@
           <a:p>
             <a:fld id="{E6079380-D0FB-43AA-B671-B9B7CFE0DFEC}" type="datetimeFigureOut">
               <a:rPr lang="zh-CN" altLang="en-US" smtClean="0"/>
-              <a:t>2025/7/30</a:t>
+              <a:t>2025/7/31</a:t>
             </a:fld>
             <a:endParaRPr lang="zh-CN" altLang="en-US"/>
           </a:p>
@@ -1345,7 +1345,7 @@
           <a:p>
             <a:fld id="{E60B6B6D-D68D-4565-B155-9F1913B518D9}" type="datetimeFigureOut">
               <a:rPr lang="en-IN" smtClean="0"/>
-              <a:t>30-07-2025</a:t>
+              <a:t>31-07-2025</a:t>
             </a:fld>
             <a:endParaRPr lang="en-IN"/>
           </a:p>
@@ -1553,7 +1553,7 @@
           <a:p>
             <a:fld id="{E60B6B6D-D68D-4565-B155-9F1913B518D9}" type="datetimeFigureOut">
               <a:rPr lang="en-IN" smtClean="0"/>
-              <a:t>30-07-2025</a:t>
+              <a:t>31-07-2025</a:t>
             </a:fld>
             <a:endParaRPr lang="en-IN"/>
           </a:p>
@@ -1809,7 +1809,7 @@
           <a:p>
             <a:fld id="{E60B6B6D-D68D-4565-B155-9F1913B518D9}" type="datetimeFigureOut">
               <a:rPr lang="en-IN" smtClean="0"/>
-              <a:t>30-07-2025</a:t>
+              <a:t>31-07-2025</a:t>
             </a:fld>
             <a:endParaRPr lang="en-IN"/>
           </a:p>
@@ -2021,7 +2021,7 @@
           <a:p>
             <a:fld id="{E60B6B6D-D68D-4565-B155-9F1913B518D9}" type="datetimeFigureOut">
               <a:rPr lang="en-IN" smtClean="0"/>
-              <a:t>30-07-2025</a:t>
+              <a:t>31-07-2025</a:t>
             </a:fld>
             <a:endParaRPr lang="en-IN"/>
           </a:p>
@@ -2364,7 +2364,7 @@
           <a:p>
             <a:fld id="{E60B6B6D-D68D-4565-B155-9F1913B518D9}" type="datetimeFigureOut">
               <a:rPr lang="en-IN" smtClean="0"/>
-              <a:t>30-07-2025</a:t>
+              <a:t>31-07-2025</a:t>
             </a:fld>
             <a:endParaRPr lang="en-IN"/>
           </a:p>
@@ -2639,7 +2639,7 @@
           <a:p>
             <a:fld id="{E60B6B6D-D68D-4565-B155-9F1913B518D9}" type="datetimeFigureOut">
               <a:rPr lang="en-IN" smtClean="0"/>
-              <a:t>30-07-2025</a:t>
+              <a:t>31-07-2025</a:t>
             </a:fld>
             <a:endParaRPr lang="en-IN"/>
           </a:p>
@@ -3018,7 +3018,7 @@
           <a:p>
             <a:fld id="{E60B6B6D-D68D-4565-B155-9F1913B518D9}" type="datetimeFigureOut">
               <a:rPr lang="en-IN" smtClean="0"/>
-              <a:t>30-07-2025</a:t>
+              <a:t>31-07-2025</a:t>
             </a:fld>
             <a:endParaRPr lang="en-IN"/>
           </a:p>
@@ -3136,7 +3136,7 @@
           <a:p>
             <a:fld id="{E60B6B6D-D68D-4565-B155-9F1913B518D9}" type="datetimeFigureOut">
               <a:rPr lang="en-IN" smtClean="0"/>
-              <a:t>30-07-2025</a:t>
+              <a:t>31-07-2025</a:t>
             </a:fld>
             <a:endParaRPr lang="en-IN"/>
           </a:p>
@@ -3307,7 +3307,7 @@
           <a:p>
             <a:fld id="{E60B6B6D-D68D-4565-B155-9F1913B518D9}" type="datetimeFigureOut">
               <a:rPr lang="en-IN" smtClean="0"/>
-              <a:t>30-07-2025</a:t>
+              <a:t>31-07-2025</a:t>
             </a:fld>
             <a:endParaRPr lang="en-IN"/>
           </a:p>
@@ -3661,7 +3661,7 @@
           <a:p>
             <a:fld id="{E60B6B6D-D68D-4565-B155-9F1913B518D9}" type="datetimeFigureOut">
               <a:rPr lang="en-IN" smtClean="0"/>
-              <a:t>30-07-2025</a:t>
+              <a:t>31-07-2025</a:t>
             </a:fld>
             <a:endParaRPr lang="en-IN"/>
           </a:p>
@@ -4043,7 +4043,7 @@
           <a:p>
             <a:fld id="{E60B6B6D-D68D-4565-B155-9F1913B518D9}" type="datetimeFigureOut">
               <a:rPr lang="en-IN" smtClean="0"/>
-              <a:t>30-07-2025</a:t>
+              <a:t>31-07-2025</a:t>
             </a:fld>
             <a:endParaRPr lang="en-IN"/>
           </a:p>
@@ -4330,7 +4330,7 @@
           <a:p>
             <a:fld id="{E60B6B6D-D68D-4565-B155-9F1913B518D9}" type="datetimeFigureOut">
               <a:rPr lang="en-IN" smtClean="0"/>
-              <a:t>30-07-2025</a:t>
+              <a:t>31-07-2025</a:t>
             </a:fld>
             <a:endParaRPr lang="en-IN"/>
           </a:p>
@@ -5289,121 +5289,6 @@
           </a:graphicData>
         </a:graphic>
       </p:graphicFrame>
-      <p:grpSp>
-        <p:nvGrpSpPr>
-          <p:cNvPr id="7" name="Group 6">
-            <a:extLst>
-              <a:ext uri="{FF2B5EF4-FFF2-40B4-BE49-F238E27FC236}">
-                <a16:creationId xmlns:a16="http://schemas.microsoft.com/office/drawing/2014/main" id="{40C2AF9F-7CAE-40E3-AC56-A70ED21DEFDA}"/>
-              </a:ext>
-            </a:extLst>
-          </p:cNvPr>
-          <p:cNvGrpSpPr/>
-          <p:nvPr/>
-        </p:nvGrpSpPr>
-        <p:grpSpPr>
-          <a:xfrm>
-            <a:off x="2168249" y="2208859"/>
-            <a:ext cx="3051979" cy="1452899"/>
-            <a:chOff x="6323057" y="3686196"/>
-            <a:chExt cx="6103958" cy="2905797"/>
-          </a:xfrm>
-        </p:grpSpPr>
-        <p:pic>
-          <p:nvPicPr>
-            <p:cNvPr id="1026" name="Picture 2" descr="Face Generator – Generate Faces Online Using AI">
-              <a:extLst>
-                <a:ext uri="{FF2B5EF4-FFF2-40B4-BE49-F238E27FC236}">
-                  <a16:creationId xmlns:a16="http://schemas.microsoft.com/office/drawing/2014/main" id="{6D37CA82-9CCB-45D8-B989-B16CE9FB98FD}"/>
-                </a:ext>
-              </a:extLst>
-            </p:cNvPr>
-            <p:cNvPicPr>
-              <a:picLocks noChangeAspect="1" noChangeArrowheads="1"/>
-            </p:cNvPicPr>
-            <p:nvPr/>
-          </p:nvPicPr>
-          <p:blipFill>
-            <a:blip r:embed="rId2">
-              <a:extLst>
-                <a:ext uri="{28A0092B-C50C-407E-A947-70E740481C1C}">
-                  <a14:useLocalDpi xmlns:a14="http://schemas.microsoft.com/office/drawing/2010/main" val="0"/>
-                </a:ext>
-              </a:extLst>
-            </a:blip>
-            <a:srcRect/>
-            <a:stretch>
-              <a:fillRect/>
-            </a:stretch>
-          </p:blipFill>
-          <p:spPr bwMode="auto">
-            <a:xfrm>
-              <a:off x="6323057" y="3686196"/>
-              <a:ext cx="2880859" cy="2880859"/>
-            </a:xfrm>
-            <a:prstGeom prst="rect">
-              <a:avLst/>
-            </a:prstGeom>
-            <a:noFill/>
-            <a:extLst>
-              <a:ext uri="{909E8E84-426E-40DD-AFC4-6F175D3DCCD1}">
-                <a14:hiddenFill xmlns:a14="http://schemas.microsoft.com/office/drawing/2010/main">
-                  <a:solidFill>
-                    <a:srgbClr val="FFFFFF"/>
-                  </a:solidFill>
-                </a14:hiddenFill>
-              </a:ext>
-            </a:extLst>
-          </p:spPr>
-        </p:pic>
-        <p:pic>
-          <p:nvPicPr>
-            <p:cNvPr id="1028" name="Picture 4" descr="This Site Ranks the Attractiveness of AI-Generated Faces | PetaPixel">
-              <a:extLst>
-                <a:ext uri="{FF2B5EF4-FFF2-40B4-BE49-F238E27FC236}">
-                  <a16:creationId xmlns:a16="http://schemas.microsoft.com/office/drawing/2014/main" id="{93D20AD4-A0C5-45FC-BE91-FEC5396AF097}"/>
-                </a:ext>
-              </a:extLst>
-            </p:cNvPr>
-            <p:cNvPicPr>
-              <a:picLocks noChangeAspect="1" noChangeArrowheads="1"/>
-            </p:cNvPicPr>
-            <p:nvPr/>
-          </p:nvPicPr>
-          <p:blipFill>
-            <a:blip r:embed="rId3">
-              <a:extLst>
-                <a:ext uri="{28A0092B-C50C-407E-A947-70E740481C1C}">
-                  <a14:useLocalDpi xmlns:a14="http://schemas.microsoft.com/office/drawing/2010/main" val="0"/>
-                </a:ext>
-              </a:extLst>
-            </a:blip>
-            <a:srcRect/>
-            <a:stretch>
-              <a:fillRect/>
-            </a:stretch>
-          </p:blipFill>
-          <p:spPr bwMode="auto">
-            <a:xfrm>
-              <a:off x="9521218" y="3686196"/>
-              <a:ext cx="2905797" cy="2905797"/>
-            </a:xfrm>
-            <a:prstGeom prst="rect">
-              <a:avLst/>
-            </a:prstGeom>
-            <a:noFill/>
-            <a:extLst>
-              <a:ext uri="{909E8E84-426E-40DD-AFC4-6F175D3DCCD1}">
-                <a14:hiddenFill xmlns:a14="http://schemas.microsoft.com/office/drawing/2010/main">
-                  <a:solidFill>
-                    <a:srgbClr val="FFFFFF"/>
-                  </a:solidFill>
-                </a14:hiddenFill>
-              </a:ext>
-            </a:extLst>
-          </p:spPr>
-        </p:pic>
-      </p:grpSp>
       <p:sp>
         <p:nvSpPr>
           <p:cNvPr id="10" name="TextBox 9">
@@ -5581,6 +5466,100 @@
           <p:nvPr/>
         </p:nvPicPr>
         <p:blipFill>
+          <a:blip r:embed="rId2">
+            <a:extLst>
+              <a:ext uri="{28A0092B-C50C-407E-A947-70E740481C1C}">
+                <a14:useLocalDpi xmlns:a14="http://schemas.microsoft.com/office/drawing/2010/main" val="0"/>
+              </a:ext>
+            </a:extLst>
+          </a:blip>
+          <a:srcRect/>
+          <a:stretch>
+            <a:fillRect/>
+          </a:stretch>
+        </p:blipFill>
+        <p:spPr bwMode="auto">
+          <a:xfrm>
+            <a:off x="7017460" y="2208858"/>
+            <a:ext cx="1452899" cy="1452899"/>
+          </a:xfrm>
+          <a:prstGeom prst="rect">
+            <a:avLst/>
+          </a:prstGeom>
+          <a:noFill/>
+          <a:extLst>
+            <a:ext uri="{909E8E84-426E-40DD-AFC4-6F175D3DCCD1}">
+              <a14:hiddenFill xmlns:a14="http://schemas.microsoft.com/office/drawing/2010/main">
+                <a:solidFill>
+                  <a:srgbClr val="FFFFFF"/>
+                </a:solidFill>
+              </a14:hiddenFill>
+            </a:ext>
+          </a:extLst>
+        </p:spPr>
+      </p:pic>
+      <p:pic>
+        <p:nvPicPr>
+          <p:cNvPr id="25" name="Picture 4" descr="100 个线条小狗点子| 小狗, 狗, 可愛狗狗">
+            <a:extLst>
+              <a:ext uri="{FF2B5EF4-FFF2-40B4-BE49-F238E27FC236}">
+                <a16:creationId xmlns:a16="http://schemas.microsoft.com/office/drawing/2014/main" id="{3F23200B-2580-7632-08C3-F188B8DE1FED}"/>
+              </a:ext>
+            </a:extLst>
+          </p:cNvPr>
+          <p:cNvPicPr>
+            <a:picLocks noChangeAspect="1" noChangeArrowheads="1"/>
+          </p:cNvPicPr>
+          <p:nvPr/>
+        </p:nvPicPr>
+        <p:blipFill>
+          <a:blip r:embed="rId3">
+            <a:extLst>
+              <a:ext uri="{28A0092B-C50C-407E-A947-70E740481C1C}">
+                <a14:useLocalDpi xmlns:a14="http://schemas.microsoft.com/office/drawing/2010/main" val="0"/>
+              </a:ext>
+            </a:extLst>
+          </a:blip>
+          <a:srcRect/>
+          <a:stretch>
+            <a:fillRect/>
+          </a:stretch>
+        </p:blipFill>
+        <p:spPr bwMode="auto">
+          <a:xfrm>
+            <a:off x="8629010" y="2208858"/>
+            <a:ext cx="1465739" cy="1465739"/>
+          </a:xfrm>
+          <a:prstGeom prst="rect">
+            <a:avLst/>
+          </a:prstGeom>
+          <a:noFill/>
+          <a:extLst>
+            <a:ext uri="{909E8E84-426E-40DD-AFC4-6F175D3DCCD1}">
+              <a14:hiddenFill xmlns:a14="http://schemas.microsoft.com/office/drawing/2010/main">
+                <a:solidFill>
+                  <a:srgbClr val="FFFFFF"/>
+                </a:solidFill>
+              </a14:hiddenFill>
+            </a:ext>
+          </a:extLst>
+        </p:spPr>
+      </p:pic>
+      <p:pic>
+        <p:nvPicPr>
+          <p:cNvPr id="1030" name="Picture 6" descr="线条小狗情头超甜最热超甜美的情头合集-腾牛个性网">
+            <a:extLst>
+              <a:ext uri="{FF2B5EF4-FFF2-40B4-BE49-F238E27FC236}">
+                <a16:creationId xmlns:a16="http://schemas.microsoft.com/office/drawing/2014/main" id="{92BCCDC5-F243-20E2-1DAD-93C3E96068B5}"/>
+              </a:ext>
+            </a:extLst>
+          </p:cNvPr>
+          <p:cNvPicPr>
+            <a:picLocks noChangeAspect="1" noChangeArrowheads="1"/>
+          </p:cNvPicPr>
+          <p:nvPr/>
+        </p:nvPicPr>
+        <p:blipFill>
           <a:blip r:embed="rId4">
             <a:extLst>
               <a:ext uri="{28A0092B-C50C-407E-A947-70E740481C1C}">
@@ -5595,7 +5574,7 @@
         </p:blipFill>
         <p:spPr bwMode="auto">
           <a:xfrm>
-            <a:off x="7017460" y="2208858"/>
+            <a:off x="5396019" y="2221698"/>
             <a:ext cx="1452899" cy="1452899"/>
           </a:xfrm>
           <a:prstGeom prst="rect">
@@ -5615,10 +5594,10 @@
       </p:pic>
       <p:pic>
         <p:nvPicPr>
-          <p:cNvPr id="25" name="Picture 4" descr="100 个线条小狗点子| 小狗, 狗, 可愛狗狗">
+          <p:cNvPr id="3" name="Picture 2" descr="表情包##可爱头像##动漫头像# 可可爱爱的肥肥鲨夏日头像作者：picshu ​">
             <a:extLst>
               <a:ext uri="{FF2B5EF4-FFF2-40B4-BE49-F238E27FC236}">
-                <a16:creationId xmlns:a16="http://schemas.microsoft.com/office/drawing/2014/main" id="{3F23200B-2580-7632-08C3-F188B8DE1FED}"/>
+                <a16:creationId xmlns:a16="http://schemas.microsoft.com/office/drawing/2014/main" id="{B44CF78F-CEDB-A7D3-FBDD-105E230BDC12}"/>
               </a:ext>
             </a:extLst>
           </p:cNvPr>
@@ -5642,8 +5621,8 @@
         </p:blipFill>
         <p:spPr bwMode="auto">
           <a:xfrm>
-            <a:off x="8629010" y="2208858"/>
-            <a:ext cx="1465739" cy="1465739"/>
+            <a:off x="2174149" y="2221698"/>
+            <a:ext cx="1417393" cy="1417393"/>
           </a:xfrm>
           <a:prstGeom prst="rect">
             <a:avLst/>
@@ -5662,10 +5641,10 @@
       </p:pic>
       <p:pic>
         <p:nvPicPr>
-          <p:cNvPr id="1030" name="Picture 6" descr="线条小狗情头超甜最热超甜美的情头合集-腾牛个性网">
+          <p:cNvPr id="4" name="Picture 4" descr="微信可爱小动物头像图片你的微信头像该换了-芝麻科技讯">
             <a:extLst>
               <a:ext uri="{FF2B5EF4-FFF2-40B4-BE49-F238E27FC236}">
-                <a16:creationId xmlns:a16="http://schemas.microsoft.com/office/drawing/2014/main" id="{92BCCDC5-F243-20E2-1DAD-93C3E96068B5}"/>
+                <a16:creationId xmlns:a16="http://schemas.microsoft.com/office/drawing/2014/main" id="{58FD124E-001E-9503-8FE7-715F570C5842}"/>
               </a:ext>
             </a:extLst>
           </p:cNvPr>
@@ -5689,8 +5668,8 @@
         </p:blipFill>
         <p:spPr bwMode="auto">
           <a:xfrm>
-            <a:off x="5396019" y="2221698"/>
-            <a:ext cx="1452899" cy="1452899"/>
+            <a:off x="3760084" y="2221698"/>
+            <a:ext cx="1452900" cy="1452900"/>
           </a:xfrm>
           <a:prstGeom prst="rect">
             <a:avLst/>

--- a/Final_ppt.pptx
+++ b/Final_ppt.pptx
@@ -7234,7 +7234,7 @@
         </p:nvSpPr>
         <p:spPr>
           <a:xfrm>
-            <a:off x="1168542" y="1231653"/>
+            <a:off x="1168542" y="1144565"/>
             <a:ext cx="9586544" cy="1015663"/>
           </a:xfrm>
           <a:prstGeom prst="rect">
@@ -7306,7 +7306,7 @@
         </p:nvSpPr>
         <p:spPr>
           <a:xfrm>
-            <a:off x="1072367" y="2292650"/>
+            <a:off x="1072367" y="2172334"/>
             <a:ext cx="7431551" cy="461665"/>
           </a:xfrm>
           <a:prstGeom prst="rect">
@@ -7351,7 +7351,7 @@
         </p:nvSpPr>
         <p:spPr>
           <a:xfrm>
-            <a:off x="1168541" y="2791789"/>
+            <a:off x="1168543" y="2575491"/>
             <a:ext cx="9586543" cy="1015663"/>
           </a:xfrm>
           <a:prstGeom prst="rect">
@@ -7423,7 +7423,7 @@
         </p:nvSpPr>
         <p:spPr>
           <a:xfrm>
-            <a:off x="1168542" y="3745491"/>
+            <a:off x="1168542" y="3559156"/>
             <a:ext cx="8269372" cy="461665"/>
           </a:xfrm>
           <a:prstGeom prst="rect">
@@ -7468,7 +7468,7 @@
         </p:nvSpPr>
         <p:spPr>
           <a:xfrm>
-            <a:off x="1168541" y="4343538"/>
+            <a:off x="1127173" y="3940422"/>
             <a:ext cx="8127857" cy="1015663"/>
           </a:xfrm>
           <a:prstGeom prst="rect">
@@ -7536,7 +7536,7 @@
         </p:nvSpPr>
         <p:spPr>
           <a:xfrm>
-            <a:off x="1127173" y="5395514"/>
+            <a:off x="1127173" y="4897577"/>
             <a:ext cx="8269372" cy="461665"/>
           </a:xfrm>
           <a:prstGeom prst="rect">
@@ -7581,7 +7581,7 @@
         </p:nvSpPr>
         <p:spPr>
           <a:xfrm>
-            <a:off x="1072367" y="5795218"/>
+            <a:off x="1072367" y="5325009"/>
             <a:ext cx="8127857" cy="1015663"/>
           </a:xfrm>
           <a:prstGeom prst="rect">

--- a/Final_ppt.pptx
+++ b/Final_ppt.pptx
@@ -5,7 +5,7 @@
     <p:sldMasterId id="2147483660" r:id="rId1"/>
   </p:sldMasterIdLst>
   <p:notesMasterIdLst>
-    <p:notesMasterId r:id="rId12"/>
+    <p:notesMasterId r:id="rId14"/>
   </p:notesMasterIdLst>
   <p:sldIdLst>
     <p:sldId id="257" r:id="rId2"/>
@@ -16,8 +16,10 @@
     <p:sldId id="293" r:id="rId7"/>
     <p:sldId id="308" r:id="rId8"/>
     <p:sldId id="309" r:id="rId9"/>
-    <p:sldId id="306" r:id="rId10"/>
-    <p:sldId id="260" r:id="rId11"/>
+    <p:sldId id="310" r:id="rId10"/>
+    <p:sldId id="311" r:id="rId11"/>
+    <p:sldId id="306" r:id="rId12"/>
+    <p:sldId id="260" r:id="rId13"/>
   </p:sldIdLst>
   <p:sldSz cx="12192000" cy="6858000"/>
   <p:notesSz cx="6858000" cy="9144000"/>
@@ -1051,34 +1053,6 @@
           <a:bodyPr/>
           <a:lstStyle/>
           <a:p>
-            <a:r>
-              <a:rPr lang="en-US" altLang="zh-CN" b="1" dirty="0"/>
-              <a:t>In conclusion, this project taught us that modern financial applications require seamless integration between frontend, backend, and external APIs. We also learned that real-time financial data presents unique challenges in reliability and performance optimization.</a:t>
-            </a:r>
-            <a:endParaRPr lang="en-US" altLang="zh-CN" dirty="0"/>
-          </a:p>
-          <a:p>
-            <a:r>
-              <a:rPr lang="en-US" altLang="zh-CN" b="1" dirty="0"/>
-              <a:t>Given more time, we could have implemented machine learning algorithms for investment predictions and comprehensive risk assessment tools.</a:t>
-            </a:r>
-            <a:endParaRPr lang="en-US" altLang="zh-CN" dirty="0"/>
-          </a:p>
-          <a:p>
-            <a:r>
-              <a:rPr lang="en-US" altLang="zh-CN" b="1" dirty="0"/>
-              <a:t>For future enhancements, we plan to develop a mobile app, advanced charting features, and AI-powered investment recommendations.</a:t>
-            </a:r>
-            <a:endParaRPr lang="en-US" altLang="zh-CN" dirty="0"/>
-          </a:p>
-          <a:p>
-            <a:r>
-              <a:rPr lang="en-US" altLang="zh-CN" b="1" dirty="0"/>
-              <a:t>This project demonstrates valuable workplace skills. It showcases our full-stack development capabilities and API integration expertise. We proved our team collaboration abilities by coordinating frontend and backend development with Git version control. Most importantly, we demonstrated strong problem-solving skills by implementing reliable error handling systems under pressure.</a:t>
-            </a:r>
-            <a:endParaRPr lang="en-US" altLang="zh-CN" dirty="0"/>
-          </a:p>
-          <a:p>
             <a:endParaRPr lang="zh-CN" altLang="en-US" dirty="0"/>
           </a:p>
         </p:txBody>
@@ -1101,6 +1075,202 @@
             <a:fld id="{54DD4A14-0979-4C4C-862B-F40B61B913F0}" type="slidenum">
               <a:rPr lang="zh-CN" altLang="en-US" smtClean="0"/>
               <a:t>9</a:t>
+            </a:fld>
+            <a:endParaRPr lang="zh-CN" altLang="en-US"/>
+          </a:p>
+        </p:txBody>
+      </p:sp>
+    </p:spTree>
+    <p:extLst>
+      <p:ext uri="{BB962C8B-B14F-4D97-AF65-F5344CB8AC3E}">
+        <p14:creationId xmlns:p14="http://schemas.microsoft.com/office/powerpoint/2010/main" val="287685798"/>
+      </p:ext>
+    </p:extLst>
+  </p:cSld>
+  <p:clrMapOvr>
+    <a:masterClrMapping/>
+  </p:clrMapOvr>
+</p:notes>
+</file>
+
+<file path=ppt/notesSlides/notesSlide8.xml><?xml version="1.0" encoding="utf-8"?>
+<p:notes xmlns:a="http://schemas.openxmlformats.org/drawingml/2006/main" xmlns:r="http://schemas.openxmlformats.org/officeDocument/2006/relationships" xmlns:p="http://schemas.openxmlformats.org/presentationml/2006/main">
+  <p:cSld>
+    <p:spTree>
+      <p:nvGrpSpPr>
+        <p:cNvPr id="1" name=""/>
+        <p:cNvGrpSpPr/>
+        <p:nvPr/>
+      </p:nvGrpSpPr>
+      <p:grpSpPr>
+        <a:xfrm>
+          <a:off x="0" y="0"/>
+          <a:ext cx="0" cy="0"/>
+          <a:chOff x="0" y="0"/>
+          <a:chExt cx="0" cy="0"/>
+        </a:xfrm>
+      </p:grpSpPr>
+      <p:sp>
+        <p:nvSpPr>
+          <p:cNvPr id="2" name="幻灯片图像占位符 1"/>
+          <p:cNvSpPr>
+            <a:spLocks noGrp="1" noRot="1" noChangeAspect="1"/>
+          </p:cNvSpPr>
+          <p:nvPr>
+            <p:ph type="sldImg"/>
+          </p:nvPr>
+        </p:nvSpPr>
+        <p:spPr/>
+      </p:sp>
+      <p:sp>
+        <p:nvSpPr>
+          <p:cNvPr id="3" name="备注占位符 2"/>
+          <p:cNvSpPr>
+            <a:spLocks noGrp="1"/>
+          </p:cNvSpPr>
+          <p:nvPr>
+            <p:ph type="body" idx="1"/>
+          </p:nvPr>
+        </p:nvSpPr>
+        <p:spPr/>
+        <p:txBody>
+          <a:bodyPr/>
+          <a:lstStyle/>
+          <a:p>
+            <a:endParaRPr lang="zh-CN" altLang="en-US" dirty="0"/>
+          </a:p>
+        </p:txBody>
+      </p:sp>
+      <p:sp>
+        <p:nvSpPr>
+          <p:cNvPr id="4" name="灯片编号占位符 3"/>
+          <p:cNvSpPr>
+            <a:spLocks noGrp="1"/>
+          </p:cNvSpPr>
+          <p:nvPr>
+            <p:ph type="sldNum" sz="quarter" idx="5"/>
+          </p:nvPr>
+        </p:nvSpPr>
+        <p:spPr/>
+        <p:txBody>
+          <a:bodyPr/>
+          <a:lstStyle/>
+          <a:p>
+            <a:fld id="{54DD4A14-0979-4C4C-862B-F40B61B913F0}" type="slidenum">
+              <a:rPr lang="zh-CN" altLang="en-US" smtClean="0"/>
+              <a:t>10</a:t>
+            </a:fld>
+            <a:endParaRPr lang="zh-CN" altLang="en-US"/>
+          </a:p>
+        </p:txBody>
+      </p:sp>
+    </p:spTree>
+    <p:extLst>
+      <p:ext uri="{BB962C8B-B14F-4D97-AF65-F5344CB8AC3E}">
+        <p14:creationId xmlns:p14="http://schemas.microsoft.com/office/powerpoint/2010/main" val="358131000"/>
+      </p:ext>
+    </p:extLst>
+  </p:cSld>
+  <p:clrMapOvr>
+    <a:masterClrMapping/>
+  </p:clrMapOvr>
+</p:notes>
+</file>
+
+<file path=ppt/notesSlides/notesSlide9.xml><?xml version="1.0" encoding="utf-8"?>
+<p:notes xmlns:a="http://schemas.openxmlformats.org/drawingml/2006/main" xmlns:r="http://schemas.openxmlformats.org/officeDocument/2006/relationships" xmlns:p="http://schemas.openxmlformats.org/presentationml/2006/main">
+  <p:cSld>
+    <p:spTree>
+      <p:nvGrpSpPr>
+        <p:cNvPr id="1" name=""/>
+        <p:cNvGrpSpPr/>
+        <p:nvPr/>
+      </p:nvGrpSpPr>
+      <p:grpSpPr>
+        <a:xfrm>
+          <a:off x="0" y="0"/>
+          <a:ext cx="0" cy="0"/>
+          <a:chOff x="0" y="0"/>
+          <a:chExt cx="0" cy="0"/>
+        </a:xfrm>
+      </p:grpSpPr>
+      <p:sp>
+        <p:nvSpPr>
+          <p:cNvPr id="2" name="幻灯片图像占位符 1"/>
+          <p:cNvSpPr>
+            <a:spLocks noGrp="1" noRot="1" noChangeAspect="1"/>
+          </p:cNvSpPr>
+          <p:nvPr>
+            <p:ph type="sldImg"/>
+          </p:nvPr>
+        </p:nvSpPr>
+        <p:spPr/>
+      </p:sp>
+      <p:sp>
+        <p:nvSpPr>
+          <p:cNvPr id="3" name="备注占位符 2"/>
+          <p:cNvSpPr>
+            <a:spLocks noGrp="1"/>
+          </p:cNvSpPr>
+          <p:nvPr>
+            <p:ph type="body" idx="1"/>
+          </p:nvPr>
+        </p:nvSpPr>
+        <p:spPr/>
+        <p:txBody>
+          <a:bodyPr/>
+          <a:lstStyle/>
+          <a:p>
+            <a:r>
+              <a:rPr lang="en-US" altLang="zh-CN" b="1" dirty="0"/>
+              <a:t>In conclusion, this project taught us that modern financial applications require seamless integration between frontend, backend, and external APIs. We also learned that real-time financial data presents unique challenges in reliability and performance optimization.</a:t>
+            </a:r>
+            <a:endParaRPr lang="en-US" altLang="zh-CN" dirty="0"/>
+          </a:p>
+          <a:p>
+            <a:r>
+              <a:rPr lang="en-US" altLang="zh-CN" b="1" dirty="0"/>
+              <a:t>Given more time, we could have implemented machine learning algorithms for investment predictions and comprehensive risk assessment tools.</a:t>
+            </a:r>
+            <a:endParaRPr lang="en-US" altLang="zh-CN" dirty="0"/>
+          </a:p>
+          <a:p>
+            <a:r>
+              <a:rPr lang="en-US" altLang="zh-CN" b="1" dirty="0"/>
+              <a:t>For future enhancements, we plan to develop a mobile app, advanced charting features, and AI-powered investment recommendations.</a:t>
+            </a:r>
+            <a:endParaRPr lang="en-US" altLang="zh-CN" dirty="0"/>
+          </a:p>
+          <a:p>
+            <a:r>
+              <a:rPr lang="en-US" altLang="zh-CN" b="1" dirty="0"/>
+              <a:t>This project demonstrates valuable workplace skills. It showcases our full-stack development capabilities and API integration expertise. We proved our team collaboration abilities by coordinating frontend and backend development with Git version control. Most importantly, we demonstrated strong problem-solving skills by implementing reliable error handling systems under pressure.</a:t>
+            </a:r>
+            <a:endParaRPr lang="en-US" altLang="zh-CN" dirty="0"/>
+          </a:p>
+          <a:p>
+            <a:endParaRPr lang="zh-CN" altLang="en-US" dirty="0"/>
+          </a:p>
+        </p:txBody>
+      </p:sp>
+      <p:sp>
+        <p:nvSpPr>
+          <p:cNvPr id="4" name="灯片编号占位符 3"/>
+          <p:cNvSpPr>
+            <a:spLocks noGrp="1"/>
+          </p:cNvSpPr>
+          <p:nvPr>
+            <p:ph type="sldNum" sz="quarter" idx="5"/>
+          </p:nvPr>
+        </p:nvSpPr>
+        <p:spPr/>
+        <p:txBody>
+          <a:bodyPr/>
+          <a:lstStyle/>
+          <a:p>
+            <a:fld id="{54DD4A14-0979-4C4C-862B-F40B61B913F0}" type="slidenum">
+              <a:rPr lang="zh-CN" altLang="en-US" smtClean="0"/>
+              <a:t>11</a:t>
             </a:fld>
             <a:endParaRPr lang="zh-CN" altLang="en-US"/>
           </a:p>
@@ -4970,6 +5140,680 @@
       </p:grpSpPr>
       <p:pic>
         <p:nvPicPr>
+          <p:cNvPr id="3" name="图片 2">
+            <a:extLst>
+              <a:ext uri="{FF2B5EF4-FFF2-40B4-BE49-F238E27FC236}">
+                <a16:creationId xmlns:a16="http://schemas.microsoft.com/office/drawing/2014/main" id="{7BCF7C62-7949-F03A-BA3B-54DA33B0AF67}"/>
+              </a:ext>
+            </a:extLst>
+          </p:cNvPr>
+          <p:cNvPicPr>
+            <a:picLocks noChangeAspect="1"/>
+          </p:cNvPicPr>
+          <p:nvPr/>
+        </p:nvPicPr>
+        <p:blipFill>
+          <a:blip r:embed="rId3">
+            <a:extLst>
+              <a:ext uri="{28A0092B-C50C-407E-A947-70E740481C1C}">
+                <a14:useLocalDpi xmlns:a14="http://schemas.microsoft.com/office/drawing/2010/main" val="0"/>
+              </a:ext>
+            </a:extLst>
+          </a:blip>
+          <a:stretch>
+            <a:fillRect/>
+          </a:stretch>
+        </p:blipFill>
+        <p:spPr>
+          <a:xfrm>
+            <a:off x="419100" y="520700"/>
+            <a:ext cx="11033905" cy="5335168"/>
+          </a:xfrm>
+          <a:prstGeom prst="rect">
+            <a:avLst/>
+          </a:prstGeom>
+        </p:spPr>
+      </p:pic>
+    </p:spTree>
+    <p:extLst>
+      <p:ext uri="{BB962C8B-B14F-4D97-AF65-F5344CB8AC3E}">
+        <p14:creationId xmlns:p14="http://schemas.microsoft.com/office/powerpoint/2010/main" val="4105598794"/>
+      </p:ext>
+    </p:extLst>
+  </p:cSld>
+  <p:clrMapOvr>
+    <a:masterClrMapping/>
+  </p:clrMapOvr>
+</p:sld>
+</file>
+
+<file path=ppt/slides/slide11.xml><?xml version="1.0" encoding="utf-8"?>
+<p:sld xmlns:a="http://schemas.openxmlformats.org/drawingml/2006/main" xmlns:r="http://schemas.openxmlformats.org/officeDocument/2006/relationships" xmlns:p="http://schemas.openxmlformats.org/presentationml/2006/main">
+  <p:cSld>
+    <p:spTree>
+      <p:nvGrpSpPr>
+        <p:cNvPr id="1" name=""/>
+        <p:cNvGrpSpPr/>
+        <p:nvPr/>
+      </p:nvGrpSpPr>
+      <p:grpSpPr>
+        <a:xfrm>
+          <a:off x="0" y="0"/>
+          <a:ext cx="0" cy="0"/>
+          <a:chOff x="0" y="0"/>
+          <a:chExt cx="0" cy="0"/>
+        </a:xfrm>
+      </p:grpSpPr>
+      <p:cxnSp>
+        <p:nvCxnSpPr>
+          <p:cNvPr id="3" name="Straight Connector 2">
+            <a:extLst>
+              <a:ext uri="{FF2B5EF4-FFF2-40B4-BE49-F238E27FC236}">
+                <a16:creationId xmlns:a16="http://schemas.microsoft.com/office/drawing/2014/main" id="{7DC06FE4-3E05-0942-31DB-23A71B2EA57E}"/>
+              </a:ext>
+            </a:extLst>
+          </p:cNvPr>
+          <p:cNvCxnSpPr>
+            <a:cxnSpLocks/>
+          </p:cNvCxnSpPr>
+          <p:nvPr/>
+        </p:nvCxnSpPr>
+        <p:spPr>
+          <a:xfrm>
+            <a:off x="-1" y="2394066"/>
+            <a:ext cx="12191999" cy="0"/>
+          </a:xfrm>
+          <a:prstGeom prst="line">
+            <a:avLst/>
+          </a:prstGeom>
+        </p:spPr>
+        <p:style>
+          <a:lnRef idx="1">
+            <a:schemeClr val="accent1"/>
+          </a:lnRef>
+          <a:fillRef idx="0">
+            <a:schemeClr val="accent1"/>
+          </a:fillRef>
+          <a:effectRef idx="0">
+            <a:schemeClr val="accent1"/>
+          </a:effectRef>
+          <a:fontRef idx="minor">
+            <a:schemeClr val="tx1"/>
+          </a:fontRef>
+        </p:style>
+      </p:cxnSp>
+      <p:cxnSp>
+        <p:nvCxnSpPr>
+          <p:cNvPr id="4" name="Straight Connector 3">
+            <a:extLst>
+              <a:ext uri="{FF2B5EF4-FFF2-40B4-BE49-F238E27FC236}">
+                <a16:creationId xmlns:a16="http://schemas.microsoft.com/office/drawing/2014/main" id="{BF2A274A-CE4E-80CD-A685-8C7A59A51778}"/>
+              </a:ext>
+            </a:extLst>
+          </p:cNvPr>
+          <p:cNvCxnSpPr>
+            <a:cxnSpLocks/>
+          </p:cNvCxnSpPr>
+          <p:nvPr/>
+        </p:nvCxnSpPr>
+        <p:spPr>
+          <a:xfrm>
+            <a:off x="-1" y="3981795"/>
+            <a:ext cx="12191999" cy="0"/>
+          </a:xfrm>
+          <a:prstGeom prst="line">
+            <a:avLst/>
+          </a:prstGeom>
+        </p:spPr>
+        <p:style>
+          <a:lnRef idx="1">
+            <a:schemeClr val="accent1"/>
+          </a:lnRef>
+          <a:fillRef idx="0">
+            <a:schemeClr val="accent1"/>
+          </a:fillRef>
+          <a:effectRef idx="0">
+            <a:schemeClr val="accent1"/>
+          </a:effectRef>
+          <a:fontRef idx="minor">
+            <a:schemeClr val="tx1"/>
+          </a:fontRef>
+        </p:style>
+      </p:cxnSp>
+      <p:cxnSp>
+        <p:nvCxnSpPr>
+          <p:cNvPr id="6" name="Straight Connector 5">
+            <a:extLst>
+              <a:ext uri="{FF2B5EF4-FFF2-40B4-BE49-F238E27FC236}">
+                <a16:creationId xmlns:a16="http://schemas.microsoft.com/office/drawing/2014/main" id="{E7916F09-6D25-0EBB-ECDA-F88CD8CF05B0}"/>
+              </a:ext>
+            </a:extLst>
+          </p:cNvPr>
+          <p:cNvCxnSpPr/>
+          <p:nvPr/>
+        </p:nvCxnSpPr>
+        <p:spPr>
+          <a:xfrm>
+            <a:off x="0" y="859926"/>
+            <a:ext cx="12192000" cy="0"/>
+          </a:xfrm>
+          <a:prstGeom prst="line">
+            <a:avLst/>
+          </a:prstGeom>
+        </p:spPr>
+        <p:style>
+          <a:lnRef idx="1">
+            <a:schemeClr val="accent1"/>
+          </a:lnRef>
+          <a:fillRef idx="0">
+            <a:schemeClr val="accent1"/>
+          </a:fillRef>
+          <a:effectRef idx="0">
+            <a:schemeClr val="accent1"/>
+          </a:effectRef>
+          <a:fontRef idx="minor">
+            <a:schemeClr val="tx1"/>
+          </a:fontRef>
+        </p:style>
+      </p:cxnSp>
+      <p:sp>
+        <p:nvSpPr>
+          <p:cNvPr id="7" name="TextBox 6">
+            <a:extLst>
+              <a:ext uri="{FF2B5EF4-FFF2-40B4-BE49-F238E27FC236}">
+                <a16:creationId xmlns:a16="http://schemas.microsoft.com/office/drawing/2014/main" id="{DA0D1BDA-143C-F018-1684-F9117920B74A}"/>
+              </a:ext>
+            </a:extLst>
+          </p:cNvPr>
+          <p:cNvSpPr txBox="1"/>
+          <p:nvPr/>
+        </p:nvSpPr>
+        <p:spPr>
+          <a:xfrm>
+            <a:off x="323092" y="862818"/>
+            <a:ext cx="4240595" cy="461665"/>
+          </a:xfrm>
+          <a:prstGeom prst="rect">
+            <a:avLst/>
+          </a:prstGeom>
+          <a:noFill/>
+        </p:spPr>
+        <p:txBody>
+          <a:bodyPr wrap="square" rtlCol="0">
+            <a:spAutoFit/>
+          </a:bodyPr>
+          <a:lstStyle/>
+          <a:p>
+            <a:r>
+              <a:rPr lang="en-US" sz="2400" b="1" dirty="0">
+                <a:latin typeface="Times New Roman" panose="02020603050405020304" pitchFamily="18" charset="0"/>
+                <a:cs typeface="Times New Roman" panose="02020603050405020304" pitchFamily="18" charset="0"/>
+              </a:rPr>
+              <a:t>What have we learned?</a:t>
+            </a:r>
+            <a:endParaRPr lang="en-IN" sz="2400" b="1" dirty="0">
+              <a:latin typeface="Times New Roman" panose="02020603050405020304" pitchFamily="18" charset="0"/>
+              <a:cs typeface="Times New Roman" panose="02020603050405020304" pitchFamily="18" charset="0"/>
+            </a:endParaRPr>
+          </a:p>
+        </p:txBody>
+      </p:sp>
+      <p:sp>
+        <p:nvSpPr>
+          <p:cNvPr id="9" name="TextBox 8">
+            <a:extLst>
+              <a:ext uri="{FF2B5EF4-FFF2-40B4-BE49-F238E27FC236}">
+                <a16:creationId xmlns:a16="http://schemas.microsoft.com/office/drawing/2014/main" id="{8F5E6868-9912-9D8D-B0AF-73AF0E0E300C}"/>
+              </a:ext>
+            </a:extLst>
+          </p:cNvPr>
+          <p:cNvSpPr txBox="1"/>
+          <p:nvPr/>
+        </p:nvSpPr>
+        <p:spPr>
+          <a:xfrm>
+            <a:off x="430886" y="3990108"/>
+            <a:ext cx="8563485" cy="461665"/>
+          </a:xfrm>
+          <a:prstGeom prst="rect">
+            <a:avLst/>
+          </a:prstGeom>
+          <a:noFill/>
+        </p:spPr>
+        <p:txBody>
+          <a:bodyPr wrap="square" rtlCol="0">
+            <a:spAutoFit/>
+          </a:bodyPr>
+          <a:lstStyle/>
+          <a:p>
+            <a:r>
+              <a:rPr lang="en-US" sz="2400" b="1" dirty="0">
+                <a:latin typeface="Times New Roman" panose="02020603050405020304" pitchFamily="18" charset="0"/>
+                <a:cs typeface="Times New Roman" panose="02020603050405020304" pitchFamily="18" charset="0"/>
+              </a:rPr>
+              <a:t>How could this be useful to your work at your company</a:t>
+            </a:r>
+            <a:endParaRPr lang="en-IN" sz="2400" b="1" dirty="0">
+              <a:latin typeface="Times New Roman" panose="02020603050405020304" pitchFamily="18" charset="0"/>
+              <a:cs typeface="Times New Roman" panose="02020603050405020304" pitchFamily="18" charset="0"/>
+            </a:endParaRPr>
+          </a:p>
+        </p:txBody>
+      </p:sp>
+      <p:sp>
+        <p:nvSpPr>
+          <p:cNvPr id="10" name="TextBox 9">
+            <a:extLst>
+              <a:ext uri="{FF2B5EF4-FFF2-40B4-BE49-F238E27FC236}">
+                <a16:creationId xmlns:a16="http://schemas.microsoft.com/office/drawing/2014/main" id="{1D8E1249-55BE-B3E5-7F96-76FDD9B66A62}"/>
+              </a:ext>
+            </a:extLst>
+          </p:cNvPr>
+          <p:cNvSpPr txBox="1"/>
+          <p:nvPr/>
+        </p:nvSpPr>
+        <p:spPr>
+          <a:xfrm>
+            <a:off x="323092" y="2431302"/>
+            <a:ext cx="7068497" cy="461665"/>
+          </a:xfrm>
+          <a:prstGeom prst="rect">
+            <a:avLst/>
+          </a:prstGeom>
+          <a:noFill/>
+        </p:spPr>
+        <p:txBody>
+          <a:bodyPr wrap="square" rtlCol="0">
+            <a:spAutoFit/>
+          </a:bodyPr>
+          <a:lstStyle/>
+          <a:p>
+            <a:r>
+              <a:rPr lang="en-US" sz="2400" b="1" dirty="0">
+                <a:latin typeface="Times New Roman" panose="02020603050405020304" pitchFamily="18" charset="0"/>
+                <a:cs typeface="Times New Roman" panose="02020603050405020304" pitchFamily="18" charset="0"/>
+              </a:rPr>
+              <a:t>What could have been done if given more time</a:t>
+            </a:r>
+            <a:endParaRPr lang="en-IN" sz="2400" b="1" dirty="0">
+              <a:latin typeface="Times New Roman" panose="02020603050405020304" pitchFamily="18" charset="0"/>
+              <a:cs typeface="Times New Roman" panose="02020603050405020304" pitchFamily="18" charset="0"/>
+            </a:endParaRPr>
+          </a:p>
+        </p:txBody>
+      </p:sp>
+      <p:sp>
+        <p:nvSpPr>
+          <p:cNvPr id="15" name="TextBox 14">
+            <a:extLst>
+              <a:ext uri="{FF2B5EF4-FFF2-40B4-BE49-F238E27FC236}">
+                <a16:creationId xmlns:a16="http://schemas.microsoft.com/office/drawing/2014/main" id="{9534C72F-5CDF-8C8C-424E-6A736783EC79}"/>
+              </a:ext>
+            </a:extLst>
+          </p:cNvPr>
+          <p:cNvSpPr txBox="1"/>
+          <p:nvPr/>
+        </p:nvSpPr>
+        <p:spPr>
+          <a:xfrm>
+            <a:off x="323092" y="2945793"/>
+            <a:ext cx="10983793" cy="923330"/>
+          </a:xfrm>
+          <a:prstGeom prst="rect">
+            <a:avLst/>
+          </a:prstGeom>
+          <a:noFill/>
+        </p:spPr>
+        <p:txBody>
+          <a:bodyPr wrap="square" rtlCol="0">
+            <a:spAutoFit/>
+          </a:bodyPr>
+          <a:lstStyle/>
+          <a:p>
+            <a:pPr marL="285750" indent="-285750">
+              <a:buFont typeface="Arial" panose="020B0604020202020204" pitchFamily="34" charset="0"/>
+              <a:buChar char="•"/>
+            </a:pPr>
+            <a:r>
+              <a:rPr lang="en-US" dirty="0">
+                <a:solidFill>
+                  <a:srgbClr val="374151"/>
+                </a:solidFill>
+                <a:latin typeface="Times New Roman" panose="02020603050405020304" pitchFamily="18" charset="0"/>
+                <a:cs typeface="Times New Roman" panose="02020603050405020304" pitchFamily="18" charset="0"/>
+              </a:rPr>
+              <a:t>Advanced portfolio analytics with machine learning predictions and risk assessment algorithms</a:t>
+            </a:r>
+          </a:p>
+          <a:p>
+            <a:pPr marL="285750" indent="-285750">
+              <a:buFont typeface="Arial" panose="020B0604020202020204" pitchFamily="34" charset="0"/>
+              <a:buChar char="•"/>
+            </a:pPr>
+            <a:endParaRPr lang="en-US" dirty="0">
+              <a:solidFill>
+                <a:srgbClr val="374151"/>
+              </a:solidFill>
+              <a:latin typeface="Times New Roman" panose="02020603050405020304" pitchFamily="18" charset="0"/>
+              <a:cs typeface="Times New Roman" panose="02020603050405020304" pitchFamily="18" charset="0"/>
+            </a:endParaRPr>
+          </a:p>
+          <a:p>
+            <a:pPr marL="285750" indent="-285750">
+              <a:buFont typeface="Arial" panose="020B0604020202020204" pitchFamily="34" charset="0"/>
+              <a:buChar char="•"/>
+            </a:pPr>
+            <a:r>
+              <a:rPr lang="en-US" dirty="0">
+                <a:solidFill>
+                  <a:srgbClr val="374151"/>
+                </a:solidFill>
+                <a:latin typeface="Times New Roman" panose="02020603050405020304" pitchFamily="18" charset="0"/>
+                <a:cs typeface="Times New Roman" panose="02020603050405020304" pitchFamily="18" charset="0"/>
+              </a:rPr>
+              <a:t>Mobile app development, advanced charting features, and AI-powered investment recommendations</a:t>
+            </a:r>
+            <a:endParaRPr lang="en-IN" dirty="0">
+              <a:solidFill>
+                <a:srgbClr val="374151"/>
+              </a:solidFill>
+              <a:latin typeface="Times New Roman" panose="02020603050405020304" pitchFamily="18" charset="0"/>
+              <a:cs typeface="Times New Roman" panose="02020603050405020304" pitchFamily="18" charset="0"/>
+            </a:endParaRPr>
+          </a:p>
+        </p:txBody>
+      </p:sp>
+      <p:sp>
+        <p:nvSpPr>
+          <p:cNvPr id="16" name="TextBox 15">
+            <a:extLst>
+              <a:ext uri="{FF2B5EF4-FFF2-40B4-BE49-F238E27FC236}">
+                <a16:creationId xmlns:a16="http://schemas.microsoft.com/office/drawing/2014/main" id="{BA12924D-431A-0EEA-FDCF-DC3550E4317D}"/>
+              </a:ext>
+            </a:extLst>
+          </p:cNvPr>
+          <p:cNvSpPr txBox="1"/>
+          <p:nvPr/>
+        </p:nvSpPr>
+        <p:spPr>
+          <a:xfrm>
+            <a:off x="414260" y="1338700"/>
+            <a:ext cx="10133215" cy="1292662"/>
+          </a:xfrm>
+          <a:prstGeom prst="rect">
+            <a:avLst/>
+          </a:prstGeom>
+          <a:noFill/>
+        </p:spPr>
+        <p:txBody>
+          <a:bodyPr wrap="square" rtlCol="0">
+            <a:spAutoFit/>
+          </a:bodyPr>
+          <a:lstStyle/>
+          <a:p>
+            <a:pPr marL="285750" indent="-285750">
+              <a:buFont typeface="Arial" panose="020B0604020202020204" pitchFamily="34" charset="0"/>
+              <a:buChar char="•"/>
+            </a:pPr>
+            <a:r>
+              <a:rPr lang="en-US" b="0" i="0" dirty="0">
+                <a:solidFill>
+                  <a:srgbClr val="374151"/>
+                </a:solidFill>
+                <a:effectLst/>
+                <a:latin typeface="Times New Roman" panose="02020603050405020304" pitchFamily="18" charset="0"/>
+                <a:cs typeface="Times New Roman" panose="02020603050405020304" pitchFamily="18" charset="0"/>
+              </a:rPr>
+              <a:t>Modern web development requires seamless integration between frontend, backend, and external APIs</a:t>
+            </a:r>
+          </a:p>
+          <a:p>
+            <a:pPr marL="285750" indent="-285750">
+              <a:buFont typeface="Arial" panose="020B0604020202020204" pitchFamily="34" charset="0"/>
+              <a:buChar char="•"/>
+            </a:pPr>
+            <a:endParaRPr lang="en-US" dirty="0">
+              <a:solidFill>
+                <a:srgbClr val="374151"/>
+              </a:solidFill>
+              <a:latin typeface="Times New Roman" panose="02020603050405020304" pitchFamily="18" charset="0"/>
+              <a:cs typeface="Times New Roman" panose="02020603050405020304" pitchFamily="18" charset="0"/>
+            </a:endParaRPr>
+          </a:p>
+          <a:p>
+            <a:pPr marL="285750" indent="-285750">
+              <a:buFont typeface="Arial" panose="020B0604020202020204" pitchFamily="34" charset="0"/>
+              <a:buChar char="•"/>
+            </a:pPr>
+            <a:r>
+              <a:rPr lang="en-US" b="0" i="0" dirty="0">
+                <a:solidFill>
+                  <a:srgbClr val="374151"/>
+                </a:solidFill>
+                <a:effectLst/>
+                <a:latin typeface="Times New Roman" panose="02020603050405020304" pitchFamily="18" charset="0"/>
+                <a:cs typeface="Times New Roman" panose="02020603050405020304" pitchFamily="18" charset="0"/>
+              </a:rPr>
+              <a:t>Real-time financial data presents unique challenges in reliability and performance optimization </a:t>
+            </a:r>
+          </a:p>
+          <a:p>
+            <a:pPr marL="285750" indent="-285750">
+              <a:buFont typeface="Arial" panose="020B0604020202020204" pitchFamily="34" charset="0"/>
+              <a:buChar char="•"/>
+            </a:pPr>
+            <a:endParaRPr lang="en-US" sz="2400" b="0" i="0" dirty="0">
+              <a:solidFill>
+                <a:srgbClr val="374151"/>
+              </a:solidFill>
+              <a:effectLst/>
+              <a:highlight>
+                <a:srgbClr val="FFFF00"/>
+              </a:highlight>
+              <a:latin typeface="Times New Roman" panose="02020603050405020304" pitchFamily="18" charset="0"/>
+              <a:cs typeface="Times New Roman" panose="02020603050405020304" pitchFamily="18" charset="0"/>
+            </a:endParaRPr>
+          </a:p>
+        </p:txBody>
+      </p:sp>
+      <p:sp>
+        <p:nvSpPr>
+          <p:cNvPr id="17" name="TextBox 16">
+            <a:extLst>
+              <a:ext uri="{FF2B5EF4-FFF2-40B4-BE49-F238E27FC236}">
+                <a16:creationId xmlns:a16="http://schemas.microsoft.com/office/drawing/2014/main" id="{A978E094-6E78-039D-68DC-F3B476C4D4EE}"/>
+              </a:ext>
+            </a:extLst>
+          </p:cNvPr>
+          <p:cNvSpPr txBox="1"/>
+          <p:nvPr/>
+        </p:nvSpPr>
+        <p:spPr>
+          <a:xfrm>
+            <a:off x="320140" y="4530157"/>
+            <a:ext cx="10227335" cy="1969770"/>
+          </a:xfrm>
+          <a:prstGeom prst="rect">
+            <a:avLst/>
+          </a:prstGeom>
+          <a:noFill/>
+        </p:spPr>
+        <p:txBody>
+          <a:bodyPr wrap="square" rtlCol="0">
+            <a:spAutoFit/>
+          </a:bodyPr>
+          <a:lstStyle/>
+          <a:p>
+            <a:pPr marL="285750" indent="-285750">
+              <a:buFont typeface="Arial" panose="020B0604020202020204" pitchFamily="34" charset="0"/>
+              <a:buChar char="•"/>
+            </a:pPr>
+            <a:r>
+              <a:rPr lang="en-US" dirty="0">
+                <a:solidFill>
+                  <a:srgbClr val="374151"/>
+                </a:solidFill>
+                <a:latin typeface="Times New Roman" panose="02020603050405020304" pitchFamily="18" charset="0"/>
+                <a:cs typeface="Times New Roman" panose="02020603050405020304" pitchFamily="18" charset="0"/>
+              </a:rPr>
+              <a:t>Demonstrates full-stack development skills, API integration expertise, and ability to build scalable financial applications</a:t>
+            </a:r>
+          </a:p>
+          <a:p>
+            <a:pPr marL="285750" indent="-285750">
+              <a:buFont typeface="Arial" panose="020B0604020202020204" pitchFamily="34" charset="0"/>
+              <a:buChar char="•"/>
+            </a:pPr>
+            <a:endParaRPr lang="en-US" dirty="0">
+              <a:solidFill>
+                <a:srgbClr val="374151"/>
+              </a:solidFill>
+              <a:latin typeface="Times New Roman" panose="02020603050405020304" pitchFamily="18" charset="0"/>
+              <a:cs typeface="Times New Roman" panose="02020603050405020304" pitchFamily="18" charset="0"/>
+            </a:endParaRPr>
+          </a:p>
+          <a:p>
+            <a:pPr marL="285750" indent="-285750">
+              <a:buFont typeface="Arial" panose="020B0604020202020204" pitchFamily="34" charset="0"/>
+              <a:buChar char="•"/>
+            </a:pPr>
+            <a:r>
+              <a:rPr lang="en-US" dirty="0">
+                <a:solidFill>
+                  <a:srgbClr val="374151"/>
+                </a:solidFill>
+                <a:latin typeface="Times New Roman" panose="02020603050405020304" pitchFamily="18" charset="0"/>
+                <a:cs typeface="Times New Roman" panose="02020603050405020304" pitchFamily="18" charset="0"/>
+              </a:rPr>
+              <a:t>Showcases team collaboration - coordinated frontend/backend development with Git version control</a:t>
+            </a:r>
+          </a:p>
+          <a:p>
+            <a:pPr marL="285750" indent="-285750">
+              <a:buFont typeface="Arial" panose="020B0604020202020204" pitchFamily="34" charset="0"/>
+              <a:buChar char="•"/>
+            </a:pPr>
+            <a:endParaRPr lang="en-US" dirty="0">
+              <a:solidFill>
+                <a:srgbClr val="374151"/>
+              </a:solidFill>
+              <a:latin typeface="Times New Roman" panose="02020603050405020304" pitchFamily="18" charset="0"/>
+              <a:cs typeface="Times New Roman" panose="02020603050405020304" pitchFamily="18" charset="0"/>
+            </a:endParaRPr>
+          </a:p>
+          <a:p>
+            <a:pPr marL="285750" indent="-285750">
+              <a:buFont typeface="Arial" panose="020B0604020202020204" pitchFamily="34" charset="0"/>
+              <a:buChar char="•"/>
+            </a:pPr>
+            <a:r>
+              <a:rPr lang="en-US" dirty="0">
+                <a:solidFill>
+                  <a:srgbClr val="374151"/>
+                </a:solidFill>
+                <a:latin typeface="Times New Roman" panose="02020603050405020304" pitchFamily="18" charset="0"/>
+                <a:cs typeface="Times New Roman" panose="02020603050405020304" pitchFamily="18" charset="0"/>
+              </a:rPr>
+              <a:t>Proves problem-solving abilities - implemented error handling and reliability solutions under pressure</a:t>
+            </a:r>
+          </a:p>
+          <a:p>
+            <a:pPr marL="285750" indent="-285750">
+              <a:buFont typeface="Arial" panose="020B0604020202020204" pitchFamily="34" charset="0"/>
+              <a:buChar char="•"/>
+            </a:pPr>
+            <a:endParaRPr lang="en-IN" sz="1400" dirty="0">
+              <a:highlight>
+                <a:srgbClr val="FFFF00"/>
+              </a:highlight>
+              <a:latin typeface="Times New Roman" panose="02020603050405020304" pitchFamily="18" charset="0"/>
+              <a:cs typeface="Times New Roman" panose="02020603050405020304" pitchFamily="18" charset="0"/>
+            </a:endParaRPr>
+          </a:p>
+        </p:txBody>
+      </p:sp>
+      <p:sp>
+        <p:nvSpPr>
+          <p:cNvPr id="2" name="Rectangle 1">
+            <a:extLst>
+              <a:ext uri="{FF2B5EF4-FFF2-40B4-BE49-F238E27FC236}">
+                <a16:creationId xmlns:a16="http://schemas.microsoft.com/office/drawing/2014/main" id="{DC49D467-CEAF-D431-D5FB-17418CC41076}"/>
+              </a:ext>
+            </a:extLst>
+          </p:cNvPr>
+          <p:cNvSpPr/>
+          <p:nvPr/>
+        </p:nvSpPr>
+        <p:spPr>
+          <a:xfrm>
+            <a:off x="4816313" y="73512"/>
+            <a:ext cx="2145139" cy="584775"/>
+          </a:xfrm>
+          <a:prstGeom prst="rect">
+            <a:avLst/>
+          </a:prstGeom>
+          <a:noFill/>
+        </p:spPr>
+        <p:txBody>
+          <a:bodyPr wrap="none" lIns="91440" tIns="45720" rIns="91440" bIns="45720">
+            <a:spAutoFit/>
+          </a:bodyPr>
+          <a:lstStyle/>
+          <a:p>
+            <a:pPr algn="ctr"/>
+            <a:r>
+              <a:rPr lang="en-US" sz="3200" b="1" cap="none" spc="0" dirty="0">
+                <a:ln w="0"/>
+                <a:solidFill>
+                  <a:schemeClr val="tx1"/>
+                </a:solidFill>
+                <a:effectLst>
+                  <a:outerShdw blurRad="38100" dist="19050" dir="2700000" algn="tl" rotWithShape="0">
+                    <a:schemeClr val="dk1">
+                      <a:alpha val="40000"/>
+                    </a:schemeClr>
+                  </a:outerShdw>
+                </a:effectLst>
+                <a:latin typeface="Times New Roman" panose="02020603050405020304" pitchFamily="18" charset="0"/>
+                <a:cs typeface="Times New Roman" panose="02020603050405020304" pitchFamily="18" charset="0"/>
+              </a:rPr>
+              <a:t>Conclusion</a:t>
+            </a:r>
+          </a:p>
+        </p:txBody>
+      </p:sp>
+    </p:spTree>
+    <p:extLst>
+      <p:ext uri="{BB962C8B-B14F-4D97-AF65-F5344CB8AC3E}">
+        <p14:creationId xmlns:p14="http://schemas.microsoft.com/office/powerpoint/2010/main" val="3257695602"/>
+      </p:ext>
+    </p:extLst>
+  </p:cSld>
+  <p:clrMapOvr>
+    <a:masterClrMapping/>
+  </p:clrMapOvr>
+</p:sld>
+</file>
+
+<file path=ppt/slides/slide12.xml><?xml version="1.0" encoding="utf-8"?>
+<p:sld xmlns:a="http://schemas.openxmlformats.org/drawingml/2006/main" xmlns:r="http://schemas.openxmlformats.org/officeDocument/2006/relationships" xmlns:p="http://schemas.openxmlformats.org/presentationml/2006/main">
+  <p:cSld>
+    <p:spTree>
+      <p:nvGrpSpPr>
+        <p:cNvPr id="1" name=""/>
+        <p:cNvGrpSpPr/>
+        <p:nvPr/>
+      </p:nvGrpSpPr>
+      <p:grpSpPr>
+        <a:xfrm>
+          <a:off x="0" y="0"/>
+          <a:ext cx="0" cy="0"/>
+          <a:chOff x="0" y="0"/>
+          <a:chExt cx="0" cy="0"/>
+        </a:xfrm>
+      </p:grpSpPr>
+      <p:pic>
+        <p:nvPicPr>
           <p:cNvPr id="3" name="Picture 2">
             <a:extLst>
               <a:ext uri="{FF2B5EF4-FFF2-40B4-BE49-F238E27FC236}">
@@ -7665,588 +8509,46 @@
           <a:chExt cx="0" cy="0"/>
         </a:xfrm>
       </p:grpSpPr>
-      <p:cxnSp>
-        <p:nvCxnSpPr>
-          <p:cNvPr id="3" name="Straight Connector 2">
+      <p:pic>
+        <p:nvPicPr>
+          <p:cNvPr id="8" name="图片 7">
             <a:extLst>
               <a:ext uri="{FF2B5EF4-FFF2-40B4-BE49-F238E27FC236}">
-                <a16:creationId xmlns:a16="http://schemas.microsoft.com/office/drawing/2014/main" id="{7DC06FE4-3E05-0942-31DB-23A71B2EA57E}"/>
+                <a16:creationId xmlns:a16="http://schemas.microsoft.com/office/drawing/2014/main" id="{D8FB9DDE-F3AE-E788-5264-2CF70E9BF117}"/>
               </a:ext>
             </a:extLst>
           </p:cNvPr>
-          <p:cNvCxnSpPr>
-            <a:cxnSpLocks/>
-          </p:cNvCxnSpPr>
+          <p:cNvPicPr>
+            <a:picLocks noChangeAspect="1"/>
+          </p:cNvPicPr>
           <p:nvPr/>
-        </p:nvCxnSpPr>
-        <p:spPr>
-          <a:xfrm>
-            <a:off x="-1" y="2394066"/>
-            <a:ext cx="12191999" cy="0"/>
-          </a:xfrm>
-          <a:prstGeom prst="line">
-            <a:avLst/>
-          </a:prstGeom>
-        </p:spPr>
-        <p:style>
-          <a:lnRef idx="1">
-            <a:schemeClr val="accent1"/>
-          </a:lnRef>
-          <a:fillRef idx="0">
-            <a:schemeClr val="accent1"/>
-          </a:fillRef>
-          <a:effectRef idx="0">
-            <a:schemeClr val="accent1"/>
-          </a:effectRef>
-          <a:fontRef idx="minor">
-            <a:schemeClr val="tx1"/>
-          </a:fontRef>
-        </p:style>
-      </p:cxnSp>
-      <p:cxnSp>
-        <p:nvCxnSpPr>
-          <p:cNvPr id="4" name="Straight Connector 3">
+        </p:nvPicPr>
+        <p:blipFill>
+          <a:blip r:embed="rId3">
             <a:extLst>
-              <a:ext uri="{FF2B5EF4-FFF2-40B4-BE49-F238E27FC236}">
-                <a16:creationId xmlns:a16="http://schemas.microsoft.com/office/drawing/2014/main" id="{BF2A274A-CE4E-80CD-A685-8C7A59A51778}"/>
+              <a:ext uri="{28A0092B-C50C-407E-A947-70E740481C1C}">
+                <a14:useLocalDpi xmlns:a14="http://schemas.microsoft.com/office/drawing/2010/main" val="0"/>
               </a:ext>
             </a:extLst>
-          </p:cNvPr>
-          <p:cNvCxnSpPr>
-            <a:cxnSpLocks/>
-          </p:cNvCxnSpPr>
-          <p:nvPr/>
-        </p:nvCxnSpPr>
-        <p:spPr>
-          <a:xfrm>
-            <a:off x="-1" y="3981795"/>
-            <a:ext cx="12191999" cy="0"/>
-          </a:xfrm>
-          <a:prstGeom prst="line">
-            <a:avLst/>
-          </a:prstGeom>
-        </p:spPr>
-        <p:style>
-          <a:lnRef idx="1">
-            <a:schemeClr val="accent1"/>
-          </a:lnRef>
-          <a:fillRef idx="0">
-            <a:schemeClr val="accent1"/>
-          </a:fillRef>
-          <a:effectRef idx="0">
-            <a:schemeClr val="accent1"/>
-          </a:effectRef>
-          <a:fontRef idx="minor">
-            <a:schemeClr val="tx1"/>
-          </a:fontRef>
-        </p:style>
-      </p:cxnSp>
-      <p:cxnSp>
-        <p:nvCxnSpPr>
-          <p:cNvPr id="6" name="Straight Connector 5">
-            <a:extLst>
-              <a:ext uri="{FF2B5EF4-FFF2-40B4-BE49-F238E27FC236}">
-                <a16:creationId xmlns:a16="http://schemas.microsoft.com/office/drawing/2014/main" id="{E7916F09-6D25-0EBB-ECDA-F88CD8CF05B0}"/>
-              </a:ext>
-            </a:extLst>
-          </p:cNvPr>
-          <p:cNvCxnSpPr/>
-          <p:nvPr/>
-        </p:nvCxnSpPr>
-        <p:spPr>
-          <a:xfrm>
-            <a:off x="0" y="859926"/>
-            <a:ext cx="12192000" cy="0"/>
-          </a:xfrm>
-          <a:prstGeom prst="line">
-            <a:avLst/>
-          </a:prstGeom>
-        </p:spPr>
-        <p:style>
-          <a:lnRef idx="1">
-            <a:schemeClr val="accent1"/>
-          </a:lnRef>
-          <a:fillRef idx="0">
-            <a:schemeClr val="accent1"/>
-          </a:fillRef>
-          <a:effectRef idx="0">
-            <a:schemeClr val="accent1"/>
-          </a:effectRef>
-          <a:fontRef idx="minor">
-            <a:schemeClr val="tx1"/>
-          </a:fontRef>
-        </p:style>
-      </p:cxnSp>
-      <p:sp>
-        <p:nvSpPr>
-          <p:cNvPr id="7" name="TextBox 6">
-            <a:extLst>
-              <a:ext uri="{FF2B5EF4-FFF2-40B4-BE49-F238E27FC236}">
-                <a16:creationId xmlns:a16="http://schemas.microsoft.com/office/drawing/2014/main" id="{DA0D1BDA-143C-F018-1684-F9117920B74A}"/>
-              </a:ext>
-            </a:extLst>
-          </p:cNvPr>
-          <p:cNvSpPr txBox="1"/>
-          <p:nvPr/>
-        </p:nvSpPr>
-        <p:spPr>
-          <a:xfrm>
-            <a:off x="323092" y="862818"/>
-            <a:ext cx="4240595" cy="461665"/>
+          </a:blip>
+          <a:stretch>
+            <a:fillRect/>
+          </a:stretch>
+        </p:blipFill>
+        <p:spPr>
+          <a:xfrm>
+            <a:off x="508000" y="283375"/>
+            <a:ext cx="10553700" cy="5342605"/>
           </a:xfrm>
           <a:prstGeom prst="rect">
             <a:avLst/>
           </a:prstGeom>
-          <a:noFill/>
-        </p:spPr>
-        <p:txBody>
-          <a:bodyPr wrap="square" rtlCol="0">
-            <a:spAutoFit/>
-          </a:bodyPr>
-          <a:lstStyle/>
-          <a:p>
-            <a:r>
-              <a:rPr lang="en-US" sz="2400" b="1" dirty="0">
-                <a:latin typeface="Times New Roman" panose="02020603050405020304" pitchFamily="18" charset="0"/>
-                <a:cs typeface="Times New Roman" panose="02020603050405020304" pitchFamily="18" charset="0"/>
-              </a:rPr>
-              <a:t>What have we learned?</a:t>
-            </a:r>
-            <a:endParaRPr lang="en-IN" sz="2400" b="1" dirty="0">
-              <a:latin typeface="Times New Roman" panose="02020603050405020304" pitchFamily="18" charset="0"/>
-              <a:cs typeface="Times New Roman" panose="02020603050405020304" pitchFamily="18" charset="0"/>
-            </a:endParaRPr>
-          </a:p>
-        </p:txBody>
-      </p:sp>
-      <p:sp>
-        <p:nvSpPr>
-          <p:cNvPr id="9" name="TextBox 8">
-            <a:extLst>
-              <a:ext uri="{FF2B5EF4-FFF2-40B4-BE49-F238E27FC236}">
-                <a16:creationId xmlns:a16="http://schemas.microsoft.com/office/drawing/2014/main" id="{8F5E6868-9912-9D8D-B0AF-73AF0E0E300C}"/>
-              </a:ext>
-            </a:extLst>
-          </p:cNvPr>
-          <p:cNvSpPr txBox="1"/>
-          <p:nvPr/>
-        </p:nvSpPr>
-        <p:spPr>
-          <a:xfrm>
-            <a:off x="430886" y="3990108"/>
-            <a:ext cx="8563485" cy="461665"/>
-          </a:xfrm>
-          <a:prstGeom prst="rect">
-            <a:avLst/>
-          </a:prstGeom>
-          <a:noFill/>
-        </p:spPr>
-        <p:txBody>
-          <a:bodyPr wrap="square" rtlCol="0">
-            <a:spAutoFit/>
-          </a:bodyPr>
-          <a:lstStyle/>
-          <a:p>
-            <a:r>
-              <a:rPr lang="en-US" sz="2400" b="1" dirty="0">
-                <a:latin typeface="Times New Roman" panose="02020603050405020304" pitchFamily="18" charset="0"/>
-                <a:cs typeface="Times New Roman" panose="02020603050405020304" pitchFamily="18" charset="0"/>
-              </a:rPr>
-              <a:t>How could this be useful to your work at your company</a:t>
-            </a:r>
-            <a:endParaRPr lang="en-IN" sz="2400" b="1" dirty="0">
-              <a:latin typeface="Times New Roman" panose="02020603050405020304" pitchFamily="18" charset="0"/>
-              <a:cs typeface="Times New Roman" panose="02020603050405020304" pitchFamily="18" charset="0"/>
-            </a:endParaRPr>
-          </a:p>
-        </p:txBody>
-      </p:sp>
-      <p:sp>
-        <p:nvSpPr>
-          <p:cNvPr id="10" name="TextBox 9">
-            <a:extLst>
-              <a:ext uri="{FF2B5EF4-FFF2-40B4-BE49-F238E27FC236}">
-                <a16:creationId xmlns:a16="http://schemas.microsoft.com/office/drawing/2014/main" id="{1D8E1249-55BE-B3E5-7F96-76FDD9B66A62}"/>
-              </a:ext>
-            </a:extLst>
-          </p:cNvPr>
-          <p:cNvSpPr txBox="1"/>
-          <p:nvPr/>
-        </p:nvSpPr>
-        <p:spPr>
-          <a:xfrm>
-            <a:off x="323092" y="2431302"/>
-            <a:ext cx="7068497" cy="461665"/>
-          </a:xfrm>
-          <a:prstGeom prst="rect">
-            <a:avLst/>
-          </a:prstGeom>
-          <a:noFill/>
-        </p:spPr>
-        <p:txBody>
-          <a:bodyPr wrap="square" rtlCol="0">
-            <a:spAutoFit/>
-          </a:bodyPr>
-          <a:lstStyle/>
-          <a:p>
-            <a:r>
-              <a:rPr lang="en-US" sz="2400" b="1" dirty="0">
-                <a:latin typeface="Times New Roman" panose="02020603050405020304" pitchFamily="18" charset="0"/>
-                <a:cs typeface="Times New Roman" panose="02020603050405020304" pitchFamily="18" charset="0"/>
-              </a:rPr>
-              <a:t>What could have been done if given more time</a:t>
-            </a:r>
-            <a:endParaRPr lang="en-IN" sz="2400" b="1" dirty="0">
-              <a:latin typeface="Times New Roman" panose="02020603050405020304" pitchFamily="18" charset="0"/>
-              <a:cs typeface="Times New Roman" panose="02020603050405020304" pitchFamily="18" charset="0"/>
-            </a:endParaRPr>
-          </a:p>
-        </p:txBody>
-      </p:sp>
-      <p:sp>
-        <p:nvSpPr>
-          <p:cNvPr id="15" name="TextBox 14">
-            <a:extLst>
-              <a:ext uri="{FF2B5EF4-FFF2-40B4-BE49-F238E27FC236}">
-                <a16:creationId xmlns:a16="http://schemas.microsoft.com/office/drawing/2014/main" id="{9534C72F-5CDF-8C8C-424E-6A736783EC79}"/>
-              </a:ext>
-            </a:extLst>
-          </p:cNvPr>
-          <p:cNvSpPr txBox="1"/>
-          <p:nvPr/>
-        </p:nvSpPr>
-        <p:spPr>
-          <a:xfrm>
-            <a:off x="323092" y="2945793"/>
-            <a:ext cx="10983793" cy="923330"/>
-          </a:xfrm>
-          <a:prstGeom prst="rect">
-            <a:avLst/>
-          </a:prstGeom>
-          <a:noFill/>
-        </p:spPr>
-        <p:txBody>
-          <a:bodyPr wrap="square" rtlCol="0">
-            <a:spAutoFit/>
-          </a:bodyPr>
-          <a:lstStyle/>
-          <a:p>
-            <a:pPr marL="285750" indent="-285750">
-              <a:buFont typeface="Arial" panose="020B0604020202020204" pitchFamily="34" charset="0"/>
-              <a:buChar char="•"/>
-            </a:pPr>
-            <a:r>
-              <a:rPr lang="en-US" dirty="0">
-                <a:solidFill>
-                  <a:srgbClr val="374151"/>
-                </a:solidFill>
-                <a:latin typeface="Times New Roman" panose="02020603050405020304" pitchFamily="18" charset="0"/>
-                <a:cs typeface="Times New Roman" panose="02020603050405020304" pitchFamily="18" charset="0"/>
-              </a:rPr>
-              <a:t>Advanced portfolio analytics with machine learning predictions and risk assessment algorithms</a:t>
-            </a:r>
-          </a:p>
-          <a:p>
-            <a:pPr marL="285750" indent="-285750">
-              <a:buFont typeface="Arial" panose="020B0604020202020204" pitchFamily="34" charset="0"/>
-              <a:buChar char="•"/>
-            </a:pPr>
-            <a:endParaRPr lang="en-US" dirty="0">
-              <a:solidFill>
-                <a:srgbClr val="374151"/>
-              </a:solidFill>
-              <a:latin typeface="Times New Roman" panose="02020603050405020304" pitchFamily="18" charset="0"/>
-              <a:cs typeface="Times New Roman" panose="02020603050405020304" pitchFamily="18" charset="0"/>
-            </a:endParaRPr>
-          </a:p>
-          <a:p>
-            <a:pPr marL="285750" indent="-285750">
-              <a:buFont typeface="Arial" panose="020B0604020202020204" pitchFamily="34" charset="0"/>
-              <a:buChar char="•"/>
-            </a:pPr>
-            <a:r>
-              <a:rPr lang="en-US" dirty="0">
-                <a:solidFill>
-                  <a:srgbClr val="374151"/>
-                </a:solidFill>
-                <a:latin typeface="Times New Roman" panose="02020603050405020304" pitchFamily="18" charset="0"/>
-                <a:cs typeface="Times New Roman" panose="02020603050405020304" pitchFamily="18" charset="0"/>
-              </a:rPr>
-              <a:t>Mobile app development, advanced charting features, and AI-powered investment recommendations</a:t>
-            </a:r>
-            <a:endParaRPr lang="en-IN" dirty="0">
-              <a:solidFill>
-                <a:srgbClr val="374151"/>
-              </a:solidFill>
-              <a:latin typeface="Times New Roman" panose="02020603050405020304" pitchFamily="18" charset="0"/>
-              <a:cs typeface="Times New Roman" panose="02020603050405020304" pitchFamily="18" charset="0"/>
-            </a:endParaRPr>
-          </a:p>
-        </p:txBody>
-      </p:sp>
-      <p:sp>
-        <p:nvSpPr>
-          <p:cNvPr id="16" name="TextBox 15">
-            <a:extLst>
-              <a:ext uri="{FF2B5EF4-FFF2-40B4-BE49-F238E27FC236}">
-                <a16:creationId xmlns:a16="http://schemas.microsoft.com/office/drawing/2014/main" id="{BA12924D-431A-0EEA-FDCF-DC3550E4317D}"/>
-              </a:ext>
-            </a:extLst>
-          </p:cNvPr>
-          <p:cNvSpPr txBox="1"/>
-          <p:nvPr/>
-        </p:nvSpPr>
-        <p:spPr>
-          <a:xfrm>
-            <a:off x="414260" y="1338700"/>
-            <a:ext cx="10133215" cy="1292662"/>
-          </a:xfrm>
-          <a:prstGeom prst="rect">
-            <a:avLst/>
-          </a:prstGeom>
-          <a:noFill/>
-        </p:spPr>
-        <p:txBody>
-          <a:bodyPr wrap="square" rtlCol="0">
-            <a:spAutoFit/>
-          </a:bodyPr>
-          <a:lstStyle/>
-          <a:p>
-            <a:pPr marL="285750" indent="-285750">
-              <a:buFont typeface="Arial" panose="020B0604020202020204" pitchFamily="34" charset="0"/>
-              <a:buChar char="•"/>
-            </a:pPr>
-            <a:r>
-              <a:rPr lang="en-US" b="0" i="0" dirty="0">
-                <a:solidFill>
-                  <a:srgbClr val="374151"/>
-                </a:solidFill>
-                <a:effectLst/>
-                <a:latin typeface="Times New Roman" panose="02020603050405020304" pitchFamily="18" charset="0"/>
-                <a:cs typeface="Times New Roman" panose="02020603050405020304" pitchFamily="18" charset="0"/>
-              </a:rPr>
-              <a:t>Modern web development requires seamless integration between frontend, backend, and external APIs</a:t>
-            </a:r>
-          </a:p>
-          <a:p>
-            <a:pPr marL="285750" indent="-285750">
-              <a:buFont typeface="Arial" panose="020B0604020202020204" pitchFamily="34" charset="0"/>
-              <a:buChar char="•"/>
-            </a:pPr>
-            <a:endParaRPr lang="en-US" dirty="0">
-              <a:solidFill>
-                <a:srgbClr val="374151"/>
-              </a:solidFill>
-              <a:latin typeface="Times New Roman" panose="02020603050405020304" pitchFamily="18" charset="0"/>
-              <a:cs typeface="Times New Roman" panose="02020603050405020304" pitchFamily="18" charset="0"/>
-            </a:endParaRPr>
-          </a:p>
-          <a:p>
-            <a:pPr marL="285750" indent="-285750">
-              <a:buFont typeface="Arial" panose="020B0604020202020204" pitchFamily="34" charset="0"/>
-              <a:buChar char="•"/>
-            </a:pPr>
-            <a:r>
-              <a:rPr lang="en-US" b="0" i="0" dirty="0">
-                <a:solidFill>
-                  <a:srgbClr val="374151"/>
-                </a:solidFill>
-                <a:effectLst/>
-                <a:latin typeface="Times New Roman" panose="02020603050405020304" pitchFamily="18" charset="0"/>
-                <a:cs typeface="Times New Roman" panose="02020603050405020304" pitchFamily="18" charset="0"/>
-              </a:rPr>
-              <a:t>Real-time financial data presents unique challenges in reliability and performance optimization </a:t>
-            </a:r>
-          </a:p>
-          <a:p>
-            <a:pPr marL="285750" indent="-285750">
-              <a:buFont typeface="Arial" panose="020B0604020202020204" pitchFamily="34" charset="0"/>
-              <a:buChar char="•"/>
-            </a:pPr>
-            <a:endParaRPr lang="en-US" sz="2400" b="0" i="0" dirty="0">
-              <a:solidFill>
-                <a:srgbClr val="374151"/>
-              </a:solidFill>
-              <a:effectLst/>
-              <a:highlight>
-                <a:srgbClr val="FFFF00"/>
-              </a:highlight>
-              <a:latin typeface="Times New Roman" panose="02020603050405020304" pitchFamily="18" charset="0"/>
-              <a:cs typeface="Times New Roman" panose="02020603050405020304" pitchFamily="18" charset="0"/>
-            </a:endParaRPr>
-          </a:p>
-        </p:txBody>
-      </p:sp>
-      <p:sp>
-        <p:nvSpPr>
-          <p:cNvPr id="17" name="TextBox 16">
-            <a:extLst>
-              <a:ext uri="{FF2B5EF4-FFF2-40B4-BE49-F238E27FC236}">
-                <a16:creationId xmlns:a16="http://schemas.microsoft.com/office/drawing/2014/main" id="{A978E094-6E78-039D-68DC-F3B476C4D4EE}"/>
-              </a:ext>
-            </a:extLst>
-          </p:cNvPr>
-          <p:cNvSpPr txBox="1"/>
-          <p:nvPr/>
-        </p:nvSpPr>
-        <p:spPr>
-          <a:xfrm>
-            <a:off x="320140" y="4530157"/>
-            <a:ext cx="10227335" cy="1969770"/>
-          </a:xfrm>
-          <a:prstGeom prst="rect">
-            <a:avLst/>
-          </a:prstGeom>
-          <a:noFill/>
-        </p:spPr>
-        <p:txBody>
-          <a:bodyPr wrap="square" rtlCol="0">
-            <a:spAutoFit/>
-          </a:bodyPr>
-          <a:lstStyle/>
-          <a:p>
-            <a:pPr marL="285750" indent="-285750">
-              <a:buFont typeface="Arial" panose="020B0604020202020204" pitchFamily="34" charset="0"/>
-              <a:buChar char="•"/>
-            </a:pPr>
-            <a:r>
-              <a:rPr lang="en-US" dirty="0">
-                <a:solidFill>
-                  <a:srgbClr val="374151"/>
-                </a:solidFill>
-                <a:latin typeface="Times New Roman" panose="02020603050405020304" pitchFamily="18" charset="0"/>
-                <a:cs typeface="Times New Roman" panose="02020603050405020304" pitchFamily="18" charset="0"/>
-              </a:rPr>
-              <a:t>Demonstrates full-stack development skills, API integration expertise, and ability to build scalable financial applications</a:t>
-            </a:r>
-          </a:p>
-          <a:p>
-            <a:pPr marL="285750" indent="-285750">
-              <a:buFont typeface="Arial" panose="020B0604020202020204" pitchFamily="34" charset="0"/>
-              <a:buChar char="•"/>
-            </a:pPr>
-            <a:endParaRPr lang="en-US" dirty="0">
-              <a:solidFill>
-                <a:srgbClr val="374151"/>
-              </a:solidFill>
-              <a:latin typeface="Times New Roman" panose="02020603050405020304" pitchFamily="18" charset="0"/>
-              <a:cs typeface="Times New Roman" panose="02020603050405020304" pitchFamily="18" charset="0"/>
-            </a:endParaRPr>
-          </a:p>
-          <a:p>
-            <a:pPr marL="285750" indent="-285750">
-              <a:buFont typeface="Arial" panose="020B0604020202020204" pitchFamily="34" charset="0"/>
-              <a:buChar char="•"/>
-            </a:pPr>
-            <a:r>
-              <a:rPr lang="en-US" dirty="0">
-                <a:solidFill>
-                  <a:srgbClr val="374151"/>
-                </a:solidFill>
-                <a:latin typeface="Times New Roman" panose="02020603050405020304" pitchFamily="18" charset="0"/>
-                <a:cs typeface="Times New Roman" panose="02020603050405020304" pitchFamily="18" charset="0"/>
-              </a:rPr>
-              <a:t>Showcases team collaboration - coordinated frontend/backend development with Git version control</a:t>
-            </a:r>
-          </a:p>
-          <a:p>
-            <a:pPr marL="285750" indent="-285750">
-              <a:buFont typeface="Arial" panose="020B0604020202020204" pitchFamily="34" charset="0"/>
-              <a:buChar char="•"/>
-            </a:pPr>
-            <a:endParaRPr lang="en-US" dirty="0">
-              <a:solidFill>
-                <a:srgbClr val="374151"/>
-              </a:solidFill>
-              <a:latin typeface="Times New Roman" panose="02020603050405020304" pitchFamily="18" charset="0"/>
-              <a:cs typeface="Times New Roman" panose="02020603050405020304" pitchFamily="18" charset="0"/>
-            </a:endParaRPr>
-          </a:p>
-          <a:p>
-            <a:pPr marL="285750" indent="-285750">
-              <a:buFont typeface="Arial" panose="020B0604020202020204" pitchFamily="34" charset="0"/>
-              <a:buChar char="•"/>
-            </a:pPr>
-            <a:r>
-              <a:rPr lang="en-US" dirty="0">
-                <a:solidFill>
-                  <a:srgbClr val="374151"/>
-                </a:solidFill>
-                <a:latin typeface="Times New Roman" panose="02020603050405020304" pitchFamily="18" charset="0"/>
-                <a:cs typeface="Times New Roman" panose="02020603050405020304" pitchFamily="18" charset="0"/>
-              </a:rPr>
-              <a:t>Proves problem-solving abilities - implemented error handling and reliability solutions under pressure</a:t>
-            </a:r>
-          </a:p>
-          <a:p>
-            <a:pPr marL="285750" indent="-285750">
-              <a:buFont typeface="Arial" panose="020B0604020202020204" pitchFamily="34" charset="0"/>
-              <a:buChar char="•"/>
-            </a:pPr>
-            <a:endParaRPr lang="en-IN" sz="1400" dirty="0">
-              <a:highlight>
-                <a:srgbClr val="FFFF00"/>
-              </a:highlight>
-              <a:latin typeface="Times New Roman" panose="02020603050405020304" pitchFamily="18" charset="0"/>
-              <a:cs typeface="Times New Roman" panose="02020603050405020304" pitchFamily="18" charset="0"/>
-            </a:endParaRPr>
-          </a:p>
-        </p:txBody>
-      </p:sp>
-      <p:sp>
-        <p:nvSpPr>
-          <p:cNvPr id="2" name="Rectangle 1">
-            <a:extLst>
-              <a:ext uri="{FF2B5EF4-FFF2-40B4-BE49-F238E27FC236}">
-                <a16:creationId xmlns:a16="http://schemas.microsoft.com/office/drawing/2014/main" id="{DC49D467-CEAF-D431-D5FB-17418CC41076}"/>
-              </a:ext>
-            </a:extLst>
-          </p:cNvPr>
-          <p:cNvSpPr/>
-          <p:nvPr/>
-        </p:nvSpPr>
-        <p:spPr>
-          <a:xfrm>
-            <a:off x="4816313" y="73512"/>
-            <a:ext cx="2145139" cy="584775"/>
-          </a:xfrm>
-          <a:prstGeom prst="rect">
-            <a:avLst/>
-          </a:prstGeom>
-          <a:noFill/>
-        </p:spPr>
-        <p:txBody>
-          <a:bodyPr wrap="none" lIns="91440" tIns="45720" rIns="91440" bIns="45720">
-            <a:spAutoFit/>
-          </a:bodyPr>
-          <a:lstStyle/>
-          <a:p>
-            <a:pPr algn="ctr"/>
-            <a:r>
-              <a:rPr lang="en-US" sz="3200" b="1" cap="none" spc="0" dirty="0">
-                <a:ln w="0"/>
-                <a:solidFill>
-                  <a:schemeClr val="tx1"/>
-                </a:solidFill>
-                <a:effectLst>
-                  <a:outerShdw blurRad="38100" dist="19050" dir="2700000" algn="tl" rotWithShape="0">
-                    <a:schemeClr val="dk1">
-                      <a:alpha val="40000"/>
-                    </a:schemeClr>
-                  </a:outerShdw>
-                </a:effectLst>
-                <a:latin typeface="Times New Roman" panose="02020603050405020304" pitchFamily="18" charset="0"/>
-                <a:cs typeface="Times New Roman" panose="02020603050405020304" pitchFamily="18" charset="0"/>
-              </a:rPr>
-              <a:t>Conclusion</a:t>
-            </a:r>
-          </a:p>
-        </p:txBody>
-      </p:sp>
+        </p:spPr>
+      </p:pic>
     </p:spTree>
     <p:extLst>
       <p:ext uri="{BB962C8B-B14F-4D97-AF65-F5344CB8AC3E}">
-        <p14:creationId xmlns:p14="http://schemas.microsoft.com/office/powerpoint/2010/main" val="3257695602"/>
+        <p14:creationId xmlns:p14="http://schemas.microsoft.com/office/powerpoint/2010/main" val="1384823430"/>
       </p:ext>
     </p:extLst>
   </p:cSld>

--- a/Final_ppt.pptx
+++ b/Final_ppt.pptx
@@ -5,7 +5,7 @@
     <p:sldMasterId id="2147483660" r:id="rId1"/>
   </p:sldMasterIdLst>
   <p:notesMasterIdLst>
-    <p:notesMasterId r:id="rId14"/>
+    <p:notesMasterId r:id="rId17"/>
   </p:notesMasterIdLst>
   <p:sldIdLst>
     <p:sldId id="257" r:id="rId2"/>
@@ -15,11 +15,14 @@
     <p:sldId id="307" r:id="rId6"/>
     <p:sldId id="293" r:id="rId7"/>
     <p:sldId id="308" r:id="rId8"/>
-    <p:sldId id="309" r:id="rId9"/>
-    <p:sldId id="310" r:id="rId10"/>
-    <p:sldId id="311" r:id="rId11"/>
-    <p:sldId id="306" r:id="rId12"/>
-    <p:sldId id="260" r:id="rId13"/>
+    <p:sldId id="312" r:id="rId9"/>
+    <p:sldId id="309" r:id="rId10"/>
+    <p:sldId id="310" r:id="rId11"/>
+    <p:sldId id="311" r:id="rId12"/>
+    <p:sldId id="306" r:id="rId13"/>
+    <p:sldId id="315" r:id="rId14"/>
+    <p:sldId id="316" r:id="rId15"/>
+    <p:sldId id="262" r:id="rId16"/>
   </p:sldIdLst>
   <p:sldSz cx="12192000" cy="6858000"/>
   <p:notesSz cx="6858000" cy="9144000"/>
@@ -563,6 +566,342 @@
 </p:notes>
 </file>
 
+<file path=ppt/notesSlides/notesSlide10.xml><?xml version="1.0" encoding="utf-8"?>
+<p:notes xmlns:a="http://schemas.openxmlformats.org/drawingml/2006/main" xmlns:r="http://schemas.openxmlformats.org/officeDocument/2006/relationships" xmlns:p="http://schemas.openxmlformats.org/presentationml/2006/main">
+  <p:cSld>
+    <p:spTree>
+      <p:nvGrpSpPr>
+        <p:cNvPr id="1" name=""/>
+        <p:cNvGrpSpPr/>
+        <p:nvPr/>
+      </p:nvGrpSpPr>
+      <p:grpSpPr>
+        <a:xfrm>
+          <a:off x="0" y="0"/>
+          <a:ext cx="0" cy="0"/>
+          <a:chOff x="0" y="0"/>
+          <a:chExt cx="0" cy="0"/>
+        </a:xfrm>
+      </p:grpSpPr>
+      <p:sp>
+        <p:nvSpPr>
+          <p:cNvPr id="2" name="幻灯片图像占位符 1"/>
+          <p:cNvSpPr>
+            <a:spLocks noGrp="1" noRot="1" noChangeAspect="1"/>
+          </p:cNvSpPr>
+          <p:nvPr>
+            <p:ph type="sldImg"/>
+          </p:nvPr>
+        </p:nvSpPr>
+        <p:spPr/>
+      </p:sp>
+      <p:sp>
+        <p:nvSpPr>
+          <p:cNvPr id="3" name="备注占位符 2"/>
+          <p:cNvSpPr>
+            <a:spLocks noGrp="1"/>
+          </p:cNvSpPr>
+          <p:nvPr>
+            <p:ph type="body" idx="1"/>
+          </p:nvPr>
+        </p:nvSpPr>
+        <p:spPr/>
+        <p:txBody>
+          <a:bodyPr/>
+          <a:lstStyle/>
+          <a:p>
+            <a:r>
+              <a:rPr lang="en-US" altLang="zh-CN" b="1" dirty="0"/>
+              <a:t>In conclusion, this project taught us that modern financial applications require seamless integration between frontend, backend, and external APIs. We also learned that real-time financial data presents unique challenges in reliability and performance optimization.</a:t>
+            </a:r>
+            <a:endParaRPr lang="en-US" altLang="zh-CN" dirty="0"/>
+          </a:p>
+          <a:p>
+            <a:r>
+              <a:rPr lang="en-US" altLang="zh-CN" b="1" dirty="0"/>
+              <a:t>Given more time, we could have implemented machine learning algorithms for investment predictions and comprehensive risk assessment tools.</a:t>
+            </a:r>
+            <a:endParaRPr lang="en-US" altLang="zh-CN" dirty="0"/>
+          </a:p>
+          <a:p>
+            <a:r>
+              <a:rPr lang="en-US" altLang="zh-CN" b="1" dirty="0"/>
+              <a:t>For future enhancements, we plan to develop a mobile app, advanced charting features, and AI-powered investment recommendations.</a:t>
+            </a:r>
+            <a:endParaRPr lang="en-US" altLang="zh-CN" dirty="0"/>
+          </a:p>
+          <a:p>
+            <a:r>
+              <a:rPr lang="en-US" altLang="zh-CN" b="1" dirty="0"/>
+              <a:t>This project demonstrates valuable workplace skills. It showcases our full-stack development capabilities and API integration expertise. We proved our team collaboration abilities by coordinating frontend and backend development with Git version control. Most importantly, we demonstrated strong problem-solving skills by implementing reliable error handling systems under pressure.</a:t>
+            </a:r>
+            <a:endParaRPr lang="en-US" altLang="zh-CN" dirty="0"/>
+          </a:p>
+          <a:p>
+            <a:endParaRPr lang="zh-CN" altLang="en-US" dirty="0"/>
+          </a:p>
+        </p:txBody>
+      </p:sp>
+      <p:sp>
+        <p:nvSpPr>
+          <p:cNvPr id="4" name="灯片编号占位符 3"/>
+          <p:cNvSpPr>
+            <a:spLocks noGrp="1"/>
+          </p:cNvSpPr>
+          <p:nvPr>
+            <p:ph type="sldNum" sz="quarter" idx="5"/>
+          </p:nvPr>
+        </p:nvSpPr>
+        <p:spPr/>
+        <p:txBody>
+          <a:bodyPr/>
+          <a:lstStyle/>
+          <a:p>
+            <a:fld id="{54DD4A14-0979-4C4C-862B-F40B61B913F0}" type="slidenum">
+              <a:rPr lang="zh-CN" altLang="en-US" smtClean="0"/>
+              <a:t>12</a:t>
+            </a:fld>
+            <a:endParaRPr lang="zh-CN" altLang="en-US"/>
+          </a:p>
+        </p:txBody>
+      </p:sp>
+    </p:spTree>
+    <p:extLst>
+      <p:ext uri="{BB962C8B-B14F-4D97-AF65-F5344CB8AC3E}">
+        <p14:creationId xmlns:p14="http://schemas.microsoft.com/office/powerpoint/2010/main" val="495385693"/>
+      </p:ext>
+    </p:extLst>
+  </p:cSld>
+  <p:clrMapOvr>
+    <a:masterClrMapping/>
+  </p:clrMapOvr>
+</p:notes>
+</file>
+
+<file path=ppt/notesSlides/notesSlide11.xml><?xml version="1.0" encoding="utf-8"?>
+<p:notes xmlns:a="http://schemas.openxmlformats.org/drawingml/2006/main" xmlns:r="http://schemas.openxmlformats.org/officeDocument/2006/relationships" xmlns:p="http://schemas.openxmlformats.org/presentationml/2006/main">
+  <p:cSld>
+    <p:spTree>
+      <p:nvGrpSpPr>
+        <p:cNvPr id="1" name=""/>
+        <p:cNvGrpSpPr/>
+        <p:nvPr/>
+      </p:nvGrpSpPr>
+      <p:grpSpPr>
+        <a:xfrm>
+          <a:off x="0" y="0"/>
+          <a:ext cx="0" cy="0"/>
+          <a:chOff x="0" y="0"/>
+          <a:chExt cx="0" cy="0"/>
+        </a:xfrm>
+      </p:grpSpPr>
+      <p:sp>
+        <p:nvSpPr>
+          <p:cNvPr id="2" name="幻灯片图像占位符 1"/>
+          <p:cNvSpPr>
+            <a:spLocks noGrp="1" noRot="1" noChangeAspect="1"/>
+          </p:cNvSpPr>
+          <p:nvPr>
+            <p:ph type="sldImg"/>
+          </p:nvPr>
+        </p:nvSpPr>
+        <p:spPr/>
+      </p:sp>
+      <p:sp>
+        <p:nvSpPr>
+          <p:cNvPr id="3" name="备注占位符 2"/>
+          <p:cNvSpPr>
+            <a:spLocks noGrp="1"/>
+          </p:cNvSpPr>
+          <p:nvPr>
+            <p:ph type="body" idx="1"/>
+          </p:nvPr>
+        </p:nvSpPr>
+        <p:spPr/>
+        <p:txBody>
+          <a:bodyPr/>
+          <a:lstStyle/>
+          <a:p>
+            <a:r>
+              <a:rPr lang="en-US" altLang="zh-CN" b="1" dirty="0"/>
+              <a:t>In conclusion, this project taught us that modern financial applications require seamless integration between frontend, backend, and external APIs. We also learned that real-time financial data presents unique challenges in reliability and performance optimization.</a:t>
+            </a:r>
+            <a:endParaRPr lang="en-US" altLang="zh-CN" dirty="0"/>
+          </a:p>
+          <a:p>
+            <a:r>
+              <a:rPr lang="en-US" altLang="zh-CN" b="1" dirty="0"/>
+              <a:t>Given more time, we could have implemented machine learning algorithms for investment predictions and comprehensive risk assessment tools.</a:t>
+            </a:r>
+            <a:endParaRPr lang="en-US" altLang="zh-CN" dirty="0"/>
+          </a:p>
+          <a:p>
+            <a:r>
+              <a:rPr lang="en-US" altLang="zh-CN" b="1" dirty="0"/>
+              <a:t>For future enhancements, we plan to develop a mobile app, advanced charting features, and AI-powered investment recommendations.</a:t>
+            </a:r>
+            <a:endParaRPr lang="en-US" altLang="zh-CN" dirty="0"/>
+          </a:p>
+          <a:p>
+            <a:r>
+              <a:rPr lang="en-US" altLang="zh-CN" b="1" dirty="0"/>
+              <a:t>This project demonstrates valuable workplace skills. It showcases our full-stack development capabilities and API integration expertise. We proved our team collaboration abilities by coordinating frontend and backend development with Git version control. Most importantly, we demonstrated strong problem-solving skills by implementing reliable error handling systems under pressure.</a:t>
+            </a:r>
+            <a:endParaRPr lang="en-US" altLang="zh-CN" dirty="0"/>
+          </a:p>
+          <a:p>
+            <a:endParaRPr lang="zh-CN" altLang="en-US" dirty="0"/>
+          </a:p>
+        </p:txBody>
+      </p:sp>
+      <p:sp>
+        <p:nvSpPr>
+          <p:cNvPr id="4" name="灯片编号占位符 3"/>
+          <p:cNvSpPr>
+            <a:spLocks noGrp="1"/>
+          </p:cNvSpPr>
+          <p:nvPr>
+            <p:ph type="sldNum" sz="quarter" idx="5"/>
+          </p:nvPr>
+        </p:nvSpPr>
+        <p:spPr/>
+        <p:txBody>
+          <a:bodyPr/>
+          <a:lstStyle/>
+          <a:p>
+            <a:fld id="{54DD4A14-0979-4C4C-862B-F40B61B913F0}" type="slidenum">
+              <a:rPr lang="zh-CN" altLang="en-US" smtClean="0"/>
+              <a:t>13</a:t>
+            </a:fld>
+            <a:endParaRPr lang="zh-CN" altLang="en-US"/>
+          </a:p>
+        </p:txBody>
+      </p:sp>
+    </p:spTree>
+    <p:extLst>
+      <p:ext uri="{BB962C8B-B14F-4D97-AF65-F5344CB8AC3E}">
+        <p14:creationId xmlns:p14="http://schemas.microsoft.com/office/powerpoint/2010/main" val="3041364995"/>
+      </p:ext>
+    </p:extLst>
+  </p:cSld>
+  <p:clrMapOvr>
+    <a:masterClrMapping/>
+  </p:clrMapOvr>
+</p:notes>
+</file>
+
+<file path=ppt/notesSlides/notesSlide12.xml><?xml version="1.0" encoding="utf-8"?>
+<p:notes xmlns:a="http://schemas.openxmlformats.org/drawingml/2006/main" xmlns:r="http://schemas.openxmlformats.org/officeDocument/2006/relationships" xmlns:p="http://schemas.openxmlformats.org/presentationml/2006/main">
+  <p:cSld>
+    <p:spTree>
+      <p:nvGrpSpPr>
+        <p:cNvPr id="1" name=""/>
+        <p:cNvGrpSpPr/>
+        <p:nvPr/>
+      </p:nvGrpSpPr>
+      <p:grpSpPr>
+        <a:xfrm>
+          <a:off x="0" y="0"/>
+          <a:ext cx="0" cy="0"/>
+          <a:chOff x="0" y="0"/>
+          <a:chExt cx="0" cy="0"/>
+        </a:xfrm>
+      </p:grpSpPr>
+      <p:sp>
+        <p:nvSpPr>
+          <p:cNvPr id="2" name="幻灯片图像占位符 1"/>
+          <p:cNvSpPr>
+            <a:spLocks noGrp="1" noRot="1" noChangeAspect="1"/>
+          </p:cNvSpPr>
+          <p:nvPr>
+            <p:ph type="sldImg"/>
+          </p:nvPr>
+        </p:nvSpPr>
+        <p:spPr/>
+      </p:sp>
+      <p:sp>
+        <p:nvSpPr>
+          <p:cNvPr id="3" name="备注占位符 2"/>
+          <p:cNvSpPr>
+            <a:spLocks noGrp="1"/>
+          </p:cNvSpPr>
+          <p:nvPr>
+            <p:ph type="body" idx="1"/>
+          </p:nvPr>
+        </p:nvSpPr>
+        <p:spPr/>
+        <p:txBody>
+          <a:bodyPr/>
+          <a:lstStyle/>
+          <a:p>
+            <a:r>
+              <a:rPr lang="en-US" altLang="zh-CN" b="1" dirty="0"/>
+              <a:t>In conclusion, this project taught us that modern financial applications require seamless integration between frontend, backend, and external APIs. We also learned that real-time financial data presents unique challenges in reliability and performance optimization.</a:t>
+            </a:r>
+            <a:endParaRPr lang="en-US" altLang="zh-CN" dirty="0"/>
+          </a:p>
+          <a:p>
+            <a:r>
+              <a:rPr lang="en-US" altLang="zh-CN" b="1" dirty="0"/>
+              <a:t>Given more time, we could have implemented machine learning algorithms for investment predictions and comprehensive risk assessment tools.</a:t>
+            </a:r>
+            <a:endParaRPr lang="en-US" altLang="zh-CN" dirty="0"/>
+          </a:p>
+          <a:p>
+            <a:r>
+              <a:rPr lang="en-US" altLang="zh-CN" b="1" dirty="0"/>
+              <a:t>For future enhancements, we plan to develop a mobile app, advanced charting features, and AI-powered investment recommendations.</a:t>
+            </a:r>
+            <a:endParaRPr lang="en-US" altLang="zh-CN" dirty="0"/>
+          </a:p>
+          <a:p>
+            <a:r>
+              <a:rPr lang="en-US" altLang="zh-CN" b="1" dirty="0"/>
+              <a:t>This project demonstrates valuable workplace skills. It showcases our full-stack development capabilities and API integration expertise. We proved our team collaboration abilities by coordinating frontend and backend development with Git version control. Most importantly, we demonstrated strong problem-solving skills by implementing reliable error handling systems under pressure.</a:t>
+            </a:r>
+            <a:endParaRPr lang="en-US" altLang="zh-CN" dirty="0"/>
+          </a:p>
+          <a:p>
+            <a:endParaRPr lang="zh-CN" altLang="en-US" dirty="0"/>
+          </a:p>
+        </p:txBody>
+      </p:sp>
+      <p:sp>
+        <p:nvSpPr>
+          <p:cNvPr id="4" name="灯片编号占位符 3"/>
+          <p:cNvSpPr>
+            <a:spLocks noGrp="1"/>
+          </p:cNvSpPr>
+          <p:nvPr>
+            <p:ph type="sldNum" sz="quarter" idx="5"/>
+          </p:nvPr>
+        </p:nvSpPr>
+        <p:spPr/>
+        <p:txBody>
+          <a:bodyPr/>
+          <a:lstStyle/>
+          <a:p>
+            <a:fld id="{54DD4A14-0979-4C4C-862B-F40B61B913F0}" type="slidenum">
+              <a:rPr lang="zh-CN" altLang="en-US" smtClean="0"/>
+              <a:t>14</a:t>
+            </a:fld>
+            <a:endParaRPr lang="zh-CN" altLang="en-US"/>
+          </a:p>
+        </p:txBody>
+      </p:sp>
+    </p:spTree>
+    <p:extLst>
+      <p:ext uri="{BB962C8B-B14F-4D97-AF65-F5344CB8AC3E}">
+        <p14:creationId xmlns:p14="http://schemas.microsoft.com/office/powerpoint/2010/main" val="668069550"/>
+      </p:ext>
+    </p:extLst>
+  </p:cSld>
+  <p:clrMapOvr>
+    <a:masterClrMapping/>
+  </p:clrMapOvr>
+</p:notes>
+</file>
+
 <file path=ppt/notesSlides/notesSlide2.xml><?xml version="1.0" encoding="utf-8"?>
 <p:notes xmlns:a="http://schemas.openxmlformats.org/drawingml/2006/main" xmlns:r="http://schemas.openxmlformats.org/officeDocument/2006/relationships" xmlns:p="http://schemas.openxmlformats.org/presentationml/2006/main">
   <p:cSld>
@@ -999,7 +1338,7 @@
     </p:spTree>
     <p:extLst>
       <p:ext uri="{BB962C8B-B14F-4D97-AF65-F5344CB8AC3E}">
-        <p14:creationId xmlns:p14="http://schemas.microsoft.com/office/powerpoint/2010/main" val="2478973082"/>
+        <p14:creationId xmlns:p14="http://schemas.microsoft.com/office/powerpoint/2010/main" val="1904761535"/>
       </p:ext>
     </p:extLst>
   </p:cSld>
@@ -1083,7 +1422,7 @@
     </p:spTree>
     <p:extLst>
       <p:ext uri="{BB962C8B-B14F-4D97-AF65-F5344CB8AC3E}">
-        <p14:creationId xmlns:p14="http://schemas.microsoft.com/office/powerpoint/2010/main" val="287685798"/>
+        <p14:creationId xmlns:p14="http://schemas.microsoft.com/office/powerpoint/2010/main" val="2478973082"/>
       </p:ext>
     </p:extLst>
   </p:cSld>
@@ -1167,7 +1506,7 @@
     </p:spTree>
     <p:extLst>
       <p:ext uri="{BB962C8B-B14F-4D97-AF65-F5344CB8AC3E}">
-        <p14:creationId xmlns:p14="http://schemas.microsoft.com/office/powerpoint/2010/main" val="358131000"/>
+        <p14:creationId xmlns:p14="http://schemas.microsoft.com/office/powerpoint/2010/main" val="287685798"/>
       </p:ext>
     </p:extLst>
   </p:cSld>
@@ -1221,34 +1560,6 @@
           <a:bodyPr/>
           <a:lstStyle/>
           <a:p>
-            <a:r>
-              <a:rPr lang="en-US" altLang="zh-CN" b="1" dirty="0"/>
-              <a:t>In conclusion, this project taught us that modern financial applications require seamless integration between frontend, backend, and external APIs. We also learned that real-time financial data presents unique challenges in reliability and performance optimization.</a:t>
-            </a:r>
-            <a:endParaRPr lang="en-US" altLang="zh-CN" dirty="0"/>
-          </a:p>
-          <a:p>
-            <a:r>
-              <a:rPr lang="en-US" altLang="zh-CN" b="1" dirty="0"/>
-              <a:t>Given more time, we could have implemented machine learning algorithms for investment predictions and comprehensive risk assessment tools.</a:t>
-            </a:r>
-            <a:endParaRPr lang="en-US" altLang="zh-CN" dirty="0"/>
-          </a:p>
-          <a:p>
-            <a:r>
-              <a:rPr lang="en-US" altLang="zh-CN" b="1" dirty="0"/>
-              <a:t>For future enhancements, we plan to develop a mobile app, advanced charting features, and AI-powered investment recommendations.</a:t>
-            </a:r>
-            <a:endParaRPr lang="en-US" altLang="zh-CN" dirty="0"/>
-          </a:p>
-          <a:p>
-            <a:r>
-              <a:rPr lang="en-US" altLang="zh-CN" b="1" dirty="0"/>
-              <a:t>This project demonstrates valuable workplace skills. It showcases our full-stack development capabilities and API integration expertise. We proved our team collaboration abilities by coordinating frontend and backend development with Git version control. Most importantly, we demonstrated strong problem-solving skills by implementing reliable error handling systems under pressure.</a:t>
-            </a:r>
-            <a:endParaRPr lang="en-US" altLang="zh-CN" dirty="0"/>
-          </a:p>
-          <a:p>
             <a:endParaRPr lang="zh-CN" altLang="en-US" dirty="0"/>
           </a:p>
         </p:txBody>
@@ -1279,7 +1590,7 @@
     </p:spTree>
     <p:extLst>
       <p:ext uri="{BB962C8B-B14F-4D97-AF65-F5344CB8AC3E}">
-        <p14:creationId xmlns:p14="http://schemas.microsoft.com/office/powerpoint/2010/main" val="495385693"/>
+        <p14:creationId xmlns:p14="http://schemas.microsoft.com/office/powerpoint/2010/main" val="358131000"/>
       </p:ext>
     </p:extLst>
   </p:cSld>
@@ -2075,6 +2386,3153 @@
       <p:transition xmlns:p14="http://schemas.microsoft.com/office/powerpoint/2010/main" advClick="0"/>
     </mc:Fallback>
   </mc:AlternateContent>
+</p:sldLayout>
+</file>
+
+<file path=ppt/slideLayouts/slideLayout13.xml><?xml version="1.0" encoding="utf-8"?>
+<p:sldLayout xmlns:a="http://schemas.openxmlformats.org/drawingml/2006/main" xmlns:r="http://schemas.openxmlformats.org/officeDocument/2006/relationships" xmlns:p="http://schemas.openxmlformats.org/presentationml/2006/main" userDrawn="1">
+  <p:cSld name="End">
+    <p:spTree>
+      <p:nvGrpSpPr>
+        <p:cNvPr id="1" name=""/>
+        <p:cNvGrpSpPr/>
+        <p:nvPr/>
+      </p:nvGrpSpPr>
+      <p:grpSpPr>
+        <a:xfrm>
+          <a:off x="0" y="0"/>
+          <a:ext cx="0" cy="0"/>
+          <a:chOff x="0" y="0"/>
+          <a:chExt cx="0" cy="0"/>
+        </a:xfrm>
+      </p:grpSpPr>
+      <p:sp>
+        <p:nvSpPr>
+          <p:cNvPr id="5" name="矩形 4">
+            <a:extLst>
+              <a:ext uri="{FF2B5EF4-FFF2-40B4-BE49-F238E27FC236}">
+                <a16:creationId xmlns:a16="http://schemas.microsoft.com/office/drawing/2014/main" id="{93A45EEF-FA14-4954-99F6-877B3E2C0C9C}"/>
+              </a:ext>
+            </a:extLst>
+          </p:cNvPr>
+          <p:cNvSpPr>
+            <a:spLocks noChangeAspect="1"/>
+          </p:cNvSpPr>
+          <p:nvPr userDrawn="1"/>
+        </p:nvSpPr>
+        <p:spPr>
+          <a:xfrm>
+            <a:off x="0" y="-17020"/>
+            <a:ext cx="12192000" cy="6885026"/>
+          </a:xfrm>
+          <a:prstGeom prst="rect">
+            <a:avLst/>
+          </a:prstGeom>
+          <a:blipFill dpi="0" rotWithShape="1">
+            <a:blip r:embed="rId2" cstate="email">
+              <a:duotone>
+                <a:schemeClr val="bg2">
+                  <a:shade val="45000"/>
+                  <a:satMod val="135000"/>
+                </a:schemeClr>
+                <a:prstClr val="white"/>
+              </a:duotone>
+              <a:alphaModFix amt="12000"/>
+              <a:extLst>
+                <a:ext uri="{28A0092B-C50C-407E-A947-70E740481C1C}">
+                  <a14:useLocalDpi xmlns:a14="http://schemas.microsoft.com/office/drawing/2010/main"/>
+                </a:ext>
+              </a:extLst>
+            </a:blip>
+            <a:srcRect/>
+            <a:stretch>
+              <a:fillRect/>
+            </a:stretch>
+          </a:blipFill>
+          <a:ln w="12700" cap="flat" cmpd="sng" algn="ctr">
+            <a:noFill/>
+            <a:prstDash val="solid"/>
+            <a:miter lim="800000"/>
+          </a:ln>
+          <a:effectLst/>
+          <a:extLst>
+            <a:ext uri="{91240B29-F687-4F45-9708-019B960494DF}">
+              <a14:hiddenLine xmlns:a14="http://schemas.microsoft.com/office/drawing/2010/main" w="12700" cap="flat" cmpd="sng" algn="ctr">
+                <a:solidFill>
+                  <a:schemeClr val="dk1"/>
+                </a:solidFill>
+                <a:prstDash val="solid"/>
+                <a:miter lim="800000"/>
+              </a14:hiddenLine>
+            </a:ext>
+          </a:extLst>
+        </p:spPr>
+        <p:style>
+          <a:lnRef idx="2">
+            <a:schemeClr val="dk1"/>
+          </a:lnRef>
+          <a:fillRef idx="1">
+            <a:schemeClr val="lt1"/>
+          </a:fillRef>
+          <a:effectRef idx="0">
+            <a:schemeClr val="dk1"/>
+          </a:effectRef>
+          <a:fontRef idx="minor">
+            <a:schemeClr val="dk1"/>
+          </a:fontRef>
+        </p:style>
+        <p:txBody>
+          <a:bodyPr rtlCol="0" anchor="ctr"/>
+          <a:lstStyle/>
+          <a:p>
+            <a:pPr algn="ctr"/>
+            <a:endParaRPr lang="en-GB"/>
+          </a:p>
+        </p:txBody>
+      </p:sp>
+      <p:grpSp>
+        <p:nvGrpSpPr>
+          <p:cNvPr id="6" name="组合 5">
+            <a:extLst>
+              <a:ext uri="{FF2B5EF4-FFF2-40B4-BE49-F238E27FC236}">
+                <a16:creationId xmlns:a16="http://schemas.microsoft.com/office/drawing/2014/main" id="{411D47FC-89B0-49C0-88D9-2DB855458FB5}"/>
+              </a:ext>
+            </a:extLst>
+          </p:cNvPr>
+          <p:cNvGrpSpPr/>
+          <p:nvPr userDrawn="1"/>
+        </p:nvGrpSpPr>
+        <p:grpSpPr>
+          <a:xfrm>
+            <a:off x="5983508" y="-921677"/>
+            <a:ext cx="6299200" cy="8018952"/>
+            <a:chOff x="7914541" y="1592491"/>
+            <a:chExt cx="4277459" cy="5445253"/>
+          </a:xfrm>
+          <a:solidFill>
+            <a:schemeClr val="accent1">
+              <a:alpha val="50000"/>
+            </a:schemeClr>
+          </a:solidFill>
+        </p:grpSpPr>
+        <p:sp>
+          <p:nvSpPr>
+            <p:cNvPr id="10" name="任意多边形: 形状 9">
+              <a:extLst>
+                <a:ext uri="{FF2B5EF4-FFF2-40B4-BE49-F238E27FC236}">
+                  <a16:creationId xmlns:a16="http://schemas.microsoft.com/office/drawing/2014/main" id="{B649A4BD-A814-4F7A-ABC2-83F189AEB82B}"/>
+                </a:ext>
+              </a:extLst>
+            </p:cNvPr>
+            <p:cNvSpPr/>
+            <p:nvPr/>
+          </p:nvSpPr>
+          <p:spPr>
+            <a:xfrm>
+              <a:off x="11429682" y="5763220"/>
+              <a:ext cx="762315" cy="762085"/>
+            </a:xfrm>
+            <a:custGeom>
+              <a:avLst/>
+              <a:gdLst>
+                <a:gd name="connsiteX0" fmla="*/ 314992 w 314991"/>
+                <a:gd name="connsiteY0" fmla="*/ 0 h 314896"/>
+                <a:gd name="connsiteX1" fmla="*/ 0 w 314991"/>
+                <a:gd name="connsiteY1" fmla="*/ 314896 h 314896"/>
+                <a:gd name="connsiteX2" fmla="*/ 314992 w 314991"/>
+                <a:gd name="connsiteY2" fmla="*/ 314896 h 314896"/>
+              </a:gdLst>
+              <a:ahLst/>
+              <a:cxnLst>
+                <a:cxn ang="0">
+                  <a:pos x="connsiteX0" y="connsiteY0"/>
+                </a:cxn>
+                <a:cxn ang="0">
+                  <a:pos x="connsiteX1" y="connsiteY1"/>
+                </a:cxn>
+                <a:cxn ang="0">
+                  <a:pos x="connsiteX2" y="connsiteY2"/>
+                </a:cxn>
+              </a:cxnLst>
+              <a:rect l="l" t="t" r="r" b="b"/>
+              <a:pathLst>
+                <a:path w="314991" h="314896">
+                  <a:moveTo>
+                    <a:pt x="314992" y="0"/>
+                  </a:moveTo>
+                  <a:lnTo>
+                    <a:pt x="0" y="314896"/>
+                  </a:lnTo>
+                  <a:lnTo>
+                    <a:pt x="314992" y="314896"/>
+                  </a:lnTo>
+                  <a:close/>
+                </a:path>
+              </a:pathLst>
+            </a:custGeom>
+            <a:grpFill/>
+            <a:ln w="9525" cap="flat">
+              <a:noFill/>
+              <a:prstDash val="solid"/>
+              <a:miter/>
+            </a:ln>
+          </p:spPr>
+          <p:txBody>
+            <a:bodyPr rtlCol="0" anchor="ctr"/>
+            <a:lstStyle/>
+            <a:p>
+              <a:endParaRPr lang="en-GB"/>
+            </a:p>
+          </p:txBody>
+        </p:sp>
+        <p:sp>
+          <p:nvSpPr>
+            <p:cNvPr id="11" name="任意多边形: 形状 10">
+              <a:extLst>
+                <a:ext uri="{FF2B5EF4-FFF2-40B4-BE49-F238E27FC236}">
+                  <a16:creationId xmlns:a16="http://schemas.microsoft.com/office/drawing/2014/main" id="{CC318E83-AD22-4897-B37E-0984744976C9}"/>
+                </a:ext>
+              </a:extLst>
+            </p:cNvPr>
+            <p:cNvSpPr/>
+            <p:nvPr/>
+          </p:nvSpPr>
+          <p:spPr>
+            <a:xfrm>
+              <a:off x="11687400" y="5088039"/>
+              <a:ext cx="504599" cy="1392316"/>
+            </a:xfrm>
+            <a:custGeom>
+              <a:avLst/>
+              <a:gdLst>
+                <a:gd name="connsiteX0" fmla="*/ 208502 w 208502"/>
+                <a:gd name="connsiteY0" fmla="*/ 0 h 575309"/>
+                <a:gd name="connsiteX1" fmla="*/ 0 w 208502"/>
+                <a:gd name="connsiteY1" fmla="*/ 208502 h 575309"/>
+                <a:gd name="connsiteX2" fmla="*/ 0 w 208502"/>
+                <a:gd name="connsiteY2" fmla="*/ 575310 h 575309"/>
+                <a:gd name="connsiteX3" fmla="*/ 208502 w 208502"/>
+                <a:gd name="connsiteY3" fmla="*/ 366808 h 575309"/>
+              </a:gdLst>
+              <a:ahLst/>
+              <a:cxnLst>
+                <a:cxn ang="0">
+                  <a:pos x="connsiteX0" y="connsiteY0"/>
+                </a:cxn>
+                <a:cxn ang="0">
+                  <a:pos x="connsiteX1" y="connsiteY1"/>
+                </a:cxn>
+                <a:cxn ang="0">
+                  <a:pos x="connsiteX2" y="connsiteY2"/>
+                </a:cxn>
+                <a:cxn ang="0">
+                  <a:pos x="connsiteX3" y="connsiteY3"/>
+                </a:cxn>
+              </a:cxnLst>
+              <a:rect l="l" t="t" r="r" b="b"/>
+              <a:pathLst>
+                <a:path w="208502" h="575309">
+                  <a:moveTo>
+                    <a:pt x="208502" y="0"/>
+                  </a:moveTo>
+                  <a:lnTo>
+                    <a:pt x="0" y="208502"/>
+                  </a:lnTo>
+                  <a:lnTo>
+                    <a:pt x="0" y="575310"/>
+                  </a:lnTo>
+                  <a:lnTo>
+                    <a:pt x="208502" y="366808"/>
+                  </a:lnTo>
+                  <a:close/>
+                </a:path>
+              </a:pathLst>
+            </a:custGeom>
+            <a:grpFill/>
+            <a:ln w="9525" cap="flat">
+              <a:noFill/>
+              <a:prstDash val="solid"/>
+              <a:miter/>
+            </a:ln>
+          </p:spPr>
+          <p:txBody>
+            <a:bodyPr rtlCol="0" anchor="ctr"/>
+            <a:lstStyle/>
+            <a:p>
+              <a:endParaRPr lang="en-GB"/>
+            </a:p>
+          </p:txBody>
+        </p:sp>
+        <p:sp>
+          <p:nvSpPr>
+            <p:cNvPr id="12" name="任意多边形: 形状 11">
+              <a:extLst>
+                <a:ext uri="{FF2B5EF4-FFF2-40B4-BE49-F238E27FC236}">
+                  <a16:creationId xmlns:a16="http://schemas.microsoft.com/office/drawing/2014/main" id="{99196DA9-4AA3-4B99-91C6-467783C6B19F}"/>
+                </a:ext>
+              </a:extLst>
+            </p:cNvPr>
+            <p:cNvSpPr/>
+            <p:nvPr/>
+          </p:nvSpPr>
+          <p:spPr>
+            <a:xfrm>
+              <a:off x="11758167" y="5716195"/>
+              <a:ext cx="333785" cy="333555"/>
+            </a:xfrm>
+            <a:custGeom>
+              <a:avLst/>
+              <a:gdLst>
+                <a:gd name="connsiteX0" fmla="*/ 87249 w 137921"/>
+                <a:gd name="connsiteY0" fmla="*/ 0 h 137826"/>
+                <a:gd name="connsiteX1" fmla="*/ 0 w 137921"/>
+                <a:gd name="connsiteY1" fmla="*/ 87154 h 137826"/>
+                <a:gd name="connsiteX2" fmla="*/ 0 w 137921"/>
+                <a:gd name="connsiteY2" fmla="*/ 137827 h 137826"/>
+                <a:gd name="connsiteX3" fmla="*/ 137922 w 137921"/>
+                <a:gd name="connsiteY3" fmla="*/ 0 h 137826"/>
+              </a:gdLst>
+              <a:ahLst/>
+              <a:cxnLst>
+                <a:cxn ang="0">
+                  <a:pos x="connsiteX0" y="connsiteY0"/>
+                </a:cxn>
+                <a:cxn ang="0">
+                  <a:pos x="connsiteX1" y="connsiteY1"/>
+                </a:cxn>
+                <a:cxn ang="0">
+                  <a:pos x="connsiteX2" y="connsiteY2"/>
+                </a:cxn>
+                <a:cxn ang="0">
+                  <a:pos x="connsiteX3" y="connsiteY3"/>
+                </a:cxn>
+              </a:cxnLst>
+              <a:rect l="l" t="t" r="r" b="b"/>
+              <a:pathLst>
+                <a:path w="137921" h="137826">
+                  <a:moveTo>
+                    <a:pt x="87249" y="0"/>
+                  </a:moveTo>
+                  <a:lnTo>
+                    <a:pt x="0" y="87154"/>
+                  </a:lnTo>
+                  <a:lnTo>
+                    <a:pt x="0" y="137827"/>
+                  </a:lnTo>
+                  <a:lnTo>
+                    <a:pt x="137922" y="0"/>
+                  </a:lnTo>
+                  <a:close/>
+                </a:path>
+              </a:pathLst>
+            </a:custGeom>
+            <a:grpFill/>
+            <a:ln w="9525" cap="flat">
+              <a:noFill/>
+              <a:prstDash val="solid"/>
+              <a:miter/>
+            </a:ln>
+          </p:spPr>
+          <p:txBody>
+            <a:bodyPr rtlCol="0" anchor="ctr"/>
+            <a:lstStyle/>
+            <a:p>
+              <a:endParaRPr lang="en-GB"/>
+            </a:p>
+          </p:txBody>
+        </p:sp>
+        <p:sp>
+          <p:nvSpPr>
+            <p:cNvPr id="13" name="任意多边形: 形状 12">
+              <a:extLst>
+                <a:ext uri="{FF2B5EF4-FFF2-40B4-BE49-F238E27FC236}">
+                  <a16:creationId xmlns:a16="http://schemas.microsoft.com/office/drawing/2014/main" id="{7A6A9805-D06B-4053-8D38-C20430C09504}"/>
+                </a:ext>
+              </a:extLst>
+            </p:cNvPr>
+            <p:cNvSpPr/>
+            <p:nvPr/>
+          </p:nvSpPr>
+          <p:spPr>
+            <a:xfrm>
+              <a:off x="11337245" y="1592491"/>
+              <a:ext cx="854754" cy="2845260"/>
+            </a:xfrm>
+            <a:custGeom>
+              <a:avLst/>
+              <a:gdLst>
+                <a:gd name="connsiteX0" fmla="*/ 353187 w 353187"/>
+                <a:gd name="connsiteY0" fmla="*/ 0 h 1175670"/>
+                <a:gd name="connsiteX1" fmla="*/ 0 w 353187"/>
+                <a:gd name="connsiteY1" fmla="*/ 353187 h 1175670"/>
+                <a:gd name="connsiteX2" fmla="*/ 0 w 353187"/>
+                <a:gd name="connsiteY2" fmla="*/ 1175671 h 1175670"/>
+                <a:gd name="connsiteX3" fmla="*/ 353187 w 353187"/>
+                <a:gd name="connsiteY3" fmla="*/ 822484 h 1175670"/>
+              </a:gdLst>
+              <a:ahLst/>
+              <a:cxnLst>
+                <a:cxn ang="0">
+                  <a:pos x="connsiteX0" y="connsiteY0"/>
+                </a:cxn>
+                <a:cxn ang="0">
+                  <a:pos x="connsiteX1" y="connsiteY1"/>
+                </a:cxn>
+                <a:cxn ang="0">
+                  <a:pos x="connsiteX2" y="connsiteY2"/>
+                </a:cxn>
+                <a:cxn ang="0">
+                  <a:pos x="connsiteX3" y="connsiteY3"/>
+                </a:cxn>
+              </a:cxnLst>
+              <a:rect l="l" t="t" r="r" b="b"/>
+              <a:pathLst>
+                <a:path w="353187" h="1175670">
+                  <a:moveTo>
+                    <a:pt x="353187" y="0"/>
+                  </a:moveTo>
+                  <a:lnTo>
+                    <a:pt x="0" y="353187"/>
+                  </a:lnTo>
+                  <a:lnTo>
+                    <a:pt x="0" y="1175671"/>
+                  </a:lnTo>
+                  <a:lnTo>
+                    <a:pt x="353187" y="822484"/>
+                  </a:lnTo>
+                  <a:close/>
+                </a:path>
+              </a:pathLst>
+            </a:custGeom>
+            <a:grpFill/>
+            <a:ln w="9525" cap="flat">
+              <a:noFill/>
+              <a:prstDash val="solid"/>
+              <a:miter/>
+            </a:ln>
+          </p:spPr>
+          <p:txBody>
+            <a:bodyPr rtlCol="0" anchor="ctr"/>
+            <a:lstStyle/>
+            <a:p>
+              <a:endParaRPr lang="en-GB"/>
+            </a:p>
+          </p:txBody>
+        </p:sp>
+        <p:sp>
+          <p:nvSpPr>
+            <p:cNvPr id="14" name="任意多边形: 形状 13">
+              <a:extLst>
+                <a:ext uri="{FF2B5EF4-FFF2-40B4-BE49-F238E27FC236}">
+                  <a16:creationId xmlns:a16="http://schemas.microsoft.com/office/drawing/2014/main" id="{3BB0AFB8-AE3E-45C9-AAB1-93985E369211}"/>
+                </a:ext>
+              </a:extLst>
+            </p:cNvPr>
+            <p:cNvSpPr/>
+            <p:nvPr/>
+          </p:nvSpPr>
+          <p:spPr>
+            <a:xfrm>
+              <a:off x="11539867" y="6574868"/>
+              <a:ext cx="294598" cy="294599"/>
+            </a:xfrm>
+            <a:custGeom>
+              <a:avLst/>
+              <a:gdLst>
+                <a:gd name="connsiteX0" fmla="*/ 76962 w 121729"/>
+                <a:gd name="connsiteY0" fmla="*/ 0 h 121729"/>
+                <a:gd name="connsiteX1" fmla="*/ 0 w 121729"/>
+                <a:gd name="connsiteY1" fmla="*/ 76962 h 121729"/>
+                <a:gd name="connsiteX2" fmla="*/ 0 w 121729"/>
+                <a:gd name="connsiteY2" fmla="*/ 121729 h 121729"/>
+                <a:gd name="connsiteX3" fmla="*/ 121729 w 121729"/>
+                <a:gd name="connsiteY3" fmla="*/ 0 h 121729"/>
+              </a:gdLst>
+              <a:ahLst/>
+              <a:cxnLst>
+                <a:cxn ang="0">
+                  <a:pos x="connsiteX0" y="connsiteY0"/>
+                </a:cxn>
+                <a:cxn ang="0">
+                  <a:pos x="connsiteX1" y="connsiteY1"/>
+                </a:cxn>
+                <a:cxn ang="0">
+                  <a:pos x="connsiteX2" y="connsiteY2"/>
+                </a:cxn>
+                <a:cxn ang="0">
+                  <a:pos x="connsiteX3" y="connsiteY3"/>
+                </a:cxn>
+              </a:cxnLst>
+              <a:rect l="l" t="t" r="r" b="b"/>
+              <a:pathLst>
+                <a:path w="121729" h="121729">
+                  <a:moveTo>
+                    <a:pt x="76962" y="0"/>
+                  </a:moveTo>
+                  <a:lnTo>
+                    <a:pt x="0" y="76962"/>
+                  </a:lnTo>
+                  <a:lnTo>
+                    <a:pt x="0" y="121729"/>
+                  </a:lnTo>
+                  <a:lnTo>
+                    <a:pt x="121729" y="0"/>
+                  </a:lnTo>
+                  <a:close/>
+                </a:path>
+              </a:pathLst>
+            </a:custGeom>
+            <a:grpFill/>
+            <a:ln w="9525" cap="flat">
+              <a:noFill/>
+              <a:prstDash val="solid"/>
+              <a:miter/>
+            </a:ln>
+          </p:spPr>
+          <p:txBody>
+            <a:bodyPr rtlCol="0" anchor="ctr"/>
+            <a:lstStyle/>
+            <a:p>
+              <a:endParaRPr lang="en-GB"/>
+            </a:p>
+          </p:txBody>
+        </p:sp>
+        <p:sp>
+          <p:nvSpPr>
+            <p:cNvPr id="15" name="任意多边形: 形状 14">
+              <a:extLst>
+                <a:ext uri="{FF2B5EF4-FFF2-40B4-BE49-F238E27FC236}">
+                  <a16:creationId xmlns:a16="http://schemas.microsoft.com/office/drawing/2014/main" id="{ABF3371C-E75A-4348-B1E3-7A024A857216}"/>
+                </a:ext>
+              </a:extLst>
+            </p:cNvPr>
+            <p:cNvSpPr/>
+            <p:nvPr/>
+          </p:nvSpPr>
+          <p:spPr>
+            <a:xfrm>
+              <a:off x="9971205" y="4441442"/>
+              <a:ext cx="270855" cy="270855"/>
+            </a:xfrm>
+            <a:custGeom>
+              <a:avLst/>
+              <a:gdLst>
+                <a:gd name="connsiteX0" fmla="*/ 70771 w 111918"/>
+                <a:gd name="connsiteY0" fmla="*/ 0 h 111918"/>
+                <a:gd name="connsiteX1" fmla="*/ 0 w 111918"/>
+                <a:gd name="connsiteY1" fmla="*/ 70771 h 111918"/>
+                <a:gd name="connsiteX2" fmla="*/ 0 w 111918"/>
+                <a:gd name="connsiteY2" fmla="*/ 111919 h 111918"/>
+                <a:gd name="connsiteX3" fmla="*/ 111919 w 111918"/>
+                <a:gd name="connsiteY3" fmla="*/ 0 h 111918"/>
+              </a:gdLst>
+              <a:ahLst/>
+              <a:cxnLst>
+                <a:cxn ang="0">
+                  <a:pos x="connsiteX0" y="connsiteY0"/>
+                </a:cxn>
+                <a:cxn ang="0">
+                  <a:pos x="connsiteX1" y="connsiteY1"/>
+                </a:cxn>
+                <a:cxn ang="0">
+                  <a:pos x="connsiteX2" y="connsiteY2"/>
+                </a:cxn>
+                <a:cxn ang="0">
+                  <a:pos x="connsiteX3" y="connsiteY3"/>
+                </a:cxn>
+              </a:cxnLst>
+              <a:rect l="l" t="t" r="r" b="b"/>
+              <a:pathLst>
+                <a:path w="111918" h="111918">
+                  <a:moveTo>
+                    <a:pt x="70771" y="0"/>
+                  </a:moveTo>
+                  <a:lnTo>
+                    <a:pt x="0" y="70771"/>
+                  </a:lnTo>
+                  <a:lnTo>
+                    <a:pt x="0" y="111919"/>
+                  </a:lnTo>
+                  <a:lnTo>
+                    <a:pt x="111919" y="0"/>
+                  </a:lnTo>
+                  <a:close/>
+                </a:path>
+              </a:pathLst>
+            </a:custGeom>
+            <a:grpFill/>
+            <a:ln w="9525" cap="flat">
+              <a:noFill/>
+              <a:prstDash val="solid"/>
+              <a:miter/>
+            </a:ln>
+          </p:spPr>
+          <p:txBody>
+            <a:bodyPr rtlCol="0" anchor="ctr"/>
+            <a:lstStyle/>
+            <a:p>
+              <a:endParaRPr lang="en-GB"/>
+            </a:p>
+          </p:txBody>
+        </p:sp>
+        <p:sp>
+          <p:nvSpPr>
+            <p:cNvPr id="16" name="任意多边形: 形状 15">
+              <a:extLst>
+                <a:ext uri="{FF2B5EF4-FFF2-40B4-BE49-F238E27FC236}">
+                  <a16:creationId xmlns:a16="http://schemas.microsoft.com/office/drawing/2014/main" id="{427EE38B-0388-4DA4-984C-E1F1B9A01BF7}"/>
+                </a:ext>
+              </a:extLst>
+            </p:cNvPr>
+            <p:cNvSpPr/>
+            <p:nvPr/>
+          </p:nvSpPr>
+          <p:spPr>
+            <a:xfrm>
+              <a:off x="10041514" y="2704961"/>
+              <a:ext cx="2150485" cy="3962803"/>
+            </a:xfrm>
+            <a:custGeom>
+              <a:avLst/>
+              <a:gdLst>
+                <a:gd name="connsiteX0" fmla="*/ 888587 w 888587"/>
+                <a:gd name="connsiteY0" fmla="*/ 0 h 1637442"/>
+                <a:gd name="connsiteX1" fmla="*/ 0 w 888587"/>
+                <a:gd name="connsiteY1" fmla="*/ 888587 h 1637442"/>
+                <a:gd name="connsiteX2" fmla="*/ 0 w 888587"/>
+                <a:gd name="connsiteY2" fmla="*/ 1637443 h 1637442"/>
+                <a:gd name="connsiteX3" fmla="*/ 888587 w 888587"/>
+                <a:gd name="connsiteY3" fmla="*/ 748855 h 1637442"/>
+              </a:gdLst>
+              <a:ahLst/>
+              <a:cxnLst>
+                <a:cxn ang="0">
+                  <a:pos x="connsiteX0" y="connsiteY0"/>
+                </a:cxn>
+                <a:cxn ang="0">
+                  <a:pos x="connsiteX1" y="connsiteY1"/>
+                </a:cxn>
+                <a:cxn ang="0">
+                  <a:pos x="connsiteX2" y="connsiteY2"/>
+                </a:cxn>
+                <a:cxn ang="0">
+                  <a:pos x="connsiteX3" y="connsiteY3"/>
+                </a:cxn>
+              </a:cxnLst>
+              <a:rect l="l" t="t" r="r" b="b"/>
+              <a:pathLst>
+                <a:path w="888587" h="1637442">
+                  <a:moveTo>
+                    <a:pt x="888587" y="0"/>
+                  </a:moveTo>
+                  <a:lnTo>
+                    <a:pt x="0" y="888587"/>
+                  </a:lnTo>
+                  <a:lnTo>
+                    <a:pt x="0" y="1637443"/>
+                  </a:lnTo>
+                  <a:lnTo>
+                    <a:pt x="888587" y="748855"/>
+                  </a:lnTo>
+                  <a:close/>
+                </a:path>
+              </a:pathLst>
+            </a:custGeom>
+            <a:grpFill/>
+            <a:ln w="9525" cap="flat">
+              <a:noFill/>
+              <a:prstDash val="solid"/>
+              <a:miter/>
+            </a:ln>
+          </p:spPr>
+          <p:txBody>
+            <a:bodyPr rtlCol="0" anchor="ctr"/>
+            <a:lstStyle/>
+            <a:p>
+              <a:endParaRPr lang="en-GB"/>
+            </a:p>
+          </p:txBody>
+        </p:sp>
+        <p:sp>
+          <p:nvSpPr>
+            <p:cNvPr id="17" name="任意多边形: 形状 16">
+              <a:extLst>
+                <a:ext uri="{FF2B5EF4-FFF2-40B4-BE49-F238E27FC236}">
+                  <a16:creationId xmlns:a16="http://schemas.microsoft.com/office/drawing/2014/main" id="{1A1AB375-6EB9-4761-91C6-56E7ECA60351}"/>
+                </a:ext>
+              </a:extLst>
+            </p:cNvPr>
+            <p:cNvSpPr/>
+            <p:nvPr/>
+          </p:nvSpPr>
+          <p:spPr>
+            <a:xfrm>
+              <a:off x="10832646" y="3089695"/>
+              <a:ext cx="1359353" cy="1359354"/>
+            </a:xfrm>
+            <a:custGeom>
+              <a:avLst/>
+              <a:gdLst>
+                <a:gd name="connsiteX0" fmla="*/ 561689 w 561689"/>
+                <a:gd name="connsiteY0" fmla="*/ 0 h 561689"/>
+                <a:gd name="connsiteX1" fmla="*/ 0 w 561689"/>
+                <a:gd name="connsiteY1" fmla="*/ 561689 h 561689"/>
+                <a:gd name="connsiteX2" fmla="*/ 458534 w 561689"/>
+                <a:gd name="connsiteY2" fmla="*/ 561689 h 561689"/>
+                <a:gd name="connsiteX3" fmla="*/ 561689 w 561689"/>
+                <a:gd name="connsiteY3" fmla="*/ 458438 h 561689"/>
+              </a:gdLst>
+              <a:ahLst/>
+              <a:cxnLst>
+                <a:cxn ang="0">
+                  <a:pos x="connsiteX0" y="connsiteY0"/>
+                </a:cxn>
+                <a:cxn ang="0">
+                  <a:pos x="connsiteX1" y="connsiteY1"/>
+                </a:cxn>
+                <a:cxn ang="0">
+                  <a:pos x="connsiteX2" y="connsiteY2"/>
+                </a:cxn>
+                <a:cxn ang="0">
+                  <a:pos x="connsiteX3" y="connsiteY3"/>
+                </a:cxn>
+              </a:cxnLst>
+              <a:rect l="l" t="t" r="r" b="b"/>
+              <a:pathLst>
+                <a:path w="561689" h="561689">
+                  <a:moveTo>
+                    <a:pt x="561689" y="0"/>
+                  </a:moveTo>
+                  <a:lnTo>
+                    <a:pt x="0" y="561689"/>
+                  </a:lnTo>
+                  <a:lnTo>
+                    <a:pt x="458534" y="561689"/>
+                  </a:lnTo>
+                  <a:lnTo>
+                    <a:pt x="561689" y="458438"/>
+                  </a:lnTo>
+                  <a:close/>
+                </a:path>
+              </a:pathLst>
+            </a:custGeom>
+            <a:grpFill/>
+            <a:ln w="9525" cap="flat">
+              <a:noFill/>
+              <a:prstDash val="solid"/>
+              <a:miter/>
+            </a:ln>
+          </p:spPr>
+          <p:txBody>
+            <a:bodyPr rtlCol="0" anchor="ctr"/>
+            <a:lstStyle/>
+            <a:p>
+              <a:endParaRPr lang="en-GB"/>
+            </a:p>
+          </p:txBody>
+        </p:sp>
+        <p:sp>
+          <p:nvSpPr>
+            <p:cNvPr id="18" name="任意多边形: 形状 17">
+              <a:extLst>
+                <a:ext uri="{FF2B5EF4-FFF2-40B4-BE49-F238E27FC236}">
+                  <a16:creationId xmlns:a16="http://schemas.microsoft.com/office/drawing/2014/main" id="{A5FD43BD-F66B-4689-9A61-D6F29D1A9AD1}"/>
+                </a:ext>
+              </a:extLst>
+            </p:cNvPr>
+            <p:cNvSpPr/>
+            <p:nvPr/>
+          </p:nvSpPr>
+          <p:spPr>
+            <a:xfrm>
+              <a:off x="10195499" y="3329429"/>
+              <a:ext cx="1996500" cy="1996500"/>
+            </a:xfrm>
+            <a:custGeom>
+              <a:avLst/>
+              <a:gdLst>
+                <a:gd name="connsiteX0" fmla="*/ 824960 w 824960"/>
+                <a:gd name="connsiteY0" fmla="*/ 0 h 824960"/>
+                <a:gd name="connsiteX1" fmla="*/ 0 w 824960"/>
+                <a:gd name="connsiteY1" fmla="*/ 824960 h 824960"/>
+                <a:gd name="connsiteX2" fmla="*/ 545021 w 824960"/>
+                <a:gd name="connsiteY2" fmla="*/ 824960 h 824960"/>
+                <a:gd name="connsiteX3" fmla="*/ 824960 w 824960"/>
+                <a:gd name="connsiteY3" fmla="*/ 545021 h 824960"/>
+              </a:gdLst>
+              <a:ahLst/>
+              <a:cxnLst>
+                <a:cxn ang="0">
+                  <a:pos x="connsiteX0" y="connsiteY0"/>
+                </a:cxn>
+                <a:cxn ang="0">
+                  <a:pos x="connsiteX1" y="connsiteY1"/>
+                </a:cxn>
+                <a:cxn ang="0">
+                  <a:pos x="connsiteX2" y="connsiteY2"/>
+                </a:cxn>
+                <a:cxn ang="0">
+                  <a:pos x="connsiteX3" y="connsiteY3"/>
+                </a:cxn>
+              </a:cxnLst>
+              <a:rect l="l" t="t" r="r" b="b"/>
+              <a:pathLst>
+                <a:path w="824960" h="824960">
+                  <a:moveTo>
+                    <a:pt x="824960" y="0"/>
+                  </a:moveTo>
+                  <a:lnTo>
+                    <a:pt x="0" y="824960"/>
+                  </a:lnTo>
+                  <a:lnTo>
+                    <a:pt x="545021" y="824960"/>
+                  </a:lnTo>
+                  <a:lnTo>
+                    <a:pt x="824960" y="545021"/>
+                  </a:lnTo>
+                  <a:close/>
+                </a:path>
+              </a:pathLst>
+            </a:custGeom>
+            <a:grpFill/>
+            <a:ln w="9525" cap="flat">
+              <a:noFill/>
+              <a:prstDash val="solid"/>
+              <a:miter/>
+            </a:ln>
+          </p:spPr>
+          <p:txBody>
+            <a:bodyPr rtlCol="0" anchor="ctr"/>
+            <a:lstStyle/>
+            <a:p>
+              <a:endParaRPr lang="en-GB"/>
+            </a:p>
+          </p:txBody>
+        </p:sp>
+        <p:sp>
+          <p:nvSpPr>
+            <p:cNvPr id="19" name="任意多边形: 形状 18">
+              <a:extLst>
+                <a:ext uri="{FF2B5EF4-FFF2-40B4-BE49-F238E27FC236}">
+                  <a16:creationId xmlns:a16="http://schemas.microsoft.com/office/drawing/2014/main" id="{08680C26-BE61-4B80-BE34-A8BD51FBA99A}"/>
+                </a:ext>
+              </a:extLst>
+            </p:cNvPr>
+            <p:cNvSpPr/>
+            <p:nvPr/>
+          </p:nvSpPr>
+          <p:spPr>
+            <a:xfrm>
+              <a:off x="9333136" y="4063625"/>
+              <a:ext cx="2858861" cy="2858861"/>
+            </a:xfrm>
+            <a:custGeom>
+              <a:avLst/>
+              <a:gdLst>
+                <a:gd name="connsiteX0" fmla="*/ 820960 w 1181290"/>
+                <a:gd name="connsiteY0" fmla="*/ 1181290 h 1181290"/>
+                <a:gd name="connsiteX1" fmla="*/ 1181291 w 1181290"/>
+                <a:gd name="connsiteY1" fmla="*/ 820864 h 1181290"/>
+                <a:gd name="connsiteX2" fmla="*/ 1181291 w 1181290"/>
+                <a:gd name="connsiteY2" fmla="*/ 0 h 1181290"/>
+                <a:gd name="connsiteX3" fmla="*/ 0 w 1181290"/>
+                <a:gd name="connsiteY3" fmla="*/ 1181290 h 1181290"/>
+              </a:gdLst>
+              <a:ahLst/>
+              <a:cxnLst>
+                <a:cxn ang="0">
+                  <a:pos x="connsiteX0" y="connsiteY0"/>
+                </a:cxn>
+                <a:cxn ang="0">
+                  <a:pos x="connsiteX1" y="connsiteY1"/>
+                </a:cxn>
+                <a:cxn ang="0">
+                  <a:pos x="connsiteX2" y="connsiteY2"/>
+                </a:cxn>
+                <a:cxn ang="0">
+                  <a:pos x="connsiteX3" y="connsiteY3"/>
+                </a:cxn>
+              </a:cxnLst>
+              <a:rect l="l" t="t" r="r" b="b"/>
+              <a:pathLst>
+                <a:path w="1181290" h="1181290">
+                  <a:moveTo>
+                    <a:pt x="820960" y="1181290"/>
+                  </a:moveTo>
+                  <a:lnTo>
+                    <a:pt x="1181291" y="820864"/>
+                  </a:lnTo>
+                  <a:lnTo>
+                    <a:pt x="1181291" y="0"/>
+                  </a:lnTo>
+                  <a:lnTo>
+                    <a:pt x="0" y="1181290"/>
+                  </a:lnTo>
+                  <a:close/>
+                </a:path>
+              </a:pathLst>
+            </a:custGeom>
+            <a:grpFill/>
+            <a:ln w="9525" cap="flat">
+              <a:noFill/>
+              <a:prstDash val="solid"/>
+              <a:miter/>
+            </a:ln>
+          </p:spPr>
+          <p:txBody>
+            <a:bodyPr rtlCol="0" anchor="ctr"/>
+            <a:lstStyle/>
+            <a:p>
+              <a:endParaRPr lang="en-GB"/>
+            </a:p>
+          </p:txBody>
+        </p:sp>
+        <p:sp>
+          <p:nvSpPr>
+            <p:cNvPr id="20" name="任意多边形: 形状 19">
+              <a:extLst>
+                <a:ext uri="{FF2B5EF4-FFF2-40B4-BE49-F238E27FC236}">
+                  <a16:creationId xmlns:a16="http://schemas.microsoft.com/office/drawing/2014/main" id="{97D48237-DC5D-4711-9D69-67ACC9787E65}"/>
+                </a:ext>
+              </a:extLst>
+            </p:cNvPr>
+            <p:cNvSpPr/>
+            <p:nvPr/>
+          </p:nvSpPr>
+          <p:spPr>
+            <a:xfrm>
+              <a:off x="8816088" y="5734177"/>
+              <a:ext cx="790899" cy="790899"/>
+            </a:xfrm>
+            <a:custGeom>
+              <a:avLst/>
+              <a:gdLst>
+                <a:gd name="connsiteX0" fmla="*/ 120205 w 326802"/>
+                <a:gd name="connsiteY0" fmla="*/ 326803 h 326802"/>
+                <a:gd name="connsiteX1" fmla="*/ 326803 w 326802"/>
+                <a:gd name="connsiteY1" fmla="*/ 120205 h 326802"/>
+                <a:gd name="connsiteX2" fmla="*/ 326803 w 326802"/>
+                <a:gd name="connsiteY2" fmla="*/ 0 h 326802"/>
+                <a:gd name="connsiteX3" fmla="*/ 0 w 326802"/>
+                <a:gd name="connsiteY3" fmla="*/ 326803 h 326802"/>
+              </a:gdLst>
+              <a:ahLst/>
+              <a:cxnLst>
+                <a:cxn ang="0">
+                  <a:pos x="connsiteX0" y="connsiteY0"/>
+                </a:cxn>
+                <a:cxn ang="0">
+                  <a:pos x="connsiteX1" y="connsiteY1"/>
+                </a:cxn>
+                <a:cxn ang="0">
+                  <a:pos x="connsiteX2" y="connsiteY2"/>
+                </a:cxn>
+                <a:cxn ang="0">
+                  <a:pos x="connsiteX3" y="connsiteY3"/>
+                </a:cxn>
+              </a:cxnLst>
+              <a:rect l="l" t="t" r="r" b="b"/>
+              <a:pathLst>
+                <a:path w="326802" h="326802">
+                  <a:moveTo>
+                    <a:pt x="120205" y="326803"/>
+                  </a:moveTo>
+                  <a:lnTo>
+                    <a:pt x="326803" y="120205"/>
+                  </a:lnTo>
+                  <a:lnTo>
+                    <a:pt x="326803" y="0"/>
+                  </a:lnTo>
+                  <a:lnTo>
+                    <a:pt x="0" y="326803"/>
+                  </a:lnTo>
+                  <a:close/>
+                </a:path>
+              </a:pathLst>
+            </a:custGeom>
+            <a:grpFill/>
+            <a:ln w="9525" cap="flat">
+              <a:noFill/>
+              <a:prstDash val="solid"/>
+              <a:miter/>
+            </a:ln>
+          </p:spPr>
+          <p:txBody>
+            <a:bodyPr rtlCol="0" anchor="ctr"/>
+            <a:lstStyle/>
+            <a:p>
+              <a:endParaRPr lang="en-GB"/>
+            </a:p>
+          </p:txBody>
+        </p:sp>
+        <p:sp>
+          <p:nvSpPr>
+            <p:cNvPr id="21" name="任意多边形: 形状 20">
+              <a:extLst>
+                <a:ext uri="{FF2B5EF4-FFF2-40B4-BE49-F238E27FC236}">
+                  <a16:creationId xmlns:a16="http://schemas.microsoft.com/office/drawing/2014/main" id="{7DC83200-1D39-45DA-81EC-540423E0319C}"/>
+                </a:ext>
+              </a:extLst>
+            </p:cNvPr>
+            <p:cNvSpPr/>
+            <p:nvPr/>
+          </p:nvSpPr>
+          <p:spPr>
+            <a:xfrm>
+              <a:off x="10111359" y="6680213"/>
+              <a:ext cx="207232" cy="207232"/>
+            </a:xfrm>
+            <a:custGeom>
+              <a:avLst/>
+              <a:gdLst>
+                <a:gd name="connsiteX0" fmla="*/ 31432 w 85629"/>
+                <a:gd name="connsiteY0" fmla="*/ 85630 h 85629"/>
+                <a:gd name="connsiteX1" fmla="*/ 85630 w 85629"/>
+                <a:gd name="connsiteY1" fmla="*/ 31528 h 85629"/>
+                <a:gd name="connsiteX2" fmla="*/ 85630 w 85629"/>
+                <a:gd name="connsiteY2" fmla="*/ 0 h 85629"/>
+                <a:gd name="connsiteX3" fmla="*/ 0 w 85629"/>
+                <a:gd name="connsiteY3" fmla="*/ 85630 h 85629"/>
+              </a:gdLst>
+              <a:ahLst/>
+              <a:cxnLst>
+                <a:cxn ang="0">
+                  <a:pos x="connsiteX0" y="connsiteY0"/>
+                </a:cxn>
+                <a:cxn ang="0">
+                  <a:pos x="connsiteX1" y="connsiteY1"/>
+                </a:cxn>
+                <a:cxn ang="0">
+                  <a:pos x="connsiteX2" y="connsiteY2"/>
+                </a:cxn>
+                <a:cxn ang="0">
+                  <a:pos x="connsiteX3" y="connsiteY3"/>
+                </a:cxn>
+              </a:cxnLst>
+              <a:rect l="l" t="t" r="r" b="b"/>
+              <a:pathLst>
+                <a:path w="85629" h="85629">
+                  <a:moveTo>
+                    <a:pt x="31432" y="85630"/>
+                  </a:moveTo>
+                  <a:lnTo>
+                    <a:pt x="85630" y="31528"/>
+                  </a:lnTo>
+                  <a:lnTo>
+                    <a:pt x="85630" y="0"/>
+                  </a:lnTo>
+                  <a:lnTo>
+                    <a:pt x="0" y="85630"/>
+                  </a:lnTo>
+                  <a:close/>
+                </a:path>
+              </a:pathLst>
+            </a:custGeom>
+            <a:grpFill/>
+            <a:ln w="9525" cap="flat">
+              <a:noFill/>
+              <a:prstDash val="solid"/>
+              <a:miter/>
+            </a:ln>
+          </p:spPr>
+          <p:txBody>
+            <a:bodyPr rtlCol="0" anchor="ctr"/>
+            <a:lstStyle/>
+            <a:p>
+              <a:endParaRPr lang="en-GB"/>
+            </a:p>
+          </p:txBody>
+        </p:sp>
+        <p:sp>
+          <p:nvSpPr>
+            <p:cNvPr id="22" name="任意多边形: 形状 21">
+              <a:extLst>
+                <a:ext uri="{FF2B5EF4-FFF2-40B4-BE49-F238E27FC236}">
+                  <a16:creationId xmlns:a16="http://schemas.microsoft.com/office/drawing/2014/main" id="{4064F6DC-DD29-41F8-A6E0-2719F41240E8}"/>
+                </a:ext>
+              </a:extLst>
+            </p:cNvPr>
+            <p:cNvSpPr/>
+            <p:nvPr/>
+          </p:nvSpPr>
+          <p:spPr>
+            <a:xfrm>
+              <a:off x="11427608" y="3784239"/>
+              <a:ext cx="764392" cy="3138247"/>
+            </a:xfrm>
+            <a:custGeom>
+              <a:avLst/>
+              <a:gdLst>
+                <a:gd name="connsiteX0" fmla="*/ 189643 w 315849"/>
+                <a:gd name="connsiteY0" fmla="*/ 1296733 h 1296733"/>
+                <a:gd name="connsiteX1" fmla="*/ 315849 w 315849"/>
+                <a:gd name="connsiteY1" fmla="*/ 1170432 h 1296733"/>
+                <a:gd name="connsiteX2" fmla="*/ 315849 w 315849"/>
+                <a:gd name="connsiteY2" fmla="*/ 0 h 1296733"/>
+                <a:gd name="connsiteX3" fmla="*/ 0 w 315849"/>
+                <a:gd name="connsiteY3" fmla="*/ 315849 h 1296733"/>
+                <a:gd name="connsiteX4" fmla="*/ 0 w 315849"/>
+                <a:gd name="connsiteY4" fmla="*/ 1296733 h 1296733"/>
+              </a:gdLst>
+              <a:ahLst/>
+              <a:cxnLst>
+                <a:cxn ang="0">
+                  <a:pos x="connsiteX0" y="connsiteY0"/>
+                </a:cxn>
+                <a:cxn ang="0">
+                  <a:pos x="connsiteX1" y="connsiteY1"/>
+                </a:cxn>
+                <a:cxn ang="0">
+                  <a:pos x="connsiteX2" y="connsiteY2"/>
+                </a:cxn>
+                <a:cxn ang="0">
+                  <a:pos x="connsiteX3" y="connsiteY3"/>
+                </a:cxn>
+                <a:cxn ang="0">
+                  <a:pos x="connsiteX4" y="connsiteY4"/>
+                </a:cxn>
+              </a:cxnLst>
+              <a:rect l="l" t="t" r="r" b="b"/>
+              <a:pathLst>
+                <a:path w="315849" h="1296733">
+                  <a:moveTo>
+                    <a:pt x="189643" y="1296733"/>
+                  </a:moveTo>
+                  <a:lnTo>
+                    <a:pt x="315849" y="1170432"/>
+                  </a:lnTo>
+                  <a:lnTo>
+                    <a:pt x="315849" y="0"/>
+                  </a:lnTo>
+                  <a:lnTo>
+                    <a:pt x="0" y="315849"/>
+                  </a:lnTo>
+                  <a:lnTo>
+                    <a:pt x="0" y="1296733"/>
+                  </a:lnTo>
+                  <a:close/>
+                </a:path>
+              </a:pathLst>
+            </a:custGeom>
+            <a:grpFill/>
+            <a:ln w="9525" cap="flat">
+              <a:noFill/>
+              <a:prstDash val="solid"/>
+              <a:miter/>
+            </a:ln>
+          </p:spPr>
+          <p:txBody>
+            <a:bodyPr rtlCol="0" anchor="ctr"/>
+            <a:lstStyle/>
+            <a:p>
+              <a:endParaRPr lang="en-GB" dirty="0"/>
+            </a:p>
+          </p:txBody>
+        </p:sp>
+        <p:grpSp>
+          <p:nvGrpSpPr>
+            <p:cNvPr id="23" name="组合 22">
+              <a:extLst>
+                <a:ext uri="{FF2B5EF4-FFF2-40B4-BE49-F238E27FC236}">
+                  <a16:creationId xmlns:a16="http://schemas.microsoft.com/office/drawing/2014/main" id="{5E415305-059B-4326-9E15-C80CFA06BE46}"/>
+                </a:ext>
+              </a:extLst>
+            </p:cNvPr>
+            <p:cNvGrpSpPr/>
+            <p:nvPr/>
+          </p:nvGrpSpPr>
+          <p:grpSpPr>
+            <a:xfrm>
+              <a:off x="7914541" y="5088731"/>
+              <a:ext cx="4277459" cy="1949013"/>
+              <a:chOff x="5216937" y="3751707"/>
+              <a:chExt cx="1767459" cy="805338"/>
+            </a:xfrm>
+            <a:grpFill/>
+          </p:grpSpPr>
+          <p:sp>
+            <p:nvSpPr>
+              <p:cNvPr id="24" name="任意多边形: 形状 23">
+                <a:extLst>
+                  <a:ext uri="{FF2B5EF4-FFF2-40B4-BE49-F238E27FC236}">
+                    <a16:creationId xmlns:a16="http://schemas.microsoft.com/office/drawing/2014/main" id="{EF089BEE-0E79-4192-A403-FD0AAA63CFBB}"/>
+                  </a:ext>
+                </a:extLst>
+              </p:cNvPr>
+              <p:cNvSpPr/>
+              <p:nvPr/>
+            </p:nvSpPr>
+            <p:spPr>
+              <a:xfrm>
+                <a:off x="6767797" y="4464367"/>
+                <a:ext cx="203930" cy="45053"/>
+              </a:xfrm>
+              <a:custGeom>
+                <a:avLst/>
+                <a:gdLst>
+                  <a:gd name="connsiteX0" fmla="*/ 158877 w 203930"/>
+                  <a:gd name="connsiteY0" fmla="*/ 45053 h 45053"/>
+                  <a:gd name="connsiteX1" fmla="*/ 203930 w 203930"/>
+                  <a:gd name="connsiteY1" fmla="*/ 0 h 45053"/>
+                  <a:gd name="connsiteX2" fmla="*/ 44958 w 203930"/>
+                  <a:gd name="connsiteY2" fmla="*/ 0 h 45053"/>
+                  <a:gd name="connsiteX3" fmla="*/ 0 w 203930"/>
+                  <a:gd name="connsiteY3" fmla="*/ 45053 h 45053"/>
+                </a:gdLst>
+                <a:ahLst/>
+                <a:cxnLst>
+                  <a:cxn ang="0">
+                    <a:pos x="connsiteX0" y="connsiteY0"/>
+                  </a:cxn>
+                  <a:cxn ang="0">
+                    <a:pos x="connsiteX1" y="connsiteY1"/>
+                  </a:cxn>
+                  <a:cxn ang="0">
+                    <a:pos x="connsiteX2" y="connsiteY2"/>
+                  </a:cxn>
+                  <a:cxn ang="0">
+                    <a:pos x="connsiteX3" y="connsiteY3"/>
+                  </a:cxn>
+                </a:cxnLst>
+                <a:rect l="l" t="t" r="r" b="b"/>
+                <a:pathLst>
+                  <a:path w="203930" h="45053">
+                    <a:moveTo>
+                      <a:pt x="158877" y="45053"/>
+                    </a:moveTo>
+                    <a:lnTo>
+                      <a:pt x="203930" y="0"/>
+                    </a:lnTo>
+                    <a:lnTo>
+                      <a:pt x="44958" y="0"/>
+                    </a:lnTo>
+                    <a:lnTo>
+                      <a:pt x="0" y="45053"/>
+                    </a:lnTo>
+                    <a:close/>
+                  </a:path>
+                </a:pathLst>
+              </a:custGeom>
+              <a:grpFill/>
+              <a:ln w="9525" cap="flat">
+                <a:noFill/>
+                <a:prstDash val="solid"/>
+                <a:miter/>
+              </a:ln>
+            </p:spPr>
+            <p:txBody>
+              <a:bodyPr rtlCol="0" anchor="ctr"/>
+              <a:lstStyle/>
+              <a:p>
+                <a:endParaRPr lang="en-GB"/>
+              </a:p>
+            </p:txBody>
+          </p:sp>
+          <p:sp>
+            <p:nvSpPr>
+              <p:cNvPr id="25" name="任意多边形: 形状 24">
+                <a:extLst>
+                  <a:ext uri="{FF2B5EF4-FFF2-40B4-BE49-F238E27FC236}">
+                    <a16:creationId xmlns:a16="http://schemas.microsoft.com/office/drawing/2014/main" id="{F1181C18-456B-4074-9D03-AEFB2C72B6D2}"/>
+                  </a:ext>
+                </a:extLst>
+              </p:cNvPr>
+              <p:cNvSpPr/>
+              <p:nvPr/>
+            </p:nvSpPr>
+            <p:spPr>
+              <a:xfrm>
+                <a:off x="6099142" y="4276629"/>
+                <a:ext cx="727519" cy="232790"/>
+              </a:xfrm>
+              <a:custGeom>
+                <a:avLst/>
+                <a:gdLst>
+                  <a:gd name="connsiteX0" fmla="*/ 494729 w 727519"/>
+                  <a:gd name="connsiteY0" fmla="*/ 232791 h 232790"/>
+                  <a:gd name="connsiteX1" fmla="*/ 727520 w 727519"/>
+                  <a:gd name="connsiteY1" fmla="*/ 0 h 232790"/>
+                  <a:gd name="connsiteX2" fmla="*/ 232696 w 727519"/>
+                  <a:gd name="connsiteY2" fmla="*/ 0 h 232790"/>
+                  <a:gd name="connsiteX3" fmla="*/ 0 w 727519"/>
+                  <a:gd name="connsiteY3" fmla="*/ 232791 h 232790"/>
+                </a:gdLst>
+                <a:ahLst/>
+                <a:cxnLst>
+                  <a:cxn ang="0">
+                    <a:pos x="connsiteX0" y="connsiteY0"/>
+                  </a:cxn>
+                  <a:cxn ang="0">
+                    <a:pos x="connsiteX1" y="connsiteY1"/>
+                  </a:cxn>
+                  <a:cxn ang="0">
+                    <a:pos x="connsiteX2" y="connsiteY2"/>
+                  </a:cxn>
+                  <a:cxn ang="0">
+                    <a:pos x="connsiteX3" y="connsiteY3"/>
+                  </a:cxn>
+                </a:cxnLst>
+                <a:rect l="l" t="t" r="r" b="b"/>
+                <a:pathLst>
+                  <a:path w="727519" h="232790">
+                    <a:moveTo>
+                      <a:pt x="494729" y="232791"/>
+                    </a:moveTo>
+                    <a:lnTo>
+                      <a:pt x="727520" y="0"/>
+                    </a:lnTo>
+                    <a:lnTo>
+                      <a:pt x="232696" y="0"/>
+                    </a:lnTo>
+                    <a:lnTo>
+                      <a:pt x="0" y="232791"/>
+                    </a:lnTo>
+                    <a:close/>
+                  </a:path>
+                </a:pathLst>
+              </a:custGeom>
+              <a:grpFill/>
+              <a:ln w="9525" cap="flat">
+                <a:noFill/>
+                <a:prstDash val="solid"/>
+                <a:miter/>
+              </a:ln>
+            </p:spPr>
+            <p:txBody>
+              <a:bodyPr rtlCol="0" anchor="ctr"/>
+              <a:lstStyle/>
+              <a:p>
+                <a:endParaRPr lang="en-GB"/>
+              </a:p>
+            </p:txBody>
+          </p:sp>
+          <p:sp>
+            <p:nvSpPr>
+              <p:cNvPr id="26" name="任意多边形: 形状 25">
+                <a:extLst>
+                  <a:ext uri="{FF2B5EF4-FFF2-40B4-BE49-F238E27FC236}">
+                    <a16:creationId xmlns:a16="http://schemas.microsoft.com/office/drawing/2014/main" id="{1804D2F2-922F-4A6C-B9C1-1ACD57576C79}"/>
+                  </a:ext>
+                </a:extLst>
+              </p:cNvPr>
+              <p:cNvSpPr/>
+              <p:nvPr/>
+            </p:nvSpPr>
+            <p:spPr>
+              <a:xfrm>
+                <a:off x="5331141" y="4140231"/>
+                <a:ext cx="369188" cy="369188"/>
+              </a:xfrm>
+              <a:custGeom>
+                <a:avLst/>
+                <a:gdLst>
+                  <a:gd name="connsiteX0" fmla="*/ 369189 w 369188"/>
+                  <a:gd name="connsiteY0" fmla="*/ 369189 h 369188"/>
+                  <a:gd name="connsiteX1" fmla="*/ 369189 w 369188"/>
+                  <a:gd name="connsiteY1" fmla="*/ 0 h 369188"/>
+                  <a:gd name="connsiteX2" fmla="*/ 0 w 369188"/>
+                  <a:gd name="connsiteY2" fmla="*/ 369189 h 369188"/>
+                </a:gdLst>
+                <a:ahLst/>
+                <a:cxnLst>
+                  <a:cxn ang="0">
+                    <a:pos x="connsiteX0" y="connsiteY0"/>
+                  </a:cxn>
+                  <a:cxn ang="0">
+                    <a:pos x="connsiteX1" y="connsiteY1"/>
+                  </a:cxn>
+                  <a:cxn ang="0">
+                    <a:pos x="connsiteX2" y="connsiteY2"/>
+                  </a:cxn>
+                </a:cxnLst>
+                <a:rect l="l" t="t" r="r" b="b"/>
+                <a:pathLst>
+                  <a:path w="369188" h="369188">
+                    <a:moveTo>
+                      <a:pt x="369189" y="369189"/>
+                    </a:moveTo>
+                    <a:lnTo>
+                      <a:pt x="369189" y="0"/>
+                    </a:lnTo>
+                    <a:lnTo>
+                      <a:pt x="0" y="369189"/>
+                    </a:lnTo>
+                    <a:close/>
+                  </a:path>
+                </a:pathLst>
+              </a:custGeom>
+              <a:grpFill/>
+              <a:ln w="9525" cap="flat">
+                <a:noFill/>
+                <a:prstDash val="solid"/>
+                <a:miter/>
+              </a:ln>
+            </p:spPr>
+            <p:txBody>
+              <a:bodyPr rtlCol="0" anchor="ctr"/>
+              <a:lstStyle/>
+              <a:p>
+                <a:endParaRPr lang="en-GB"/>
+              </a:p>
+            </p:txBody>
+          </p:sp>
+          <p:sp>
+            <p:nvSpPr>
+              <p:cNvPr id="27" name="任意多边形: 形状 26">
+                <a:extLst>
+                  <a:ext uri="{FF2B5EF4-FFF2-40B4-BE49-F238E27FC236}">
+                    <a16:creationId xmlns:a16="http://schemas.microsoft.com/office/drawing/2014/main" id="{485C95D9-91F6-4C15-855E-635DB2437C1A}"/>
+                  </a:ext>
+                </a:extLst>
+              </p:cNvPr>
+              <p:cNvSpPr/>
+              <p:nvPr/>
+            </p:nvSpPr>
+            <p:spPr>
+              <a:xfrm>
+                <a:off x="6559581" y="3918489"/>
+                <a:ext cx="424815" cy="424815"/>
+              </a:xfrm>
+              <a:custGeom>
+                <a:avLst/>
+                <a:gdLst>
+                  <a:gd name="connsiteX0" fmla="*/ 424815 w 424815"/>
+                  <a:gd name="connsiteY0" fmla="*/ 0 h 424815"/>
+                  <a:gd name="connsiteX1" fmla="*/ 0 w 424815"/>
+                  <a:gd name="connsiteY1" fmla="*/ 424815 h 424815"/>
+                  <a:gd name="connsiteX2" fmla="*/ 159258 w 424815"/>
+                  <a:gd name="connsiteY2" fmla="*/ 424815 h 424815"/>
+                  <a:gd name="connsiteX3" fmla="*/ 424815 w 424815"/>
+                  <a:gd name="connsiteY3" fmla="*/ 159258 h 424815"/>
+                </a:gdLst>
+                <a:ahLst/>
+                <a:cxnLst>
+                  <a:cxn ang="0">
+                    <a:pos x="connsiteX0" y="connsiteY0"/>
+                  </a:cxn>
+                  <a:cxn ang="0">
+                    <a:pos x="connsiteX1" y="connsiteY1"/>
+                  </a:cxn>
+                  <a:cxn ang="0">
+                    <a:pos x="connsiteX2" y="connsiteY2"/>
+                  </a:cxn>
+                  <a:cxn ang="0">
+                    <a:pos x="connsiteX3" y="connsiteY3"/>
+                  </a:cxn>
+                </a:cxnLst>
+                <a:rect l="l" t="t" r="r" b="b"/>
+                <a:pathLst>
+                  <a:path w="424815" h="424815">
+                    <a:moveTo>
+                      <a:pt x="424815" y="0"/>
+                    </a:moveTo>
+                    <a:lnTo>
+                      <a:pt x="0" y="424815"/>
+                    </a:lnTo>
+                    <a:lnTo>
+                      <a:pt x="159258" y="424815"/>
+                    </a:lnTo>
+                    <a:lnTo>
+                      <a:pt x="424815" y="159258"/>
+                    </a:lnTo>
+                    <a:close/>
+                  </a:path>
+                </a:pathLst>
+              </a:custGeom>
+              <a:grpFill/>
+              <a:ln w="9525" cap="flat">
+                <a:noFill/>
+                <a:prstDash val="solid"/>
+                <a:miter/>
+              </a:ln>
+            </p:spPr>
+            <p:txBody>
+              <a:bodyPr rtlCol="0" anchor="ctr"/>
+              <a:lstStyle/>
+              <a:p>
+                <a:endParaRPr lang="en-GB"/>
+              </a:p>
+            </p:txBody>
+          </p:sp>
+          <p:sp>
+            <p:nvSpPr>
+              <p:cNvPr id="28" name="任意多边形: 形状 27">
+                <a:extLst>
+                  <a:ext uri="{FF2B5EF4-FFF2-40B4-BE49-F238E27FC236}">
+                    <a16:creationId xmlns:a16="http://schemas.microsoft.com/office/drawing/2014/main" id="{2DFADE78-7711-4F18-BA00-817F3086044C}"/>
+                  </a:ext>
+                </a:extLst>
+              </p:cNvPr>
+              <p:cNvSpPr/>
+              <p:nvPr/>
+            </p:nvSpPr>
+            <p:spPr>
+              <a:xfrm>
+                <a:off x="6113334" y="3751707"/>
+                <a:ext cx="757713" cy="757713"/>
+              </a:xfrm>
+              <a:custGeom>
+                <a:avLst/>
+                <a:gdLst>
+                  <a:gd name="connsiteX0" fmla="*/ 344329 w 757713"/>
+                  <a:gd name="connsiteY0" fmla="*/ 757714 h 757713"/>
+                  <a:gd name="connsiteX1" fmla="*/ 757714 w 757713"/>
+                  <a:gd name="connsiteY1" fmla="*/ 344329 h 757713"/>
+                  <a:gd name="connsiteX2" fmla="*/ 757714 w 757713"/>
+                  <a:gd name="connsiteY2" fmla="*/ 0 h 757713"/>
+                  <a:gd name="connsiteX3" fmla="*/ 0 w 757713"/>
+                  <a:gd name="connsiteY3" fmla="*/ 757714 h 757713"/>
+                </a:gdLst>
+                <a:ahLst/>
+                <a:cxnLst>
+                  <a:cxn ang="0">
+                    <a:pos x="connsiteX0" y="connsiteY0"/>
+                  </a:cxn>
+                  <a:cxn ang="0">
+                    <a:pos x="connsiteX1" y="connsiteY1"/>
+                  </a:cxn>
+                  <a:cxn ang="0">
+                    <a:pos x="connsiteX2" y="connsiteY2"/>
+                  </a:cxn>
+                  <a:cxn ang="0">
+                    <a:pos x="connsiteX3" y="connsiteY3"/>
+                  </a:cxn>
+                </a:cxnLst>
+                <a:rect l="l" t="t" r="r" b="b"/>
+                <a:pathLst>
+                  <a:path w="757713" h="757713">
+                    <a:moveTo>
+                      <a:pt x="344329" y="757714"/>
+                    </a:moveTo>
+                    <a:lnTo>
+                      <a:pt x="757714" y="344329"/>
+                    </a:lnTo>
+                    <a:lnTo>
+                      <a:pt x="757714" y="0"/>
+                    </a:lnTo>
+                    <a:lnTo>
+                      <a:pt x="0" y="757714"/>
+                    </a:lnTo>
+                    <a:close/>
+                  </a:path>
+                </a:pathLst>
+              </a:custGeom>
+              <a:grpFill/>
+              <a:ln w="9525" cap="flat">
+                <a:noFill/>
+                <a:prstDash val="solid"/>
+                <a:miter/>
+              </a:ln>
+            </p:spPr>
+            <p:txBody>
+              <a:bodyPr rtlCol="0" anchor="ctr"/>
+              <a:lstStyle/>
+              <a:p>
+                <a:endParaRPr lang="en-GB"/>
+              </a:p>
+            </p:txBody>
+          </p:sp>
+          <p:sp>
+            <p:nvSpPr>
+              <p:cNvPr id="29" name="任意多边形: 形状 28">
+                <a:extLst>
+                  <a:ext uri="{FF2B5EF4-FFF2-40B4-BE49-F238E27FC236}">
+                    <a16:creationId xmlns:a16="http://schemas.microsoft.com/office/drawing/2014/main" id="{E23DC248-5B36-4BD8-A702-057BA66FB0C9}"/>
+                  </a:ext>
+                </a:extLst>
+              </p:cNvPr>
+              <p:cNvSpPr/>
+              <p:nvPr/>
+            </p:nvSpPr>
+            <p:spPr>
+              <a:xfrm>
+                <a:off x="5216937" y="4246816"/>
+                <a:ext cx="310229" cy="310229"/>
+              </a:xfrm>
+              <a:custGeom>
+                <a:avLst/>
+                <a:gdLst>
+                  <a:gd name="connsiteX0" fmla="*/ 184975 w 310229"/>
+                  <a:gd name="connsiteY0" fmla="*/ 310229 h 310229"/>
+                  <a:gd name="connsiteX1" fmla="*/ 310229 w 310229"/>
+                  <a:gd name="connsiteY1" fmla="*/ 184975 h 310229"/>
+                  <a:gd name="connsiteX2" fmla="*/ 310229 w 310229"/>
+                  <a:gd name="connsiteY2" fmla="*/ 0 h 310229"/>
+                  <a:gd name="connsiteX3" fmla="*/ 0 w 310229"/>
+                  <a:gd name="connsiteY3" fmla="*/ 310229 h 310229"/>
+                </a:gdLst>
+                <a:ahLst/>
+                <a:cxnLst>
+                  <a:cxn ang="0">
+                    <a:pos x="connsiteX0" y="connsiteY0"/>
+                  </a:cxn>
+                  <a:cxn ang="0">
+                    <a:pos x="connsiteX1" y="connsiteY1"/>
+                  </a:cxn>
+                  <a:cxn ang="0">
+                    <a:pos x="connsiteX2" y="connsiteY2"/>
+                  </a:cxn>
+                  <a:cxn ang="0">
+                    <a:pos x="connsiteX3" y="connsiteY3"/>
+                  </a:cxn>
+                </a:cxnLst>
+                <a:rect l="l" t="t" r="r" b="b"/>
+                <a:pathLst>
+                  <a:path w="310229" h="310229">
+                    <a:moveTo>
+                      <a:pt x="184975" y="310229"/>
+                    </a:moveTo>
+                    <a:lnTo>
+                      <a:pt x="310229" y="184975"/>
+                    </a:lnTo>
+                    <a:lnTo>
+                      <a:pt x="310229" y="0"/>
+                    </a:lnTo>
+                    <a:lnTo>
+                      <a:pt x="0" y="310229"/>
+                    </a:lnTo>
+                    <a:close/>
+                  </a:path>
+                </a:pathLst>
+              </a:custGeom>
+              <a:grpFill/>
+              <a:ln w="9525" cap="flat">
+                <a:noFill/>
+                <a:prstDash val="solid"/>
+                <a:miter/>
+              </a:ln>
+            </p:spPr>
+            <p:txBody>
+              <a:bodyPr rtlCol="0" anchor="ctr"/>
+              <a:lstStyle/>
+              <a:p>
+                <a:endParaRPr lang="en-GB"/>
+              </a:p>
+            </p:txBody>
+          </p:sp>
+        </p:grpSp>
+      </p:grpSp>
+      <p:grpSp>
+        <p:nvGrpSpPr>
+          <p:cNvPr id="30" name="组合 29">
+            <a:extLst>
+              <a:ext uri="{FF2B5EF4-FFF2-40B4-BE49-F238E27FC236}">
+                <a16:creationId xmlns:a16="http://schemas.microsoft.com/office/drawing/2014/main" id="{9D4EE691-2ECE-4DD1-8E2E-B25AD8F64581}"/>
+              </a:ext>
+            </a:extLst>
+          </p:cNvPr>
+          <p:cNvGrpSpPr/>
+          <p:nvPr userDrawn="1"/>
+        </p:nvGrpSpPr>
+        <p:grpSpPr>
+          <a:xfrm>
+            <a:off x="0" y="-186450"/>
+            <a:ext cx="3232530" cy="4114943"/>
+            <a:chOff x="-1083009" y="-1005135"/>
+            <a:chExt cx="3232530" cy="4114943"/>
+          </a:xfrm>
+          <a:solidFill>
+            <a:schemeClr val="accent1">
+              <a:alpha val="50000"/>
+            </a:schemeClr>
+          </a:solidFill>
+        </p:grpSpPr>
+        <p:sp>
+          <p:nvSpPr>
+            <p:cNvPr id="31" name="任意多边形: 形状 30">
+              <a:extLst>
+                <a:ext uri="{FF2B5EF4-FFF2-40B4-BE49-F238E27FC236}">
+                  <a16:creationId xmlns:a16="http://schemas.microsoft.com/office/drawing/2014/main" id="{0B82D7EA-D319-4ECA-81C3-E47D27D3CFD3}"/>
+                </a:ext>
+              </a:extLst>
+            </p:cNvPr>
+            <p:cNvSpPr/>
+            <p:nvPr/>
+          </p:nvSpPr>
+          <p:spPr>
+            <a:xfrm>
+              <a:off x="-1083009" y="-618098"/>
+              <a:ext cx="576058" cy="576058"/>
+            </a:xfrm>
+            <a:custGeom>
+              <a:avLst/>
+              <a:gdLst>
+                <a:gd name="connsiteX0" fmla="*/ 0 w 238029"/>
+                <a:gd name="connsiteY0" fmla="*/ 238030 h 238029"/>
+                <a:gd name="connsiteX1" fmla="*/ 238030 w 238029"/>
+                <a:gd name="connsiteY1" fmla="*/ 0 h 238029"/>
+                <a:gd name="connsiteX2" fmla="*/ 0 w 238029"/>
+                <a:gd name="connsiteY2" fmla="*/ 0 h 238029"/>
+              </a:gdLst>
+              <a:ahLst/>
+              <a:cxnLst>
+                <a:cxn ang="0">
+                  <a:pos x="connsiteX0" y="connsiteY0"/>
+                </a:cxn>
+                <a:cxn ang="0">
+                  <a:pos x="connsiteX1" y="connsiteY1"/>
+                </a:cxn>
+                <a:cxn ang="0">
+                  <a:pos x="connsiteX2" y="connsiteY2"/>
+                </a:cxn>
+              </a:cxnLst>
+              <a:rect l="l" t="t" r="r" b="b"/>
+              <a:pathLst>
+                <a:path w="238029" h="238029">
+                  <a:moveTo>
+                    <a:pt x="0" y="238030"/>
+                  </a:moveTo>
+                  <a:lnTo>
+                    <a:pt x="238030" y="0"/>
+                  </a:lnTo>
+                  <a:lnTo>
+                    <a:pt x="0" y="0"/>
+                  </a:lnTo>
+                  <a:close/>
+                </a:path>
+              </a:pathLst>
+            </a:custGeom>
+            <a:grpFill/>
+            <a:ln w="9525" cap="flat">
+              <a:noFill/>
+              <a:prstDash val="solid"/>
+              <a:miter/>
+            </a:ln>
+          </p:spPr>
+          <p:txBody>
+            <a:bodyPr rtlCol="0" anchor="ctr"/>
+            <a:lstStyle/>
+            <a:p>
+              <a:endParaRPr lang="en-GB"/>
+            </a:p>
+          </p:txBody>
+        </p:sp>
+        <p:sp>
+          <p:nvSpPr>
+            <p:cNvPr id="32" name="任意多边形: 形状 31">
+              <a:extLst>
+                <a:ext uri="{FF2B5EF4-FFF2-40B4-BE49-F238E27FC236}">
+                  <a16:creationId xmlns:a16="http://schemas.microsoft.com/office/drawing/2014/main" id="{27F9D4C8-5A9A-4EBC-959E-890DF5051F7C}"/>
+                </a:ext>
+              </a:extLst>
+            </p:cNvPr>
+            <p:cNvSpPr/>
+            <p:nvPr/>
+          </p:nvSpPr>
+          <p:spPr>
+            <a:xfrm>
+              <a:off x="-1083009" y="-583982"/>
+              <a:ext cx="381502" cy="1052076"/>
+            </a:xfrm>
+            <a:custGeom>
+              <a:avLst/>
+              <a:gdLst>
+                <a:gd name="connsiteX0" fmla="*/ 0 w 157638"/>
+                <a:gd name="connsiteY0" fmla="*/ 434721 h 434721"/>
+                <a:gd name="connsiteX1" fmla="*/ 157639 w 157638"/>
+                <a:gd name="connsiteY1" fmla="*/ 277178 h 434721"/>
+                <a:gd name="connsiteX2" fmla="*/ 157544 w 157638"/>
+                <a:gd name="connsiteY2" fmla="*/ 0 h 434721"/>
+                <a:gd name="connsiteX3" fmla="*/ 0 w 157638"/>
+                <a:gd name="connsiteY3" fmla="*/ 157544 h 434721"/>
+              </a:gdLst>
+              <a:ahLst/>
+              <a:cxnLst>
+                <a:cxn ang="0">
+                  <a:pos x="connsiteX0" y="connsiteY0"/>
+                </a:cxn>
+                <a:cxn ang="0">
+                  <a:pos x="connsiteX1" y="connsiteY1"/>
+                </a:cxn>
+                <a:cxn ang="0">
+                  <a:pos x="connsiteX2" y="connsiteY2"/>
+                </a:cxn>
+                <a:cxn ang="0">
+                  <a:pos x="connsiteX3" y="connsiteY3"/>
+                </a:cxn>
+              </a:cxnLst>
+              <a:rect l="l" t="t" r="r" b="b"/>
+              <a:pathLst>
+                <a:path w="157638" h="434721">
+                  <a:moveTo>
+                    <a:pt x="0" y="434721"/>
+                  </a:moveTo>
+                  <a:lnTo>
+                    <a:pt x="157639" y="277178"/>
+                  </a:lnTo>
+                  <a:lnTo>
+                    <a:pt x="157544" y="0"/>
+                  </a:lnTo>
+                  <a:lnTo>
+                    <a:pt x="0" y="157544"/>
+                  </a:lnTo>
+                  <a:close/>
+                </a:path>
+              </a:pathLst>
+            </a:custGeom>
+            <a:grpFill/>
+            <a:ln w="9525" cap="flat">
+              <a:noFill/>
+              <a:prstDash val="solid"/>
+              <a:miter/>
+            </a:ln>
+          </p:spPr>
+          <p:txBody>
+            <a:bodyPr rtlCol="0" anchor="ctr"/>
+            <a:lstStyle/>
+            <a:p>
+              <a:endParaRPr lang="en-GB"/>
+            </a:p>
+          </p:txBody>
+        </p:sp>
+        <p:sp>
+          <p:nvSpPr>
+            <p:cNvPr id="33" name="任意多边形: 形状 32">
+              <a:extLst>
+                <a:ext uri="{FF2B5EF4-FFF2-40B4-BE49-F238E27FC236}">
+                  <a16:creationId xmlns:a16="http://schemas.microsoft.com/office/drawing/2014/main" id="{27E20194-DD3C-442A-836D-8D8A77BAE902}"/>
+                </a:ext>
+              </a:extLst>
+            </p:cNvPr>
+            <p:cNvSpPr/>
+            <p:nvPr/>
+          </p:nvSpPr>
+          <p:spPr>
+            <a:xfrm>
+              <a:off x="-1007170" y="-258493"/>
+              <a:ext cx="251954" cy="251954"/>
+            </a:xfrm>
+            <a:custGeom>
+              <a:avLst/>
+              <a:gdLst>
+                <a:gd name="connsiteX0" fmla="*/ 38291 w 104108"/>
+                <a:gd name="connsiteY0" fmla="*/ 104108 h 104108"/>
+                <a:gd name="connsiteX1" fmla="*/ 104108 w 104108"/>
+                <a:gd name="connsiteY1" fmla="*/ 38291 h 104108"/>
+                <a:gd name="connsiteX2" fmla="*/ 104108 w 104108"/>
+                <a:gd name="connsiteY2" fmla="*/ 0 h 104108"/>
+                <a:gd name="connsiteX3" fmla="*/ 0 w 104108"/>
+                <a:gd name="connsiteY3" fmla="*/ 104108 h 104108"/>
+              </a:gdLst>
+              <a:ahLst/>
+              <a:cxnLst>
+                <a:cxn ang="0">
+                  <a:pos x="connsiteX0" y="connsiteY0"/>
+                </a:cxn>
+                <a:cxn ang="0">
+                  <a:pos x="connsiteX1" y="connsiteY1"/>
+                </a:cxn>
+                <a:cxn ang="0">
+                  <a:pos x="connsiteX2" y="connsiteY2"/>
+                </a:cxn>
+                <a:cxn ang="0">
+                  <a:pos x="connsiteX3" y="connsiteY3"/>
+                </a:cxn>
+              </a:cxnLst>
+              <a:rect l="l" t="t" r="r" b="b"/>
+              <a:pathLst>
+                <a:path w="104108" h="104108">
+                  <a:moveTo>
+                    <a:pt x="38291" y="104108"/>
+                  </a:moveTo>
+                  <a:lnTo>
+                    <a:pt x="104108" y="38291"/>
+                  </a:lnTo>
+                  <a:lnTo>
+                    <a:pt x="104108" y="0"/>
+                  </a:lnTo>
+                  <a:lnTo>
+                    <a:pt x="0" y="104108"/>
+                  </a:lnTo>
+                  <a:close/>
+                </a:path>
+              </a:pathLst>
+            </a:custGeom>
+            <a:grpFill/>
+            <a:ln w="9525" cap="flat">
+              <a:noFill/>
+              <a:prstDash val="solid"/>
+              <a:miter/>
+            </a:ln>
+          </p:spPr>
+          <p:txBody>
+            <a:bodyPr rtlCol="0" anchor="ctr"/>
+            <a:lstStyle/>
+            <a:p>
+              <a:endParaRPr lang="en-GB"/>
+            </a:p>
+          </p:txBody>
+        </p:sp>
+        <p:sp>
+          <p:nvSpPr>
+            <p:cNvPr id="34" name="任意多边形: 形状 33">
+              <a:extLst>
+                <a:ext uri="{FF2B5EF4-FFF2-40B4-BE49-F238E27FC236}">
+                  <a16:creationId xmlns:a16="http://schemas.microsoft.com/office/drawing/2014/main" id="{C596CAE2-AB38-4070-9AC3-11143EED5E65}"/>
+                </a:ext>
+              </a:extLst>
+            </p:cNvPr>
+            <p:cNvSpPr/>
+            <p:nvPr/>
+          </p:nvSpPr>
+          <p:spPr>
+            <a:xfrm>
+              <a:off x="-1083009" y="959555"/>
+              <a:ext cx="645905" cy="2150253"/>
+            </a:xfrm>
+            <a:custGeom>
+              <a:avLst/>
+              <a:gdLst>
+                <a:gd name="connsiteX0" fmla="*/ 0 w 266890"/>
+                <a:gd name="connsiteY0" fmla="*/ 888492 h 888491"/>
+                <a:gd name="connsiteX1" fmla="*/ 266891 w 266890"/>
+                <a:gd name="connsiteY1" fmla="*/ 621602 h 888491"/>
+                <a:gd name="connsiteX2" fmla="*/ 266891 w 266890"/>
+                <a:gd name="connsiteY2" fmla="*/ 0 h 888491"/>
+                <a:gd name="connsiteX3" fmla="*/ 0 w 266890"/>
+                <a:gd name="connsiteY3" fmla="*/ 266890 h 888491"/>
+              </a:gdLst>
+              <a:ahLst/>
+              <a:cxnLst>
+                <a:cxn ang="0">
+                  <a:pos x="connsiteX0" y="connsiteY0"/>
+                </a:cxn>
+                <a:cxn ang="0">
+                  <a:pos x="connsiteX1" y="connsiteY1"/>
+                </a:cxn>
+                <a:cxn ang="0">
+                  <a:pos x="connsiteX2" y="connsiteY2"/>
+                </a:cxn>
+                <a:cxn ang="0">
+                  <a:pos x="connsiteX3" y="connsiteY3"/>
+                </a:cxn>
+              </a:cxnLst>
+              <a:rect l="l" t="t" r="r" b="b"/>
+              <a:pathLst>
+                <a:path w="266890" h="888491">
+                  <a:moveTo>
+                    <a:pt x="0" y="888492"/>
+                  </a:moveTo>
+                  <a:lnTo>
+                    <a:pt x="266891" y="621602"/>
+                  </a:lnTo>
+                  <a:lnTo>
+                    <a:pt x="266891" y="0"/>
+                  </a:lnTo>
+                  <a:lnTo>
+                    <a:pt x="0" y="266890"/>
+                  </a:lnTo>
+                  <a:close/>
+                </a:path>
+              </a:pathLst>
+            </a:custGeom>
+            <a:grpFill/>
+            <a:ln w="9525" cap="flat">
+              <a:noFill/>
+              <a:prstDash val="solid"/>
+              <a:miter/>
+            </a:ln>
+          </p:spPr>
+          <p:txBody>
+            <a:bodyPr rtlCol="0" anchor="ctr"/>
+            <a:lstStyle/>
+            <a:p>
+              <a:endParaRPr lang="en-GB"/>
+            </a:p>
+          </p:txBody>
+        </p:sp>
+        <p:sp>
+          <p:nvSpPr>
+            <p:cNvPr id="35" name="任意多边形: 形状 34">
+              <a:extLst>
+                <a:ext uri="{FF2B5EF4-FFF2-40B4-BE49-F238E27FC236}">
+                  <a16:creationId xmlns:a16="http://schemas.microsoft.com/office/drawing/2014/main" id="{BEF7656F-82AD-4DD5-8BF0-5A5AB6F987A4}"/>
+                </a:ext>
+              </a:extLst>
+            </p:cNvPr>
+            <p:cNvSpPr/>
+            <p:nvPr/>
+          </p:nvSpPr>
+          <p:spPr>
+            <a:xfrm>
+              <a:off x="-812844" y="-878120"/>
+              <a:ext cx="222677" cy="222677"/>
+            </a:xfrm>
+            <a:custGeom>
+              <a:avLst/>
+              <a:gdLst>
+                <a:gd name="connsiteX0" fmla="*/ 33814 w 92011"/>
+                <a:gd name="connsiteY0" fmla="*/ 92012 h 92011"/>
+                <a:gd name="connsiteX1" fmla="*/ 92011 w 92011"/>
+                <a:gd name="connsiteY1" fmla="*/ 33909 h 92011"/>
+                <a:gd name="connsiteX2" fmla="*/ 92011 w 92011"/>
+                <a:gd name="connsiteY2" fmla="*/ 0 h 92011"/>
+                <a:gd name="connsiteX3" fmla="*/ 0 w 92011"/>
+                <a:gd name="connsiteY3" fmla="*/ 92012 h 92011"/>
+              </a:gdLst>
+              <a:ahLst/>
+              <a:cxnLst>
+                <a:cxn ang="0">
+                  <a:pos x="connsiteX0" y="connsiteY0"/>
+                </a:cxn>
+                <a:cxn ang="0">
+                  <a:pos x="connsiteX1" y="connsiteY1"/>
+                </a:cxn>
+                <a:cxn ang="0">
+                  <a:pos x="connsiteX2" y="connsiteY2"/>
+                </a:cxn>
+                <a:cxn ang="0">
+                  <a:pos x="connsiteX3" y="connsiteY3"/>
+                </a:cxn>
+              </a:cxnLst>
+              <a:rect l="l" t="t" r="r" b="b"/>
+              <a:pathLst>
+                <a:path w="92011" h="92011">
+                  <a:moveTo>
+                    <a:pt x="33814" y="92012"/>
+                  </a:moveTo>
+                  <a:lnTo>
+                    <a:pt x="92011" y="33909"/>
+                  </a:lnTo>
+                  <a:lnTo>
+                    <a:pt x="92011" y="0"/>
+                  </a:lnTo>
+                  <a:lnTo>
+                    <a:pt x="0" y="92012"/>
+                  </a:lnTo>
+                  <a:close/>
+                </a:path>
+              </a:pathLst>
+            </a:custGeom>
+            <a:grpFill/>
+            <a:ln w="9525" cap="flat">
+              <a:noFill/>
+              <a:prstDash val="solid"/>
+              <a:miter/>
+            </a:ln>
+          </p:spPr>
+          <p:txBody>
+            <a:bodyPr rtlCol="0" anchor="ctr"/>
+            <a:lstStyle/>
+            <a:p>
+              <a:endParaRPr lang="en-GB"/>
+            </a:p>
+          </p:txBody>
+        </p:sp>
+        <p:sp>
+          <p:nvSpPr>
+            <p:cNvPr id="36" name="任意多边形: 形状 35">
+              <a:extLst>
+                <a:ext uri="{FF2B5EF4-FFF2-40B4-BE49-F238E27FC236}">
+                  <a16:creationId xmlns:a16="http://schemas.microsoft.com/office/drawing/2014/main" id="{2FA13677-8149-4F72-B231-925EF0745867}"/>
+                </a:ext>
+              </a:extLst>
+            </p:cNvPr>
+            <p:cNvSpPr/>
+            <p:nvPr/>
+          </p:nvSpPr>
+          <p:spPr>
+            <a:xfrm>
+              <a:off x="-1083009" y="-725750"/>
+              <a:ext cx="1625138" cy="2994864"/>
+            </a:xfrm>
+            <a:custGeom>
+              <a:avLst/>
+              <a:gdLst>
+                <a:gd name="connsiteX0" fmla="*/ 0 w 671512"/>
+                <a:gd name="connsiteY0" fmla="*/ 1237488 h 1237487"/>
+                <a:gd name="connsiteX1" fmla="*/ 671513 w 671512"/>
+                <a:gd name="connsiteY1" fmla="*/ 565976 h 1237487"/>
+                <a:gd name="connsiteX2" fmla="*/ 671513 w 671512"/>
+                <a:gd name="connsiteY2" fmla="*/ 0 h 1237487"/>
+                <a:gd name="connsiteX3" fmla="*/ 0 w 671512"/>
+                <a:gd name="connsiteY3" fmla="*/ 671608 h 1237487"/>
+              </a:gdLst>
+              <a:ahLst/>
+              <a:cxnLst>
+                <a:cxn ang="0">
+                  <a:pos x="connsiteX0" y="connsiteY0"/>
+                </a:cxn>
+                <a:cxn ang="0">
+                  <a:pos x="connsiteX1" y="connsiteY1"/>
+                </a:cxn>
+                <a:cxn ang="0">
+                  <a:pos x="connsiteX2" y="connsiteY2"/>
+                </a:cxn>
+                <a:cxn ang="0">
+                  <a:pos x="connsiteX3" y="connsiteY3"/>
+                </a:cxn>
+              </a:cxnLst>
+              <a:rect l="l" t="t" r="r" b="b"/>
+              <a:pathLst>
+                <a:path w="671512" h="1237487">
+                  <a:moveTo>
+                    <a:pt x="0" y="1237488"/>
+                  </a:moveTo>
+                  <a:lnTo>
+                    <a:pt x="671513" y="565976"/>
+                  </a:lnTo>
+                  <a:lnTo>
+                    <a:pt x="671513" y="0"/>
+                  </a:lnTo>
+                  <a:lnTo>
+                    <a:pt x="0" y="671608"/>
+                  </a:lnTo>
+                  <a:close/>
+                </a:path>
+              </a:pathLst>
+            </a:custGeom>
+            <a:grpFill/>
+            <a:ln w="9525" cap="flat">
+              <a:noFill/>
+              <a:prstDash val="solid"/>
+              <a:miter/>
+            </a:ln>
+          </p:spPr>
+          <p:txBody>
+            <a:bodyPr rtlCol="0" anchor="ctr"/>
+            <a:lstStyle/>
+            <a:p>
+              <a:endParaRPr lang="en-GB"/>
+            </a:p>
+          </p:txBody>
+        </p:sp>
+        <p:sp>
+          <p:nvSpPr>
+            <p:cNvPr id="37" name="任意多边形: 形状 36">
+              <a:extLst>
+                <a:ext uri="{FF2B5EF4-FFF2-40B4-BE49-F238E27FC236}">
+                  <a16:creationId xmlns:a16="http://schemas.microsoft.com/office/drawing/2014/main" id="{E8B71ED5-264F-46DD-872B-C284AFA45EC2}"/>
+                </a:ext>
+              </a:extLst>
+            </p:cNvPr>
+            <p:cNvSpPr/>
+            <p:nvPr/>
+          </p:nvSpPr>
+          <p:spPr>
+            <a:xfrm>
+              <a:off x="-1083009" y="288292"/>
+              <a:ext cx="1508728" cy="1508728"/>
+            </a:xfrm>
+            <a:custGeom>
+              <a:avLst/>
+              <a:gdLst>
+                <a:gd name="connsiteX0" fmla="*/ 0 w 623411"/>
+                <a:gd name="connsiteY0" fmla="*/ 623411 h 623411"/>
+                <a:gd name="connsiteX1" fmla="*/ 623411 w 623411"/>
+                <a:gd name="connsiteY1" fmla="*/ 0 h 623411"/>
+                <a:gd name="connsiteX2" fmla="*/ 211550 w 623411"/>
+                <a:gd name="connsiteY2" fmla="*/ 0 h 623411"/>
+                <a:gd name="connsiteX3" fmla="*/ 0 w 623411"/>
+                <a:gd name="connsiteY3" fmla="*/ 211550 h 623411"/>
+              </a:gdLst>
+              <a:ahLst/>
+              <a:cxnLst>
+                <a:cxn ang="0">
+                  <a:pos x="connsiteX0" y="connsiteY0"/>
+                </a:cxn>
+                <a:cxn ang="0">
+                  <a:pos x="connsiteX1" y="connsiteY1"/>
+                </a:cxn>
+                <a:cxn ang="0">
+                  <a:pos x="connsiteX2" y="connsiteY2"/>
+                </a:cxn>
+                <a:cxn ang="0">
+                  <a:pos x="connsiteX3" y="connsiteY3"/>
+                </a:cxn>
+              </a:cxnLst>
+              <a:rect l="l" t="t" r="r" b="b"/>
+              <a:pathLst>
+                <a:path w="623411" h="623411">
+                  <a:moveTo>
+                    <a:pt x="0" y="623411"/>
+                  </a:moveTo>
+                  <a:lnTo>
+                    <a:pt x="623411" y="0"/>
+                  </a:lnTo>
+                  <a:lnTo>
+                    <a:pt x="211550" y="0"/>
+                  </a:lnTo>
+                  <a:lnTo>
+                    <a:pt x="0" y="211550"/>
+                  </a:lnTo>
+                  <a:close/>
+                </a:path>
+              </a:pathLst>
+            </a:custGeom>
+            <a:grpFill/>
+            <a:ln w="9525" cap="flat">
+              <a:noFill/>
+              <a:prstDash val="solid"/>
+              <a:miter/>
+            </a:ln>
+          </p:spPr>
+          <p:txBody>
+            <a:bodyPr rtlCol="0" anchor="ctr"/>
+            <a:lstStyle/>
+            <a:p>
+              <a:endParaRPr lang="en-GB"/>
+            </a:p>
+          </p:txBody>
+        </p:sp>
+        <p:sp>
+          <p:nvSpPr>
+            <p:cNvPr id="38" name="任意多边形: 形状 37">
+              <a:extLst>
+                <a:ext uri="{FF2B5EF4-FFF2-40B4-BE49-F238E27FC236}">
+                  <a16:creationId xmlns:a16="http://schemas.microsoft.com/office/drawing/2014/main" id="{99FE1E02-6138-417F-8C8D-159B9D05ADD4}"/>
+                </a:ext>
+              </a:extLst>
+            </p:cNvPr>
+            <p:cNvSpPr/>
+            <p:nvPr/>
+          </p:nvSpPr>
+          <p:spPr>
+            <a:xfrm>
+              <a:off x="-1083009" y="-917999"/>
+              <a:ext cx="2160627" cy="2160395"/>
+            </a:xfrm>
+            <a:custGeom>
+              <a:avLst/>
+              <a:gdLst>
+                <a:gd name="connsiteX0" fmla="*/ 272320 w 892778"/>
+                <a:gd name="connsiteY0" fmla="*/ 0 h 892682"/>
+                <a:gd name="connsiteX1" fmla="*/ 0 w 892778"/>
+                <a:gd name="connsiteY1" fmla="*/ 272320 h 892682"/>
+                <a:gd name="connsiteX2" fmla="*/ 0 w 892778"/>
+                <a:gd name="connsiteY2" fmla="*/ 892683 h 892682"/>
+                <a:gd name="connsiteX3" fmla="*/ 892778 w 892778"/>
+                <a:gd name="connsiteY3" fmla="*/ 0 h 892682"/>
+              </a:gdLst>
+              <a:ahLst/>
+              <a:cxnLst>
+                <a:cxn ang="0">
+                  <a:pos x="connsiteX0" y="connsiteY0"/>
+                </a:cxn>
+                <a:cxn ang="0">
+                  <a:pos x="connsiteX1" y="connsiteY1"/>
+                </a:cxn>
+                <a:cxn ang="0">
+                  <a:pos x="connsiteX2" y="connsiteY2"/>
+                </a:cxn>
+                <a:cxn ang="0">
+                  <a:pos x="connsiteX3" y="connsiteY3"/>
+                </a:cxn>
+              </a:cxnLst>
+              <a:rect l="l" t="t" r="r" b="b"/>
+              <a:pathLst>
+                <a:path w="892778" h="892682">
+                  <a:moveTo>
+                    <a:pt x="272320" y="0"/>
+                  </a:moveTo>
+                  <a:lnTo>
+                    <a:pt x="0" y="272320"/>
+                  </a:lnTo>
+                  <a:lnTo>
+                    <a:pt x="0" y="892683"/>
+                  </a:lnTo>
+                  <a:lnTo>
+                    <a:pt x="892778" y="0"/>
+                  </a:lnTo>
+                  <a:close/>
+                </a:path>
+              </a:pathLst>
+            </a:custGeom>
+            <a:grpFill/>
+            <a:ln w="9525" cap="flat">
+              <a:noFill/>
+              <a:prstDash val="solid"/>
+              <a:miter/>
+            </a:ln>
+          </p:spPr>
+          <p:txBody>
+            <a:bodyPr rtlCol="0" anchor="ctr"/>
+            <a:lstStyle/>
+            <a:p>
+              <a:endParaRPr lang="en-GB"/>
+            </a:p>
+          </p:txBody>
+        </p:sp>
+        <p:sp>
+          <p:nvSpPr>
+            <p:cNvPr id="39" name="任意多边形: 形状 38">
+              <a:extLst>
+                <a:ext uri="{FF2B5EF4-FFF2-40B4-BE49-F238E27FC236}">
+                  <a16:creationId xmlns:a16="http://schemas.microsoft.com/office/drawing/2014/main" id="{DC40CF76-6318-4A7B-A1E5-B61D3CD47322}"/>
+                </a:ext>
+              </a:extLst>
+            </p:cNvPr>
+            <p:cNvSpPr/>
+            <p:nvPr/>
+          </p:nvSpPr>
+          <p:spPr>
+            <a:xfrm>
+              <a:off x="870616" y="-617868"/>
+              <a:ext cx="597728" cy="597728"/>
+            </a:xfrm>
+            <a:custGeom>
+              <a:avLst/>
+              <a:gdLst>
+                <a:gd name="connsiteX0" fmla="*/ 156115 w 246983"/>
+                <a:gd name="connsiteY0" fmla="*/ 0 h 246983"/>
+                <a:gd name="connsiteX1" fmla="*/ 0 w 246983"/>
+                <a:gd name="connsiteY1" fmla="*/ 156210 h 246983"/>
+                <a:gd name="connsiteX2" fmla="*/ 0 w 246983"/>
+                <a:gd name="connsiteY2" fmla="*/ 246983 h 246983"/>
+                <a:gd name="connsiteX3" fmla="*/ 246983 w 246983"/>
+                <a:gd name="connsiteY3" fmla="*/ 0 h 246983"/>
+              </a:gdLst>
+              <a:ahLst/>
+              <a:cxnLst>
+                <a:cxn ang="0">
+                  <a:pos x="connsiteX0" y="connsiteY0"/>
+                </a:cxn>
+                <a:cxn ang="0">
+                  <a:pos x="connsiteX1" y="connsiteY1"/>
+                </a:cxn>
+                <a:cxn ang="0">
+                  <a:pos x="connsiteX2" y="connsiteY2"/>
+                </a:cxn>
+                <a:cxn ang="0">
+                  <a:pos x="connsiteX3" y="connsiteY3"/>
+                </a:cxn>
+              </a:cxnLst>
+              <a:rect l="l" t="t" r="r" b="b"/>
+              <a:pathLst>
+                <a:path w="246983" h="246983">
+                  <a:moveTo>
+                    <a:pt x="156115" y="0"/>
+                  </a:moveTo>
+                  <a:lnTo>
+                    <a:pt x="0" y="156210"/>
+                  </a:lnTo>
+                  <a:lnTo>
+                    <a:pt x="0" y="246983"/>
+                  </a:lnTo>
+                  <a:lnTo>
+                    <a:pt x="246983" y="0"/>
+                  </a:lnTo>
+                  <a:close/>
+                </a:path>
+              </a:pathLst>
+            </a:custGeom>
+            <a:grpFill/>
+            <a:ln w="9525" cap="flat">
+              <a:noFill/>
+              <a:prstDash val="solid"/>
+              <a:miter/>
+            </a:ln>
+          </p:spPr>
+          <p:txBody>
+            <a:bodyPr rtlCol="0" anchor="ctr"/>
+            <a:lstStyle/>
+            <a:p>
+              <a:endParaRPr lang="en-GB"/>
+            </a:p>
+          </p:txBody>
+        </p:sp>
+        <p:sp>
+          <p:nvSpPr>
+            <p:cNvPr id="40" name="任意多边形: 形状 39">
+              <a:extLst>
+                <a:ext uri="{FF2B5EF4-FFF2-40B4-BE49-F238E27FC236}">
+                  <a16:creationId xmlns:a16="http://schemas.microsoft.com/office/drawing/2014/main" id="{97793644-CF02-4CFC-B078-0300116E5447}"/>
+                </a:ext>
+              </a:extLst>
+            </p:cNvPr>
+            <p:cNvSpPr/>
+            <p:nvPr/>
+          </p:nvSpPr>
+          <p:spPr>
+            <a:xfrm>
+              <a:off x="332820" y="-891491"/>
+              <a:ext cx="156519" cy="156289"/>
+            </a:xfrm>
+            <a:custGeom>
+              <a:avLst/>
+              <a:gdLst>
+                <a:gd name="connsiteX0" fmla="*/ 40958 w 64674"/>
+                <a:gd name="connsiteY0" fmla="*/ 0 h 64579"/>
+                <a:gd name="connsiteX1" fmla="*/ 0 w 64674"/>
+                <a:gd name="connsiteY1" fmla="*/ 40862 h 64579"/>
+                <a:gd name="connsiteX2" fmla="*/ 0 w 64674"/>
+                <a:gd name="connsiteY2" fmla="*/ 64580 h 64579"/>
+                <a:gd name="connsiteX3" fmla="*/ 64675 w 64674"/>
+                <a:gd name="connsiteY3" fmla="*/ 0 h 64579"/>
+              </a:gdLst>
+              <a:ahLst/>
+              <a:cxnLst>
+                <a:cxn ang="0">
+                  <a:pos x="connsiteX0" y="connsiteY0"/>
+                </a:cxn>
+                <a:cxn ang="0">
+                  <a:pos x="connsiteX1" y="connsiteY1"/>
+                </a:cxn>
+                <a:cxn ang="0">
+                  <a:pos x="connsiteX2" y="connsiteY2"/>
+                </a:cxn>
+                <a:cxn ang="0">
+                  <a:pos x="connsiteX3" y="connsiteY3"/>
+                </a:cxn>
+              </a:cxnLst>
+              <a:rect l="l" t="t" r="r" b="b"/>
+              <a:pathLst>
+                <a:path w="64674" h="64579">
+                  <a:moveTo>
+                    <a:pt x="40958" y="0"/>
+                  </a:moveTo>
+                  <a:lnTo>
+                    <a:pt x="0" y="40862"/>
+                  </a:lnTo>
+                  <a:lnTo>
+                    <a:pt x="0" y="64580"/>
+                  </a:lnTo>
+                  <a:lnTo>
+                    <a:pt x="64675" y="0"/>
+                  </a:lnTo>
+                  <a:close/>
+                </a:path>
+              </a:pathLst>
+            </a:custGeom>
+            <a:grpFill/>
+            <a:ln w="9525" cap="flat">
+              <a:noFill/>
+              <a:prstDash val="solid"/>
+              <a:miter/>
+            </a:ln>
+          </p:spPr>
+          <p:txBody>
+            <a:bodyPr rtlCol="0" anchor="ctr"/>
+            <a:lstStyle/>
+            <a:p>
+              <a:endParaRPr lang="en-GB"/>
+            </a:p>
+          </p:txBody>
+        </p:sp>
+        <p:sp>
+          <p:nvSpPr>
+            <p:cNvPr id="41" name="任意多边形: 形状 40">
+              <a:extLst>
+                <a:ext uri="{FF2B5EF4-FFF2-40B4-BE49-F238E27FC236}">
+                  <a16:creationId xmlns:a16="http://schemas.microsoft.com/office/drawing/2014/main" id="{8BF5CD80-E38C-4590-A0C1-A940432FE654}"/>
+                </a:ext>
+              </a:extLst>
+            </p:cNvPr>
+            <p:cNvSpPr/>
+            <p:nvPr/>
+          </p:nvSpPr>
+          <p:spPr>
+            <a:xfrm>
+              <a:off x="-1083009" y="-917999"/>
+              <a:ext cx="577672" cy="2371551"/>
+            </a:xfrm>
+            <a:custGeom>
+              <a:avLst/>
+              <a:gdLst>
+                <a:gd name="connsiteX0" fmla="*/ 95441 w 238696"/>
+                <a:gd name="connsiteY0" fmla="*/ 0 h 979932"/>
+                <a:gd name="connsiteX1" fmla="*/ 0 w 238696"/>
+                <a:gd name="connsiteY1" fmla="*/ 95345 h 979932"/>
+                <a:gd name="connsiteX2" fmla="*/ 0 w 238696"/>
+                <a:gd name="connsiteY2" fmla="*/ 979932 h 979932"/>
+                <a:gd name="connsiteX3" fmla="*/ 238697 w 238696"/>
+                <a:gd name="connsiteY3" fmla="*/ 741236 h 979932"/>
+                <a:gd name="connsiteX4" fmla="*/ 238697 w 238696"/>
+                <a:gd name="connsiteY4" fmla="*/ 0 h 979932"/>
+              </a:gdLst>
+              <a:ahLst/>
+              <a:cxnLst>
+                <a:cxn ang="0">
+                  <a:pos x="connsiteX0" y="connsiteY0"/>
+                </a:cxn>
+                <a:cxn ang="0">
+                  <a:pos x="connsiteX1" y="connsiteY1"/>
+                </a:cxn>
+                <a:cxn ang="0">
+                  <a:pos x="connsiteX2" y="connsiteY2"/>
+                </a:cxn>
+                <a:cxn ang="0">
+                  <a:pos x="connsiteX3" y="connsiteY3"/>
+                </a:cxn>
+                <a:cxn ang="0">
+                  <a:pos x="connsiteX4" y="connsiteY4"/>
+                </a:cxn>
+              </a:cxnLst>
+              <a:rect l="l" t="t" r="r" b="b"/>
+              <a:pathLst>
+                <a:path w="238696" h="979932">
+                  <a:moveTo>
+                    <a:pt x="95441" y="0"/>
+                  </a:moveTo>
+                  <a:lnTo>
+                    <a:pt x="0" y="95345"/>
+                  </a:lnTo>
+                  <a:lnTo>
+                    <a:pt x="0" y="979932"/>
+                  </a:lnTo>
+                  <a:lnTo>
+                    <a:pt x="238697" y="741236"/>
+                  </a:lnTo>
+                  <a:lnTo>
+                    <a:pt x="238697" y="0"/>
+                  </a:lnTo>
+                  <a:close/>
+                </a:path>
+              </a:pathLst>
+            </a:custGeom>
+            <a:grpFill/>
+            <a:ln w="9525" cap="flat">
+              <a:noFill/>
+              <a:prstDash val="solid"/>
+              <a:miter/>
+            </a:ln>
+          </p:spPr>
+          <p:txBody>
+            <a:bodyPr rtlCol="0" anchor="ctr"/>
+            <a:lstStyle/>
+            <a:p>
+              <a:endParaRPr lang="en-GB"/>
+            </a:p>
+          </p:txBody>
+        </p:sp>
+        <p:sp>
+          <p:nvSpPr>
+            <p:cNvPr id="42" name="任意多边形: 形状 41">
+              <a:extLst>
+                <a:ext uri="{FF2B5EF4-FFF2-40B4-BE49-F238E27FC236}">
+                  <a16:creationId xmlns:a16="http://schemas.microsoft.com/office/drawing/2014/main" id="{C935EFC7-9A26-424B-8189-E4F4C086B192}"/>
+                </a:ext>
+              </a:extLst>
+            </p:cNvPr>
+            <p:cNvSpPr/>
+            <p:nvPr/>
+          </p:nvSpPr>
+          <p:spPr>
+            <a:xfrm>
+              <a:off x="-1059727" y="-917999"/>
+              <a:ext cx="372974" cy="82294"/>
+            </a:xfrm>
+            <a:custGeom>
+              <a:avLst/>
+              <a:gdLst>
+                <a:gd name="connsiteX0" fmla="*/ 34004 w 154114"/>
+                <a:gd name="connsiteY0" fmla="*/ 0 h 34004"/>
+                <a:gd name="connsiteX1" fmla="*/ 0 w 154114"/>
+                <a:gd name="connsiteY1" fmla="*/ 34004 h 34004"/>
+                <a:gd name="connsiteX2" fmla="*/ 120110 w 154114"/>
+                <a:gd name="connsiteY2" fmla="*/ 34004 h 34004"/>
+                <a:gd name="connsiteX3" fmla="*/ 154115 w 154114"/>
+                <a:gd name="connsiteY3" fmla="*/ 0 h 34004"/>
+              </a:gdLst>
+              <a:ahLst/>
+              <a:cxnLst>
+                <a:cxn ang="0">
+                  <a:pos x="connsiteX0" y="connsiteY0"/>
+                </a:cxn>
+                <a:cxn ang="0">
+                  <a:pos x="connsiteX1" y="connsiteY1"/>
+                </a:cxn>
+                <a:cxn ang="0">
+                  <a:pos x="connsiteX2" y="connsiteY2"/>
+                </a:cxn>
+                <a:cxn ang="0">
+                  <a:pos x="connsiteX3" y="connsiteY3"/>
+                </a:cxn>
+              </a:cxnLst>
+              <a:rect l="l" t="t" r="r" b="b"/>
+              <a:pathLst>
+                <a:path w="154114" h="34004">
+                  <a:moveTo>
+                    <a:pt x="34004" y="0"/>
+                  </a:moveTo>
+                  <a:lnTo>
+                    <a:pt x="0" y="34004"/>
+                  </a:lnTo>
+                  <a:lnTo>
+                    <a:pt x="120110" y="34004"/>
+                  </a:lnTo>
+                  <a:lnTo>
+                    <a:pt x="154115" y="0"/>
+                  </a:lnTo>
+                  <a:close/>
+                </a:path>
+              </a:pathLst>
+            </a:custGeom>
+            <a:grpFill/>
+            <a:ln w="9525" cap="flat">
+              <a:noFill/>
+              <a:prstDash val="solid"/>
+              <a:miter/>
+            </a:ln>
+          </p:spPr>
+          <p:txBody>
+            <a:bodyPr rtlCol="0" anchor="ctr"/>
+            <a:lstStyle/>
+            <a:p>
+              <a:endParaRPr lang="en-GB"/>
+            </a:p>
+          </p:txBody>
+        </p:sp>
+        <p:sp>
+          <p:nvSpPr>
+            <p:cNvPr id="43" name="任意多边形: 形状 42">
+              <a:extLst>
+                <a:ext uri="{FF2B5EF4-FFF2-40B4-BE49-F238E27FC236}">
+                  <a16:creationId xmlns:a16="http://schemas.microsoft.com/office/drawing/2014/main" id="{41F30919-0695-469A-BF81-A4E7E6A76005}"/>
+                </a:ext>
+              </a:extLst>
+            </p:cNvPr>
+            <p:cNvSpPr/>
+            <p:nvPr/>
+          </p:nvSpPr>
+          <p:spPr>
+            <a:xfrm>
+              <a:off x="-794403" y="-917999"/>
+              <a:ext cx="1330537" cy="425532"/>
+            </a:xfrm>
+            <a:custGeom>
+              <a:avLst/>
+              <a:gdLst>
+                <a:gd name="connsiteX0" fmla="*/ 175927 w 549782"/>
+                <a:gd name="connsiteY0" fmla="*/ 0 h 175831"/>
+                <a:gd name="connsiteX1" fmla="*/ 0 w 549782"/>
+                <a:gd name="connsiteY1" fmla="*/ 175832 h 175831"/>
+                <a:gd name="connsiteX2" fmla="*/ 373856 w 549782"/>
+                <a:gd name="connsiteY2" fmla="*/ 175832 h 175831"/>
+                <a:gd name="connsiteX3" fmla="*/ 549783 w 549782"/>
+                <a:gd name="connsiteY3" fmla="*/ 0 h 175831"/>
+              </a:gdLst>
+              <a:ahLst/>
+              <a:cxnLst>
+                <a:cxn ang="0">
+                  <a:pos x="connsiteX0" y="connsiteY0"/>
+                </a:cxn>
+                <a:cxn ang="0">
+                  <a:pos x="connsiteX1" y="connsiteY1"/>
+                </a:cxn>
+                <a:cxn ang="0">
+                  <a:pos x="connsiteX2" y="connsiteY2"/>
+                </a:cxn>
+                <a:cxn ang="0">
+                  <a:pos x="connsiteX3" y="connsiteY3"/>
+                </a:cxn>
+              </a:cxnLst>
+              <a:rect l="l" t="t" r="r" b="b"/>
+              <a:pathLst>
+                <a:path w="549782" h="175831">
+                  <a:moveTo>
+                    <a:pt x="175927" y="0"/>
+                  </a:moveTo>
+                  <a:lnTo>
+                    <a:pt x="0" y="175832"/>
+                  </a:lnTo>
+                  <a:lnTo>
+                    <a:pt x="373856" y="175832"/>
+                  </a:lnTo>
+                  <a:lnTo>
+                    <a:pt x="549783" y="0"/>
+                  </a:lnTo>
+                  <a:close/>
+                </a:path>
+              </a:pathLst>
+            </a:custGeom>
+            <a:grpFill/>
+            <a:ln w="9525" cap="flat">
+              <a:noFill/>
+              <a:prstDash val="solid"/>
+              <a:miter/>
+            </a:ln>
+          </p:spPr>
+          <p:txBody>
+            <a:bodyPr rtlCol="0" anchor="ctr"/>
+            <a:lstStyle/>
+            <a:p>
+              <a:endParaRPr lang="en-GB"/>
+            </a:p>
+          </p:txBody>
+        </p:sp>
+        <p:sp>
+          <p:nvSpPr>
+            <p:cNvPr id="44" name="任意多边形: 形状 43">
+              <a:extLst>
+                <a:ext uri="{FF2B5EF4-FFF2-40B4-BE49-F238E27FC236}">
+                  <a16:creationId xmlns:a16="http://schemas.microsoft.com/office/drawing/2014/main" id="{5D7E8E92-CDFC-419C-8CB5-D0069207C25F}"/>
+                </a:ext>
+              </a:extLst>
+            </p:cNvPr>
+            <p:cNvSpPr/>
+            <p:nvPr/>
+          </p:nvSpPr>
+          <p:spPr>
+            <a:xfrm>
+              <a:off x="1265490" y="-917999"/>
+              <a:ext cx="675181" cy="675181"/>
+            </a:xfrm>
+            <a:custGeom>
+              <a:avLst/>
+              <a:gdLst>
+                <a:gd name="connsiteX0" fmla="*/ 0 w 278987"/>
+                <a:gd name="connsiteY0" fmla="*/ 0 h 278987"/>
+                <a:gd name="connsiteX1" fmla="*/ 0 w 278987"/>
+                <a:gd name="connsiteY1" fmla="*/ 278987 h 278987"/>
+                <a:gd name="connsiteX2" fmla="*/ 278987 w 278987"/>
+                <a:gd name="connsiteY2" fmla="*/ 0 h 278987"/>
+              </a:gdLst>
+              <a:ahLst/>
+              <a:cxnLst>
+                <a:cxn ang="0">
+                  <a:pos x="connsiteX0" y="connsiteY0"/>
+                </a:cxn>
+                <a:cxn ang="0">
+                  <a:pos x="connsiteX1" y="connsiteY1"/>
+                </a:cxn>
+                <a:cxn ang="0">
+                  <a:pos x="connsiteX2" y="connsiteY2"/>
+                </a:cxn>
+              </a:cxnLst>
+              <a:rect l="l" t="t" r="r" b="b"/>
+              <a:pathLst>
+                <a:path w="278987" h="278987">
+                  <a:moveTo>
+                    <a:pt x="0" y="0"/>
+                  </a:moveTo>
+                  <a:lnTo>
+                    <a:pt x="0" y="278987"/>
+                  </a:lnTo>
+                  <a:lnTo>
+                    <a:pt x="278987" y="0"/>
+                  </a:lnTo>
+                  <a:close/>
+                </a:path>
+              </a:pathLst>
+            </a:custGeom>
+            <a:grpFill/>
+            <a:ln w="9525" cap="flat">
+              <a:noFill/>
+              <a:prstDash val="solid"/>
+              <a:miter/>
+            </a:ln>
+          </p:spPr>
+          <p:txBody>
+            <a:bodyPr rtlCol="0" anchor="ctr"/>
+            <a:lstStyle/>
+            <a:p>
+              <a:endParaRPr lang="en-GB"/>
+            </a:p>
+          </p:txBody>
+        </p:sp>
+        <p:sp>
+          <p:nvSpPr>
+            <p:cNvPr id="45" name="任意多边形: 形状 44">
+              <a:extLst>
+                <a:ext uri="{FF2B5EF4-FFF2-40B4-BE49-F238E27FC236}">
+                  <a16:creationId xmlns:a16="http://schemas.microsoft.com/office/drawing/2014/main" id="{FBB10ADC-848B-4227-859E-4199909AFE19}"/>
+                </a:ext>
+              </a:extLst>
+            </p:cNvPr>
+            <p:cNvSpPr/>
+            <p:nvPr/>
+          </p:nvSpPr>
+          <p:spPr>
+            <a:xfrm>
+              <a:off x="-1083009" y="-614180"/>
+              <a:ext cx="777068" cy="776838"/>
+            </a:xfrm>
+            <a:custGeom>
+              <a:avLst/>
+              <a:gdLst>
+                <a:gd name="connsiteX0" fmla="*/ 0 w 321087"/>
+                <a:gd name="connsiteY0" fmla="*/ 320993 h 320992"/>
+                <a:gd name="connsiteX1" fmla="*/ 321088 w 321087"/>
+                <a:gd name="connsiteY1" fmla="*/ 0 h 320992"/>
+                <a:gd name="connsiteX2" fmla="*/ 200692 w 321087"/>
+                <a:gd name="connsiteY2" fmla="*/ 0 h 320992"/>
+                <a:gd name="connsiteX3" fmla="*/ 0 w 321087"/>
+                <a:gd name="connsiteY3" fmla="*/ 200692 h 320992"/>
+              </a:gdLst>
+              <a:ahLst/>
+              <a:cxnLst>
+                <a:cxn ang="0">
+                  <a:pos x="connsiteX0" y="connsiteY0"/>
+                </a:cxn>
+                <a:cxn ang="0">
+                  <a:pos x="connsiteX1" y="connsiteY1"/>
+                </a:cxn>
+                <a:cxn ang="0">
+                  <a:pos x="connsiteX2" y="connsiteY2"/>
+                </a:cxn>
+                <a:cxn ang="0">
+                  <a:pos x="connsiteX3" y="connsiteY3"/>
+                </a:cxn>
+              </a:cxnLst>
+              <a:rect l="l" t="t" r="r" b="b"/>
+              <a:pathLst>
+                <a:path w="321087" h="320992">
+                  <a:moveTo>
+                    <a:pt x="0" y="320993"/>
+                  </a:moveTo>
+                  <a:lnTo>
+                    <a:pt x="321088" y="0"/>
+                  </a:lnTo>
+                  <a:lnTo>
+                    <a:pt x="200692" y="0"/>
+                  </a:lnTo>
+                  <a:lnTo>
+                    <a:pt x="0" y="200692"/>
+                  </a:lnTo>
+                  <a:close/>
+                </a:path>
+              </a:pathLst>
+            </a:custGeom>
+            <a:grpFill/>
+            <a:ln w="9525" cap="flat">
+              <a:noFill/>
+              <a:prstDash val="solid"/>
+              <a:miter/>
+            </a:ln>
+          </p:spPr>
+          <p:txBody>
+            <a:bodyPr rtlCol="0" anchor="ctr"/>
+            <a:lstStyle/>
+            <a:p>
+              <a:endParaRPr lang="en-GB"/>
+            </a:p>
+          </p:txBody>
+        </p:sp>
+        <p:sp>
+          <p:nvSpPr>
+            <p:cNvPr id="46" name="任意多边形: 形状 45">
+              <a:extLst>
+                <a:ext uri="{FF2B5EF4-FFF2-40B4-BE49-F238E27FC236}">
+                  <a16:creationId xmlns:a16="http://schemas.microsoft.com/office/drawing/2014/main" id="{BF21E6A6-38FD-4ADA-B8B9-7105A6D38BA8}"/>
+                </a:ext>
+              </a:extLst>
+            </p:cNvPr>
+            <p:cNvSpPr/>
+            <p:nvPr/>
+          </p:nvSpPr>
+          <p:spPr>
+            <a:xfrm>
+              <a:off x="-875774" y="-917999"/>
+              <a:ext cx="1385863" cy="1385631"/>
+            </a:xfrm>
+            <a:custGeom>
+              <a:avLst/>
+              <a:gdLst>
+                <a:gd name="connsiteX0" fmla="*/ 312420 w 572643"/>
+                <a:gd name="connsiteY0" fmla="*/ 0 h 572547"/>
+                <a:gd name="connsiteX1" fmla="*/ 0 w 572643"/>
+                <a:gd name="connsiteY1" fmla="*/ 312325 h 572547"/>
+                <a:gd name="connsiteX2" fmla="*/ 0 w 572643"/>
+                <a:gd name="connsiteY2" fmla="*/ 572548 h 572547"/>
+                <a:gd name="connsiteX3" fmla="*/ 572643 w 572643"/>
+                <a:gd name="connsiteY3" fmla="*/ 0 h 572547"/>
+              </a:gdLst>
+              <a:ahLst/>
+              <a:cxnLst>
+                <a:cxn ang="0">
+                  <a:pos x="connsiteX0" y="connsiteY0"/>
+                </a:cxn>
+                <a:cxn ang="0">
+                  <a:pos x="connsiteX1" y="connsiteY1"/>
+                </a:cxn>
+                <a:cxn ang="0">
+                  <a:pos x="connsiteX2" y="connsiteY2"/>
+                </a:cxn>
+                <a:cxn ang="0">
+                  <a:pos x="connsiteX3" y="connsiteY3"/>
+                </a:cxn>
+              </a:cxnLst>
+              <a:rect l="l" t="t" r="r" b="b"/>
+              <a:pathLst>
+                <a:path w="572643" h="572547">
+                  <a:moveTo>
+                    <a:pt x="312420" y="0"/>
+                  </a:moveTo>
+                  <a:lnTo>
+                    <a:pt x="0" y="312325"/>
+                  </a:lnTo>
+                  <a:lnTo>
+                    <a:pt x="0" y="572548"/>
+                  </a:lnTo>
+                  <a:lnTo>
+                    <a:pt x="572643" y="0"/>
+                  </a:lnTo>
+                  <a:close/>
+                </a:path>
+              </a:pathLst>
+            </a:custGeom>
+            <a:grpFill/>
+            <a:ln w="9525" cap="flat">
+              <a:noFill/>
+              <a:prstDash val="solid"/>
+              <a:miter/>
+            </a:ln>
+          </p:spPr>
+          <p:txBody>
+            <a:bodyPr rtlCol="0" anchor="ctr"/>
+            <a:lstStyle/>
+            <a:p>
+              <a:endParaRPr lang="en-GB"/>
+            </a:p>
+          </p:txBody>
+        </p:sp>
+        <p:sp>
+          <p:nvSpPr>
+            <p:cNvPr id="47" name="任意多边形: 形状 46">
+              <a:extLst>
+                <a:ext uri="{FF2B5EF4-FFF2-40B4-BE49-F238E27FC236}">
+                  <a16:creationId xmlns:a16="http://schemas.microsoft.com/office/drawing/2014/main" id="{53C71421-A6FF-4475-ADFB-E5F6D5A8AD21}"/>
+                </a:ext>
+              </a:extLst>
+            </p:cNvPr>
+            <p:cNvSpPr/>
+            <p:nvPr/>
+          </p:nvSpPr>
+          <p:spPr>
+            <a:xfrm>
+              <a:off x="1582221" y="-1005135"/>
+              <a:ext cx="567300" cy="567300"/>
+            </a:xfrm>
+            <a:custGeom>
+              <a:avLst/>
+              <a:gdLst>
+                <a:gd name="connsiteX0" fmla="*/ 94583 w 234410"/>
+                <a:gd name="connsiteY0" fmla="*/ 0 h 234410"/>
+                <a:gd name="connsiteX1" fmla="*/ 0 w 234410"/>
+                <a:gd name="connsiteY1" fmla="*/ 94583 h 234410"/>
+                <a:gd name="connsiteX2" fmla="*/ 0 w 234410"/>
+                <a:gd name="connsiteY2" fmla="*/ 234410 h 234410"/>
+                <a:gd name="connsiteX3" fmla="*/ 234410 w 234410"/>
+                <a:gd name="connsiteY3" fmla="*/ 0 h 234410"/>
+              </a:gdLst>
+              <a:ahLst/>
+              <a:cxnLst>
+                <a:cxn ang="0">
+                  <a:pos x="connsiteX0" y="connsiteY0"/>
+                </a:cxn>
+                <a:cxn ang="0">
+                  <a:pos x="connsiteX1" y="connsiteY1"/>
+                </a:cxn>
+                <a:cxn ang="0">
+                  <a:pos x="connsiteX2" y="connsiteY2"/>
+                </a:cxn>
+                <a:cxn ang="0">
+                  <a:pos x="connsiteX3" y="connsiteY3"/>
+                </a:cxn>
+              </a:cxnLst>
+              <a:rect l="l" t="t" r="r" b="b"/>
+              <a:pathLst>
+                <a:path w="234410" h="234410">
+                  <a:moveTo>
+                    <a:pt x="94583" y="0"/>
+                  </a:moveTo>
+                  <a:lnTo>
+                    <a:pt x="0" y="94583"/>
+                  </a:lnTo>
+                  <a:lnTo>
+                    <a:pt x="0" y="234410"/>
+                  </a:lnTo>
+                  <a:lnTo>
+                    <a:pt x="234410" y="0"/>
+                  </a:lnTo>
+                  <a:close/>
+                </a:path>
+              </a:pathLst>
+            </a:custGeom>
+            <a:grpFill/>
+            <a:ln w="9525" cap="flat">
+              <a:noFill/>
+              <a:prstDash val="solid"/>
+              <a:miter/>
+            </a:ln>
+          </p:spPr>
+          <p:txBody>
+            <a:bodyPr rtlCol="0" anchor="ctr"/>
+            <a:lstStyle/>
+            <a:p>
+              <a:endParaRPr lang="en-GB"/>
+            </a:p>
+          </p:txBody>
+        </p:sp>
+      </p:grpSp>
+      <p:sp>
+        <p:nvSpPr>
+          <p:cNvPr id="7" name="文本占位符 6">
+            <a:extLst>
+              <a:ext uri="{FF2B5EF4-FFF2-40B4-BE49-F238E27FC236}">
+                <a16:creationId xmlns:a16="http://schemas.microsoft.com/office/drawing/2014/main" id="{C2320649-ACD7-42E9-A261-E6ED46ACB452}"/>
+              </a:ext>
+            </a:extLst>
+          </p:cNvPr>
+          <p:cNvSpPr>
+            <a:spLocks noGrp="1"/>
+          </p:cNvSpPr>
+          <p:nvPr>
+            <p:ph type="body" sz="quarter" idx="13"/>
+          </p:nvPr>
+        </p:nvSpPr>
+        <p:spPr>
+          <a:xfrm>
+            <a:off x="1953624" y="1777424"/>
+            <a:ext cx="9565275" cy="1643062"/>
+          </a:xfrm>
+        </p:spPr>
+        <p:txBody>
+          <a:bodyPr vert="horz" lIns="91440" tIns="45720" rIns="91440" bIns="45720" rtlCol="0" anchor="b">
+            <a:normAutofit/>
+          </a:bodyPr>
+          <a:lstStyle>
+            <a:lvl1pPr marL="0" indent="0">
+              <a:buNone/>
+              <a:defRPr lang="en-US" altLang="zh-CN" sz="4400" b="1" smtClean="0">
+                <a:latin typeface="+mj-lt"/>
+                <a:ea typeface="+mj-ea"/>
+                <a:cs typeface="+mj-cs"/>
+              </a:defRPr>
+            </a:lvl1pPr>
+            <a:lvl2pPr marL="457200" indent="0">
+              <a:buNone/>
+              <a:defRPr lang="en-US" altLang="zh-CN" smtClean="0"/>
+            </a:lvl2pPr>
+            <a:lvl3pPr>
+              <a:defRPr lang="en-US" altLang="zh-CN" smtClean="0"/>
+            </a:lvl3pPr>
+            <a:lvl4pPr>
+              <a:defRPr lang="en-US" altLang="zh-CN" smtClean="0"/>
+            </a:lvl4pPr>
+            <a:lvl5pPr>
+              <a:defRPr lang="zh-CN" altLang="en-US"/>
+            </a:lvl5pPr>
+          </a:lstStyle>
+          <a:p>
+            <a:pPr marL="228600" lvl="0" indent="-228600" defTabSz="914354">
+              <a:spcBef>
+                <a:spcPct val="0"/>
+              </a:spcBef>
+            </a:pPr>
+            <a:r>
+              <a:rPr lang="en-US" altLang="zh-CN" dirty="0"/>
+              <a:t>Click to edit Master text styles</a:t>
+            </a:r>
+          </a:p>
+        </p:txBody>
+      </p:sp>
+      <p:sp>
+        <p:nvSpPr>
+          <p:cNvPr id="8" name="文本占位符 7">
+            <a:extLst>
+              <a:ext uri="{FF2B5EF4-FFF2-40B4-BE49-F238E27FC236}">
+                <a16:creationId xmlns:a16="http://schemas.microsoft.com/office/drawing/2014/main" id="{DC428848-58C6-4501-8214-B803889F273E}"/>
+              </a:ext>
+            </a:extLst>
+          </p:cNvPr>
+          <p:cNvSpPr>
+            <a:spLocks noGrp="1"/>
+          </p:cNvSpPr>
+          <p:nvPr>
+            <p:ph type="body" sz="quarter" idx="14" hasCustomPrompt="1"/>
+          </p:nvPr>
+        </p:nvSpPr>
+        <p:spPr>
+          <a:xfrm>
+            <a:off x="1953624" y="5558378"/>
+            <a:ext cx="9565275" cy="296271"/>
+          </a:xfrm>
+        </p:spPr>
+        <p:txBody>
+          <a:bodyPr vert="horz" lIns="91440" tIns="45720" rIns="91440" bIns="45720" rtlCol="0" anchor="ctr">
+            <a:normAutofit/>
+          </a:bodyPr>
+          <a:lstStyle>
+            <a:lvl1pPr marL="0" indent="0">
+              <a:buNone/>
+              <a:defRPr lang="en-US" altLang="zh-CN" sz="1200" b="0" smtClean="0"/>
+            </a:lvl1pPr>
+            <a:lvl2pPr>
+              <a:defRPr lang="en-US" altLang="zh-CN" sz="1600" smtClean="0"/>
+            </a:lvl2pPr>
+            <a:lvl3pPr>
+              <a:defRPr lang="en-US" altLang="zh-CN" sz="1400" smtClean="0"/>
+            </a:lvl3pPr>
+            <a:lvl4pPr>
+              <a:defRPr lang="en-US" altLang="zh-CN" sz="1200" smtClean="0"/>
+            </a:lvl4pPr>
+            <a:lvl5pPr>
+              <a:defRPr lang="zh-CN" altLang="en-US" sz="1200"/>
+            </a:lvl5pPr>
+          </a:lstStyle>
+          <a:p>
+            <a:r>
+              <a:rPr lang="en-US" altLang="zh-CN" dirty="0"/>
+              <a:t>Speaker name and title</a:t>
+            </a:r>
+          </a:p>
+        </p:txBody>
+      </p:sp>
+      <p:sp>
+        <p:nvSpPr>
+          <p:cNvPr id="9" name="文本占位符 8">
+            <a:extLst>
+              <a:ext uri="{FF2B5EF4-FFF2-40B4-BE49-F238E27FC236}">
+                <a16:creationId xmlns:a16="http://schemas.microsoft.com/office/drawing/2014/main" id="{A01EED25-4D2A-435D-A5F9-01DCC2F07486}"/>
+              </a:ext>
+            </a:extLst>
+          </p:cNvPr>
+          <p:cNvSpPr>
+            <a:spLocks noGrp="1"/>
+          </p:cNvSpPr>
+          <p:nvPr>
+            <p:ph type="body" sz="quarter" idx="15" hasCustomPrompt="1"/>
+          </p:nvPr>
+        </p:nvSpPr>
+        <p:spPr>
+          <a:xfrm>
+            <a:off x="1953624" y="5854649"/>
+            <a:ext cx="9565275" cy="296271"/>
+          </a:xfrm>
+        </p:spPr>
+        <p:txBody>
+          <a:bodyPr vert="horz" lIns="91440" tIns="45720" rIns="91440" bIns="45720" rtlCol="0" anchor="ctr">
+            <a:normAutofit/>
+          </a:bodyPr>
+          <a:lstStyle>
+            <a:lvl1pPr marL="0" indent="0">
+              <a:buNone/>
+              <a:defRPr lang="en-US" altLang="zh-CN" sz="1200" b="0" smtClean="0"/>
+            </a:lvl1pPr>
+            <a:lvl2pPr>
+              <a:defRPr lang="en-US" altLang="zh-CN" sz="1600" smtClean="0"/>
+            </a:lvl2pPr>
+            <a:lvl3pPr>
+              <a:defRPr lang="en-US" altLang="zh-CN" sz="1400" smtClean="0"/>
+            </a:lvl3pPr>
+            <a:lvl4pPr>
+              <a:defRPr lang="en-US" altLang="zh-CN" sz="1200" smtClean="0"/>
+            </a:lvl4pPr>
+            <a:lvl5pPr>
+              <a:defRPr lang="zh-CN" altLang="en-US" sz="1200"/>
+            </a:lvl5pPr>
+          </a:lstStyle>
+          <a:p>
+            <a:r>
+              <a:rPr lang="en-US" altLang="zh-CN" dirty="0"/>
+              <a:t>OfficePLUS</a:t>
+            </a:r>
+            <a:endParaRPr lang="en-US" altLang="en-US" dirty="0"/>
+          </a:p>
+        </p:txBody>
+      </p:sp>
+    </p:spTree>
+    <p:extLst>
+      <p:ext uri="{BB962C8B-B14F-4D97-AF65-F5344CB8AC3E}">
+        <p14:creationId xmlns:p14="http://schemas.microsoft.com/office/powerpoint/2010/main" val="2401380794"/>
+      </p:ext>
+    </p:extLst>
+  </p:cSld>
+  <p:clrMapOvr>
+    <a:masterClrMapping/>
+  </p:clrMapOvr>
 </p:sldLayout>
 </file>
 
@@ -4639,6 +8097,7 @@
     <p:sldLayoutId id="2147483670" r:id="rId10"/>
     <p:sldLayoutId id="2147483671" r:id="rId11"/>
     <p:sldLayoutId id="2147483672" r:id="rId12"/>
+    <p:sldLayoutId id="2147483674" r:id="rId13"/>
   </p:sldLayoutIdLst>
   <p:txStyles>
     <p:titleStyle>
@@ -5140,6 +8599,72 @@
       </p:grpSpPr>
       <p:pic>
         <p:nvPicPr>
+          <p:cNvPr id="8" name="图片 7">
+            <a:extLst>
+              <a:ext uri="{FF2B5EF4-FFF2-40B4-BE49-F238E27FC236}">
+                <a16:creationId xmlns:a16="http://schemas.microsoft.com/office/drawing/2014/main" id="{D8FB9DDE-F3AE-E788-5264-2CF70E9BF117}"/>
+              </a:ext>
+            </a:extLst>
+          </p:cNvPr>
+          <p:cNvPicPr>
+            <a:picLocks noChangeAspect="1"/>
+          </p:cNvPicPr>
+          <p:nvPr/>
+        </p:nvPicPr>
+        <p:blipFill>
+          <a:blip r:embed="rId3">
+            <a:extLst>
+              <a:ext uri="{28A0092B-C50C-407E-A947-70E740481C1C}">
+                <a14:useLocalDpi xmlns:a14="http://schemas.microsoft.com/office/drawing/2010/main" val="0"/>
+              </a:ext>
+            </a:extLst>
+          </a:blip>
+          <a:stretch>
+            <a:fillRect/>
+          </a:stretch>
+        </p:blipFill>
+        <p:spPr>
+          <a:xfrm>
+            <a:off x="508000" y="283375"/>
+            <a:ext cx="10553700" cy="5342605"/>
+          </a:xfrm>
+          <a:prstGeom prst="rect">
+            <a:avLst/>
+          </a:prstGeom>
+        </p:spPr>
+      </p:pic>
+    </p:spTree>
+    <p:extLst>
+      <p:ext uri="{BB962C8B-B14F-4D97-AF65-F5344CB8AC3E}">
+        <p14:creationId xmlns:p14="http://schemas.microsoft.com/office/powerpoint/2010/main" val="1384823430"/>
+      </p:ext>
+    </p:extLst>
+  </p:cSld>
+  <p:clrMapOvr>
+    <a:masterClrMapping/>
+  </p:clrMapOvr>
+</p:sld>
+</file>
+
+<file path=ppt/slides/slide11.xml><?xml version="1.0" encoding="utf-8"?>
+<p:sld xmlns:a="http://schemas.openxmlformats.org/drawingml/2006/main" xmlns:r="http://schemas.openxmlformats.org/officeDocument/2006/relationships" xmlns:p="http://schemas.openxmlformats.org/presentationml/2006/main">
+  <p:cSld>
+    <p:spTree>
+      <p:nvGrpSpPr>
+        <p:cNvPr id="1" name=""/>
+        <p:cNvGrpSpPr/>
+        <p:nvPr/>
+      </p:nvGrpSpPr>
+      <p:grpSpPr>
+        <a:xfrm>
+          <a:off x="0" y="0"/>
+          <a:ext cx="0" cy="0"/>
+          <a:chOff x="0" y="0"/>
+          <a:chExt cx="0" cy="0"/>
+        </a:xfrm>
+      </p:grpSpPr>
+      <p:pic>
+        <p:nvPicPr>
           <p:cNvPr id="3" name="图片 2">
             <a:extLst>
               <a:ext uri="{FF2B5EF4-FFF2-40B4-BE49-F238E27FC236}">
@@ -5187,614 +8712,6 @@
 </p:sld>
 </file>
 
-<file path=ppt/slides/slide11.xml><?xml version="1.0" encoding="utf-8"?>
-<p:sld xmlns:a="http://schemas.openxmlformats.org/drawingml/2006/main" xmlns:r="http://schemas.openxmlformats.org/officeDocument/2006/relationships" xmlns:p="http://schemas.openxmlformats.org/presentationml/2006/main">
-  <p:cSld>
-    <p:spTree>
-      <p:nvGrpSpPr>
-        <p:cNvPr id="1" name=""/>
-        <p:cNvGrpSpPr/>
-        <p:nvPr/>
-      </p:nvGrpSpPr>
-      <p:grpSpPr>
-        <a:xfrm>
-          <a:off x="0" y="0"/>
-          <a:ext cx="0" cy="0"/>
-          <a:chOff x="0" y="0"/>
-          <a:chExt cx="0" cy="0"/>
-        </a:xfrm>
-      </p:grpSpPr>
-      <p:cxnSp>
-        <p:nvCxnSpPr>
-          <p:cNvPr id="3" name="Straight Connector 2">
-            <a:extLst>
-              <a:ext uri="{FF2B5EF4-FFF2-40B4-BE49-F238E27FC236}">
-                <a16:creationId xmlns:a16="http://schemas.microsoft.com/office/drawing/2014/main" id="{7DC06FE4-3E05-0942-31DB-23A71B2EA57E}"/>
-              </a:ext>
-            </a:extLst>
-          </p:cNvPr>
-          <p:cNvCxnSpPr>
-            <a:cxnSpLocks/>
-          </p:cNvCxnSpPr>
-          <p:nvPr/>
-        </p:nvCxnSpPr>
-        <p:spPr>
-          <a:xfrm>
-            <a:off x="-1" y="2394066"/>
-            <a:ext cx="12191999" cy="0"/>
-          </a:xfrm>
-          <a:prstGeom prst="line">
-            <a:avLst/>
-          </a:prstGeom>
-        </p:spPr>
-        <p:style>
-          <a:lnRef idx="1">
-            <a:schemeClr val="accent1"/>
-          </a:lnRef>
-          <a:fillRef idx="0">
-            <a:schemeClr val="accent1"/>
-          </a:fillRef>
-          <a:effectRef idx="0">
-            <a:schemeClr val="accent1"/>
-          </a:effectRef>
-          <a:fontRef idx="minor">
-            <a:schemeClr val="tx1"/>
-          </a:fontRef>
-        </p:style>
-      </p:cxnSp>
-      <p:cxnSp>
-        <p:nvCxnSpPr>
-          <p:cNvPr id="4" name="Straight Connector 3">
-            <a:extLst>
-              <a:ext uri="{FF2B5EF4-FFF2-40B4-BE49-F238E27FC236}">
-                <a16:creationId xmlns:a16="http://schemas.microsoft.com/office/drawing/2014/main" id="{BF2A274A-CE4E-80CD-A685-8C7A59A51778}"/>
-              </a:ext>
-            </a:extLst>
-          </p:cNvPr>
-          <p:cNvCxnSpPr>
-            <a:cxnSpLocks/>
-          </p:cNvCxnSpPr>
-          <p:nvPr/>
-        </p:nvCxnSpPr>
-        <p:spPr>
-          <a:xfrm>
-            <a:off x="-1" y="3981795"/>
-            <a:ext cx="12191999" cy="0"/>
-          </a:xfrm>
-          <a:prstGeom prst="line">
-            <a:avLst/>
-          </a:prstGeom>
-        </p:spPr>
-        <p:style>
-          <a:lnRef idx="1">
-            <a:schemeClr val="accent1"/>
-          </a:lnRef>
-          <a:fillRef idx="0">
-            <a:schemeClr val="accent1"/>
-          </a:fillRef>
-          <a:effectRef idx="0">
-            <a:schemeClr val="accent1"/>
-          </a:effectRef>
-          <a:fontRef idx="minor">
-            <a:schemeClr val="tx1"/>
-          </a:fontRef>
-        </p:style>
-      </p:cxnSp>
-      <p:cxnSp>
-        <p:nvCxnSpPr>
-          <p:cNvPr id="6" name="Straight Connector 5">
-            <a:extLst>
-              <a:ext uri="{FF2B5EF4-FFF2-40B4-BE49-F238E27FC236}">
-                <a16:creationId xmlns:a16="http://schemas.microsoft.com/office/drawing/2014/main" id="{E7916F09-6D25-0EBB-ECDA-F88CD8CF05B0}"/>
-              </a:ext>
-            </a:extLst>
-          </p:cNvPr>
-          <p:cNvCxnSpPr/>
-          <p:nvPr/>
-        </p:nvCxnSpPr>
-        <p:spPr>
-          <a:xfrm>
-            <a:off x="0" y="859926"/>
-            <a:ext cx="12192000" cy="0"/>
-          </a:xfrm>
-          <a:prstGeom prst="line">
-            <a:avLst/>
-          </a:prstGeom>
-        </p:spPr>
-        <p:style>
-          <a:lnRef idx="1">
-            <a:schemeClr val="accent1"/>
-          </a:lnRef>
-          <a:fillRef idx="0">
-            <a:schemeClr val="accent1"/>
-          </a:fillRef>
-          <a:effectRef idx="0">
-            <a:schemeClr val="accent1"/>
-          </a:effectRef>
-          <a:fontRef idx="minor">
-            <a:schemeClr val="tx1"/>
-          </a:fontRef>
-        </p:style>
-      </p:cxnSp>
-      <p:sp>
-        <p:nvSpPr>
-          <p:cNvPr id="7" name="TextBox 6">
-            <a:extLst>
-              <a:ext uri="{FF2B5EF4-FFF2-40B4-BE49-F238E27FC236}">
-                <a16:creationId xmlns:a16="http://schemas.microsoft.com/office/drawing/2014/main" id="{DA0D1BDA-143C-F018-1684-F9117920B74A}"/>
-              </a:ext>
-            </a:extLst>
-          </p:cNvPr>
-          <p:cNvSpPr txBox="1"/>
-          <p:nvPr/>
-        </p:nvSpPr>
-        <p:spPr>
-          <a:xfrm>
-            <a:off x="323092" y="862818"/>
-            <a:ext cx="4240595" cy="461665"/>
-          </a:xfrm>
-          <a:prstGeom prst="rect">
-            <a:avLst/>
-          </a:prstGeom>
-          <a:noFill/>
-        </p:spPr>
-        <p:txBody>
-          <a:bodyPr wrap="square" rtlCol="0">
-            <a:spAutoFit/>
-          </a:bodyPr>
-          <a:lstStyle/>
-          <a:p>
-            <a:r>
-              <a:rPr lang="en-US" sz="2400" b="1" dirty="0">
-                <a:latin typeface="Times New Roman" panose="02020603050405020304" pitchFamily="18" charset="0"/>
-                <a:cs typeface="Times New Roman" panose="02020603050405020304" pitchFamily="18" charset="0"/>
-              </a:rPr>
-              <a:t>What have we learned?</a:t>
-            </a:r>
-            <a:endParaRPr lang="en-IN" sz="2400" b="1" dirty="0">
-              <a:latin typeface="Times New Roman" panose="02020603050405020304" pitchFamily="18" charset="0"/>
-              <a:cs typeface="Times New Roman" panose="02020603050405020304" pitchFamily="18" charset="0"/>
-            </a:endParaRPr>
-          </a:p>
-        </p:txBody>
-      </p:sp>
-      <p:sp>
-        <p:nvSpPr>
-          <p:cNvPr id="9" name="TextBox 8">
-            <a:extLst>
-              <a:ext uri="{FF2B5EF4-FFF2-40B4-BE49-F238E27FC236}">
-                <a16:creationId xmlns:a16="http://schemas.microsoft.com/office/drawing/2014/main" id="{8F5E6868-9912-9D8D-B0AF-73AF0E0E300C}"/>
-              </a:ext>
-            </a:extLst>
-          </p:cNvPr>
-          <p:cNvSpPr txBox="1"/>
-          <p:nvPr/>
-        </p:nvSpPr>
-        <p:spPr>
-          <a:xfrm>
-            <a:off x="430886" y="3990108"/>
-            <a:ext cx="8563485" cy="461665"/>
-          </a:xfrm>
-          <a:prstGeom prst="rect">
-            <a:avLst/>
-          </a:prstGeom>
-          <a:noFill/>
-        </p:spPr>
-        <p:txBody>
-          <a:bodyPr wrap="square" rtlCol="0">
-            <a:spAutoFit/>
-          </a:bodyPr>
-          <a:lstStyle/>
-          <a:p>
-            <a:r>
-              <a:rPr lang="en-US" sz="2400" b="1" dirty="0">
-                <a:latin typeface="Times New Roman" panose="02020603050405020304" pitchFamily="18" charset="0"/>
-                <a:cs typeface="Times New Roman" panose="02020603050405020304" pitchFamily="18" charset="0"/>
-              </a:rPr>
-              <a:t>How could this be useful to your work at your company</a:t>
-            </a:r>
-            <a:endParaRPr lang="en-IN" sz="2400" b="1" dirty="0">
-              <a:latin typeface="Times New Roman" panose="02020603050405020304" pitchFamily="18" charset="0"/>
-              <a:cs typeface="Times New Roman" panose="02020603050405020304" pitchFamily="18" charset="0"/>
-            </a:endParaRPr>
-          </a:p>
-        </p:txBody>
-      </p:sp>
-      <p:sp>
-        <p:nvSpPr>
-          <p:cNvPr id="10" name="TextBox 9">
-            <a:extLst>
-              <a:ext uri="{FF2B5EF4-FFF2-40B4-BE49-F238E27FC236}">
-                <a16:creationId xmlns:a16="http://schemas.microsoft.com/office/drawing/2014/main" id="{1D8E1249-55BE-B3E5-7F96-76FDD9B66A62}"/>
-              </a:ext>
-            </a:extLst>
-          </p:cNvPr>
-          <p:cNvSpPr txBox="1"/>
-          <p:nvPr/>
-        </p:nvSpPr>
-        <p:spPr>
-          <a:xfrm>
-            <a:off x="323092" y="2431302"/>
-            <a:ext cx="7068497" cy="461665"/>
-          </a:xfrm>
-          <a:prstGeom prst="rect">
-            <a:avLst/>
-          </a:prstGeom>
-          <a:noFill/>
-        </p:spPr>
-        <p:txBody>
-          <a:bodyPr wrap="square" rtlCol="0">
-            <a:spAutoFit/>
-          </a:bodyPr>
-          <a:lstStyle/>
-          <a:p>
-            <a:r>
-              <a:rPr lang="en-US" sz="2400" b="1" dirty="0">
-                <a:latin typeface="Times New Roman" panose="02020603050405020304" pitchFamily="18" charset="0"/>
-                <a:cs typeface="Times New Roman" panose="02020603050405020304" pitchFamily="18" charset="0"/>
-              </a:rPr>
-              <a:t>What could have been done if given more time</a:t>
-            </a:r>
-            <a:endParaRPr lang="en-IN" sz="2400" b="1" dirty="0">
-              <a:latin typeface="Times New Roman" panose="02020603050405020304" pitchFamily="18" charset="0"/>
-              <a:cs typeface="Times New Roman" panose="02020603050405020304" pitchFamily="18" charset="0"/>
-            </a:endParaRPr>
-          </a:p>
-        </p:txBody>
-      </p:sp>
-      <p:sp>
-        <p:nvSpPr>
-          <p:cNvPr id="15" name="TextBox 14">
-            <a:extLst>
-              <a:ext uri="{FF2B5EF4-FFF2-40B4-BE49-F238E27FC236}">
-                <a16:creationId xmlns:a16="http://schemas.microsoft.com/office/drawing/2014/main" id="{9534C72F-5CDF-8C8C-424E-6A736783EC79}"/>
-              </a:ext>
-            </a:extLst>
-          </p:cNvPr>
-          <p:cNvSpPr txBox="1"/>
-          <p:nvPr/>
-        </p:nvSpPr>
-        <p:spPr>
-          <a:xfrm>
-            <a:off x="323092" y="2945793"/>
-            <a:ext cx="10983793" cy="923330"/>
-          </a:xfrm>
-          <a:prstGeom prst="rect">
-            <a:avLst/>
-          </a:prstGeom>
-          <a:noFill/>
-        </p:spPr>
-        <p:txBody>
-          <a:bodyPr wrap="square" rtlCol="0">
-            <a:spAutoFit/>
-          </a:bodyPr>
-          <a:lstStyle/>
-          <a:p>
-            <a:pPr marL="285750" indent="-285750">
-              <a:buFont typeface="Arial" panose="020B0604020202020204" pitchFamily="34" charset="0"/>
-              <a:buChar char="•"/>
-            </a:pPr>
-            <a:r>
-              <a:rPr lang="en-US" dirty="0">
-                <a:solidFill>
-                  <a:srgbClr val="374151"/>
-                </a:solidFill>
-                <a:latin typeface="Times New Roman" panose="02020603050405020304" pitchFamily="18" charset="0"/>
-                <a:cs typeface="Times New Roman" panose="02020603050405020304" pitchFamily="18" charset="0"/>
-              </a:rPr>
-              <a:t>Advanced portfolio analytics with machine learning predictions and risk assessment algorithms</a:t>
-            </a:r>
-          </a:p>
-          <a:p>
-            <a:pPr marL="285750" indent="-285750">
-              <a:buFont typeface="Arial" panose="020B0604020202020204" pitchFamily="34" charset="0"/>
-              <a:buChar char="•"/>
-            </a:pPr>
-            <a:endParaRPr lang="en-US" dirty="0">
-              <a:solidFill>
-                <a:srgbClr val="374151"/>
-              </a:solidFill>
-              <a:latin typeface="Times New Roman" panose="02020603050405020304" pitchFamily="18" charset="0"/>
-              <a:cs typeface="Times New Roman" panose="02020603050405020304" pitchFamily="18" charset="0"/>
-            </a:endParaRPr>
-          </a:p>
-          <a:p>
-            <a:pPr marL="285750" indent="-285750">
-              <a:buFont typeface="Arial" panose="020B0604020202020204" pitchFamily="34" charset="0"/>
-              <a:buChar char="•"/>
-            </a:pPr>
-            <a:r>
-              <a:rPr lang="en-US" dirty="0">
-                <a:solidFill>
-                  <a:srgbClr val="374151"/>
-                </a:solidFill>
-                <a:latin typeface="Times New Roman" panose="02020603050405020304" pitchFamily="18" charset="0"/>
-                <a:cs typeface="Times New Roman" panose="02020603050405020304" pitchFamily="18" charset="0"/>
-              </a:rPr>
-              <a:t>Mobile app development, advanced charting features, and AI-powered investment recommendations</a:t>
-            </a:r>
-            <a:endParaRPr lang="en-IN" dirty="0">
-              <a:solidFill>
-                <a:srgbClr val="374151"/>
-              </a:solidFill>
-              <a:latin typeface="Times New Roman" panose="02020603050405020304" pitchFamily="18" charset="0"/>
-              <a:cs typeface="Times New Roman" panose="02020603050405020304" pitchFamily="18" charset="0"/>
-            </a:endParaRPr>
-          </a:p>
-        </p:txBody>
-      </p:sp>
-      <p:sp>
-        <p:nvSpPr>
-          <p:cNvPr id="16" name="TextBox 15">
-            <a:extLst>
-              <a:ext uri="{FF2B5EF4-FFF2-40B4-BE49-F238E27FC236}">
-                <a16:creationId xmlns:a16="http://schemas.microsoft.com/office/drawing/2014/main" id="{BA12924D-431A-0EEA-FDCF-DC3550E4317D}"/>
-              </a:ext>
-            </a:extLst>
-          </p:cNvPr>
-          <p:cNvSpPr txBox="1"/>
-          <p:nvPr/>
-        </p:nvSpPr>
-        <p:spPr>
-          <a:xfrm>
-            <a:off x="414260" y="1338700"/>
-            <a:ext cx="10133215" cy="1292662"/>
-          </a:xfrm>
-          <a:prstGeom prst="rect">
-            <a:avLst/>
-          </a:prstGeom>
-          <a:noFill/>
-        </p:spPr>
-        <p:txBody>
-          <a:bodyPr wrap="square" rtlCol="0">
-            <a:spAutoFit/>
-          </a:bodyPr>
-          <a:lstStyle/>
-          <a:p>
-            <a:pPr marL="285750" indent="-285750">
-              <a:buFont typeface="Arial" panose="020B0604020202020204" pitchFamily="34" charset="0"/>
-              <a:buChar char="•"/>
-            </a:pPr>
-            <a:r>
-              <a:rPr lang="en-US" b="0" i="0" dirty="0">
-                <a:solidFill>
-                  <a:srgbClr val="374151"/>
-                </a:solidFill>
-                <a:effectLst/>
-                <a:latin typeface="Times New Roman" panose="02020603050405020304" pitchFamily="18" charset="0"/>
-                <a:cs typeface="Times New Roman" panose="02020603050405020304" pitchFamily="18" charset="0"/>
-              </a:rPr>
-              <a:t>Modern web development requires seamless integration between frontend, backend, and external APIs</a:t>
-            </a:r>
-          </a:p>
-          <a:p>
-            <a:pPr marL="285750" indent="-285750">
-              <a:buFont typeface="Arial" panose="020B0604020202020204" pitchFamily="34" charset="0"/>
-              <a:buChar char="•"/>
-            </a:pPr>
-            <a:endParaRPr lang="en-US" dirty="0">
-              <a:solidFill>
-                <a:srgbClr val="374151"/>
-              </a:solidFill>
-              <a:latin typeface="Times New Roman" panose="02020603050405020304" pitchFamily="18" charset="0"/>
-              <a:cs typeface="Times New Roman" panose="02020603050405020304" pitchFamily="18" charset="0"/>
-            </a:endParaRPr>
-          </a:p>
-          <a:p>
-            <a:pPr marL="285750" indent="-285750">
-              <a:buFont typeface="Arial" panose="020B0604020202020204" pitchFamily="34" charset="0"/>
-              <a:buChar char="•"/>
-            </a:pPr>
-            <a:r>
-              <a:rPr lang="en-US" b="0" i="0" dirty="0">
-                <a:solidFill>
-                  <a:srgbClr val="374151"/>
-                </a:solidFill>
-                <a:effectLst/>
-                <a:latin typeface="Times New Roman" panose="02020603050405020304" pitchFamily="18" charset="0"/>
-                <a:cs typeface="Times New Roman" panose="02020603050405020304" pitchFamily="18" charset="0"/>
-              </a:rPr>
-              <a:t>Real-time financial data presents unique challenges in reliability and performance optimization </a:t>
-            </a:r>
-          </a:p>
-          <a:p>
-            <a:pPr marL="285750" indent="-285750">
-              <a:buFont typeface="Arial" panose="020B0604020202020204" pitchFamily="34" charset="0"/>
-              <a:buChar char="•"/>
-            </a:pPr>
-            <a:endParaRPr lang="en-US" sz="2400" b="0" i="0" dirty="0">
-              <a:solidFill>
-                <a:srgbClr val="374151"/>
-              </a:solidFill>
-              <a:effectLst/>
-              <a:highlight>
-                <a:srgbClr val="FFFF00"/>
-              </a:highlight>
-              <a:latin typeface="Times New Roman" panose="02020603050405020304" pitchFamily="18" charset="0"/>
-              <a:cs typeface="Times New Roman" panose="02020603050405020304" pitchFamily="18" charset="0"/>
-            </a:endParaRPr>
-          </a:p>
-        </p:txBody>
-      </p:sp>
-      <p:sp>
-        <p:nvSpPr>
-          <p:cNvPr id="17" name="TextBox 16">
-            <a:extLst>
-              <a:ext uri="{FF2B5EF4-FFF2-40B4-BE49-F238E27FC236}">
-                <a16:creationId xmlns:a16="http://schemas.microsoft.com/office/drawing/2014/main" id="{A978E094-6E78-039D-68DC-F3B476C4D4EE}"/>
-              </a:ext>
-            </a:extLst>
-          </p:cNvPr>
-          <p:cNvSpPr txBox="1"/>
-          <p:nvPr/>
-        </p:nvSpPr>
-        <p:spPr>
-          <a:xfrm>
-            <a:off x="320140" y="4530157"/>
-            <a:ext cx="10227335" cy="1969770"/>
-          </a:xfrm>
-          <a:prstGeom prst="rect">
-            <a:avLst/>
-          </a:prstGeom>
-          <a:noFill/>
-        </p:spPr>
-        <p:txBody>
-          <a:bodyPr wrap="square" rtlCol="0">
-            <a:spAutoFit/>
-          </a:bodyPr>
-          <a:lstStyle/>
-          <a:p>
-            <a:pPr marL="285750" indent="-285750">
-              <a:buFont typeface="Arial" panose="020B0604020202020204" pitchFamily="34" charset="0"/>
-              <a:buChar char="•"/>
-            </a:pPr>
-            <a:r>
-              <a:rPr lang="en-US" dirty="0">
-                <a:solidFill>
-                  <a:srgbClr val="374151"/>
-                </a:solidFill>
-                <a:latin typeface="Times New Roman" panose="02020603050405020304" pitchFamily="18" charset="0"/>
-                <a:cs typeface="Times New Roman" panose="02020603050405020304" pitchFamily="18" charset="0"/>
-              </a:rPr>
-              <a:t>Demonstrates full-stack development skills, API integration expertise, and ability to build scalable financial applications</a:t>
-            </a:r>
-          </a:p>
-          <a:p>
-            <a:pPr marL="285750" indent="-285750">
-              <a:buFont typeface="Arial" panose="020B0604020202020204" pitchFamily="34" charset="0"/>
-              <a:buChar char="•"/>
-            </a:pPr>
-            <a:endParaRPr lang="en-US" dirty="0">
-              <a:solidFill>
-                <a:srgbClr val="374151"/>
-              </a:solidFill>
-              <a:latin typeface="Times New Roman" panose="02020603050405020304" pitchFamily="18" charset="0"/>
-              <a:cs typeface="Times New Roman" panose="02020603050405020304" pitchFamily="18" charset="0"/>
-            </a:endParaRPr>
-          </a:p>
-          <a:p>
-            <a:pPr marL="285750" indent="-285750">
-              <a:buFont typeface="Arial" panose="020B0604020202020204" pitchFamily="34" charset="0"/>
-              <a:buChar char="•"/>
-            </a:pPr>
-            <a:r>
-              <a:rPr lang="en-US" dirty="0">
-                <a:solidFill>
-                  <a:srgbClr val="374151"/>
-                </a:solidFill>
-                <a:latin typeface="Times New Roman" panose="02020603050405020304" pitchFamily="18" charset="0"/>
-                <a:cs typeface="Times New Roman" panose="02020603050405020304" pitchFamily="18" charset="0"/>
-              </a:rPr>
-              <a:t>Showcases team collaboration - coordinated frontend/backend development with Git version control</a:t>
-            </a:r>
-          </a:p>
-          <a:p>
-            <a:pPr marL="285750" indent="-285750">
-              <a:buFont typeface="Arial" panose="020B0604020202020204" pitchFamily="34" charset="0"/>
-              <a:buChar char="•"/>
-            </a:pPr>
-            <a:endParaRPr lang="en-US" dirty="0">
-              <a:solidFill>
-                <a:srgbClr val="374151"/>
-              </a:solidFill>
-              <a:latin typeface="Times New Roman" panose="02020603050405020304" pitchFamily="18" charset="0"/>
-              <a:cs typeface="Times New Roman" panose="02020603050405020304" pitchFamily="18" charset="0"/>
-            </a:endParaRPr>
-          </a:p>
-          <a:p>
-            <a:pPr marL="285750" indent="-285750">
-              <a:buFont typeface="Arial" panose="020B0604020202020204" pitchFamily="34" charset="0"/>
-              <a:buChar char="•"/>
-            </a:pPr>
-            <a:r>
-              <a:rPr lang="en-US" dirty="0">
-                <a:solidFill>
-                  <a:srgbClr val="374151"/>
-                </a:solidFill>
-                <a:latin typeface="Times New Roman" panose="02020603050405020304" pitchFamily="18" charset="0"/>
-                <a:cs typeface="Times New Roman" panose="02020603050405020304" pitchFamily="18" charset="0"/>
-              </a:rPr>
-              <a:t>Proves problem-solving abilities - implemented error handling and reliability solutions under pressure</a:t>
-            </a:r>
-          </a:p>
-          <a:p>
-            <a:pPr marL="285750" indent="-285750">
-              <a:buFont typeface="Arial" panose="020B0604020202020204" pitchFamily="34" charset="0"/>
-              <a:buChar char="•"/>
-            </a:pPr>
-            <a:endParaRPr lang="en-IN" sz="1400" dirty="0">
-              <a:highlight>
-                <a:srgbClr val="FFFF00"/>
-              </a:highlight>
-              <a:latin typeface="Times New Roman" panose="02020603050405020304" pitchFamily="18" charset="0"/>
-              <a:cs typeface="Times New Roman" panose="02020603050405020304" pitchFamily="18" charset="0"/>
-            </a:endParaRPr>
-          </a:p>
-        </p:txBody>
-      </p:sp>
-      <p:sp>
-        <p:nvSpPr>
-          <p:cNvPr id="2" name="Rectangle 1">
-            <a:extLst>
-              <a:ext uri="{FF2B5EF4-FFF2-40B4-BE49-F238E27FC236}">
-                <a16:creationId xmlns:a16="http://schemas.microsoft.com/office/drawing/2014/main" id="{DC49D467-CEAF-D431-D5FB-17418CC41076}"/>
-              </a:ext>
-            </a:extLst>
-          </p:cNvPr>
-          <p:cNvSpPr/>
-          <p:nvPr/>
-        </p:nvSpPr>
-        <p:spPr>
-          <a:xfrm>
-            <a:off x="4816313" y="73512"/>
-            <a:ext cx="2145139" cy="584775"/>
-          </a:xfrm>
-          <a:prstGeom prst="rect">
-            <a:avLst/>
-          </a:prstGeom>
-          <a:noFill/>
-        </p:spPr>
-        <p:txBody>
-          <a:bodyPr wrap="none" lIns="91440" tIns="45720" rIns="91440" bIns="45720">
-            <a:spAutoFit/>
-          </a:bodyPr>
-          <a:lstStyle/>
-          <a:p>
-            <a:pPr algn="ctr"/>
-            <a:r>
-              <a:rPr lang="en-US" sz="3200" b="1" cap="none" spc="0" dirty="0">
-                <a:ln w="0"/>
-                <a:solidFill>
-                  <a:schemeClr val="tx1"/>
-                </a:solidFill>
-                <a:effectLst>
-                  <a:outerShdw blurRad="38100" dist="19050" dir="2700000" algn="tl" rotWithShape="0">
-                    <a:schemeClr val="dk1">
-                      <a:alpha val="40000"/>
-                    </a:schemeClr>
-                  </a:outerShdw>
-                </a:effectLst>
-                <a:latin typeface="Times New Roman" panose="02020603050405020304" pitchFamily="18" charset="0"/>
-                <a:cs typeface="Times New Roman" panose="02020603050405020304" pitchFamily="18" charset="0"/>
-              </a:rPr>
-              <a:t>Conclusion</a:t>
-            </a:r>
-          </a:p>
-        </p:txBody>
-      </p:sp>
-    </p:spTree>
-    <p:extLst>
-      <p:ext uri="{BB962C8B-B14F-4D97-AF65-F5344CB8AC3E}">
-        <p14:creationId xmlns:p14="http://schemas.microsoft.com/office/powerpoint/2010/main" val="3257695602"/>
-      </p:ext>
-    </p:extLst>
-  </p:cSld>
-  <p:clrMapOvr>
-    <a:masterClrMapping/>
-  </p:clrMapOvr>
-</p:sld>
-</file>
-
 <file path=ppt/slides/slide12.xml><?xml version="1.0" encoding="utf-8"?>
 <p:sld xmlns:a="http://schemas.openxmlformats.org/drawingml/2006/main" xmlns:r="http://schemas.openxmlformats.org/officeDocument/2006/relationships" xmlns:p="http://schemas.openxmlformats.org/presentationml/2006/main">
   <p:cSld>
@@ -5812,40 +8729,736 @@
           <a:chExt cx="0" cy="0"/>
         </a:xfrm>
       </p:grpSpPr>
-      <p:pic>
-        <p:nvPicPr>
-          <p:cNvPr id="3" name="Picture 2">
+      <p:sp>
+        <p:nvSpPr>
+          <p:cNvPr id="7" name="TextBox 6">
             <a:extLst>
               <a:ext uri="{FF2B5EF4-FFF2-40B4-BE49-F238E27FC236}">
-                <a16:creationId xmlns:a16="http://schemas.microsoft.com/office/drawing/2014/main" id="{59AFCBF2-D44B-5AB4-12D2-122D5DC81663}"/>
+                <a16:creationId xmlns:a16="http://schemas.microsoft.com/office/drawing/2014/main" id="{DA0D1BDA-143C-F018-1684-F9117920B74A}"/>
               </a:ext>
             </a:extLst>
           </p:cNvPr>
-          <p:cNvPicPr>
-            <a:picLocks noChangeAspect="1"/>
-          </p:cNvPicPr>
+          <p:cNvSpPr txBox="1"/>
           <p:nvPr/>
-        </p:nvPicPr>
-        <p:blipFill>
-          <a:blip r:embed="rId2"/>
-          <a:stretch>
-            <a:fillRect/>
-          </a:stretch>
-        </p:blipFill>
+        </p:nvSpPr>
         <p:spPr>
           <a:xfrm>
-            <a:off x="0" y="0"/>
-            <a:ext cx="12192000" cy="6356412"/>
+            <a:off x="1122232" y="1600481"/>
+            <a:ext cx="4240595" cy="461665"/>
           </a:xfrm>
           <a:prstGeom prst="rect">
             <a:avLst/>
           </a:prstGeom>
+          <a:noFill/>
         </p:spPr>
-      </p:pic>
+        <p:txBody>
+          <a:bodyPr wrap="square" rtlCol="0">
+            <a:spAutoFit/>
+          </a:bodyPr>
+          <a:lstStyle/>
+          <a:p>
+            <a:r>
+              <a:rPr lang="en-US" sz="2400" b="1" dirty="0">
+                <a:latin typeface="Times New Roman" panose="02020603050405020304" pitchFamily="18" charset="0"/>
+                <a:cs typeface="Times New Roman" panose="02020603050405020304" pitchFamily="18" charset="0"/>
+              </a:rPr>
+              <a:t>What have we learned?</a:t>
+            </a:r>
+            <a:endParaRPr lang="en-IN" sz="2400" b="1" dirty="0">
+              <a:latin typeface="Times New Roman" panose="02020603050405020304" pitchFamily="18" charset="0"/>
+              <a:cs typeface="Times New Roman" panose="02020603050405020304" pitchFamily="18" charset="0"/>
+            </a:endParaRPr>
+          </a:p>
+        </p:txBody>
+      </p:sp>
+      <p:sp>
+        <p:nvSpPr>
+          <p:cNvPr id="16" name="TextBox 15">
+            <a:extLst>
+              <a:ext uri="{FF2B5EF4-FFF2-40B4-BE49-F238E27FC236}">
+                <a16:creationId xmlns:a16="http://schemas.microsoft.com/office/drawing/2014/main" id="{BA12924D-431A-0EEA-FDCF-DC3550E4317D}"/>
+              </a:ext>
+            </a:extLst>
+          </p:cNvPr>
+          <p:cNvSpPr txBox="1"/>
+          <p:nvPr/>
+        </p:nvSpPr>
+        <p:spPr>
+          <a:xfrm>
+            <a:off x="1122232" y="2358009"/>
+            <a:ext cx="10133215" cy="1292662"/>
+          </a:xfrm>
+          <a:prstGeom prst="rect">
+            <a:avLst/>
+          </a:prstGeom>
+          <a:noFill/>
+        </p:spPr>
+        <p:txBody>
+          <a:bodyPr wrap="square" rtlCol="0">
+            <a:spAutoFit/>
+          </a:bodyPr>
+          <a:lstStyle/>
+          <a:p>
+            <a:pPr marL="285750" indent="-285750">
+              <a:buFont typeface="Arial" panose="020B0604020202020204" pitchFamily="34" charset="0"/>
+              <a:buChar char="•"/>
+            </a:pPr>
+            <a:r>
+              <a:rPr lang="en-US" b="0" i="0" dirty="0">
+                <a:solidFill>
+                  <a:srgbClr val="374151"/>
+                </a:solidFill>
+                <a:effectLst/>
+                <a:latin typeface="Times New Roman" panose="02020603050405020304" pitchFamily="18" charset="0"/>
+                <a:cs typeface="Times New Roman" panose="02020603050405020304" pitchFamily="18" charset="0"/>
+              </a:rPr>
+              <a:t>Modern web development requires seamless integration between frontend, backend, and external APIs</a:t>
+            </a:r>
+          </a:p>
+          <a:p>
+            <a:pPr marL="285750" indent="-285750">
+              <a:buFont typeface="Arial" panose="020B0604020202020204" pitchFamily="34" charset="0"/>
+              <a:buChar char="•"/>
+            </a:pPr>
+            <a:endParaRPr lang="en-US" dirty="0">
+              <a:solidFill>
+                <a:srgbClr val="374151"/>
+              </a:solidFill>
+              <a:latin typeface="Times New Roman" panose="02020603050405020304" pitchFamily="18" charset="0"/>
+              <a:cs typeface="Times New Roman" panose="02020603050405020304" pitchFamily="18" charset="0"/>
+            </a:endParaRPr>
+          </a:p>
+          <a:p>
+            <a:pPr marL="285750" indent="-285750">
+              <a:buFont typeface="Arial" panose="020B0604020202020204" pitchFamily="34" charset="0"/>
+              <a:buChar char="•"/>
+            </a:pPr>
+            <a:r>
+              <a:rPr lang="en-US" b="0" i="0" dirty="0">
+                <a:solidFill>
+                  <a:srgbClr val="374151"/>
+                </a:solidFill>
+                <a:effectLst/>
+                <a:latin typeface="Times New Roman" panose="02020603050405020304" pitchFamily="18" charset="0"/>
+                <a:cs typeface="Times New Roman" panose="02020603050405020304" pitchFamily="18" charset="0"/>
+              </a:rPr>
+              <a:t>Real-time financial data presents unique challenges in reliability and performance optimization </a:t>
+            </a:r>
+          </a:p>
+          <a:p>
+            <a:pPr marL="285750" indent="-285750">
+              <a:buFont typeface="Arial" panose="020B0604020202020204" pitchFamily="34" charset="0"/>
+              <a:buChar char="•"/>
+            </a:pPr>
+            <a:endParaRPr lang="en-US" sz="2400" b="0" i="0" dirty="0">
+              <a:solidFill>
+                <a:srgbClr val="374151"/>
+              </a:solidFill>
+              <a:effectLst/>
+              <a:highlight>
+                <a:srgbClr val="FFFF00"/>
+              </a:highlight>
+              <a:latin typeface="Times New Roman" panose="02020603050405020304" pitchFamily="18" charset="0"/>
+              <a:cs typeface="Times New Roman" panose="02020603050405020304" pitchFamily="18" charset="0"/>
+            </a:endParaRPr>
+          </a:p>
+        </p:txBody>
+      </p:sp>
+      <p:sp>
+        <p:nvSpPr>
+          <p:cNvPr id="2" name="Rectangle 1">
+            <a:extLst>
+              <a:ext uri="{FF2B5EF4-FFF2-40B4-BE49-F238E27FC236}">
+                <a16:creationId xmlns:a16="http://schemas.microsoft.com/office/drawing/2014/main" id="{DC49D467-CEAF-D431-D5FB-17418CC41076}"/>
+              </a:ext>
+            </a:extLst>
+          </p:cNvPr>
+          <p:cNvSpPr/>
+          <p:nvPr/>
+        </p:nvSpPr>
+        <p:spPr>
+          <a:xfrm>
+            <a:off x="4816313" y="334769"/>
+            <a:ext cx="2145139" cy="584775"/>
+          </a:xfrm>
+          <a:prstGeom prst="rect">
+            <a:avLst/>
+          </a:prstGeom>
+          <a:noFill/>
+        </p:spPr>
+        <p:txBody>
+          <a:bodyPr wrap="none" lIns="91440" tIns="45720" rIns="91440" bIns="45720">
+            <a:spAutoFit/>
+          </a:bodyPr>
+          <a:lstStyle/>
+          <a:p>
+            <a:pPr algn="ctr"/>
+            <a:r>
+              <a:rPr lang="en-US" sz="3200" b="1" cap="none" spc="0" dirty="0">
+                <a:ln w="0"/>
+                <a:solidFill>
+                  <a:schemeClr val="tx1"/>
+                </a:solidFill>
+                <a:effectLst>
+                  <a:outerShdw blurRad="38100" dist="19050" dir="2700000" algn="tl" rotWithShape="0">
+                    <a:schemeClr val="dk1">
+                      <a:alpha val="40000"/>
+                    </a:schemeClr>
+                  </a:outerShdw>
+                </a:effectLst>
+                <a:latin typeface="Times New Roman" panose="02020603050405020304" pitchFamily="18" charset="0"/>
+                <a:cs typeface="Times New Roman" panose="02020603050405020304" pitchFamily="18" charset="0"/>
+              </a:rPr>
+              <a:t>Conclusion</a:t>
+            </a:r>
+          </a:p>
+        </p:txBody>
+      </p:sp>
     </p:spTree>
     <p:extLst>
       <p:ext uri="{BB962C8B-B14F-4D97-AF65-F5344CB8AC3E}">
-        <p14:creationId xmlns:p14="http://schemas.microsoft.com/office/powerpoint/2010/main" val="3569725085"/>
+        <p14:creationId xmlns:p14="http://schemas.microsoft.com/office/powerpoint/2010/main" val="3257695602"/>
+      </p:ext>
+    </p:extLst>
+  </p:cSld>
+  <p:clrMapOvr>
+    <a:masterClrMapping/>
+  </p:clrMapOvr>
+</p:sld>
+</file>
+
+<file path=ppt/slides/slide13.xml><?xml version="1.0" encoding="utf-8"?>
+<p:sld xmlns:a="http://schemas.openxmlformats.org/drawingml/2006/main" xmlns:r="http://schemas.openxmlformats.org/officeDocument/2006/relationships" xmlns:p="http://schemas.openxmlformats.org/presentationml/2006/main">
+  <p:cSld>
+    <p:spTree>
+      <p:nvGrpSpPr>
+        <p:cNvPr id="1" name=""/>
+        <p:cNvGrpSpPr/>
+        <p:nvPr/>
+      </p:nvGrpSpPr>
+      <p:grpSpPr>
+        <a:xfrm>
+          <a:off x="0" y="0"/>
+          <a:ext cx="0" cy="0"/>
+          <a:chOff x="0" y="0"/>
+          <a:chExt cx="0" cy="0"/>
+        </a:xfrm>
+      </p:grpSpPr>
+      <p:sp>
+        <p:nvSpPr>
+          <p:cNvPr id="7" name="TextBox 6">
+            <a:extLst>
+              <a:ext uri="{FF2B5EF4-FFF2-40B4-BE49-F238E27FC236}">
+                <a16:creationId xmlns:a16="http://schemas.microsoft.com/office/drawing/2014/main" id="{DA0D1BDA-143C-F018-1684-F9117920B74A}"/>
+              </a:ext>
+            </a:extLst>
+          </p:cNvPr>
+          <p:cNvSpPr txBox="1"/>
+          <p:nvPr/>
+        </p:nvSpPr>
+        <p:spPr>
+          <a:xfrm>
+            <a:off x="1122232" y="1600481"/>
+            <a:ext cx="7553042" cy="461665"/>
+          </a:xfrm>
+          <a:prstGeom prst="rect">
+            <a:avLst/>
+          </a:prstGeom>
+          <a:noFill/>
+        </p:spPr>
+        <p:txBody>
+          <a:bodyPr wrap="square" rtlCol="0">
+            <a:spAutoFit/>
+          </a:bodyPr>
+          <a:lstStyle/>
+          <a:p>
+            <a:r>
+              <a:rPr lang="en-US" altLang="zh-CN" sz="2400" b="1" dirty="0">
+                <a:latin typeface="Times New Roman" panose="02020603050405020304" pitchFamily="18" charset="0"/>
+                <a:cs typeface="Times New Roman" panose="02020603050405020304" pitchFamily="18" charset="0"/>
+              </a:rPr>
+              <a:t>What could have been done if given more time</a:t>
+            </a:r>
+            <a:endParaRPr lang="en-IN" altLang="zh-CN" sz="2400" b="1" dirty="0">
+              <a:latin typeface="Times New Roman" panose="02020603050405020304" pitchFamily="18" charset="0"/>
+              <a:cs typeface="Times New Roman" panose="02020603050405020304" pitchFamily="18" charset="0"/>
+            </a:endParaRPr>
+          </a:p>
+        </p:txBody>
+      </p:sp>
+      <p:sp>
+        <p:nvSpPr>
+          <p:cNvPr id="16" name="TextBox 15">
+            <a:extLst>
+              <a:ext uri="{FF2B5EF4-FFF2-40B4-BE49-F238E27FC236}">
+                <a16:creationId xmlns:a16="http://schemas.microsoft.com/office/drawing/2014/main" id="{BA12924D-431A-0EEA-FDCF-DC3550E4317D}"/>
+              </a:ext>
+            </a:extLst>
+          </p:cNvPr>
+          <p:cNvSpPr txBox="1"/>
+          <p:nvPr/>
+        </p:nvSpPr>
+        <p:spPr>
+          <a:xfrm>
+            <a:off x="1122232" y="2358009"/>
+            <a:ext cx="10133215" cy="1292662"/>
+          </a:xfrm>
+          <a:prstGeom prst="rect">
+            <a:avLst/>
+          </a:prstGeom>
+          <a:noFill/>
+        </p:spPr>
+        <p:txBody>
+          <a:bodyPr wrap="square" rtlCol="0">
+            <a:spAutoFit/>
+          </a:bodyPr>
+          <a:lstStyle/>
+          <a:p>
+            <a:pPr marL="285750" indent="-285750">
+              <a:buFont typeface="Arial" panose="020B0604020202020204" pitchFamily="34" charset="0"/>
+              <a:buChar char="•"/>
+            </a:pPr>
+            <a:r>
+              <a:rPr lang="en-US" altLang="zh-CN" dirty="0">
+                <a:solidFill>
+                  <a:srgbClr val="374151"/>
+                </a:solidFill>
+                <a:latin typeface="Times New Roman" panose="02020603050405020304" pitchFamily="18" charset="0"/>
+                <a:cs typeface="Times New Roman" panose="02020603050405020304" pitchFamily="18" charset="0"/>
+              </a:rPr>
+              <a:t>Advanced portfolio analytics with machine learning predictions and risk assessment algorithms</a:t>
+            </a:r>
+          </a:p>
+          <a:p>
+            <a:pPr marL="285750" indent="-285750">
+              <a:buFont typeface="Arial" panose="020B0604020202020204" pitchFamily="34" charset="0"/>
+              <a:buChar char="•"/>
+            </a:pPr>
+            <a:endParaRPr lang="en-US" altLang="zh-CN" dirty="0">
+              <a:solidFill>
+                <a:srgbClr val="374151"/>
+              </a:solidFill>
+              <a:latin typeface="Times New Roman" panose="02020603050405020304" pitchFamily="18" charset="0"/>
+              <a:cs typeface="Times New Roman" panose="02020603050405020304" pitchFamily="18" charset="0"/>
+            </a:endParaRPr>
+          </a:p>
+          <a:p>
+            <a:pPr marL="285750" indent="-285750">
+              <a:buFont typeface="Arial" panose="020B0604020202020204" pitchFamily="34" charset="0"/>
+              <a:buChar char="•"/>
+            </a:pPr>
+            <a:r>
+              <a:rPr lang="en-US" altLang="zh-CN" dirty="0">
+                <a:solidFill>
+                  <a:srgbClr val="374151"/>
+                </a:solidFill>
+                <a:latin typeface="Times New Roman" panose="02020603050405020304" pitchFamily="18" charset="0"/>
+                <a:cs typeface="Times New Roman" panose="02020603050405020304" pitchFamily="18" charset="0"/>
+              </a:rPr>
+              <a:t>Mobile app development, advanced charting features, and AI-powered investment recommendations</a:t>
+            </a:r>
+            <a:endParaRPr lang="en-IN" altLang="zh-CN" dirty="0">
+              <a:solidFill>
+                <a:srgbClr val="374151"/>
+              </a:solidFill>
+              <a:latin typeface="Times New Roman" panose="02020603050405020304" pitchFamily="18" charset="0"/>
+              <a:cs typeface="Times New Roman" panose="02020603050405020304" pitchFamily="18" charset="0"/>
+            </a:endParaRPr>
+          </a:p>
+          <a:p>
+            <a:pPr marL="285750" indent="-285750">
+              <a:buFont typeface="Arial" panose="020B0604020202020204" pitchFamily="34" charset="0"/>
+              <a:buChar char="•"/>
+            </a:pPr>
+            <a:endParaRPr lang="en-US" sz="2400" b="0" i="0" dirty="0">
+              <a:solidFill>
+                <a:srgbClr val="374151"/>
+              </a:solidFill>
+              <a:effectLst/>
+              <a:highlight>
+                <a:srgbClr val="FFFF00"/>
+              </a:highlight>
+              <a:latin typeface="Times New Roman" panose="02020603050405020304" pitchFamily="18" charset="0"/>
+              <a:cs typeface="Times New Roman" panose="02020603050405020304" pitchFamily="18" charset="0"/>
+            </a:endParaRPr>
+          </a:p>
+        </p:txBody>
+      </p:sp>
+      <p:sp>
+        <p:nvSpPr>
+          <p:cNvPr id="2" name="Rectangle 1">
+            <a:extLst>
+              <a:ext uri="{FF2B5EF4-FFF2-40B4-BE49-F238E27FC236}">
+                <a16:creationId xmlns:a16="http://schemas.microsoft.com/office/drawing/2014/main" id="{DC49D467-CEAF-D431-D5FB-17418CC41076}"/>
+              </a:ext>
+            </a:extLst>
+          </p:cNvPr>
+          <p:cNvSpPr/>
+          <p:nvPr/>
+        </p:nvSpPr>
+        <p:spPr>
+          <a:xfrm>
+            <a:off x="4816313" y="334769"/>
+            <a:ext cx="2145139" cy="584775"/>
+          </a:xfrm>
+          <a:prstGeom prst="rect">
+            <a:avLst/>
+          </a:prstGeom>
+          <a:noFill/>
+        </p:spPr>
+        <p:txBody>
+          <a:bodyPr wrap="none" lIns="91440" tIns="45720" rIns="91440" bIns="45720">
+            <a:spAutoFit/>
+          </a:bodyPr>
+          <a:lstStyle/>
+          <a:p>
+            <a:pPr algn="ctr"/>
+            <a:r>
+              <a:rPr lang="en-US" sz="3200" b="1" cap="none" spc="0" dirty="0">
+                <a:ln w="0"/>
+                <a:solidFill>
+                  <a:schemeClr val="tx1"/>
+                </a:solidFill>
+                <a:effectLst>
+                  <a:outerShdw blurRad="38100" dist="19050" dir="2700000" algn="tl" rotWithShape="0">
+                    <a:schemeClr val="dk1">
+                      <a:alpha val="40000"/>
+                    </a:schemeClr>
+                  </a:outerShdw>
+                </a:effectLst>
+                <a:latin typeface="Times New Roman" panose="02020603050405020304" pitchFamily="18" charset="0"/>
+                <a:cs typeface="Times New Roman" panose="02020603050405020304" pitchFamily="18" charset="0"/>
+              </a:rPr>
+              <a:t>Conclusion</a:t>
+            </a:r>
+          </a:p>
+        </p:txBody>
+      </p:sp>
+    </p:spTree>
+    <p:extLst>
+      <p:ext uri="{BB962C8B-B14F-4D97-AF65-F5344CB8AC3E}">
+        <p14:creationId xmlns:p14="http://schemas.microsoft.com/office/powerpoint/2010/main" val="3595508210"/>
+      </p:ext>
+    </p:extLst>
+  </p:cSld>
+  <p:clrMapOvr>
+    <a:masterClrMapping/>
+  </p:clrMapOvr>
+</p:sld>
+</file>
+
+<file path=ppt/slides/slide14.xml><?xml version="1.0" encoding="utf-8"?>
+<p:sld xmlns:a="http://schemas.openxmlformats.org/drawingml/2006/main" xmlns:r="http://schemas.openxmlformats.org/officeDocument/2006/relationships" xmlns:p="http://schemas.openxmlformats.org/presentationml/2006/main">
+  <p:cSld>
+    <p:spTree>
+      <p:nvGrpSpPr>
+        <p:cNvPr id="1" name=""/>
+        <p:cNvGrpSpPr/>
+        <p:nvPr/>
+      </p:nvGrpSpPr>
+      <p:grpSpPr>
+        <a:xfrm>
+          <a:off x="0" y="0"/>
+          <a:ext cx="0" cy="0"/>
+          <a:chOff x="0" y="0"/>
+          <a:chExt cx="0" cy="0"/>
+        </a:xfrm>
+      </p:grpSpPr>
+      <p:sp>
+        <p:nvSpPr>
+          <p:cNvPr id="7" name="TextBox 6">
+            <a:extLst>
+              <a:ext uri="{FF2B5EF4-FFF2-40B4-BE49-F238E27FC236}">
+                <a16:creationId xmlns:a16="http://schemas.microsoft.com/office/drawing/2014/main" id="{DA0D1BDA-143C-F018-1684-F9117920B74A}"/>
+              </a:ext>
+            </a:extLst>
+          </p:cNvPr>
+          <p:cNvSpPr txBox="1"/>
+          <p:nvPr/>
+        </p:nvSpPr>
+        <p:spPr>
+          <a:xfrm>
+            <a:off x="1122232" y="1600481"/>
+            <a:ext cx="7553042" cy="461665"/>
+          </a:xfrm>
+          <a:prstGeom prst="rect">
+            <a:avLst/>
+          </a:prstGeom>
+          <a:noFill/>
+        </p:spPr>
+        <p:txBody>
+          <a:bodyPr wrap="square" rtlCol="0">
+            <a:spAutoFit/>
+          </a:bodyPr>
+          <a:lstStyle/>
+          <a:p>
+            <a:r>
+              <a:rPr lang="en-US" altLang="zh-CN" sz="2400" b="1" dirty="0">
+                <a:latin typeface="Times New Roman" panose="02020603050405020304" pitchFamily="18" charset="0"/>
+                <a:cs typeface="Times New Roman" panose="02020603050405020304" pitchFamily="18" charset="0"/>
+              </a:rPr>
+              <a:t>How could this be useful to your work at your company</a:t>
+            </a:r>
+            <a:endParaRPr lang="en-IN" altLang="zh-CN" sz="2400" b="1" dirty="0">
+              <a:latin typeface="Times New Roman" panose="02020603050405020304" pitchFamily="18" charset="0"/>
+              <a:cs typeface="Times New Roman" panose="02020603050405020304" pitchFamily="18" charset="0"/>
+            </a:endParaRPr>
+          </a:p>
+        </p:txBody>
+      </p:sp>
+      <p:sp>
+        <p:nvSpPr>
+          <p:cNvPr id="16" name="TextBox 15">
+            <a:extLst>
+              <a:ext uri="{FF2B5EF4-FFF2-40B4-BE49-F238E27FC236}">
+                <a16:creationId xmlns:a16="http://schemas.microsoft.com/office/drawing/2014/main" id="{BA12924D-431A-0EEA-FDCF-DC3550E4317D}"/>
+              </a:ext>
+            </a:extLst>
+          </p:cNvPr>
+          <p:cNvSpPr txBox="1"/>
+          <p:nvPr/>
+        </p:nvSpPr>
+        <p:spPr>
+          <a:xfrm>
+            <a:off x="1122232" y="2358009"/>
+            <a:ext cx="10133215" cy="2123658"/>
+          </a:xfrm>
+          <a:prstGeom prst="rect">
+            <a:avLst/>
+          </a:prstGeom>
+          <a:noFill/>
+        </p:spPr>
+        <p:txBody>
+          <a:bodyPr wrap="square" rtlCol="0">
+            <a:spAutoFit/>
+          </a:bodyPr>
+          <a:lstStyle/>
+          <a:p>
+            <a:pPr marL="285750" indent="-285750">
+              <a:buFont typeface="Arial" panose="020B0604020202020204" pitchFamily="34" charset="0"/>
+              <a:buChar char="•"/>
+            </a:pPr>
+            <a:r>
+              <a:rPr lang="en-US" altLang="zh-CN" dirty="0">
+                <a:solidFill>
+                  <a:srgbClr val="374151"/>
+                </a:solidFill>
+                <a:latin typeface="Times New Roman" panose="02020603050405020304" pitchFamily="18" charset="0"/>
+                <a:cs typeface="Times New Roman" panose="02020603050405020304" pitchFamily="18" charset="0"/>
+              </a:rPr>
+              <a:t>Demonstrates full-stack development skills, API integration expertise, and ability to build scalable financial applications</a:t>
+            </a:r>
+          </a:p>
+          <a:p>
+            <a:pPr marL="285750" indent="-285750">
+              <a:buFont typeface="Arial" panose="020B0604020202020204" pitchFamily="34" charset="0"/>
+              <a:buChar char="•"/>
+            </a:pPr>
+            <a:endParaRPr lang="en-US" altLang="zh-CN" dirty="0">
+              <a:solidFill>
+                <a:srgbClr val="374151"/>
+              </a:solidFill>
+              <a:latin typeface="Times New Roman" panose="02020603050405020304" pitchFamily="18" charset="0"/>
+              <a:cs typeface="Times New Roman" panose="02020603050405020304" pitchFamily="18" charset="0"/>
+            </a:endParaRPr>
+          </a:p>
+          <a:p>
+            <a:pPr marL="285750" indent="-285750">
+              <a:buFont typeface="Arial" panose="020B0604020202020204" pitchFamily="34" charset="0"/>
+              <a:buChar char="•"/>
+            </a:pPr>
+            <a:r>
+              <a:rPr lang="en-US" altLang="zh-CN" dirty="0">
+                <a:solidFill>
+                  <a:srgbClr val="374151"/>
+                </a:solidFill>
+                <a:latin typeface="Times New Roman" panose="02020603050405020304" pitchFamily="18" charset="0"/>
+                <a:cs typeface="Times New Roman" panose="02020603050405020304" pitchFamily="18" charset="0"/>
+              </a:rPr>
+              <a:t>Showcases team collaboration - coordinated frontend/backend development with Git version control</a:t>
+            </a:r>
+          </a:p>
+          <a:p>
+            <a:pPr marL="285750" indent="-285750">
+              <a:buFont typeface="Arial" panose="020B0604020202020204" pitchFamily="34" charset="0"/>
+              <a:buChar char="•"/>
+            </a:pPr>
+            <a:endParaRPr lang="en-US" altLang="zh-CN" dirty="0">
+              <a:solidFill>
+                <a:srgbClr val="374151"/>
+              </a:solidFill>
+              <a:latin typeface="Times New Roman" panose="02020603050405020304" pitchFamily="18" charset="0"/>
+              <a:cs typeface="Times New Roman" panose="02020603050405020304" pitchFamily="18" charset="0"/>
+            </a:endParaRPr>
+          </a:p>
+          <a:p>
+            <a:pPr marL="285750" indent="-285750">
+              <a:buFont typeface="Arial" panose="020B0604020202020204" pitchFamily="34" charset="0"/>
+              <a:buChar char="•"/>
+            </a:pPr>
+            <a:r>
+              <a:rPr lang="en-US" altLang="zh-CN" dirty="0">
+                <a:solidFill>
+                  <a:srgbClr val="374151"/>
+                </a:solidFill>
+                <a:latin typeface="Times New Roman" panose="02020603050405020304" pitchFamily="18" charset="0"/>
+                <a:cs typeface="Times New Roman" panose="02020603050405020304" pitchFamily="18" charset="0"/>
+              </a:rPr>
+              <a:t>Proves problem-solving abilities - implemented error handling and reliability solutions under pressure</a:t>
+            </a:r>
+          </a:p>
+          <a:p>
+            <a:pPr marL="285750" indent="-285750">
+              <a:buFont typeface="Arial" panose="020B0604020202020204" pitchFamily="34" charset="0"/>
+              <a:buChar char="•"/>
+            </a:pPr>
+            <a:endParaRPr lang="en-US" sz="2400" b="0" i="0" dirty="0">
+              <a:solidFill>
+                <a:srgbClr val="374151"/>
+              </a:solidFill>
+              <a:effectLst/>
+              <a:highlight>
+                <a:srgbClr val="FFFF00"/>
+              </a:highlight>
+              <a:latin typeface="Times New Roman" panose="02020603050405020304" pitchFamily="18" charset="0"/>
+              <a:cs typeface="Times New Roman" panose="02020603050405020304" pitchFamily="18" charset="0"/>
+            </a:endParaRPr>
+          </a:p>
+        </p:txBody>
+      </p:sp>
+      <p:sp>
+        <p:nvSpPr>
+          <p:cNvPr id="2" name="Rectangle 1">
+            <a:extLst>
+              <a:ext uri="{FF2B5EF4-FFF2-40B4-BE49-F238E27FC236}">
+                <a16:creationId xmlns:a16="http://schemas.microsoft.com/office/drawing/2014/main" id="{DC49D467-CEAF-D431-D5FB-17418CC41076}"/>
+              </a:ext>
+            </a:extLst>
+          </p:cNvPr>
+          <p:cNvSpPr/>
+          <p:nvPr/>
+        </p:nvSpPr>
+        <p:spPr>
+          <a:xfrm>
+            <a:off x="4816313" y="334769"/>
+            <a:ext cx="2145139" cy="584775"/>
+          </a:xfrm>
+          <a:prstGeom prst="rect">
+            <a:avLst/>
+          </a:prstGeom>
+          <a:noFill/>
+        </p:spPr>
+        <p:txBody>
+          <a:bodyPr wrap="none" lIns="91440" tIns="45720" rIns="91440" bIns="45720">
+            <a:spAutoFit/>
+          </a:bodyPr>
+          <a:lstStyle/>
+          <a:p>
+            <a:pPr algn="ctr"/>
+            <a:r>
+              <a:rPr lang="en-US" sz="3200" b="1" cap="none" spc="0" dirty="0">
+                <a:ln w="0"/>
+                <a:solidFill>
+                  <a:schemeClr val="tx1"/>
+                </a:solidFill>
+                <a:effectLst>
+                  <a:outerShdw blurRad="38100" dist="19050" dir="2700000" algn="tl" rotWithShape="0">
+                    <a:schemeClr val="dk1">
+                      <a:alpha val="40000"/>
+                    </a:schemeClr>
+                  </a:outerShdw>
+                </a:effectLst>
+                <a:latin typeface="Times New Roman" panose="02020603050405020304" pitchFamily="18" charset="0"/>
+                <a:cs typeface="Times New Roman" panose="02020603050405020304" pitchFamily="18" charset="0"/>
+              </a:rPr>
+              <a:t>Conclusion</a:t>
+            </a:r>
+          </a:p>
+        </p:txBody>
+      </p:sp>
+    </p:spTree>
+    <p:extLst>
+      <p:ext uri="{BB962C8B-B14F-4D97-AF65-F5344CB8AC3E}">
+        <p14:creationId xmlns:p14="http://schemas.microsoft.com/office/powerpoint/2010/main" val="1213596663"/>
+      </p:ext>
+    </p:extLst>
+  </p:cSld>
+  <p:clrMapOvr>
+    <a:masterClrMapping/>
+  </p:clrMapOvr>
+</p:sld>
+</file>
+
+<file path=ppt/slides/slide15.xml><?xml version="1.0" encoding="utf-8"?>
+<p:sld xmlns:a="http://schemas.openxmlformats.org/drawingml/2006/main" xmlns:r="http://schemas.openxmlformats.org/officeDocument/2006/relationships" xmlns:p="http://schemas.openxmlformats.org/presentationml/2006/main">
+  <p:cSld>
+    <p:spTree>
+      <p:nvGrpSpPr>
+        <p:cNvPr id="1" name=""/>
+        <p:cNvGrpSpPr/>
+        <p:nvPr/>
+      </p:nvGrpSpPr>
+      <p:grpSpPr>
+        <a:xfrm>
+          <a:off x="0" y="0"/>
+          <a:ext cx="0" cy="0"/>
+          <a:chOff x="0" y="0"/>
+          <a:chExt cx="0" cy="0"/>
+        </a:xfrm>
+      </p:grpSpPr>
+      <p:sp>
+        <p:nvSpPr>
+          <p:cNvPr id="3" name="文本占位符 2">
+            <a:extLst>
+              <a:ext uri="{FF2B5EF4-FFF2-40B4-BE49-F238E27FC236}">
+                <a16:creationId xmlns:a16="http://schemas.microsoft.com/office/drawing/2014/main" id="{DFD52094-98C0-4141-A04B-98B9DF4DFA73}"/>
+              </a:ext>
+            </a:extLst>
+          </p:cNvPr>
+          <p:cNvSpPr>
+            <a:spLocks noGrp="1"/>
+          </p:cNvSpPr>
+          <p:nvPr>
+            <p:ph type="body" sz="quarter" idx="13"/>
+          </p:nvPr>
+        </p:nvSpPr>
+        <p:spPr>
+          <a:xfrm>
+            <a:off x="2514558" y="1785938"/>
+            <a:ext cx="6421973" cy="1643062"/>
+          </a:xfrm>
+        </p:spPr>
+        <p:txBody>
+          <a:bodyPr>
+            <a:normAutofit fontScale="92500" lnSpcReduction="10000"/>
+          </a:bodyPr>
+          <a:lstStyle/>
+          <a:p>
+            <a:r>
+              <a:rPr lang="en-GB" altLang="zh-CN" sz="6000" dirty="0">
+                <a:latin typeface="Times New Roman" panose="02020603050405020304" pitchFamily="18" charset="0"/>
+                <a:ea typeface="宋体" panose="02010600030101010101" pitchFamily="2" charset="-122"/>
+                <a:cs typeface="Times New Roman" panose="02020603050405020304" pitchFamily="18" charset="0"/>
+              </a:rPr>
+              <a:t>Thank you for </a:t>
+            </a:r>
+          </a:p>
+          <a:p>
+            <a:r>
+              <a:rPr lang="en-GB" altLang="zh-CN" sz="6000" dirty="0">
+                <a:latin typeface="Times New Roman" panose="02020603050405020304" pitchFamily="18" charset="0"/>
+                <a:ea typeface="宋体" panose="02010600030101010101" pitchFamily="2" charset="-122"/>
+                <a:cs typeface="Times New Roman" panose="02020603050405020304" pitchFamily="18" charset="0"/>
+              </a:rPr>
+              <a:t>watching</a:t>
+            </a:r>
+          </a:p>
+        </p:txBody>
+      </p:sp>
+    </p:spTree>
+    <p:extLst>
+      <p:ext uri="{BB962C8B-B14F-4D97-AF65-F5344CB8AC3E}">
+        <p14:creationId xmlns:p14="http://schemas.microsoft.com/office/powerpoint/2010/main" val="2596165905"/>
       </p:ext>
     </p:extLst>
   </p:cSld>
@@ -6713,7 +10326,7 @@
         </p:nvSpPr>
         <p:spPr>
           <a:xfrm>
-            <a:off x="1733365" y="0"/>
+            <a:off x="1787153" y="197342"/>
             <a:ext cx="8175948" cy="584775"/>
           </a:xfrm>
           <a:prstGeom prst="rect">
@@ -6760,7 +10373,7 @@
         </p:nvSpPr>
         <p:spPr>
           <a:xfrm>
-            <a:off x="1072367" y="739497"/>
+            <a:off x="1072367" y="1001454"/>
             <a:ext cx="10928412" cy="461665"/>
           </a:xfrm>
           <a:prstGeom prst="rect">
@@ -6801,7 +10414,7 @@
         </p:nvSpPr>
         <p:spPr>
           <a:xfrm>
-            <a:off x="1168542" y="1231653"/>
+            <a:off x="1168542" y="1500593"/>
             <a:ext cx="9586544" cy="1015663"/>
           </a:xfrm>
           <a:prstGeom prst="rect">
@@ -6824,7 +10437,7 @@
                 <a:latin typeface="Times New Roman" panose="02020603050405020304" pitchFamily="18" charset="0"/>
                 <a:cs typeface="Times New Roman" panose="02020603050405020304" pitchFamily="18" charset="0"/>
               </a:rPr>
-              <a:t>User Management APIs - Account creation, authentication, fund tracking</a:t>
+              <a:t>User Management APIs </a:t>
             </a:r>
           </a:p>
           <a:p>
@@ -6837,7 +10450,7 @@
                 <a:latin typeface="Times New Roman" panose="02020603050405020304" pitchFamily="18" charset="0"/>
                 <a:cs typeface="Times New Roman" panose="02020603050405020304" pitchFamily="18" charset="0"/>
               </a:rPr>
-              <a:t>Portfolio Management APIs - Buy/sell transactions, holdings tracking</a:t>
+              <a:t>Portfolio Management APIs </a:t>
             </a:r>
           </a:p>
           <a:p>
@@ -6850,7 +10463,7 @@
                 <a:latin typeface="Times New Roman" panose="02020603050405020304" pitchFamily="18" charset="0"/>
                 <a:cs typeface="Times New Roman" panose="02020603050405020304" pitchFamily="18" charset="0"/>
               </a:rPr>
-              <a:t>Stock Details APIs - Trading records, historical data storage</a:t>
+              <a:t>Stock Details APIs</a:t>
             </a:r>
             <a:endParaRPr lang="en-IN" sz="2000" dirty="0">
               <a:latin typeface="Times New Roman" panose="02020603050405020304" pitchFamily="18" charset="0"/>
@@ -6873,7 +10486,7 @@
         </p:nvSpPr>
         <p:spPr>
           <a:xfrm>
-            <a:off x="1072367" y="2771627"/>
+            <a:off x="1072367" y="3040567"/>
             <a:ext cx="7431551" cy="461665"/>
           </a:xfrm>
           <a:prstGeom prst="rect">
@@ -6918,7 +10531,7 @@
         </p:nvSpPr>
         <p:spPr>
           <a:xfrm>
-            <a:off x="1168542" y="3270766"/>
+            <a:off x="1168542" y="3539706"/>
             <a:ext cx="8127858" cy="1015663"/>
           </a:xfrm>
           <a:prstGeom prst="rect">
@@ -6941,7 +10554,7 @@
                 <a:latin typeface="Times New Roman" panose="02020603050405020304" pitchFamily="18" charset="0"/>
                 <a:cs typeface="Times New Roman" panose="02020603050405020304" pitchFamily="18" charset="0"/>
               </a:rPr>
-              <a:t>Users table - stores account information and available funds</a:t>
+              <a:t>Users table</a:t>
             </a:r>
           </a:p>
           <a:p>
@@ -6961,7 +10574,7 @@
                 <a:latin typeface="Times New Roman" panose="02020603050405020304" pitchFamily="18" charset="0"/>
                 <a:cs typeface="Times New Roman" panose="02020603050405020304" pitchFamily="18" charset="0"/>
               </a:rPr>
-              <a:t> table - tracks stock holdings and transactions</a:t>
+              <a:t> table</a:t>
             </a:r>
           </a:p>
           <a:p>
@@ -6981,7 +10594,7 @@
                 <a:latin typeface="Times New Roman" panose="02020603050405020304" pitchFamily="18" charset="0"/>
                 <a:cs typeface="Times New Roman" panose="02020603050405020304" pitchFamily="18" charset="0"/>
               </a:rPr>
-              <a:t> table - maintains trading history and stock records</a:t>
+              <a:t> table</a:t>
             </a:r>
             <a:endParaRPr lang="en-IN" sz="2000" dirty="0">
               <a:latin typeface="Times New Roman" panose="02020603050405020304" pitchFamily="18" charset="0"/>
@@ -7004,7 +10617,7 @@
         </p:nvSpPr>
         <p:spPr>
           <a:xfrm>
-            <a:off x="1168542" y="4224468"/>
+            <a:off x="1168542" y="4841864"/>
             <a:ext cx="6094520" cy="461665"/>
           </a:xfrm>
           <a:prstGeom prst="rect">
@@ -7030,91 +10643,6 @@
             <a:endParaRPr lang="en-IN" sz="2400" b="1" kern="100" dirty="0">
               <a:latin typeface="Times New Roman" panose="02020603050405020304" pitchFamily="18" charset="0"/>
               <a:ea typeface="Calibri" panose="020F0502020204030204" pitchFamily="34" charset="0"/>
-              <a:cs typeface="Times New Roman" panose="02020603050405020304" pitchFamily="18" charset="0"/>
-            </a:endParaRPr>
-          </a:p>
-        </p:txBody>
-      </p:sp>
-      <p:sp>
-        <p:nvSpPr>
-          <p:cNvPr id="9" name="TextBox 9">
-            <a:extLst>
-              <a:ext uri="{FF2B5EF4-FFF2-40B4-BE49-F238E27FC236}">
-                <a16:creationId xmlns:a16="http://schemas.microsoft.com/office/drawing/2014/main" id="{AC7873B3-28D5-F97C-3066-10F21EB64D13}"/>
-              </a:ext>
-            </a:extLst>
-          </p:cNvPr>
-          <p:cNvSpPr txBox="1"/>
-          <p:nvPr/>
-        </p:nvSpPr>
-        <p:spPr>
-          <a:xfrm>
-            <a:off x="1168541" y="4822515"/>
-            <a:ext cx="8127857" cy="1323439"/>
-          </a:xfrm>
-          <a:prstGeom prst="rect">
-            <a:avLst/>
-          </a:prstGeom>
-          <a:noFill/>
-        </p:spPr>
-        <p:txBody>
-          <a:bodyPr wrap="square">
-            <a:spAutoFit/>
-          </a:bodyPr>
-          <a:lstStyle/>
-          <a:p>
-            <a:pPr marL="285750" indent="-285750">
-              <a:buFont typeface="Arial" panose="020B0604020202020204" pitchFamily="34" charset="0"/>
-              <a:buChar char="•"/>
-            </a:pPr>
-            <a:r>
-              <a:rPr lang="en-US" sz="2000" dirty="0">
-                <a:latin typeface="Times New Roman" panose="02020603050405020304" pitchFamily="18" charset="0"/>
-                <a:cs typeface="Times New Roman" panose="02020603050405020304" pitchFamily="18" charset="0"/>
-              </a:rPr>
-              <a:t>Create - User registration, portfolio purchases, trading records</a:t>
-            </a:r>
-          </a:p>
-          <a:p>
-            <a:pPr marL="285750" indent="-285750">
-              <a:buFont typeface="Arial" panose="020B0604020202020204" pitchFamily="34" charset="0"/>
-              <a:buChar char="•"/>
-            </a:pPr>
-            <a:r>
-              <a:rPr lang="en-US" sz="2000" dirty="0">
-                <a:latin typeface="Times New Roman" panose="02020603050405020304" pitchFamily="18" charset="0"/>
-                <a:cs typeface="Times New Roman" panose="02020603050405020304" pitchFamily="18" charset="0"/>
-              </a:rPr>
-              <a:t>Read - Account queries, portfolio retrieval, transaction history</a:t>
-            </a:r>
-          </a:p>
-          <a:p>
-            <a:pPr marL="285750" indent="-285750">
-              <a:buFont typeface="Arial" panose="020B0604020202020204" pitchFamily="34" charset="0"/>
-              <a:buChar char="•"/>
-            </a:pPr>
-            <a:r>
-              <a:rPr lang="en-US" sz="2000" dirty="0">
-                <a:latin typeface="Times New Roman" panose="02020603050405020304" pitchFamily="18" charset="0"/>
-                <a:cs typeface="Times New Roman" panose="02020603050405020304" pitchFamily="18" charset="0"/>
-              </a:rPr>
-              <a:t>Update - Fund management, portfolio modifications, record updates</a:t>
-            </a:r>
-          </a:p>
-          <a:p>
-            <a:pPr marL="285750" indent="-285750">
-              <a:buFont typeface="Arial" panose="020B0604020202020204" pitchFamily="34" charset="0"/>
-              <a:buChar char="•"/>
-            </a:pPr>
-            <a:r>
-              <a:rPr lang="en-US" sz="2000" dirty="0">
-                <a:latin typeface="Times New Roman" panose="02020603050405020304" pitchFamily="18" charset="0"/>
-                <a:cs typeface="Times New Roman" panose="02020603050405020304" pitchFamily="18" charset="0"/>
-              </a:rPr>
-              <a:t>Delete - Account removal, portfolio cleanup, record deletion</a:t>
-            </a:r>
-            <a:endParaRPr lang="en-IN" sz="2000" dirty="0">
-              <a:latin typeface="Times New Roman" panose="02020603050405020304" pitchFamily="18" charset="0"/>
               <a:cs typeface="Times New Roman" panose="02020603050405020304" pitchFamily="18" charset="0"/>
             </a:endParaRPr>
           </a:p>
@@ -7164,7 +10692,7 @@
         </p:nvSpPr>
         <p:spPr>
           <a:xfrm>
-            <a:off x="1733365" y="0"/>
+            <a:off x="1733365" y="207009"/>
             <a:ext cx="8175948" cy="584775"/>
           </a:xfrm>
           <a:prstGeom prst="rect">
@@ -7211,7 +10739,7 @@
         </p:nvSpPr>
         <p:spPr>
           <a:xfrm>
-            <a:off x="1072367" y="739497"/>
+            <a:off x="1072367" y="1053667"/>
             <a:ext cx="10928412" cy="830997"/>
           </a:xfrm>
           <a:prstGeom prst="rect">
@@ -7260,7 +10788,7 @@
         </p:nvSpPr>
         <p:spPr>
           <a:xfrm>
-            <a:off x="1168542" y="1231653"/>
+            <a:off x="1168542" y="1577433"/>
             <a:ext cx="7947945" cy="1323439"/>
           </a:xfrm>
           <a:prstGeom prst="rect">
@@ -7283,7 +10811,7 @@
                 <a:latin typeface="Times New Roman" panose="02020603050405020304" pitchFamily="18" charset="0"/>
                 <a:cs typeface="Times New Roman" panose="02020603050405020304" pitchFamily="18" charset="0"/>
               </a:rPr>
-              <a:t>Historical Price Chart API - 1, 3, 5 day periods with up to 600 data points</a:t>
+              <a:t>Historical Price Chart API</a:t>
             </a:r>
           </a:p>
           <a:p>
@@ -7296,7 +10824,7 @@
                 <a:latin typeface="Times New Roman" panose="02020603050405020304" pitchFamily="18" charset="0"/>
                 <a:cs typeface="Times New Roman" panose="02020603050405020304" pitchFamily="18" charset="0"/>
               </a:rPr>
-              <a:t>Current Stock Price API - Real-time OHLC, volume, market value</a:t>
+              <a:t>Current Stock Price API </a:t>
             </a:r>
           </a:p>
           <a:p>
@@ -7309,7 +10837,7 @@
                 <a:latin typeface="Times New Roman" panose="02020603050405020304" pitchFamily="18" charset="0"/>
                 <a:cs typeface="Times New Roman" panose="02020603050405020304" pitchFamily="18" charset="0"/>
               </a:rPr>
-              <a:t>Stock Search API - Find companies by name or symbol</a:t>
+              <a:t>Stock Search API</a:t>
             </a:r>
           </a:p>
           <a:p>
@@ -7322,7 +10850,7 @@
                 <a:latin typeface="Times New Roman" panose="02020603050405020304" pitchFamily="18" charset="0"/>
                 <a:cs typeface="Times New Roman" panose="02020603050405020304" pitchFamily="18" charset="0"/>
               </a:rPr>
-              <a:t>Company Information API - Detailed business background</a:t>
+              <a:t>Company Information API</a:t>
             </a:r>
             <a:endParaRPr lang="en-IN" sz="2000" dirty="0">
               <a:latin typeface="Times New Roman" panose="02020603050405020304" pitchFamily="18" charset="0"/>
@@ -7345,7 +10873,7 @@
         </p:nvSpPr>
         <p:spPr>
           <a:xfrm>
-            <a:off x="1072367" y="2771627"/>
+            <a:off x="1072367" y="3117407"/>
             <a:ext cx="7431551" cy="461665"/>
           </a:xfrm>
           <a:prstGeom prst="rect">
@@ -7371,65 +10899,6 @@
             <a:endParaRPr lang="en-IN" sz="2400" b="1" kern="100" dirty="0">
               <a:latin typeface="Times New Roman" panose="02020603050405020304" pitchFamily="18" charset="0"/>
               <a:ea typeface="Calibri" panose="020F0502020204030204" pitchFamily="34" charset="0"/>
-              <a:cs typeface="Times New Roman" panose="02020603050405020304" pitchFamily="18" charset="0"/>
-            </a:endParaRPr>
-          </a:p>
-        </p:txBody>
-      </p:sp>
-      <p:sp>
-        <p:nvSpPr>
-          <p:cNvPr id="2" name="TextBox 9">
-            <a:extLst>
-              <a:ext uri="{FF2B5EF4-FFF2-40B4-BE49-F238E27FC236}">
-                <a16:creationId xmlns:a16="http://schemas.microsoft.com/office/drawing/2014/main" id="{635D0E6F-1E0C-083F-C1F5-D4072C2E1ADA}"/>
-              </a:ext>
-            </a:extLst>
-          </p:cNvPr>
-          <p:cNvSpPr txBox="1"/>
-          <p:nvPr/>
-        </p:nvSpPr>
-        <p:spPr>
-          <a:xfrm>
-            <a:off x="1168542" y="3270766"/>
-            <a:ext cx="6094520" cy="707886"/>
-          </a:xfrm>
-          <a:prstGeom prst="rect">
-            <a:avLst/>
-          </a:prstGeom>
-          <a:noFill/>
-        </p:spPr>
-        <p:txBody>
-          <a:bodyPr wrap="square">
-            <a:spAutoFit/>
-          </a:bodyPr>
-          <a:lstStyle/>
-          <a:p>
-            <a:pPr marL="285750" lvl="0" indent="-285750">
-              <a:buFont typeface="Arial" panose="020B0604020202020204" pitchFamily="34" charset="0"/>
-              <a:buChar char="•"/>
-            </a:pPr>
-            <a:r>
-              <a:rPr lang="en-US" sz="2000" dirty="0">
-                <a:latin typeface="Times New Roman" panose="02020603050405020304" pitchFamily="18" charset="0"/>
-                <a:cs typeface="Times New Roman" panose="02020603050405020304" pitchFamily="18" charset="0"/>
-              </a:rPr>
-              <a:t>Completely free with unlimited access</a:t>
-            </a:r>
-          </a:p>
-          <a:p>
-            <a:pPr marL="285750" lvl="0" indent="-285750">
-              <a:buFont typeface="Arial" panose="020B0604020202020204" pitchFamily="34" charset="0"/>
-              <a:buChar char="•"/>
-            </a:pPr>
-            <a:r>
-              <a:rPr lang="en-US" sz="2000" dirty="0">
-                <a:latin typeface="Times New Roman" panose="02020603050405020304" pitchFamily="18" charset="0"/>
-                <a:cs typeface="Times New Roman" panose="02020603050405020304" pitchFamily="18" charset="0"/>
-              </a:rPr>
-              <a:t>High-quality data with 2-15 minute update intervals</a:t>
-            </a:r>
-            <a:endParaRPr lang="en-IN" sz="2000" dirty="0">
-              <a:latin typeface="Times New Roman" panose="02020603050405020304" pitchFamily="18" charset="0"/>
               <a:cs typeface="Times New Roman" panose="02020603050405020304" pitchFamily="18" charset="0"/>
             </a:endParaRPr>
           </a:p>
@@ -7449,7 +10918,7 @@
         </p:nvSpPr>
         <p:spPr>
           <a:xfrm>
-            <a:off x="1168542" y="4224468"/>
+            <a:off x="1168542" y="3986262"/>
             <a:ext cx="6094520" cy="461665"/>
           </a:xfrm>
           <a:prstGeom prst="rect">
@@ -7475,78 +10944,6 @@
             <a:endParaRPr lang="en-IN" sz="2400" b="1" kern="100" dirty="0">
               <a:latin typeface="Times New Roman" panose="02020603050405020304" pitchFamily="18" charset="0"/>
               <a:ea typeface="Calibri" panose="020F0502020204030204" pitchFamily="34" charset="0"/>
-              <a:cs typeface="Times New Roman" panose="02020603050405020304" pitchFamily="18" charset="0"/>
-            </a:endParaRPr>
-          </a:p>
-        </p:txBody>
-      </p:sp>
-      <p:sp>
-        <p:nvSpPr>
-          <p:cNvPr id="9" name="TextBox 9">
-            <a:extLst>
-              <a:ext uri="{FF2B5EF4-FFF2-40B4-BE49-F238E27FC236}">
-                <a16:creationId xmlns:a16="http://schemas.microsoft.com/office/drawing/2014/main" id="{AC7873B3-28D5-F97C-3066-10F21EB64D13}"/>
-              </a:ext>
-            </a:extLst>
-          </p:cNvPr>
-          <p:cNvSpPr txBox="1"/>
-          <p:nvPr/>
-        </p:nvSpPr>
-        <p:spPr>
-          <a:xfrm>
-            <a:off x="1168542" y="4822515"/>
-            <a:ext cx="6094520" cy="1015663"/>
-          </a:xfrm>
-          <a:prstGeom prst="rect">
-            <a:avLst/>
-          </a:prstGeom>
-          <a:noFill/>
-        </p:spPr>
-        <p:txBody>
-          <a:bodyPr wrap="square">
-            <a:spAutoFit/>
-          </a:bodyPr>
-          <a:lstStyle/>
-          <a:p>
-            <a:pPr marL="285750" indent="-285750">
-              <a:buFont typeface="Arial" panose="020B0604020202020204" pitchFamily="34" charset="0"/>
-              <a:buChar char="•"/>
-            </a:pPr>
-            <a:r>
-              <a:rPr lang="en-US" sz="2000" dirty="0">
-                <a:latin typeface="Times New Roman" panose="02020603050405020304" pitchFamily="18" charset="0"/>
-                <a:cs typeface="Times New Roman" panose="02020603050405020304" pitchFamily="18" charset="0"/>
-              </a:rPr>
-              <a:t>Automatic retry system for failed requests</a:t>
-            </a:r>
-          </a:p>
-          <a:p>
-            <a:pPr marL="285750" indent="-285750">
-              <a:buFont typeface="Arial" panose="020B0604020202020204" pitchFamily="34" charset="0"/>
-              <a:buChar char="•"/>
-            </a:pPr>
-            <a:r>
-              <a:rPr lang="en-US" sz="2000" dirty="0">
-                <a:latin typeface="Times New Roman" panose="02020603050405020304" pitchFamily="18" charset="0"/>
-                <a:cs typeface="Times New Roman" panose="02020603050405020304" pitchFamily="18" charset="0"/>
-              </a:rPr>
-              <a:t>Up to 3 retry attempts with intelligent waiting</a:t>
-            </a:r>
-          </a:p>
-          <a:p>
-            <a:pPr marL="285750" indent="-285750">
-              <a:buFont typeface="Arial" panose="020B0604020202020204" pitchFamily="34" charset="0"/>
-              <a:buChar char="•"/>
-            </a:pPr>
-            <a:r>
-              <a:rPr lang="en-US" sz="2000" dirty="0">
-                <a:latin typeface="Times New Roman" panose="02020603050405020304" pitchFamily="18" charset="0"/>
-                <a:cs typeface="Times New Roman" panose="02020603050405020304" pitchFamily="18" charset="0"/>
-              </a:rPr>
-              <a:t>Smooth service operation despite external issues</a:t>
-            </a:r>
-            <a:endParaRPr lang="en-IN" sz="2000" dirty="0">
-              <a:latin typeface="Times New Roman" panose="02020603050405020304" pitchFamily="18" charset="0"/>
               <a:cs typeface="Times New Roman" panose="02020603050405020304" pitchFamily="18" charset="0"/>
             </a:endParaRPr>
           </a:p>
@@ -7596,7 +10993,7 @@
         </p:nvSpPr>
         <p:spPr>
           <a:xfrm>
-            <a:off x="1733365" y="0"/>
+            <a:off x="1725681" y="136157"/>
             <a:ext cx="8175948" cy="584775"/>
           </a:xfrm>
           <a:prstGeom prst="rect">
@@ -7643,7 +11040,7 @@
         </p:nvSpPr>
         <p:spPr>
           <a:xfrm>
-            <a:off x="1072367" y="739497"/>
+            <a:off x="1072367" y="1229854"/>
             <a:ext cx="10928412" cy="461665"/>
           </a:xfrm>
           <a:prstGeom prst="rect">
@@ -7684,7 +11081,7 @@
         </p:nvSpPr>
         <p:spPr>
           <a:xfrm>
-            <a:off x="1168542" y="1231653"/>
+            <a:off x="1168542" y="1754165"/>
             <a:ext cx="9586544" cy="1015663"/>
           </a:xfrm>
           <a:prstGeom prst="rect">
@@ -7707,7 +11104,7 @@
                 <a:latin typeface="Times New Roman" panose="02020603050405020304" pitchFamily="18" charset="0"/>
                 <a:cs typeface="Times New Roman" panose="02020603050405020304" pitchFamily="18" charset="0"/>
               </a:rPr>
-              <a:t>CORS configuration - Enable cross-origin requests for frontend access</a:t>
+              <a:t>CORS configuration</a:t>
             </a:r>
           </a:p>
           <a:p>
@@ -7720,7 +11117,7 @@
                 <a:latin typeface="Times New Roman" panose="02020603050405020304" pitchFamily="18" charset="0"/>
                 <a:cs typeface="Times New Roman" panose="02020603050405020304" pitchFamily="18" charset="0"/>
               </a:rPr>
-              <a:t>RESTful endpoints - Standardized API routes for all frontend operations</a:t>
+              <a:t>RESTful endpoints</a:t>
             </a:r>
           </a:p>
           <a:p>
@@ -7733,7 +11130,7 @@
                 <a:latin typeface="Times New Roman" panose="02020603050405020304" pitchFamily="18" charset="0"/>
                 <a:cs typeface="Times New Roman" panose="02020603050405020304" pitchFamily="18" charset="0"/>
               </a:rPr>
-              <a:t>Error handling middleware - Consistent error responses across all APIs</a:t>
+              <a:t>Error handling middleware</a:t>
             </a:r>
             <a:endParaRPr lang="en-IN" sz="2000" dirty="0">
               <a:latin typeface="Times New Roman" panose="02020603050405020304" pitchFamily="18" charset="0"/>
@@ -7756,7 +11153,7 @@
         </p:nvSpPr>
         <p:spPr>
           <a:xfrm>
-            <a:off x="1072367" y="2771627"/>
+            <a:off x="1072367" y="3294139"/>
             <a:ext cx="7431551" cy="461665"/>
           </a:xfrm>
           <a:prstGeom prst="rect">
@@ -7782,78 +11179,6 @@
             <a:endParaRPr lang="en-IN" sz="2400" b="1" kern="100" dirty="0">
               <a:latin typeface="Times New Roman" panose="02020603050405020304" pitchFamily="18" charset="0"/>
               <a:ea typeface="Calibri" panose="020F0502020204030204" pitchFamily="34" charset="0"/>
-              <a:cs typeface="Times New Roman" panose="02020603050405020304" pitchFamily="18" charset="0"/>
-            </a:endParaRPr>
-          </a:p>
-        </p:txBody>
-      </p:sp>
-      <p:sp>
-        <p:nvSpPr>
-          <p:cNvPr id="2" name="TextBox 9">
-            <a:extLst>
-              <a:ext uri="{FF2B5EF4-FFF2-40B4-BE49-F238E27FC236}">
-                <a16:creationId xmlns:a16="http://schemas.microsoft.com/office/drawing/2014/main" id="{635D0E6F-1E0C-083F-C1F5-D4072C2E1ADA}"/>
-              </a:ext>
-            </a:extLst>
-          </p:cNvPr>
-          <p:cNvSpPr txBox="1"/>
-          <p:nvPr/>
-        </p:nvSpPr>
-        <p:spPr>
-          <a:xfrm>
-            <a:off x="1168541" y="3270766"/>
-            <a:ext cx="9586543" cy="1015663"/>
-          </a:xfrm>
-          <a:prstGeom prst="rect">
-            <a:avLst/>
-          </a:prstGeom>
-          <a:noFill/>
-        </p:spPr>
-        <p:txBody>
-          <a:bodyPr wrap="square">
-            <a:spAutoFit/>
-          </a:bodyPr>
-          <a:lstStyle/>
-          <a:p>
-            <a:pPr marL="285750" lvl="0" indent="-285750">
-              <a:buFont typeface="Arial" panose="020B0604020202020204" pitchFamily="34" charset="0"/>
-              <a:buChar char="•"/>
-            </a:pPr>
-            <a:r>
-              <a:rPr lang="en-US" sz="2000" dirty="0">
-                <a:latin typeface="Times New Roman" panose="02020603050405020304" pitchFamily="18" charset="0"/>
-                <a:cs typeface="Times New Roman" panose="02020603050405020304" pitchFamily="18" charset="0"/>
-              </a:rPr>
-              <a:t>Branch management strategy with main, development, and feature branches</a:t>
-            </a:r>
-          </a:p>
-          <a:p>
-            <a:pPr marL="285750" lvl="0" indent="-285750">
-              <a:buFont typeface="Arial" panose="020B0604020202020204" pitchFamily="34" charset="0"/>
-              <a:buChar char="•"/>
-            </a:pPr>
-            <a:r>
-              <a:rPr lang="en-US" sz="2000" dirty="0">
-                <a:latin typeface="Times New Roman" panose="02020603050405020304" pitchFamily="18" charset="0"/>
-                <a:cs typeface="Times New Roman" panose="02020603050405020304" pitchFamily="18" charset="0"/>
-              </a:rPr>
-              <a:t>Pull request reviews and merge conflict resolution</a:t>
-            </a:r>
-          </a:p>
-          <a:p>
-            <a:pPr marL="285750" lvl="0" indent="-285750">
-              <a:buFont typeface="Arial" panose="020B0604020202020204" pitchFamily="34" charset="0"/>
-              <a:buChar char="•"/>
-            </a:pPr>
-            <a:r>
-              <a:rPr lang="en-US" sz="2000" dirty="0">
-                <a:latin typeface="Times New Roman" panose="02020603050405020304" pitchFamily="18" charset="0"/>
-                <a:cs typeface="Times New Roman" panose="02020603050405020304" pitchFamily="18" charset="0"/>
-              </a:rPr>
-              <a:t>Release tagging and deployment coordination</a:t>
-            </a:r>
-            <a:endParaRPr lang="en-IN" sz="2000" dirty="0">
-              <a:latin typeface="Times New Roman" panose="02020603050405020304" pitchFamily="18" charset="0"/>
               <a:cs typeface="Times New Roman" panose="02020603050405020304" pitchFamily="18" charset="0"/>
             </a:endParaRPr>
           </a:p>
@@ -7873,7 +11198,7 @@
         </p:nvSpPr>
         <p:spPr>
           <a:xfrm>
-            <a:off x="1168542" y="4224468"/>
+            <a:off x="1072367" y="4049282"/>
             <a:ext cx="8269372" cy="461665"/>
           </a:xfrm>
           <a:prstGeom prst="rect">
@@ -7901,48 +11226,6 @@
               <a:ea typeface="Calibri" panose="020F0502020204030204" pitchFamily="34" charset="0"/>
               <a:cs typeface="Times New Roman" panose="02020603050405020304" pitchFamily="18" charset="0"/>
             </a:endParaRPr>
-          </a:p>
-        </p:txBody>
-      </p:sp>
-      <p:sp>
-        <p:nvSpPr>
-          <p:cNvPr id="9" name="TextBox 9">
-            <a:extLst>
-              <a:ext uri="{FF2B5EF4-FFF2-40B4-BE49-F238E27FC236}">
-                <a16:creationId xmlns:a16="http://schemas.microsoft.com/office/drawing/2014/main" id="{AC7873B3-28D5-F97C-3066-10F21EB64D13}"/>
-              </a:ext>
-            </a:extLst>
-          </p:cNvPr>
-          <p:cNvSpPr txBox="1"/>
-          <p:nvPr/>
-        </p:nvSpPr>
-        <p:spPr>
-          <a:xfrm>
-            <a:off x="1168541" y="4822515"/>
-            <a:ext cx="8127857" cy="400110"/>
-          </a:xfrm>
-          <a:prstGeom prst="rect">
-            <a:avLst/>
-          </a:prstGeom>
-          <a:noFill/>
-        </p:spPr>
-        <p:txBody>
-          <a:bodyPr wrap="square">
-            <a:spAutoFit/>
-          </a:bodyPr>
-          <a:lstStyle/>
-          <a:p>
-            <a:pPr marL="285750" indent="-285750">
-              <a:buFont typeface="Arial" panose="020B0604020202020204" pitchFamily="34" charset="0"/>
-              <a:buChar char="•"/>
-            </a:pPr>
-            <a:r>
-              <a:rPr lang="en-US" sz="2000" dirty="0">
-                <a:latin typeface="Times New Roman" panose="02020603050405020304" pitchFamily="18" charset="0"/>
-                <a:cs typeface="Times New Roman" panose="02020603050405020304" pitchFamily="18" charset="0"/>
-              </a:rPr>
-              <a:t>Interactive API documentation with live testing capabilities</a:t>
-            </a:r>
           </a:p>
         </p:txBody>
       </p:sp>
@@ -7990,7 +11273,7 @@
         </p:nvSpPr>
         <p:spPr>
           <a:xfrm>
-            <a:off x="1733365" y="0"/>
+            <a:off x="1733365" y="339134"/>
             <a:ext cx="8175948" cy="584775"/>
           </a:xfrm>
           <a:prstGeom prst="rect">
@@ -8037,7 +11320,7 @@
         </p:nvSpPr>
         <p:spPr>
           <a:xfrm>
-            <a:off x="1072367" y="739497"/>
+            <a:off x="1072367" y="1262463"/>
             <a:ext cx="10928412" cy="461665"/>
           </a:xfrm>
           <a:prstGeom prst="rect">
@@ -8078,7 +11361,7 @@
         </p:nvSpPr>
         <p:spPr>
           <a:xfrm>
-            <a:off x="1168542" y="1144565"/>
+            <a:off x="1168542" y="2005174"/>
             <a:ext cx="9586544" cy="1015663"/>
           </a:xfrm>
           <a:prstGeom prst="rect">
@@ -8101,7 +11384,7 @@
                 <a:latin typeface="Times New Roman" panose="02020603050405020304" pitchFamily="18" charset="0"/>
                 <a:cs typeface="Times New Roman" panose="02020603050405020304" pitchFamily="18" charset="0"/>
               </a:rPr>
-              <a:t>Dashboard (index.html) - Portfolio overview, charts, trading records</a:t>
+              <a:t>Dashboard (index.html)</a:t>
             </a:r>
           </a:p>
           <a:p>
@@ -8114,7 +11397,7 @@
                 <a:latin typeface="Times New Roman" panose="02020603050405020304" pitchFamily="18" charset="0"/>
                 <a:cs typeface="Times New Roman" panose="02020603050405020304" pitchFamily="18" charset="0"/>
               </a:rPr>
-              <a:t>Buy Page (buy-stock.html) - Stock selection, price display, purchase interface</a:t>
+              <a:t>Buy Page (buy-stock.html)</a:t>
             </a:r>
           </a:p>
           <a:p>
@@ -8127,7 +11410,7 @@
                 <a:latin typeface="Times New Roman" panose="02020603050405020304" pitchFamily="18" charset="0"/>
                 <a:cs typeface="Times New Roman" panose="02020603050405020304" pitchFamily="18" charset="0"/>
               </a:rPr>
-              <a:t>Sell Page (sell-stock.html) - Holdings view, quantity selection, sale execution</a:t>
+              <a:t>Sell Page (sell-stock.html)</a:t>
             </a:r>
             <a:endParaRPr lang="en-IN" sz="2000" dirty="0">
               <a:latin typeface="Times New Roman" panose="02020603050405020304" pitchFamily="18" charset="0"/>
@@ -8150,7 +11433,7 @@
         </p:nvSpPr>
         <p:spPr>
           <a:xfrm>
-            <a:off x="1072367" y="2172334"/>
+            <a:off x="1072367" y="3301883"/>
             <a:ext cx="7431551" cy="461665"/>
           </a:xfrm>
           <a:prstGeom prst="rect">
@@ -8181,308 +11464,10 @@
           </a:p>
         </p:txBody>
       </p:sp>
-      <p:sp>
-        <p:nvSpPr>
-          <p:cNvPr id="2" name="TextBox 9">
-            <a:extLst>
-              <a:ext uri="{FF2B5EF4-FFF2-40B4-BE49-F238E27FC236}">
-                <a16:creationId xmlns:a16="http://schemas.microsoft.com/office/drawing/2014/main" id="{635D0E6F-1E0C-083F-C1F5-D4072C2E1ADA}"/>
-              </a:ext>
-            </a:extLst>
-          </p:cNvPr>
-          <p:cNvSpPr txBox="1"/>
-          <p:nvPr/>
-        </p:nvSpPr>
-        <p:spPr>
-          <a:xfrm>
-            <a:off x="1168543" y="2575491"/>
-            <a:ext cx="9586543" cy="1015663"/>
-          </a:xfrm>
-          <a:prstGeom prst="rect">
-            <a:avLst/>
-          </a:prstGeom>
-          <a:noFill/>
-        </p:spPr>
-        <p:txBody>
-          <a:bodyPr wrap="square">
-            <a:spAutoFit/>
-          </a:bodyPr>
-          <a:lstStyle/>
-          <a:p>
-            <a:pPr marL="285750" lvl="0" indent="-285750">
-              <a:buFont typeface="Arial" panose="020B0604020202020204" pitchFamily="34" charset="0"/>
-              <a:buChar char="•"/>
-            </a:pPr>
-            <a:r>
-              <a:rPr lang="en-US" sz="2000" dirty="0">
-                <a:latin typeface="Times New Roman" panose="02020603050405020304" pitchFamily="18" charset="0"/>
-                <a:cs typeface="Times New Roman" panose="02020603050405020304" pitchFamily="18" charset="0"/>
-              </a:rPr>
-              <a:t>Real-time stock price charts with 1, 3, 5-day timeframes</a:t>
-            </a:r>
-          </a:p>
-          <a:p>
-            <a:pPr marL="285750" lvl="0" indent="-285750">
-              <a:buFont typeface="Arial" panose="020B0604020202020204" pitchFamily="34" charset="0"/>
-              <a:buChar char="•"/>
-            </a:pPr>
-            <a:r>
-              <a:rPr lang="en-US" sz="2000" dirty="0">
-                <a:latin typeface="Times New Roman" panose="02020603050405020304" pitchFamily="18" charset="0"/>
-                <a:cs typeface="Times New Roman" panose="02020603050405020304" pitchFamily="18" charset="0"/>
-              </a:rPr>
-              <a:t>Portfolio asset distribution pie charts with dynamic updates</a:t>
-            </a:r>
-          </a:p>
-          <a:p>
-            <a:pPr marL="285750" lvl="0" indent="-285750">
-              <a:buFont typeface="Arial" panose="020B0604020202020204" pitchFamily="34" charset="0"/>
-              <a:buChar char="•"/>
-            </a:pPr>
-            <a:r>
-              <a:rPr lang="en-US" sz="2000" dirty="0">
-                <a:latin typeface="Times New Roman" panose="02020603050405020304" pitchFamily="18" charset="0"/>
-                <a:cs typeface="Times New Roman" panose="02020603050405020304" pitchFamily="18" charset="0"/>
-              </a:rPr>
-              <a:t>Performance metrics and mini-charts for individual stocks</a:t>
-            </a:r>
-            <a:endParaRPr lang="en-IN" sz="2000" dirty="0">
-              <a:latin typeface="Times New Roman" panose="02020603050405020304" pitchFamily="18" charset="0"/>
-              <a:cs typeface="Times New Roman" panose="02020603050405020304" pitchFamily="18" charset="0"/>
-            </a:endParaRPr>
-          </a:p>
-        </p:txBody>
-      </p:sp>
-      <p:sp>
-        <p:nvSpPr>
-          <p:cNvPr id="3" name="TextBox 9">
-            <a:extLst>
-              <a:ext uri="{FF2B5EF4-FFF2-40B4-BE49-F238E27FC236}">
-                <a16:creationId xmlns:a16="http://schemas.microsoft.com/office/drawing/2014/main" id="{3DCB56FA-4174-3D81-84F4-A0D1F56131CF}"/>
-              </a:ext>
-            </a:extLst>
-          </p:cNvPr>
-          <p:cNvSpPr txBox="1"/>
-          <p:nvPr/>
-        </p:nvSpPr>
-        <p:spPr>
-          <a:xfrm>
-            <a:off x="1168542" y="3559156"/>
-            <a:ext cx="8269372" cy="461665"/>
-          </a:xfrm>
-          <a:prstGeom prst="rect">
-            <a:avLst/>
-          </a:prstGeom>
-          <a:noFill/>
-        </p:spPr>
-        <p:txBody>
-          <a:bodyPr wrap="square">
-            <a:spAutoFit/>
-          </a:bodyPr>
-          <a:lstStyle/>
-          <a:p>
-            <a:pPr lvl="0"/>
-            <a:r>
-              <a:rPr lang="en-US" sz="2400" b="1" kern="100" dirty="0">
-                <a:latin typeface="Times New Roman" panose="02020603050405020304" pitchFamily="18" charset="0"/>
-                <a:ea typeface="Calibri" panose="020F0502020204030204" pitchFamily="34" charset="0"/>
-                <a:cs typeface="Times New Roman" panose="02020603050405020304" pitchFamily="18" charset="0"/>
-              </a:rPr>
-              <a:t>Modern responsive design with Tailwind CSS</a:t>
-            </a:r>
-            <a:endParaRPr lang="en-IN" sz="2400" b="1" kern="100" dirty="0">
-              <a:latin typeface="Times New Roman" panose="02020603050405020304" pitchFamily="18" charset="0"/>
-              <a:ea typeface="Calibri" panose="020F0502020204030204" pitchFamily="34" charset="0"/>
-              <a:cs typeface="Times New Roman" panose="02020603050405020304" pitchFamily="18" charset="0"/>
-            </a:endParaRPr>
-          </a:p>
-        </p:txBody>
-      </p:sp>
-      <p:sp>
-        <p:nvSpPr>
-          <p:cNvPr id="9" name="TextBox 9">
-            <a:extLst>
-              <a:ext uri="{FF2B5EF4-FFF2-40B4-BE49-F238E27FC236}">
-                <a16:creationId xmlns:a16="http://schemas.microsoft.com/office/drawing/2014/main" id="{AC7873B3-28D5-F97C-3066-10F21EB64D13}"/>
-              </a:ext>
-            </a:extLst>
-          </p:cNvPr>
-          <p:cNvSpPr txBox="1"/>
-          <p:nvPr/>
-        </p:nvSpPr>
-        <p:spPr>
-          <a:xfrm>
-            <a:off x="1127173" y="3940422"/>
-            <a:ext cx="8127857" cy="1015663"/>
-          </a:xfrm>
-          <a:prstGeom prst="rect">
-            <a:avLst/>
-          </a:prstGeom>
-          <a:noFill/>
-        </p:spPr>
-        <p:txBody>
-          <a:bodyPr wrap="square">
-            <a:spAutoFit/>
-          </a:bodyPr>
-          <a:lstStyle/>
-          <a:p>
-            <a:pPr marL="285750" indent="-285750">
-              <a:buFont typeface="Arial" panose="020B0604020202020204" pitchFamily="34" charset="0"/>
-              <a:buChar char="•"/>
-            </a:pPr>
-            <a:r>
-              <a:rPr lang="en-US" sz="2000" dirty="0">
-                <a:latin typeface="Times New Roman" panose="02020603050405020304" pitchFamily="18" charset="0"/>
-                <a:cs typeface="Times New Roman" panose="02020603050405020304" pitchFamily="18" charset="0"/>
-              </a:rPr>
-              <a:t>Mobile-first approach ensuring cross-device compatibility</a:t>
-            </a:r>
-          </a:p>
-          <a:p>
-            <a:pPr marL="285750" indent="-285750">
-              <a:buFont typeface="Arial" panose="020B0604020202020204" pitchFamily="34" charset="0"/>
-              <a:buChar char="•"/>
-            </a:pPr>
-            <a:r>
-              <a:rPr lang="en-US" sz="2000" dirty="0">
-                <a:latin typeface="Times New Roman" panose="02020603050405020304" pitchFamily="18" charset="0"/>
-                <a:cs typeface="Times New Roman" panose="02020603050405020304" pitchFamily="18" charset="0"/>
-              </a:rPr>
-              <a:t>Professional UI components with hover effects and animations</a:t>
-            </a:r>
-          </a:p>
-          <a:p>
-            <a:pPr marL="285750" indent="-285750">
-              <a:buFont typeface="Arial" panose="020B0604020202020204" pitchFamily="34" charset="0"/>
-              <a:buChar char="•"/>
-            </a:pPr>
-            <a:r>
-              <a:rPr lang="en-US" sz="2000" dirty="0">
-                <a:latin typeface="Times New Roman" panose="02020603050405020304" pitchFamily="18" charset="0"/>
-                <a:cs typeface="Times New Roman" panose="02020603050405020304" pitchFamily="18" charset="0"/>
-              </a:rPr>
-              <a:t>Consistent color scheme and typography throughout the application</a:t>
-            </a:r>
-          </a:p>
-        </p:txBody>
-      </p:sp>
-      <p:sp>
-        <p:nvSpPr>
-          <p:cNvPr id="5" name="TextBox 9">
-            <a:extLst>
-              <a:ext uri="{FF2B5EF4-FFF2-40B4-BE49-F238E27FC236}">
-                <a16:creationId xmlns:a16="http://schemas.microsoft.com/office/drawing/2014/main" id="{8FF06365-1FBE-EE05-7070-D2A4D69D486A}"/>
-              </a:ext>
-            </a:extLst>
-          </p:cNvPr>
-          <p:cNvSpPr txBox="1"/>
-          <p:nvPr/>
-        </p:nvSpPr>
-        <p:spPr>
-          <a:xfrm>
-            <a:off x="1127173" y="4897577"/>
-            <a:ext cx="8269372" cy="461665"/>
-          </a:xfrm>
-          <a:prstGeom prst="rect">
-            <a:avLst/>
-          </a:prstGeom>
-          <a:noFill/>
-        </p:spPr>
-        <p:txBody>
-          <a:bodyPr wrap="square">
-            <a:spAutoFit/>
-          </a:bodyPr>
-          <a:lstStyle/>
-          <a:p>
-            <a:pPr lvl="0"/>
-            <a:r>
-              <a:rPr lang="en-US" sz="2400" b="1" kern="100" dirty="0">
-                <a:latin typeface="Times New Roman" panose="02020603050405020304" pitchFamily="18" charset="0"/>
-                <a:ea typeface="Calibri" panose="020F0502020204030204" pitchFamily="34" charset="0"/>
-                <a:cs typeface="Times New Roman" panose="02020603050405020304" pitchFamily="18" charset="0"/>
-              </a:rPr>
-              <a:t>User experience optimization and form validation</a:t>
-            </a:r>
-            <a:endParaRPr lang="en-IN" sz="2400" b="1" kern="100" dirty="0">
-              <a:latin typeface="Times New Roman" panose="02020603050405020304" pitchFamily="18" charset="0"/>
-              <a:ea typeface="Calibri" panose="020F0502020204030204" pitchFamily="34" charset="0"/>
-              <a:cs typeface="Times New Roman" panose="02020603050405020304" pitchFamily="18" charset="0"/>
-            </a:endParaRPr>
-          </a:p>
-        </p:txBody>
-      </p:sp>
-      <p:sp>
-        <p:nvSpPr>
-          <p:cNvPr id="8" name="TextBox 9">
-            <a:extLst>
-              <a:ext uri="{FF2B5EF4-FFF2-40B4-BE49-F238E27FC236}">
-                <a16:creationId xmlns:a16="http://schemas.microsoft.com/office/drawing/2014/main" id="{D74A3818-E1F6-FF58-1FB7-615C11112C5E}"/>
-              </a:ext>
-            </a:extLst>
-          </p:cNvPr>
-          <p:cNvSpPr txBox="1"/>
-          <p:nvPr/>
-        </p:nvSpPr>
-        <p:spPr>
-          <a:xfrm>
-            <a:off x="1072367" y="5325009"/>
-            <a:ext cx="8127857" cy="1015663"/>
-          </a:xfrm>
-          <a:prstGeom prst="rect">
-            <a:avLst/>
-          </a:prstGeom>
-          <a:noFill/>
-        </p:spPr>
-        <p:txBody>
-          <a:bodyPr wrap="square">
-            <a:spAutoFit/>
-          </a:bodyPr>
-          <a:lstStyle/>
-          <a:p>
-            <a:pPr marL="285750" indent="-285750">
-              <a:buFont typeface="Arial" panose="020B0604020202020204" pitchFamily="34" charset="0"/>
-              <a:buChar char="•"/>
-            </a:pPr>
-            <a:r>
-              <a:rPr lang="en-US" sz="2000" dirty="0">
-                <a:latin typeface="Times New Roman" panose="02020603050405020304" pitchFamily="18" charset="0"/>
-                <a:cs typeface="Times New Roman" panose="02020603050405020304" pitchFamily="18" charset="0"/>
-              </a:rPr>
-              <a:t>Real-time form validation for buy/sell operations</a:t>
-            </a:r>
-          </a:p>
-          <a:p>
-            <a:pPr marL="285750" indent="-285750">
-              <a:buFont typeface="Arial" panose="020B0604020202020204" pitchFamily="34" charset="0"/>
-              <a:buChar char="•"/>
-            </a:pPr>
-            <a:r>
-              <a:rPr lang="en-US" sz="2000" dirty="0">
-                <a:latin typeface="Times New Roman" panose="02020603050405020304" pitchFamily="18" charset="0"/>
-                <a:cs typeface="Times New Roman" panose="02020603050405020304" pitchFamily="18" charset="0"/>
-              </a:rPr>
-              <a:t>Success/error modal dialogs for transaction feedback</a:t>
-            </a:r>
-          </a:p>
-          <a:p>
-            <a:pPr marL="285750" indent="-285750">
-              <a:buFont typeface="Arial" panose="020B0604020202020204" pitchFamily="34" charset="0"/>
-              <a:buChar char="•"/>
-            </a:pPr>
-            <a:r>
-              <a:rPr lang="en-US" sz="2000" dirty="0">
-                <a:latin typeface="Times New Roman" panose="02020603050405020304" pitchFamily="18" charset="0"/>
-                <a:cs typeface="Times New Roman" panose="02020603050405020304" pitchFamily="18" charset="0"/>
-              </a:rPr>
-              <a:t>Intuitive navigation flow and loading states for smooth interactions</a:t>
-            </a:r>
-          </a:p>
-        </p:txBody>
-      </p:sp>
     </p:spTree>
     <p:extLst>
       <p:ext uri="{BB962C8B-B14F-4D97-AF65-F5344CB8AC3E}">
-        <p14:creationId xmlns:p14="http://schemas.microsoft.com/office/powerpoint/2010/main" val="2865348247"/>
+        <p14:creationId xmlns:p14="http://schemas.microsoft.com/office/powerpoint/2010/main" val="1700619229"/>
       </p:ext>
     </p:extLst>
   </p:cSld>
@@ -8509,46 +11494,147 @@
           <a:chExt cx="0" cy="0"/>
         </a:xfrm>
       </p:grpSpPr>
-      <p:pic>
-        <p:nvPicPr>
-          <p:cNvPr id="8" name="图片 7">
+      <p:sp>
+        <p:nvSpPr>
+          <p:cNvPr id="4" name="TextBox 3">
             <a:extLst>
               <a:ext uri="{FF2B5EF4-FFF2-40B4-BE49-F238E27FC236}">
-                <a16:creationId xmlns:a16="http://schemas.microsoft.com/office/drawing/2014/main" id="{D8FB9DDE-F3AE-E788-5264-2CF70E9BF117}"/>
+                <a16:creationId xmlns:a16="http://schemas.microsoft.com/office/drawing/2014/main" id="{231AA983-A074-173B-6935-10C227767BBD}"/>
               </a:ext>
             </a:extLst>
           </p:cNvPr>
-          <p:cNvPicPr>
-            <a:picLocks noChangeAspect="1"/>
-          </p:cNvPicPr>
+          <p:cNvSpPr txBox="1"/>
           <p:nvPr/>
-        </p:nvPicPr>
-        <p:blipFill>
-          <a:blip r:embed="rId3">
-            <a:extLst>
-              <a:ext uri="{28A0092B-C50C-407E-A947-70E740481C1C}">
-                <a14:useLocalDpi xmlns:a14="http://schemas.microsoft.com/office/drawing/2010/main" val="0"/>
-              </a:ext>
-            </a:extLst>
-          </a:blip>
-          <a:stretch>
-            <a:fillRect/>
-          </a:stretch>
-        </p:blipFill>
+        </p:nvSpPr>
         <p:spPr>
           <a:xfrm>
-            <a:off x="508000" y="283375"/>
-            <a:ext cx="10553700" cy="5342605"/>
+            <a:off x="1725681" y="253573"/>
+            <a:ext cx="8175948" cy="584775"/>
           </a:xfrm>
           <a:prstGeom prst="rect">
             <a:avLst/>
           </a:prstGeom>
+          <a:noFill/>
         </p:spPr>
-      </p:pic>
+        <p:txBody>
+          <a:bodyPr wrap="square">
+            <a:spAutoFit/>
+          </a:bodyPr>
+          <a:lstStyle/>
+          <a:p>
+            <a:pPr algn="ctr"/>
+            <a:r>
+              <a:rPr lang="en-US" sz="3200" b="1" cap="none" spc="0" dirty="0">
+                <a:ln w="0"/>
+                <a:effectLst>
+                  <a:outerShdw blurRad="38100" dist="19050" dir="2700000" algn="tl" rotWithShape="0">
+                    <a:schemeClr val="dk1">
+                      <a:alpha val="40000"/>
+                    </a:schemeClr>
+                  </a:outerShdw>
+                </a:effectLst>
+                <a:latin typeface="Times New Roman" panose="02020603050405020304" pitchFamily="18" charset="0"/>
+                <a:cs typeface="Times New Roman" panose="02020603050405020304" pitchFamily="18" charset="0"/>
+              </a:rPr>
+              <a:t>Frontend Development</a:t>
+            </a:r>
+          </a:p>
+        </p:txBody>
+      </p:sp>
+      <p:sp>
+        <p:nvSpPr>
+          <p:cNvPr id="3" name="TextBox 9">
+            <a:extLst>
+              <a:ext uri="{FF2B5EF4-FFF2-40B4-BE49-F238E27FC236}">
+                <a16:creationId xmlns:a16="http://schemas.microsoft.com/office/drawing/2014/main" id="{3DCB56FA-4174-3D81-84F4-A0D1F56131CF}"/>
+              </a:ext>
+            </a:extLst>
+          </p:cNvPr>
+          <p:cNvSpPr txBox="1"/>
+          <p:nvPr/>
+        </p:nvSpPr>
+        <p:spPr>
+          <a:xfrm>
+            <a:off x="1127173" y="1738049"/>
+            <a:ext cx="8269372" cy="461665"/>
+          </a:xfrm>
+          <a:prstGeom prst="rect">
+            <a:avLst/>
+          </a:prstGeom>
+          <a:noFill/>
+        </p:spPr>
+        <p:txBody>
+          <a:bodyPr wrap="square">
+            <a:spAutoFit/>
+          </a:bodyPr>
+          <a:lstStyle/>
+          <a:p>
+            <a:pPr lvl="0"/>
+            <a:r>
+              <a:rPr lang="en-US" sz="2400" b="1" kern="100" dirty="0">
+                <a:latin typeface="Times New Roman" panose="02020603050405020304" pitchFamily="18" charset="0"/>
+                <a:ea typeface="Calibri" panose="020F0502020204030204" pitchFamily="34" charset="0"/>
+                <a:cs typeface="Times New Roman" panose="02020603050405020304" pitchFamily="18" charset="0"/>
+              </a:rPr>
+              <a:t>Modern responsive design with Tailwind CSS</a:t>
+            </a:r>
+            <a:endParaRPr lang="en-IN" sz="2400" b="1" kern="100" dirty="0">
+              <a:latin typeface="Times New Roman" panose="02020603050405020304" pitchFamily="18" charset="0"/>
+              <a:ea typeface="Calibri" panose="020F0502020204030204" pitchFamily="34" charset="0"/>
+              <a:cs typeface="Times New Roman" panose="02020603050405020304" pitchFamily="18" charset="0"/>
+            </a:endParaRPr>
+          </a:p>
+        </p:txBody>
+      </p:sp>
+      <p:sp>
+        <p:nvSpPr>
+          <p:cNvPr id="5" name="TextBox 9">
+            <a:extLst>
+              <a:ext uri="{FF2B5EF4-FFF2-40B4-BE49-F238E27FC236}">
+                <a16:creationId xmlns:a16="http://schemas.microsoft.com/office/drawing/2014/main" id="{8FF06365-1FBE-EE05-7070-D2A4D69D486A}"/>
+              </a:ext>
+            </a:extLst>
+          </p:cNvPr>
+          <p:cNvSpPr txBox="1"/>
+          <p:nvPr/>
+        </p:nvSpPr>
+        <p:spPr>
+          <a:xfrm>
+            <a:off x="1127173" y="2669217"/>
+            <a:ext cx="8269372" cy="461665"/>
+          </a:xfrm>
+          <a:prstGeom prst="rect">
+            <a:avLst/>
+          </a:prstGeom>
+          <a:noFill/>
+        </p:spPr>
+        <p:txBody>
+          <a:bodyPr wrap="square">
+            <a:spAutoFit/>
+          </a:bodyPr>
+          <a:lstStyle/>
+          <a:p>
+            <a:pPr lvl="0"/>
+            <a:r>
+              <a:rPr lang="en-US" sz="2400" b="1" kern="100" dirty="0">
+                <a:latin typeface="Times New Roman" panose="02020603050405020304" pitchFamily="18" charset="0"/>
+                <a:ea typeface="Calibri" panose="020F0502020204030204" pitchFamily="34" charset="0"/>
+                <a:cs typeface="Times New Roman" panose="02020603050405020304" pitchFamily="18" charset="0"/>
+              </a:rPr>
+              <a:t>User experience optimization and form validation</a:t>
+            </a:r>
+            <a:endParaRPr lang="en-IN" sz="2400" b="1" kern="100" dirty="0">
+              <a:latin typeface="Times New Roman" panose="02020603050405020304" pitchFamily="18" charset="0"/>
+              <a:ea typeface="Calibri" panose="020F0502020204030204" pitchFamily="34" charset="0"/>
+              <a:cs typeface="Times New Roman" panose="02020603050405020304" pitchFamily="18" charset="0"/>
+            </a:endParaRPr>
+          </a:p>
+        </p:txBody>
+      </p:sp>
     </p:spTree>
     <p:extLst>
       <p:ext uri="{BB962C8B-B14F-4D97-AF65-F5344CB8AC3E}">
-        <p14:creationId xmlns:p14="http://schemas.microsoft.com/office/powerpoint/2010/main" val="1384823430"/>
+        <p14:creationId xmlns:p14="http://schemas.microsoft.com/office/powerpoint/2010/main" val="2865348247"/>
       </p:ext>
     </p:extLst>
   </p:cSld>
@@ -8599,76 +11685,16 @@
         <a:srgbClr val="8C8C8C"/>
       </a:folHlink>
     </a:clrScheme>
-    <a:fontScheme name="Retrospect">
+    <a:fontScheme name="font">
       <a:majorFont>
-        <a:latin typeface="Calibri Light" panose="020F0302020204030204"/>
-        <a:ea typeface=""/>
+        <a:latin typeface="Calibri Light"/>
+        <a:ea typeface="宋体"/>
         <a:cs typeface=""/>
-        <a:font script="Jpan" typeface="ＭＳ Ｐゴシック"/>
-        <a:font script="Hang" typeface="맑은 고딕"/>
-        <a:font script="Hans" typeface="宋体"/>
-        <a:font script="Hant" typeface="新細明體"/>
-        <a:font script="Arab" typeface="Times New Roman"/>
-        <a:font script="Hebr" typeface="Times New Roman"/>
-        <a:font script="Thai" typeface="Angsana New"/>
-        <a:font script="Ethi" typeface="Nyala"/>
-        <a:font script="Beng" typeface="Vrinda"/>
-        <a:font script="Gujr" typeface="Shruti"/>
-        <a:font script="Khmr" typeface="MoolBoran"/>
-        <a:font script="Knda" typeface="Tunga"/>
-        <a:font script="Guru" typeface="Raavi"/>
-        <a:font script="Cans" typeface="Euphemia"/>
-        <a:font script="Cher" typeface="Plantagenet Cherokee"/>
-        <a:font script="Yiii" typeface="Microsoft Yi Baiti"/>
-        <a:font script="Tibt" typeface="Microsoft Himalaya"/>
-        <a:font script="Thaa" typeface="MV Boli"/>
-        <a:font script="Deva" typeface="Mangal"/>
-        <a:font script="Telu" typeface="Gautami"/>
-        <a:font script="Taml" typeface="Latha"/>
-        <a:font script="Syrc" typeface="Estrangelo Edessa"/>
-        <a:font script="Orya" typeface="Kalinga"/>
-        <a:font script="Mlym" typeface="Kartika"/>
-        <a:font script="Laoo" typeface="DokChampa"/>
-        <a:font script="Sinh" typeface="Iskoola Pota"/>
-        <a:font script="Mong" typeface="Mongolian Baiti"/>
-        <a:font script="Viet" typeface="Times New Roman"/>
-        <a:font script="Uigh" typeface="Microsoft Uighur"/>
-        <a:font script="Geor" typeface="Sylfaen"/>
       </a:majorFont>
       <a:minorFont>
-        <a:latin typeface="Calibri" panose="020F0502020204030204"/>
-        <a:ea typeface=""/>
+        <a:latin typeface="Calibri"/>
+        <a:ea typeface="宋体"/>
         <a:cs typeface=""/>
-        <a:font script="Jpan" typeface="ＭＳ Ｐゴシック"/>
-        <a:font script="Hang" typeface="맑은 고딕"/>
-        <a:font script="Hans" typeface="宋体"/>
-        <a:font script="Hant" typeface="新細明體"/>
-        <a:font script="Arab" typeface="Arial"/>
-        <a:font script="Hebr" typeface="Arial"/>
-        <a:font script="Thai" typeface="Cordia New"/>
-        <a:font script="Ethi" typeface="Nyala"/>
-        <a:font script="Beng" typeface="Vrinda"/>
-        <a:font script="Gujr" typeface="Shruti"/>
-        <a:font script="Khmr" typeface="DaunPenh"/>
-        <a:font script="Knda" typeface="Tunga"/>
-        <a:font script="Guru" typeface="Raavi"/>
-        <a:font script="Cans" typeface="Euphemia"/>
-        <a:font script="Cher" typeface="Plantagenet Cherokee"/>
-        <a:font script="Yiii" typeface="Microsoft Yi Baiti"/>
-        <a:font script="Tibt" typeface="Microsoft Himalaya"/>
-        <a:font script="Thaa" typeface="MV Boli"/>
-        <a:font script="Deva" typeface="Mangal"/>
-        <a:font script="Telu" typeface="Gautami"/>
-        <a:font script="Taml" typeface="Latha"/>
-        <a:font script="Syrc" typeface="Estrangelo Edessa"/>
-        <a:font script="Orya" typeface="Kalinga"/>
-        <a:font script="Mlym" typeface="Kartika"/>
-        <a:font script="Laoo" typeface="DokChampa"/>
-        <a:font script="Sinh" typeface="Iskoola Pota"/>
-        <a:font script="Mong" typeface="Mongolian Baiti"/>
-        <a:font script="Viet" typeface="Arial"/>
-        <a:font script="Uigh" typeface="Microsoft Uighur"/>
-        <a:font script="Geor" typeface="Sylfaen"/>
       </a:minorFont>
     </a:fontScheme>
     <a:fmtScheme name="Retrospect">

--- a/Final_ppt.pptx
+++ b/Final_ppt.pptx
@@ -5,24 +5,26 @@
     <p:sldMasterId id="2147483660" r:id="rId1"/>
   </p:sldMasterIdLst>
   <p:notesMasterIdLst>
-    <p:notesMasterId r:id="rId17"/>
+    <p:notesMasterId r:id="rId19"/>
   </p:notesMasterIdLst>
   <p:sldIdLst>
     <p:sldId id="257" r:id="rId2"/>
-    <p:sldId id="256" r:id="rId3"/>
-    <p:sldId id="304" r:id="rId4"/>
-    <p:sldId id="305" r:id="rId5"/>
-    <p:sldId id="307" r:id="rId6"/>
-    <p:sldId id="293" r:id="rId7"/>
-    <p:sldId id="308" r:id="rId8"/>
-    <p:sldId id="312" r:id="rId9"/>
-    <p:sldId id="309" r:id="rId10"/>
-    <p:sldId id="310" r:id="rId11"/>
-    <p:sldId id="311" r:id="rId12"/>
-    <p:sldId id="306" r:id="rId13"/>
-    <p:sldId id="315" r:id="rId14"/>
-    <p:sldId id="316" r:id="rId15"/>
-    <p:sldId id="262" r:id="rId16"/>
+    <p:sldId id="317" r:id="rId3"/>
+    <p:sldId id="256" r:id="rId4"/>
+    <p:sldId id="321" r:id="rId5"/>
+    <p:sldId id="304" r:id="rId6"/>
+    <p:sldId id="305" r:id="rId7"/>
+    <p:sldId id="307" r:id="rId8"/>
+    <p:sldId id="293" r:id="rId9"/>
+    <p:sldId id="322" r:id="rId10"/>
+    <p:sldId id="308" r:id="rId11"/>
+    <p:sldId id="318" r:id="rId12"/>
+    <p:sldId id="320" r:id="rId13"/>
+    <p:sldId id="312" r:id="rId14"/>
+    <p:sldId id="311" r:id="rId15"/>
+    <p:sldId id="319" r:id="rId16"/>
+    <p:sldId id="310" r:id="rId17"/>
+    <p:sldId id="262" r:id="rId18"/>
   </p:sldIdLst>
   <p:sldSz cx="12192000" cy="6858000"/>
   <p:notesSz cx="6858000" cy="9144000"/>
@@ -522,10 +524,6 @@
           <a:bodyPr/>
           <a:lstStyle/>
           <a:p>
-            <a:r>
-              <a:rPr lang="en-US" altLang="zh-CN" dirty="0"/>
-              <a:t>This diagram shows our six core business processes. The PAGE LOAD FLOW automatically fetches user funds and displays account overview. STOCK CHART FLOW lets users select stocks and view real-time charts via Yahoo Finance API. BUY FLOW verifies funds and executes purchases. SELL FLOW checks holdings and processes sales. PORTFOLIO MANAGEMENT handles performance tracking and record management. DATA INTEGRATION ensures seamless API connectivity and data processing across all components.</a:t>
-            </a:r>
             <a:endParaRPr lang="zh-CN" altLang="en-US" dirty="0"/>
           </a:p>
         </p:txBody>
@@ -547,7 +545,7 @@
           <a:p>
             <a:fld id="{54DD4A14-0979-4C4C-862B-F40B61B913F0}" type="slidenum">
               <a:rPr lang="zh-CN" altLang="en-US" smtClean="0"/>
-              <a:t>3</a:t>
+              <a:t>2</a:t>
             </a:fld>
             <a:endParaRPr lang="zh-CN" altLang="en-US"/>
           </a:p>
@@ -556,7 +554,7 @@
     </p:spTree>
     <p:extLst>
       <p:ext uri="{BB962C8B-B14F-4D97-AF65-F5344CB8AC3E}">
-        <p14:creationId xmlns:p14="http://schemas.microsoft.com/office/powerpoint/2010/main" val="4011425749"/>
+        <p14:creationId xmlns:p14="http://schemas.microsoft.com/office/powerpoint/2010/main" val="2134867824"/>
       </p:ext>
     </p:extLst>
   </p:cSld>
@@ -610,34 +608,6 @@
           <a:bodyPr/>
           <a:lstStyle/>
           <a:p>
-            <a:r>
-              <a:rPr lang="en-US" altLang="zh-CN" b="1" dirty="0"/>
-              <a:t>In conclusion, this project taught us that modern financial applications require seamless integration between frontend, backend, and external APIs. We also learned that real-time financial data presents unique challenges in reliability and performance optimization.</a:t>
-            </a:r>
-            <a:endParaRPr lang="en-US" altLang="zh-CN" dirty="0"/>
-          </a:p>
-          <a:p>
-            <a:r>
-              <a:rPr lang="en-US" altLang="zh-CN" b="1" dirty="0"/>
-              <a:t>Given more time, we could have implemented machine learning algorithms for investment predictions and comprehensive risk assessment tools.</a:t>
-            </a:r>
-            <a:endParaRPr lang="en-US" altLang="zh-CN" dirty="0"/>
-          </a:p>
-          <a:p>
-            <a:r>
-              <a:rPr lang="en-US" altLang="zh-CN" b="1" dirty="0"/>
-              <a:t>For future enhancements, we plan to develop a mobile app, advanced charting features, and AI-powered investment recommendations.</a:t>
-            </a:r>
-            <a:endParaRPr lang="en-US" altLang="zh-CN" dirty="0"/>
-          </a:p>
-          <a:p>
-            <a:r>
-              <a:rPr lang="en-US" altLang="zh-CN" b="1" dirty="0"/>
-              <a:t>This project demonstrates valuable workplace skills. It showcases our full-stack development capabilities and API integration expertise. We proved our team collaboration abilities by coordinating frontend and backend development with Git version control. Most importantly, we demonstrated strong problem-solving skills by implementing reliable error handling systems under pressure.</a:t>
-            </a:r>
-            <a:endParaRPr lang="en-US" altLang="zh-CN" dirty="0"/>
-          </a:p>
-          <a:p>
             <a:endParaRPr lang="zh-CN" altLang="en-US" dirty="0"/>
           </a:p>
         </p:txBody>
@@ -668,7 +638,7 @@
     </p:spTree>
     <p:extLst>
       <p:ext uri="{BB962C8B-B14F-4D97-AF65-F5344CB8AC3E}">
-        <p14:creationId xmlns:p14="http://schemas.microsoft.com/office/powerpoint/2010/main" val="495385693"/>
+        <p14:creationId xmlns:p14="http://schemas.microsoft.com/office/powerpoint/2010/main" val="2504208446"/>
       </p:ext>
     </p:extLst>
   </p:cSld>
@@ -722,34 +692,6 @@
           <a:bodyPr/>
           <a:lstStyle/>
           <a:p>
-            <a:r>
-              <a:rPr lang="en-US" altLang="zh-CN" b="1" dirty="0"/>
-              <a:t>In conclusion, this project taught us that modern financial applications require seamless integration between frontend, backend, and external APIs. We also learned that real-time financial data presents unique challenges in reliability and performance optimization.</a:t>
-            </a:r>
-            <a:endParaRPr lang="en-US" altLang="zh-CN" dirty="0"/>
-          </a:p>
-          <a:p>
-            <a:r>
-              <a:rPr lang="en-US" altLang="zh-CN" b="1" dirty="0"/>
-              <a:t>Given more time, we could have implemented machine learning algorithms for investment predictions and comprehensive risk assessment tools.</a:t>
-            </a:r>
-            <a:endParaRPr lang="en-US" altLang="zh-CN" dirty="0"/>
-          </a:p>
-          <a:p>
-            <a:r>
-              <a:rPr lang="en-US" altLang="zh-CN" b="1" dirty="0"/>
-              <a:t>For future enhancements, we plan to develop a mobile app, advanced charting features, and AI-powered investment recommendations.</a:t>
-            </a:r>
-            <a:endParaRPr lang="en-US" altLang="zh-CN" dirty="0"/>
-          </a:p>
-          <a:p>
-            <a:r>
-              <a:rPr lang="en-US" altLang="zh-CN" b="1" dirty="0"/>
-              <a:t>This project demonstrates valuable workplace skills. It showcases our full-stack development capabilities and API integration expertise. We proved our team collaboration abilities by coordinating frontend and backend development with Git version control. Most importantly, we demonstrated strong problem-solving skills by implementing reliable error handling systems under pressure.</a:t>
-            </a:r>
-            <a:endParaRPr lang="en-US" altLang="zh-CN" dirty="0"/>
-          </a:p>
-          <a:p>
             <a:endParaRPr lang="zh-CN" altLang="en-US" dirty="0"/>
           </a:p>
         </p:txBody>
@@ -780,7 +722,7 @@
     </p:spTree>
     <p:extLst>
       <p:ext uri="{BB962C8B-B14F-4D97-AF65-F5344CB8AC3E}">
-        <p14:creationId xmlns:p14="http://schemas.microsoft.com/office/powerpoint/2010/main" val="3041364995"/>
+        <p14:creationId xmlns:p14="http://schemas.microsoft.com/office/powerpoint/2010/main" val="1904761535"/>
       </p:ext>
     </p:extLst>
   </p:cSld>
@@ -834,34 +776,6 @@
           <a:bodyPr/>
           <a:lstStyle/>
           <a:p>
-            <a:r>
-              <a:rPr lang="en-US" altLang="zh-CN" b="1" dirty="0"/>
-              <a:t>In conclusion, this project taught us that modern financial applications require seamless integration between frontend, backend, and external APIs. We also learned that real-time financial data presents unique challenges in reliability and performance optimization.</a:t>
-            </a:r>
-            <a:endParaRPr lang="en-US" altLang="zh-CN" dirty="0"/>
-          </a:p>
-          <a:p>
-            <a:r>
-              <a:rPr lang="en-US" altLang="zh-CN" b="1" dirty="0"/>
-              <a:t>Given more time, we could have implemented machine learning algorithms for investment predictions and comprehensive risk assessment tools.</a:t>
-            </a:r>
-            <a:endParaRPr lang="en-US" altLang="zh-CN" dirty="0"/>
-          </a:p>
-          <a:p>
-            <a:r>
-              <a:rPr lang="en-US" altLang="zh-CN" b="1" dirty="0"/>
-              <a:t>For future enhancements, we plan to develop a mobile app, advanced charting features, and AI-powered investment recommendations.</a:t>
-            </a:r>
-            <a:endParaRPr lang="en-US" altLang="zh-CN" dirty="0"/>
-          </a:p>
-          <a:p>
-            <a:r>
-              <a:rPr lang="en-US" altLang="zh-CN" b="1" dirty="0"/>
-              <a:t>This project demonstrates valuable workplace skills. It showcases our full-stack development capabilities and API integration expertise. We proved our team collaboration abilities by coordinating frontend and backend development with Git version control. Most importantly, we demonstrated strong problem-solving skills by implementing reliable error handling systems under pressure.</a:t>
-            </a:r>
-            <a:endParaRPr lang="en-US" altLang="zh-CN" dirty="0"/>
-          </a:p>
-          <a:p>
             <a:endParaRPr lang="zh-CN" altLang="en-US" dirty="0"/>
           </a:p>
         </p:txBody>
@@ -892,7 +806,175 @@
     </p:spTree>
     <p:extLst>
       <p:ext uri="{BB962C8B-B14F-4D97-AF65-F5344CB8AC3E}">
-        <p14:creationId xmlns:p14="http://schemas.microsoft.com/office/powerpoint/2010/main" val="668069550"/>
+        <p14:creationId xmlns:p14="http://schemas.microsoft.com/office/powerpoint/2010/main" val="358131000"/>
+      </p:ext>
+    </p:extLst>
+  </p:cSld>
+  <p:clrMapOvr>
+    <a:masterClrMapping/>
+  </p:clrMapOvr>
+</p:notes>
+</file>
+
+<file path=ppt/notesSlides/notesSlide13.xml><?xml version="1.0" encoding="utf-8"?>
+<p:notes xmlns:a="http://schemas.openxmlformats.org/drawingml/2006/main" xmlns:r="http://schemas.openxmlformats.org/officeDocument/2006/relationships" xmlns:p="http://schemas.openxmlformats.org/presentationml/2006/main">
+  <p:cSld>
+    <p:spTree>
+      <p:nvGrpSpPr>
+        <p:cNvPr id="1" name=""/>
+        <p:cNvGrpSpPr/>
+        <p:nvPr/>
+      </p:nvGrpSpPr>
+      <p:grpSpPr>
+        <a:xfrm>
+          <a:off x="0" y="0"/>
+          <a:ext cx="0" cy="0"/>
+          <a:chOff x="0" y="0"/>
+          <a:chExt cx="0" cy="0"/>
+        </a:xfrm>
+      </p:grpSpPr>
+      <p:sp>
+        <p:nvSpPr>
+          <p:cNvPr id="2" name="幻灯片图像占位符 1"/>
+          <p:cNvSpPr>
+            <a:spLocks noGrp="1" noRot="1" noChangeAspect="1"/>
+          </p:cNvSpPr>
+          <p:nvPr>
+            <p:ph type="sldImg"/>
+          </p:nvPr>
+        </p:nvSpPr>
+        <p:spPr/>
+      </p:sp>
+      <p:sp>
+        <p:nvSpPr>
+          <p:cNvPr id="3" name="备注占位符 2"/>
+          <p:cNvSpPr>
+            <a:spLocks noGrp="1"/>
+          </p:cNvSpPr>
+          <p:nvPr>
+            <p:ph type="body" idx="1"/>
+          </p:nvPr>
+        </p:nvSpPr>
+        <p:spPr/>
+        <p:txBody>
+          <a:bodyPr/>
+          <a:lstStyle/>
+          <a:p>
+            <a:endParaRPr lang="zh-CN" altLang="en-US" dirty="0"/>
+          </a:p>
+        </p:txBody>
+      </p:sp>
+      <p:sp>
+        <p:nvSpPr>
+          <p:cNvPr id="4" name="灯片编号占位符 3"/>
+          <p:cNvSpPr>
+            <a:spLocks noGrp="1"/>
+          </p:cNvSpPr>
+          <p:nvPr>
+            <p:ph type="sldNum" sz="quarter" idx="5"/>
+          </p:nvPr>
+        </p:nvSpPr>
+        <p:spPr/>
+        <p:txBody>
+          <a:bodyPr/>
+          <a:lstStyle/>
+          <a:p>
+            <a:fld id="{54DD4A14-0979-4C4C-862B-F40B61B913F0}" type="slidenum">
+              <a:rPr lang="zh-CN" altLang="en-US" smtClean="0"/>
+              <a:t>15</a:t>
+            </a:fld>
+            <a:endParaRPr lang="zh-CN" altLang="en-US"/>
+          </a:p>
+        </p:txBody>
+      </p:sp>
+    </p:spTree>
+    <p:extLst>
+      <p:ext uri="{BB962C8B-B14F-4D97-AF65-F5344CB8AC3E}">
+        <p14:creationId xmlns:p14="http://schemas.microsoft.com/office/powerpoint/2010/main" val="662935735"/>
+      </p:ext>
+    </p:extLst>
+  </p:cSld>
+  <p:clrMapOvr>
+    <a:masterClrMapping/>
+  </p:clrMapOvr>
+</p:notes>
+</file>
+
+<file path=ppt/notesSlides/notesSlide14.xml><?xml version="1.0" encoding="utf-8"?>
+<p:notes xmlns:a="http://schemas.openxmlformats.org/drawingml/2006/main" xmlns:r="http://schemas.openxmlformats.org/officeDocument/2006/relationships" xmlns:p="http://schemas.openxmlformats.org/presentationml/2006/main">
+  <p:cSld>
+    <p:spTree>
+      <p:nvGrpSpPr>
+        <p:cNvPr id="1" name=""/>
+        <p:cNvGrpSpPr/>
+        <p:nvPr/>
+      </p:nvGrpSpPr>
+      <p:grpSpPr>
+        <a:xfrm>
+          <a:off x="0" y="0"/>
+          <a:ext cx="0" cy="0"/>
+          <a:chOff x="0" y="0"/>
+          <a:chExt cx="0" cy="0"/>
+        </a:xfrm>
+      </p:grpSpPr>
+      <p:sp>
+        <p:nvSpPr>
+          <p:cNvPr id="2" name="幻灯片图像占位符 1"/>
+          <p:cNvSpPr>
+            <a:spLocks noGrp="1" noRot="1" noChangeAspect="1"/>
+          </p:cNvSpPr>
+          <p:nvPr>
+            <p:ph type="sldImg"/>
+          </p:nvPr>
+        </p:nvSpPr>
+        <p:spPr/>
+      </p:sp>
+      <p:sp>
+        <p:nvSpPr>
+          <p:cNvPr id="3" name="备注占位符 2"/>
+          <p:cNvSpPr>
+            <a:spLocks noGrp="1"/>
+          </p:cNvSpPr>
+          <p:nvPr>
+            <p:ph type="body" idx="1"/>
+          </p:nvPr>
+        </p:nvSpPr>
+        <p:spPr/>
+        <p:txBody>
+          <a:bodyPr/>
+          <a:lstStyle/>
+          <a:p>
+            <a:endParaRPr lang="zh-CN" altLang="en-US" dirty="0"/>
+          </a:p>
+        </p:txBody>
+      </p:sp>
+      <p:sp>
+        <p:nvSpPr>
+          <p:cNvPr id="4" name="灯片编号占位符 3"/>
+          <p:cNvSpPr>
+            <a:spLocks noGrp="1"/>
+          </p:cNvSpPr>
+          <p:nvPr>
+            <p:ph type="sldNum" sz="quarter" idx="5"/>
+          </p:nvPr>
+        </p:nvSpPr>
+        <p:spPr/>
+        <p:txBody>
+          <a:bodyPr/>
+          <a:lstStyle/>
+          <a:p>
+            <a:fld id="{54DD4A14-0979-4C4C-862B-F40B61B913F0}" type="slidenum">
+              <a:rPr lang="zh-CN" altLang="en-US" smtClean="0"/>
+              <a:t>16</a:t>
+            </a:fld>
+            <a:endParaRPr lang="zh-CN" altLang="en-US"/>
+          </a:p>
+        </p:txBody>
+      </p:sp>
+    </p:spTree>
+    <p:extLst>
+      <p:ext uri="{BB962C8B-B14F-4D97-AF65-F5344CB8AC3E}">
+        <p14:creationId xmlns:p14="http://schemas.microsoft.com/office/powerpoint/2010/main" val="287685798"/>
       </p:ext>
     </p:extLst>
   </p:cSld>
@@ -946,10 +1028,6 @@
           <a:bodyPr/>
           <a:lstStyle/>
           <a:p>
-            <a:r>
-              <a:rPr lang="en-US" altLang="zh-CN" dirty="0"/>
-              <a:t>Our system follows a three-tier architecture. The FRONTEND LAYER includes our main dashboard, buy/sell pages, built with JavaScript, Chart.js, and Tailwind CSS. The BACKEND LAYER runs on Express.js with four controllers handling different business functions, supported by service layers for business logic. The DATA LAYER contains our database with Users, Portfolio, and Stock tables, plus Yahoo Finance API integration for real-time market data. This design ensures scalability, maintainability, and clear separation of concerns.</a:t>
-            </a:r>
             <a:endParaRPr lang="zh-CN" altLang="en-US" dirty="0"/>
           </a:p>
         </p:txBody>
@@ -980,7 +1058,7 @@
     </p:spTree>
     <p:extLst>
       <p:ext uri="{BB962C8B-B14F-4D97-AF65-F5344CB8AC3E}">
-        <p14:creationId xmlns:p14="http://schemas.microsoft.com/office/powerpoint/2010/main" val="1483491289"/>
+        <p14:creationId xmlns:p14="http://schemas.microsoft.com/office/powerpoint/2010/main" val="1621214960"/>
       </p:ext>
     </p:extLst>
   </p:cSld>
@@ -1034,6 +1112,10 @@
           <a:bodyPr/>
           <a:lstStyle/>
           <a:p>
+            <a:r>
+              <a:rPr lang="en-US" altLang="zh-CN" dirty="0"/>
+              <a:t>This diagram shows our six core business processes. The PAGE LOAD FLOW automatically fetches user funds and displays account overview. STOCK CHART FLOW lets users select stocks and view real-time charts via Yahoo Finance API. BUY FLOW verifies funds and executes purchases. SELL FLOW checks holdings and processes sales. PORTFOLIO MANAGEMENT handles performance tracking and record management. DATA INTEGRATION ensures seamless API connectivity and data processing across all components.</a:t>
+            </a:r>
             <a:endParaRPr lang="zh-CN" altLang="en-US" dirty="0"/>
           </a:p>
         </p:txBody>
@@ -1064,7 +1146,7 @@
     </p:spTree>
     <p:extLst>
       <p:ext uri="{BB962C8B-B14F-4D97-AF65-F5344CB8AC3E}">
-        <p14:creationId xmlns:p14="http://schemas.microsoft.com/office/powerpoint/2010/main" val="2764902946"/>
+        <p14:creationId xmlns:p14="http://schemas.microsoft.com/office/powerpoint/2010/main" val="4011425749"/>
       </p:ext>
     </p:extLst>
   </p:cSld>
@@ -1120,25 +1202,7 @@
           <a:p>
             <a:r>
               <a:rPr lang="en-US" altLang="zh-CN" dirty="0"/>
-              <a:t>I developed four core APIs that handle all stock market data. The Historical Price Chart API provides 1, 3, or 5-day price data with up to 600 data points for smooth charts. The Current Stock Price API delivers real-time OHLC data, volume, and market value. I also built a Stock Search API for finding companies by name, and a Company Information API for detailed business backgrounds.</a:t>
-            </a:r>
-          </a:p>
-          <a:p>
-            <a:r>
-              <a:rPr lang="en-US" altLang="zh-CN" dirty="0"/>
-              <a:t>For our technical foundation, I chose Yahoo Finance API because it's provides high-quality data with 2-15 minute update intervals.</a:t>
-            </a:r>
-          </a:p>
-          <a:p>
-            <a:r>
-              <a:rPr lang="en-US" altLang="zh-CN" dirty="0"/>
-              <a:t>To ensure reliability, I implemented an automatic retry system. When Yahoo Finance fails, our system waits and retries up to 3 times, keeping the service running smoothly despite external issues.</a:t>
-            </a:r>
-          </a:p>
-          <a:p>
-            <a:r>
-              <a:rPr lang="en-US" altLang="zh-CN" dirty="0"/>
-              <a:t>Testing shows excellent results. All APIs respond quickly and accurately with major stocks like Apple, Microsoft, and Tesla. We get smooth charts with hundreds of data points and real-time updates during market hours.</a:t>
+              <a:t>Our system follows a three-tier architecture. The FRONTEND LAYER includes our main dashboard, buy/sell pages, built with JavaScript, Chart.js, and Tailwind CSS. The BACKEND LAYER runs on Express.js with four controllers handling different business functions, supported by service layers for business logic. The DATA LAYER contains our database with Users, Portfolio, and Stock tables, plus Yahoo Finance API integration for real-time market data. This design ensures scalability, maintainability, and clear separation of concerns.</a:t>
             </a:r>
             <a:endParaRPr lang="zh-CN" altLang="en-US" dirty="0"/>
           </a:p>
@@ -1170,7 +1234,7 @@
     </p:spTree>
     <p:extLst>
       <p:ext uri="{BB962C8B-B14F-4D97-AF65-F5344CB8AC3E}">
-        <p14:creationId xmlns:p14="http://schemas.microsoft.com/office/powerpoint/2010/main" val="3365605602"/>
+        <p14:creationId xmlns:p14="http://schemas.microsoft.com/office/powerpoint/2010/main" val="1483491289"/>
       </p:ext>
     </p:extLst>
   </p:cSld>
@@ -1254,7 +1318,7 @@
     </p:spTree>
     <p:extLst>
       <p:ext uri="{BB962C8B-B14F-4D97-AF65-F5344CB8AC3E}">
-        <p14:creationId xmlns:p14="http://schemas.microsoft.com/office/powerpoint/2010/main" val="1005799135"/>
+        <p14:creationId xmlns:p14="http://schemas.microsoft.com/office/powerpoint/2010/main" val="2764902946"/>
       </p:ext>
     </p:extLst>
   </p:cSld>
@@ -1308,6 +1372,28 @@
           <a:bodyPr/>
           <a:lstStyle/>
           <a:p>
+            <a:r>
+              <a:rPr lang="en-US" altLang="zh-CN" dirty="0"/>
+              <a:t>I developed four core APIs that handle all stock market data. The Historical Price Chart API provides 1, 3, or 5-day price data with up to 600 data points for smooth charts. The Current Stock Price API delivers real-time OHLC data, volume, and market value. I also built a Stock Search API for finding companies by name, and a Company Information API for detailed business backgrounds.</a:t>
+            </a:r>
+          </a:p>
+          <a:p>
+            <a:r>
+              <a:rPr lang="en-US" altLang="zh-CN" dirty="0"/>
+              <a:t>For our technical foundation, I chose Yahoo Finance API because it's provides high-quality data with 2-15 minute update intervals.</a:t>
+            </a:r>
+          </a:p>
+          <a:p>
+            <a:r>
+              <a:rPr lang="en-US" altLang="zh-CN" dirty="0"/>
+              <a:t>To ensure reliability, I implemented an automatic retry system. When Yahoo Finance fails, our system waits and retries up to 3 times, keeping the service running smoothly despite external issues.</a:t>
+            </a:r>
+          </a:p>
+          <a:p>
+            <a:r>
+              <a:rPr lang="en-US" altLang="zh-CN" dirty="0"/>
+              <a:t>Testing shows excellent results. All APIs respond quickly and accurately with major stocks like Apple, Microsoft, and Tesla. We get smooth charts with hundreds of data points and real-time updates during market hours.</a:t>
+            </a:r>
             <a:endParaRPr lang="zh-CN" altLang="en-US" dirty="0"/>
           </a:p>
         </p:txBody>
@@ -1338,7 +1424,7 @@
     </p:spTree>
     <p:extLst>
       <p:ext uri="{BB962C8B-B14F-4D97-AF65-F5344CB8AC3E}">
-        <p14:creationId xmlns:p14="http://schemas.microsoft.com/office/powerpoint/2010/main" val="1904761535"/>
+        <p14:creationId xmlns:p14="http://schemas.microsoft.com/office/powerpoint/2010/main" val="3365605602"/>
       </p:ext>
     </p:extLst>
   </p:cSld>
@@ -1392,6 +1478,28 @@
           <a:bodyPr/>
           <a:lstStyle/>
           <a:p>
+            <a:r>
+              <a:rPr lang="en-US" altLang="zh-CN" dirty="0"/>
+              <a:t>I developed four core APIs that handle all stock market data. The Historical Price Chart API provides 1, 3, or 5-day price data with up to 600 data points for smooth charts. The Current Stock Price API delivers real-time OHLC data, volume, and market value. I also built a Stock Search API for finding companies by name, and a Company Information API for detailed business backgrounds.</a:t>
+            </a:r>
+          </a:p>
+          <a:p>
+            <a:r>
+              <a:rPr lang="en-US" altLang="zh-CN" dirty="0"/>
+              <a:t>For our technical foundation, I chose Yahoo Finance API because it's provides high-quality data with 2-15 minute update intervals.</a:t>
+            </a:r>
+          </a:p>
+          <a:p>
+            <a:r>
+              <a:rPr lang="en-US" altLang="zh-CN" dirty="0"/>
+              <a:t>To ensure reliability, I implemented an automatic retry system. When Yahoo Finance fails, our system waits and retries up to 3 times, keeping the service running smoothly despite external issues.</a:t>
+            </a:r>
+          </a:p>
+          <a:p>
+            <a:r>
+              <a:rPr lang="en-US" altLang="zh-CN" dirty="0"/>
+              <a:t>Testing shows excellent results. All APIs respond quickly and accurately with major stocks like Apple, Microsoft, and Tesla. We get smooth charts with hundreds of data points and real-time updates during market hours.</a:t>
+            </a:r>
             <a:endParaRPr lang="zh-CN" altLang="en-US" dirty="0"/>
           </a:p>
         </p:txBody>
@@ -1422,7 +1530,7 @@
     </p:spTree>
     <p:extLst>
       <p:ext uri="{BB962C8B-B14F-4D97-AF65-F5344CB8AC3E}">
-        <p14:creationId xmlns:p14="http://schemas.microsoft.com/office/powerpoint/2010/main" val="2478973082"/>
+        <p14:creationId xmlns:p14="http://schemas.microsoft.com/office/powerpoint/2010/main" val="2343981882"/>
       </p:ext>
     </p:extLst>
   </p:cSld>
@@ -1506,7 +1614,7 @@
     </p:spTree>
     <p:extLst>
       <p:ext uri="{BB962C8B-B14F-4D97-AF65-F5344CB8AC3E}">
-        <p14:creationId xmlns:p14="http://schemas.microsoft.com/office/powerpoint/2010/main" val="287685798"/>
+        <p14:creationId xmlns:p14="http://schemas.microsoft.com/office/powerpoint/2010/main" val="1005799135"/>
       </p:ext>
     </p:extLst>
   </p:cSld>
@@ -1590,7 +1698,7 @@
     </p:spTree>
     <p:extLst>
       <p:ext uri="{BB962C8B-B14F-4D97-AF65-F5344CB8AC3E}">
-        <p14:creationId xmlns:p14="http://schemas.microsoft.com/office/powerpoint/2010/main" val="358131000"/>
+        <p14:creationId xmlns:p14="http://schemas.microsoft.com/office/powerpoint/2010/main" val="2904975126"/>
       </p:ext>
     </p:extLst>
   </p:cSld>
@@ -8484,59 +8592,12 @@
           <a:chExt cx="0" cy="0"/>
         </a:xfrm>
       </p:grpSpPr>
-      <p:sp>
-        <p:nvSpPr>
-          <p:cNvPr id="4" name="Rectangle 3">
+      <p:pic>
+        <p:nvPicPr>
+          <p:cNvPr id="7" name="图片 6">
             <a:extLst>
               <a:ext uri="{FF2B5EF4-FFF2-40B4-BE49-F238E27FC236}">
-                <a16:creationId xmlns:a16="http://schemas.microsoft.com/office/drawing/2014/main" id="{49D7A3B7-152D-FCBB-B5C9-F6F1E30888D1}"/>
-              </a:ext>
-            </a:extLst>
-          </p:cNvPr>
-          <p:cNvSpPr/>
-          <p:nvPr/>
-        </p:nvSpPr>
-        <p:spPr>
-          <a:xfrm>
-            <a:off x="1231745" y="3038240"/>
-            <a:ext cx="9728510" cy="1200329"/>
-          </a:xfrm>
-          <a:prstGeom prst="rect">
-            <a:avLst/>
-          </a:prstGeom>
-          <a:noFill/>
-        </p:spPr>
-        <p:txBody>
-          <a:bodyPr wrap="square" lIns="91440" tIns="45720" rIns="91440" bIns="45720">
-            <a:spAutoFit/>
-          </a:bodyPr>
-          <a:lstStyle/>
-          <a:p>
-            <a:pPr algn="ctr"/>
-            <a:r>
-              <a:rPr lang="en-US" sz="7200" b="1" dirty="0">
-                <a:ln w="0"/>
-                <a:effectLst>
-                  <a:outerShdw blurRad="38100" dist="19050" dir="2700000" algn="tl" rotWithShape="0">
-                    <a:schemeClr val="dk1">
-                      <a:alpha val="40000"/>
-                    </a:schemeClr>
-                  </a:outerShdw>
-                </a:effectLst>
-                <a:latin typeface="Times New Roman" panose="02020603050405020304" pitchFamily="18" charset="0"/>
-                <a:cs typeface="Times New Roman" panose="02020603050405020304" pitchFamily="18" charset="0"/>
-              </a:rPr>
-              <a:t>Portfolio Asset Manager</a:t>
-            </a:r>
-          </a:p>
-        </p:txBody>
-      </p:sp>
-      <p:pic>
-        <p:nvPicPr>
-          <p:cNvPr id="5" name="图片 4">
-            <a:extLst>
-              <a:ext uri="{FF2B5EF4-FFF2-40B4-BE49-F238E27FC236}">
-                <a16:creationId xmlns:a16="http://schemas.microsoft.com/office/drawing/2014/main" id="{71EB693B-6776-E9D5-BFE9-4D41BD73EF23}"/>
+                <a16:creationId xmlns:a16="http://schemas.microsoft.com/office/drawing/2014/main" id="{DCB14D5D-DA11-E975-2335-18DD226B3478}"/>
               </a:ext>
             </a:extLst>
           </p:cNvPr>
@@ -8546,27 +8607,60 @@
           <p:nvPr/>
         </p:nvPicPr>
         <p:blipFill>
-          <a:blip r:embed="rId2">
-            <a:extLst>
-              <a:ext uri="{28A0092B-C50C-407E-A947-70E740481C1C}">
-                <a14:useLocalDpi xmlns:a14="http://schemas.microsoft.com/office/drawing/2010/main" val="0"/>
-              </a:ext>
-            </a:extLst>
-          </a:blip>
+          <a:blip r:embed="rId2"/>
           <a:stretch>
             <a:fillRect/>
           </a:stretch>
         </p:blipFill>
         <p:spPr>
           <a:xfrm>
-            <a:off x="4488789" y="214579"/>
-            <a:ext cx="3214421" cy="3214421"/>
+            <a:off x="0" y="1773959"/>
+            <a:ext cx="12192000" cy="1739900"/>
           </a:xfrm>
           <a:prstGeom prst="rect">
             <a:avLst/>
           </a:prstGeom>
         </p:spPr>
       </p:pic>
+      <p:sp>
+        <p:nvSpPr>
+          <p:cNvPr id="9" name="文本框 8">
+            <a:extLst>
+              <a:ext uri="{FF2B5EF4-FFF2-40B4-BE49-F238E27FC236}">
+                <a16:creationId xmlns:a16="http://schemas.microsoft.com/office/drawing/2014/main" id="{C5C704BE-27A1-0816-0D35-A14CE6B8897B}"/>
+              </a:ext>
+            </a:extLst>
+          </p:cNvPr>
+          <p:cNvSpPr txBox="1"/>
+          <p:nvPr/>
+        </p:nvSpPr>
+        <p:spPr>
+          <a:xfrm>
+            <a:off x="2909455" y="4401188"/>
+            <a:ext cx="6096000" cy="646331"/>
+          </a:xfrm>
+          <a:prstGeom prst="rect">
+            <a:avLst/>
+          </a:prstGeom>
+          <a:noFill/>
+        </p:spPr>
+        <p:txBody>
+          <a:bodyPr wrap="square">
+            <a:spAutoFit/>
+          </a:bodyPr>
+          <a:lstStyle/>
+          <a:p>
+            <a:pPr algn="ctr"/>
+            <a:r>
+              <a:rPr lang="en-US" altLang="zh-CN" sz="3600" b="1" dirty="0">
+                <a:latin typeface="Times New Roman" panose="02020603050405020304" pitchFamily="18" charset="0"/>
+                <a:cs typeface="Times New Roman" panose="02020603050405020304" pitchFamily="18" charset="0"/>
+              </a:rPr>
+              <a:t>Team 7: Fintech giants</a:t>
+            </a:r>
+          </a:p>
+        </p:txBody>
+      </p:sp>
     </p:spTree>
     <p:extLst>
       <p:ext uri="{BB962C8B-B14F-4D97-AF65-F5344CB8AC3E}">
@@ -8597,46 +8691,188 @@
           <a:chExt cx="0" cy="0"/>
         </a:xfrm>
       </p:grpSpPr>
-      <p:pic>
-        <p:nvPicPr>
-          <p:cNvPr id="8" name="图片 7">
+      <p:sp>
+        <p:nvSpPr>
+          <p:cNvPr id="4" name="TextBox 3">
             <a:extLst>
               <a:ext uri="{FF2B5EF4-FFF2-40B4-BE49-F238E27FC236}">
-                <a16:creationId xmlns:a16="http://schemas.microsoft.com/office/drawing/2014/main" id="{D8FB9DDE-F3AE-E788-5264-2CF70E9BF117}"/>
+                <a16:creationId xmlns:a16="http://schemas.microsoft.com/office/drawing/2014/main" id="{231AA983-A074-173B-6935-10C227767BBD}"/>
               </a:ext>
             </a:extLst>
           </p:cNvPr>
-          <p:cNvPicPr>
-            <a:picLocks noChangeAspect="1"/>
-          </p:cNvPicPr>
+          <p:cNvSpPr txBox="1"/>
           <p:nvPr/>
-        </p:nvPicPr>
-        <p:blipFill>
-          <a:blip r:embed="rId3">
-            <a:extLst>
-              <a:ext uri="{28A0092B-C50C-407E-A947-70E740481C1C}">
-                <a14:useLocalDpi xmlns:a14="http://schemas.microsoft.com/office/drawing/2010/main" val="0"/>
-              </a:ext>
-            </a:extLst>
-          </a:blip>
-          <a:stretch>
-            <a:fillRect/>
-          </a:stretch>
-        </p:blipFill>
+        </p:nvSpPr>
         <p:spPr>
           <a:xfrm>
-            <a:off x="508000" y="283375"/>
-            <a:ext cx="10553700" cy="5342605"/>
+            <a:off x="1694945" y="489627"/>
+            <a:ext cx="8175948" cy="584775"/>
           </a:xfrm>
           <a:prstGeom prst="rect">
             <a:avLst/>
           </a:prstGeom>
+          <a:noFill/>
         </p:spPr>
-      </p:pic>
+        <p:txBody>
+          <a:bodyPr wrap="square">
+            <a:spAutoFit/>
+          </a:bodyPr>
+          <a:lstStyle/>
+          <a:p>
+            <a:pPr algn="ctr"/>
+            <a:r>
+              <a:rPr lang="en-US" sz="3200" b="1" cap="none" spc="0" dirty="0">
+                <a:ln w="0"/>
+                <a:effectLst>
+                  <a:outerShdw blurRad="38100" dist="19050" dir="2700000" algn="tl" rotWithShape="0">
+                    <a:schemeClr val="dk1">
+                      <a:alpha val="40000"/>
+                    </a:schemeClr>
+                  </a:outerShdw>
+                </a:effectLst>
+                <a:latin typeface="Times New Roman" panose="02020603050405020304" pitchFamily="18" charset="0"/>
+                <a:cs typeface="Times New Roman" panose="02020603050405020304" pitchFamily="18" charset="0"/>
+              </a:rPr>
+              <a:t>API Integration &amp; Project Management</a:t>
+            </a:r>
+          </a:p>
+        </p:txBody>
+      </p:sp>
+      <p:sp>
+        <p:nvSpPr>
+          <p:cNvPr id="6" name="TextBox 5">
+            <a:extLst>
+              <a:ext uri="{FF2B5EF4-FFF2-40B4-BE49-F238E27FC236}">
+                <a16:creationId xmlns:a16="http://schemas.microsoft.com/office/drawing/2014/main" id="{100BAABF-5E0B-4E54-691E-AFFE52B7B306}"/>
+              </a:ext>
+            </a:extLst>
+          </p:cNvPr>
+          <p:cNvSpPr txBox="1"/>
+          <p:nvPr/>
+        </p:nvSpPr>
+        <p:spPr>
+          <a:xfrm>
+            <a:off x="1072367" y="1991542"/>
+            <a:ext cx="10928412" cy="461665"/>
+          </a:xfrm>
+          <a:prstGeom prst="rect">
+            <a:avLst/>
+          </a:prstGeom>
+          <a:noFill/>
+        </p:spPr>
+        <p:txBody>
+          <a:bodyPr wrap="square" rtlCol="0">
+            <a:spAutoFit/>
+          </a:bodyPr>
+          <a:lstStyle/>
+          <a:p>
+            <a:r>
+              <a:rPr lang="en-US" sz="2400" b="1" kern="100" dirty="0">
+                <a:effectLst/>
+                <a:latin typeface="Times New Roman" panose="02020603050405020304" pitchFamily="18" charset="0"/>
+                <a:ea typeface="Calibri" panose="020F0502020204030204" pitchFamily="34" charset="0"/>
+                <a:cs typeface="Times New Roman" panose="02020603050405020304" pitchFamily="18" charset="0"/>
+              </a:rPr>
+              <a:t>Frontend-Backend API Integration ensuring seamless connectivity</a:t>
+            </a:r>
+            <a:endParaRPr lang="en-IN" sz="2400" dirty="0"/>
+          </a:p>
+        </p:txBody>
+      </p:sp>
+      <p:sp>
+        <p:nvSpPr>
+          <p:cNvPr id="10" name="TextBox 9">
+            <a:extLst>
+              <a:ext uri="{FF2B5EF4-FFF2-40B4-BE49-F238E27FC236}">
+                <a16:creationId xmlns:a16="http://schemas.microsoft.com/office/drawing/2014/main" id="{DFACC9D2-3FE8-10EB-28C7-FCF98A25C853}"/>
+              </a:ext>
+            </a:extLst>
+          </p:cNvPr>
+          <p:cNvSpPr txBox="1"/>
+          <p:nvPr/>
+        </p:nvSpPr>
+        <p:spPr>
+          <a:xfrm>
+            <a:off x="1072367" y="2640999"/>
+            <a:ext cx="7431551" cy="461665"/>
+          </a:xfrm>
+          <a:prstGeom prst="rect">
+            <a:avLst/>
+          </a:prstGeom>
+          <a:noFill/>
+        </p:spPr>
+        <p:txBody>
+          <a:bodyPr wrap="square">
+            <a:spAutoFit/>
+          </a:bodyPr>
+          <a:lstStyle/>
+          <a:p>
+            <a:pPr lvl="0"/>
+            <a:r>
+              <a:rPr lang="en-US" sz="2400" b="1" kern="100" dirty="0">
+                <a:latin typeface="Times New Roman" panose="02020603050405020304" pitchFamily="18" charset="0"/>
+                <a:ea typeface="Calibri" panose="020F0502020204030204" pitchFamily="34" charset="0"/>
+                <a:cs typeface="Times New Roman" panose="02020603050405020304" pitchFamily="18" charset="0"/>
+              </a:rPr>
+              <a:t>GitHub repository management and version control</a:t>
+            </a:r>
+            <a:endParaRPr lang="en-IN" sz="2400" b="1" kern="100" dirty="0">
+              <a:latin typeface="Times New Roman" panose="02020603050405020304" pitchFamily="18" charset="0"/>
+              <a:ea typeface="Calibri" panose="020F0502020204030204" pitchFamily="34" charset="0"/>
+              <a:cs typeface="Times New Roman" panose="02020603050405020304" pitchFamily="18" charset="0"/>
+            </a:endParaRPr>
+          </a:p>
+        </p:txBody>
+      </p:sp>
+      <p:sp>
+        <p:nvSpPr>
+          <p:cNvPr id="3" name="TextBox 9">
+            <a:extLst>
+              <a:ext uri="{FF2B5EF4-FFF2-40B4-BE49-F238E27FC236}">
+                <a16:creationId xmlns:a16="http://schemas.microsoft.com/office/drawing/2014/main" id="{3DCB56FA-4174-3D81-84F4-A0D1F56131CF}"/>
+              </a:ext>
+            </a:extLst>
+          </p:cNvPr>
+          <p:cNvSpPr txBox="1"/>
+          <p:nvPr/>
+        </p:nvSpPr>
+        <p:spPr>
+          <a:xfrm>
+            <a:off x="1072367" y="3396142"/>
+            <a:ext cx="8269372" cy="461665"/>
+          </a:xfrm>
+          <a:prstGeom prst="rect">
+            <a:avLst/>
+          </a:prstGeom>
+          <a:noFill/>
+        </p:spPr>
+        <p:txBody>
+          <a:bodyPr wrap="square">
+            <a:spAutoFit/>
+          </a:bodyPr>
+          <a:lstStyle/>
+          <a:p>
+            <a:pPr lvl="0"/>
+            <a:r>
+              <a:rPr lang="en-US" sz="2400" b="1" kern="100" dirty="0">
+                <a:latin typeface="Times New Roman" panose="02020603050405020304" pitchFamily="18" charset="0"/>
+                <a:ea typeface="Calibri" panose="020F0502020204030204" pitchFamily="34" charset="0"/>
+                <a:cs typeface="Times New Roman" panose="02020603050405020304" pitchFamily="18" charset="0"/>
+              </a:rPr>
+              <a:t>Comprehensive API documentation using Swagger UI</a:t>
+            </a:r>
+            <a:endParaRPr lang="en-IN" sz="2400" b="1" kern="100" dirty="0">
+              <a:latin typeface="Times New Roman" panose="02020603050405020304" pitchFamily="18" charset="0"/>
+              <a:ea typeface="Calibri" panose="020F0502020204030204" pitchFamily="34" charset="0"/>
+              <a:cs typeface="Times New Roman" panose="02020603050405020304" pitchFamily="18" charset="0"/>
+            </a:endParaRPr>
+          </a:p>
+        </p:txBody>
+      </p:sp>
     </p:spTree>
     <p:extLst>
       <p:ext uri="{BB962C8B-B14F-4D97-AF65-F5344CB8AC3E}">
-        <p14:creationId xmlns:p14="http://schemas.microsoft.com/office/powerpoint/2010/main" val="1384823430"/>
+        <p14:creationId xmlns:p14="http://schemas.microsoft.com/office/powerpoint/2010/main" val="1427179887"/>
       </p:ext>
     </p:extLst>
   </p:cSld>
@@ -8668,7 +8904,7 @@
           <p:cNvPr id="3" name="图片 2">
             <a:extLst>
               <a:ext uri="{FF2B5EF4-FFF2-40B4-BE49-F238E27FC236}">
-                <a16:creationId xmlns:a16="http://schemas.microsoft.com/office/drawing/2014/main" id="{7BCF7C62-7949-F03A-BA3B-54DA33B0AF67}"/>
+                <a16:creationId xmlns:a16="http://schemas.microsoft.com/office/drawing/2014/main" id="{FCC0295C-AC50-BD9D-9C8F-C60FFAE43529}"/>
               </a:ext>
             </a:extLst>
           </p:cNvPr>
@@ -8691,8 +8927,8 @@
         </p:blipFill>
         <p:spPr>
           <a:xfrm>
-            <a:off x="419100" y="520700"/>
-            <a:ext cx="11033905" cy="5335168"/>
+            <a:off x="0" y="305117"/>
+            <a:ext cx="12192000" cy="5848195"/>
           </a:xfrm>
           <a:prstGeom prst="rect">
             <a:avLst/>
@@ -8702,7 +8938,7 @@
     </p:spTree>
     <p:extLst>
       <p:ext uri="{BB962C8B-B14F-4D97-AF65-F5344CB8AC3E}">
-        <p14:creationId xmlns:p14="http://schemas.microsoft.com/office/powerpoint/2010/main" val="4105598794"/>
+        <p14:creationId xmlns:p14="http://schemas.microsoft.com/office/powerpoint/2010/main" val="2767217569"/>
       </p:ext>
     </p:extLst>
   </p:cSld>
@@ -8729,195 +8965,46 @@
           <a:chExt cx="0" cy="0"/>
         </a:xfrm>
       </p:grpSpPr>
-      <p:sp>
-        <p:nvSpPr>
-          <p:cNvPr id="7" name="TextBox 6">
+      <p:pic>
+        <p:nvPicPr>
+          <p:cNvPr id="3" name="图片 2">
             <a:extLst>
               <a:ext uri="{FF2B5EF4-FFF2-40B4-BE49-F238E27FC236}">
-                <a16:creationId xmlns:a16="http://schemas.microsoft.com/office/drawing/2014/main" id="{DA0D1BDA-143C-F018-1684-F9117920B74A}"/>
+                <a16:creationId xmlns:a16="http://schemas.microsoft.com/office/drawing/2014/main" id="{6E704F27-A637-15D2-AA71-B1B52681A33B}"/>
               </a:ext>
             </a:extLst>
           </p:cNvPr>
-          <p:cNvSpPr txBox="1"/>
+          <p:cNvPicPr>
+            <a:picLocks noChangeAspect="1"/>
+          </p:cNvPicPr>
           <p:nvPr/>
-        </p:nvSpPr>
+        </p:nvPicPr>
+        <p:blipFill>
+          <a:blip r:embed="rId3">
+            <a:extLst>
+              <a:ext uri="{28A0092B-C50C-407E-A947-70E740481C1C}">
+                <a14:useLocalDpi xmlns:a14="http://schemas.microsoft.com/office/drawing/2010/main" val="0"/>
+              </a:ext>
+            </a:extLst>
+          </a:blip>
+          <a:stretch>
+            <a:fillRect/>
+          </a:stretch>
+        </p:blipFill>
         <p:spPr>
           <a:xfrm>
-            <a:off x="1122232" y="1600481"/>
-            <a:ext cx="4240595" cy="461665"/>
+            <a:off x="0" y="434858"/>
+            <a:ext cx="12192000" cy="5634817"/>
           </a:xfrm>
           <a:prstGeom prst="rect">
             <a:avLst/>
           </a:prstGeom>
-          <a:noFill/>
         </p:spPr>
-        <p:txBody>
-          <a:bodyPr wrap="square" rtlCol="0">
-            <a:spAutoFit/>
-          </a:bodyPr>
-          <a:lstStyle/>
-          <a:p>
-            <a:r>
-              <a:rPr lang="en-US" sz="2400" b="1" dirty="0">
-                <a:latin typeface="Times New Roman" panose="02020603050405020304" pitchFamily="18" charset="0"/>
-                <a:cs typeface="Times New Roman" panose="02020603050405020304" pitchFamily="18" charset="0"/>
-              </a:rPr>
-              <a:t>What have we learned?</a:t>
-            </a:r>
-            <a:endParaRPr lang="en-IN" sz="2400" b="1" dirty="0">
-              <a:latin typeface="Times New Roman" panose="02020603050405020304" pitchFamily="18" charset="0"/>
-              <a:cs typeface="Times New Roman" panose="02020603050405020304" pitchFamily="18" charset="0"/>
-            </a:endParaRPr>
-          </a:p>
-        </p:txBody>
-      </p:sp>
-      <p:sp>
-        <p:nvSpPr>
-          <p:cNvPr id="16" name="TextBox 15">
-            <a:extLst>
-              <a:ext uri="{FF2B5EF4-FFF2-40B4-BE49-F238E27FC236}">
-                <a16:creationId xmlns:a16="http://schemas.microsoft.com/office/drawing/2014/main" id="{BA12924D-431A-0EEA-FDCF-DC3550E4317D}"/>
-              </a:ext>
-            </a:extLst>
-          </p:cNvPr>
-          <p:cNvSpPr txBox="1"/>
-          <p:nvPr/>
-        </p:nvSpPr>
-        <p:spPr>
-          <a:xfrm>
-            <a:off x="1122232" y="2358009"/>
-            <a:ext cx="10133215" cy="1292662"/>
-          </a:xfrm>
-          <a:prstGeom prst="rect">
-            <a:avLst/>
-          </a:prstGeom>
-          <a:noFill/>
-        </p:spPr>
-        <p:txBody>
-          <a:bodyPr wrap="square" rtlCol="0">
-            <a:spAutoFit/>
-          </a:bodyPr>
-          <a:lstStyle/>
-          <a:p>
-            <a:pPr marL="285750" indent="-285750">
-              <a:buFont typeface="Arial" panose="020B0604020202020204" pitchFamily="34" charset="0"/>
-              <a:buChar char="•"/>
-            </a:pPr>
-            <a:r>
-              <a:rPr lang="en-US" b="0" i="0" dirty="0">
-                <a:solidFill>
-                  <a:srgbClr val="374151"/>
-                </a:solidFill>
-                <a:effectLst/>
-                <a:latin typeface="Times New Roman" panose="02020603050405020304" pitchFamily="18" charset="0"/>
-                <a:cs typeface="Times New Roman" panose="02020603050405020304" pitchFamily="18" charset="0"/>
-              </a:rPr>
-              <a:t>Modern web development requires seamless integration between frontend, backend, and external APIs</a:t>
-            </a:r>
-          </a:p>
-          <a:p>
-            <a:pPr marL="285750" indent="-285750">
-              <a:buFont typeface="Arial" panose="020B0604020202020204" pitchFamily="34" charset="0"/>
-              <a:buChar char="•"/>
-            </a:pPr>
-            <a:endParaRPr lang="en-US" dirty="0">
-              <a:solidFill>
-                <a:srgbClr val="374151"/>
-              </a:solidFill>
-              <a:latin typeface="Times New Roman" panose="02020603050405020304" pitchFamily="18" charset="0"/>
-              <a:cs typeface="Times New Roman" panose="02020603050405020304" pitchFamily="18" charset="0"/>
-            </a:endParaRPr>
-          </a:p>
-          <a:p>
-            <a:pPr marL="285750" indent="-285750">
-              <a:buFont typeface="Arial" panose="020B0604020202020204" pitchFamily="34" charset="0"/>
-              <a:buChar char="•"/>
-            </a:pPr>
-            <a:r>
-              <a:rPr lang="en-US" b="0" i="0" dirty="0">
-                <a:solidFill>
-                  <a:srgbClr val="374151"/>
-                </a:solidFill>
-                <a:effectLst/>
-                <a:latin typeface="Times New Roman" panose="02020603050405020304" pitchFamily="18" charset="0"/>
-                <a:cs typeface="Times New Roman" panose="02020603050405020304" pitchFamily="18" charset="0"/>
-              </a:rPr>
-              <a:t>Real-time financial data presents unique challenges in reliability and performance optimization </a:t>
-            </a:r>
-          </a:p>
-          <a:p>
-            <a:pPr marL="285750" indent="-285750">
-              <a:buFont typeface="Arial" panose="020B0604020202020204" pitchFamily="34" charset="0"/>
-              <a:buChar char="•"/>
-            </a:pPr>
-            <a:endParaRPr lang="en-US" sz="2400" b="0" i="0" dirty="0">
-              <a:solidFill>
-                <a:srgbClr val="374151"/>
-              </a:solidFill>
-              <a:effectLst/>
-              <a:highlight>
-                <a:srgbClr val="FFFF00"/>
-              </a:highlight>
-              <a:latin typeface="Times New Roman" panose="02020603050405020304" pitchFamily="18" charset="0"/>
-              <a:cs typeface="Times New Roman" panose="02020603050405020304" pitchFamily="18" charset="0"/>
-            </a:endParaRPr>
-          </a:p>
-        </p:txBody>
-      </p:sp>
-      <p:sp>
-        <p:nvSpPr>
-          <p:cNvPr id="2" name="Rectangle 1">
-            <a:extLst>
-              <a:ext uri="{FF2B5EF4-FFF2-40B4-BE49-F238E27FC236}">
-                <a16:creationId xmlns:a16="http://schemas.microsoft.com/office/drawing/2014/main" id="{DC49D467-CEAF-D431-D5FB-17418CC41076}"/>
-              </a:ext>
-            </a:extLst>
-          </p:cNvPr>
-          <p:cNvSpPr/>
-          <p:nvPr/>
-        </p:nvSpPr>
-        <p:spPr>
-          <a:xfrm>
-            <a:off x="4816313" y="334769"/>
-            <a:ext cx="2145139" cy="584775"/>
-          </a:xfrm>
-          <a:prstGeom prst="rect">
-            <a:avLst/>
-          </a:prstGeom>
-          <a:noFill/>
-        </p:spPr>
-        <p:txBody>
-          <a:bodyPr wrap="none" lIns="91440" tIns="45720" rIns="91440" bIns="45720">
-            <a:spAutoFit/>
-          </a:bodyPr>
-          <a:lstStyle/>
-          <a:p>
-            <a:pPr algn="ctr"/>
-            <a:r>
-              <a:rPr lang="en-US" sz="3200" b="1" cap="none" spc="0" dirty="0">
-                <a:ln w="0"/>
-                <a:solidFill>
-                  <a:schemeClr val="tx1"/>
-                </a:solidFill>
-                <a:effectLst>
-                  <a:outerShdw blurRad="38100" dist="19050" dir="2700000" algn="tl" rotWithShape="0">
-                    <a:schemeClr val="dk1">
-                      <a:alpha val="40000"/>
-                    </a:schemeClr>
-                  </a:outerShdw>
-                </a:effectLst>
-                <a:latin typeface="Times New Roman" panose="02020603050405020304" pitchFamily="18" charset="0"/>
-                <a:cs typeface="Times New Roman" panose="02020603050405020304" pitchFamily="18" charset="0"/>
-              </a:rPr>
-              <a:t>Conclusion</a:t>
-            </a:r>
-          </a:p>
-        </p:txBody>
-      </p:sp>
+      </p:pic>
     </p:spTree>
     <p:extLst>
       <p:ext uri="{BB962C8B-B14F-4D97-AF65-F5344CB8AC3E}">
-        <p14:creationId xmlns:p14="http://schemas.microsoft.com/office/powerpoint/2010/main" val="3257695602"/>
+        <p14:creationId xmlns:p14="http://schemas.microsoft.com/office/powerpoint/2010/main" val="1959893442"/>
       </p:ext>
     </p:extLst>
   </p:cSld>
@@ -8946,10 +9033,10 @@
       </p:grpSpPr>
       <p:sp>
         <p:nvSpPr>
-          <p:cNvPr id="7" name="TextBox 6">
+          <p:cNvPr id="4" name="TextBox 3">
             <a:extLst>
               <a:ext uri="{FF2B5EF4-FFF2-40B4-BE49-F238E27FC236}">
-                <a16:creationId xmlns:a16="http://schemas.microsoft.com/office/drawing/2014/main" id="{DA0D1BDA-143C-F018-1684-F9117920B74A}"/>
+                <a16:creationId xmlns:a16="http://schemas.microsoft.com/office/drawing/2014/main" id="{231AA983-A074-173B-6935-10C227767BBD}"/>
               </a:ext>
             </a:extLst>
           </p:cNvPr>
@@ -8958,8 +9045,8 @@
         </p:nvSpPr>
         <p:spPr>
           <a:xfrm>
-            <a:off x="1122232" y="1600481"/>
-            <a:ext cx="7553042" cy="461665"/>
+            <a:off x="1733365" y="339134"/>
+            <a:ext cx="8175948" cy="584775"/>
           </a:xfrm>
           <a:prstGeom prst="rect">
             <a:avLst/>
@@ -8967,158 +9054,15 @@
           <a:noFill/>
         </p:spPr>
         <p:txBody>
-          <a:bodyPr wrap="square" rtlCol="0">
+          <a:bodyPr wrap="square">
             <a:spAutoFit/>
           </a:bodyPr>
           <a:lstStyle/>
           <a:p>
-            <a:r>
-              <a:rPr lang="en-US" altLang="zh-CN" sz="2400" b="1" dirty="0">
-                <a:latin typeface="Times New Roman" panose="02020603050405020304" pitchFamily="18" charset="0"/>
-                <a:cs typeface="Times New Roman" panose="02020603050405020304" pitchFamily="18" charset="0"/>
-              </a:rPr>
-              <a:t>What could have been done if given more time</a:t>
-            </a:r>
-            <a:endParaRPr lang="en-IN" altLang="zh-CN" sz="2400" b="1" dirty="0">
-              <a:latin typeface="Times New Roman" panose="02020603050405020304" pitchFamily="18" charset="0"/>
-              <a:cs typeface="Times New Roman" panose="02020603050405020304" pitchFamily="18" charset="0"/>
-            </a:endParaRPr>
-          </a:p>
-        </p:txBody>
-      </p:sp>
-      <p:sp>
-        <p:nvSpPr>
-          <p:cNvPr id="16" name="TextBox 15">
-            <a:extLst>
-              <a:ext uri="{FF2B5EF4-FFF2-40B4-BE49-F238E27FC236}">
-                <a16:creationId xmlns:a16="http://schemas.microsoft.com/office/drawing/2014/main" id="{BA12924D-431A-0EEA-FDCF-DC3550E4317D}"/>
-              </a:ext>
-            </a:extLst>
-          </p:cNvPr>
-          <p:cNvSpPr txBox="1"/>
-          <p:nvPr/>
-        </p:nvSpPr>
-        <p:spPr>
-          <a:xfrm>
-            <a:off x="1122232" y="2358009"/>
-            <a:ext cx="10133215" cy="1292662"/>
-          </a:xfrm>
-          <a:prstGeom prst="rect">
-            <a:avLst/>
-          </a:prstGeom>
-          <a:noFill/>
-        </p:spPr>
-        <p:txBody>
-          <a:bodyPr wrap="square" rtlCol="0">
-            <a:spAutoFit/>
-          </a:bodyPr>
-          <a:lstStyle/>
-          <a:p>
-            <a:pPr marL="285750" indent="-285750">
-              <a:buFont typeface="Arial" panose="020B0604020202020204" pitchFamily="34" charset="0"/>
-              <a:buChar char="•"/>
-            </a:pPr>
-            <a:r>
-              <a:rPr lang="en-US" altLang="zh-CN" dirty="0">
-                <a:solidFill>
-                  <a:srgbClr val="374151"/>
-                </a:solidFill>
-                <a:latin typeface="Times New Roman" panose="02020603050405020304" pitchFamily="18" charset="0"/>
-                <a:cs typeface="Times New Roman" panose="02020603050405020304" pitchFamily="18" charset="0"/>
-              </a:rPr>
-              <a:t>Advanced portfolio analytics with machine learning predictions and risk assessment algorithms</a:t>
-            </a:r>
-          </a:p>
-          <a:p>
-            <a:pPr marL="285750" indent="-285750">
-              <a:buFont typeface="Arial" panose="020B0604020202020204" pitchFamily="34" charset="0"/>
-              <a:buChar char="•"/>
-            </a:pPr>
-            <a:endParaRPr lang="en-US" altLang="zh-CN" dirty="0">
-              <a:solidFill>
-                <a:srgbClr val="374151"/>
-              </a:solidFill>
-              <a:latin typeface="Times New Roman" panose="02020603050405020304" pitchFamily="18" charset="0"/>
-              <a:cs typeface="Times New Roman" panose="02020603050405020304" pitchFamily="18" charset="0"/>
-            </a:endParaRPr>
-          </a:p>
-          <a:p>
-            <a:pPr marL="285750" indent="-285750">
-              <a:buFont typeface="Arial" panose="020B0604020202020204" pitchFamily="34" charset="0"/>
-              <a:buChar char="•"/>
-            </a:pPr>
-            <a:r>
-              <a:rPr lang="en-US" altLang="zh-CN" dirty="0">
-                <a:solidFill>
-                  <a:srgbClr val="374151"/>
-                </a:solidFill>
-                <a:latin typeface="Times New Roman" panose="02020603050405020304" pitchFamily="18" charset="0"/>
-                <a:cs typeface="Times New Roman" panose="02020603050405020304" pitchFamily="18" charset="0"/>
-              </a:rPr>
-              <a:t>Mobile app development, advanced charting features, and AI-powered investment recommendations</a:t>
-            </a:r>
-            <a:endParaRPr lang="en-IN" altLang="zh-CN" dirty="0">
-              <a:solidFill>
-                <a:srgbClr val="374151"/>
-              </a:solidFill>
-              <a:latin typeface="Times New Roman" panose="02020603050405020304" pitchFamily="18" charset="0"/>
-              <a:cs typeface="Times New Roman" panose="02020603050405020304" pitchFamily="18" charset="0"/>
-            </a:endParaRPr>
-          </a:p>
-          <a:p>
-            <a:pPr marL="285750" indent="-285750">
-              <a:buFont typeface="Arial" panose="020B0604020202020204" pitchFamily="34" charset="0"/>
-              <a:buChar char="•"/>
-            </a:pPr>
-            <a:endParaRPr lang="en-US" sz="2400" b="0" i="0" dirty="0">
-              <a:solidFill>
-                <a:srgbClr val="374151"/>
-              </a:solidFill>
-              <a:effectLst/>
-              <a:highlight>
-                <a:srgbClr val="FFFF00"/>
-              </a:highlight>
-              <a:latin typeface="Times New Roman" panose="02020603050405020304" pitchFamily="18" charset="0"/>
-              <a:cs typeface="Times New Roman" panose="02020603050405020304" pitchFamily="18" charset="0"/>
-            </a:endParaRPr>
-          </a:p>
-        </p:txBody>
-      </p:sp>
-      <p:sp>
-        <p:nvSpPr>
-          <p:cNvPr id="2" name="Rectangle 1">
-            <a:extLst>
-              <a:ext uri="{FF2B5EF4-FFF2-40B4-BE49-F238E27FC236}">
-                <a16:creationId xmlns:a16="http://schemas.microsoft.com/office/drawing/2014/main" id="{DC49D467-CEAF-D431-D5FB-17418CC41076}"/>
-              </a:ext>
-            </a:extLst>
-          </p:cNvPr>
-          <p:cNvSpPr/>
-          <p:nvPr/>
-        </p:nvSpPr>
-        <p:spPr>
-          <a:xfrm>
-            <a:off x="4816313" y="334769"/>
-            <a:ext cx="2145139" cy="584775"/>
-          </a:xfrm>
-          <a:prstGeom prst="rect">
-            <a:avLst/>
-          </a:prstGeom>
-          <a:noFill/>
-        </p:spPr>
-        <p:txBody>
-          <a:bodyPr wrap="none" lIns="91440" tIns="45720" rIns="91440" bIns="45720">
-            <a:spAutoFit/>
-          </a:bodyPr>
-          <a:lstStyle/>
-          <a:p>
             <a:pPr algn="ctr"/>
             <a:r>
               <a:rPr lang="en-US" sz="3200" b="1" cap="none" spc="0" dirty="0">
                 <a:ln w="0"/>
-                <a:solidFill>
-                  <a:schemeClr val="tx1"/>
-                </a:solidFill>
                 <a:effectLst>
                   <a:outerShdw blurRad="38100" dist="19050" dir="2700000" algn="tl" rotWithShape="0">
                     <a:schemeClr val="dk1">
@@ -9129,15 +9073,263 @@
                 <a:latin typeface="Times New Roman" panose="02020603050405020304" pitchFamily="18" charset="0"/>
                 <a:cs typeface="Times New Roman" panose="02020603050405020304" pitchFamily="18" charset="0"/>
               </a:rPr>
-              <a:t>Conclusion</a:t>
-            </a:r>
+              <a:t>Frontend Development</a:t>
+            </a:r>
+          </a:p>
+        </p:txBody>
+      </p:sp>
+      <p:sp>
+        <p:nvSpPr>
+          <p:cNvPr id="6" name="TextBox 5">
+            <a:extLst>
+              <a:ext uri="{FF2B5EF4-FFF2-40B4-BE49-F238E27FC236}">
+                <a16:creationId xmlns:a16="http://schemas.microsoft.com/office/drawing/2014/main" id="{100BAABF-5E0B-4E54-691E-AFFE52B7B306}"/>
+              </a:ext>
+            </a:extLst>
+          </p:cNvPr>
+          <p:cNvSpPr txBox="1"/>
+          <p:nvPr/>
+        </p:nvSpPr>
+        <p:spPr>
+          <a:xfrm>
+            <a:off x="1072367" y="1262463"/>
+            <a:ext cx="10928412" cy="461665"/>
+          </a:xfrm>
+          <a:prstGeom prst="rect">
+            <a:avLst/>
+          </a:prstGeom>
+          <a:noFill/>
+        </p:spPr>
+        <p:txBody>
+          <a:bodyPr wrap="square" rtlCol="0">
+            <a:spAutoFit/>
+          </a:bodyPr>
+          <a:lstStyle/>
+          <a:p>
+            <a:r>
+              <a:rPr lang="en-US" sz="2400" b="1" kern="100" dirty="0">
+                <a:effectLst/>
+                <a:latin typeface="Times New Roman" panose="02020603050405020304" pitchFamily="18" charset="0"/>
+                <a:ea typeface="Calibri" panose="020F0502020204030204" pitchFamily="34" charset="0"/>
+                <a:cs typeface="Times New Roman" panose="02020603050405020304" pitchFamily="18" charset="0"/>
+              </a:rPr>
+              <a:t>Three Main User Interfaces for complete trading experience</a:t>
+            </a:r>
+            <a:endParaRPr lang="en-IN" sz="2400" dirty="0"/>
+          </a:p>
+        </p:txBody>
+      </p:sp>
+      <p:sp>
+        <p:nvSpPr>
+          <p:cNvPr id="7" name="TextBox 6">
+            <a:extLst>
+              <a:ext uri="{FF2B5EF4-FFF2-40B4-BE49-F238E27FC236}">
+                <a16:creationId xmlns:a16="http://schemas.microsoft.com/office/drawing/2014/main" id="{2EA02871-99A1-0544-F4BC-537D19F5A432}"/>
+              </a:ext>
+            </a:extLst>
+          </p:cNvPr>
+          <p:cNvSpPr txBox="1"/>
+          <p:nvPr/>
+        </p:nvSpPr>
+        <p:spPr>
+          <a:xfrm>
+            <a:off x="1168542" y="2005174"/>
+            <a:ext cx="9586544" cy="1015663"/>
+          </a:xfrm>
+          <a:prstGeom prst="rect">
+            <a:avLst/>
+          </a:prstGeom>
+          <a:noFill/>
+        </p:spPr>
+        <p:txBody>
+          <a:bodyPr wrap="square" rtlCol="0">
+            <a:spAutoFit/>
+          </a:bodyPr>
+          <a:lstStyle/>
+          <a:p>
+            <a:pPr marL="285750" indent="-285750">
+              <a:buFont typeface="Arial" panose="020B0604020202020204" pitchFamily="34" charset="0"/>
+              <a:buChar char="•"/>
+            </a:pPr>
+            <a:r>
+              <a:rPr lang="en-US" sz="2000" dirty="0">
+                <a:latin typeface="Times New Roman" panose="02020603050405020304" pitchFamily="18" charset="0"/>
+                <a:cs typeface="Times New Roman" panose="02020603050405020304" pitchFamily="18" charset="0"/>
+              </a:rPr>
+              <a:t>Dashboard (index.html)</a:t>
+            </a:r>
+          </a:p>
+          <a:p>
+            <a:pPr marL="285750" indent="-285750">
+              <a:buFont typeface="Arial" panose="020B0604020202020204" pitchFamily="34" charset="0"/>
+              <a:buChar char="•"/>
+            </a:pPr>
+            <a:r>
+              <a:rPr lang="en-US" sz="2000" dirty="0">
+                <a:latin typeface="Times New Roman" panose="02020603050405020304" pitchFamily="18" charset="0"/>
+                <a:cs typeface="Times New Roman" panose="02020603050405020304" pitchFamily="18" charset="0"/>
+              </a:rPr>
+              <a:t>Buy Page (buy-stock.html)</a:t>
+            </a:r>
+          </a:p>
+          <a:p>
+            <a:pPr marL="285750" indent="-285750">
+              <a:buFont typeface="Arial" panose="020B0604020202020204" pitchFamily="34" charset="0"/>
+              <a:buChar char="•"/>
+            </a:pPr>
+            <a:r>
+              <a:rPr lang="en-US" sz="2000" dirty="0">
+                <a:latin typeface="Times New Roman" panose="02020603050405020304" pitchFamily="18" charset="0"/>
+                <a:cs typeface="Times New Roman" panose="02020603050405020304" pitchFamily="18" charset="0"/>
+              </a:rPr>
+              <a:t>Sell Page (sell-stock.html)</a:t>
+            </a:r>
+            <a:endParaRPr lang="en-IN" sz="2000" dirty="0">
+              <a:latin typeface="Times New Roman" panose="02020603050405020304" pitchFamily="18" charset="0"/>
+              <a:cs typeface="Times New Roman" panose="02020603050405020304" pitchFamily="18" charset="0"/>
+            </a:endParaRPr>
+          </a:p>
+        </p:txBody>
+      </p:sp>
+      <p:sp>
+        <p:nvSpPr>
+          <p:cNvPr id="10" name="TextBox 9">
+            <a:extLst>
+              <a:ext uri="{FF2B5EF4-FFF2-40B4-BE49-F238E27FC236}">
+                <a16:creationId xmlns:a16="http://schemas.microsoft.com/office/drawing/2014/main" id="{DFACC9D2-3FE8-10EB-28C7-FCF98A25C853}"/>
+              </a:ext>
+            </a:extLst>
+          </p:cNvPr>
+          <p:cNvSpPr txBox="1"/>
+          <p:nvPr/>
+        </p:nvSpPr>
+        <p:spPr>
+          <a:xfrm>
+            <a:off x="1072367" y="3301883"/>
+            <a:ext cx="7431551" cy="461665"/>
+          </a:xfrm>
+          <a:prstGeom prst="rect">
+            <a:avLst/>
+          </a:prstGeom>
+          <a:noFill/>
+        </p:spPr>
+        <p:txBody>
+          <a:bodyPr wrap="square">
+            <a:spAutoFit/>
+          </a:bodyPr>
+          <a:lstStyle/>
+          <a:p>
+            <a:pPr lvl="0"/>
+            <a:r>
+              <a:rPr lang="en-US" sz="2400" b="1" kern="100" dirty="0">
+                <a:latin typeface="Times New Roman" panose="02020603050405020304" pitchFamily="18" charset="0"/>
+                <a:ea typeface="Calibri" panose="020F0502020204030204" pitchFamily="34" charset="0"/>
+                <a:cs typeface="Times New Roman" panose="02020603050405020304" pitchFamily="18" charset="0"/>
+              </a:rPr>
+              <a:t>Interactive data visualization using Chart.js</a:t>
+            </a:r>
+            <a:endParaRPr lang="en-IN" sz="2400" b="1" kern="100" dirty="0">
+              <a:latin typeface="Times New Roman" panose="02020603050405020304" pitchFamily="18" charset="0"/>
+              <a:ea typeface="Calibri" panose="020F0502020204030204" pitchFamily="34" charset="0"/>
+              <a:cs typeface="Times New Roman" panose="02020603050405020304" pitchFamily="18" charset="0"/>
+            </a:endParaRPr>
+          </a:p>
+        </p:txBody>
+      </p:sp>
+      <p:sp>
+        <p:nvSpPr>
+          <p:cNvPr id="2" name="TextBox 9">
+            <a:extLst>
+              <a:ext uri="{FF2B5EF4-FFF2-40B4-BE49-F238E27FC236}">
+                <a16:creationId xmlns:a16="http://schemas.microsoft.com/office/drawing/2014/main" id="{2B9ABFD1-178A-156B-18F6-6552C17EF8EE}"/>
+              </a:ext>
+            </a:extLst>
+          </p:cNvPr>
+          <p:cNvSpPr txBox="1"/>
+          <p:nvPr/>
+        </p:nvSpPr>
+        <p:spPr>
+          <a:xfrm>
+            <a:off x="1072367" y="3989722"/>
+            <a:ext cx="8269372" cy="461665"/>
+          </a:xfrm>
+          <a:prstGeom prst="rect">
+            <a:avLst/>
+          </a:prstGeom>
+          <a:noFill/>
+        </p:spPr>
+        <p:txBody>
+          <a:bodyPr wrap="square">
+            <a:spAutoFit/>
+          </a:bodyPr>
+          <a:lstStyle/>
+          <a:p>
+            <a:pPr lvl="0"/>
+            <a:r>
+              <a:rPr lang="en-US" sz="2400" b="1" kern="100" dirty="0">
+                <a:latin typeface="Times New Roman" panose="02020603050405020304" pitchFamily="18" charset="0"/>
+                <a:ea typeface="Calibri" panose="020F0502020204030204" pitchFamily="34" charset="0"/>
+                <a:cs typeface="Times New Roman" panose="02020603050405020304" pitchFamily="18" charset="0"/>
+              </a:rPr>
+              <a:t>Modern responsive design with Tailwind CSS</a:t>
+            </a:r>
+            <a:endParaRPr lang="en-IN" sz="2400" b="1" kern="100" dirty="0">
+              <a:latin typeface="Times New Roman" panose="02020603050405020304" pitchFamily="18" charset="0"/>
+              <a:ea typeface="Calibri" panose="020F0502020204030204" pitchFamily="34" charset="0"/>
+              <a:cs typeface="Times New Roman" panose="02020603050405020304" pitchFamily="18" charset="0"/>
+            </a:endParaRPr>
+          </a:p>
+        </p:txBody>
+      </p:sp>
+      <p:sp>
+        <p:nvSpPr>
+          <p:cNvPr id="3" name="TextBox 9">
+            <a:extLst>
+              <a:ext uri="{FF2B5EF4-FFF2-40B4-BE49-F238E27FC236}">
+                <a16:creationId xmlns:a16="http://schemas.microsoft.com/office/drawing/2014/main" id="{4F406252-C50D-056D-EB7D-A0FFECC8EDBC}"/>
+              </a:ext>
+            </a:extLst>
+          </p:cNvPr>
+          <p:cNvSpPr txBox="1"/>
+          <p:nvPr/>
+        </p:nvSpPr>
+        <p:spPr>
+          <a:xfrm>
+            <a:off x="1072367" y="4920890"/>
+            <a:ext cx="8269372" cy="461665"/>
+          </a:xfrm>
+          <a:prstGeom prst="rect">
+            <a:avLst/>
+          </a:prstGeom>
+          <a:noFill/>
+        </p:spPr>
+        <p:txBody>
+          <a:bodyPr wrap="square">
+            <a:spAutoFit/>
+          </a:bodyPr>
+          <a:lstStyle/>
+          <a:p>
+            <a:pPr lvl="0"/>
+            <a:r>
+              <a:rPr lang="en-US" sz="2400" b="1" kern="100" dirty="0">
+                <a:latin typeface="Times New Roman" panose="02020603050405020304" pitchFamily="18" charset="0"/>
+                <a:ea typeface="Calibri" panose="020F0502020204030204" pitchFamily="34" charset="0"/>
+                <a:cs typeface="Times New Roman" panose="02020603050405020304" pitchFamily="18" charset="0"/>
+              </a:rPr>
+              <a:t>User experience optimization and form validation</a:t>
+            </a:r>
+            <a:endParaRPr lang="en-IN" sz="2400" b="1" kern="100" dirty="0">
+              <a:latin typeface="Times New Roman" panose="02020603050405020304" pitchFamily="18" charset="0"/>
+              <a:ea typeface="Calibri" panose="020F0502020204030204" pitchFamily="34" charset="0"/>
+              <a:cs typeface="Times New Roman" panose="02020603050405020304" pitchFamily="18" charset="0"/>
+            </a:endParaRPr>
           </a:p>
         </p:txBody>
       </p:sp>
     </p:spTree>
     <p:extLst>
       <p:ext uri="{BB962C8B-B14F-4D97-AF65-F5344CB8AC3E}">
-        <p14:creationId xmlns:p14="http://schemas.microsoft.com/office/powerpoint/2010/main" val="3595508210"/>
+        <p14:creationId xmlns:p14="http://schemas.microsoft.com/office/powerpoint/2010/main" val="1700619229"/>
       </p:ext>
     </p:extLst>
   </p:cSld>
@@ -9164,222 +9356,46 @@
           <a:chExt cx="0" cy="0"/>
         </a:xfrm>
       </p:grpSpPr>
-      <p:sp>
-        <p:nvSpPr>
-          <p:cNvPr id="7" name="TextBox 6">
+      <p:pic>
+        <p:nvPicPr>
+          <p:cNvPr id="4" name="图片 3">
             <a:extLst>
               <a:ext uri="{FF2B5EF4-FFF2-40B4-BE49-F238E27FC236}">
-                <a16:creationId xmlns:a16="http://schemas.microsoft.com/office/drawing/2014/main" id="{DA0D1BDA-143C-F018-1684-F9117920B74A}"/>
+                <a16:creationId xmlns:a16="http://schemas.microsoft.com/office/drawing/2014/main" id="{913BE2B9-DBAF-01A6-0025-4A5C21BADCAF}"/>
               </a:ext>
             </a:extLst>
           </p:cNvPr>
-          <p:cNvSpPr txBox="1"/>
+          <p:cNvPicPr>
+            <a:picLocks noChangeAspect="1"/>
+          </p:cNvPicPr>
           <p:nvPr/>
-        </p:nvSpPr>
+        </p:nvPicPr>
+        <p:blipFill>
+          <a:blip r:embed="rId3">
+            <a:extLst>
+              <a:ext uri="{28A0092B-C50C-407E-A947-70E740481C1C}">
+                <a14:useLocalDpi xmlns:a14="http://schemas.microsoft.com/office/drawing/2010/main" val="0"/>
+              </a:ext>
+            </a:extLst>
+          </a:blip>
+          <a:stretch>
+            <a:fillRect/>
+          </a:stretch>
+        </p:blipFill>
         <p:spPr>
           <a:xfrm>
-            <a:off x="1122232" y="1600481"/>
-            <a:ext cx="7553042" cy="461665"/>
+            <a:off x="0" y="343019"/>
+            <a:ext cx="12192000" cy="6171962"/>
           </a:xfrm>
           <a:prstGeom prst="rect">
             <a:avLst/>
           </a:prstGeom>
-          <a:noFill/>
         </p:spPr>
-        <p:txBody>
-          <a:bodyPr wrap="square" rtlCol="0">
-            <a:spAutoFit/>
-          </a:bodyPr>
-          <a:lstStyle/>
-          <a:p>
-            <a:r>
-              <a:rPr lang="en-US" altLang="zh-CN" sz="2400" b="1" dirty="0">
-                <a:latin typeface="Times New Roman" panose="02020603050405020304" pitchFamily="18" charset="0"/>
-                <a:cs typeface="Times New Roman" panose="02020603050405020304" pitchFamily="18" charset="0"/>
-              </a:rPr>
-              <a:t>How could this be useful to your work at your company</a:t>
-            </a:r>
-            <a:endParaRPr lang="en-IN" altLang="zh-CN" sz="2400" b="1" dirty="0">
-              <a:latin typeface="Times New Roman" panose="02020603050405020304" pitchFamily="18" charset="0"/>
-              <a:cs typeface="Times New Roman" panose="02020603050405020304" pitchFamily="18" charset="0"/>
-            </a:endParaRPr>
-          </a:p>
-        </p:txBody>
-      </p:sp>
-      <p:sp>
-        <p:nvSpPr>
-          <p:cNvPr id="16" name="TextBox 15">
-            <a:extLst>
-              <a:ext uri="{FF2B5EF4-FFF2-40B4-BE49-F238E27FC236}">
-                <a16:creationId xmlns:a16="http://schemas.microsoft.com/office/drawing/2014/main" id="{BA12924D-431A-0EEA-FDCF-DC3550E4317D}"/>
-              </a:ext>
-            </a:extLst>
-          </p:cNvPr>
-          <p:cNvSpPr txBox="1"/>
-          <p:nvPr/>
-        </p:nvSpPr>
-        <p:spPr>
-          <a:xfrm>
-            <a:off x="1122232" y="2358009"/>
-            <a:ext cx="10133215" cy="2123658"/>
-          </a:xfrm>
-          <a:prstGeom prst="rect">
-            <a:avLst/>
-          </a:prstGeom>
-          <a:noFill/>
-        </p:spPr>
-        <p:txBody>
-          <a:bodyPr wrap="square" rtlCol="0">
-            <a:spAutoFit/>
-          </a:bodyPr>
-          <a:lstStyle/>
-          <a:p>
-            <a:pPr marL="285750" indent="-285750">
-              <a:buFont typeface="Arial" panose="020B0604020202020204" pitchFamily="34" charset="0"/>
-              <a:buChar char="•"/>
-            </a:pPr>
-            <a:r>
-              <a:rPr lang="en-US" altLang="zh-CN" dirty="0">
-                <a:solidFill>
-                  <a:srgbClr val="374151"/>
-                </a:solidFill>
-                <a:latin typeface="Times New Roman" panose="02020603050405020304" pitchFamily="18" charset="0"/>
-                <a:cs typeface="Times New Roman" panose="02020603050405020304" pitchFamily="18" charset="0"/>
-              </a:rPr>
-              <a:t>Demonstrates full-stack development skills, API integration expertise, and ability to build scalable financial applications</a:t>
-            </a:r>
-          </a:p>
-          <a:p>
-            <a:pPr marL="285750" indent="-285750">
-              <a:buFont typeface="Arial" panose="020B0604020202020204" pitchFamily="34" charset="0"/>
-              <a:buChar char="•"/>
-            </a:pPr>
-            <a:endParaRPr lang="en-US" altLang="zh-CN" dirty="0">
-              <a:solidFill>
-                <a:srgbClr val="374151"/>
-              </a:solidFill>
-              <a:latin typeface="Times New Roman" panose="02020603050405020304" pitchFamily="18" charset="0"/>
-              <a:cs typeface="Times New Roman" panose="02020603050405020304" pitchFamily="18" charset="0"/>
-            </a:endParaRPr>
-          </a:p>
-          <a:p>
-            <a:pPr marL="285750" indent="-285750">
-              <a:buFont typeface="Arial" panose="020B0604020202020204" pitchFamily="34" charset="0"/>
-              <a:buChar char="•"/>
-            </a:pPr>
-            <a:r>
-              <a:rPr lang="en-US" altLang="zh-CN" dirty="0">
-                <a:solidFill>
-                  <a:srgbClr val="374151"/>
-                </a:solidFill>
-                <a:latin typeface="Times New Roman" panose="02020603050405020304" pitchFamily="18" charset="0"/>
-                <a:cs typeface="Times New Roman" panose="02020603050405020304" pitchFamily="18" charset="0"/>
-              </a:rPr>
-              <a:t>Showcases team collaboration - coordinated frontend/backend development with Git version control</a:t>
-            </a:r>
-          </a:p>
-          <a:p>
-            <a:pPr marL="285750" indent="-285750">
-              <a:buFont typeface="Arial" panose="020B0604020202020204" pitchFamily="34" charset="0"/>
-              <a:buChar char="•"/>
-            </a:pPr>
-            <a:endParaRPr lang="en-US" altLang="zh-CN" dirty="0">
-              <a:solidFill>
-                <a:srgbClr val="374151"/>
-              </a:solidFill>
-              <a:latin typeface="Times New Roman" panose="02020603050405020304" pitchFamily="18" charset="0"/>
-              <a:cs typeface="Times New Roman" panose="02020603050405020304" pitchFamily="18" charset="0"/>
-            </a:endParaRPr>
-          </a:p>
-          <a:p>
-            <a:pPr marL="285750" indent="-285750">
-              <a:buFont typeface="Arial" panose="020B0604020202020204" pitchFamily="34" charset="0"/>
-              <a:buChar char="•"/>
-            </a:pPr>
-            <a:r>
-              <a:rPr lang="en-US" altLang="zh-CN" dirty="0">
-                <a:solidFill>
-                  <a:srgbClr val="374151"/>
-                </a:solidFill>
-                <a:latin typeface="Times New Roman" panose="02020603050405020304" pitchFamily="18" charset="0"/>
-                <a:cs typeface="Times New Roman" panose="02020603050405020304" pitchFamily="18" charset="0"/>
-              </a:rPr>
-              <a:t>Proves problem-solving abilities - implemented error handling and reliability solutions under pressure</a:t>
-            </a:r>
-          </a:p>
-          <a:p>
-            <a:pPr marL="285750" indent="-285750">
-              <a:buFont typeface="Arial" panose="020B0604020202020204" pitchFamily="34" charset="0"/>
-              <a:buChar char="•"/>
-            </a:pPr>
-            <a:endParaRPr lang="en-US" sz="2400" b="0" i="0" dirty="0">
-              <a:solidFill>
-                <a:srgbClr val="374151"/>
-              </a:solidFill>
-              <a:effectLst/>
-              <a:highlight>
-                <a:srgbClr val="FFFF00"/>
-              </a:highlight>
-              <a:latin typeface="Times New Roman" panose="02020603050405020304" pitchFamily="18" charset="0"/>
-              <a:cs typeface="Times New Roman" panose="02020603050405020304" pitchFamily="18" charset="0"/>
-            </a:endParaRPr>
-          </a:p>
-        </p:txBody>
-      </p:sp>
-      <p:sp>
-        <p:nvSpPr>
-          <p:cNvPr id="2" name="Rectangle 1">
-            <a:extLst>
-              <a:ext uri="{FF2B5EF4-FFF2-40B4-BE49-F238E27FC236}">
-                <a16:creationId xmlns:a16="http://schemas.microsoft.com/office/drawing/2014/main" id="{DC49D467-CEAF-D431-D5FB-17418CC41076}"/>
-              </a:ext>
-            </a:extLst>
-          </p:cNvPr>
-          <p:cNvSpPr/>
-          <p:nvPr/>
-        </p:nvSpPr>
-        <p:spPr>
-          <a:xfrm>
-            <a:off x="4816313" y="334769"/>
-            <a:ext cx="2145139" cy="584775"/>
-          </a:xfrm>
-          <a:prstGeom prst="rect">
-            <a:avLst/>
-          </a:prstGeom>
-          <a:noFill/>
-        </p:spPr>
-        <p:txBody>
-          <a:bodyPr wrap="none" lIns="91440" tIns="45720" rIns="91440" bIns="45720">
-            <a:spAutoFit/>
-          </a:bodyPr>
-          <a:lstStyle/>
-          <a:p>
-            <a:pPr algn="ctr"/>
-            <a:r>
-              <a:rPr lang="en-US" sz="3200" b="1" cap="none" spc="0" dirty="0">
-                <a:ln w="0"/>
-                <a:solidFill>
-                  <a:schemeClr val="tx1"/>
-                </a:solidFill>
-                <a:effectLst>
-                  <a:outerShdw blurRad="38100" dist="19050" dir="2700000" algn="tl" rotWithShape="0">
-                    <a:schemeClr val="dk1">
-                      <a:alpha val="40000"/>
-                    </a:schemeClr>
-                  </a:outerShdw>
-                </a:effectLst>
-                <a:latin typeface="Times New Roman" panose="02020603050405020304" pitchFamily="18" charset="0"/>
-                <a:cs typeface="Times New Roman" panose="02020603050405020304" pitchFamily="18" charset="0"/>
-              </a:rPr>
-              <a:t>Conclusion</a:t>
-            </a:r>
-          </a:p>
-        </p:txBody>
-      </p:sp>
+      </p:pic>
     </p:spTree>
     <p:extLst>
       <p:ext uri="{BB962C8B-B14F-4D97-AF65-F5344CB8AC3E}">
-        <p14:creationId xmlns:p14="http://schemas.microsoft.com/office/powerpoint/2010/main" val="1213596663"/>
+        <p14:creationId xmlns:p14="http://schemas.microsoft.com/office/powerpoint/2010/main" val="4105598794"/>
       </p:ext>
     </p:extLst>
   </p:cSld>
@@ -9406,6 +9422,174 @@
           <a:chExt cx="0" cy="0"/>
         </a:xfrm>
       </p:grpSpPr>
+      <p:pic>
+        <p:nvPicPr>
+          <p:cNvPr id="3" name="图片 2">
+            <a:extLst>
+              <a:ext uri="{FF2B5EF4-FFF2-40B4-BE49-F238E27FC236}">
+                <a16:creationId xmlns:a16="http://schemas.microsoft.com/office/drawing/2014/main" id="{B6E0766C-30E8-799B-AC67-33BF6A1865FB}"/>
+              </a:ext>
+            </a:extLst>
+          </p:cNvPr>
+          <p:cNvPicPr>
+            <a:picLocks noChangeAspect="1"/>
+          </p:cNvPicPr>
+          <p:nvPr/>
+        </p:nvPicPr>
+        <p:blipFill>
+          <a:blip r:embed="rId3">
+            <a:extLst>
+              <a:ext uri="{28A0092B-C50C-407E-A947-70E740481C1C}">
+                <a14:useLocalDpi xmlns:a14="http://schemas.microsoft.com/office/drawing/2010/main" val="0"/>
+              </a:ext>
+            </a:extLst>
+          </a:blip>
+          <a:stretch>
+            <a:fillRect/>
+          </a:stretch>
+        </p:blipFill>
+        <p:spPr>
+          <a:xfrm>
+            <a:off x="0" y="481432"/>
+            <a:ext cx="12192000" cy="5895136"/>
+          </a:xfrm>
+          <a:prstGeom prst="rect">
+            <a:avLst/>
+          </a:prstGeom>
+        </p:spPr>
+      </p:pic>
+    </p:spTree>
+    <p:extLst>
+      <p:ext uri="{BB962C8B-B14F-4D97-AF65-F5344CB8AC3E}">
+        <p14:creationId xmlns:p14="http://schemas.microsoft.com/office/powerpoint/2010/main" val="1288711744"/>
+      </p:ext>
+    </p:extLst>
+  </p:cSld>
+  <p:clrMapOvr>
+    <a:masterClrMapping/>
+  </p:clrMapOvr>
+</p:sld>
+</file>
+
+<file path=ppt/slides/slide16.xml><?xml version="1.0" encoding="utf-8"?>
+<p:sld xmlns:a="http://schemas.openxmlformats.org/drawingml/2006/main" xmlns:r="http://schemas.openxmlformats.org/officeDocument/2006/relationships" xmlns:p="http://schemas.openxmlformats.org/presentationml/2006/main">
+  <p:cSld>
+    <p:spTree>
+      <p:nvGrpSpPr>
+        <p:cNvPr id="1" name=""/>
+        <p:cNvGrpSpPr/>
+        <p:nvPr/>
+      </p:nvGrpSpPr>
+      <p:grpSpPr>
+        <a:xfrm>
+          <a:off x="0" y="0"/>
+          <a:ext cx="0" cy="0"/>
+          <a:chOff x="0" y="0"/>
+          <a:chExt cx="0" cy="0"/>
+        </a:xfrm>
+      </p:grpSpPr>
+      <p:pic>
+        <p:nvPicPr>
+          <p:cNvPr id="3" name="图片 2">
+            <a:extLst>
+              <a:ext uri="{FF2B5EF4-FFF2-40B4-BE49-F238E27FC236}">
+                <a16:creationId xmlns:a16="http://schemas.microsoft.com/office/drawing/2014/main" id="{8AF04E25-6227-D6C1-0AC5-46B7ED35BB07}"/>
+              </a:ext>
+            </a:extLst>
+          </p:cNvPr>
+          <p:cNvPicPr>
+            <a:picLocks noChangeAspect="1"/>
+          </p:cNvPicPr>
+          <p:nvPr/>
+        </p:nvPicPr>
+        <p:blipFill>
+          <a:blip r:embed="rId3">
+            <a:extLst>
+              <a:ext uri="{28A0092B-C50C-407E-A947-70E740481C1C}">
+                <a14:useLocalDpi xmlns:a14="http://schemas.microsoft.com/office/drawing/2010/main" val="0"/>
+              </a:ext>
+            </a:extLst>
+          </a:blip>
+          <a:stretch>
+            <a:fillRect/>
+          </a:stretch>
+        </p:blipFill>
+        <p:spPr>
+          <a:xfrm>
+            <a:off x="360248" y="838682"/>
+            <a:ext cx="7085581" cy="4463160"/>
+          </a:xfrm>
+          <a:prstGeom prst="rect">
+            <a:avLst/>
+          </a:prstGeom>
+        </p:spPr>
+      </p:pic>
+      <p:pic>
+        <p:nvPicPr>
+          <p:cNvPr id="5" name="图片 4">
+            <a:extLst>
+              <a:ext uri="{FF2B5EF4-FFF2-40B4-BE49-F238E27FC236}">
+                <a16:creationId xmlns:a16="http://schemas.microsoft.com/office/drawing/2014/main" id="{B07D95C7-B768-D01A-F1F1-7ACCA25A53F2}"/>
+              </a:ext>
+            </a:extLst>
+          </p:cNvPr>
+          <p:cNvPicPr>
+            <a:picLocks noChangeAspect="1"/>
+          </p:cNvPicPr>
+          <p:nvPr/>
+        </p:nvPicPr>
+        <p:blipFill>
+          <a:blip r:embed="rId4">
+            <a:extLst>
+              <a:ext uri="{28A0092B-C50C-407E-A947-70E740481C1C}">
+                <a14:useLocalDpi xmlns:a14="http://schemas.microsoft.com/office/drawing/2010/main" val="0"/>
+              </a:ext>
+            </a:extLst>
+          </a:blip>
+          <a:stretch>
+            <a:fillRect/>
+          </a:stretch>
+        </p:blipFill>
+        <p:spPr>
+          <a:xfrm>
+            <a:off x="7521403" y="1130605"/>
+            <a:ext cx="4310349" cy="3879314"/>
+          </a:xfrm>
+          <a:prstGeom prst="rect">
+            <a:avLst/>
+          </a:prstGeom>
+        </p:spPr>
+      </p:pic>
+    </p:spTree>
+    <p:extLst>
+      <p:ext uri="{BB962C8B-B14F-4D97-AF65-F5344CB8AC3E}">
+        <p14:creationId xmlns:p14="http://schemas.microsoft.com/office/powerpoint/2010/main" val="1384823430"/>
+      </p:ext>
+    </p:extLst>
+  </p:cSld>
+  <p:clrMapOvr>
+    <a:masterClrMapping/>
+  </p:clrMapOvr>
+</p:sld>
+</file>
+
+<file path=ppt/slides/slide17.xml><?xml version="1.0" encoding="utf-8"?>
+<p:sld xmlns:a="http://schemas.openxmlformats.org/drawingml/2006/main" xmlns:r="http://schemas.openxmlformats.org/officeDocument/2006/relationships" xmlns:p="http://schemas.openxmlformats.org/presentationml/2006/main">
+  <p:cSld>
+    <p:spTree>
+      <p:nvGrpSpPr>
+        <p:cNvPr id="1" name=""/>
+        <p:cNvGrpSpPr/>
+        <p:nvPr/>
+      </p:nvGrpSpPr>
+      <p:grpSpPr>
+        <a:xfrm>
+          <a:off x="0" y="0"/>
+          <a:ext cx="0" cy="0"/>
+          <a:chOff x="0" y="0"/>
+          <a:chExt cx="0" cy="0"/>
+        </a:xfrm>
+      </p:grpSpPr>
       <p:sp>
         <p:nvSpPr>
           <p:cNvPr id="3" name="文本占位符 2">
@@ -9424,33 +9608,23 @@
         </p:nvSpPr>
         <p:spPr>
           <a:xfrm>
-            <a:off x="2514558" y="1785938"/>
-            <a:ext cx="6421973" cy="1643062"/>
+            <a:off x="1326870" y="960505"/>
+            <a:ext cx="8915947" cy="2376442"/>
           </a:xfrm>
         </p:spPr>
         <p:txBody>
           <a:bodyPr>
-            <a:normAutofit fontScale="92500" lnSpcReduction="10000"/>
+            <a:normAutofit/>
           </a:bodyPr>
           <a:lstStyle/>
           <a:p>
             <a:r>
-              <a:rPr lang="en-GB" altLang="zh-CN" sz="6000" dirty="0">
+              <a:rPr lang="en-GB" altLang="zh-CN" sz="8000" dirty="0">
                 <a:latin typeface="Times New Roman" panose="02020603050405020304" pitchFamily="18" charset="0"/>
                 <a:ea typeface="宋体" panose="02010600030101010101" pitchFamily="2" charset="-122"/>
                 <a:cs typeface="Times New Roman" panose="02020603050405020304" pitchFamily="18" charset="0"/>
               </a:rPr>
-              <a:t>Thank you for </a:t>
-            </a:r>
-          </a:p>
-          <a:p>
-            <a:r>
-              <a:rPr lang="en-GB" altLang="zh-CN" sz="6000" dirty="0">
-                <a:latin typeface="Times New Roman" panose="02020603050405020304" pitchFamily="18" charset="0"/>
-                <a:ea typeface="宋体" panose="02010600030101010101" pitchFamily="2" charset="-122"/>
-                <a:cs typeface="Times New Roman" panose="02020603050405020304" pitchFamily="18" charset="0"/>
-              </a:rPr>
-              <a:t>watching</a:t>
+              <a:t>DEMO MOMENT</a:t>
             </a:r>
           </a:p>
         </p:txBody>
@@ -9500,14 +9674,14 @@
           <p:nvPr>
             <p:extLst>
               <p:ext uri="{D42A27DB-BD31-4B8C-83A1-F6EECF244321}">
-                <p14:modId xmlns:p14="http://schemas.microsoft.com/office/powerpoint/2010/main" val="3180138622"/>
+                <p14:modId xmlns:p14="http://schemas.microsoft.com/office/powerpoint/2010/main" val="3104299221"/>
               </p:ext>
             </p:extLst>
           </p:nvPr>
         </p:nvGraphicFramePr>
         <p:xfrm>
-          <a:off x="2054677" y="2086156"/>
-          <a:ext cx="6500708" cy="2716329"/>
+          <a:off x="124277" y="2594159"/>
+          <a:ext cx="3250354" cy="2271749"/>
         </p:xfrm>
         <a:graphic>
           <a:graphicData uri="http://schemas.openxmlformats.org/drawingml/2006/table">
@@ -9530,42 +9704,8 @@
                     </a:ext>
                   </a:extLst>
                 </a:gridCol>
-                <a:gridCol w="1625177">
-                  <a:extLst>
-                    <a:ext uri="{9D8B030D-6E8A-4147-A177-3AD203B41FA5}">
-                      <a16:colId xmlns:a16="http://schemas.microsoft.com/office/drawing/2014/main" val="3733562221"/>
-                    </a:ext>
-                  </a:extLst>
-                </a:gridCol>
-                <a:gridCol w="1625177">
-                  <a:extLst>
-                    <a:ext uri="{9D8B030D-6E8A-4147-A177-3AD203B41FA5}">
-                      <a16:colId xmlns:a16="http://schemas.microsoft.com/office/drawing/2014/main" val="2667199990"/>
-                    </a:ext>
-                  </a:extLst>
-                </a:gridCol>
               </a:tblGrid>
               <a:tr h="1820839">
-                <a:tc>
-                  <a:txBody>
-                    <a:bodyPr/>
-                    <a:lstStyle/>
-                    <a:p>
-                      <a:endParaRPr lang="en-US" sz="900" dirty="0"/>
-                    </a:p>
-                  </a:txBody>
-                  <a:tcPr marL="45720" marR="45720" marT="22860" marB="22860"/>
-                </a:tc>
-                <a:tc>
-                  <a:txBody>
-                    <a:bodyPr/>
-                    <a:lstStyle/>
-                    <a:p>
-                      <a:endParaRPr lang="en-US" sz="900" dirty="0"/>
-                    </a:p>
-                  </a:txBody>
-                  <a:tcPr marL="45720" marR="45720" marT="22860" marB="22860"/>
-                </a:tc>
                 <a:tc>
                   <a:txBody>
                     <a:bodyPr/>
@@ -9627,6 +9767,314 @@
                   </a:txBody>
                   <a:tcPr marL="45720" marR="45720" marT="22860" marB="22860"/>
                 </a:tc>
+                <a:extLst>
+                  <a:ext uri="{0D108BD9-81ED-4DB2-BD59-A6C34878D82A}">
+                    <a16:rowId xmlns:a16="http://schemas.microsoft.com/office/drawing/2014/main" val="172075169"/>
+                  </a:ext>
+                </a:extLst>
+              </a:tr>
+            </a:tbl>
+          </a:graphicData>
+        </a:graphic>
+      </p:graphicFrame>
+      <p:sp>
+        <p:nvSpPr>
+          <p:cNvPr id="10" name="TextBox 9">
+            <a:extLst>
+              <a:ext uri="{FF2B5EF4-FFF2-40B4-BE49-F238E27FC236}">
+                <a16:creationId xmlns:a16="http://schemas.microsoft.com/office/drawing/2014/main" id="{6535558F-99EB-46B7-94BD-AA3A89EAE4E7}"/>
+              </a:ext>
+            </a:extLst>
+          </p:cNvPr>
+          <p:cNvSpPr txBox="1"/>
+          <p:nvPr/>
+        </p:nvSpPr>
+        <p:spPr>
+          <a:xfrm>
+            <a:off x="4052597" y="33227"/>
+            <a:ext cx="4334841" cy="1323439"/>
+          </a:xfrm>
+          <a:prstGeom prst="rect">
+            <a:avLst/>
+          </a:prstGeom>
+          <a:noFill/>
+        </p:spPr>
+        <p:txBody>
+          <a:bodyPr wrap="none" rtlCol="0">
+            <a:spAutoFit/>
+          </a:bodyPr>
+          <a:lstStyle/>
+          <a:p>
+            <a:pPr algn="ctr"/>
+            <a:endParaRPr lang="en-US" sz="900" dirty="0"/>
+          </a:p>
+          <a:p>
+            <a:pPr algn="ctr"/>
+            <a:r>
+              <a:rPr lang="en-US" sz="2700" b="1" dirty="0"/>
+              <a:t>Team 7: Fintech giants</a:t>
+            </a:r>
+          </a:p>
+          <a:p>
+            <a:pPr algn="ctr"/>
+            <a:r>
+              <a:rPr lang="en-US" sz="2200" dirty="0"/>
+              <a:t>Project Topics: </a:t>
+            </a:r>
+            <a:r>
+              <a:rPr lang="en-US" sz="2200" dirty="0" err="1"/>
+              <a:t>PortfolioManage</a:t>
+            </a:r>
+            <a:r>
+              <a:rPr lang="en-US" sz="2200" dirty="0"/>
+              <a:t> Pro</a:t>
+            </a:r>
+          </a:p>
+          <a:p>
+            <a:pPr algn="ctr"/>
+            <a:r>
+              <a:rPr lang="en-US" sz="2200" dirty="0"/>
+              <a:t> Presentation Dates: July 30, 2025</a:t>
+            </a:r>
+          </a:p>
+        </p:txBody>
+      </p:sp>
+      <p:pic>
+        <p:nvPicPr>
+          <p:cNvPr id="3" name="Picture 2" descr="表情包##可爱头像##动漫头像# 可可爱爱的肥肥鲨夏日头像作者：picshu ​">
+            <a:extLst>
+              <a:ext uri="{FF2B5EF4-FFF2-40B4-BE49-F238E27FC236}">
+                <a16:creationId xmlns:a16="http://schemas.microsoft.com/office/drawing/2014/main" id="{B44CF78F-CEDB-A7D3-FBDD-105E230BDC12}"/>
+              </a:ext>
+            </a:extLst>
+          </p:cNvPr>
+          <p:cNvPicPr>
+            <a:picLocks noChangeAspect="1" noChangeArrowheads="1"/>
+          </p:cNvPicPr>
+          <p:nvPr/>
+        </p:nvPicPr>
+        <p:blipFill>
+          <a:blip r:embed="rId3">
+            <a:extLst>
+              <a:ext uri="{28A0092B-C50C-407E-A947-70E740481C1C}">
+                <a14:useLocalDpi xmlns:a14="http://schemas.microsoft.com/office/drawing/2010/main" val="0"/>
+              </a:ext>
+            </a:extLst>
+          </a:blip>
+          <a:srcRect/>
+          <a:stretch>
+            <a:fillRect/>
+          </a:stretch>
+        </p:blipFill>
+        <p:spPr bwMode="auto">
+          <a:xfrm>
+            <a:off x="243749" y="2729701"/>
+            <a:ext cx="1417393" cy="1417393"/>
+          </a:xfrm>
+          <a:prstGeom prst="rect">
+            <a:avLst/>
+          </a:prstGeom>
+          <a:noFill/>
+          <a:extLst>
+            <a:ext uri="{909E8E84-426E-40DD-AFC4-6F175D3DCCD1}">
+              <a14:hiddenFill xmlns:a14="http://schemas.microsoft.com/office/drawing/2010/main">
+                <a:solidFill>
+                  <a:srgbClr val="FFFFFF"/>
+                </a:solidFill>
+              </a14:hiddenFill>
+            </a:ext>
+          </a:extLst>
+        </p:spPr>
+      </p:pic>
+      <p:pic>
+        <p:nvPicPr>
+          <p:cNvPr id="4" name="Picture 4" descr="微信可爱小动物头像图片你的微信头像该换了-芝麻科技讯">
+            <a:extLst>
+              <a:ext uri="{FF2B5EF4-FFF2-40B4-BE49-F238E27FC236}">
+                <a16:creationId xmlns:a16="http://schemas.microsoft.com/office/drawing/2014/main" id="{58FD124E-001E-9503-8FE7-715F570C5842}"/>
+              </a:ext>
+            </a:extLst>
+          </p:cNvPr>
+          <p:cNvPicPr>
+            <a:picLocks noChangeAspect="1" noChangeArrowheads="1"/>
+          </p:cNvPicPr>
+          <p:nvPr/>
+        </p:nvPicPr>
+        <p:blipFill>
+          <a:blip r:embed="rId4">
+            <a:extLst>
+              <a:ext uri="{28A0092B-C50C-407E-A947-70E740481C1C}">
+                <a14:useLocalDpi xmlns:a14="http://schemas.microsoft.com/office/drawing/2010/main" val="0"/>
+              </a:ext>
+            </a:extLst>
+          </a:blip>
+          <a:srcRect/>
+          <a:stretch>
+            <a:fillRect/>
+          </a:stretch>
+        </p:blipFill>
+        <p:spPr bwMode="auto">
+          <a:xfrm>
+            <a:off x="1829684" y="2729701"/>
+            <a:ext cx="1452900" cy="1452900"/>
+          </a:xfrm>
+          <a:prstGeom prst="rect">
+            <a:avLst/>
+          </a:prstGeom>
+          <a:noFill/>
+          <a:extLst>
+            <a:ext uri="{909E8E84-426E-40DD-AFC4-6F175D3DCCD1}">
+              <a14:hiddenFill xmlns:a14="http://schemas.microsoft.com/office/drawing/2010/main">
+                <a:solidFill>
+                  <a:srgbClr val="FFFFFF"/>
+                </a:solidFill>
+              </a14:hiddenFill>
+            </a:ext>
+          </a:extLst>
+        </p:spPr>
+      </p:pic>
+      <p:pic>
+        <p:nvPicPr>
+          <p:cNvPr id="12" name="图片 11">
+            <a:extLst>
+              <a:ext uri="{FF2B5EF4-FFF2-40B4-BE49-F238E27FC236}">
+                <a16:creationId xmlns:a16="http://schemas.microsoft.com/office/drawing/2014/main" id="{A334F97D-BBD7-7D48-F224-3F602270E1C4}"/>
+              </a:ext>
+            </a:extLst>
+          </p:cNvPr>
+          <p:cNvPicPr>
+            <a:picLocks noChangeAspect="1"/>
+          </p:cNvPicPr>
+          <p:nvPr/>
+        </p:nvPicPr>
+        <p:blipFill>
+          <a:blip r:embed="rId5"/>
+          <a:stretch>
+            <a:fillRect/>
+          </a:stretch>
+        </p:blipFill>
+        <p:spPr>
+          <a:xfrm>
+            <a:off x="3420811" y="1800160"/>
+            <a:ext cx="8722811" cy="4185003"/>
+          </a:xfrm>
+          <a:prstGeom prst="rect">
+            <a:avLst/>
+          </a:prstGeom>
+        </p:spPr>
+      </p:pic>
+    </p:spTree>
+    <p:extLst>
+      <p:ext uri="{BB962C8B-B14F-4D97-AF65-F5344CB8AC3E}">
+        <p14:creationId xmlns:p14="http://schemas.microsoft.com/office/powerpoint/2010/main" val="907551830"/>
+      </p:ext>
+    </p:extLst>
+  </p:cSld>
+  <p:clrMapOvr>
+    <a:masterClrMapping/>
+  </p:clrMapOvr>
+  <mc:AlternateContent xmlns:mc="http://schemas.openxmlformats.org/markup-compatibility/2006" xmlns:p14="http://schemas.microsoft.com/office/powerpoint/2010/main">
+    <mc:Choice Requires="p14">
+      <p:transition p14:dur="0" advClick="0"/>
+    </mc:Choice>
+    <mc:Fallback xmlns="">
+      <p:transition xmlns:p14="http://schemas.microsoft.com/office/powerpoint/2010/main" advClick="0"/>
+    </mc:Fallback>
+  </mc:AlternateContent>
+</p:sld>
+</file>
+
+<file path=ppt/slides/slide3.xml><?xml version="1.0" encoding="utf-8"?>
+<p:sld xmlns:a="http://schemas.openxmlformats.org/drawingml/2006/main" xmlns:r="http://schemas.openxmlformats.org/officeDocument/2006/relationships" xmlns:p="http://schemas.openxmlformats.org/presentationml/2006/main">
+  <p:cSld>
+    <p:spTree>
+      <p:nvGrpSpPr>
+        <p:cNvPr id="1" name=""/>
+        <p:cNvGrpSpPr/>
+        <p:nvPr/>
+      </p:nvGrpSpPr>
+      <p:grpSpPr>
+        <a:xfrm>
+          <a:off x="0" y="0"/>
+          <a:ext cx="0" cy="0"/>
+          <a:chOff x="0" y="0"/>
+          <a:chExt cx="0" cy="0"/>
+        </a:xfrm>
+      </p:grpSpPr>
+      <p:graphicFrame>
+        <p:nvGraphicFramePr>
+          <p:cNvPr id="2" name="Table 1">
+            <a:extLst>
+              <a:ext uri="{FF2B5EF4-FFF2-40B4-BE49-F238E27FC236}">
+                <a16:creationId xmlns:a16="http://schemas.microsoft.com/office/drawing/2014/main" id="{7D8A4C15-E3C6-409B-A6C4-7113ED4EBF1B}"/>
+              </a:ext>
+            </a:extLst>
+          </p:cNvPr>
+          <p:cNvGraphicFramePr>
+            <a:graphicFrameLocks noGrp="1"/>
+          </p:cNvGraphicFramePr>
+          <p:nvPr>
+            <p:extLst>
+              <p:ext uri="{D42A27DB-BD31-4B8C-83A1-F6EECF244321}">
+                <p14:modId xmlns:p14="http://schemas.microsoft.com/office/powerpoint/2010/main" val="2541201386"/>
+              </p:ext>
+            </p:extLst>
+          </p:nvPr>
+        </p:nvGraphicFramePr>
+        <p:xfrm>
+          <a:off x="0" y="2187761"/>
+          <a:ext cx="3250354" cy="2271749"/>
+        </p:xfrm>
+        <a:graphic>
+          <a:graphicData uri="http://schemas.openxmlformats.org/drawingml/2006/table">
+            <a:tbl>
+              <a:tblPr firstRow="1" bandRow="1">
+                <a:tableStyleId>{5C22544A-7EE6-4342-B048-85BDC9FD1C3A}</a:tableStyleId>
+              </a:tblPr>
+              <a:tblGrid>
+                <a:gridCol w="1625177">
+                  <a:extLst>
+                    <a:ext uri="{9D8B030D-6E8A-4147-A177-3AD203B41FA5}">
+                      <a16:colId xmlns:a16="http://schemas.microsoft.com/office/drawing/2014/main" val="3733562221"/>
+                    </a:ext>
+                  </a:extLst>
+                </a:gridCol>
+                <a:gridCol w="1625177">
+                  <a:extLst>
+                    <a:ext uri="{9D8B030D-6E8A-4147-A177-3AD203B41FA5}">
+                      <a16:colId xmlns:a16="http://schemas.microsoft.com/office/drawing/2014/main" val="2667199990"/>
+                    </a:ext>
+                  </a:extLst>
+                </a:gridCol>
+              </a:tblGrid>
+              <a:tr h="1820839">
+                <a:tc>
+                  <a:txBody>
+                    <a:bodyPr/>
+                    <a:lstStyle/>
+                    <a:p>
+                      <a:endParaRPr lang="en-US" sz="900" dirty="0"/>
+                    </a:p>
+                  </a:txBody>
+                  <a:tcPr marL="45720" marR="45720" marT="22860" marB="22860"/>
+                </a:tc>
+                <a:tc>
+                  <a:txBody>
+                    <a:bodyPr/>
+                    <a:lstStyle/>
+                    <a:p>
+                      <a:endParaRPr lang="en-US" sz="900" dirty="0"/>
+                    </a:p>
+                  </a:txBody>
+                  <a:tcPr marL="45720" marR="45720" marT="22860" marB="22860"/>
+                </a:tc>
+                <a:extLst>
+                  <a:ext uri="{0D108BD9-81ED-4DB2-BD59-A6C34878D82A}">
+                    <a16:rowId xmlns:a16="http://schemas.microsoft.com/office/drawing/2014/main" val="2142730199"/>
+                  </a:ext>
+                </a:extLst>
+              </a:tr>
+              <a:tr h="450910">
                 <a:tc>
                   <a:txBody>
                     <a:bodyPr/>
@@ -9667,81 +10115,6 @@
                   </a:ext>
                 </a:extLst>
               </a:tr>
-              <a:tr h="444580">
-                <a:tc>
-                  <a:txBody>
-                    <a:bodyPr/>
-                    <a:lstStyle/>
-                    <a:p>
-                      <a:pPr algn="ctr"/>
-                      <a:r>
-                        <a:rPr lang="en-US" sz="1400" dirty="0">
-                          <a:latin typeface="Times New Roman" panose="02020603050405020304" pitchFamily="18" charset="0"/>
-                          <a:cs typeface="Times New Roman" panose="02020603050405020304" pitchFamily="18" charset="0"/>
-                        </a:rPr>
-                        <a:t>Tech Lead</a:t>
-                      </a:r>
-                    </a:p>
-                  </a:txBody>
-                  <a:tcPr marL="45720" marR="45720" marT="22860" marB="22860"/>
-                </a:tc>
-                <a:tc>
-                  <a:txBody>
-                    <a:bodyPr/>
-                    <a:lstStyle/>
-                    <a:p>
-                      <a:pPr algn="ctr"/>
-                      <a:r>
-                        <a:rPr lang="en-US" sz="1400" dirty="0">
-                          <a:latin typeface="Times New Roman" panose="02020603050405020304" pitchFamily="18" charset="0"/>
-                          <a:cs typeface="Times New Roman" panose="02020603050405020304" pitchFamily="18" charset="0"/>
-                        </a:rPr>
-                        <a:t>Team Coordinator</a:t>
-                      </a:r>
-                    </a:p>
-                  </a:txBody>
-                  <a:tcPr marL="45720" marR="45720" marT="22860" marB="22860"/>
-                </a:tc>
-                <a:tc>
-                  <a:txBody>
-                    <a:bodyPr/>
-                    <a:lstStyle/>
-                    <a:p>
-                      <a:pPr algn="ctr"/>
-                      <a:r>
-                        <a:rPr lang="en-US" sz="1400" dirty="0">
-                          <a:latin typeface="Times New Roman" panose="02020603050405020304" pitchFamily="18" charset="0"/>
-                          <a:cs typeface="Times New Roman" panose="02020603050405020304" pitchFamily="18" charset="0"/>
-                        </a:rPr>
-                        <a:t>Co-researcher</a:t>
-                      </a:r>
-                    </a:p>
-                  </a:txBody>
-                  <a:tcPr marL="45720" marR="45720" marT="22860" marB="22860"/>
-                </a:tc>
-                <a:tc>
-                  <a:txBody>
-                    <a:bodyPr/>
-                    <a:lstStyle/>
-                    <a:p>
-                      <a:pPr algn="ctr"/>
-                      <a:r>
-                        <a:rPr lang="en-US" sz="1400" dirty="0">
-                          <a:latin typeface="Times New Roman" panose="02020603050405020304" pitchFamily="18" charset="0"/>
-                          <a:cs typeface="Times New Roman" panose="02020603050405020304" pitchFamily="18" charset="0"/>
-                        </a:rPr>
-                        <a:t>Presentation Lead</a:t>
-                      </a:r>
-                    </a:p>
-                  </a:txBody>
-                  <a:tcPr marL="45720" marR="45720" marT="22860" marB="22860"/>
-                </a:tc>
-                <a:extLst>
-                  <a:ext uri="{0D108BD9-81ED-4DB2-BD59-A6C34878D82A}">
-                    <a16:rowId xmlns:a16="http://schemas.microsoft.com/office/drawing/2014/main" val="2794205056"/>
-                  </a:ext>
-                </a:extLst>
-              </a:tr>
             </a:tbl>
           </a:graphicData>
         </a:graphic>
@@ -9760,8 +10133,8 @@
         </p:nvSpPr>
         <p:spPr>
           <a:xfrm>
-            <a:off x="3883463" y="293992"/>
-            <a:ext cx="4663264" cy="1323439"/>
+            <a:off x="3663966" y="33227"/>
+            <a:ext cx="5112104" cy="1323439"/>
           </a:xfrm>
           <a:prstGeom prst="rect">
             <a:avLst/>
@@ -9788,14 +10161,14 @@
             <a:pPr algn="ctr"/>
             <a:r>
               <a:rPr lang="en-US" sz="2200" dirty="0"/>
-              <a:t>Project Topics: Portfolio Asset Manager</a:t>
+              <a:t>Project Topics: Portfolio Asset Manager       </a:t>
             </a:r>
           </a:p>
           <a:p>
             <a:pPr algn="ctr"/>
             <a:r>
               <a:rPr lang="en-US" sz="2200" dirty="0"/>
-              <a:t>Presentation Dates: July 30, 2025</a:t>
+              <a:t>  Presentation Dates: July 30, 2025</a:t>
             </a:r>
           </a:p>
         </p:txBody>
@@ -9815,14 +10188,14 @@
           <p:nvPr>
             <p:extLst>
               <p:ext uri="{D42A27DB-BD31-4B8C-83A1-F6EECF244321}">
-                <p14:modId xmlns:p14="http://schemas.microsoft.com/office/powerpoint/2010/main" val="3264961484"/>
+                <p14:modId xmlns:p14="http://schemas.microsoft.com/office/powerpoint/2010/main" val="1158771400"/>
               </p:ext>
             </p:extLst>
           </p:nvPr>
         </p:nvGraphicFramePr>
         <p:xfrm>
-          <a:off x="8551649" y="2086156"/>
-          <a:ext cx="1625177" cy="2716329"/>
+          <a:off x="3250354" y="2187761"/>
+          <a:ext cx="1625177" cy="2271749"/>
         </p:xfrm>
         <a:graphic>
           <a:graphicData uri="http://schemas.openxmlformats.org/drawingml/2006/table">
@@ -9880,30 +10253,6 @@
                   </a:ext>
                 </a:extLst>
               </a:tr>
-              <a:tr h="444580">
-                <a:tc>
-                  <a:txBody>
-                    <a:bodyPr/>
-                    <a:lstStyle/>
-                    <a:p>
-                      <a:pPr algn="ctr"/>
-                      <a:r>
-                        <a:rPr lang="en-US" sz="1400" dirty="0">
-                          <a:latin typeface="Times New Roman" panose="02020603050405020304" pitchFamily="18" charset="0"/>
-                          <a:cs typeface="Times New Roman" panose="02020603050405020304" pitchFamily="18" charset="0"/>
-                        </a:rPr>
-                        <a:t>Tech Lead</a:t>
-                      </a:r>
-                    </a:p>
-                  </a:txBody>
-                  <a:tcPr marL="45720" marR="45720" marT="22860" marB="22860"/>
-                </a:tc>
-                <a:extLst>
-                  <a:ext uri="{0D108BD9-81ED-4DB2-BD59-A6C34878D82A}">
-                    <a16:rowId xmlns:a16="http://schemas.microsoft.com/office/drawing/2014/main" val="2794205056"/>
-                  </a:ext>
-                </a:extLst>
-              </a:tr>
             </a:tbl>
           </a:graphicData>
         </a:graphic>
@@ -9937,7 +10286,7 @@
         </p:blipFill>
         <p:spPr bwMode="auto">
           <a:xfrm>
-            <a:off x="7017460" y="2208858"/>
+            <a:off x="1707273" y="2428792"/>
             <a:ext cx="1452899" cy="1452899"/>
           </a:xfrm>
           <a:prstGeom prst="rect">
@@ -9984,7 +10333,7 @@
         </p:blipFill>
         <p:spPr bwMode="auto">
           <a:xfrm>
-            <a:off x="8629010" y="2208858"/>
+            <a:off x="3327715" y="2422371"/>
             <a:ext cx="1465739" cy="1465739"/>
           </a:xfrm>
           <a:prstGeom prst="rect">
@@ -10031,7 +10380,7 @@
         </p:blipFill>
         <p:spPr bwMode="auto">
           <a:xfrm>
-            <a:off x="5396019" y="2221698"/>
+            <a:off x="83965" y="2428792"/>
             <a:ext cx="1452899" cy="1452899"/>
           </a:xfrm>
           <a:prstGeom prst="rect">
@@ -10051,96 +10400,32 @@
       </p:pic>
       <p:pic>
         <p:nvPicPr>
-          <p:cNvPr id="3" name="Picture 2" descr="表情包##可爱头像##动漫头像# 可可爱爱的肥肥鲨夏日头像作者：picshu ​">
+          <p:cNvPr id="15" name="图片 14">
             <a:extLst>
               <a:ext uri="{FF2B5EF4-FFF2-40B4-BE49-F238E27FC236}">
-                <a16:creationId xmlns:a16="http://schemas.microsoft.com/office/drawing/2014/main" id="{B44CF78F-CEDB-A7D3-FBDD-105E230BDC12}"/>
+                <a16:creationId xmlns:a16="http://schemas.microsoft.com/office/drawing/2014/main" id="{915B07A6-C259-D338-3C90-89BF7CC7587E}"/>
               </a:ext>
             </a:extLst>
           </p:cNvPr>
           <p:cNvPicPr>
-            <a:picLocks noChangeAspect="1" noChangeArrowheads="1"/>
+            <a:picLocks noChangeAspect="1"/>
           </p:cNvPicPr>
           <p:nvPr/>
         </p:nvPicPr>
         <p:blipFill>
-          <a:blip r:embed="rId5">
-            <a:extLst>
-              <a:ext uri="{28A0092B-C50C-407E-A947-70E740481C1C}">
-                <a14:useLocalDpi xmlns:a14="http://schemas.microsoft.com/office/drawing/2010/main" val="0"/>
-              </a:ext>
-            </a:extLst>
-          </a:blip>
-          <a:srcRect/>
+          <a:blip r:embed="rId5"/>
           <a:stretch>
             <a:fillRect/>
           </a:stretch>
         </p:blipFill>
-        <p:spPr bwMode="auto">
+        <p:spPr>
           <a:xfrm>
-            <a:off x="2174149" y="2221698"/>
-            <a:ext cx="1417393" cy="1417393"/>
+            <a:off x="4888814" y="1768183"/>
+            <a:ext cx="7316471" cy="3533320"/>
           </a:xfrm>
           <a:prstGeom prst="rect">
             <a:avLst/>
           </a:prstGeom>
-          <a:noFill/>
-          <a:extLst>
-            <a:ext uri="{909E8E84-426E-40DD-AFC4-6F175D3DCCD1}">
-              <a14:hiddenFill xmlns:a14="http://schemas.microsoft.com/office/drawing/2010/main">
-                <a:solidFill>
-                  <a:srgbClr val="FFFFFF"/>
-                </a:solidFill>
-              </a14:hiddenFill>
-            </a:ext>
-          </a:extLst>
-        </p:spPr>
-      </p:pic>
-      <p:pic>
-        <p:nvPicPr>
-          <p:cNvPr id="4" name="Picture 4" descr="微信可爱小动物头像图片你的微信头像该换了-芝麻科技讯">
-            <a:extLst>
-              <a:ext uri="{FF2B5EF4-FFF2-40B4-BE49-F238E27FC236}">
-                <a16:creationId xmlns:a16="http://schemas.microsoft.com/office/drawing/2014/main" id="{58FD124E-001E-9503-8FE7-715F570C5842}"/>
-              </a:ext>
-            </a:extLst>
-          </p:cNvPr>
-          <p:cNvPicPr>
-            <a:picLocks noChangeAspect="1" noChangeArrowheads="1"/>
-          </p:cNvPicPr>
-          <p:nvPr/>
-        </p:nvPicPr>
-        <p:blipFill>
-          <a:blip r:embed="rId6">
-            <a:extLst>
-              <a:ext uri="{28A0092B-C50C-407E-A947-70E740481C1C}">
-                <a14:useLocalDpi xmlns:a14="http://schemas.microsoft.com/office/drawing/2010/main" val="0"/>
-              </a:ext>
-            </a:extLst>
-          </a:blip>
-          <a:srcRect/>
-          <a:stretch>
-            <a:fillRect/>
-          </a:stretch>
-        </p:blipFill>
-        <p:spPr bwMode="auto">
-          <a:xfrm>
-            <a:off x="3760084" y="2221698"/>
-            <a:ext cx="1452900" cy="1452900"/>
-          </a:xfrm>
-          <a:prstGeom prst="rect">
-            <a:avLst/>
-          </a:prstGeom>
-          <a:noFill/>
-          <a:extLst>
-            <a:ext uri="{909E8E84-426E-40DD-AFC4-6F175D3DCCD1}">
-              <a14:hiddenFill xmlns:a14="http://schemas.microsoft.com/office/drawing/2010/main">
-                <a:solidFill>
-                  <a:srgbClr val="FFFFFF"/>
-                </a:solidFill>
-              </a14:hiddenFill>
-            </a:ext>
-          </a:extLst>
         </p:spPr>
       </p:pic>
     </p:spTree>
@@ -10161,71 +10446,6 @@
       <p:transition xmlns:p14="http://schemas.microsoft.com/office/powerpoint/2010/main" advClick="0"/>
     </mc:Fallback>
   </mc:AlternateContent>
-</p:sld>
-</file>
-
-<file path=ppt/slides/slide3.xml><?xml version="1.0" encoding="utf-8"?>
-<p:sld xmlns:a="http://schemas.openxmlformats.org/drawingml/2006/main" xmlns:r="http://schemas.openxmlformats.org/officeDocument/2006/relationships" xmlns:p="http://schemas.openxmlformats.org/presentationml/2006/main">
-  <p:cSld>
-    <p:spTree>
-      <p:nvGrpSpPr>
-        <p:cNvPr id="1" name=""/>
-        <p:cNvGrpSpPr/>
-        <p:nvPr/>
-      </p:nvGrpSpPr>
-      <p:grpSpPr>
-        <a:xfrm>
-          <a:off x="0" y="0"/>
-          <a:ext cx="0" cy="0"/>
-          <a:chOff x="0" y="0"/>
-          <a:chExt cx="0" cy="0"/>
-        </a:xfrm>
-      </p:grpSpPr>
-      <p:pic>
-        <p:nvPicPr>
-          <p:cNvPr id="9" name="图片 8">
-            <a:extLst>
-              <a:ext uri="{FF2B5EF4-FFF2-40B4-BE49-F238E27FC236}">
-                <a16:creationId xmlns:a16="http://schemas.microsoft.com/office/drawing/2014/main" id="{E6B4D15C-699A-5C3C-CA27-2D7ED4AAA68D}"/>
-              </a:ext>
-            </a:extLst>
-          </p:cNvPr>
-          <p:cNvPicPr>
-            <a:picLocks noChangeAspect="1"/>
-          </p:cNvPicPr>
-          <p:nvPr/>
-        </p:nvPicPr>
-        <p:blipFill rotWithShape="1">
-          <a:blip r:embed="rId3">
-            <a:extLst>
-              <a:ext uri="{28A0092B-C50C-407E-A947-70E740481C1C}">
-                <a14:useLocalDpi xmlns:a14="http://schemas.microsoft.com/office/drawing/2010/main" val="0"/>
-              </a:ext>
-            </a:extLst>
-          </a:blip>
-          <a:srcRect r="21738" b="7592"/>
-          <a:stretch/>
-        </p:blipFill>
-        <p:spPr>
-          <a:xfrm>
-            <a:off x="2270150" y="0"/>
-            <a:ext cx="7071359" cy="6262132"/>
-          </a:xfrm>
-          <a:prstGeom prst="rect">
-            <a:avLst/>
-          </a:prstGeom>
-        </p:spPr>
-      </p:pic>
-    </p:spTree>
-    <p:extLst>
-      <p:ext uri="{BB962C8B-B14F-4D97-AF65-F5344CB8AC3E}">
-        <p14:creationId xmlns:p14="http://schemas.microsoft.com/office/powerpoint/2010/main" val="3697836294"/>
-      </p:ext>
-    </p:extLst>
-  </p:cSld>
-  <p:clrMapOvr>
-    <a:masterClrMapping/>
-  </p:clrMapOvr>
 </p:sld>
 </file>
 
@@ -10251,7 +10471,7 @@
           <p:cNvPr id="3" name="图片 2">
             <a:extLst>
               <a:ext uri="{FF2B5EF4-FFF2-40B4-BE49-F238E27FC236}">
-                <a16:creationId xmlns:a16="http://schemas.microsoft.com/office/drawing/2014/main" id="{F0309A73-F059-30CD-1B15-3EF2928D107B}"/>
+                <a16:creationId xmlns:a16="http://schemas.microsoft.com/office/drawing/2014/main" id="{9246EC7E-9863-D2A5-B908-0E9433A9CD69}"/>
               </a:ext>
             </a:extLst>
           </p:cNvPr>
@@ -10274,8 +10494,8 @@
         </p:blipFill>
         <p:spPr>
           <a:xfrm>
-            <a:off x="1305763" y="314248"/>
-            <a:ext cx="9580474" cy="5987796"/>
+            <a:off x="0" y="284080"/>
+            <a:ext cx="12192000" cy="5905638"/>
           </a:xfrm>
           <a:prstGeom prst="rect">
             <a:avLst/>
@@ -10285,7 +10505,7 @@
     </p:spTree>
     <p:extLst>
       <p:ext uri="{BB962C8B-B14F-4D97-AF65-F5344CB8AC3E}">
-        <p14:creationId xmlns:p14="http://schemas.microsoft.com/office/powerpoint/2010/main" val="3081009482"/>
+        <p14:creationId xmlns:p14="http://schemas.microsoft.com/office/powerpoint/2010/main" val="2709318167"/>
       </p:ext>
     </p:extLst>
   </p:cSld>
@@ -10312,12 +10532,48 @@
           <a:chExt cx="0" cy="0"/>
         </a:xfrm>
       </p:grpSpPr>
+      <p:pic>
+        <p:nvPicPr>
+          <p:cNvPr id="3" name="图片 2">
+            <a:extLst>
+              <a:ext uri="{FF2B5EF4-FFF2-40B4-BE49-F238E27FC236}">
+                <a16:creationId xmlns:a16="http://schemas.microsoft.com/office/drawing/2014/main" id="{5B368F0D-A5F3-870B-7371-EB7DB5493239}"/>
+              </a:ext>
+            </a:extLst>
+          </p:cNvPr>
+          <p:cNvPicPr>
+            <a:picLocks noChangeAspect="1"/>
+          </p:cNvPicPr>
+          <p:nvPr/>
+        </p:nvPicPr>
+        <p:blipFill>
+          <a:blip r:embed="rId3">
+            <a:extLst>
+              <a:ext uri="{28A0092B-C50C-407E-A947-70E740481C1C}">
+                <a14:useLocalDpi xmlns:a14="http://schemas.microsoft.com/office/drawing/2010/main" val="0"/>
+              </a:ext>
+            </a:extLst>
+          </a:blip>
+          <a:stretch>
+            <a:fillRect/>
+          </a:stretch>
+        </p:blipFill>
+        <p:spPr>
+          <a:xfrm>
+            <a:off x="2548696" y="1125297"/>
+            <a:ext cx="6964136" cy="4607406"/>
+          </a:xfrm>
+          <a:prstGeom prst="rect">
+            <a:avLst/>
+          </a:prstGeom>
+        </p:spPr>
+      </p:pic>
       <p:sp>
         <p:nvSpPr>
           <p:cNvPr id="4" name="TextBox 3">
             <a:extLst>
               <a:ext uri="{FF2B5EF4-FFF2-40B4-BE49-F238E27FC236}">
-                <a16:creationId xmlns:a16="http://schemas.microsoft.com/office/drawing/2014/main" id="{231AA983-A074-173B-6935-10C227767BBD}"/>
+                <a16:creationId xmlns:a16="http://schemas.microsoft.com/office/drawing/2014/main" id="{B14CAE6B-DEAC-D950-7339-7F4237308122}"/>
               </a:ext>
             </a:extLst>
           </p:cNvPr>
@@ -10354,304 +10610,42 @@
                 <a:latin typeface="Times New Roman" panose="02020603050405020304" pitchFamily="18" charset="0"/>
                 <a:cs typeface="Times New Roman" panose="02020603050405020304" pitchFamily="18" charset="0"/>
               </a:rPr>
-              <a:t>Database &amp; CRUD APIs</a:t>
-            </a:r>
-          </a:p>
-        </p:txBody>
-      </p:sp>
-      <p:sp>
-        <p:nvSpPr>
-          <p:cNvPr id="6" name="TextBox 5">
-            <a:extLst>
-              <a:ext uri="{FF2B5EF4-FFF2-40B4-BE49-F238E27FC236}">
-                <a16:creationId xmlns:a16="http://schemas.microsoft.com/office/drawing/2014/main" id="{100BAABF-5E0B-4E54-691E-AFFE52B7B306}"/>
-              </a:ext>
-            </a:extLst>
-          </p:cNvPr>
-          <p:cNvSpPr txBox="1"/>
-          <p:nvPr/>
-        </p:nvSpPr>
-        <p:spPr>
-          <a:xfrm>
-            <a:off x="1072367" y="1001454"/>
-            <a:ext cx="10928412" cy="461665"/>
-          </a:xfrm>
-          <a:prstGeom prst="rect">
-            <a:avLst/>
-          </a:prstGeom>
-          <a:noFill/>
-        </p:spPr>
-        <p:txBody>
-          <a:bodyPr wrap="square" rtlCol="0">
-            <a:spAutoFit/>
-          </a:bodyPr>
-          <a:lstStyle/>
-          <a:p>
-            <a:r>
-              <a:rPr lang="en-US" sz="2400" b="1" kern="100" dirty="0">
-                <a:effectLst/>
-                <a:latin typeface="Times New Roman" panose="02020603050405020304" pitchFamily="18" charset="0"/>
-                <a:ea typeface="Calibri" panose="020F0502020204030204" pitchFamily="34" charset="0"/>
-                <a:cs typeface="Times New Roman" panose="02020603050405020304" pitchFamily="18" charset="0"/>
-              </a:rPr>
-              <a:t>Three Core Database Systems managing all application data</a:t>
-            </a:r>
-            <a:endParaRPr lang="en-IN" sz="2400" dirty="0"/>
-          </a:p>
-        </p:txBody>
-      </p:sp>
-      <p:sp>
-        <p:nvSpPr>
-          <p:cNvPr id="7" name="TextBox 6">
-            <a:extLst>
-              <a:ext uri="{FF2B5EF4-FFF2-40B4-BE49-F238E27FC236}">
-                <a16:creationId xmlns:a16="http://schemas.microsoft.com/office/drawing/2014/main" id="{2EA02871-99A1-0544-F4BC-537D19F5A432}"/>
-              </a:ext>
-            </a:extLst>
-          </p:cNvPr>
-          <p:cNvSpPr txBox="1"/>
-          <p:nvPr/>
-        </p:nvSpPr>
-        <p:spPr>
-          <a:xfrm>
-            <a:off x="1168542" y="1500593"/>
-            <a:ext cx="9586544" cy="1015663"/>
-          </a:xfrm>
-          <a:prstGeom prst="rect">
-            <a:avLst/>
-          </a:prstGeom>
-          <a:noFill/>
-        </p:spPr>
-        <p:txBody>
-          <a:bodyPr wrap="square" rtlCol="0">
-            <a:spAutoFit/>
-          </a:bodyPr>
-          <a:lstStyle/>
-          <a:p>
-            <a:pPr marL="285750" indent="-285750">
-              <a:buFont typeface="Arial" panose="020B0604020202020204" pitchFamily="34" charset="0"/>
-              <a:buChar char="•"/>
-            </a:pPr>
-            <a:r>
-              <a:rPr lang="en-US" sz="2000" dirty="0">
+              <a:t>S</a:t>
+            </a:r>
+            <a:r>
+              <a:rPr lang="en-US" altLang="zh-CN" sz="3200" b="1" dirty="0">
+                <a:ln w="0"/>
+                <a:effectLst>
+                  <a:outerShdw blurRad="38100" dist="19050" dir="2700000" algn="tl" rotWithShape="0">
+                    <a:schemeClr val="dk1">
+                      <a:alpha val="40000"/>
+                    </a:schemeClr>
+                  </a:outerShdw>
+                </a:effectLst>
                 <a:latin typeface="Times New Roman" panose="02020603050405020304" pitchFamily="18" charset="0"/>
                 <a:cs typeface="Times New Roman" panose="02020603050405020304" pitchFamily="18" charset="0"/>
               </a:rPr>
-              <a:t>User Management APIs </a:t>
-            </a:r>
-          </a:p>
-          <a:p>
-            <a:pPr marL="285750" indent="-285750">
-              <a:buFont typeface="Arial" panose="020B0604020202020204" pitchFamily="34" charset="0"/>
-              <a:buChar char="•"/>
-            </a:pPr>
-            <a:r>
-              <a:rPr lang="en-US" sz="2000" dirty="0">
-                <a:latin typeface="Times New Roman" panose="02020603050405020304" pitchFamily="18" charset="0"/>
-                <a:cs typeface="Times New Roman" panose="02020603050405020304" pitchFamily="18" charset="0"/>
-              </a:rPr>
-              <a:t>Portfolio Management APIs </a:t>
-            </a:r>
-          </a:p>
-          <a:p>
-            <a:pPr marL="285750" indent="-285750">
-              <a:buFont typeface="Arial" panose="020B0604020202020204" pitchFamily="34" charset="0"/>
-              <a:buChar char="•"/>
-            </a:pPr>
-            <a:r>
-              <a:rPr lang="en-US" sz="2000" dirty="0">
-                <a:latin typeface="Times New Roman" panose="02020603050405020304" pitchFamily="18" charset="0"/>
-                <a:cs typeface="Times New Roman" panose="02020603050405020304" pitchFamily="18" charset="0"/>
-              </a:rPr>
-              <a:t>Stock Details APIs</a:t>
-            </a:r>
-            <a:endParaRPr lang="en-IN" sz="2000" dirty="0">
+              <a:t>ystem Flow Diagram</a:t>
+            </a:r>
+            <a:endParaRPr lang="en-US" sz="3200" b="1" cap="none" spc="0" dirty="0">
+              <a:ln w="0"/>
+              <a:effectLst>
+                <a:outerShdw blurRad="38100" dist="19050" dir="2700000" algn="tl" rotWithShape="0">
+                  <a:schemeClr val="dk1">
+                    <a:alpha val="40000"/>
+                  </a:schemeClr>
+                </a:outerShdw>
+              </a:effectLst>
               <a:latin typeface="Times New Roman" panose="02020603050405020304" pitchFamily="18" charset="0"/>
               <a:cs typeface="Times New Roman" panose="02020603050405020304" pitchFamily="18" charset="0"/>
             </a:endParaRPr>
           </a:p>
         </p:txBody>
       </p:sp>
-      <p:sp>
-        <p:nvSpPr>
-          <p:cNvPr id="10" name="TextBox 9">
-            <a:extLst>
-              <a:ext uri="{FF2B5EF4-FFF2-40B4-BE49-F238E27FC236}">
-                <a16:creationId xmlns:a16="http://schemas.microsoft.com/office/drawing/2014/main" id="{DFACC9D2-3FE8-10EB-28C7-FCF98A25C853}"/>
-              </a:ext>
-            </a:extLst>
-          </p:cNvPr>
-          <p:cNvSpPr txBox="1"/>
-          <p:nvPr/>
-        </p:nvSpPr>
-        <p:spPr>
-          <a:xfrm>
-            <a:off x="1072367" y="3040567"/>
-            <a:ext cx="7431551" cy="461665"/>
-          </a:xfrm>
-          <a:prstGeom prst="rect">
-            <a:avLst/>
-          </a:prstGeom>
-          <a:noFill/>
-        </p:spPr>
-        <p:txBody>
-          <a:bodyPr wrap="square">
-            <a:spAutoFit/>
-          </a:bodyPr>
-          <a:lstStyle/>
-          <a:p>
-            <a:pPr lvl="0"/>
-            <a:r>
-              <a:rPr lang="en-US" sz="2400" b="1" kern="100" dirty="0">
-                <a:latin typeface="Times New Roman" panose="02020603050405020304" pitchFamily="18" charset="0"/>
-                <a:ea typeface="Calibri" panose="020F0502020204030204" pitchFamily="34" charset="0"/>
-                <a:cs typeface="Times New Roman" panose="02020603050405020304" pitchFamily="18" charset="0"/>
-              </a:rPr>
-              <a:t>Database architecture with three normalized tables</a:t>
-            </a:r>
-            <a:endParaRPr lang="en-IN" sz="2400" b="1" kern="100" dirty="0">
-              <a:latin typeface="Times New Roman" panose="02020603050405020304" pitchFamily="18" charset="0"/>
-              <a:ea typeface="Calibri" panose="020F0502020204030204" pitchFamily="34" charset="0"/>
-              <a:cs typeface="Times New Roman" panose="02020603050405020304" pitchFamily="18" charset="0"/>
-            </a:endParaRPr>
-          </a:p>
-        </p:txBody>
-      </p:sp>
-      <p:sp>
-        <p:nvSpPr>
-          <p:cNvPr id="2" name="TextBox 9">
-            <a:extLst>
-              <a:ext uri="{FF2B5EF4-FFF2-40B4-BE49-F238E27FC236}">
-                <a16:creationId xmlns:a16="http://schemas.microsoft.com/office/drawing/2014/main" id="{635D0E6F-1E0C-083F-C1F5-D4072C2E1ADA}"/>
-              </a:ext>
-            </a:extLst>
-          </p:cNvPr>
-          <p:cNvSpPr txBox="1"/>
-          <p:nvPr/>
-        </p:nvSpPr>
-        <p:spPr>
-          <a:xfrm>
-            <a:off x="1168542" y="3539706"/>
-            <a:ext cx="8127858" cy="1015663"/>
-          </a:xfrm>
-          <a:prstGeom prst="rect">
-            <a:avLst/>
-          </a:prstGeom>
-          <a:noFill/>
-        </p:spPr>
-        <p:txBody>
-          <a:bodyPr wrap="square">
-            <a:spAutoFit/>
-          </a:bodyPr>
-          <a:lstStyle/>
-          <a:p>
-            <a:pPr marL="285750" lvl="0" indent="-285750">
-              <a:buFont typeface="Arial" panose="020B0604020202020204" pitchFamily="34" charset="0"/>
-              <a:buChar char="•"/>
-            </a:pPr>
-            <a:r>
-              <a:rPr lang="en-US" sz="2000" dirty="0">
-                <a:latin typeface="Times New Roman" panose="02020603050405020304" pitchFamily="18" charset="0"/>
-                <a:cs typeface="Times New Roman" panose="02020603050405020304" pitchFamily="18" charset="0"/>
-              </a:rPr>
-              <a:t>Users table</a:t>
-            </a:r>
-          </a:p>
-          <a:p>
-            <a:pPr marL="285750" lvl="0" indent="-285750">
-              <a:buFont typeface="Arial" panose="020B0604020202020204" pitchFamily="34" charset="0"/>
-              <a:buChar char="•"/>
-            </a:pPr>
-            <a:r>
-              <a:rPr lang="en-US" sz="2000" dirty="0" err="1">
-                <a:latin typeface="Times New Roman" panose="02020603050405020304" pitchFamily="18" charset="0"/>
-                <a:cs typeface="Times New Roman" panose="02020603050405020304" pitchFamily="18" charset="0"/>
-              </a:rPr>
-              <a:t>Portfolio_items</a:t>
-            </a:r>
-            <a:r>
-              <a:rPr lang="en-US" sz="2000" dirty="0">
-                <a:latin typeface="Times New Roman" panose="02020603050405020304" pitchFamily="18" charset="0"/>
-                <a:cs typeface="Times New Roman" panose="02020603050405020304" pitchFamily="18" charset="0"/>
-              </a:rPr>
-              <a:t> table</a:t>
-            </a:r>
-          </a:p>
-          <a:p>
-            <a:pPr marL="285750" lvl="0" indent="-285750">
-              <a:buFont typeface="Arial" panose="020B0604020202020204" pitchFamily="34" charset="0"/>
-              <a:buChar char="•"/>
-            </a:pPr>
-            <a:r>
-              <a:rPr lang="en-US" sz="2000" dirty="0" err="1">
-                <a:latin typeface="Times New Roman" panose="02020603050405020304" pitchFamily="18" charset="0"/>
-                <a:cs typeface="Times New Roman" panose="02020603050405020304" pitchFamily="18" charset="0"/>
-              </a:rPr>
-              <a:t>Stock_details</a:t>
-            </a:r>
-            <a:r>
-              <a:rPr lang="en-US" sz="2000" dirty="0">
-                <a:latin typeface="Times New Roman" panose="02020603050405020304" pitchFamily="18" charset="0"/>
-                <a:cs typeface="Times New Roman" panose="02020603050405020304" pitchFamily="18" charset="0"/>
-              </a:rPr>
-              <a:t> table</a:t>
-            </a:r>
-            <a:endParaRPr lang="en-IN" sz="2000" dirty="0">
-              <a:latin typeface="Times New Roman" panose="02020603050405020304" pitchFamily="18" charset="0"/>
-              <a:cs typeface="Times New Roman" panose="02020603050405020304" pitchFamily="18" charset="0"/>
-            </a:endParaRPr>
-          </a:p>
-        </p:txBody>
-      </p:sp>
-      <p:sp>
-        <p:nvSpPr>
-          <p:cNvPr id="3" name="TextBox 9">
-            <a:extLst>
-              <a:ext uri="{FF2B5EF4-FFF2-40B4-BE49-F238E27FC236}">
-                <a16:creationId xmlns:a16="http://schemas.microsoft.com/office/drawing/2014/main" id="{3DCB56FA-4174-3D81-84F4-A0D1F56131CF}"/>
-              </a:ext>
-            </a:extLst>
-          </p:cNvPr>
-          <p:cNvSpPr txBox="1"/>
-          <p:nvPr/>
-        </p:nvSpPr>
-        <p:spPr>
-          <a:xfrm>
-            <a:off x="1168542" y="4841864"/>
-            <a:ext cx="6094520" cy="461665"/>
-          </a:xfrm>
-          <a:prstGeom prst="rect">
-            <a:avLst/>
-          </a:prstGeom>
-          <a:noFill/>
-        </p:spPr>
-        <p:txBody>
-          <a:bodyPr wrap="square">
-            <a:spAutoFit/>
-          </a:bodyPr>
-          <a:lstStyle/>
-          <a:p>
-            <a:pPr lvl="0"/>
-            <a:r>
-              <a:rPr lang="en-US" sz="2400" b="1" kern="100" dirty="0">
-                <a:latin typeface="Times New Roman" panose="02020603050405020304" pitchFamily="18" charset="0"/>
-                <a:ea typeface="Calibri" panose="020F0502020204030204" pitchFamily="34" charset="0"/>
-                <a:cs typeface="Times New Roman" panose="02020603050405020304" pitchFamily="18" charset="0"/>
-              </a:rPr>
-              <a:t>Complete CRUD operations for all entities</a:t>
-            </a:r>
-            <a:endParaRPr lang="en-IN" sz="2400" b="1" kern="100" dirty="0">
-              <a:latin typeface="Times New Roman" panose="02020603050405020304" pitchFamily="18" charset="0"/>
-              <a:ea typeface="Calibri" panose="020F0502020204030204" pitchFamily="34" charset="0"/>
-              <a:cs typeface="Times New Roman" panose="02020603050405020304" pitchFamily="18" charset="0"/>
-            </a:endParaRPr>
-          </a:p>
-        </p:txBody>
-      </p:sp>
     </p:spTree>
     <p:extLst>
       <p:ext uri="{BB962C8B-B14F-4D97-AF65-F5344CB8AC3E}">
-        <p14:creationId xmlns:p14="http://schemas.microsoft.com/office/powerpoint/2010/main" val="3725213470"/>
+        <p14:creationId xmlns:p14="http://schemas.microsoft.com/office/powerpoint/2010/main" val="3697836294"/>
       </p:ext>
     </p:extLst>
   </p:cSld>
@@ -10680,10 +10674,10 @@
       </p:grpSpPr>
       <p:sp>
         <p:nvSpPr>
-          <p:cNvPr id="4" name="TextBox 3">
+          <p:cNvPr id="2" name="TextBox 3">
             <a:extLst>
               <a:ext uri="{FF2B5EF4-FFF2-40B4-BE49-F238E27FC236}">
-                <a16:creationId xmlns:a16="http://schemas.microsoft.com/office/drawing/2014/main" id="{231AA983-A074-173B-6935-10C227767BBD}"/>
+                <a16:creationId xmlns:a16="http://schemas.microsoft.com/office/drawing/2014/main" id="{7C162C93-797F-0E87-D052-A88DB6A8E963}"/>
               </a:ext>
             </a:extLst>
           </p:cNvPr>
@@ -10692,7 +10686,7 @@
         </p:nvSpPr>
         <p:spPr>
           <a:xfrm>
-            <a:off x="1733365" y="207009"/>
+            <a:off x="1787153" y="197342"/>
             <a:ext cx="8175948" cy="584775"/>
           </a:xfrm>
           <a:prstGeom prst="rect">
@@ -10720,239 +10714,78 @@
                 <a:latin typeface="Times New Roman" panose="02020603050405020304" pitchFamily="18" charset="0"/>
                 <a:cs typeface="Times New Roman" panose="02020603050405020304" pitchFamily="18" charset="0"/>
               </a:rPr>
-              <a:t>Stock Data APIs</a:t>
-            </a:r>
-          </a:p>
-        </p:txBody>
-      </p:sp>
-      <p:sp>
-        <p:nvSpPr>
-          <p:cNvPr id="6" name="TextBox 5">
+              <a:t>S</a:t>
+            </a:r>
+            <a:r>
+              <a:rPr lang="en-US" altLang="zh-CN" sz="3200" b="1" dirty="0">
+                <a:ln w="0"/>
+                <a:effectLst>
+                  <a:outerShdw blurRad="38100" dist="19050" dir="2700000" algn="tl" rotWithShape="0">
+                    <a:schemeClr val="dk1">
+                      <a:alpha val="40000"/>
+                    </a:schemeClr>
+                  </a:outerShdw>
+                </a:effectLst>
+                <a:latin typeface="Times New Roman" panose="02020603050405020304" pitchFamily="18" charset="0"/>
+                <a:cs typeface="Times New Roman" panose="02020603050405020304" pitchFamily="18" charset="0"/>
+              </a:rPr>
+              <a:t>ystem Architecture</a:t>
+            </a:r>
+            <a:endParaRPr lang="en-US" sz="3200" b="1" cap="none" spc="0" dirty="0">
+              <a:ln w="0"/>
+              <a:effectLst>
+                <a:outerShdw blurRad="38100" dist="19050" dir="2700000" algn="tl" rotWithShape="0">
+                  <a:schemeClr val="dk1">
+                    <a:alpha val="40000"/>
+                  </a:schemeClr>
+                </a:outerShdw>
+              </a:effectLst>
+              <a:latin typeface="Times New Roman" panose="02020603050405020304" pitchFamily="18" charset="0"/>
+              <a:cs typeface="Times New Roman" panose="02020603050405020304" pitchFamily="18" charset="0"/>
+            </a:endParaRPr>
+          </a:p>
+        </p:txBody>
+      </p:sp>
+      <p:pic>
+        <p:nvPicPr>
+          <p:cNvPr id="5" name="图片 4">
             <a:extLst>
               <a:ext uri="{FF2B5EF4-FFF2-40B4-BE49-F238E27FC236}">
-                <a16:creationId xmlns:a16="http://schemas.microsoft.com/office/drawing/2014/main" id="{100BAABF-5E0B-4E54-691E-AFFE52B7B306}"/>
+                <a16:creationId xmlns:a16="http://schemas.microsoft.com/office/drawing/2014/main" id="{FBF87EDF-3FC4-B0E4-27F7-0B51F278ABD4}"/>
               </a:ext>
             </a:extLst>
           </p:cNvPr>
-          <p:cNvSpPr txBox="1"/>
+          <p:cNvPicPr>
+            <a:picLocks noChangeAspect="1"/>
+          </p:cNvPicPr>
           <p:nvPr/>
-        </p:nvSpPr>
+        </p:nvPicPr>
+        <p:blipFill>
+          <a:blip r:embed="rId3">
+            <a:extLst>
+              <a:ext uri="{28A0092B-C50C-407E-A947-70E740481C1C}">
+                <a14:useLocalDpi xmlns:a14="http://schemas.microsoft.com/office/drawing/2010/main" val="0"/>
+              </a:ext>
+            </a:extLst>
+          </a:blip>
+          <a:stretch>
+            <a:fillRect/>
+          </a:stretch>
+        </p:blipFill>
         <p:spPr>
           <a:xfrm>
-            <a:off x="1072367" y="1053667"/>
-            <a:ext cx="10928412" cy="830997"/>
+            <a:off x="2417221" y="904504"/>
+            <a:ext cx="7357557" cy="5194355"/>
           </a:xfrm>
           <a:prstGeom prst="rect">
             <a:avLst/>
           </a:prstGeom>
-          <a:noFill/>
         </p:spPr>
-        <p:txBody>
-          <a:bodyPr wrap="square" rtlCol="0">
-            <a:spAutoFit/>
-          </a:bodyPr>
-          <a:lstStyle/>
-          <a:p>
-            <a:r>
-              <a:rPr lang="en-US" sz="2400" b="1" kern="100" dirty="0">
-                <a:effectLst/>
-                <a:latin typeface="Times New Roman" panose="02020603050405020304" pitchFamily="18" charset="0"/>
-                <a:ea typeface="Calibri" panose="020F0502020204030204" pitchFamily="34" charset="0"/>
-                <a:cs typeface="Times New Roman" panose="02020603050405020304" pitchFamily="18" charset="0"/>
-              </a:rPr>
-              <a:t>Four Core APIs built for complete stock data services</a:t>
-            </a:r>
-            <a:endParaRPr lang="en-IN" sz="2400" kern="100" dirty="0">
-              <a:effectLst/>
-              <a:latin typeface="Calibri" panose="020F0502020204030204" pitchFamily="34" charset="0"/>
-              <a:ea typeface="Calibri" panose="020F0502020204030204" pitchFamily="34" charset="0"/>
-              <a:cs typeface="Times New Roman" panose="02020603050405020304" pitchFamily="18" charset="0"/>
-            </a:endParaRPr>
-          </a:p>
-          <a:p>
-            <a:endParaRPr lang="en-IN" sz="2400" dirty="0"/>
-          </a:p>
-        </p:txBody>
-      </p:sp>
-      <p:sp>
-        <p:nvSpPr>
-          <p:cNvPr id="7" name="TextBox 6">
-            <a:extLst>
-              <a:ext uri="{FF2B5EF4-FFF2-40B4-BE49-F238E27FC236}">
-                <a16:creationId xmlns:a16="http://schemas.microsoft.com/office/drawing/2014/main" id="{2EA02871-99A1-0544-F4BC-537D19F5A432}"/>
-              </a:ext>
-            </a:extLst>
-          </p:cNvPr>
-          <p:cNvSpPr txBox="1"/>
-          <p:nvPr/>
-        </p:nvSpPr>
-        <p:spPr>
-          <a:xfrm>
-            <a:off x="1168542" y="1577433"/>
-            <a:ext cx="7947945" cy="1323439"/>
-          </a:xfrm>
-          <a:prstGeom prst="rect">
-            <a:avLst/>
-          </a:prstGeom>
-          <a:noFill/>
-        </p:spPr>
-        <p:txBody>
-          <a:bodyPr wrap="square" rtlCol="0">
-            <a:spAutoFit/>
-          </a:bodyPr>
-          <a:lstStyle/>
-          <a:p>
-            <a:pPr marL="285750" indent="-285750">
-              <a:buFont typeface="Arial" panose="020B0604020202020204" pitchFamily="34" charset="0"/>
-              <a:buChar char="•"/>
-            </a:pPr>
-            <a:r>
-              <a:rPr lang="en-US" sz="2000" dirty="0">
-                <a:latin typeface="Times New Roman" panose="02020603050405020304" pitchFamily="18" charset="0"/>
-                <a:cs typeface="Times New Roman" panose="02020603050405020304" pitchFamily="18" charset="0"/>
-              </a:rPr>
-              <a:t>Historical Price Chart API</a:t>
-            </a:r>
-          </a:p>
-          <a:p>
-            <a:pPr marL="285750" indent="-285750">
-              <a:buFont typeface="Arial" panose="020B0604020202020204" pitchFamily="34" charset="0"/>
-              <a:buChar char="•"/>
-            </a:pPr>
-            <a:r>
-              <a:rPr lang="en-US" sz="2000" dirty="0">
-                <a:latin typeface="Times New Roman" panose="02020603050405020304" pitchFamily="18" charset="0"/>
-                <a:cs typeface="Times New Roman" panose="02020603050405020304" pitchFamily="18" charset="0"/>
-              </a:rPr>
-              <a:t>Current Stock Price API </a:t>
-            </a:r>
-          </a:p>
-          <a:p>
-            <a:pPr marL="285750" indent="-285750">
-              <a:buFont typeface="Arial" panose="020B0604020202020204" pitchFamily="34" charset="0"/>
-              <a:buChar char="•"/>
-            </a:pPr>
-            <a:r>
-              <a:rPr lang="en-US" sz="2000" dirty="0">
-                <a:latin typeface="Times New Roman" panose="02020603050405020304" pitchFamily="18" charset="0"/>
-                <a:cs typeface="Times New Roman" panose="02020603050405020304" pitchFamily="18" charset="0"/>
-              </a:rPr>
-              <a:t>Stock Search API</a:t>
-            </a:r>
-          </a:p>
-          <a:p>
-            <a:pPr marL="285750" indent="-285750">
-              <a:buFont typeface="Arial" panose="020B0604020202020204" pitchFamily="34" charset="0"/>
-              <a:buChar char="•"/>
-            </a:pPr>
-            <a:r>
-              <a:rPr lang="en-US" sz="2000" dirty="0">
-                <a:latin typeface="Times New Roman" panose="02020603050405020304" pitchFamily="18" charset="0"/>
-                <a:cs typeface="Times New Roman" panose="02020603050405020304" pitchFamily="18" charset="0"/>
-              </a:rPr>
-              <a:t>Company Information API</a:t>
-            </a:r>
-            <a:endParaRPr lang="en-IN" sz="2000" dirty="0">
-              <a:latin typeface="Times New Roman" panose="02020603050405020304" pitchFamily="18" charset="0"/>
-              <a:cs typeface="Times New Roman" panose="02020603050405020304" pitchFamily="18" charset="0"/>
-            </a:endParaRPr>
-          </a:p>
-        </p:txBody>
-      </p:sp>
-      <p:sp>
-        <p:nvSpPr>
-          <p:cNvPr id="10" name="TextBox 9">
-            <a:extLst>
-              <a:ext uri="{FF2B5EF4-FFF2-40B4-BE49-F238E27FC236}">
-                <a16:creationId xmlns:a16="http://schemas.microsoft.com/office/drawing/2014/main" id="{DFACC9D2-3FE8-10EB-28C7-FCF98A25C853}"/>
-              </a:ext>
-            </a:extLst>
-          </p:cNvPr>
-          <p:cNvSpPr txBox="1"/>
-          <p:nvPr/>
-        </p:nvSpPr>
-        <p:spPr>
-          <a:xfrm>
-            <a:off x="1072367" y="3117407"/>
-            <a:ext cx="7431551" cy="461665"/>
-          </a:xfrm>
-          <a:prstGeom prst="rect">
-            <a:avLst/>
-          </a:prstGeom>
-          <a:noFill/>
-        </p:spPr>
-        <p:txBody>
-          <a:bodyPr wrap="square">
-            <a:spAutoFit/>
-          </a:bodyPr>
-          <a:lstStyle/>
-          <a:p>
-            <a:pPr lvl="0"/>
-            <a:r>
-              <a:rPr lang="en-US" sz="2400" b="1" kern="100" dirty="0">
-                <a:latin typeface="Times New Roman" panose="02020603050405020304" pitchFamily="18" charset="0"/>
-                <a:ea typeface="Calibri" panose="020F0502020204030204" pitchFamily="34" charset="0"/>
-                <a:cs typeface="Times New Roman" panose="02020603050405020304" pitchFamily="18" charset="0"/>
-              </a:rPr>
-              <a:t>Technical foundation using Yahoo Finance API</a:t>
-            </a:r>
-            <a:endParaRPr lang="en-IN" sz="2400" b="1" kern="100" dirty="0">
-              <a:latin typeface="Times New Roman" panose="02020603050405020304" pitchFamily="18" charset="0"/>
-              <a:ea typeface="Calibri" panose="020F0502020204030204" pitchFamily="34" charset="0"/>
-              <a:cs typeface="Times New Roman" panose="02020603050405020304" pitchFamily="18" charset="0"/>
-            </a:endParaRPr>
-          </a:p>
-        </p:txBody>
-      </p:sp>
-      <p:sp>
-        <p:nvSpPr>
-          <p:cNvPr id="3" name="TextBox 9">
-            <a:extLst>
-              <a:ext uri="{FF2B5EF4-FFF2-40B4-BE49-F238E27FC236}">
-                <a16:creationId xmlns:a16="http://schemas.microsoft.com/office/drawing/2014/main" id="{3DCB56FA-4174-3D81-84F4-A0D1F56131CF}"/>
-              </a:ext>
-            </a:extLst>
-          </p:cNvPr>
-          <p:cNvSpPr txBox="1"/>
-          <p:nvPr/>
-        </p:nvSpPr>
-        <p:spPr>
-          <a:xfrm>
-            <a:off x="1168542" y="3986262"/>
-            <a:ext cx="6094520" cy="461665"/>
-          </a:xfrm>
-          <a:prstGeom prst="rect">
-            <a:avLst/>
-          </a:prstGeom>
-          <a:noFill/>
-        </p:spPr>
-        <p:txBody>
-          <a:bodyPr wrap="square">
-            <a:spAutoFit/>
-          </a:bodyPr>
-          <a:lstStyle/>
-          <a:p>
-            <a:pPr lvl="0"/>
-            <a:r>
-              <a:rPr lang="en-US" sz="2400" b="1" kern="100" dirty="0">
-                <a:latin typeface="Times New Roman" panose="02020603050405020304" pitchFamily="18" charset="0"/>
-                <a:ea typeface="Calibri" panose="020F0502020204030204" pitchFamily="34" charset="0"/>
-                <a:cs typeface="Times New Roman" panose="02020603050405020304" pitchFamily="18" charset="0"/>
-              </a:rPr>
-              <a:t>Reliability solutions implemented</a:t>
-            </a:r>
-            <a:endParaRPr lang="en-IN" sz="2400" b="1" kern="100" dirty="0">
-              <a:latin typeface="Times New Roman" panose="02020603050405020304" pitchFamily="18" charset="0"/>
-              <a:ea typeface="Calibri" panose="020F0502020204030204" pitchFamily="34" charset="0"/>
-              <a:cs typeface="Times New Roman" panose="02020603050405020304" pitchFamily="18" charset="0"/>
-            </a:endParaRPr>
-          </a:p>
-        </p:txBody>
-      </p:sp>
+      </p:pic>
     </p:spTree>
     <p:extLst>
       <p:ext uri="{BB962C8B-B14F-4D97-AF65-F5344CB8AC3E}">
-        <p14:creationId xmlns:p14="http://schemas.microsoft.com/office/powerpoint/2010/main" val="1585522172"/>
+        <p14:creationId xmlns:p14="http://schemas.microsoft.com/office/powerpoint/2010/main" val="3081009482"/>
       </p:ext>
     </p:extLst>
   </p:cSld>
@@ -10993,7 +10826,7 @@
         </p:nvSpPr>
         <p:spPr>
           <a:xfrm>
-            <a:off x="1725681" y="136157"/>
+            <a:off x="1787153" y="197342"/>
             <a:ext cx="8175948" cy="584775"/>
           </a:xfrm>
           <a:prstGeom prst="rect">
@@ -11021,7 +10854,7 @@
                 <a:latin typeface="Times New Roman" panose="02020603050405020304" pitchFamily="18" charset="0"/>
                 <a:cs typeface="Times New Roman" panose="02020603050405020304" pitchFamily="18" charset="0"/>
               </a:rPr>
-              <a:t>API Integration &amp; Project Management</a:t>
+              <a:t>Database &amp; CRUD APIs</a:t>
             </a:r>
           </a:p>
         </p:txBody>
@@ -11040,7 +10873,7 @@
         </p:nvSpPr>
         <p:spPr>
           <a:xfrm>
-            <a:off x="1072367" y="1229854"/>
+            <a:off x="1072367" y="1001454"/>
             <a:ext cx="10928412" cy="461665"/>
           </a:xfrm>
           <a:prstGeom prst="rect">
@@ -11061,7 +10894,7 @@
                 <a:ea typeface="Calibri" panose="020F0502020204030204" pitchFamily="34" charset="0"/>
                 <a:cs typeface="Times New Roman" panose="02020603050405020304" pitchFamily="18" charset="0"/>
               </a:rPr>
-              <a:t>Frontend-Backend API Integration ensuring seamless connectivity</a:t>
+              <a:t>Three Core Database Systems managing all application data</a:t>
             </a:r>
             <a:endParaRPr lang="en-IN" sz="2400" dirty="0"/>
           </a:p>
@@ -11081,7 +10914,7 @@
         </p:nvSpPr>
         <p:spPr>
           <a:xfrm>
-            <a:off x="1168542" y="1754165"/>
+            <a:off x="1168542" y="1500593"/>
             <a:ext cx="9586544" cy="1015663"/>
           </a:xfrm>
           <a:prstGeom prst="rect">
@@ -11104,7 +10937,7 @@
                 <a:latin typeface="Times New Roman" panose="02020603050405020304" pitchFamily="18" charset="0"/>
                 <a:cs typeface="Times New Roman" panose="02020603050405020304" pitchFamily="18" charset="0"/>
               </a:rPr>
-              <a:t>CORS configuration</a:t>
+              <a:t>User Management APIs </a:t>
             </a:r>
           </a:p>
           <a:p>
@@ -11117,7 +10950,7 @@
                 <a:latin typeface="Times New Roman" panose="02020603050405020304" pitchFamily="18" charset="0"/>
                 <a:cs typeface="Times New Roman" panose="02020603050405020304" pitchFamily="18" charset="0"/>
               </a:rPr>
-              <a:t>RESTful endpoints</a:t>
+              <a:t>Portfolio Management APIs </a:t>
             </a:r>
           </a:p>
           <a:p>
@@ -11130,7 +10963,7 @@
                 <a:latin typeface="Times New Roman" panose="02020603050405020304" pitchFamily="18" charset="0"/>
                 <a:cs typeface="Times New Roman" panose="02020603050405020304" pitchFamily="18" charset="0"/>
               </a:rPr>
-              <a:t>Error handling middleware</a:t>
+              <a:t>Stock Details APIs</a:t>
             </a:r>
             <a:endParaRPr lang="en-IN" sz="2000" dirty="0">
               <a:latin typeface="Times New Roman" panose="02020603050405020304" pitchFamily="18" charset="0"/>
@@ -11153,7 +10986,7 @@
         </p:nvSpPr>
         <p:spPr>
           <a:xfrm>
-            <a:off x="1072367" y="3294139"/>
+            <a:off x="1072367" y="3040567"/>
             <a:ext cx="7431551" cy="461665"/>
           </a:xfrm>
           <a:prstGeom prst="rect">
@@ -11174,11 +11007,97 @@
                 <a:ea typeface="Calibri" panose="020F0502020204030204" pitchFamily="34" charset="0"/>
                 <a:cs typeface="Times New Roman" panose="02020603050405020304" pitchFamily="18" charset="0"/>
               </a:rPr>
-              <a:t>GitHub repository management and version control</a:t>
+              <a:t>Database architecture with three normalized tables</a:t>
             </a:r>
             <a:endParaRPr lang="en-IN" sz="2400" b="1" kern="100" dirty="0">
               <a:latin typeface="Times New Roman" panose="02020603050405020304" pitchFamily="18" charset="0"/>
               <a:ea typeface="Calibri" panose="020F0502020204030204" pitchFamily="34" charset="0"/>
+              <a:cs typeface="Times New Roman" panose="02020603050405020304" pitchFamily="18" charset="0"/>
+            </a:endParaRPr>
+          </a:p>
+        </p:txBody>
+      </p:sp>
+      <p:sp>
+        <p:nvSpPr>
+          <p:cNvPr id="2" name="TextBox 9">
+            <a:extLst>
+              <a:ext uri="{FF2B5EF4-FFF2-40B4-BE49-F238E27FC236}">
+                <a16:creationId xmlns:a16="http://schemas.microsoft.com/office/drawing/2014/main" id="{635D0E6F-1E0C-083F-C1F5-D4072C2E1ADA}"/>
+              </a:ext>
+            </a:extLst>
+          </p:cNvPr>
+          <p:cNvSpPr txBox="1"/>
+          <p:nvPr/>
+        </p:nvSpPr>
+        <p:spPr>
+          <a:xfrm>
+            <a:off x="1168542" y="3539706"/>
+            <a:ext cx="8127858" cy="1015663"/>
+          </a:xfrm>
+          <a:prstGeom prst="rect">
+            <a:avLst/>
+          </a:prstGeom>
+          <a:noFill/>
+        </p:spPr>
+        <p:txBody>
+          <a:bodyPr wrap="square">
+            <a:spAutoFit/>
+          </a:bodyPr>
+          <a:lstStyle/>
+          <a:p>
+            <a:pPr marL="285750" lvl="0" indent="-285750">
+              <a:buFont typeface="Arial" panose="020B0604020202020204" pitchFamily="34" charset="0"/>
+              <a:buChar char="•"/>
+            </a:pPr>
+            <a:r>
+              <a:rPr lang="en-US" sz="2000" dirty="0">
+                <a:latin typeface="Times New Roman" panose="02020603050405020304" pitchFamily="18" charset="0"/>
+                <a:cs typeface="Times New Roman" panose="02020603050405020304" pitchFamily="18" charset="0"/>
+              </a:rPr>
+              <a:t>Users table</a:t>
+            </a:r>
+          </a:p>
+          <a:p>
+            <a:pPr marL="285750" lvl="0" indent="-285750">
+              <a:buFont typeface="Arial" panose="020B0604020202020204" pitchFamily="34" charset="0"/>
+              <a:buChar char="•"/>
+            </a:pPr>
+            <a:r>
+              <a:rPr lang="en-US" sz="2000" dirty="0" err="1">
+                <a:latin typeface="Times New Roman" panose="02020603050405020304" pitchFamily="18" charset="0"/>
+                <a:cs typeface="Times New Roman" panose="02020603050405020304" pitchFamily="18" charset="0"/>
+              </a:rPr>
+              <a:t>Portfolio_items</a:t>
+            </a:r>
+            <a:r>
+              <a:rPr lang="en-US" sz="2000" dirty="0">
+                <a:latin typeface="Times New Roman" panose="02020603050405020304" pitchFamily="18" charset="0"/>
+                <a:cs typeface="Times New Roman" panose="02020603050405020304" pitchFamily="18" charset="0"/>
+              </a:rPr>
+              <a:t> table</a:t>
+            </a:r>
+          </a:p>
+          <a:p>
+            <a:pPr marL="285750" lvl="0" indent="-285750">
+              <a:buFont typeface="Arial" panose="020B0604020202020204" pitchFamily="34" charset="0"/>
+              <a:buChar char="•"/>
+            </a:pPr>
+            <a:r>
+              <a:rPr lang="en-US" sz="2000" dirty="0" err="1">
+                <a:latin typeface="Times New Roman" panose="02020603050405020304" pitchFamily="18" charset="0"/>
+                <a:cs typeface="Times New Roman" panose="02020603050405020304" pitchFamily="18" charset="0"/>
+              </a:rPr>
+              <a:t>Stock_details</a:t>
+            </a:r>
+            <a:r>
+              <a:rPr lang="en-US" sz="2000" dirty="0">
+                <a:latin typeface="Times New Roman" panose="02020603050405020304" pitchFamily="18" charset="0"/>
+                <a:cs typeface="Times New Roman" panose="02020603050405020304" pitchFamily="18" charset="0"/>
+              </a:rPr>
+              <a:t> table</a:t>
+            </a:r>
+            <a:endParaRPr lang="en-IN" sz="2000" dirty="0">
+              <a:latin typeface="Times New Roman" panose="02020603050405020304" pitchFamily="18" charset="0"/>
               <a:cs typeface="Times New Roman" panose="02020603050405020304" pitchFamily="18" charset="0"/>
             </a:endParaRPr>
           </a:p>
@@ -11198,8 +11117,8 @@
         </p:nvSpPr>
         <p:spPr>
           <a:xfrm>
-            <a:off x="1072367" y="4049282"/>
-            <a:ext cx="8269372" cy="461665"/>
+            <a:off x="1168542" y="4841864"/>
+            <a:ext cx="6094520" cy="461665"/>
           </a:xfrm>
           <a:prstGeom prst="rect">
             <a:avLst/>
@@ -11219,7 +11138,7 @@
                 <a:ea typeface="Calibri" panose="020F0502020204030204" pitchFamily="34" charset="0"/>
                 <a:cs typeface="Times New Roman" panose="02020603050405020304" pitchFamily="18" charset="0"/>
               </a:rPr>
-              <a:t>Comprehensive API documentation using Swagger UI</a:t>
+              <a:t>Complete CRUD operations for all entities</a:t>
             </a:r>
             <a:endParaRPr lang="en-IN" sz="2400" b="1" kern="100" dirty="0">
               <a:latin typeface="Times New Roman" panose="02020603050405020304" pitchFamily="18" charset="0"/>
@@ -11232,7 +11151,7 @@
     </p:spTree>
     <p:extLst>
       <p:ext uri="{BB962C8B-B14F-4D97-AF65-F5344CB8AC3E}">
-        <p14:creationId xmlns:p14="http://schemas.microsoft.com/office/powerpoint/2010/main" val="1427179887"/>
+        <p14:creationId xmlns:p14="http://schemas.microsoft.com/office/powerpoint/2010/main" val="3725213470"/>
       </p:ext>
     </p:extLst>
   </p:cSld>
@@ -11273,7 +11192,7 @@
         </p:nvSpPr>
         <p:spPr>
           <a:xfrm>
-            <a:off x="1733365" y="339134"/>
+            <a:off x="1733365" y="537422"/>
             <a:ext cx="8175948" cy="584775"/>
           </a:xfrm>
           <a:prstGeom prst="rect">
@@ -11301,121 +11220,8 @@
                 <a:latin typeface="Times New Roman" panose="02020603050405020304" pitchFamily="18" charset="0"/>
                 <a:cs typeface="Times New Roman" panose="02020603050405020304" pitchFamily="18" charset="0"/>
               </a:rPr>
-              <a:t>Frontend Development</a:t>
-            </a:r>
-          </a:p>
-        </p:txBody>
-      </p:sp>
-      <p:sp>
-        <p:nvSpPr>
-          <p:cNvPr id="6" name="TextBox 5">
-            <a:extLst>
-              <a:ext uri="{FF2B5EF4-FFF2-40B4-BE49-F238E27FC236}">
-                <a16:creationId xmlns:a16="http://schemas.microsoft.com/office/drawing/2014/main" id="{100BAABF-5E0B-4E54-691E-AFFE52B7B306}"/>
-              </a:ext>
-            </a:extLst>
-          </p:cNvPr>
-          <p:cNvSpPr txBox="1"/>
-          <p:nvPr/>
-        </p:nvSpPr>
-        <p:spPr>
-          <a:xfrm>
-            <a:off x="1072367" y="1262463"/>
-            <a:ext cx="10928412" cy="461665"/>
-          </a:xfrm>
-          <a:prstGeom prst="rect">
-            <a:avLst/>
-          </a:prstGeom>
-          <a:noFill/>
-        </p:spPr>
-        <p:txBody>
-          <a:bodyPr wrap="square" rtlCol="0">
-            <a:spAutoFit/>
-          </a:bodyPr>
-          <a:lstStyle/>
-          <a:p>
-            <a:r>
-              <a:rPr lang="en-US" sz="2400" b="1" kern="100" dirty="0">
-                <a:effectLst/>
-                <a:latin typeface="Times New Roman" panose="02020603050405020304" pitchFamily="18" charset="0"/>
-                <a:ea typeface="Calibri" panose="020F0502020204030204" pitchFamily="34" charset="0"/>
-                <a:cs typeface="Times New Roman" panose="02020603050405020304" pitchFamily="18" charset="0"/>
-              </a:rPr>
-              <a:t>Three Main User Interfaces for complete trading experience</a:t>
-            </a:r>
-            <a:endParaRPr lang="en-IN" sz="2400" dirty="0"/>
-          </a:p>
-        </p:txBody>
-      </p:sp>
-      <p:sp>
-        <p:nvSpPr>
-          <p:cNvPr id="7" name="TextBox 6">
-            <a:extLst>
-              <a:ext uri="{FF2B5EF4-FFF2-40B4-BE49-F238E27FC236}">
-                <a16:creationId xmlns:a16="http://schemas.microsoft.com/office/drawing/2014/main" id="{2EA02871-99A1-0544-F4BC-537D19F5A432}"/>
-              </a:ext>
-            </a:extLst>
-          </p:cNvPr>
-          <p:cNvSpPr txBox="1"/>
-          <p:nvPr/>
-        </p:nvSpPr>
-        <p:spPr>
-          <a:xfrm>
-            <a:off x="1168542" y="2005174"/>
-            <a:ext cx="9586544" cy="1015663"/>
-          </a:xfrm>
-          <a:prstGeom prst="rect">
-            <a:avLst/>
-          </a:prstGeom>
-          <a:noFill/>
-        </p:spPr>
-        <p:txBody>
-          <a:bodyPr wrap="square" rtlCol="0">
-            <a:spAutoFit/>
-          </a:bodyPr>
-          <a:lstStyle/>
-          <a:p>
-            <a:pPr marL="285750" indent="-285750">
-              <a:buFont typeface="Arial" panose="020B0604020202020204" pitchFamily="34" charset="0"/>
-              <a:buChar char="•"/>
-            </a:pPr>
-            <a:r>
-              <a:rPr lang="en-US" sz="2000" dirty="0">
-                <a:latin typeface="Times New Roman" panose="02020603050405020304" pitchFamily="18" charset="0"/>
-                <a:cs typeface="Times New Roman" panose="02020603050405020304" pitchFamily="18" charset="0"/>
-              </a:rPr>
-              <a:t>Dashboard (index.html)</a:t>
-            </a:r>
-          </a:p>
-          <a:p>
-            <a:pPr marL="285750" indent="-285750">
-              <a:buFont typeface="Arial" panose="020B0604020202020204" pitchFamily="34" charset="0"/>
-              <a:buChar char="•"/>
-            </a:pPr>
-            <a:r>
-              <a:rPr lang="en-US" sz="2000" dirty="0">
-                <a:latin typeface="Times New Roman" panose="02020603050405020304" pitchFamily="18" charset="0"/>
-                <a:cs typeface="Times New Roman" panose="02020603050405020304" pitchFamily="18" charset="0"/>
-              </a:rPr>
-              <a:t>Buy Page (buy-stock.html)</a:t>
-            </a:r>
-          </a:p>
-          <a:p>
-            <a:pPr marL="285750" indent="-285750">
-              <a:buFont typeface="Arial" panose="020B0604020202020204" pitchFamily="34" charset="0"/>
-              <a:buChar char="•"/>
-            </a:pPr>
-            <a:r>
-              <a:rPr lang="en-US" sz="2000" dirty="0">
-                <a:latin typeface="Times New Roman" panose="02020603050405020304" pitchFamily="18" charset="0"/>
-                <a:cs typeface="Times New Roman" panose="02020603050405020304" pitchFamily="18" charset="0"/>
-              </a:rPr>
-              <a:t>Sell Page (sell-stock.html)</a:t>
-            </a:r>
-            <a:endParaRPr lang="en-IN" sz="2000" dirty="0">
-              <a:latin typeface="Times New Roman" panose="02020603050405020304" pitchFamily="18" charset="0"/>
-              <a:cs typeface="Times New Roman" panose="02020603050405020304" pitchFamily="18" charset="0"/>
-            </a:endParaRPr>
+              <a:t>Stock Data APIs</a:t>
+            </a:r>
           </a:p>
         </p:txBody>
       </p:sp>
@@ -11433,7 +11239,7 @@
         </p:nvSpPr>
         <p:spPr>
           <a:xfrm>
-            <a:off x="1072367" y="3301883"/>
+            <a:off x="1441201" y="1741965"/>
             <a:ext cx="7431551" cy="461665"/>
           </a:xfrm>
           <a:prstGeom prst="rect">
@@ -11454,7 +11260,7 @@
                 <a:ea typeface="Calibri" panose="020F0502020204030204" pitchFamily="34" charset="0"/>
                 <a:cs typeface="Times New Roman" panose="02020603050405020304" pitchFamily="18" charset="0"/>
               </a:rPr>
-              <a:t>Interactive data visualization using Chart.js</a:t>
+              <a:t>Technical foundation using Yahoo Finance API</a:t>
             </a:r>
             <a:endParaRPr lang="en-IN" sz="2400" b="1" kern="100" dirty="0">
               <a:latin typeface="Times New Roman" panose="02020603050405020304" pitchFamily="18" charset="0"/>
@@ -11464,10 +11270,55 @@
           </a:p>
         </p:txBody>
       </p:sp>
+      <p:sp>
+        <p:nvSpPr>
+          <p:cNvPr id="3" name="TextBox 9">
+            <a:extLst>
+              <a:ext uri="{FF2B5EF4-FFF2-40B4-BE49-F238E27FC236}">
+                <a16:creationId xmlns:a16="http://schemas.microsoft.com/office/drawing/2014/main" id="{3DCB56FA-4174-3D81-84F4-A0D1F56131CF}"/>
+              </a:ext>
+            </a:extLst>
+          </p:cNvPr>
+          <p:cNvSpPr txBox="1"/>
+          <p:nvPr/>
+        </p:nvSpPr>
+        <p:spPr>
+          <a:xfrm>
+            <a:off x="1537376" y="2610820"/>
+            <a:ext cx="6094520" cy="461665"/>
+          </a:xfrm>
+          <a:prstGeom prst="rect">
+            <a:avLst/>
+          </a:prstGeom>
+          <a:noFill/>
+        </p:spPr>
+        <p:txBody>
+          <a:bodyPr wrap="square">
+            <a:spAutoFit/>
+          </a:bodyPr>
+          <a:lstStyle/>
+          <a:p>
+            <a:pPr lvl="0"/>
+            <a:r>
+              <a:rPr lang="en-US" sz="2400" b="1" kern="100" dirty="0">
+                <a:latin typeface="Times New Roman" panose="02020603050405020304" pitchFamily="18" charset="0"/>
+                <a:ea typeface="Calibri" panose="020F0502020204030204" pitchFamily="34" charset="0"/>
+                <a:cs typeface="Times New Roman" panose="02020603050405020304" pitchFamily="18" charset="0"/>
+              </a:rPr>
+              <a:t>Reliability solutions implemented</a:t>
+            </a:r>
+            <a:endParaRPr lang="en-IN" sz="2400" b="1" kern="100" dirty="0">
+              <a:latin typeface="Times New Roman" panose="02020603050405020304" pitchFamily="18" charset="0"/>
+              <a:ea typeface="Calibri" panose="020F0502020204030204" pitchFamily="34" charset="0"/>
+              <a:cs typeface="Times New Roman" panose="02020603050405020304" pitchFamily="18" charset="0"/>
+            </a:endParaRPr>
+          </a:p>
+        </p:txBody>
+      </p:sp>
     </p:spTree>
     <p:extLst>
       <p:ext uri="{BB962C8B-B14F-4D97-AF65-F5344CB8AC3E}">
-        <p14:creationId xmlns:p14="http://schemas.microsoft.com/office/powerpoint/2010/main" val="1700619229"/>
+        <p14:creationId xmlns:p14="http://schemas.microsoft.com/office/powerpoint/2010/main" val="1585522172"/>
       </p:ext>
     </p:extLst>
   </p:cSld>
@@ -11508,7 +11359,7 @@
         </p:nvSpPr>
         <p:spPr>
           <a:xfrm>
-            <a:off x="1725681" y="253573"/>
+            <a:off x="1733365" y="421171"/>
             <a:ext cx="8175948" cy="584775"/>
           </a:xfrm>
           <a:prstGeom prst="rect">
@@ -11536,17 +11387,17 @@
                 <a:latin typeface="Times New Roman" panose="02020603050405020304" pitchFamily="18" charset="0"/>
                 <a:cs typeface="Times New Roman" panose="02020603050405020304" pitchFamily="18" charset="0"/>
               </a:rPr>
-              <a:t>Frontend Development</a:t>
-            </a:r>
-          </a:p>
-        </p:txBody>
-      </p:sp>
-      <p:sp>
-        <p:nvSpPr>
-          <p:cNvPr id="3" name="TextBox 9">
+              <a:t>Stock Data APIs</a:t>
+            </a:r>
+          </a:p>
+        </p:txBody>
+      </p:sp>
+      <p:sp>
+        <p:nvSpPr>
+          <p:cNvPr id="6" name="TextBox 5">
             <a:extLst>
               <a:ext uri="{FF2B5EF4-FFF2-40B4-BE49-F238E27FC236}">
-                <a16:creationId xmlns:a16="http://schemas.microsoft.com/office/drawing/2014/main" id="{3DCB56FA-4174-3D81-84F4-A0D1F56131CF}"/>
+                <a16:creationId xmlns:a16="http://schemas.microsoft.com/office/drawing/2014/main" id="{100BAABF-5E0B-4E54-691E-AFFE52B7B306}"/>
               </a:ext>
             </a:extLst>
           </p:cNvPr>
@@ -11555,8 +11406,8 @@
         </p:nvSpPr>
         <p:spPr>
           <a:xfrm>
-            <a:off x="1127173" y="1738049"/>
-            <a:ext cx="8269372" cy="461665"/>
+            <a:off x="834162" y="1421445"/>
+            <a:ext cx="10928412" cy="830997"/>
           </a:xfrm>
           <a:prstGeom prst="rect">
             <a:avLst/>
@@ -11564,77 +11415,126 @@
           <a:noFill/>
         </p:spPr>
         <p:txBody>
-          <a:bodyPr wrap="square">
+          <a:bodyPr wrap="square" rtlCol="0">
             <a:spAutoFit/>
           </a:bodyPr>
           <a:lstStyle/>
           <a:p>
-            <a:pPr lvl="0"/>
             <a:r>
               <a:rPr lang="en-US" sz="2400" b="1" kern="100" dirty="0">
+                <a:effectLst/>
                 <a:latin typeface="Times New Roman" panose="02020603050405020304" pitchFamily="18" charset="0"/>
                 <a:ea typeface="Calibri" panose="020F0502020204030204" pitchFamily="34" charset="0"/>
                 <a:cs typeface="Times New Roman" panose="02020603050405020304" pitchFamily="18" charset="0"/>
               </a:rPr>
-              <a:t>Modern responsive design with Tailwind CSS</a:t>
-            </a:r>
-            <a:endParaRPr lang="en-IN" sz="2400" b="1" kern="100" dirty="0">
-              <a:latin typeface="Times New Roman" panose="02020603050405020304" pitchFamily="18" charset="0"/>
+              <a:t>Four Core APIs built for complete stock data services</a:t>
+            </a:r>
+            <a:endParaRPr lang="en-IN" sz="2400" kern="100" dirty="0">
+              <a:effectLst/>
+              <a:latin typeface="Calibri" panose="020F0502020204030204" pitchFamily="34" charset="0"/>
               <a:ea typeface="Calibri" panose="020F0502020204030204" pitchFamily="34" charset="0"/>
               <a:cs typeface="Times New Roman" panose="02020603050405020304" pitchFamily="18" charset="0"/>
             </a:endParaRPr>
           </a:p>
-        </p:txBody>
-      </p:sp>
-      <p:sp>
-        <p:nvSpPr>
-          <p:cNvPr id="5" name="TextBox 9">
+          <a:p>
+            <a:endParaRPr lang="en-IN" sz="2400" dirty="0"/>
+          </a:p>
+        </p:txBody>
+      </p:sp>
+      <p:pic>
+        <p:nvPicPr>
+          <p:cNvPr id="5" name="图片 4">
             <a:extLst>
               <a:ext uri="{FF2B5EF4-FFF2-40B4-BE49-F238E27FC236}">
-                <a16:creationId xmlns:a16="http://schemas.microsoft.com/office/drawing/2014/main" id="{8FF06365-1FBE-EE05-7070-D2A4D69D486A}"/>
+                <a16:creationId xmlns:a16="http://schemas.microsoft.com/office/drawing/2014/main" id="{8E3D4D83-160D-13F8-91A1-1548284E827A}"/>
               </a:ext>
             </a:extLst>
           </p:cNvPr>
-          <p:cNvSpPr txBox="1"/>
+          <p:cNvPicPr>
+            <a:picLocks noChangeAspect="1"/>
+          </p:cNvPicPr>
           <p:nvPr/>
-        </p:nvSpPr>
+        </p:nvPicPr>
+        <p:blipFill>
+          <a:blip r:embed="rId3"/>
+          <a:stretch>
+            <a:fillRect/>
+          </a:stretch>
+        </p:blipFill>
         <p:spPr>
           <a:xfrm>
-            <a:off x="1127173" y="2669217"/>
-            <a:ext cx="8269372" cy="461665"/>
+            <a:off x="4139355" y="2252442"/>
+            <a:ext cx="4442237" cy="3408297"/>
           </a:xfrm>
           <a:prstGeom prst="rect">
             <a:avLst/>
           </a:prstGeom>
-          <a:noFill/>
         </p:spPr>
-        <p:txBody>
-          <a:bodyPr wrap="square">
-            <a:spAutoFit/>
-          </a:bodyPr>
-          <a:lstStyle/>
-          <a:p>
-            <a:pPr lvl="0"/>
-            <a:r>
-              <a:rPr lang="en-US" sz="2400" b="1" kern="100" dirty="0">
-                <a:latin typeface="Times New Roman" panose="02020603050405020304" pitchFamily="18" charset="0"/>
-                <a:ea typeface="Calibri" panose="020F0502020204030204" pitchFamily="34" charset="0"/>
-                <a:cs typeface="Times New Roman" panose="02020603050405020304" pitchFamily="18" charset="0"/>
-              </a:rPr>
-              <a:t>User experience optimization and form validation</a:t>
-            </a:r>
-            <a:endParaRPr lang="en-IN" sz="2400" b="1" kern="100" dirty="0">
-              <a:latin typeface="Times New Roman" panose="02020603050405020304" pitchFamily="18" charset="0"/>
-              <a:ea typeface="Calibri" panose="020F0502020204030204" pitchFamily="34" charset="0"/>
-              <a:cs typeface="Times New Roman" panose="02020603050405020304" pitchFamily="18" charset="0"/>
-            </a:endParaRPr>
-          </a:p>
-        </p:txBody>
-      </p:sp>
+      </p:pic>
+      <p:pic>
+        <p:nvPicPr>
+          <p:cNvPr id="9" name="图片 8">
+            <a:extLst>
+              <a:ext uri="{FF2B5EF4-FFF2-40B4-BE49-F238E27FC236}">
+                <a16:creationId xmlns:a16="http://schemas.microsoft.com/office/drawing/2014/main" id="{9808886A-189A-003E-4F04-3B0579DFA3EB}"/>
+              </a:ext>
+            </a:extLst>
+          </p:cNvPr>
+          <p:cNvPicPr>
+            <a:picLocks noChangeAspect="1"/>
+          </p:cNvPicPr>
+          <p:nvPr/>
+        </p:nvPicPr>
+        <p:blipFill>
+          <a:blip r:embed="rId4"/>
+          <a:stretch>
+            <a:fillRect/>
+          </a:stretch>
+        </p:blipFill>
+        <p:spPr>
+          <a:xfrm>
+            <a:off x="0" y="2252442"/>
+            <a:ext cx="4139355" cy="3286641"/>
+          </a:xfrm>
+          <a:prstGeom prst="rect">
+            <a:avLst/>
+          </a:prstGeom>
+        </p:spPr>
+      </p:pic>
+      <p:pic>
+        <p:nvPicPr>
+          <p:cNvPr id="12" name="图片 11">
+            <a:extLst>
+              <a:ext uri="{FF2B5EF4-FFF2-40B4-BE49-F238E27FC236}">
+                <a16:creationId xmlns:a16="http://schemas.microsoft.com/office/drawing/2014/main" id="{25C93997-058D-84A6-1CEB-757E64385883}"/>
+              </a:ext>
+            </a:extLst>
+          </p:cNvPr>
+          <p:cNvPicPr>
+            <a:picLocks noChangeAspect="1"/>
+          </p:cNvPicPr>
+          <p:nvPr/>
+        </p:nvPicPr>
+        <p:blipFill>
+          <a:blip r:embed="rId5"/>
+          <a:stretch>
+            <a:fillRect/>
+          </a:stretch>
+        </p:blipFill>
+        <p:spPr>
+          <a:xfrm>
+            <a:off x="8581592" y="1289520"/>
+            <a:ext cx="3358272" cy="4954668"/>
+          </a:xfrm>
+          <a:prstGeom prst="rect">
+            <a:avLst/>
+          </a:prstGeom>
+        </p:spPr>
+      </p:pic>
     </p:spTree>
     <p:extLst>
       <p:ext uri="{BB962C8B-B14F-4D97-AF65-F5344CB8AC3E}">
-        <p14:creationId xmlns:p14="http://schemas.microsoft.com/office/powerpoint/2010/main" val="2865348247"/>
+        <p14:creationId xmlns:p14="http://schemas.microsoft.com/office/powerpoint/2010/main" val="1284115610"/>
       </p:ext>
     </p:extLst>
   </p:cSld>

--- a/Final_ppt.pptx
+++ b/Final_ppt.pptx
@@ -1,30 +1,31 @@
 
 <file path=ppt/presentation.xml><?xml version="1.0" encoding="utf-8"?>
-<p:presentation xmlns:a="http://schemas.openxmlformats.org/drawingml/2006/main" xmlns:r="http://schemas.openxmlformats.org/officeDocument/2006/relationships" xmlns:p="http://schemas.openxmlformats.org/presentationml/2006/main" saveSubsetFonts="1">
+<p:presentation xmlns:a="http://schemas.openxmlformats.org/drawingml/2006/main" xmlns:r="http://schemas.openxmlformats.org/officeDocument/2006/relationships" xmlns:p="http://schemas.openxmlformats.org/presentationml/2006/main">
   <p:sldMasterIdLst>
-    <p:sldMasterId id="2147483660" r:id="rId1"/>
+    <p:sldMasterId id="2147483648" r:id="rId1"/>
   </p:sldMasterIdLst>
   <p:notesMasterIdLst>
-    <p:notesMasterId r:id="rId19"/>
+    <p:notesMasterId r:id="rId5"/>
   </p:notesMasterIdLst>
   <p:sldIdLst>
-    <p:sldId id="257" r:id="rId2"/>
-    <p:sldId id="317" r:id="rId3"/>
-    <p:sldId id="256" r:id="rId4"/>
-    <p:sldId id="321" r:id="rId5"/>
-    <p:sldId id="304" r:id="rId6"/>
-    <p:sldId id="305" r:id="rId7"/>
-    <p:sldId id="307" r:id="rId8"/>
-    <p:sldId id="293" r:id="rId9"/>
-    <p:sldId id="322" r:id="rId10"/>
-    <p:sldId id="308" r:id="rId11"/>
-    <p:sldId id="318" r:id="rId12"/>
-    <p:sldId id="320" r:id="rId13"/>
-    <p:sldId id="312" r:id="rId14"/>
-    <p:sldId id="311" r:id="rId15"/>
-    <p:sldId id="319" r:id="rId16"/>
-    <p:sldId id="310" r:id="rId17"/>
-    <p:sldId id="262" r:id="rId18"/>
+    <p:sldId id="257" r:id="rId3"/>
+    <p:sldId id="317" r:id="rId4"/>
+    <p:sldId id="256" r:id="rId6"/>
+    <p:sldId id="321" r:id="rId7"/>
+    <p:sldId id="304" r:id="rId8"/>
+    <p:sldId id="305" r:id="rId9"/>
+    <p:sldId id="307" r:id="rId10"/>
+    <p:sldId id="323" r:id="rId11"/>
+    <p:sldId id="293" r:id="rId12"/>
+    <p:sldId id="322" r:id="rId13"/>
+    <p:sldId id="308" r:id="rId14"/>
+    <p:sldId id="318" r:id="rId15"/>
+    <p:sldId id="320" r:id="rId16"/>
+    <p:sldId id="312" r:id="rId17"/>
+    <p:sldId id="311" r:id="rId18"/>
+    <p:sldId id="319" r:id="rId19"/>
+    <p:sldId id="310" r:id="rId20"/>
+    <p:sldId id="262" r:id="rId21"/>
   </p:sldIdLst>
   <p:sldSz cx="12192000" cy="6858000"/>
   <p:notesSz cx="6858000" cy="9144000"/>
@@ -123,11 +124,6 @@
       </a:defRPr>
     </a:lvl9pPr>
   </p:defaultTextStyle>
-  <p:extLst>
-    <p:ext uri="{EFAFB233-063F-42B5-8137-9DF3F51BA10A}">
-      <p15:sldGuideLst xmlns:p15="http://schemas.microsoft.com/office/powerpoint/2012/main"/>
-    </p:ext>
-  </p:extLst>
 </p:presentation>
 </file>
 
@@ -213,7 +209,6 @@
           <a:p>
             <a:fld id="{E6079380-D0FB-43AA-B671-B9B7CFE0DFEC}" type="datetimeFigureOut">
               <a:rPr lang="zh-CN" altLang="en-US" smtClean="0"/>
-              <a:t>2025/7/31</a:t>
             </a:fld>
             <a:endParaRPr lang="zh-CN" altLang="en-US"/>
           </a:p>
@@ -280,6 +275,7 @@
               <a:rPr lang="zh-CN" altLang="en-US"/>
               <a:t>单击此处编辑母版文本样式</a:t>
             </a:r>
+            <a:endParaRPr lang="zh-CN" altLang="en-US"/>
           </a:p>
           <a:p>
             <a:pPr lvl="1"/>
@@ -287,6 +283,7 @@
               <a:rPr lang="zh-CN" altLang="en-US"/>
               <a:t>二级</a:t>
             </a:r>
+            <a:endParaRPr lang="zh-CN" altLang="en-US"/>
           </a:p>
           <a:p>
             <a:pPr lvl="2"/>
@@ -294,6 +291,7 @@
               <a:rPr lang="zh-CN" altLang="en-US"/>
               <a:t>三级</a:t>
             </a:r>
+            <a:endParaRPr lang="zh-CN" altLang="en-US"/>
           </a:p>
           <a:p>
             <a:pPr lvl="3"/>
@@ -301,6 +299,7 @@
               <a:rPr lang="zh-CN" altLang="en-US"/>
               <a:t>四级</a:t>
             </a:r>
+            <a:endParaRPr lang="zh-CN" altLang="en-US"/>
           </a:p>
           <a:p>
             <a:pPr lvl="4"/>
@@ -308,6 +307,7 @@
               <a:rPr lang="zh-CN" altLang="en-US"/>
               <a:t>五级</a:t>
             </a:r>
+            <a:endParaRPr lang="zh-CN" altLang="en-US"/>
           </a:p>
         </p:txBody>
       </p:sp>
@@ -371,18 +371,12 @@
           <a:p>
             <a:fld id="{54DD4A14-0979-4C4C-862B-F40B61B913F0}" type="slidenum">
               <a:rPr lang="zh-CN" altLang="en-US" smtClean="0"/>
-              <a:t>‹#›</a:t>
             </a:fld>
             <a:endParaRPr lang="zh-CN" altLang="en-US"/>
           </a:p>
         </p:txBody>
       </p:sp>
     </p:spTree>
-    <p:extLst>
-      <p:ext uri="{BB962C8B-B14F-4D97-AF65-F5344CB8AC3E}">
-        <p14:creationId xmlns:p14="http://schemas.microsoft.com/office/powerpoint/2010/main" val="3157674032"/>
-      </p:ext>
-    </p:extLst>
   </p:cSld>
   <p:clrMap bg1="lt1" tx1="dk1" bg2="lt2" tx2="dk2" accent1="accent1" accent2="accent2" accent3="accent3" accent4="accent4" accent5="accent5" accent6="accent6" hlink="hlink" folHlink="folHlink"/>
   <p:notesStyle>
@@ -545,18 +539,12 @@
           <a:p>
             <a:fld id="{54DD4A14-0979-4C4C-862B-F40B61B913F0}" type="slidenum">
               <a:rPr lang="zh-CN" altLang="en-US" smtClean="0"/>
-              <a:t>2</a:t>
             </a:fld>
             <a:endParaRPr lang="zh-CN" altLang="en-US"/>
           </a:p>
         </p:txBody>
       </p:sp>
     </p:spTree>
-    <p:extLst>
-      <p:ext uri="{BB962C8B-B14F-4D97-AF65-F5344CB8AC3E}">
-        <p14:creationId xmlns:p14="http://schemas.microsoft.com/office/powerpoint/2010/main" val="2134867824"/>
-      </p:ext>
-    </p:extLst>
   </p:cSld>
   <p:clrMapOvr>
     <a:masterClrMapping/>
@@ -629,18 +617,12 @@
           <a:p>
             <a:fld id="{54DD4A14-0979-4C4C-862B-F40B61B913F0}" type="slidenum">
               <a:rPr lang="zh-CN" altLang="en-US" smtClean="0"/>
-              <a:t>12</a:t>
             </a:fld>
             <a:endParaRPr lang="zh-CN" altLang="en-US"/>
           </a:p>
         </p:txBody>
       </p:sp>
     </p:spTree>
-    <p:extLst>
-      <p:ext uri="{BB962C8B-B14F-4D97-AF65-F5344CB8AC3E}">
-        <p14:creationId xmlns:p14="http://schemas.microsoft.com/office/powerpoint/2010/main" val="2504208446"/>
-      </p:ext>
-    </p:extLst>
   </p:cSld>
   <p:clrMapOvr>
     <a:masterClrMapping/>
@@ -713,18 +695,12 @@
           <a:p>
             <a:fld id="{54DD4A14-0979-4C4C-862B-F40B61B913F0}" type="slidenum">
               <a:rPr lang="zh-CN" altLang="en-US" smtClean="0"/>
-              <a:t>13</a:t>
             </a:fld>
             <a:endParaRPr lang="zh-CN" altLang="en-US"/>
           </a:p>
         </p:txBody>
       </p:sp>
     </p:spTree>
-    <p:extLst>
-      <p:ext uri="{BB962C8B-B14F-4D97-AF65-F5344CB8AC3E}">
-        <p14:creationId xmlns:p14="http://schemas.microsoft.com/office/powerpoint/2010/main" val="1904761535"/>
-      </p:ext>
-    </p:extLst>
   </p:cSld>
   <p:clrMapOvr>
     <a:masterClrMapping/>
@@ -797,18 +773,12 @@
           <a:p>
             <a:fld id="{54DD4A14-0979-4C4C-862B-F40B61B913F0}" type="slidenum">
               <a:rPr lang="zh-CN" altLang="en-US" smtClean="0"/>
-              <a:t>14</a:t>
             </a:fld>
             <a:endParaRPr lang="zh-CN" altLang="en-US"/>
           </a:p>
         </p:txBody>
       </p:sp>
     </p:spTree>
-    <p:extLst>
-      <p:ext uri="{BB962C8B-B14F-4D97-AF65-F5344CB8AC3E}">
-        <p14:creationId xmlns:p14="http://schemas.microsoft.com/office/powerpoint/2010/main" val="358131000"/>
-      </p:ext>
-    </p:extLst>
   </p:cSld>
   <p:clrMapOvr>
     <a:masterClrMapping/>
@@ -881,18 +851,12 @@
           <a:p>
             <a:fld id="{54DD4A14-0979-4C4C-862B-F40B61B913F0}" type="slidenum">
               <a:rPr lang="zh-CN" altLang="en-US" smtClean="0"/>
-              <a:t>15</a:t>
             </a:fld>
             <a:endParaRPr lang="zh-CN" altLang="en-US"/>
           </a:p>
         </p:txBody>
       </p:sp>
     </p:spTree>
-    <p:extLst>
-      <p:ext uri="{BB962C8B-B14F-4D97-AF65-F5344CB8AC3E}">
-        <p14:creationId xmlns:p14="http://schemas.microsoft.com/office/powerpoint/2010/main" val="662935735"/>
-      </p:ext>
-    </p:extLst>
   </p:cSld>
   <p:clrMapOvr>
     <a:masterClrMapping/>
@@ -965,18 +929,90 @@
           <a:p>
             <a:fld id="{54DD4A14-0979-4C4C-862B-F40B61B913F0}" type="slidenum">
               <a:rPr lang="zh-CN" altLang="en-US" smtClean="0"/>
-              <a:t>16</a:t>
             </a:fld>
             <a:endParaRPr lang="zh-CN" altLang="en-US"/>
           </a:p>
         </p:txBody>
       </p:sp>
     </p:spTree>
-    <p:extLst>
-      <p:ext uri="{BB962C8B-B14F-4D97-AF65-F5344CB8AC3E}">
-        <p14:creationId xmlns:p14="http://schemas.microsoft.com/office/powerpoint/2010/main" val="287685798"/>
-      </p:ext>
-    </p:extLst>
+  </p:cSld>
+  <p:clrMapOvr>
+    <a:masterClrMapping/>
+  </p:clrMapOvr>
+</p:notes>
+</file>
+
+<file path=ppt/notesSlides/notesSlide15.xml><?xml version="1.0" encoding="utf-8"?>
+<p:notes xmlns:a="http://schemas.openxmlformats.org/drawingml/2006/main" xmlns:r="http://schemas.openxmlformats.org/officeDocument/2006/relationships" xmlns:p="http://schemas.openxmlformats.org/presentationml/2006/main">
+  <p:cSld>
+    <p:spTree>
+      <p:nvGrpSpPr>
+        <p:cNvPr id="1" name=""/>
+        <p:cNvGrpSpPr/>
+        <p:nvPr/>
+      </p:nvGrpSpPr>
+      <p:grpSpPr>
+        <a:xfrm>
+          <a:off x="0" y="0"/>
+          <a:ext cx="0" cy="0"/>
+          <a:chOff x="0" y="0"/>
+          <a:chExt cx="0" cy="0"/>
+        </a:xfrm>
+      </p:grpSpPr>
+      <p:sp>
+        <p:nvSpPr>
+          <p:cNvPr id="2" name="幻灯片图像占位符 1"/>
+          <p:cNvSpPr>
+            <a:spLocks noGrp="1" noRot="1" noChangeAspect="1"/>
+          </p:cNvSpPr>
+          <p:nvPr>
+            <p:ph type="sldImg"/>
+          </p:nvPr>
+        </p:nvSpPr>
+        <p:spPr/>
+      </p:sp>
+      <p:sp>
+        <p:nvSpPr>
+          <p:cNvPr id="3" name="备注占位符 2"/>
+          <p:cNvSpPr>
+            <a:spLocks noGrp="1"/>
+          </p:cNvSpPr>
+          <p:nvPr>
+            <p:ph type="body" idx="1"/>
+          </p:nvPr>
+        </p:nvSpPr>
+        <p:spPr/>
+        <p:txBody>
+          <a:bodyPr/>
+          <a:lstStyle/>
+          <a:p>
+            <a:endParaRPr lang="zh-CN" altLang="en-US" dirty="0"/>
+          </a:p>
+        </p:txBody>
+      </p:sp>
+      <p:sp>
+        <p:nvSpPr>
+          <p:cNvPr id="4" name="灯片编号占位符 3"/>
+          <p:cNvSpPr>
+            <a:spLocks noGrp="1"/>
+          </p:cNvSpPr>
+          <p:nvPr>
+            <p:ph type="sldNum" sz="quarter" idx="5"/>
+          </p:nvPr>
+        </p:nvSpPr>
+        <p:spPr/>
+        <p:txBody>
+          <a:bodyPr/>
+          <a:lstStyle/>
+          <a:p>
+            <a:fld id="{54DD4A14-0979-4C4C-862B-F40B61B913F0}" type="slidenum">
+              <a:rPr lang="zh-CN" altLang="en-US" smtClean="0"/>
+            </a:fld>
+            <a:endParaRPr lang="zh-CN" altLang="en-US"/>
+          </a:p>
+        </p:txBody>
+      </p:sp>
+    </p:spTree>
   </p:cSld>
   <p:clrMapOvr>
     <a:masterClrMapping/>
@@ -1049,18 +1085,12 @@
           <a:p>
             <a:fld id="{54DD4A14-0979-4C4C-862B-F40B61B913F0}" type="slidenum">
               <a:rPr lang="zh-CN" altLang="en-US" smtClean="0"/>
-              <a:t>4</a:t>
             </a:fld>
             <a:endParaRPr lang="zh-CN" altLang="en-US"/>
           </a:p>
         </p:txBody>
       </p:sp>
     </p:spTree>
-    <p:extLst>
-      <p:ext uri="{BB962C8B-B14F-4D97-AF65-F5344CB8AC3E}">
-        <p14:creationId xmlns:p14="http://schemas.microsoft.com/office/powerpoint/2010/main" val="1621214960"/>
-      </p:ext>
-    </p:extLst>
   </p:cSld>
   <p:clrMapOvr>
     <a:masterClrMapping/>
@@ -1137,18 +1167,12 @@
           <a:p>
             <a:fld id="{54DD4A14-0979-4C4C-862B-F40B61B913F0}" type="slidenum">
               <a:rPr lang="zh-CN" altLang="en-US" smtClean="0"/>
-              <a:t>5</a:t>
             </a:fld>
             <a:endParaRPr lang="zh-CN" altLang="en-US"/>
           </a:p>
         </p:txBody>
       </p:sp>
     </p:spTree>
-    <p:extLst>
-      <p:ext uri="{BB962C8B-B14F-4D97-AF65-F5344CB8AC3E}">
-        <p14:creationId xmlns:p14="http://schemas.microsoft.com/office/powerpoint/2010/main" val="4011425749"/>
-      </p:ext>
-    </p:extLst>
   </p:cSld>
   <p:clrMapOvr>
     <a:masterClrMapping/>
@@ -1225,18 +1249,12 @@
           <a:p>
             <a:fld id="{54DD4A14-0979-4C4C-862B-F40B61B913F0}" type="slidenum">
               <a:rPr lang="zh-CN" altLang="en-US" smtClean="0"/>
-              <a:t>6</a:t>
             </a:fld>
             <a:endParaRPr lang="zh-CN" altLang="en-US"/>
           </a:p>
         </p:txBody>
       </p:sp>
     </p:spTree>
-    <p:extLst>
-      <p:ext uri="{BB962C8B-B14F-4D97-AF65-F5344CB8AC3E}">
-        <p14:creationId xmlns:p14="http://schemas.microsoft.com/office/powerpoint/2010/main" val="1483491289"/>
-      </p:ext>
-    </p:extLst>
   </p:cSld>
   <p:clrMapOvr>
     <a:masterClrMapping/>
@@ -1309,18 +1327,12 @@
           <a:p>
             <a:fld id="{54DD4A14-0979-4C4C-862B-F40B61B913F0}" type="slidenum">
               <a:rPr lang="zh-CN" altLang="en-US" smtClean="0"/>
-              <a:t>7</a:t>
             </a:fld>
             <a:endParaRPr lang="zh-CN" altLang="en-US"/>
           </a:p>
         </p:txBody>
       </p:sp>
     </p:spTree>
-    <p:extLst>
-      <p:ext uri="{BB962C8B-B14F-4D97-AF65-F5344CB8AC3E}">
-        <p14:creationId xmlns:p14="http://schemas.microsoft.com/office/powerpoint/2010/main" val="2764902946"/>
-      </p:ext>
-    </p:extLst>
   </p:cSld>
   <p:clrMapOvr>
     <a:masterClrMapping/>
@@ -1372,28 +1384,6 @@
           <a:bodyPr/>
           <a:lstStyle/>
           <a:p>
-            <a:r>
-              <a:rPr lang="en-US" altLang="zh-CN" dirty="0"/>
-              <a:t>I developed four core APIs that handle all stock market data. The Historical Price Chart API provides 1, 3, or 5-day price data with up to 600 data points for smooth charts. The Current Stock Price API delivers real-time OHLC data, volume, and market value. I also built a Stock Search API for finding companies by name, and a Company Information API for detailed business backgrounds.</a:t>
-            </a:r>
-          </a:p>
-          <a:p>
-            <a:r>
-              <a:rPr lang="en-US" altLang="zh-CN" dirty="0"/>
-              <a:t>For our technical foundation, I chose Yahoo Finance API because it's provides high-quality data with 2-15 minute update intervals.</a:t>
-            </a:r>
-          </a:p>
-          <a:p>
-            <a:r>
-              <a:rPr lang="en-US" altLang="zh-CN" dirty="0"/>
-              <a:t>To ensure reliability, I implemented an automatic retry system. When Yahoo Finance fails, our system waits and retries up to 3 times, keeping the service running smoothly despite external issues.</a:t>
-            </a:r>
-          </a:p>
-          <a:p>
-            <a:r>
-              <a:rPr lang="en-US" altLang="zh-CN" dirty="0"/>
-              <a:t>Testing shows excellent results. All APIs respond quickly and accurately with major stocks like Apple, Microsoft, and Tesla. We get smooth charts with hundreds of data points and real-time updates during market hours.</a:t>
-            </a:r>
             <a:endParaRPr lang="zh-CN" altLang="en-US" dirty="0"/>
           </a:p>
         </p:txBody>
@@ -1415,18 +1405,12 @@
           <a:p>
             <a:fld id="{54DD4A14-0979-4C4C-862B-F40B61B913F0}" type="slidenum">
               <a:rPr lang="zh-CN" altLang="en-US" smtClean="0"/>
-              <a:t>8</a:t>
             </a:fld>
             <a:endParaRPr lang="zh-CN" altLang="en-US"/>
           </a:p>
         </p:txBody>
       </p:sp>
     </p:spTree>
-    <p:extLst>
-      <p:ext uri="{BB962C8B-B14F-4D97-AF65-F5344CB8AC3E}">
-        <p14:creationId xmlns:p14="http://schemas.microsoft.com/office/powerpoint/2010/main" val="3365605602"/>
-      </p:ext>
-    </p:extLst>
   </p:cSld>
   <p:clrMapOvr>
     <a:masterClrMapping/>
@@ -1482,18 +1466,21 @@
               <a:rPr lang="en-US" altLang="zh-CN" dirty="0"/>
               <a:t>I developed four core APIs that handle all stock market data. The Historical Price Chart API provides 1, 3, or 5-day price data with up to 600 data points for smooth charts. The Current Stock Price API delivers real-time OHLC data, volume, and market value. I also built a Stock Search API for finding companies by name, and a Company Information API for detailed business backgrounds.</a:t>
             </a:r>
+            <a:endParaRPr lang="en-US" altLang="zh-CN" dirty="0"/>
           </a:p>
           <a:p>
             <a:r>
               <a:rPr lang="en-US" altLang="zh-CN" dirty="0"/>
               <a:t>For our technical foundation, I chose Yahoo Finance API because it's provides high-quality data with 2-15 minute update intervals.</a:t>
             </a:r>
+            <a:endParaRPr lang="en-US" altLang="zh-CN" dirty="0"/>
           </a:p>
           <a:p>
             <a:r>
               <a:rPr lang="en-US" altLang="zh-CN" dirty="0"/>
               <a:t>To ensure reliability, I implemented an automatic retry system. When Yahoo Finance fails, our system waits and retries up to 3 times, keeping the service running smoothly despite external issues.</a:t>
             </a:r>
+            <a:endParaRPr lang="en-US" altLang="zh-CN" dirty="0"/>
           </a:p>
           <a:p>
             <a:r>
@@ -1521,18 +1508,12 @@
           <a:p>
             <a:fld id="{54DD4A14-0979-4C4C-862B-F40B61B913F0}" type="slidenum">
               <a:rPr lang="zh-CN" altLang="en-US" smtClean="0"/>
-              <a:t>9</a:t>
             </a:fld>
             <a:endParaRPr lang="zh-CN" altLang="en-US"/>
           </a:p>
         </p:txBody>
       </p:sp>
     </p:spTree>
-    <p:extLst>
-      <p:ext uri="{BB962C8B-B14F-4D97-AF65-F5344CB8AC3E}">
-        <p14:creationId xmlns:p14="http://schemas.microsoft.com/office/powerpoint/2010/main" val="2343981882"/>
-      </p:ext>
-    </p:extLst>
   </p:cSld>
   <p:clrMapOvr>
     <a:masterClrMapping/>
@@ -1584,6 +1565,31 @@
           <a:bodyPr/>
           <a:lstStyle/>
           <a:p>
+            <a:r>
+              <a:rPr lang="en-US" altLang="zh-CN" dirty="0"/>
+              <a:t>I developed four core APIs that handle all stock market data. The Historical Price Chart API provides 1, 3, or 5-day price data with up to 600 data points for smooth charts. The Current Stock Price API delivers real-time OHLC data, volume, and market value. I also built a Stock Search API for finding companies by name, and a Company Information API for detailed business backgrounds.</a:t>
+            </a:r>
+            <a:endParaRPr lang="en-US" altLang="zh-CN" dirty="0"/>
+          </a:p>
+          <a:p>
+            <a:r>
+              <a:rPr lang="en-US" altLang="zh-CN" dirty="0"/>
+              <a:t>For our technical foundation, I chose Yahoo Finance API because it's provides high-quality data with 2-15 minute update intervals.</a:t>
+            </a:r>
+            <a:endParaRPr lang="en-US" altLang="zh-CN" dirty="0"/>
+          </a:p>
+          <a:p>
+            <a:r>
+              <a:rPr lang="en-US" altLang="zh-CN" dirty="0"/>
+              <a:t>To ensure reliability, I implemented an automatic retry system. When Yahoo Finance fails, our system waits and retries up to 3 times, keeping the service running smoothly despite external issues.</a:t>
+            </a:r>
+            <a:endParaRPr lang="en-US" altLang="zh-CN" dirty="0"/>
+          </a:p>
+          <a:p>
+            <a:r>
+              <a:rPr lang="en-US" altLang="zh-CN" dirty="0"/>
+              <a:t>Testing shows excellent results. All APIs respond quickly and accurately with major stocks like Apple, Microsoft, and Tesla. We get smooth charts with hundreds of data points and real-time updates during market hours.</a:t>
+            </a:r>
             <a:endParaRPr lang="zh-CN" altLang="en-US" dirty="0"/>
           </a:p>
         </p:txBody>
@@ -1605,18 +1611,12 @@
           <a:p>
             <a:fld id="{54DD4A14-0979-4C4C-862B-F40B61B913F0}" type="slidenum">
               <a:rPr lang="zh-CN" altLang="en-US" smtClean="0"/>
-              <a:t>10</a:t>
             </a:fld>
             <a:endParaRPr lang="zh-CN" altLang="en-US"/>
           </a:p>
         </p:txBody>
       </p:sp>
     </p:spTree>
-    <p:extLst>
-      <p:ext uri="{BB962C8B-B14F-4D97-AF65-F5344CB8AC3E}">
-        <p14:creationId xmlns:p14="http://schemas.microsoft.com/office/powerpoint/2010/main" val="1005799135"/>
-      </p:ext>
-    </p:extLst>
   </p:cSld>
   <p:clrMapOvr>
     <a:masterClrMapping/>
@@ -1689,18 +1689,12 @@
           <a:p>
             <a:fld id="{54DD4A14-0979-4C4C-862B-F40B61B913F0}" type="slidenum">
               <a:rPr lang="zh-CN" altLang="en-US" smtClean="0"/>
-              <a:t>11</a:t>
             </a:fld>
             <a:endParaRPr lang="zh-CN" altLang="en-US"/>
           </a:p>
         </p:txBody>
       </p:sp>
     </p:spTree>
-    <p:extLst>
-      <p:ext uri="{BB962C8B-B14F-4D97-AF65-F5344CB8AC3E}">
-        <p14:creationId xmlns:p14="http://schemas.microsoft.com/office/powerpoint/2010/main" val="2904975126"/>
-      </p:ext>
-    </p:extLst>
   </p:cSld>
   <p:clrMapOvr>
     <a:masterClrMapping/>
@@ -1709,7 +1703,7 @@
 </file>
 
 <file path=ppt/slideLayouts/slideLayout1.xml><?xml version="1.0" encoding="utf-8"?>
-<p:sldLayout xmlns:a="http://schemas.openxmlformats.org/drawingml/2006/main" xmlns:r="http://schemas.openxmlformats.org/officeDocument/2006/relationships" xmlns:p="http://schemas.openxmlformats.org/presentationml/2006/main" showMasterSp="0" type="title" preserve="1">
+<p:sldLayout xmlns:a="http://schemas.openxmlformats.org/drawingml/2006/main" xmlns:r="http://schemas.openxmlformats.org/officeDocument/2006/relationships" xmlns:p="http://schemas.openxmlformats.org/presentationml/2006/main" type="title" preserve="1" showMasterSp="0">
   <p:cSld name="Title Slide">
     <p:spTree>
       <p:nvGrpSpPr>
@@ -1934,7 +1928,6 @@
           <a:p>
             <a:fld id="{E60B6B6D-D68D-4565-B155-9F1913B518D9}" type="datetimeFigureOut">
               <a:rPr lang="en-IN" smtClean="0"/>
-              <a:t>31-07-2025</a:t>
             </a:fld>
             <a:endParaRPr lang="en-IN"/>
           </a:p>
@@ -1976,7 +1969,6 @@
           <a:p>
             <a:fld id="{FAD73A7C-452E-405B-B813-67731DC9F6A4}" type="slidenum">
               <a:rPr lang="en-IN" smtClean="0"/>
-              <a:t>‹#›</a:t>
             </a:fld>
             <a:endParaRPr lang="en-IN"/>
           </a:p>
@@ -2021,11 +2013,6 @@
         </p:style>
       </p:cxnSp>
     </p:spTree>
-    <p:extLst>
-      <p:ext uri="{BB962C8B-B14F-4D97-AF65-F5344CB8AC3E}">
-        <p14:creationId xmlns:p14="http://schemas.microsoft.com/office/powerpoint/2010/main" val="500459309"/>
-      </p:ext>
-    </p:extLst>
   </p:cSld>
   <p:clrMapOvr>
     <a:masterClrMapping/>
@@ -2093,6 +2080,7 @@
               <a:rPr lang="en-US"/>
               <a:t>Click to edit Master text styles</a:t>
             </a:r>
+            <a:endParaRPr lang="en-US"/>
           </a:p>
           <a:p>
             <a:pPr lvl="1"/>
@@ -2100,6 +2088,7 @@
               <a:rPr lang="en-US"/>
               <a:t>Second level</a:t>
             </a:r>
+            <a:endParaRPr lang="en-US"/>
           </a:p>
           <a:p>
             <a:pPr lvl="2"/>
@@ -2107,6 +2096,7 @@
               <a:rPr lang="en-US"/>
               <a:t>Third level</a:t>
             </a:r>
+            <a:endParaRPr lang="en-US"/>
           </a:p>
           <a:p>
             <a:pPr lvl="3"/>
@@ -2114,6 +2104,7 @@
               <a:rPr lang="en-US"/>
               <a:t>Fourth level</a:t>
             </a:r>
+            <a:endParaRPr lang="en-US"/>
           </a:p>
           <a:p>
             <a:pPr lvl="4"/>
@@ -2142,7 +2133,6 @@
           <a:p>
             <a:fld id="{E60B6B6D-D68D-4565-B155-9F1913B518D9}" type="datetimeFigureOut">
               <a:rPr lang="en-IN" smtClean="0"/>
-              <a:t>31-07-2025</a:t>
             </a:fld>
             <a:endParaRPr lang="en-IN"/>
           </a:p>
@@ -2184,18 +2174,12 @@
           <a:p>
             <a:fld id="{FAD73A7C-452E-405B-B813-67731DC9F6A4}" type="slidenum">
               <a:rPr lang="en-IN" smtClean="0"/>
-              <a:t>‹#›</a:t>
             </a:fld>
             <a:endParaRPr lang="en-IN"/>
           </a:p>
         </p:txBody>
       </p:sp>
     </p:spTree>
-    <p:extLst>
-      <p:ext uri="{BB962C8B-B14F-4D97-AF65-F5344CB8AC3E}">
-        <p14:creationId xmlns:p14="http://schemas.microsoft.com/office/powerpoint/2010/main" val="3550270829"/>
-      </p:ext>
-    </p:extLst>
   </p:cSld>
   <p:clrMapOvr>
     <a:masterClrMapping/>
@@ -2204,7 +2188,7 @@
 </file>
 
 <file path=ppt/slideLayouts/slideLayout11.xml><?xml version="1.0" encoding="utf-8"?>
-<p:sldLayout xmlns:a="http://schemas.openxmlformats.org/drawingml/2006/main" xmlns:r="http://schemas.openxmlformats.org/officeDocument/2006/relationships" xmlns:p="http://schemas.openxmlformats.org/presentationml/2006/main" showMasterSp="0" type="vertTitleAndTx" preserve="1">
+<p:sldLayout xmlns:a="http://schemas.openxmlformats.org/drawingml/2006/main" xmlns:r="http://schemas.openxmlformats.org/officeDocument/2006/relationships" xmlns:p="http://schemas.openxmlformats.org/presentationml/2006/main" type="vertTitleAndTx" preserve="1" showMasterSp="0">
   <p:cSld name="Vertical Title and Text">
     <p:spTree>
       <p:nvGrpSpPr>
@@ -2349,6 +2333,7 @@
               <a:rPr lang="en-US"/>
               <a:t>Click to edit Master text styles</a:t>
             </a:r>
+            <a:endParaRPr lang="en-US"/>
           </a:p>
           <a:p>
             <a:pPr lvl="1"/>
@@ -2356,6 +2341,7 @@
               <a:rPr lang="en-US"/>
               <a:t>Second level</a:t>
             </a:r>
+            <a:endParaRPr lang="en-US"/>
           </a:p>
           <a:p>
             <a:pPr lvl="2"/>
@@ -2363,6 +2349,7 @@
               <a:rPr lang="en-US"/>
               <a:t>Third level</a:t>
             </a:r>
+            <a:endParaRPr lang="en-US"/>
           </a:p>
           <a:p>
             <a:pPr lvl="3"/>
@@ -2370,6 +2357,7 @@
               <a:rPr lang="en-US"/>
               <a:t>Fourth level</a:t>
             </a:r>
+            <a:endParaRPr lang="en-US"/>
           </a:p>
           <a:p>
             <a:pPr lvl="4"/>
@@ -2398,7 +2386,6 @@
           <a:p>
             <a:fld id="{E60B6B6D-D68D-4565-B155-9F1913B518D9}" type="datetimeFigureOut">
               <a:rPr lang="en-IN" smtClean="0"/>
-              <a:t>31-07-2025</a:t>
             </a:fld>
             <a:endParaRPr lang="en-IN"/>
           </a:p>
@@ -2440,18 +2427,12 @@
           <a:p>
             <a:fld id="{FAD73A7C-452E-405B-B813-67731DC9F6A4}" type="slidenum">
               <a:rPr lang="en-IN" smtClean="0"/>
-              <a:t>‹#›</a:t>
             </a:fld>
             <a:endParaRPr lang="en-IN"/>
           </a:p>
         </p:txBody>
       </p:sp>
     </p:spTree>
-    <p:extLst>
-      <p:ext uri="{BB962C8B-B14F-4D97-AF65-F5344CB8AC3E}">
-        <p14:creationId xmlns:p14="http://schemas.microsoft.com/office/powerpoint/2010/main" val="2309294418"/>
-      </p:ext>
-    </p:extLst>
   </p:cSld>
   <p:clrMapOvr>
     <a:masterClrMapping/>
@@ -2477,21 +2458,16 @@
         </a:xfrm>
       </p:grpSpPr>
     </p:spTree>
-    <p:extLst>
-      <p:ext uri="{BB962C8B-B14F-4D97-AF65-F5344CB8AC3E}">
-        <p14:creationId xmlns:p14="http://schemas.microsoft.com/office/powerpoint/2010/main" val="192142437"/>
-      </p:ext>
-    </p:extLst>
   </p:cSld>
   <p:clrMapOvr>
     <a:masterClrMapping/>
   </p:clrMapOvr>
-  <mc:AlternateContent xmlns:mc="http://schemas.openxmlformats.org/markup-compatibility/2006" xmlns:p14="http://schemas.microsoft.com/office/powerpoint/2010/main">
-    <mc:Choice Requires="p14">
+  <mc:AlternateContent xmlns:mc="http://schemas.openxmlformats.org/markup-compatibility/2006">
+    <mc:Choice xmlns:p14="http://schemas.microsoft.com/office/powerpoint/2010/main" Requires="p14">
       <p:transition p14:dur="0" advClick="0"/>
     </mc:Choice>
-    <mc:Fallback xmlns="">
-      <p:transition xmlns:p14="http://schemas.microsoft.com/office/powerpoint/2010/main" advClick="0"/>
+    <mc:Fallback>
+      <p:transition advClick="0"/>
     </mc:Fallback>
   </mc:AlternateContent>
 </p:sldLayout>
@@ -2516,13 +2492,7 @@
       </p:grpSpPr>
       <p:sp>
         <p:nvSpPr>
-          <p:cNvPr id="5" name="矩形 4">
-            <a:extLst>
-              <a:ext uri="{FF2B5EF4-FFF2-40B4-BE49-F238E27FC236}">
-                <a16:creationId xmlns:a16="http://schemas.microsoft.com/office/drawing/2014/main" id="{93A45EEF-FA14-4954-99F6-877B3E2C0C9C}"/>
-              </a:ext>
-            </a:extLst>
-          </p:cNvPr>
+          <p:cNvPr id="5" name="矩形 4"/>
           <p:cNvSpPr>
             <a:spLocks noChangeAspect="1"/>
           </p:cNvSpPr>
@@ -2538,6 +2508,7 @@
           </a:prstGeom>
           <a:blipFill dpi="0" rotWithShape="1">
             <a:blip r:embed="rId2" cstate="email">
+              <a:alphaModFix amt="12000"/>
               <a:duotone>
                 <a:schemeClr val="bg2">
                   <a:shade val="45000"/>
@@ -2545,12 +2516,6 @@
                 </a:schemeClr>
                 <a:prstClr val="white"/>
               </a:duotone>
-              <a:alphaModFix amt="12000"/>
-              <a:extLst>
-                <a:ext uri="{28A0092B-C50C-407E-A947-70E740481C1C}">
-                  <a14:useLocalDpi xmlns:a14="http://schemas.microsoft.com/office/drawing/2010/main"/>
-                </a:ext>
-              </a:extLst>
             </a:blip>
             <a:srcRect/>
             <a:stretch>
@@ -2565,12 +2530,14 @@
           <a:effectLst/>
           <a:extLst>
             <a:ext uri="{91240B29-F687-4F45-9708-019B960494DF}">
-              <a14:hiddenLine xmlns:a14="http://schemas.microsoft.com/office/drawing/2010/main" w="12700" cap="flat" cmpd="sng" algn="ctr">
+              <a14:hiddenLine xmlns:a14="http://schemas.microsoft.com/office/drawing/2010/main" w="12700">
                 <a:solidFill>
                   <a:schemeClr val="dk1"/>
                 </a:solidFill>
                 <a:prstDash val="solid"/>
                 <a:miter lim="800000"/>
+                <a:headEnd/>
+                <a:tailEnd/>
               </a14:hiddenLine>
             </a:ext>
           </a:extLst>
@@ -2600,13 +2567,7 @@
       </p:sp>
       <p:grpSp>
         <p:nvGrpSpPr>
-          <p:cNvPr id="6" name="组合 5">
-            <a:extLst>
-              <a:ext uri="{FF2B5EF4-FFF2-40B4-BE49-F238E27FC236}">
-                <a16:creationId xmlns:a16="http://schemas.microsoft.com/office/drawing/2014/main" id="{411D47FC-89B0-49C0-88D9-2DB855458FB5}"/>
-              </a:ext>
-            </a:extLst>
-          </p:cNvPr>
+          <p:cNvPr id="6" name="组合 5"/>
           <p:cNvGrpSpPr/>
           <p:nvPr userDrawn="1"/>
         </p:nvGrpSpPr>
@@ -2625,13 +2586,7 @@
         </p:grpSpPr>
         <p:sp>
           <p:nvSpPr>
-            <p:cNvPr id="10" name="任意多边形: 形状 9">
-              <a:extLst>
-                <a:ext uri="{FF2B5EF4-FFF2-40B4-BE49-F238E27FC236}">
-                  <a16:creationId xmlns:a16="http://schemas.microsoft.com/office/drawing/2014/main" id="{B649A4BD-A814-4F7A-ABC2-83F189AEB82B}"/>
-                </a:ext>
-              </a:extLst>
-            </p:cNvPr>
+            <p:cNvPr id="10" name="任意多边形: 形状 9"/>
             <p:cNvSpPr/>
             <p:nvPr/>
           </p:nvSpPr>
@@ -2695,13 +2650,7 @@
         </p:sp>
         <p:sp>
           <p:nvSpPr>
-            <p:cNvPr id="11" name="任意多边形: 形状 10">
-              <a:extLst>
-                <a:ext uri="{FF2B5EF4-FFF2-40B4-BE49-F238E27FC236}">
-                  <a16:creationId xmlns:a16="http://schemas.microsoft.com/office/drawing/2014/main" id="{CC318E83-AD22-4897-B37E-0984744976C9}"/>
-                </a:ext>
-              </a:extLst>
-            </p:cNvPr>
+            <p:cNvPr id="11" name="任意多边形: 形状 10"/>
             <p:cNvSpPr/>
             <p:nvPr/>
           </p:nvSpPr>
@@ -2773,13 +2722,7 @@
         </p:sp>
         <p:sp>
           <p:nvSpPr>
-            <p:cNvPr id="12" name="任意多边形: 形状 11">
-              <a:extLst>
-                <a:ext uri="{FF2B5EF4-FFF2-40B4-BE49-F238E27FC236}">
-                  <a16:creationId xmlns:a16="http://schemas.microsoft.com/office/drawing/2014/main" id="{99196DA9-4AA3-4B99-91C6-467783C6B19F}"/>
-                </a:ext>
-              </a:extLst>
-            </p:cNvPr>
+            <p:cNvPr id="12" name="任意多边形: 形状 11"/>
             <p:cNvSpPr/>
             <p:nvPr/>
           </p:nvSpPr>
@@ -2851,13 +2794,7 @@
         </p:sp>
         <p:sp>
           <p:nvSpPr>
-            <p:cNvPr id="13" name="任意多边形: 形状 12">
-              <a:extLst>
-                <a:ext uri="{FF2B5EF4-FFF2-40B4-BE49-F238E27FC236}">
-                  <a16:creationId xmlns:a16="http://schemas.microsoft.com/office/drawing/2014/main" id="{7A6A9805-D06B-4053-8D38-C20430C09504}"/>
-                </a:ext>
-              </a:extLst>
-            </p:cNvPr>
+            <p:cNvPr id="13" name="任意多边形: 形状 12"/>
             <p:cNvSpPr/>
             <p:nvPr/>
           </p:nvSpPr>
@@ -2929,13 +2866,7 @@
         </p:sp>
         <p:sp>
           <p:nvSpPr>
-            <p:cNvPr id="14" name="任意多边形: 形状 13">
-              <a:extLst>
-                <a:ext uri="{FF2B5EF4-FFF2-40B4-BE49-F238E27FC236}">
-                  <a16:creationId xmlns:a16="http://schemas.microsoft.com/office/drawing/2014/main" id="{3BB0AFB8-AE3E-45C9-AAB1-93985E369211}"/>
-                </a:ext>
-              </a:extLst>
-            </p:cNvPr>
+            <p:cNvPr id="14" name="任意多边形: 形状 13"/>
             <p:cNvSpPr/>
             <p:nvPr/>
           </p:nvSpPr>
@@ -3007,13 +2938,7 @@
         </p:sp>
         <p:sp>
           <p:nvSpPr>
-            <p:cNvPr id="15" name="任意多边形: 形状 14">
-              <a:extLst>
-                <a:ext uri="{FF2B5EF4-FFF2-40B4-BE49-F238E27FC236}">
-                  <a16:creationId xmlns:a16="http://schemas.microsoft.com/office/drawing/2014/main" id="{ABF3371C-E75A-4348-B1E3-7A024A857216}"/>
-                </a:ext>
-              </a:extLst>
-            </p:cNvPr>
+            <p:cNvPr id="15" name="任意多边形: 形状 14"/>
             <p:cNvSpPr/>
             <p:nvPr/>
           </p:nvSpPr>
@@ -3085,13 +3010,7 @@
         </p:sp>
         <p:sp>
           <p:nvSpPr>
-            <p:cNvPr id="16" name="任意多边形: 形状 15">
-              <a:extLst>
-                <a:ext uri="{FF2B5EF4-FFF2-40B4-BE49-F238E27FC236}">
-                  <a16:creationId xmlns:a16="http://schemas.microsoft.com/office/drawing/2014/main" id="{427EE38B-0388-4DA4-984C-E1F1B9A01BF7}"/>
-                </a:ext>
-              </a:extLst>
-            </p:cNvPr>
+            <p:cNvPr id="16" name="任意多边形: 形状 15"/>
             <p:cNvSpPr/>
             <p:nvPr/>
           </p:nvSpPr>
@@ -3163,13 +3082,7 @@
         </p:sp>
         <p:sp>
           <p:nvSpPr>
-            <p:cNvPr id="17" name="任意多边形: 形状 16">
-              <a:extLst>
-                <a:ext uri="{FF2B5EF4-FFF2-40B4-BE49-F238E27FC236}">
-                  <a16:creationId xmlns:a16="http://schemas.microsoft.com/office/drawing/2014/main" id="{1A1AB375-6EB9-4761-91C6-56E7ECA60351}"/>
-                </a:ext>
-              </a:extLst>
-            </p:cNvPr>
+            <p:cNvPr id="17" name="任意多边形: 形状 16"/>
             <p:cNvSpPr/>
             <p:nvPr/>
           </p:nvSpPr>
@@ -3241,13 +3154,7 @@
         </p:sp>
         <p:sp>
           <p:nvSpPr>
-            <p:cNvPr id="18" name="任意多边形: 形状 17">
-              <a:extLst>
-                <a:ext uri="{FF2B5EF4-FFF2-40B4-BE49-F238E27FC236}">
-                  <a16:creationId xmlns:a16="http://schemas.microsoft.com/office/drawing/2014/main" id="{A5FD43BD-F66B-4689-9A61-D6F29D1A9AD1}"/>
-                </a:ext>
-              </a:extLst>
-            </p:cNvPr>
+            <p:cNvPr id="18" name="任意多边形: 形状 17"/>
             <p:cNvSpPr/>
             <p:nvPr/>
           </p:nvSpPr>
@@ -3319,13 +3226,7 @@
         </p:sp>
         <p:sp>
           <p:nvSpPr>
-            <p:cNvPr id="19" name="任意多边形: 形状 18">
-              <a:extLst>
-                <a:ext uri="{FF2B5EF4-FFF2-40B4-BE49-F238E27FC236}">
-                  <a16:creationId xmlns:a16="http://schemas.microsoft.com/office/drawing/2014/main" id="{08680C26-BE61-4B80-BE34-A8BD51FBA99A}"/>
-                </a:ext>
-              </a:extLst>
-            </p:cNvPr>
+            <p:cNvPr id="19" name="任意多边形: 形状 18"/>
             <p:cNvSpPr/>
             <p:nvPr/>
           </p:nvSpPr>
@@ -3397,13 +3298,7 @@
         </p:sp>
         <p:sp>
           <p:nvSpPr>
-            <p:cNvPr id="20" name="任意多边形: 形状 19">
-              <a:extLst>
-                <a:ext uri="{FF2B5EF4-FFF2-40B4-BE49-F238E27FC236}">
-                  <a16:creationId xmlns:a16="http://schemas.microsoft.com/office/drawing/2014/main" id="{97D48237-DC5D-4711-9D69-67ACC9787E65}"/>
-                </a:ext>
-              </a:extLst>
-            </p:cNvPr>
+            <p:cNvPr id="20" name="任意多边形: 形状 19"/>
             <p:cNvSpPr/>
             <p:nvPr/>
           </p:nvSpPr>
@@ -3475,13 +3370,7 @@
         </p:sp>
         <p:sp>
           <p:nvSpPr>
-            <p:cNvPr id="21" name="任意多边形: 形状 20">
-              <a:extLst>
-                <a:ext uri="{FF2B5EF4-FFF2-40B4-BE49-F238E27FC236}">
-                  <a16:creationId xmlns:a16="http://schemas.microsoft.com/office/drawing/2014/main" id="{7DC83200-1D39-45DA-81EC-540423E0319C}"/>
-                </a:ext>
-              </a:extLst>
-            </p:cNvPr>
+            <p:cNvPr id="21" name="任意多边形: 形状 20"/>
             <p:cNvSpPr/>
             <p:nvPr/>
           </p:nvSpPr>
@@ -3553,13 +3442,7 @@
         </p:sp>
         <p:sp>
           <p:nvSpPr>
-            <p:cNvPr id="22" name="任意多边形: 形状 21">
-              <a:extLst>
-                <a:ext uri="{FF2B5EF4-FFF2-40B4-BE49-F238E27FC236}">
-                  <a16:creationId xmlns:a16="http://schemas.microsoft.com/office/drawing/2014/main" id="{4064F6DC-DD29-41F8-A6E0-2719F41240E8}"/>
-                </a:ext>
-              </a:extLst>
-            </p:cNvPr>
+            <p:cNvPr id="22" name="任意多边形: 形状 21"/>
             <p:cNvSpPr/>
             <p:nvPr/>
           </p:nvSpPr>
@@ -3639,13 +3522,7 @@
         </p:sp>
         <p:grpSp>
           <p:nvGrpSpPr>
-            <p:cNvPr id="23" name="组合 22">
-              <a:extLst>
-                <a:ext uri="{FF2B5EF4-FFF2-40B4-BE49-F238E27FC236}">
-                  <a16:creationId xmlns:a16="http://schemas.microsoft.com/office/drawing/2014/main" id="{5E415305-059B-4326-9E15-C80CFA06BE46}"/>
-                </a:ext>
-              </a:extLst>
-            </p:cNvPr>
+            <p:cNvPr id="23" name="组合 22"/>
             <p:cNvGrpSpPr/>
             <p:nvPr/>
           </p:nvGrpSpPr>
@@ -3660,13 +3537,7 @@
           </p:grpSpPr>
           <p:sp>
             <p:nvSpPr>
-              <p:cNvPr id="24" name="任意多边形: 形状 23">
-                <a:extLst>
-                  <a:ext uri="{FF2B5EF4-FFF2-40B4-BE49-F238E27FC236}">
-                    <a16:creationId xmlns:a16="http://schemas.microsoft.com/office/drawing/2014/main" id="{EF089BEE-0E79-4192-A403-FD0AAA63CFBB}"/>
-                  </a:ext>
-                </a:extLst>
-              </p:cNvPr>
+              <p:cNvPr id="24" name="任意多边形: 形状 23"/>
               <p:cNvSpPr/>
               <p:nvPr/>
             </p:nvSpPr>
@@ -3738,13 +3609,7 @@
           </p:sp>
           <p:sp>
             <p:nvSpPr>
-              <p:cNvPr id="25" name="任意多边形: 形状 24">
-                <a:extLst>
-                  <a:ext uri="{FF2B5EF4-FFF2-40B4-BE49-F238E27FC236}">
-                    <a16:creationId xmlns:a16="http://schemas.microsoft.com/office/drawing/2014/main" id="{F1181C18-456B-4074-9D03-AEFB2C72B6D2}"/>
-                  </a:ext>
-                </a:extLst>
-              </p:cNvPr>
+              <p:cNvPr id="25" name="任意多边形: 形状 24"/>
               <p:cNvSpPr/>
               <p:nvPr/>
             </p:nvSpPr>
@@ -3816,13 +3681,7 @@
           </p:sp>
           <p:sp>
             <p:nvSpPr>
-              <p:cNvPr id="26" name="任意多边形: 形状 25">
-                <a:extLst>
-                  <a:ext uri="{FF2B5EF4-FFF2-40B4-BE49-F238E27FC236}">
-                    <a16:creationId xmlns:a16="http://schemas.microsoft.com/office/drawing/2014/main" id="{1804D2F2-922F-4A6C-B9C1-1ACD57576C79}"/>
-                  </a:ext>
-                </a:extLst>
-              </p:cNvPr>
+              <p:cNvPr id="26" name="任意多边形: 形状 25"/>
               <p:cNvSpPr/>
               <p:nvPr/>
             </p:nvSpPr>
@@ -3886,13 +3745,7 @@
           </p:sp>
           <p:sp>
             <p:nvSpPr>
-              <p:cNvPr id="27" name="任意多边形: 形状 26">
-                <a:extLst>
-                  <a:ext uri="{FF2B5EF4-FFF2-40B4-BE49-F238E27FC236}">
-                    <a16:creationId xmlns:a16="http://schemas.microsoft.com/office/drawing/2014/main" id="{485C95D9-91F6-4C15-855E-635DB2437C1A}"/>
-                  </a:ext>
-                </a:extLst>
-              </p:cNvPr>
+              <p:cNvPr id="27" name="任意多边形: 形状 26"/>
               <p:cNvSpPr/>
               <p:nvPr/>
             </p:nvSpPr>
@@ -3964,13 +3817,7 @@
           </p:sp>
           <p:sp>
             <p:nvSpPr>
-              <p:cNvPr id="28" name="任意多边形: 形状 27">
-                <a:extLst>
-                  <a:ext uri="{FF2B5EF4-FFF2-40B4-BE49-F238E27FC236}">
-                    <a16:creationId xmlns:a16="http://schemas.microsoft.com/office/drawing/2014/main" id="{2DFADE78-7711-4F18-BA00-817F3086044C}"/>
-                  </a:ext>
-                </a:extLst>
-              </p:cNvPr>
+              <p:cNvPr id="28" name="任意多边形: 形状 27"/>
               <p:cNvSpPr/>
               <p:nvPr/>
             </p:nvSpPr>
@@ -4042,13 +3889,7 @@
           </p:sp>
           <p:sp>
             <p:nvSpPr>
-              <p:cNvPr id="29" name="任意多边形: 形状 28">
-                <a:extLst>
-                  <a:ext uri="{FF2B5EF4-FFF2-40B4-BE49-F238E27FC236}">
-                    <a16:creationId xmlns:a16="http://schemas.microsoft.com/office/drawing/2014/main" id="{E23DC248-5B36-4BD8-A702-057BA66FB0C9}"/>
-                  </a:ext>
-                </a:extLst>
-              </p:cNvPr>
+              <p:cNvPr id="29" name="任意多边形: 形状 28"/>
               <p:cNvSpPr/>
               <p:nvPr/>
             </p:nvSpPr>
@@ -4122,13 +3963,7 @@
       </p:grpSp>
       <p:grpSp>
         <p:nvGrpSpPr>
-          <p:cNvPr id="30" name="组合 29">
-            <a:extLst>
-              <a:ext uri="{FF2B5EF4-FFF2-40B4-BE49-F238E27FC236}">
-                <a16:creationId xmlns:a16="http://schemas.microsoft.com/office/drawing/2014/main" id="{9D4EE691-2ECE-4DD1-8E2E-B25AD8F64581}"/>
-              </a:ext>
-            </a:extLst>
-          </p:cNvPr>
+          <p:cNvPr id="30" name="组合 29"/>
           <p:cNvGrpSpPr/>
           <p:nvPr userDrawn="1"/>
         </p:nvGrpSpPr>
@@ -4147,13 +3982,7 @@
         </p:grpSpPr>
         <p:sp>
           <p:nvSpPr>
-            <p:cNvPr id="31" name="任意多边形: 形状 30">
-              <a:extLst>
-                <a:ext uri="{FF2B5EF4-FFF2-40B4-BE49-F238E27FC236}">
-                  <a16:creationId xmlns:a16="http://schemas.microsoft.com/office/drawing/2014/main" id="{0B82D7EA-D319-4ECA-81C3-E47D27D3CFD3}"/>
-                </a:ext>
-              </a:extLst>
-            </p:cNvPr>
+            <p:cNvPr id="31" name="任意多边形: 形状 30"/>
             <p:cNvSpPr/>
             <p:nvPr/>
           </p:nvSpPr>
@@ -4217,13 +4046,7 @@
         </p:sp>
         <p:sp>
           <p:nvSpPr>
-            <p:cNvPr id="32" name="任意多边形: 形状 31">
-              <a:extLst>
-                <a:ext uri="{FF2B5EF4-FFF2-40B4-BE49-F238E27FC236}">
-                  <a16:creationId xmlns:a16="http://schemas.microsoft.com/office/drawing/2014/main" id="{27F9D4C8-5A9A-4EBC-959E-890DF5051F7C}"/>
-                </a:ext>
-              </a:extLst>
-            </p:cNvPr>
+            <p:cNvPr id="32" name="任意多边形: 形状 31"/>
             <p:cNvSpPr/>
             <p:nvPr/>
           </p:nvSpPr>
@@ -4295,13 +4118,7 @@
         </p:sp>
         <p:sp>
           <p:nvSpPr>
-            <p:cNvPr id="33" name="任意多边形: 形状 32">
-              <a:extLst>
-                <a:ext uri="{FF2B5EF4-FFF2-40B4-BE49-F238E27FC236}">
-                  <a16:creationId xmlns:a16="http://schemas.microsoft.com/office/drawing/2014/main" id="{27E20194-DD3C-442A-836D-8D8A77BAE902}"/>
-                </a:ext>
-              </a:extLst>
-            </p:cNvPr>
+            <p:cNvPr id="33" name="任意多边形: 形状 32"/>
             <p:cNvSpPr/>
             <p:nvPr/>
           </p:nvSpPr>
@@ -4373,13 +4190,7 @@
         </p:sp>
         <p:sp>
           <p:nvSpPr>
-            <p:cNvPr id="34" name="任意多边形: 形状 33">
-              <a:extLst>
-                <a:ext uri="{FF2B5EF4-FFF2-40B4-BE49-F238E27FC236}">
-                  <a16:creationId xmlns:a16="http://schemas.microsoft.com/office/drawing/2014/main" id="{C596CAE2-AB38-4070-9AC3-11143EED5E65}"/>
-                </a:ext>
-              </a:extLst>
-            </p:cNvPr>
+            <p:cNvPr id="34" name="任意多边形: 形状 33"/>
             <p:cNvSpPr/>
             <p:nvPr/>
           </p:nvSpPr>
@@ -4451,13 +4262,7 @@
         </p:sp>
         <p:sp>
           <p:nvSpPr>
-            <p:cNvPr id="35" name="任意多边形: 形状 34">
-              <a:extLst>
-                <a:ext uri="{FF2B5EF4-FFF2-40B4-BE49-F238E27FC236}">
-                  <a16:creationId xmlns:a16="http://schemas.microsoft.com/office/drawing/2014/main" id="{BEF7656F-82AD-4DD5-8BF0-5A5AB6F987A4}"/>
-                </a:ext>
-              </a:extLst>
-            </p:cNvPr>
+            <p:cNvPr id="35" name="任意多边形: 形状 34"/>
             <p:cNvSpPr/>
             <p:nvPr/>
           </p:nvSpPr>
@@ -4529,13 +4334,7 @@
         </p:sp>
         <p:sp>
           <p:nvSpPr>
-            <p:cNvPr id="36" name="任意多边形: 形状 35">
-              <a:extLst>
-                <a:ext uri="{FF2B5EF4-FFF2-40B4-BE49-F238E27FC236}">
-                  <a16:creationId xmlns:a16="http://schemas.microsoft.com/office/drawing/2014/main" id="{2FA13677-8149-4F72-B231-925EF0745867}"/>
-                </a:ext>
-              </a:extLst>
-            </p:cNvPr>
+            <p:cNvPr id="36" name="任意多边形: 形状 35"/>
             <p:cNvSpPr/>
             <p:nvPr/>
           </p:nvSpPr>
@@ -4607,13 +4406,7 @@
         </p:sp>
         <p:sp>
           <p:nvSpPr>
-            <p:cNvPr id="37" name="任意多边形: 形状 36">
-              <a:extLst>
-                <a:ext uri="{FF2B5EF4-FFF2-40B4-BE49-F238E27FC236}">
-                  <a16:creationId xmlns:a16="http://schemas.microsoft.com/office/drawing/2014/main" id="{E8B71ED5-264F-46DD-872B-C284AFA45EC2}"/>
-                </a:ext>
-              </a:extLst>
-            </p:cNvPr>
+            <p:cNvPr id="37" name="任意多边形: 形状 36"/>
             <p:cNvSpPr/>
             <p:nvPr/>
           </p:nvSpPr>
@@ -4685,13 +4478,7 @@
         </p:sp>
         <p:sp>
           <p:nvSpPr>
-            <p:cNvPr id="38" name="任意多边形: 形状 37">
-              <a:extLst>
-                <a:ext uri="{FF2B5EF4-FFF2-40B4-BE49-F238E27FC236}">
-                  <a16:creationId xmlns:a16="http://schemas.microsoft.com/office/drawing/2014/main" id="{99FE1E02-6138-417F-8C8D-159B9D05ADD4}"/>
-                </a:ext>
-              </a:extLst>
-            </p:cNvPr>
+            <p:cNvPr id="38" name="任意多边形: 形状 37"/>
             <p:cNvSpPr/>
             <p:nvPr/>
           </p:nvSpPr>
@@ -4763,13 +4550,7 @@
         </p:sp>
         <p:sp>
           <p:nvSpPr>
-            <p:cNvPr id="39" name="任意多边形: 形状 38">
-              <a:extLst>
-                <a:ext uri="{FF2B5EF4-FFF2-40B4-BE49-F238E27FC236}">
-                  <a16:creationId xmlns:a16="http://schemas.microsoft.com/office/drawing/2014/main" id="{DC40CF76-6318-4A7B-A1E5-B61D3CD47322}"/>
-                </a:ext>
-              </a:extLst>
-            </p:cNvPr>
+            <p:cNvPr id="39" name="任意多边形: 形状 38"/>
             <p:cNvSpPr/>
             <p:nvPr/>
           </p:nvSpPr>
@@ -4841,13 +4622,7 @@
         </p:sp>
         <p:sp>
           <p:nvSpPr>
-            <p:cNvPr id="40" name="任意多边形: 形状 39">
-              <a:extLst>
-                <a:ext uri="{FF2B5EF4-FFF2-40B4-BE49-F238E27FC236}">
-                  <a16:creationId xmlns:a16="http://schemas.microsoft.com/office/drawing/2014/main" id="{97793644-CF02-4CFC-B078-0300116E5447}"/>
-                </a:ext>
-              </a:extLst>
-            </p:cNvPr>
+            <p:cNvPr id="40" name="任意多边形: 形状 39"/>
             <p:cNvSpPr/>
             <p:nvPr/>
           </p:nvSpPr>
@@ -4919,13 +4694,7 @@
         </p:sp>
         <p:sp>
           <p:nvSpPr>
-            <p:cNvPr id="41" name="任意多边形: 形状 40">
-              <a:extLst>
-                <a:ext uri="{FF2B5EF4-FFF2-40B4-BE49-F238E27FC236}">
-                  <a16:creationId xmlns:a16="http://schemas.microsoft.com/office/drawing/2014/main" id="{8BF5CD80-E38C-4590-A0C1-A940432FE654}"/>
-                </a:ext>
-              </a:extLst>
-            </p:cNvPr>
+            <p:cNvPr id="41" name="任意多边形: 形状 40"/>
             <p:cNvSpPr/>
             <p:nvPr/>
           </p:nvSpPr>
@@ -5005,13 +4774,7 @@
         </p:sp>
         <p:sp>
           <p:nvSpPr>
-            <p:cNvPr id="42" name="任意多边形: 形状 41">
-              <a:extLst>
-                <a:ext uri="{FF2B5EF4-FFF2-40B4-BE49-F238E27FC236}">
-                  <a16:creationId xmlns:a16="http://schemas.microsoft.com/office/drawing/2014/main" id="{C935EFC7-9A26-424B-8189-E4F4C086B192}"/>
-                </a:ext>
-              </a:extLst>
-            </p:cNvPr>
+            <p:cNvPr id="42" name="任意多边形: 形状 41"/>
             <p:cNvSpPr/>
             <p:nvPr/>
           </p:nvSpPr>
@@ -5083,13 +4846,7 @@
         </p:sp>
         <p:sp>
           <p:nvSpPr>
-            <p:cNvPr id="43" name="任意多边形: 形状 42">
-              <a:extLst>
-                <a:ext uri="{FF2B5EF4-FFF2-40B4-BE49-F238E27FC236}">
-                  <a16:creationId xmlns:a16="http://schemas.microsoft.com/office/drawing/2014/main" id="{41F30919-0695-469A-BF81-A4E7E6A76005}"/>
-                </a:ext>
-              </a:extLst>
-            </p:cNvPr>
+            <p:cNvPr id="43" name="任意多边形: 形状 42"/>
             <p:cNvSpPr/>
             <p:nvPr/>
           </p:nvSpPr>
@@ -5161,13 +4918,7 @@
         </p:sp>
         <p:sp>
           <p:nvSpPr>
-            <p:cNvPr id="44" name="任意多边形: 形状 43">
-              <a:extLst>
-                <a:ext uri="{FF2B5EF4-FFF2-40B4-BE49-F238E27FC236}">
-                  <a16:creationId xmlns:a16="http://schemas.microsoft.com/office/drawing/2014/main" id="{5D7E8E92-CDFC-419C-8CB5-D0069207C25F}"/>
-                </a:ext>
-              </a:extLst>
-            </p:cNvPr>
+            <p:cNvPr id="44" name="任意多边形: 形状 43"/>
             <p:cNvSpPr/>
             <p:nvPr/>
           </p:nvSpPr>
@@ -5231,13 +4982,7 @@
         </p:sp>
         <p:sp>
           <p:nvSpPr>
-            <p:cNvPr id="45" name="任意多边形: 形状 44">
-              <a:extLst>
-                <a:ext uri="{FF2B5EF4-FFF2-40B4-BE49-F238E27FC236}">
-                  <a16:creationId xmlns:a16="http://schemas.microsoft.com/office/drawing/2014/main" id="{FBB10ADC-848B-4227-859E-4199909AFE19}"/>
-                </a:ext>
-              </a:extLst>
-            </p:cNvPr>
+            <p:cNvPr id="45" name="任意多边形: 形状 44"/>
             <p:cNvSpPr/>
             <p:nvPr/>
           </p:nvSpPr>
@@ -5309,13 +5054,7 @@
         </p:sp>
         <p:sp>
           <p:nvSpPr>
-            <p:cNvPr id="46" name="任意多边形: 形状 45">
-              <a:extLst>
-                <a:ext uri="{FF2B5EF4-FFF2-40B4-BE49-F238E27FC236}">
-                  <a16:creationId xmlns:a16="http://schemas.microsoft.com/office/drawing/2014/main" id="{BF21E6A6-38FD-4ADA-B8B9-7105A6D38BA8}"/>
-                </a:ext>
-              </a:extLst>
-            </p:cNvPr>
+            <p:cNvPr id="46" name="任意多边形: 形状 45"/>
             <p:cNvSpPr/>
             <p:nvPr/>
           </p:nvSpPr>
@@ -5387,13 +5126,7 @@
         </p:sp>
         <p:sp>
           <p:nvSpPr>
-            <p:cNvPr id="47" name="任意多边形: 形状 46">
-              <a:extLst>
-                <a:ext uri="{FF2B5EF4-FFF2-40B4-BE49-F238E27FC236}">
-                  <a16:creationId xmlns:a16="http://schemas.microsoft.com/office/drawing/2014/main" id="{53C71421-A6FF-4475-ADFB-E5F6D5A8AD21}"/>
-                </a:ext>
-              </a:extLst>
-            </p:cNvPr>
+            <p:cNvPr id="47" name="任意多边形: 形状 46"/>
             <p:cNvSpPr/>
             <p:nvPr/>
           </p:nvSpPr>
@@ -5466,13 +5199,7 @@
       </p:grpSp>
       <p:sp>
         <p:nvSpPr>
-          <p:cNvPr id="7" name="文本占位符 6">
-            <a:extLst>
-              <a:ext uri="{FF2B5EF4-FFF2-40B4-BE49-F238E27FC236}">
-                <a16:creationId xmlns:a16="http://schemas.microsoft.com/office/drawing/2014/main" id="{C2320649-ACD7-42E9-A261-E6ED46ACB452}"/>
-              </a:ext>
-            </a:extLst>
-          </p:cNvPr>
+          <p:cNvPr id="7" name="文本占位符 6"/>
           <p:cNvSpPr>
             <a:spLocks noGrp="1"/>
           </p:cNvSpPr>
@@ -5514,7 +5241,7 @@
             </a:lvl5pPr>
           </a:lstStyle>
           <a:p>
-            <a:pPr marL="228600" lvl="0" indent="-228600" defTabSz="914354">
+            <a:pPr marL="228600" lvl="0" indent="-228600" defTabSz="914400">
               <a:spcBef>
                 <a:spcPct val="0"/>
               </a:spcBef>
@@ -5523,18 +5250,13 @@
               <a:rPr lang="en-US" altLang="zh-CN" dirty="0"/>
               <a:t>Click to edit Master text styles</a:t>
             </a:r>
-          </a:p>
-        </p:txBody>
-      </p:sp>
-      <p:sp>
-        <p:nvSpPr>
-          <p:cNvPr id="8" name="文本占位符 7">
-            <a:extLst>
-              <a:ext uri="{FF2B5EF4-FFF2-40B4-BE49-F238E27FC236}">
-                <a16:creationId xmlns:a16="http://schemas.microsoft.com/office/drawing/2014/main" id="{DC428848-58C6-4501-8214-B803889F273E}"/>
-              </a:ext>
-            </a:extLst>
-          </p:cNvPr>
+            <a:endParaRPr lang="en-US" altLang="zh-CN" dirty="0"/>
+          </a:p>
+        </p:txBody>
+      </p:sp>
+      <p:sp>
+        <p:nvSpPr>
+          <p:cNvPr id="8" name="文本占位符 7"/>
           <p:cNvSpPr>
             <a:spLocks noGrp="1"/>
           </p:cNvSpPr>
@@ -5575,18 +5297,13 @@
               <a:rPr lang="en-US" altLang="zh-CN" dirty="0"/>
               <a:t>Speaker name and title</a:t>
             </a:r>
-          </a:p>
-        </p:txBody>
-      </p:sp>
-      <p:sp>
-        <p:nvSpPr>
-          <p:cNvPr id="9" name="文本占位符 8">
-            <a:extLst>
-              <a:ext uri="{FF2B5EF4-FFF2-40B4-BE49-F238E27FC236}">
-                <a16:creationId xmlns:a16="http://schemas.microsoft.com/office/drawing/2014/main" id="{A01EED25-4D2A-435D-A5F9-01DCC2F07486}"/>
-              </a:ext>
-            </a:extLst>
-          </p:cNvPr>
+            <a:endParaRPr lang="en-US" altLang="zh-CN" dirty="0"/>
+          </a:p>
+        </p:txBody>
+      </p:sp>
+      <p:sp>
+        <p:nvSpPr>
+          <p:cNvPr id="9" name="文本占位符 8"/>
           <p:cNvSpPr>
             <a:spLocks noGrp="1"/>
           </p:cNvSpPr>
@@ -5632,11 +5349,6 @@
         </p:txBody>
       </p:sp>
     </p:spTree>
-    <p:extLst>
-      <p:ext uri="{BB962C8B-B14F-4D97-AF65-F5344CB8AC3E}">
-        <p14:creationId xmlns:p14="http://schemas.microsoft.com/office/powerpoint/2010/main" val="2401380794"/>
-      </p:ext>
-    </p:extLst>
   </p:cSld>
   <p:clrMapOvr>
     <a:masterClrMapping/>
@@ -5708,6 +5420,7 @@
               <a:rPr lang="en-US"/>
               <a:t>Click to edit Master text styles</a:t>
             </a:r>
+            <a:endParaRPr lang="en-US"/>
           </a:p>
           <a:p>
             <a:pPr lvl="1"/>
@@ -5715,6 +5428,7 @@
               <a:rPr lang="en-US"/>
               <a:t>Second level</a:t>
             </a:r>
+            <a:endParaRPr lang="en-US"/>
           </a:p>
           <a:p>
             <a:pPr lvl="2"/>
@@ -5722,6 +5436,7 @@
               <a:rPr lang="en-US"/>
               <a:t>Third level</a:t>
             </a:r>
+            <a:endParaRPr lang="en-US"/>
           </a:p>
           <a:p>
             <a:pPr lvl="3"/>
@@ -5729,6 +5444,7 @@
               <a:rPr lang="en-US"/>
               <a:t>Fourth level</a:t>
             </a:r>
+            <a:endParaRPr lang="en-US"/>
           </a:p>
           <a:p>
             <a:pPr lvl="4"/>
@@ -5757,7 +5473,6 @@
           <a:p>
             <a:fld id="{E60B6B6D-D68D-4565-B155-9F1913B518D9}" type="datetimeFigureOut">
               <a:rPr lang="en-IN" smtClean="0"/>
-              <a:t>31-07-2025</a:t>
             </a:fld>
             <a:endParaRPr lang="en-IN"/>
           </a:p>
@@ -5799,18 +5514,12 @@
           <a:p>
             <a:fld id="{FAD73A7C-452E-405B-B813-67731DC9F6A4}" type="slidenum">
               <a:rPr lang="en-IN" smtClean="0"/>
-              <a:t>‹#›</a:t>
             </a:fld>
             <a:endParaRPr lang="en-IN"/>
           </a:p>
         </p:txBody>
       </p:sp>
     </p:spTree>
-    <p:extLst>
-      <p:ext uri="{BB962C8B-B14F-4D97-AF65-F5344CB8AC3E}">
-        <p14:creationId xmlns:p14="http://schemas.microsoft.com/office/powerpoint/2010/main" val="226792344"/>
-      </p:ext>
-    </p:extLst>
   </p:cSld>
   <p:clrMapOvr>
     <a:masterClrMapping/>
@@ -5819,7 +5528,7 @@
 </file>
 
 <file path=ppt/slideLayouts/slideLayout3.xml><?xml version="1.0" encoding="utf-8"?>
-<p:sldLayout xmlns:a="http://schemas.openxmlformats.org/drawingml/2006/main" xmlns:r="http://schemas.openxmlformats.org/officeDocument/2006/relationships" xmlns:p="http://schemas.openxmlformats.org/presentationml/2006/main" showMasterSp="0" type="secHead" preserve="1">
+<p:sldLayout xmlns:a="http://schemas.openxmlformats.org/drawingml/2006/main" xmlns:r="http://schemas.openxmlformats.org/officeDocument/2006/relationships" xmlns:p="http://schemas.openxmlformats.org/presentationml/2006/main" type="secHead" preserve="1" showMasterSp="0">
   <p:cSld name="Section Header">
     <p:bg>
       <p:bgPr>
@@ -6080,6 +5789,7 @@
               <a:rPr lang="en-US"/>
               <a:t>Click to edit Master text styles</a:t>
             </a:r>
+            <a:endParaRPr lang="en-US"/>
           </a:p>
         </p:txBody>
       </p:sp>
@@ -6100,7 +5810,6 @@
           <a:p>
             <a:fld id="{E60B6B6D-D68D-4565-B155-9F1913B518D9}" type="datetimeFigureOut">
               <a:rPr lang="en-IN" smtClean="0"/>
-              <a:t>31-07-2025</a:t>
             </a:fld>
             <a:endParaRPr lang="en-IN"/>
           </a:p>
@@ -6142,7 +5851,6 @@
           <a:p>
             <a:fld id="{FAD73A7C-452E-405B-B813-67731DC9F6A4}" type="slidenum">
               <a:rPr lang="en-IN" smtClean="0"/>
-              <a:t>‹#›</a:t>
             </a:fld>
             <a:endParaRPr lang="en-IN"/>
           </a:p>
@@ -6187,11 +5895,6 @@
         </p:style>
       </p:cxnSp>
     </p:spTree>
-    <p:extLst>
-      <p:ext uri="{BB962C8B-B14F-4D97-AF65-F5344CB8AC3E}">
-        <p14:creationId xmlns:p14="http://schemas.microsoft.com/office/powerpoint/2010/main" val="3672797641"/>
-      </p:ext>
-    </p:extLst>
   </p:cSld>
   <p:clrMapOvr>
     <a:masterClrMapping/>
@@ -6269,6 +5972,7 @@
               <a:rPr lang="en-US"/>
               <a:t>Click to edit Master text styles</a:t>
             </a:r>
+            <a:endParaRPr lang="en-US"/>
           </a:p>
           <a:p>
             <a:pPr lvl="1"/>
@@ -6276,6 +5980,7 @@
               <a:rPr lang="en-US"/>
               <a:t>Second level</a:t>
             </a:r>
+            <a:endParaRPr lang="en-US"/>
           </a:p>
           <a:p>
             <a:pPr lvl="2"/>
@@ -6283,6 +5988,7 @@
               <a:rPr lang="en-US"/>
               <a:t>Third level</a:t>
             </a:r>
+            <a:endParaRPr lang="en-US"/>
           </a:p>
           <a:p>
             <a:pPr lvl="3"/>
@@ -6290,6 +5996,7 @@
               <a:rPr lang="en-US"/>
               <a:t>Fourth level</a:t>
             </a:r>
+            <a:endParaRPr lang="en-US"/>
           </a:p>
           <a:p>
             <a:pPr lvl="4"/>
@@ -6326,6 +6033,7 @@
               <a:rPr lang="en-US"/>
               <a:t>Click to edit Master text styles</a:t>
             </a:r>
+            <a:endParaRPr lang="en-US"/>
           </a:p>
           <a:p>
             <a:pPr lvl="1"/>
@@ -6333,6 +6041,7 @@
               <a:rPr lang="en-US"/>
               <a:t>Second level</a:t>
             </a:r>
+            <a:endParaRPr lang="en-US"/>
           </a:p>
           <a:p>
             <a:pPr lvl="2"/>
@@ -6340,6 +6049,7 @@
               <a:rPr lang="en-US"/>
               <a:t>Third level</a:t>
             </a:r>
+            <a:endParaRPr lang="en-US"/>
           </a:p>
           <a:p>
             <a:pPr lvl="3"/>
@@ -6347,6 +6057,7 @@
               <a:rPr lang="en-US"/>
               <a:t>Fourth level</a:t>
             </a:r>
+            <a:endParaRPr lang="en-US"/>
           </a:p>
           <a:p>
             <a:pPr lvl="4"/>
@@ -6375,7 +6086,6 @@
           <a:p>
             <a:fld id="{E60B6B6D-D68D-4565-B155-9F1913B518D9}" type="datetimeFigureOut">
               <a:rPr lang="en-IN" smtClean="0"/>
-              <a:t>31-07-2025</a:t>
             </a:fld>
             <a:endParaRPr lang="en-IN"/>
           </a:p>
@@ -6417,18 +6127,12 @@
           <a:p>
             <a:fld id="{FAD73A7C-452E-405B-B813-67731DC9F6A4}" type="slidenum">
               <a:rPr lang="en-IN" smtClean="0"/>
-              <a:t>‹#›</a:t>
             </a:fld>
             <a:endParaRPr lang="en-IN"/>
           </a:p>
         </p:txBody>
       </p:sp>
     </p:spTree>
-    <p:extLst>
-      <p:ext uri="{BB962C8B-B14F-4D97-AF65-F5344CB8AC3E}">
-        <p14:creationId xmlns:p14="http://schemas.microsoft.com/office/powerpoint/2010/main" val="4190038905"/>
-      </p:ext>
-    </p:extLst>
   </p:cSld>
   <p:clrMapOvr>
     <a:masterClrMapping/>
@@ -6549,6 +6253,7 @@
               <a:rPr lang="en-US"/>
               <a:t>Click to edit Master text styles</a:t>
             </a:r>
+            <a:endParaRPr lang="en-US"/>
           </a:p>
         </p:txBody>
       </p:sp>
@@ -6577,6 +6282,7 @@
               <a:rPr lang="en-US"/>
               <a:t>Click to edit Master text styles</a:t>
             </a:r>
+            <a:endParaRPr lang="en-US"/>
           </a:p>
           <a:p>
             <a:pPr lvl="1"/>
@@ -6584,6 +6290,7 @@
               <a:rPr lang="en-US"/>
               <a:t>Second level</a:t>
             </a:r>
+            <a:endParaRPr lang="en-US"/>
           </a:p>
           <a:p>
             <a:pPr lvl="2"/>
@@ -6591,6 +6298,7 @@
               <a:rPr lang="en-US"/>
               <a:t>Third level</a:t>
             </a:r>
+            <a:endParaRPr lang="en-US"/>
           </a:p>
           <a:p>
             <a:pPr lvl="3"/>
@@ -6598,6 +6306,7 @@
               <a:rPr lang="en-US"/>
               <a:t>Fourth level</a:t>
             </a:r>
+            <a:endParaRPr lang="en-US"/>
           </a:p>
           <a:p>
             <a:pPr lvl="4"/>
@@ -6677,6 +6386,7 @@
               <a:rPr lang="en-US"/>
               <a:t>Click to edit Master text styles</a:t>
             </a:r>
+            <a:endParaRPr lang="en-US"/>
           </a:p>
         </p:txBody>
       </p:sp>
@@ -6705,6 +6415,7 @@
               <a:rPr lang="en-US"/>
               <a:t>Click to edit Master text styles</a:t>
             </a:r>
+            <a:endParaRPr lang="en-US"/>
           </a:p>
           <a:p>
             <a:pPr lvl="1"/>
@@ -6712,6 +6423,7 @@
               <a:rPr lang="en-US"/>
               <a:t>Second level</a:t>
             </a:r>
+            <a:endParaRPr lang="en-US"/>
           </a:p>
           <a:p>
             <a:pPr lvl="2"/>
@@ -6719,6 +6431,7 @@
               <a:rPr lang="en-US"/>
               <a:t>Third level</a:t>
             </a:r>
+            <a:endParaRPr lang="en-US"/>
           </a:p>
           <a:p>
             <a:pPr lvl="3"/>
@@ -6726,6 +6439,7 @@
               <a:rPr lang="en-US"/>
               <a:t>Fourth level</a:t>
             </a:r>
+            <a:endParaRPr lang="en-US"/>
           </a:p>
           <a:p>
             <a:pPr lvl="4"/>
@@ -6754,7 +6468,6 @@
           <a:p>
             <a:fld id="{E60B6B6D-D68D-4565-B155-9F1913B518D9}" type="datetimeFigureOut">
               <a:rPr lang="en-IN" smtClean="0"/>
-              <a:t>31-07-2025</a:t>
             </a:fld>
             <a:endParaRPr lang="en-IN"/>
           </a:p>
@@ -6796,18 +6509,12 @@
           <a:p>
             <a:fld id="{FAD73A7C-452E-405B-B813-67731DC9F6A4}" type="slidenum">
               <a:rPr lang="en-IN" smtClean="0"/>
-              <a:t>‹#›</a:t>
             </a:fld>
             <a:endParaRPr lang="en-IN"/>
           </a:p>
         </p:txBody>
       </p:sp>
     </p:spTree>
-    <p:extLst>
-      <p:ext uri="{BB962C8B-B14F-4D97-AF65-F5344CB8AC3E}">
-        <p14:creationId xmlns:p14="http://schemas.microsoft.com/office/powerpoint/2010/main" val="650053003"/>
-      </p:ext>
-    </p:extLst>
   </p:cSld>
   <p:clrMapOvr>
     <a:masterClrMapping/>
@@ -6872,7 +6579,6 @@
           <a:p>
             <a:fld id="{E60B6B6D-D68D-4565-B155-9F1913B518D9}" type="datetimeFigureOut">
               <a:rPr lang="en-IN" smtClean="0"/>
-              <a:t>31-07-2025</a:t>
             </a:fld>
             <a:endParaRPr lang="en-IN"/>
           </a:p>
@@ -6914,18 +6620,12 @@
           <a:p>
             <a:fld id="{FAD73A7C-452E-405B-B813-67731DC9F6A4}" type="slidenum">
               <a:rPr lang="en-IN" smtClean="0"/>
-              <a:t>‹#›</a:t>
             </a:fld>
             <a:endParaRPr lang="en-IN"/>
           </a:p>
         </p:txBody>
       </p:sp>
     </p:spTree>
-    <p:extLst>
-      <p:ext uri="{BB962C8B-B14F-4D97-AF65-F5344CB8AC3E}">
-        <p14:creationId xmlns:p14="http://schemas.microsoft.com/office/powerpoint/2010/main" val="1632451270"/>
-      </p:ext>
-    </p:extLst>
   </p:cSld>
   <p:clrMapOvr>
     <a:masterClrMapping/>
@@ -6934,7 +6634,7 @@
 </file>
 
 <file path=ppt/slideLayouts/slideLayout7.xml><?xml version="1.0" encoding="utf-8"?>
-<p:sldLayout xmlns:a="http://schemas.openxmlformats.org/drawingml/2006/main" xmlns:r="http://schemas.openxmlformats.org/officeDocument/2006/relationships" xmlns:p="http://schemas.openxmlformats.org/presentationml/2006/main" showMasterSp="0" type="blank" preserve="1">
+<p:sldLayout xmlns:a="http://schemas.openxmlformats.org/drawingml/2006/main" xmlns:r="http://schemas.openxmlformats.org/officeDocument/2006/relationships" xmlns:p="http://schemas.openxmlformats.org/presentationml/2006/main" type="blank" preserve="1" showMasterSp="0">
   <p:cSld name="Blank">
     <p:spTree>
       <p:nvGrpSpPr>
@@ -7043,7 +6743,6 @@
           <a:p>
             <a:fld id="{E60B6B6D-D68D-4565-B155-9F1913B518D9}" type="datetimeFigureOut">
               <a:rPr lang="en-IN" smtClean="0"/>
-              <a:t>31-07-2025</a:t>
             </a:fld>
             <a:endParaRPr lang="en-IN"/>
           </a:p>
@@ -7093,18 +6792,12 @@
           <a:p>
             <a:fld id="{FAD73A7C-452E-405B-B813-67731DC9F6A4}" type="slidenum">
               <a:rPr lang="en-IN" smtClean="0"/>
-              <a:t>‹#›</a:t>
             </a:fld>
             <a:endParaRPr lang="en-IN"/>
           </a:p>
         </p:txBody>
       </p:sp>
     </p:spTree>
-    <p:extLst>
-      <p:ext uri="{BB962C8B-B14F-4D97-AF65-F5344CB8AC3E}">
-        <p14:creationId xmlns:p14="http://schemas.microsoft.com/office/powerpoint/2010/main" val="264412765"/>
-      </p:ext>
-    </p:extLst>
   </p:cSld>
   <p:clrMapOvr>
     <a:masterClrMapping/>
@@ -7113,7 +6806,7 @@
 </file>
 
 <file path=ppt/slideLayouts/slideLayout8.xml><?xml version="1.0" encoding="utf-8"?>
-<p:sldLayout xmlns:a="http://schemas.openxmlformats.org/drawingml/2006/main" xmlns:r="http://schemas.openxmlformats.org/officeDocument/2006/relationships" xmlns:p="http://schemas.openxmlformats.org/presentationml/2006/main" showMasterSp="0" type="objTx" preserve="1">
+<p:sldLayout xmlns:a="http://schemas.openxmlformats.org/drawingml/2006/main" xmlns:r="http://schemas.openxmlformats.org/officeDocument/2006/relationships" xmlns:p="http://schemas.openxmlformats.org/presentationml/2006/main" type="objTx" preserve="1" showMasterSp="0">
   <p:cSld name="Content with Caption">
     <p:spTree>
       <p:nvGrpSpPr>
@@ -7268,6 +6961,7 @@
               <a:rPr lang="en-US"/>
               <a:t>Click to edit Master text styles</a:t>
             </a:r>
+            <a:endParaRPr lang="en-US"/>
           </a:p>
           <a:p>
             <a:pPr lvl="1"/>
@@ -7275,6 +6969,7 @@
               <a:rPr lang="en-US"/>
               <a:t>Second level</a:t>
             </a:r>
+            <a:endParaRPr lang="en-US"/>
           </a:p>
           <a:p>
             <a:pPr lvl="2"/>
@@ -7282,6 +6977,7 @@
               <a:rPr lang="en-US"/>
               <a:t>Third level</a:t>
             </a:r>
+            <a:endParaRPr lang="en-US"/>
           </a:p>
           <a:p>
             <a:pPr lvl="3"/>
@@ -7289,6 +6985,7 @@
               <a:rPr lang="en-US"/>
               <a:t>Fourth level</a:t>
             </a:r>
+            <a:endParaRPr lang="en-US"/>
           </a:p>
           <a:p>
             <a:pPr lvl="4"/>
@@ -7368,6 +7065,7 @@
               <a:rPr lang="en-US"/>
               <a:t>Click to edit Master text styles</a:t>
             </a:r>
+            <a:endParaRPr lang="en-US"/>
           </a:p>
         </p:txBody>
       </p:sp>
@@ -7397,7 +7095,6 @@
           <a:p>
             <a:fld id="{E60B6B6D-D68D-4565-B155-9F1913B518D9}" type="datetimeFigureOut">
               <a:rPr lang="en-IN" smtClean="0"/>
-              <a:t>31-07-2025</a:t>
             </a:fld>
             <a:endParaRPr lang="en-IN"/>
           </a:p>
@@ -7460,18 +7157,12 @@
           <a:p>
             <a:fld id="{FAD73A7C-452E-405B-B813-67731DC9F6A4}" type="slidenum">
               <a:rPr lang="en-IN" smtClean="0"/>
-              <a:t>‹#›</a:t>
             </a:fld>
             <a:endParaRPr lang="en-IN"/>
           </a:p>
         </p:txBody>
       </p:sp>
     </p:spTree>
-    <p:extLst>
-      <p:ext uri="{BB962C8B-B14F-4D97-AF65-F5344CB8AC3E}">
-        <p14:creationId xmlns:p14="http://schemas.microsoft.com/office/powerpoint/2010/main" val="1072903478"/>
-      </p:ext>
-    </p:extLst>
   </p:cSld>
   <p:clrMapOvr>
     <a:masterClrMapping/>
@@ -7480,7 +7171,7 @@
 </file>
 
 <file path=ppt/slideLayouts/slideLayout9.xml><?xml version="1.0" encoding="utf-8"?>
-<p:sldLayout xmlns:a="http://schemas.openxmlformats.org/drawingml/2006/main" xmlns:r="http://schemas.openxmlformats.org/officeDocument/2006/relationships" xmlns:p="http://schemas.openxmlformats.org/presentationml/2006/main" showMasterSp="0" type="picTx" preserve="1">
+<p:sldLayout xmlns:a="http://schemas.openxmlformats.org/drawingml/2006/main" xmlns:r="http://schemas.openxmlformats.org/officeDocument/2006/relationships" xmlns:p="http://schemas.openxmlformats.org/presentationml/2006/main" type="picTx" preserve="1" showMasterSp="0">
   <p:cSld name="Picture with Caption">
     <p:spTree>
       <p:nvGrpSpPr>
@@ -7759,6 +7450,7 @@
               <a:rPr lang="en-US"/>
               <a:t>Click to edit Master text styles</a:t>
             </a:r>
+            <a:endParaRPr lang="en-US"/>
           </a:p>
         </p:txBody>
       </p:sp>
@@ -7779,7 +7471,6 @@
           <a:p>
             <a:fld id="{E60B6B6D-D68D-4565-B155-9F1913B518D9}" type="datetimeFigureOut">
               <a:rPr lang="en-IN" smtClean="0"/>
-              <a:t>31-07-2025</a:t>
             </a:fld>
             <a:endParaRPr lang="en-IN"/>
           </a:p>
@@ -7821,18 +7512,12 @@
           <a:p>
             <a:fld id="{FAD73A7C-452E-405B-B813-67731DC9F6A4}" type="slidenum">
               <a:rPr lang="en-IN" smtClean="0"/>
-              <a:t>‹#›</a:t>
             </a:fld>
             <a:endParaRPr lang="en-IN"/>
           </a:p>
         </p:txBody>
       </p:sp>
     </p:spTree>
-    <p:extLst>
-      <p:ext uri="{BB962C8B-B14F-4D97-AF65-F5344CB8AC3E}">
-        <p14:creationId xmlns:p14="http://schemas.microsoft.com/office/powerpoint/2010/main" val="3491313582"/>
-      </p:ext>
-    </p:extLst>
   </p:cSld>
   <p:clrMapOvr>
     <a:masterClrMapping/>
@@ -8001,6 +7686,7 @@
               <a:rPr lang="en-US"/>
               <a:t>Click to edit Master text styles</a:t>
             </a:r>
+            <a:endParaRPr lang="en-US"/>
           </a:p>
           <a:p>
             <a:pPr lvl="1"/>
@@ -8008,6 +7694,7 @@
               <a:rPr lang="en-US"/>
               <a:t>Second level</a:t>
             </a:r>
+            <a:endParaRPr lang="en-US"/>
           </a:p>
           <a:p>
             <a:pPr lvl="2"/>
@@ -8015,6 +7702,7 @@
               <a:rPr lang="en-US"/>
               <a:t>Third level</a:t>
             </a:r>
+            <a:endParaRPr lang="en-US"/>
           </a:p>
           <a:p>
             <a:pPr lvl="3"/>
@@ -8022,6 +7710,7 @@
               <a:rPr lang="en-US"/>
               <a:t>Fourth level</a:t>
             </a:r>
+            <a:endParaRPr lang="en-US"/>
           </a:p>
           <a:p>
             <a:pPr lvl="4"/>
@@ -8066,7 +7755,6 @@
           <a:p>
             <a:fld id="{E60B6B6D-D68D-4565-B155-9F1913B518D9}" type="datetimeFigureOut">
               <a:rPr lang="en-IN" smtClean="0"/>
-              <a:t>31-07-2025</a:t>
             </a:fld>
             <a:endParaRPr lang="en-IN"/>
           </a:p>
@@ -8140,7 +7828,6 @@
           <a:p>
             <a:fld id="{FAD73A7C-452E-405B-B813-67731DC9F6A4}" type="slidenum">
               <a:rPr lang="en-IN" smtClean="0"/>
-              <a:t>‹#›</a:t>
             </a:fld>
             <a:endParaRPr lang="en-IN"/>
           </a:p>
@@ -8185,27 +7872,22 @@
         </p:style>
       </p:cxnSp>
     </p:spTree>
-    <p:extLst>
-      <p:ext uri="{BB962C8B-B14F-4D97-AF65-F5344CB8AC3E}">
-        <p14:creationId xmlns:p14="http://schemas.microsoft.com/office/powerpoint/2010/main" val="3314264705"/>
-      </p:ext>
-    </p:extLst>
   </p:cSld>
   <p:clrMap bg1="lt1" tx1="dk1" bg2="lt2" tx2="dk2" accent1="accent1" accent2="accent2" accent3="accent3" accent4="accent4" accent5="accent5" accent6="accent6" hlink="hlink" folHlink="folHlink"/>
   <p:sldLayoutIdLst>
-    <p:sldLayoutId id="2147483661" r:id="rId1"/>
-    <p:sldLayoutId id="2147483662" r:id="rId2"/>
-    <p:sldLayoutId id="2147483663" r:id="rId3"/>
-    <p:sldLayoutId id="2147483664" r:id="rId4"/>
-    <p:sldLayoutId id="2147483665" r:id="rId5"/>
-    <p:sldLayoutId id="2147483666" r:id="rId6"/>
-    <p:sldLayoutId id="2147483667" r:id="rId7"/>
-    <p:sldLayoutId id="2147483668" r:id="rId8"/>
-    <p:sldLayoutId id="2147483669" r:id="rId9"/>
-    <p:sldLayoutId id="2147483670" r:id="rId10"/>
-    <p:sldLayoutId id="2147483671" r:id="rId11"/>
-    <p:sldLayoutId id="2147483672" r:id="rId12"/>
-    <p:sldLayoutId id="2147483674" r:id="rId13"/>
+    <p:sldLayoutId id="2147483649" r:id="rId1"/>
+    <p:sldLayoutId id="2147483650" r:id="rId2"/>
+    <p:sldLayoutId id="2147483651" r:id="rId3"/>
+    <p:sldLayoutId id="2147483652" r:id="rId4"/>
+    <p:sldLayoutId id="2147483653" r:id="rId5"/>
+    <p:sldLayoutId id="2147483654" r:id="rId6"/>
+    <p:sldLayoutId id="2147483655" r:id="rId7"/>
+    <p:sldLayoutId id="2147483656" r:id="rId8"/>
+    <p:sldLayoutId id="2147483657" r:id="rId9"/>
+    <p:sldLayoutId id="2147483658" r:id="rId10"/>
+    <p:sldLayoutId id="2147483659" r:id="rId11"/>
+    <p:sldLayoutId id="2147483660" r:id="rId12"/>
+    <p:sldLayoutId id="2147483661" r:id="rId13"/>
   </p:sldLayoutIdLst>
   <p:txStyles>
     <p:titleStyle>
@@ -8259,7 +7941,7 @@
           <a:cs typeface="+mn-cs"/>
         </a:defRPr>
       </a:lvl1pPr>
-      <a:lvl2pPr marL="384048" indent="-182880" algn="l" defTabSz="914400" rtl="0" eaLnBrk="1" latinLnBrk="0" hangingPunct="1">
+      <a:lvl2pPr marL="384175" indent="-182880" algn="l" defTabSz="914400" rtl="0" eaLnBrk="1" latinLnBrk="0" hangingPunct="1">
         <a:lnSpc>
           <a:spcPct val="90000"/>
         </a:lnSpc>
@@ -8272,7 +7954,7 @@
         <a:buClr>
           <a:schemeClr val="accent1"/>
         </a:buClr>
-        <a:buFont typeface="Calibri" pitchFamily="34" charset="0"/>
+        <a:buFont typeface="Calibri" panose="020F0502020204030204" pitchFamily="34" charset="0"/>
         <a:buChar char="◦"/>
         <a:defRPr sz="1800" kern="1200">
           <a:solidFill>
@@ -8286,7 +7968,7 @@
           <a:cs typeface="+mn-cs"/>
         </a:defRPr>
       </a:lvl2pPr>
-      <a:lvl3pPr marL="566928" indent="-182880" algn="l" defTabSz="914400" rtl="0" eaLnBrk="1" latinLnBrk="0" hangingPunct="1">
+      <a:lvl3pPr marL="567055" indent="-182880" algn="l" defTabSz="914400" rtl="0" eaLnBrk="1" latinLnBrk="0" hangingPunct="1">
         <a:lnSpc>
           <a:spcPct val="90000"/>
         </a:lnSpc>
@@ -8299,7 +7981,7 @@
         <a:buClr>
           <a:schemeClr val="accent1"/>
         </a:buClr>
-        <a:buFont typeface="Calibri" pitchFamily="34" charset="0"/>
+        <a:buFont typeface="Calibri" panose="020F0502020204030204" pitchFamily="34" charset="0"/>
         <a:buChar char="◦"/>
         <a:defRPr sz="1400" kern="1200">
           <a:solidFill>
@@ -8313,7 +7995,7 @@
           <a:cs typeface="+mn-cs"/>
         </a:defRPr>
       </a:lvl3pPr>
-      <a:lvl4pPr marL="749808" indent="-182880" algn="l" defTabSz="914400" rtl="0" eaLnBrk="1" latinLnBrk="0" hangingPunct="1">
+      <a:lvl4pPr marL="749935" indent="-182880" algn="l" defTabSz="914400" rtl="0" eaLnBrk="1" latinLnBrk="0" hangingPunct="1">
         <a:lnSpc>
           <a:spcPct val="90000"/>
         </a:lnSpc>
@@ -8326,7 +8008,7 @@
         <a:buClr>
           <a:schemeClr val="accent1"/>
         </a:buClr>
-        <a:buFont typeface="Calibri" pitchFamily="34" charset="0"/>
+        <a:buFont typeface="Calibri" panose="020F0502020204030204" pitchFamily="34" charset="0"/>
         <a:buChar char="◦"/>
         <a:defRPr sz="1400" kern="1200">
           <a:solidFill>
@@ -8340,7 +8022,7 @@
           <a:cs typeface="+mn-cs"/>
         </a:defRPr>
       </a:lvl4pPr>
-      <a:lvl5pPr marL="932688" indent="-182880" algn="l" defTabSz="914400" rtl="0" eaLnBrk="1" latinLnBrk="0" hangingPunct="1">
+      <a:lvl5pPr marL="932815" indent="-182880" algn="l" defTabSz="914400" rtl="0" eaLnBrk="1" latinLnBrk="0" hangingPunct="1">
         <a:lnSpc>
           <a:spcPct val="90000"/>
         </a:lnSpc>
@@ -8353,7 +8035,7 @@
         <a:buClr>
           <a:schemeClr val="accent1"/>
         </a:buClr>
-        <a:buFont typeface="Calibri" pitchFamily="34" charset="0"/>
+        <a:buFont typeface="Calibri" panose="020F0502020204030204" pitchFamily="34" charset="0"/>
         <a:buChar char="◦"/>
         <a:defRPr sz="1400" kern="1200">
           <a:solidFill>
@@ -8367,7 +8049,7 @@
           <a:cs typeface="+mn-cs"/>
         </a:defRPr>
       </a:lvl5pPr>
-      <a:lvl6pPr marL="1100000" indent="-228600" algn="l" defTabSz="914400" rtl="0" eaLnBrk="1" latinLnBrk="0" hangingPunct="1">
+      <a:lvl6pPr marL="1099820" indent="-228600" algn="l" defTabSz="914400" rtl="0" eaLnBrk="1" latinLnBrk="0" hangingPunct="1">
         <a:lnSpc>
           <a:spcPct val="90000"/>
         </a:lnSpc>
@@ -8380,7 +8062,7 @@
         <a:buClr>
           <a:schemeClr val="accent1"/>
         </a:buClr>
-        <a:buFont typeface="Calibri" pitchFamily="34" charset="0"/>
+        <a:buFont typeface="Calibri" panose="020F0502020204030204" pitchFamily="34" charset="0"/>
         <a:buChar char="◦"/>
         <a:defRPr sz="1400" kern="1200">
           <a:solidFill>
@@ -8394,7 +8076,7 @@
           <a:cs typeface="+mn-cs"/>
         </a:defRPr>
       </a:lvl6pPr>
-      <a:lvl7pPr marL="1300000" indent="-228600" algn="l" defTabSz="914400" rtl="0" eaLnBrk="1" latinLnBrk="0" hangingPunct="1">
+      <a:lvl7pPr marL="1299845" indent="-228600" algn="l" defTabSz="914400" rtl="0" eaLnBrk="1" latinLnBrk="0" hangingPunct="1">
         <a:lnSpc>
           <a:spcPct val="90000"/>
         </a:lnSpc>
@@ -8407,7 +8089,7 @@
         <a:buClr>
           <a:schemeClr val="accent1"/>
         </a:buClr>
-        <a:buFont typeface="Calibri" pitchFamily="34" charset="0"/>
+        <a:buFont typeface="Calibri" panose="020F0502020204030204" pitchFamily="34" charset="0"/>
         <a:buChar char="◦"/>
         <a:defRPr sz="1400" kern="1200">
           <a:solidFill>
@@ -8421,7 +8103,7 @@
           <a:cs typeface="+mn-cs"/>
         </a:defRPr>
       </a:lvl7pPr>
-      <a:lvl8pPr marL="1500000" indent="-228600" algn="l" defTabSz="914400" rtl="0" eaLnBrk="1" latinLnBrk="0" hangingPunct="1">
+      <a:lvl8pPr marL="1499870" indent="-228600" algn="l" defTabSz="914400" rtl="0" eaLnBrk="1" latinLnBrk="0" hangingPunct="1">
         <a:lnSpc>
           <a:spcPct val="90000"/>
         </a:lnSpc>
@@ -8434,7 +8116,7 @@
         <a:buClr>
           <a:schemeClr val="accent1"/>
         </a:buClr>
-        <a:buFont typeface="Calibri" pitchFamily="34" charset="0"/>
+        <a:buFont typeface="Calibri" panose="020F0502020204030204" pitchFamily="34" charset="0"/>
         <a:buChar char="◦"/>
         <a:defRPr sz="1400" kern="1200">
           <a:solidFill>
@@ -8448,7 +8130,7 @@
           <a:cs typeface="+mn-cs"/>
         </a:defRPr>
       </a:lvl8pPr>
-      <a:lvl9pPr marL="1700000" indent="-228600" algn="l" defTabSz="914400" rtl="0" eaLnBrk="1" latinLnBrk="0" hangingPunct="1">
+      <a:lvl9pPr marL="1699895" indent="-228600" algn="l" defTabSz="914400" rtl="0" eaLnBrk="1" latinLnBrk="0" hangingPunct="1">
         <a:lnSpc>
           <a:spcPct val="90000"/>
         </a:lnSpc>
@@ -8461,7 +8143,7 @@
         <a:buClr>
           <a:schemeClr val="accent1"/>
         </a:buClr>
-        <a:buFont typeface="Calibri" pitchFamily="34" charset="0"/>
+        <a:buFont typeface="Calibri" panose="020F0502020204030204" pitchFamily="34" charset="0"/>
         <a:buChar char="◦"/>
         <a:defRPr sz="1400" kern="1200">
           <a:solidFill>
@@ -8594,20 +8276,14 @@
       </p:grpSpPr>
       <p:pic>
         <p:nvPicPr>
-          <p:cNvPr id="7" name="图片 6">
-            <a:extLst>
-              <a:ext uri="{FF2B5EF4-FFF2-40B4-BE49-F238E27FC236}">
-                <a16:creationId xmlns:a16="http://schemas.microsoft.com/office/drawing/2014/main" id="{DCB14D5D-DA11-E975-2335-18DD226B3478}"/>
-              </a:ext>
-            </a:extLst>
-          </p:cNvPr>
+          <p:cNvPr id="7" name="图片 6"/>
           <p:cNvPicPr>
             <a:picLocks noChangeAspect="1"/>
           </p:cNvPicPr>
           <p:nvPr/>
         </p:nvPicPr>
         <p:blipFill>
-          <a:blip r:embed="rId2"/>
+          <a:blip r:embed="rId1"/>
           <a:stretch>
             <a:fillRect/>
           </a:stretch>
@@ -8624,13 +8300,7 @@
       </p:pic>
       <p:sp>
         <p:nvSpPr>
-          <p:cNvPr id="9" name="文本框 8">
-            <a:extLst>
-              <a:ext uri="{FF2B5EF4-FFF2-40B4-BE49-F238E27FC236}">
-                <a16:creationId xmlns:a16="http://schemas.microsoft.com/office/drawing/2014/main" id="{C5C704BE-27A1-0816-0D35-A14CE6B8897B}"/>
-              </a:ext>
-            </a:extLst>
-          </p:cNvPr>
+          <p:cNvPr id="9" name="文本框 8"/>
           <p:cNvSpPr txBox="1"/>
           <p:nvPr/>
         </p:nvSpPr>
@@ -8658,15 +8328,14 @@
               </a:rPr>
               <a:t>Team 7: Fintech giants</a:t>
             </a:r>
+            <a:endParaRPr lang="en-US" altLang="zh-CN" sz="3600" b="1" dirty="0">
+              <a:latin typeface="Times New Roman" panose="02020603050405020304" pitchFamily="18" charset="0"/>
+              <a:cs typeface="Times New Roman" panose="02020603050405020304" pitchFamily="18" charset="0"/>
+            </a:endParaRPr>
           </a:p>
         </p:txBody>
       </p:sp>
     </p:spTree>
-    <p:extLst>
-      <p:ext uri="{BB962C8B-B14F-4D97-AF65-F5344CB8AC3E}">
-        <p14:creationId xmlns:p14="http://schemas.microsoft.com/office/powerpoint/2010/main" val="807156820"/>
-      </p:ext>
-    </p:extLst>
   </p:cSld>
   <p:clrMapOvr>
     <a:masterClrMapping/>
@@ -8693,19 +8362,13 @@
       </p:grpSpPr>
       <p:sp>
         <p:nvSpPr>
-          <p:cNvPr id="4" name="TextBox 3">
-            <a:extLst>
-              <a:ext uri="{FF2B5EF4-FFF2-40B4-BE49-F238E27FC236}">
-                <a16:creationId xmlns:a16="http://schemas.microsoft.com/office/drawing/2014/main" id="{231AA983-A074-173B-6935-10C227767BBD}"/>
-              </a:ext>
-            </a:extLst>
-          </p:cNvPr>
+          <p:cNvPr id="4" name="TextBox 3"/>
           <p:cNvSpPr txBox="1"/>
           <p:nvPr/>
         </p:nvSpPr>
         <p:spPr>
           <a:xfrm>
-            <a:off x="1694945" y="489627"/>
+            <a:off x="1733365" y="421171"/>
             <a:ext cx="8175948" cy="584775"/>
           </a:xfrm>
           <a:prstGeom prst="rect">
@@ -8733,27 +8396,33 @@
                 <a:latin typeface="Times New Roman" panose="02020603050405020304" pitchFamily="18" charset="0"/>
                 <a:cs typeface="Times New Roman" panose="02020603050405020304" pitchFamily="18" charset="0"/>
               </a:rPr>
-              <a:t>API Integration &amp; Project Management</a:t>
-            </a:r>
-          </a:p>
-        </p:txBody>
-      </p:sp>
-      <p:sp>
-        <p:nvSpPr>
-          <p:cNvPr id="6" name="TextBox 5">
-            <a:extLst>
-              <a:ext uri="{FF2B5EF4-FFF2-40B4-BE49-F238E27FC236}">
-                <a16:creationId xmlns:a16="http://schemas.microsoft.com/office/drawing/2014/main" id="{100BAABF-5E0B-4E54-691E-AFFE52B7B306}"/>
-              </a:ext>
-            </a:extLst>
-          </p:cNvPr>
+              <a:t>Stock Data APIs</a:t>
+            </a:r>
+            <a:endParaRPr lang="en-US" sz="3200" b="1" cap="none" spc="0" dirty="0">
+              <a:ln w="0"/>
+              <a:effectLst>
+                <a:outerShdw blurRad="38100" dist="19050" dir="2700000" algn="tl" rotWithShape="0">
+                  <a:schemeClr val="dk1">
+                    <a:alpha val="40000"/>
+                  </a:schemeClr>
+                </a:outerShdw>
+              </a:effectLst>
+              <a:latin typeface="Times New Roman" panose="02020603050405020304" pitchFamily="18" charset="0"/>
+              <a:cs typeface="Times New Roman" panose="02020603050405020304" pitchFamily="18" charset="0"/>
+            </a:endParaRPr>
+          </a:p>
+        </p:txBody>
+      </p:sp>
+      <p:sp>
+        <p:nvSpPr>
+          <p:cNvPr id="6" name="TextBox 5"/>
           <p:cNvSpPr txBox="1"/>
           <p:nvPr/>
         </p:nvSpPr>
         <p:spPr>
           <a:xfrm>
-            <a:off x="1072367" y="1991542"/>
-            <a:ext cx="10928412" cy="461665"/>
+            <a:off x="834162" y="1421445"/>
+            <a:ext cx="10928412" cy="830997"/>
           </a:xfrm>
           <a:prstGeom prst="rect">
             <a:avLst/>
@@ -8773,108 +8442,93 @@
                 <a:ea typeface="Calibri" panose="020F0502020204030204" pitchFamily="34" charset="0"/>
                 <a:cs typeface="Times New Roman" panose="02020603050405020304" pitchFamily="18" charset="0"/>
               </a:rPr>
-              <a:t>Frontend-Backend API Integration ensuring seamless connectivity</a:t>
-            </a:r>
+              <a:t>Four Core APIs built for complete stock data services</a:t>
+            </a:r>
+            <a:endParaRPr lang="en-IN" sz="2400" kern="100" dirty="0">
+              <a:effectLst/>
+              <a:latin typeface="Calibri" panose="020F0502020204030204" pitchFamily="34" charset="0"/>
+              <a:ea typeface="Calibri" panose="020F0502020204030204" pitchFamily="34" charset="0"/>
+              <a:cs typeface="Times New Roman" panose="02020603050405020304" pitchFamily="18" charset="0"/>
+            </a:endParaRPr>
+          </a:p>
+          <a:p>
             <a:endParaRPr lang="en-IN" sz="2400" dirty="0"/>
           </a:p>
         </p:txBody>
       </p:sp>
-      <p:sp>
-        <p:nvSpPr>
-          <p:cNvPr id="10" name="TextBox 9">
-            <a:extLst>
-              <a:ext uri="{FF2B5EF4-FFF2-40B4-BE49-F238E27FC236}">
-                <a16:creationId xmlns:a16="http://schemas.microsoft.com/office/drawing/2014/main" id="{DFACC9D2-3FE8-10EB-28C7-FCF98A25C853}"/>
-              </a:ext>
-            </a:extLst>
-          </p:cNvPr>
-          <p:cNvSpPr txBox="1"/>
+      <p:pic>
+        <p:nvPicPr>
+          <p:cNvPr id="5" name="图片 4"/>
+          <p:cNvPicPr>
+            <a:picLocks noChangeAspect="1"/>
+          </p:cNvPicPr>
           <p:nvPr/>
-        </p:nvSpPr>
+        </p:nvPicPr>
+        <p:blipFill>
+          <a:blip r:embed="rId1"/>
+          <a:stretch>
+            <a:fillRect/>
+          </a:stretch>
+        </p:blipFill>
         <p:spPr>
           <a:xfrm>
-            <a:off x="1072367" y="2640999"/>
-            <a:ext cx="7431551" cy="461665"/>
+            <a:off x="4139355" y="2252442"/>
+            <a:ext cx="4442237" cy="3408297"/>
           </a:xfrm>
           <a:prstGeom prst="rect">
             <a:avLst/>
           </a:prstGeom>
-          <a:noFill/>
         </p:spPr>
-        <p:txBody>
-          <a:bodyPr wrap="square">
-            <a:spAutoFit/>
-          </a:bodyPr>
-          <a:lstStyle/>
-          <a:p>
-            <a:pPr lvl="0"/>
-            <a:r>
-              <a:rPr lang="en-US" sz="2400" b="1" kern="100" dirty="0">
-                <a:latin typeface="Times New Roman" panose="02020603050405020304" pitchFamily="18" charset="0"/>
-                <a:ea typeface="Calibri" panose="020F0502020204030204" pitchFamily="34" charset="0"/>
-                <a:cs typeface="Times New Roman" panose="02020603050405020304" pitchFamily="18" charset="0"/>
-              </a:rPr>
-              <a:t>GitHub repository management and version control</a:t>
-            </a:r>
-            <a:endParaRPr lang="en-IN" sz="2400" b="1" kern="100" dirty="0">
-              <a:latin typeface="Times New Roman" panose="02020603050405020304" pitchFamily="18" charset="0"/>
-              <a:ea typeface="Calibri" panose="020F0502020204030204" pitchFamily="34" charset="0"/>
-              <a:cs typeface="Times New Roman" panose="02020603050405020304" pitchFamily="18" charset="0"/>
-            </a:endParaRPr>
-          </a:p>
-        </p:txBody>
-      </p:sp>
-      <p:sp>
-        <p:nvSpPr>
-          <p:cNvPr id="3" name="TextBox 9">
-            <a:extLst>
-              <a:ext uri="{FF2B5EF4-FFF2-40B4-BE49-F238E27FC236}">
-                <a16:creationId xmlns:a16="http://schemas.microsoft.com/office/drawing/2014/main" id="{3DCB56FA-4174-3D81-84F4-A0D1F56131CF}"/>
-              </a:ext>
-            </a:extLst>
-          </p:cNvPr>
-          <p:cNvSpPr txBox="1"/>
+      </p:pic>
+      <p:pic>
+        <p:nvPicPr>
+          <p:cNvPr id="9" name="图片 8"/>
+          <p:cNvPicPr>
+            <a:picLocks noChangeAspect="1"/>
+          </p:cNvPicPr>
           <p:nvPr/>
-        </p:nvSpPr>
+        </p:nvPicPr>
+        <p:blipFill>
+          <a:blip r:embed="rId2"/>
+          <a:stretch>
+            <a:fillRect/>
+          </a:stretch>
+        </p:blipFill>
         <p:spPr>
           <a:xfrm>
-            <a:off x="1072367" y="3396142"/>
-            <a:ext cx="8269372" cy="461665"/>
+            <a:off x="0" y="2252442"/>
+            <a:ext cx="4139355" cy="3286641"/>
           </a:xfrm>
           <a:prstGeom prst="rect">
             <a:avLst/>
           </a:prstGeom>
-          <a:noFill/>
         </p:spPr>
-        <p:txBody>
-          <a:bodyPr wrap="square">
-            <a:spAutoFit/>
-          </a:bodyPr>
-          <a:lstStyle/>
-          <a:p>
-            <a:pPr lvl="0"/>
-            <a:r>
-              <a:rPr lang="en-US" sz="2400" b="1" kern="100" dirty="0">
-                <a:latin typeface="Times New Roman" panose="02020603050405020304" pitchFamily="18" charset="0"/>
-                <a:ea typeface="Calibri" panose="020F0502020204030204" pitchFamily="34" charset="0"/>
-                <a:cs typeface="Times New Roman" panose="02020603050405020304" pitchFamily="18" charset="0"/>
-              </a:rPr>
-              <a:t>Comprehensive API documentation using Swagger UI</a:t>
-            </a:r>
-            <a:endParaRPr lang="en-IN" sz="2400" b="1" kern="100" dirty="0">
-              <a:latin typeface="Times New Roman" panose="02020603050405020304" pitchFamily="18" charset="0"/>
-              <a:ea typeface="Calibri" panose="020F0502020204030204" pitchFamily="34" charset="0"/>
-              <a:cs typeface="Times New Roman" panose="02020603050405020304" pitchFamily="18" charset="0"/>
-            </a:endParaRPr>
-          </a:p>
-        </p:txBody>
-      </p:sp>
+      </p:pic>
+      <p:pic>
+        <p:nvPicPr>
+          <p:cNvPr id="12" name="图片 11"/>
+          <p:cNvPicPr>
+            <a:picLocks noChangeAspect="1"/>
+          </p:cNvPicPr>
+          <p:nvPr/>
+        </p:nvPicPr>
+        <p:blipFill>
+          <a:blip r:embed="rId3"/>
+          <a:stretch>
+            <a:fillRect/>
+          </a:stretch>
+        </p:blipFill>
+        <p:spPr>
+          <a:xfrm>
+            <a:off x="8581592" y="1289520"/>
+            <a:ext cx="3358272" cy="4954668"/>
+          </a:xfrm>
+          <a:prstGeom prst="rect">
+            <a:avLst/>
+          </a:prstGeom>
+        </p:spPr>
+      </p:pic>
     </p:spTree>
-    <p:extLst>
-      <p:ext uri="{BB962C8B-B14F-4D97-AF65-F5344CB8AC3E}">
-        <p14:creationId xmlns:p14="http://schemas.microsoft.com/office/powerpoint/2010/main" val="1427179887"/>
-      </p:ext>
-    </p:extLst>
   </p:cSld>
   <p:clrMapOvr>
     <a:masterClrMapping/>
@@ -8899,48 +8553,173 @@
           <a:chExt cx="0" cy="0"/>
         </a:xfrm>
       </p:grpSpPr>
-      <p:pic>
-        <p:nvPicPr>
-          <p:cNvPr id="3" name="图片 2">
-            <a:extLst>
-              <a:ext uri="{FF2B5EF4-FFF2-40B4-BE49-F238E27FC236}">
-                <a16:creationId xmlns:a16="http://schemas.microsoft.com/office/drawing/2014/main" id="{FCC0295C-AC50-BD9D-9C8F-C60FFAE43529}"/>
-              </a:ext>
-            </a:extLst>
-          </p:cNvPr>
-          <p:cNvPicPr>
-            <a:picLocks noChangeAspect="1"/>
-          </p:cNvPicPr>
+      <p:sp>
+        <p:nvSpPr>
+          <p:cNvPr id="4" name="TextBox 3"/>
+          <p:cNvSpPr txBox="1"/>
           <p:nvPr/>
-        </p:nvPicPr>
-        <p:blipFill>
-          <a:blip r:embed="rId3">
-            <a:extLst>
-              <a:ext uri="{28A0092B-C50C-407E-A947-70E740481C1C}">
-                <a14:useLocalDpi xmlns:a14="http://schemas.microsoft.com/office/drawing/2010/main" val="0"/>
-              </a:ext>
-            </a:extLst>
-          </a:blip>
-          <a:stretch>
-            <a:fillRect/>
-          </a:stretch>
-        </p:blipFill>
+        </p:nvSpPr>
         <p:spPr>
           <a:xfrm>
-            <a:off x="0" y="305117"/>
-            <a:ext cx="12192000" cy="5848195"/>
+            <a:off x="1694945" y="489627"/>
+            <a:ext cx="8175948" cy="584775"/>
           </a:xfrm>
           <a:prstGeom prst="rect">
             <a:avLst/>
           </a:prstGeom>
+          <a:noFill/>
         </p:spPr>
-      </p:pic>
+        <p:txBody>
+          <a:bodyPr wrap="square">
+            <a:spAutoFit/>
+          </a:bodyPr>
+          <a:lstStyle/>
+          <a:p>
+            <a:pPr algn="ctr"/>
+            <a:r>
+              <a:rPr lang="en-US" sz="3200" b="1" cap="none" spc="0" dirty="0">
+                <a:ln w="0"/>
+                <a:effectLst>
+                  <a:outerShdw blurRad="38100" dist="19050" dir="2700000" algn="tl" rotWithShape="0">
+                    <a:schemeClr val="dk1">
+                      <a:alpha val="40000"/>
+                    </a:schemeClr>
+                  </a:outerShdw>
+                </a:effectLst>
+                <a:latin typeface="Times New Roman" panose="02020603050405020304" pitchFamily="18" charset="0"/>
+                <a:cs typeface="Times New Roman" panose="02020603050405020304" pitchFamily="18" charset="0"/>
+              </a:rPr>
+              <a:t>API Integration &amp; Project Management</a:t>
+            </a:r>
+            <a:endParaRPr lang="en-US" sz="3200" b="1" cap="none" spc="0" dirty="0">
+              <a:ln w="0"/>
+              <a:effectLst>
+                <a:outerShdw blurRad="38100" dist="19050" dir="2700000" algn="tl" rotWithShape="0">
+                  <a:schemeClr val="dk1">
+                    <a:alpha val="40000"/>
+                  </a:schemeClr>
+                </a:outerShdw>
+              </a:effectLst>
+              <a:latin typeface="Times New Roman" panose="02020603050405020304" pitchFamily="18" charset="0"/>
+              <a:cs typeface="Times New Roman" panose="02020603050405020304" pitchFamily="18" charset="0"/>
+            </a:endParaRPr>
+          </a:p>
+        </p:txBody>
+      </p:sp>
+      <p:sp>
+        <p:nvSpPr>
+          <p:cNvPr id="6" name="TextBox 5"/>
+          <p:cNvSpPr txBox="1"/>
+          <p:nvPr/>
+        </p:nvSpPr>
+        <p:spPr>
+          <a:xfrm>
+            <a:off x="1072367" y="1991542"/>
+            <a:ext cx="10928412" cy="461665"/>
+          </a:xfrm>
+          <a:prstGeom prst="rect">
+            <a:avLst/>
+          </a:prstGeom>
+          <a:noFill/>
+        </p:spPr>
+        <p:txBody>
+          <a:bodyPr wrap="square" rtlCol="0">
+            <a:spAutoFit/>
+          </a:bodyPr>
+          <a:lstStyle/>
+          <a:p>
+            <a:r>
+              <a:rPr lang="en-US" sz="2400" b="1" kern="100" dirty="0">
+                <a:effectLst/>
+                <a:latin typeface="Times New Roman" panose="02020603050405020304" pitchFamily="18" charset="0"/>
+                <a:ea typeface="Calibri" panose="020F0502020204030204" pitchFamily="34" charset="0"/>
+                <a:cs typeface="Times New Roman" panose="02020603050405020304" pitchFamily="18" charset="0"/>
+              </a:rPr>
+              <a:t>Frontend-Backend API Integration ensuring seamless connectivity</a:t>
+            </a:r>
+            <a:endParaRPr lang="en-IN" sz="2400" dirty="0"/>
+          </a:p>
+        </p:txBody>
+      </p:sp>
+      <p:sp>
+        <p:nvSpPr>
+          <p:cNvPr id="10" name="TextBox 9"/>
+          <p:cNvSpPr txBox="1"/>
+          <p:nvPr/>
+        </p:nvSpPr>
+        <p:spPr>
+          <a:xfrm>
+            <a:off x="1072367" y="2640999"/>
+            <a:ext cx="7431551" cy="461665"/>
+          </a:xfrm>
+          <a:prstGeom prst="rect">
+            <a:avLst/>
+          </a:prstGeom>
+          <a:noFill/>
+        </p:spPr>
+        <p:txBody>
+          <a:bodyPr wrap="square">
+            <a:spAutoFit/>
+          </a:bodyPr>
+          <a:lstStyle/>
+          <a:p>
+            <a:pPr lvl="0"/>
+            <a:r>
+              <a:rPr lang="en-US" sz="2400" b="1" kern="100" dirty="0">
+                <a:latin typeface="Times New Roman" panose="02020603050405020304" pitchFamily="18" charset="0"/>
+                <a:ea typeface="Calibri" panose="020F0502020204030204" pitchFamily="34" charset="0"/>
+                <a:cs typeface="Times New Roman" panose="02020603050405020304" pitchFamily="18" charset="0"/>
+              </a:rPr>
+              <a:t>GitHub repository management and version control</a:t>
+            </a:r>
+            <a:endParaRPr lang="en-IN" sz="2400" b="1" kern="100" dirty="0">
+              <a:latin typeface="Times New Roman" panose="02020603050405020304" pitchFamily="18" charset="0"/>
+              <a:ea typeface="Calibri" panose="020F0502020204030204" pitchFamily="34" charset="0"/>
+              <a:cs typeface="Times New Roman" panose="02020603050405020304" pitchFamily="18" charset="0"/>
+            </a:endParaRPr>
+          </a:p>
+        </p:txBody>
+      </p:sp>
+      <p:sp>
+        <p:nvSpPr>
+          <p:cNvPr id="3" name="TextBox 9"/>
+          <p:cNvSpPr txBox="1"/>
+          <p:nvPr/>
+        </p:nvSpPr>
+        <p:spPr>
+          <a:xfrm>
+            <a:off x="1072367" y="3396142"/>
+            <a:ext cx="8269372" cy="461665"/>
+          </a:xfrm>
+          <a:prstGeom prst="rect">
+            <a:avLst/>
+          </a:prstGeom>
+          <a:noFill/>
+        </p:spPr>
+        <p:txBody>
+          <a:bodyPr wrap="square">
+            <a:spAutoFit/>
+          </a:bodyPr>
+          <a:lstStyle/>
+          <a:p>
+            <a:pPr lvl="0"/>
+            <a:r>
+              <a:rPr lang="en-US" sz="2400" b="1" kern="100" dirty="0">
+                <a:latin typeface="Times New Roman" panose="02020603050405020304" pitchFamily="18" charset="0"/>
+                <a:ea typeface="Calibri" panose="020F0502020204030204" pitchFamily="34" charset="0"/>
+                <a:cs typeface="Times New Roman" panose="02020603050405020304" pitchFamily="18" charset="0"/>
+              </a:rPr>
+              <a:t>Comprehensive API documentation using Swagger UI</a:t>
+            </a:r>
+            <a:endParaRPr lang="en-IN" sz="2400" b="1" kern="100" dirty="0">
+              <a:latin typeface="Times New Roman" panose="02020603050405020304" pitchFamily="18" charset="0"/>
+              <a:ea typeface="Calibri" panose="020F0502020204030204" pitchFamily="34" charset="0"/>
+              <a:cs typeface="Times New Roman" panose="02020603050405020304" pitchFamily="18" charset="0"/>
+            </a:endParaRPr>
+          </a:p>
+        </p:txBody>
+      </p:sp>
     </p:spTree>
-    <p:extLst>
-      <p:ext uri="{BB962C8B-B14F-4D97-AF65-F5344CB8AC3E}">
-        <p14:creationId xmlns:p14="http://schemas.microsoft.com/office/powerpoint/2010/main" val="2767217569"/>
-      </p:ext>
-    </p:extLst>
   </p:cSld>
   <p:clrMapOvr>
     <a:masterClrMapping/>
@@ -8967,20 +8746,14 @@
       </p:grpSpPr>
       <p:pic>
         <p:nvPicPr>
-          <p:cNvPr id="3" name="图片 2">
-            <a:extLst>
-              <a:ext uri="{FF2B5EF4-FFF2-40B4-BE49-F238E27FC236}">
-                <a16:creationId xmlns:a16="http://schemas.microsoft.com/office/drawing/2014/main" id="{6E704F27-A637-15D2-AA71-B1B52681A33B}"/>
-              </a:ext>
-            </a:extLst>
-          </p:cNvPr>
+          <p:cNvPr id="3" name="图片 2"/>
           <p:cNvPicPr>
             <a:picLocks noChangeAspect="1"/>
           </p:cNvPicPr>
           <p:nvPr/>
         </p:nvPicPr>
         <p:blipFill>
-          <a:blip r:embed="rId3">
+          <a:blip r:embed="rId1">
             <a:extLst>
               <a:ext uri="{28A0092B-C50C-407E-A947-70E740481C1C}">
                 <a14:useLocalDpi xmlns:a14="http://schemas.microsoft.com/office/drawing/2010/main" val="0"/>
@@ -8993,8 +8766,8 @@
         </p:blipFill>
         <p:spPr>
           <a:xfrm>
-            <a:off x="0" y="434858"/>
-            <a:ext cx="12192000" cy="5634817"/>
+            <a:off x="0" y="305117"/>
+            <a:ext cx="12192000" cy="5848195"/>
           </a:xfrm>
           <a:prstGeom prst="rect">
             <a:avLst/>
@@ -9002,11 +8775,6 @@
         </p:spPr>
       </p:pic>
     </p:spTree>
-    <p:extLst>
-      <p:ext uri="{BB962C8B-B14F-4D97-AF65-F5344CB8AC3E}">
-        <p14:creationId xmlns:p14="http://schemas.microsoft.com/office/powerpoint/2010/main" val="1959893442"/>
-      </p:ext>
-    </p:extLst>
   </p:cSld>
   <p:clrMapOvr>
     <a:masterClrMapping/>
@@ -9031,307 +8799,37 @@
           <a:chExt cx="0" cy="0"/>
         </a:xfrm>
       </p:grpSpPr>
-      <p:sp>
-        <p:nvSpPr>
-          <p:cNvPr id="4" name="TextBox 3">
+      <p:pic>
+        <p:nvPicPr>
+          <p:cNvPr id="3" name="图片 2"/>
+          <p:cNvPicPr>
+            <a:picLocks noChangeAspect="1"/>
+          </p:cNvPicPr>
+          <p:nvPr/>
+        </p:nvPicPr>
+        <p:blipFill>
+          <a:blip r:embed="rId1">
             <a:extLst>
-              <a:ext uri="{FF2B5EF4-FFF2-40B4-BE49-F238E27FC236}">
-                <a16:creationId xmlns:a16="http://schemas.microsoft.com/office/drawing/2014/main" id="{231AA983-A074-173B-6935-10C227767BBD}"/>
+              <a:ext uri="{28A0092B-C50C-407E-A947-70E740481C1C}">
+                <a14:useLocalDpi xmlns:a14="http://schemas.microsoft.com/office/drawing/2010/main" val="0"/>
               </a:ext>
             </a:extLst>
-          </p:cNvPr>
-          <p:cNvSpPr txBox="1"/>
-          <p:nvPr/>
-        </p:nvSpPr>
+          </a:blip>
+          <a:stretch>
+            <a:fillRect/>
+          </a:stretch>
+        </p:blipFill>
         <p:spPr>
           <a:xfrm>
-            <a:off x="1733365" y="339134"/>
-            <a:ext cx="8175948" cy="584775"/>
+            <a:off x="0" y="434858"/>
+            <a:ext cx="12192000" cy="5634817"/>
           </a:xfrm>
           <a:prstGeom prst="rect">
             <a:avLst/>
           </a:prstGeom>
-          <a:noFill/>
         </p:spPr>
-        <p:txBody>
-          <a:bodyPr wrap="square">
-            <a:spAutoFit/>
-          </a:bodyPr>
-          <a:lstStyle/>
-          <a:p>
-            <a:pPr algn="ctr"/>
-            <a:r>
-              <a:rPr lang="en-US" sz="3200" b="1" cap="none" spc="0" dirty="0">
-                <a:ln w="0"/>
-                <a:effectLst>
-                  <a:outerShdw blurRad="38100" dist="19050" dir="2700000" algn="tl" rotWithShape="0">
-                    <a:schemeClr val="dk1">
-                      <a:alpha val="40000"/>
-                    </a:schemeClr>
-                  </a:outerShdw>
-                </a:effectLst>
-                <a:latin typeface="Times New Roman" panose="02020603050405020304" pitchFamily="18" charset="0"/>
-                <a:cs typeface="Times New Roman" panose="02020603050405020304" pitchFamily="18" charset="0"/>
-              </a:rPr>
-              <a:t>Frontend Development</a:t>
-            </a:r>
-          </a:p>
-        </p:txBody>
-      </p:sp>
-      <p:sp>
-        <p:nvSpPr>
-          <p:cNvPr id="6" name="TextBox 5">
-            <a:extLst>
-              <a:ext uri="{FF2B5EF4-FFF2-40B4-BE49-F238E27FC236}">
-                <a16:creationId xmlns:a16="http://schemas.microsoft.com/office/drawing/2014/main" id="{100BAABF-5E0B-4E54-691E-AFFE52B7B306}"/>
-              </a:ext>
-            </a:extLst>
-          </p:cNvPr>
-          <p:cNvSpPr txBox="1"/>
-          <p:nvPr/>
-        </p:nvSpPr>
-        <p:spPr>
-          <a:xfrm>
-            <a:off x="1072367" y="1262463"/>
-            <a:ext cx="10928412" cy="461665"/>
-          </a:xfrm>
-          <a:prstGeom prst="rect">
-            <a:avLst/>
-          </a:prstGeom>
-          <a:noFill/>
-        </p:spPr>
-        <p:txBody>
-          <a:bodyPr wrap="square" rtlCol="0">
-            <a:spAutoFit/>
-          </a:bodyPr>
-          <a:lstStyle/>
-          <a:p>
-            <a:r>
-              <a:rPr lang="en-US" sz="2400" b="1" kern="100" dirty="0">
-                <a:effectLst/>
-                <a:latin typeface="Times New Roman" panose="02020603050405020304" pitchFamily="18" charset="0"/>
-                <a:ea typeface="Calibri" panose="020F0502020204030204" pitchFamily="34" charset="0"/>
-                <a:cs typeface="Times New Roman" panose="02020603050405020304" pitchFamily="18" charset="0"/>
-              </a:rPr>
-              <a:t>Three Main User Interfaces for complete trading experience</a:t>
-            </a:r>
-            <a:endParaRPr lang="en-IN" sz="2400" dirty="0"/>
-          </a:p>
-        </p:txBody>
-      </p:sp>
-      <p:sp>
-        <p:nvSpPr>
-          <p:cNvPr id="7" name="TextBox 6">
-            <a:extLst>
-              <a:ext uri="{FF2B5EF4-FFF2-40B4-BE49-F238E27FC236}">
-                <a16:creationId xmlns:a16="http://schemas.microsoft.com/office/drawing/2014/main" id="{2EA02871-99A1-0544-F4BC-537D19F5A432}"/>
-              </a:ext>
-            </a:extLst>
-          </p:cNvPr>
-          <p:cNvSpPr txBox="1"/>
-          <p:nvPr/>
-        </p:nvSpPr>
-        <p:spPr>
-          <a:xfrm>
-            <a:off x="1168542" y="2005174"/>
-            <a:ext cx="9586544" cy="1015663"/>
-          </a:xfrm>
-          <a:prstGeom prst="rect">
-            <a:avLst/>
-          </a:prstGeom>
-          <a:noFill/>
-        </p:spPr>
-        <p:txBody>
-          <a:bodyPr wrap="square" rtlCol="0">
-            <a:spAutoFit/>
-          </a:bodyPr>
-          <a:lstStyle/>
-          <a:p>
-            <a:pPr marL="285750" indent="-285750">
-              <a:buFont typeface="Arial" panose="020B0604020202020204" pitchFamily="34" charset="0"/>
-              <a:buChar char="•"/>
-            </a:pPr>
-            <a:r>
-              <a:rPr lang="en-US" sz="2000" dirty="0">
-                <a:latin typeface="Times New Roman" panose="02020603050405020304" pitchFamily="18" charset="0"/>
-                <a:cs typeface="Times New Roman" panose="02020603050405020304" pitchFamily="18" charset="0"/>
-              </a:rPr>
-              <a:t>Dashboard (index.html)</a:t>
-            </a:r>
-          </a:p>
-          <a:p>
-            <a:pPr marL="285750" indent="-285750">
-              <a:buFont typeface="Arial" panose="020B0604020202020204" pitchFamily="34" charset="0"/>
-              <a:buChar char="•"/>
-            </a:pPr>
-            <a:r>
-              <a:rPr lang="en-US" sz="2000" dirty="0">
-                <a:latin typeface="Times New Roman" panose="02020603050405020304" pitchFamily="18" charset="0"/>
-                <a:cs typeface="Times New Roman" panose="02020603050405020304" pitchFamily="18" charset="0"/>
-              </a:rPr>
-              <a:t>Buy Page (buy-stock.html)</a:t>
-            </a:r>
-          </a:p>
-          <a:p>
-            <a:pPr marL="285750" indent="-285750">
-              <a:buFont typeface="Arial" panose="020B0604020202020204" pitchFamily="34" charset="0"/>
-              <a:buChar char="•"/>
-            </a:pPr>
-            <a:r>
-              <a:rPr lang="en-US" sz="2000" dirty="0">
-                <a:latin typeface="Times New Roman" panose="02020603050405020304" pitchFamily="18" charset="0"/>
-                <a:cs typeface="Times New Roman" panose="02020603050405020304" pitchFamily="18" charset="0"/>
-              </a:rPr>
-              <a:t>Sell Page (sell-stock.html)</a:t>
-            </a:r>
-            <a:endParaRPr lang="en-IN" sz="2000" dirty="0">
-              <a:latin typeface="Times New Roman" panose="02020603050405020304" pitchFamily="18" charset="0"/>
-              <a:cs typeface="Times New Roman" panose="02020603050405020304" pitchFamily="18" charset="0"/>
-            </a:endParaRPr>
-          </a:p>
-        </p:txBody>
-      </p:sp>
-      <p:sp>
-        <p:nvSpPr>
-          <p:cNvPr id="10" name="TextBox 9">
-            <a:extLst>
-              <a:ext uri="{FF2B5EF4-FFF2-40B4-BE49-F238E27FC236}">
-                <a16:creationId xmlns:a16="http://schemas.microsoft.com/office/drawing/2014/main" id="{DFACC9D2-3FE8-10EB-28C7-FCF98A25C853}"/>
-              </a:ext>
-            </a:extLst>
-          </p:cNvPr>
-          <p:cNvSpPr txBox="1"/>
-          <p:nvPr/>
-        </p:nvSpPr>
-        <p:spPr>
-          <a:xfrm>
-            <a:off x="1072367" y="3301883"/>
-            <a:ext cx="7431551" cy="461665"/>
-          </a:xfrm>
-          <a:prstGeom prst="rect">
-            <a:avLst/>
-          </a:prstGeom>
-          <a:noFill/>
-        </p:spPr>
-        <p:txBody>
-          <a:bodyPr wrap="square">
-            <a:spAutoFit/>
-          </a:bodyPr>
-          <a:lstStyle/>
-          <a:p>
-            <a:pPr lvl="0"/>
-            <a:r>
-              <a:rPr lang="en-US" sz="2400" b="1" kern="100" dirty="0">
-                <a:latin typeface="Times New Roman" panose="02020603050405020304" pitchFamily="18" charset="0"/>
-                <a:ea typeface="Calibri" panose="020F0502020204030204" pitchFamily="34" charset="0"/>
-                <a:cs typeface="Times New Roman" panose="02020603050405020304" pitchFamily="18" charset="0"/>
-              </a:rPr>
-              <a:t>Interactive data visualization using Chart.js</a:t>
-            </a:r>
-            <a:endParaRPr lang="en-IN" sz="2400" b="1" kern="100" dirty="0">
-              <a:latin typeface="Times New Roman" panose="02020603050405020304" pitchFamily="18" charset="0"/>
-              <a:ea typeface="Calibri" panose="020F0502020204030204" pitchFamily="34" charset="0"/>
-              <a:cs typeface="Times New Roman" panose="02020603050405020304" pitchFamily="18" charset="0"/>
-            </a:endParaRPr>
-          </a:p>
-        </p:txBody>
-      </p:sp>
-      <p:sp>
-        <p:nvSpPr>
-          <p:cNvPr id="2" name="TextBox 9">
-            <a:extLst>
-              <a:ext uri="{FF2B5EF4-FFF2-40B4-BE49-F238E27FC236}">
-                <a16:creationId xmlns:a16="http://schemas.microsoft.com/office/drawing/2014/main" id="{2B9ABFD1-178A-156B-18F6-6552C17EF8EE}"/>
-              </a:ext>
-            </a:extLst>
-          </p:cNvPr>
-          <p:cNvSpPr txBox="1"/>
-          <p:nvPr/>
-        </p:nvSpPr>
-        <p:spPr>
-          <a:xfrm>
-            <a:off x="1072367" y="3989722"/>
-            <a:ext cx="8269372" cy="461665"/>
-          </a:xfrm>
-          <a:prstGeom prst="rect">
-            <a:avLst/>
-          </a:prstGeom>
-          <a:noFill/>
-        </p:spPr>
-        <p:txBody>
-          <a:bodyPr wrap="square">
-            <a:spAutoFit/>
-          </a:bodyPr>
-          <a:lstStyle/>
-          <a:p>
-            <a:pPr lvl="0"/>
-            <a:r>
-              <a:rPr lang="en-US" sz="2400" b="1" kern="100" dirty="0">
-                <a:latin typeface="Times New Roman" panose="02020603050405020304" pitchFamily="18" charset="0"/>
-                <a:ea typeface="Calibri" panose="020F0502020204030204" pitchFamily="34" charset="0"/>
-                <a:cs typeface="Times New Roman" panose="02020603050405020304" pitchFamily="18" charset="0"/>
-              </a:rPr>
-              <a:t>Modern responsive design with Tailwind CSS</a:t>
-            </a:r>
-            <a:endParaRPr lang="en-IN" sz="2400" b="1" kern="100" dirty="0">
-              <a:latin typeface="Times New Roman" panose="02020603050405020304" pitchFamily="18" charset="0"/>
-              <a:ea typeface="Calibri" panose="020F0502020204030204" pitchFamily="34" charset="0"/>
-              <a:cs typeface="Times New Roman" panose="02020603050405020304" pitchFamily="18" charset="0"/>
-            </a:endParaRPr>
-          </a:p>
-        </p:txBody>
-      </p:sp>
-      <p:sp>
-        <p:nvSpPr>
-          <p:cNvPr id="3" name="TextBox 9">
-            <a:extLst>
-              <a:ext uri="{FF2B5EF4-FFF2-40B4-BE49-F238E27FC236}">
-                <a16:creationId xmlns:a16="http://schemas.microsoft.com/office/drawing/2014/main" id="{4F406252-C50D-056D-EB7D-A0FFECC8EDBC}"/>
-              </a:ext>
-            </a:extLst>
-          </p:cNvPr>
-          <p:cNvSpPr txBox="1"/>
-          <p:nvPr/>
-        </p:nvSpPr>
-        <p:spPr>
-          <a:xfrm>
-            <a:off x="1072367" y="4920890"/>
-            <a:ext cx="8269372" cy="461665"/>
-          </a:xfrm>
-          <a:prstGeom prst="rect">
-            <a:avLst/>
-          </a:prstGeom>
-          <a:noFill/>
-        </p:spPr>
-        <p:txBody>
-          <a:bodyPr wrap="square">
-            <a:spAutoFit/>
-          </a:bodyPr>
-          <a:lstStyle/>
-          <a:p>
-            <a:pPr lvl="0"/>
-            <a:r>
-              <a:rPr lang="en-US" sz="2400" b="1" kern="100" dirty="0">
-                <a:latin typeface="Times New Roman" panose="02020603050405020304" pitchFamily="18" charset="0"/>
-                <a:ea typeface="Calibri" panose="020F0502020204030204" pitchFamily="34" charset="0"/>
-                <a:cs typeface="Times New Roman" panose="02020603050405020304" pitchFamily="18" charset="0"/>
-              </a:rPr>
-              <a:t>User experience optimization and form validation</a:t>
-            </a:r>
-            <a:endParaRPr lang="en-IN" sz="2400" b="1" kern="100" dirty="0">
-              <a:latin typeface="Times New Roman" panose="02020603050405020304" pitchFamily="18" charset="0"/>
-              <a:ea typeface="Calibri" panose="020F0502020204030204" pitchFamily="34" charset="0"/>
-              <a:cs typeface="Times New Roman" panose="02020603050405020304" pitchFamily="18" charset="0"/>
-            </a:endParaRPr>
-          </a:p>
-        </p:txBody>
-      </p:sp>
+      </p:pic>
     </p:spTree>
-    <p:extLst>
-      <p:ext uri="{BB962C8B-B14F-4D97-AF65-F5344CB8AC3E}">
-        <p14:creationId xmlns:p14="http://schemas.microsoft.com/office/powerpoint/2010/main" val="1700619229"/>
-      </p:ext>
-    </p:extLst>
   </p:cSld>
   <p:clrMapOvr>
     <a:masterClrMapping/>
@@ -9356,48 +8854,286 @@
           <a:chExt cx="0" cy="0"/>
         </a:xfrm>
       </p:grpSpPr>
-      <p:pic>
-        <p:nvPicPr>
-          <p:cNvPr id="4" name="图片 3">
-            <a:extLst>
-              <a:ext uri="{FF2B5EF4-FFF2-40B4-BE49-F238E27FC236}">
-                <a16:creationId xmlns:a16="http://schemas.microsoft.com/office/drawing/2014/main" id="{913BE2B9-DBAF-01A6-0025-4A5C21BADCAF}"/>
-              </a:ext>
-            </a:extLst>
-          </p:cNvPr>
-          <p:cNvPicPr>
-            <a:picLocks noChangeAspect="1"/>
-          </p:cNvPicPr>
+      <p:sp>
+        <p:nvSpPr>
+          <p:cNvPr id="4" name="TextBox 3"/>
+          <p:cNvSpPr txBox="1"/>
           <p:nvPr/>
-        </p:nvPicPr>
-        <p:blipFill>
-          <a:blip r:embed="rId3">
-            <a:extLst>
-              <a:ext uri="{28A0092B-C50C-407E-A947-70E740481C1C}">
-                <a14:useLocalDpi xmlns:a14="http://schemas.microsoft.com/office/drawing/2010/main" val="0"/>
-              </a:ext>
-            </a:extLst>
-          </a:blip>
-          <a:stretch>
-            <a:fillRect/>
-          </a:stretch>
-        </p:blipFill>
+        </p:nvSpPr>
         <p:spPr>
           <a:xfrm>
-            <a:off x="0" y="343019"/>
-            <a:ext cx="12192000" cy="6171962"/>
+            <a:off x="1733365" y="339134"/>
+            <a:ext cx="8175948" cy="584775"/>
           </a:xfrm>
           <a:prstGeom prst="rect">
             <a:avLst/>
           </a:prstGeom>
+          <a:noFill/>
         </p:spPr>
-      </p:pic>
+        <p:txBody>
+          <a:bodyPr wrap="square">
+            <a:spAutoFit/>
+          </a:bodyPr>
+          <a:lstStyle/>
+          <a:p>
+            <a:pPr algn="ctr"/>
+            <a:r>
+              <a:rPr lang="en-US" sz="3200" b="1" cap="none" spc="0" dirty="0">
+                <a:ln w="0"/>
+                <a:effectLst>
+                  <a:outerShdw blurRad="38100" dist="19050" dir="2700000" algn="tl" rotWithShape="0">
+                    <a:schemeClr val="dk1">
+                      <a:alpha val="40000"/>
+                    </a:schemeClr>
+                  </a:outerShdw>
+                </a:effectLst>
+                <a:latin typeface="Times New Roman" panose="02020603050405020304" pitchFamily="18" charset="0"/>
+                <a:cs typeface="Times New Roman" panose="02020603050405020304" pitchFamily="18" charset="0"/>
+              </a:rPr>
+              <a:t>Frontend Development</a:t>
+            </a:r>
+            <a:endParaRPr lang="en-US" sz="3200" b="1" cap="none" spc="0" dirty="0">
+              <a:ln w="0"/>
+              <a:effectLst>
+                <a:outerShdw blurRad="38100" dist="19050" dir="2700000" algn="tl" rotWithShape="0">
+                  <a:schemeClr val="dk1">
+                    <a:alpha val="40000"/>
+                  </a:schemeClr>
+                </a:outerShdw>
+              </a:effectLst>
+              <a:latin typeface="Times New Roman" panose="02020603050405020304" pitchFamily="18" charset="0"/>
+              <a:cs typeface="Times New Roman" panose="02020603050405020304" pitchFamily="18" charset="0"/>
+            </a:endParaRPr>
+          </a:p>
+        </p:txBody>
+      </p:sp>
+      <p:sp>
+        <p:nvSpPr>
+          <p:cNvPr id="6" name="TextBox 5"/>
+          <p:cNvSpPr txBox="1"/>
+          <p:nvPr/>
+        </p:nvSpPr>
+        <p:spPr>
+          <a:xfrm>
+            <a:off x="1072367" y="1262463"/>
+            <a:ext cx="10928412" cy="461665"/>
+          </a:xfrm>
+          <a:prstGeom prst="rect">
+            <a:avLst/>
+          </a:prstGeom>
+          <a:noFill/>
+        </p:spPr>
+        <p:txBody>
+          <a:bodyPr wrap="square" rtlCol="0">
+            <a:spAutoFit/>
+          </a:bodyPr>
+          <a:lstStyle/>
+          <a:p>
+            <a:r>
+              <a:rPr lang="en-US" sz="2400" b="1" kern="100" dirty="0">
+                <a:effectLst/>
+                <a:latin typeface="Times New Roman" panose="02020603050405020304" pitchFamily="18" charset="0"/>
+                <a:ea typeface="Calibri" panose="020F0502020204030204" pitchFamily="34" charset="0"/>
+                <a:cs typeface="Times New Roman" panose="02020603050405020304" pitchFamily="18" charset="0"/>
+              </a:rPr>
+              <a:t>Three Main User Interfaces for complete trading experience</a:t>
+            </a:r>
+            <a:endParaRPr lang="en-IN" sz="2400" dirty="0"/>
+          </a:p>
+        </p:txBody>
+      </p:sp>
+      <p:sp>
+        <p:nvSpPr>
+          <p:cNvPr id="7" name="TextBox 6"/>
+          <p:cNvSpPr txBox="1"/>
+          <p:nvPr/>
+        </p:nvSpPr>
+        <p:spPr>
+          <a:xfrm>
+            <a:off x="1168542" y="2005174"/>
+            <a:ext cx="9586544" cy="1015663"/>
+          </a:xfrm>
+          <a:prstGeom prst="rect">
+            <a:avLst/>
+          </a:prstGeom>
+          <a:noFill/>
+        </p:spPr>
+        <p:txBody>
+          <a:bodyPr wrap="square" rtlCol="0">
+            <a:spAutoFit/>
+          </a:bodyPr>
+          <a:lstStyle/>
+          <a:p>
+            <a:pPr marL="285750" indent="-285750">
+              <a:buFont typeface="Arial" panose="020B0604020202020204" pitchFamily="34" charset="0"/>
+              <a:buChar char="•"/>
+            </a:pPr>
+            <a:r>
+              <a:rPr lang="en-US" sz="2000" dirty="0">
+                <a:latin typeface="Times New Roman" panose="02020603050405020304" pitchFamily="18" charset="0"/>
+                <a:cs typeface="Times New Roman" panose="02020603050405020304" pitchFamily="18" charset="0"/>
+              </a:rPr>
+              <a:t>Dashboard (index.html)</a:t>
+            </a:r>
+            <a:endParaRPr lang="en-US" sz="2000" dirty="0">
+              <a:latin typeface="Times New Roman" panose="02020603050405020304" pitchFamily="18" charset="0"/>
+              <a:cs typeface="Times New Roman" panose="02020603050405020304" pitchFamily="18" charset="0"/>
+            </a:endParaRPr>
+          </a:p>
+          <a:p>
+            <a:pPr marL="285750" indent="-285750">
+              <a:buFont typeface="Arial" panose="020B0604020202020204" pitchFamily="34" charset="0"/>
+              <a:buChar char="•"/>
+            </a:pPr>
+            <a:r>
+              <a:rPr lang="en-US" sz="2000" dirty="0">
+                <a:latin typeface="Times New Roman" panose="02020603050405020304" pitchFamily="18" charset="0"/>
+                <a:cs typeface="Times New Roman" panose="02020603050405020304" pitchFamily="18" charset="0"/>
+              </a:rPr>
+              <a:t>Buy Page (buy-stock.html)</a:t>
+            </a:r>
+            <a:endParaRPr lang="en-US" sz="2000" dirty="0">
+              <a:latin typeface="Times New Roman" panose="02020603050405020304" pitchFamily="18" charset="0"/>
+              <a:cs typeface="Times New Roman" panose="02020603050405020304" pitchFamily="18" charset="0"/>
+            </a:endParaRPr>
+          </a:p>
+          <a:p>
+            <a:pPr marL="285750" indent="-285750">
+              <a:buFont typeface="Arial" panose="020B0604020202020204" pitchFamily="34" charset="0"/>
+              <a:buChar char="•"/>
+            </a:pPr>
+            <a:r>
+              <a:rPr lang="en-US" sz="2000" dirty="0">
+                <a:latin typeface="Times New Roman" panose="02020603050405020304" pitchFamily="18" charset="0"/>
+                <a:cs typeface="Times New Roman" panose="02020603050405020304" pitchFamily="18" charset="0"/>
+              </a:rPr>
+              <a:t>Sell Page (sell-stock.html)</a:t>
+            </a:r>
+            <a:endParaRPr lang="en-IN" sz="2000" dirty="0">
+              <a:latin typeface="Times New Roman" panose="02020603050405020304" pitchFamily="18" charset="0"/>
+              <a:cs typeface="Times New Roman" panose="02020603050405020304" pitchFamily="18" charset="0"/>
+            </a:endParaRPr>
+          </a:p>
+        </p:txBody>
+      </p:sp>
+      <p:sp>
+        <p:nvSpPr>
+          <p:cNvPr id="10" name="TextBox 9"/>
+          <p:cNvSpPr txBox="1"/>
+          <p:nvPr/>
+        </p:nvSpPr>
+        <p:spPr>
+          <a:xfrm>
+            <a:off x="1072367" y="3301883"/>
+            <a:ext cx="7431551" cy="461665"/>
+          </a:xfrm>
+          <a:prstGeom prst="rect">
+            <a:avLst/>
+          </a:prstGeom>
+          <a:noFill/>
+        </p:spPr>
+        <p:txBody>
+          <a:bodyPr wrap="square">
+            <a:spAutoFit/>
+          </a:bodyPr>
+          <a:lstStyle/>
+          <a:p>
+            <a:pPr lvl="0"/>
+            <a:r>
+              <a:rPr lang="en-US" sz="2400" b="1" kern="100" dirty="0">
+                <a:latin typeface="Times New Roman" panose="02020603050405020304" pitchFamily="18" charset="0"/>
+                <a:ea typeface="Calibri" panose="020F0502020204030204" pitchFamily="34" charset="0"/>
+                <a:cs typeface="Times New Roman" panose="02020603050405020304" pitchFamily="18" charset="0"/>
+              </a:rPr>
+              <a:t>Interactive data visualization using Chart.js</a:t>
+            </a:r>
+            <a:endParaRPr lang="en-IN" sz="2400" b="1" kern="100" dirty="0">
+              <a:latin typeface="Times New Roman" panose="02020603050405020304" pitchFamily="18" charset="0"/>
+              <a:ea typeface="Calibri" panose="020F0502020204030204" pitchFamily="34" charset="0"/>
+              <a:cs typeface="Times New Roman" panose="02020603050405020304" pitchFamily="18" charset="0"/>
+            </a:endParaRPr>
+          </a:p>
+        </p:txBody>
+      </p:sp>
+      <p:sp>
+        <p:nvSpPr>
+          <p:cNvPr id="2" name="TextBox 9"/>
+          <p:cNvSpPr txBox="1"/>
+          <p:nvPr/>
+        </p:nvSpPr>
+        <p:spPr>
+          <a:xfrm>
+            <a:off x="1072367" y="3989722"/>
+            <a:ext cx="8269372" cy="461665"/>
+          </a:xfrm>
+          <a:prstGeom prst="rect">
+            <a:avLst/>
+          </a:prstGeom>
+          <a:noFill/>
+        </p:spPr>
+        <p:txBody>
+          <a:bodyPr wrap="square">
+            <a:spAutoFit/>
+          </a:bodyPr>
+          <a:lstStyle/>
+          <a:p>
+            <a:pPr lvl="0"/>
+            <a:r>
+              <a:rPr lang="en-US" sz="2400" b="1" kern="100" dirty="0">
+                <a:latin typeface="Times New Roman" panose="02020603050405020304" pitchFamily="18" charset="0"/>
+                <a:ea typeface="Calibri" panose="020F0502020204030204" pitchFamily="34" charset="0"/>
+                <a:cs typeface="Times New Roman" panose="02020603050405020304" pitchFamily="18" charset="0"/>
+              </a:rPr>
+              <a:t>Modern responsive design with Tailwind CSS</a:t>
+            </a:r>
+            <a:endParaRPr lang="en-IN" sz="2400" b="1" kern="100" dirty="0">
+              <a:latin typeface="Times New Roman" panose="02020603050405020304" pitchFamily="18" charset="0"/>
+              <a:ea typeface="Calibri" panose="020F0502020204030204" pitchFamily="34" charset="0"/>
+              <a:cs typeface="Times New Roman" panose="02020603050405020304" pitchFamily="18" charset="0"/>
+            </a:endParaRPr>
+          </a:p>
+        </p:txBody>
+      </p:sp>
+      <p:sp>
+        <p:nvSpPr>
+          <p:cNvPr id="3" name="TextBox 9"/>
+          <p:cNvSpPr txBox="1"/>
+          <p:nvPr/>
+        </p:nvSpPr>
+        <p:spPr>
+          <a:xfrm>
+            <a:off x="1072367" y="4920890"/>
+            <a:ext cx="8269372" cy="461665"/>
+          </a:xfrm>
+          <a:prstGeom prst="rect">
+            <a:avLst/>
+          </a:prstGeom>
+          <a:noFill/>
+        </p:spPr>
+        <p:txBody>
+          <a:bodyPr wrap="square">
+            <a:spAutoFit/>
+          </a:bodyPr>
+          <a:lstStyle/>
+          <a:p>
+            <a:pPr lvl="0"/>
+            <a:r>
+              <a:rPr lang="en-US" sz="2400" b="1" kern="100" dirty="0">
+                <a:latin typeface="Times New Roman" panose="02020603050405020304" pitchFamily="18" charset="0"/>
+                <a:ea typeface="Calibri" panose="020F0502020204030204" pitchFamily="34" charset="0"/>
+                <a:cs typeface="Times New Roman" panose="02020603050405020304" pitchFamily="18" charset="0"/>
+              </a:rPr>
+              <a:t>User experience optimization and form validation</a:t>
+            </a:r>
+            <a:endParaRPr lang="en-IN" sz="2400" b="1" kern="100" dirty="0">
+              <a:latin typeface="Times New Roman" panose="02020603050405020304" pitchFamily="18" charset="0"/>
+              <a:ea typeface="Calibri" panose="020F0502020204030204" pitchFamily="34" charset="0"/>
+              <a:cs typeface="Times New Roman" panose="02020603050405020304" pitchFamily="18" charset="0"/>
+            </a:endParaRPr>
+          </a:p>
+        </p:txBody>
+      </p:sp>
     </p:spTree>
-    <p:extLst>
-      <p:ext uri="{BB962C8B-B14F-4D97-AF65-F5344CB8AC3E}">
-        <p14:creationId xmlns:p14="http://schemas.microsoft.com/office/powerpoint/2010/main" val="4105598794"/>
-      </p:ext>
-    </p:extLst>
   </p:cSld>
   <p:clrMapOvr>
     <a:masterClrMapping/>
@@ -9424,20 +9160,14 @@
       </p:grpSpPr>
       <p:pic>
         <p:nvPicPr>
-          <p:cNvPr id="3" name="图片 2">
-            <a:extLst>
-              <a:ext uri="{FF2B5EF4-FFF2-40B4-BE49-F238E27FC236}">
-                <a16:creationId xmlns:a16="http://schemas.microsoft.com/office/drawing/2014/main" id="{B6E0766C-30E8-799B-AC67-33BF6A1865FB}"/>
-              </a:ext>
-            </a:extLst>
-          </p:cNvPr>
+          <p:cNvPr id="4" name="图片 3"/>
           <p:cNvPicPr>
             <a:picLocks noChangeAspect="1"/>
           </p:cNvPicPr>
           <p:nvPr/>
         </p:nvPicPr>
         <p:blipFill>
-          <a:blip r:embed="rId3">
+          <a:blip r:embed="rId1">
             <a:extLst>
               <a:ext uri="{28A0092B-C50C-407E-A947-70E740481C1C}">
                 <a14:useLocalDpi xmlns:a14="http://schemas.microsoft.com/office/drawing/2010/main" val="0"/>
@@ -9450,8 +9180,8 @@
         </p:blipFill>
         <p:spPr>
           <a:xfrm>
-            <a:off x="0" y="481432"/>
-            <a:ext cx="12192000" cy="5895136"/>
+            <a:off x="0" y="343019"/>
+            <a:ext cx="12192000" cy="6171962"/>
           </a:xfrm>
           <a:prstGeom prst="rect">
             <a:avLst/>
@@ -9459,11 +9189,6 @@
         </p:spPr>
       </p:pic>
     </p:spTree>
-    <p:extLst>
-      <p:ext uri="{BB962C8B-B14F-4D97-AF65-F5344CB8AC3E}">
-        <p14:creationId xmlns:p14="http://schemas.microsoft.com/office/powerpoint/2010/main" val="1288711744"/>
-      </p:ext>
-    </p:extLst>
   </p:cSld>
   <p:clrMapOvr>
     <a:masterClrMapping/>
@@ -9490,20 +9215,14 @@
       </p:grpSpPr>
       <p:pic>
         <p:nvPicPr>
-          <p:cNvPr id="3" name="图片 2">
-            <a:extLst>
-              <a:ext uri="{FF2B5EF4-FFF2-40B4-BE49-F238E27FC236}">
-                <a16:creationId xmlns:a16="http://schemas.microsoft.com/office/drawing/2014/main" id="{8AF04E25-6227-D6C1-0AC5-46B7ED35BB07}"/>
-              </a:ext>
-            </a:extLst>
-          </p:cNvPr>
+          <p:cNvPr id="3" name="图片 2"/>
           <p:cNvPicPr>
             <a:picLocks noChangeAspect="1"/>
           </p:cNvPicPr>
           <p:nvPr/>
         </p:nvPicPr>
         <p:blipFill>
-          <a:blip r:embed="rId3">
+          <a:blip r:embed="rId1">
             <a:extLst>
               <a:ext uri="{28A0092B-C50C-407E-A947-70E740481C1C}">
                 <a14:useLocalDpi xmlns:a14="http://schemas.microsoft.com/office/drawing/2010/main" val="0"/>
@@ -9516,44 +9235,8 @@
         </p:blipFill>
         <p:spPr>
           <a:xfrm>
-            <a:off x="360248" y="838682"/>
-            <a:ext cx="7085581" cy="4463160"/>
-          </a:xfrm>
-          <a:prstGeom prst="rect">
-            <a:avLst/>
-          </a:prstGeom>
-        </p:spPr>
-      </p:pic>
-      <p:pic>
-        <p:nvPicPr>
-          <p:cNvPr id="5" name="图片 4">
-            <a:extLst>
-              <a:ext uri="{FF2B5EF4-FFF2-40B4-BE49-F238E27FC236}">
-                <a16:creationId xmlns:a16="http://schemas.microsoft.com/office/drawing/2014/main" id="{B07D95C7-B768-D01A-F1F1-7ACCA25A53F2}"/>
-              </a:ext>
-            </a:extLst>
-          </p:cNvPr>
-          <p:cNvPicPr>
-            <a:picLocks noChangeAspect="1"/>
-          </p:cNvPicPr>
-          <p:nvPr/>
-        </p:nvPicPr>
-        <p:blipFill>
-          <a:blip r:embed="rId4">
-            <a:extLst>
-              <a:ext uri="{28A0092B-C50C-407E-A947-70E740481C1C}">
-                <a14:useLocalDpi xmlns:a14="http://schemas.microsoft.com/office/drawing/2010/main" val="0"/>
-              </a:ext>
-            </a:extLst>
-          </a:blip>
-          <a:stretch>
-            <a:fillRect/>
-          </a:stretch>
-        </p:blipFill>
-        <p:spPr>
-          <a:xfrm>
-            <a:off x="7521403" y="1130605"/>
-            <a:ext cx="4310349" cy="3879314"/>
+            <a:off x="0" y="481432"/>
+            <a:ext cx="12192000" cy="5895136"/>
           </a:xfrm>
           <a:prstGeom prst="rect">
             <a:avLst/>
@@ -9561,11 +9244,6 @@
         </p:spPr>
       </p:pic>
     </p:spTree>
-    <p:extLst>
-      <p:ext uri="{BB962C8B-B14F-4D97-AF65-F5344CB8AC3E}">
-        <p14:creationId xmlns:p14="http://schemas.microsoft.com/office/powerpoint/2010/main" val="1384823430"/>
-      </p:ext>
-    </p:extLst>
   </p:cSld>
   <p:clrMapOvr>
     <a:masterClrMapping/>
@@ -9590,15 +9268,94 @@
           <a:chExt cx="0" cy="0"/>
         </a:xfrm>
       </p:grpSpPr>
-      <p:sp>
-        <p:nvSpPr>
-          <p:cNvPr id="3" name="文本占位符 2">
+      <p:pic>
+        <p:nvPicPr>
+          <p:cNvPr id="3" name="图片 2"/>
+          <p:cNvPicPr>
+            <a:picLocks noChangeAspect="1"/>
+          </p:cNvPicPr>
+          <p:nvPr/>
+        </p:nvPicPr>
+        <p:blipFill>
+          <a:blip r:embed="rId1">
             <a:extLst>
-              <a:ext uri="{FF2B5EF4-FFF2-40B4-BE49-F238E27FC236}">
-                <a16:creationId xmlns:a16="http://schemas.microsoft.com/office/drawing/2014/main" id="{DFD52094-98C0-4141-A04B-98B9DF4DFA73}"/>
+              <a:ext uri="{28A0092B-C50C-407E-A947-70E740481C1C}">
+                <a14:useLocalDpi xmlns:a14="http://schemas.microsoft.com/office/drawing/2010/main" val="0"/>
               </a:ext>
             </a:extLst>
-          </p:cNvPr>
+          </a:blip>
+          <a:stretch>
+            <a:fillRect/>
+          </a:stretch>
+        </p:blipFill>
+        <p:spPr>
+          <a:xfrm>
+            <a:off x="360248" y="838682"/>
+            <a:ext cx="7085581" cy="4463160"/>
+          </a:xfrm>
+          <a:prstGeom prst="rect">
+            <a:avLst/>
+          </a:prstGeom>
+        </p:spPr>
+      </p:pic>
+      <p:pic>
+        <p:nvPicPr>
+          <p:cNvPr id="5" name="图片 4"/>
+          <p:cNvPicPr>
+            <a:picLocks noChangeAspect="1"/>
+          </p:cNvPicPr>
+          <p:nvPr/>
+        </p:nvPicPr>
+        <p:blipFill>
+          <a:blip r:embed="rId2">
+            <a:extLst>
+              <a:ext uri="{28A0092B-C50C-407E-A947-70E740481C1C}">
+                <a14:useLocalDpi xmlns:a14="http://schemas.microsoft.com/office/drawing/2010/main" val="0"/>
+              </a:ext>
+            </a:extLst>
+          </a:blip>
+          <a:stretch>
+            <a:fillRect/>
+          </a:stretch>
+        </p:blipFill>
+        <p:spPr>
+          <a:xfrm>
+            <a:off x="7521403" y="1130605"/>
+            <a:ext cx="4310349" cy="3879314"/>
+          </a:xfrm>
+          <a:prstGeom prst="rect">
+            <a:avLst/>
+          </a:prstGeom>
+        </p:spPr>
+      </p:pic>
+    </p:spTree>
+  </p:cSld>
+  <p:clrMapOvr>
+    <a:masterClrMapping/>
+  </p:clrMapOvr>
+</p:sld>
+</file>
+
+<file path=ppt/slides/slide18.xml><?xml version="1.0" encoding="utf-8"?>
+<p:sld xmlns:a="http://schemas.openxmlformats.org/drawingml/2006/main" xmlns:r="http://schemas.openxmlformats.org/officeDocument/2006/relationships" xmlns:p="http://schemas.openxmlformats.org/presentationml/2006/main">
+  <p:cSld>
+    <p:spTree>
+      <p:nvGrpSpPr>
+        <p:cNvPr id="1" name=""/>
+        <p:cNvGrpSpPr/>
+        <p:nvPr/>
+      </p:nvGrpSpPr>
+      <p:grpSpPr>
+        <a:xfrm>
+          <a:off x="0" y="0"/>
+          <a:ext cx="0" cy="0"/>
+          <a:chOff x="0" y="0"/>
+          <a:chExt cx="0" cy="0"/>
+        </a:xfrm>
+      </p:grpSpPr>
+      <p:sp>
+        <p:nvSpPr>
+          <p:cNvPr id="3" name="文本占位符 2"/>
           <p:cNvSpPr>
             <a:spLocks noGrp="1"/>
           </p:cNvSpPr>
@@ -9626,15 +9383,15 @@
               </a:rPr>
               <a:t>DEMO MOMENT</a:t>
             </a:r>
+            <a:endParaRPr lang="en-GB" altLang="zh-CN" sz="8000" dirty="0">
+              <a:latin typeface="Times New Roman" panose="02020603050405020304" pitchFamily="18" charset="0"/>
+              <a:ea typeface="宋体" panose="02010600030101010101" pitchFamily="2" charset="-122"/>
+              <a:cs typeface="Times New Roman" panose="02020603050405020304" pitchFamily="18" charset="0"/>
+            </a:endParaRPr>
           </a:p>
         </p:txBody>
       </p:sp>
     </p:spTree>
-    <p:extLst>
-      <p:ext uri="{BB962C8B-B14F-4D97-AF65-F5344CB8AC3E}">
-        <p14:creationId xmlns:p14="http://schemas.microsoft.com/office/powerpoint/2010/main" val="2596165905"/>
-      </p:ext>
-    </p:extLst>
   </p:cSld>
   <p:clrMapOvr>
     <a:masterClrMapping/>
@@ -9661,23 +9418,11 @@
       </p:grpSpPr>
       <p:graphicFrame>
         <p:nvGraphicFramePr>
-          <p:cNvPr id="2" name="Table 1">
-            <a:extLst>
-              <a:ext uri="{FF2B5EF4-FFF2-40B4-BE49-F238E27FC236}">
-                <a16:creationId xmlns:a16="http://schemas.microsoft.com/office/drawing/2014/main" id="{7D8A4C15-E3C6-409B-A6C4-7113ED4EBF1B}"/>
-              </a:ext>
-            </a:extLst>
-          </p:cNvPr>
+          <p:cNvPr id="2" name="Table 1"/>
           <p:cNvGraphicFramePr>
             <a:graphicFrameLocks noGrp="1"/>
           </p:cNvGraphicFramePr>
-          <p:nvPr>
-            <p:extLst>
-              <p:ext uri="{D42A27DB-BD31-4B8C-83A1-F6EECF244321}">
-                <p14:modId xmlns:p14="http://schemas.microsoft.com/office/powerpoint/2010/main" val="3104299221"/>
-              </p:ext>
-            </p:extLst>
-          </p:nvPr>
+          <p:nvPr/>
         </p:nvGraphicFramePr>
         <p:xfrm>
           <a:off x="124277" y="2594159"/>
@@ -9690,20 +9435,8 @@
                 <a:tableStyleId>{5C22544A-7EE6-4342-B048-85BDC9FD1C3A}</a:tableStyleId>
               </a:tblPr>
               <a:tblGrid>
-                <a:gridCol w="1625177">
-                  <a:extLst>
-                    <a:ext uri="{9D8B030D-6E8A-4147-A177-3AD203B41FA5}">
-                      <a16:colId xmlns:a16="http://schemas.microsoft.com/office/drawing/2014/main" val="834125827"/>
-                    </a:ext>
-                  </a:extLst>
-                </a:gridCol>
-                <a:gridCol w="1625177">
-                  <a:extLst>
-                    <a:ext uri="{9D8B030D-6E8A-4147-A177-3AD203B41FA5}">
-                      <a16:colId xmlns:a16="http://schemas.microsoft.com/office/drawing/2014/main" val="928544528"/>
-                    </a:ext>
-                  </a:extLst>
-                </a:gridCol>
+                <a:gridCol w="1625177"/>
+                <a:gridCol w="1625177"/>
               </a:tblGrid>
               <a:tr h="1820839">
                 <a:tc>
@@ -9726,11 +9459,6 @@
                   </a:txBody>
                   <a:tcPr marL="45720" marR="45720" marT="22860" marB="22860"/>
                 </a:tc>
-                <a:extLst>
-                  <a:ext uri="{0D108BD9-81ED-4DB2-BD59-A6C34878D82A}">
-                    <a16:rowId xmlns:a16="http://schemas.microsoft.com/office/drawing/2014/main" val="2142730199"/>
-                  </a:ext>
-                </a:extLst>
               </a:tr>
               <a:tr h="450910">
                 <a:tc>
@@ -9746,6 +9474,10 @@
                         </a:rPr>
                         <a:t>Zinnia Zhang</a:t>
                       </a:r>
+                      <a:endParaRPr lang="en-US" sz="1600" dirty="0">
+                        <a:latin typeface="Times New Roman" panose="02020603050405020304" pitchFamily="18" charset="0"/>
+                        <a:cs typeface="Times New Roman" panose="02020603050405020304" pitchFamily="18" charset="0"/>
+                      </a:endParaRPr>
                     </a:p>
                   </a:txBody>
                   <a:tcPr marL="45720" marR="45720" marT="22860" marB="22860"/>
@@ -9763,15 +9495,14 @@
                         </a:rPr>
                         <a:t>Zero Zhu</a:t>
                       </a:r>
+                      <a:endParaRPr lang="en-US" sz="1600" dirty="0">
+                        <a:latin typeface="Times New Roman" panose="02020603050405020304" pitchFamily="18" charset="0"/>
+                        <a:cs typeface="Times New Roman" panose="02020603050405020304" pitchFamily="18" charset="0"/>
+                      </a:endParaRPr>
                     </a:p>
                   </a:txBody>
                   <a:tcPr marL="45720" marR="45720" marT="22860" marB="22860"/>
                 </a:tc>
-                <a:extLst>
-                  <a:ext uri="{0D108BD9-81ED-4DB2-BD59-A6C34878D82A}">
-                    <a16:rowId xmlns:a16="http://schemas.microsoft.com/office/drawing/2014/main" val="172075169"/>
-                  </a:ext>
-                </a:extLst>
               </a:tr>
             </a:tbl>
           </a:graphicData>
@@ -9779,13 +9510,7 @@
       </p:graphicFrame>
       <p:sp>
         <p:nvSpPr>
-          <p:cNvPr id="10" name="TextBox 9">
-            <a:extLst>
-              <a:ext uri="{FF2B5EF4-FFF2-40B4-BE49-F238E27FC236}">
-                <a16:creationId xmlns:a16="http://schemas.microsoft.com/office/drawing/2014/main" id="{6535558F-99EB-46B7-94BD-AA3A89EAE4E7}"/>
-              </a:ext>
-            </a:extLst>
-          </p:cNvPr>
+          <p:cNvPr id="10" name="TextBox 9"/>
           <p:cNvSpPr txBox="1"/>
           <p:nvPr/>
         </p:nvSpPr>
@@ -9814,6 +9539,7 @@
               <a:rPr lang="en-US" sz="2700" b="1" dirty="0"/>
               <a:t>Team 7: Fintech giants</a:t>
             </a:r>
+            <a:endParaRPr lang="en-US" sz="2700" b="1" dirty="0"/>
           </a:p>
           <a:p>
             <a:pPr algn="ctr"/>
@@ -9829,6 +9555,7 @@
               <a:rPr lang="en-US" sz="2200" dirty="0"/>
               <a:t> Pro</a:t>
             </a:r>
+            <a:endParaRPr lang="en-US" sz="2200" dirty="0"/>
           </a:p>
           <a:p>
             <a:pPr algn="ctr"/>
@@ -9836,25 +9563,20 @@
               <a:rPr lang="en-US" sz="2200" dirty="0"/>
               <a:t> Presentation Dates: July 30, 2025</a:t>
             </a:r>
+            <a:endParaRPr lang="en-US" sz="2200" dirty="0"/>
           </a:p>
         </p:txBody>
       </p:sp>
       <p:pic>
         <p:nvPicPr>
-          <p:cNvPr id="3" name="Picture 2" descr="表情包##可爱头像##动漫头像# 可可爱爱的肥肥鲨夏日头像作者：picshu ​">
-            <a:extLst>
-              <a:ext uri="{FF2B5EF4-FFF2-40B4-BE49-F238E27FC236}">
-                <a16:creationId xmlns:a16="http://schemas.microsoft.com/office/drawing/2014/main" id="{B44CF78F-CEDB-A7D3-FBDD-105E230BDC12}"/>
-              </a:ext>
-            </a:extLst>
-          </p:cNvPr>
+          <p:cNvPr id="3" name="Picture 2" descr="表情包##可爱头像##动漫头像# 可可爱爱的肥肥鲨夏日头像作者：picshu ​"/>
           <p:cNvPicPr>
             <a:picLocks noChangeAspect="1" noChangeArrowheads="1"/>
           </p:cNvPicPr>
           <p:nvPr/>
         </p:nvPicPr>
         <p:blipFill>
-          <a:blip r:embed="rId3">
+          <a:blip r:embed="rId1">
             <a:extLst>
               <a:ext uri="{28A0092B-C50C-407E-A947-70E740481C1C}">
                 <a14:useLocalDpi xmlns:a14="http://schemas.microsoft.com/office/drawing/2010/main" val="0"/>
@@ -9888,20 +9610,14 @@
       </p:pic>
       <p:pic>
         <p:nvPicPr>
-          <p:cNvPr id="4" name="Picture 4" descr="微信可爱小动物头像图片你的微信头像该换了-芝麻科技讯">
-            <a:extLst>
-              <a:ext uri="{FF2B5EF4-FFF2-40B4-BE49-F238E27FC236}">
-                <a16:creationId xmlns:a16="http://schemas.microsoft.com/office/drawing/2014/main" id="{58FD124E-001E-9503-8FE7-715F570C5842}"/>
-              </a:ext>
-            </a:extLst>
-          </p:cNvPr>
+          <p:cNvPr id="4" name="Picture 4" descr="微信可爱小动物头像图片你的微信头像该换了-芝麻科技讯"/>
           <p:cNvPicPr>
             <a:picLocks noChangeAspect="1" noChangeArrowheads="1"/>
           </p:cNvPicPr>
           <p:nvPr/>
         </p:nvPicPr>
         <p:blipFill>
-          <a:blip r:embed="rId4">
+          <a:blip r:embed="rId2">
             <a:extLst>
               <a:ext uri="{28A0092B-C50C-407E-A947-70E740481C1C}">
                 <a14:useLocalDpi xmlns:a14="http://schemas.microsoft.com/office/drawing/2010/main" val="0"/>
@@ -9935,20 +9651,14 @@
       </p:pic>
       <p:pic>
         <p:nvPicPr>
-          <p:cNvPr id="12" name="图片 11">
-            <a:extLst>
-              <a:ext uri="{FF2B5EF4-FFF2-40B4-BE49-F238E27FC236}">
-                <a16:creationId xmlns:a16="http://schemas.microsoft.com/office/drawing/2014/main" id="{A334F97D-BBD7-7D48-F224-3F602270E1C4}"/>
-              </a:ext>
-            </a:extLst>
-          </p:cNvPr>
+          <p:cNvPr id="12" name="图片 11"/>
           <p:cNvPicPr>
             <a:picLocks noChangeAspect="1"/>
           </p:cNvPicPr>
           <p:nvPr/>
         </p:nvPicPr>
         <p:blipFill>
-          <a:blip r:embed="rId5"/>
+          <a:blip r:embed="rId3"/>
           <a:stretch>
             <a:fillRect/>
           </a:stretch>
@@ -9964,21 +9674,16 @@
         </p:spPr>
       </p:pic>
     </p:spTree>
-    <p:extLst>
-      <p:ext uri="{BB962C8B-B14F-4D97-AF65-F5344CB8AC3E}">
-        <p14:creationId xmlns:p14="http://schemas.microsoft.com/office/powerpoint/2010/main" val="907551830"/>
-      </p:ext>
-    </p:extLst>
   </p:cSld>
   <p:clrMapOvr>
     <a:masterClrMapping/>
   </p:clrMapOvr>
-  <mc:AlternateContent xmlns:mc="http://schemas.openxmlformats.org/markup-compatibility/2006" xmlns:p14="http://schemas.microsoft.com/office/powerpoint/2010/main">
-    <mc:Choice Requires="p14">
+  <mc:AlternateContent xmlns:mc="http://schemas.openxmlformats.org/markup-compatibility/2006">
+    <mc:Choice xmlns:p14="http://schemas.microsoft.com/office/powerpoint/2010/main" Requires="p14">
       <p:transition p14:dur="0" advClick="0"/>
     </mc:Choice>
-    <mc:Fallback xmlns="">
-      <p:transition xmlns:p14="http://schemas.microsoft.com/office/powerpoint/2010/main" advClick="0"/>
+    <mc:Fallback>
+      <p:transition advClick="0"/>
     </mc:Fallback>
   </mc:AlternateContent>
 </p:sld>
@@ -10003,23 +9708,11 @@
       </p:grpSpPr>
       <p:graphicFrame>
         <p:nvGraphicFramePr>
-          <p:cNvPr id="2" name="Table 1">
-            <a:extLst>
-              <a:ext uri="{FF2B5EF4-FFF2-40B4-BE49-F238E27FC236}">
-                <a16:creationId xmlns:a16="http://schemas.microsoft.com/office/drawing/2014/main" id="{7D8A4C15-E3C6-409B-A6C4-7113ED4EBF1B}"/>
-              </a:ext>
-            </a:extLst>
-          </p:cNvPr>
+          <p:cNvPr id="2" name="Table 1"/>
           <p:cNvGraphicFramePr>
             <a:graphicFrameLocks noGrp="1"/>
           </p:cNvGraphicFramePr>
-          <p:nvPr>
-            <p:extLst>
-              <p:ext uri="{D42A27DB-BD31-4B8C-83A1-F6EECF244321}">
-                <p14:modId xmlns:p14="http://schemas.microsoft.com/office/powerpoint/2010/main" val="2541201386"/>
-              </p:ext>
-            </p:extLst>
-          </p:nvPr>
+          <p:nvPr/>
         </p:nvGraphicFramePr>
         <p:xfrm>
           <a:off x="0" y="2187761"/>
@@ -10032,20 +9725,8 @@
                 <a:tableStyleId>{5C22544A-7EE6-4342-B048-85BDC9FD1C3A}</a:tableStyleId>
               </a:tblPr>
               <a:tblGrid>
-                <a:gridCol w="1625177">
-                  <a:extLst>
-                    <a:ext uri="{9D8B030D-6E8A-4147-A177-3AD203B41FA5}">
-                      <a16:colId xmlns:a16="http://schemas.microsoft.com/office/drawing/2014/main" val="3733562221"/>
-                    </a:ext>
-                  </a:extLst>
-                </a:gridCol>
-                <a:gridCol w="1625177">
-                  <a:extLst>
-                    <a:ext uri="{9D8B030D-6E8A-4147-A177-3AD203B41FA5}">
-                      <a16:colId xmlns:a16="http://schemas.microsoft.com/office/drawing/2014/main" val="2667199990"/>
-                    </a:ext>
-                  </a:extLst>
-                </a:gridCol>
+                <a:gridCol w="1625177"/>
+                <a:gridCol w="1625177"/>
               </a:tblGrid>
               <a:tr h="1820839">
                 <a:tc>
@@ -10068,11 +9749,6 @@
                   </a:txBody>
                   <a:tcPr marL="45720" marR="45720" marT="22860" marB="22860"/>
                 </a:tc>
-                <a:extLst>
-                  <a:ext uri="{0D108BD9-81ED-4DB2-BD59-A6C34878D82A}">
-                    <a16:rowId xmlns:a16="http://schemas.microsoft.com/office/drawing/2014/main" val="2142730199"/>
-                  </a:ext>
-                </a:extLst>
               </a:tr>
               <a:tr h="450910">
                 <a:tc>
@@ -10088,6 +9764,10 @@
                         </a:rPr>
                         <a:t>Benjie Zhao</a:t>
                       </a:r>
+                      <a:endParaRPr lang="en-US" sz="1600" dirty="0">
+                        <a:latin typeface="Times New Roman" panose="02020603050405020304" pitchFamily="18" charset="0"/>
+                        <a:cs typeface="Times New Roman" panose="02020603050405020304" pitchFamily="18" charset="0"/>
+                      </a:endParaRPr>
                     </a:p>
                   </a:txBody>
                   <a:tcPr marL="45720" marR="45720" marT="22860" marB="22860"/>
@@ -10105,15 +9785,14 @@
                         </a:rPr>
                         <a:t>Ivan Zhao</a:t>
                       </a:r>
+                      <a:endParaRPr lang="en-US" sz="1600" dirty="0">
+                        <a:latin typeface="Times New Roman" panose="02020603050405020304" pitchFamily="18" charset="0"/>
+                        <a:cs typeface="Times New Roman" panose="02020603050405020304" pitchFamily="18" charset="0"/>
+                      </a:endParaRPr>
                     </a:p>
                   </a:txBody>
                   <a:tcPr marL="45720" marR="45720" marT="22860" marB="22860"/>
                 </a:tc>
-                <a:extLst>
-                  <a:ext uri="{0D108BD9-81ED-4DB2-BD59-A6C34878D82A}">
-                    <a16:rowId xmlns:a16="http://schemas.microsoft.com/office/drawing/2014/main" val="172075169"/>
-                  </a:ext>
-                </a:extLst>
               </a:tr>
             </a:tbl>
           </a:graphicData>
@@ -10121,13 +9800,7 @@
       </p:graphicFrame>
       <p:sp>
         <p:nvSpPr>
-          <p:cNvPr id="10" name="TextBox 9">
-            <a:extLst>
-              <a:ext uri="{FF2B5EF4-FFF2-40B4-BE49-F238E27FC236}">
-                <a16:creationId xmlns:a16="http://schemas.microsoft.com/office/drawing/2014/main" id="{6535558F-99EB-46B7-94BD-AA3A89EAE4E7}"/>
-              </a:ext>
-            </a:extLst>
-          </p:cNvPr>
+          <p:cNvPr id="10" name="TextBox 9"/>
           <p:cNvSpPr txBox="1"/>
           <p:nvPr/>
         </p:nvSpPr>
@@ -10156,6 +9829,7 @@
               <a:rPr lang="en-US" sz="2700" b="1" dirty="0"/>
               <a:t>Team 7: Data Crafters</a:t>
             </a:r>
+            <a:endParaRPr lang="en-US" sz="2700" b="1" dirty="0"/>
           </a:p>
           <a:p>
             <a:pPr algn="ctr"/>
@@ -10163,6 +9837,7 @@
               <a:rPr lang="en-US" sz="2200" dirty="0"/>
               <a:t>Project Topics: Portfolio Asset Manager       </a:t>
             </a:r>
+            <a:endParaRPr lang="en-US" sz="2200" dirty="0"/>
           </a:p>
           <a:p>
             <a:pPr algn="ctr"/>
@@ -10170,28 +9845,17 @@
               <a:rPr lang="en-US" sz="2200" dirty="0"/>
               <a:t>  Presentation Dates: July 30, 2025</a:t>
             </a:r>
+            <a:endParaRPr lang="en-US" sz="2200" dirty="0"/>
           </a:p>
         </p:txBody>
       </p:sp>
       <p:graphicFrame>
         <p:nvGraphicFramePr>
-          <p:cNvPr id="11" name="Table 1">
-            <a:extLst>
-              <a:ext uri="{FF2B5EF4-FFF2-40B4-BE49-F238E27FC236}">
-                <a16:creationId xmlns:a16="http://schemas.microsoft.com/office/drawing/2014/main" id="{6EC64D43-9C53-9A35-5C89-888D5BBE7A3E}"/>
-              </a:ext>
-            </a:extLst>
-          </p:cNvPr>
+          <p:cNvPr id="11" name="Table 1"/>
           <p:cNvGraphicFramePr>
             <a:graphicFrameLocks noGrp="1"/>
           </p:cNvGraphicFramePr>
-          <p:nvPr>
-            <p:extLst>
-              <p:ext uri="{D42A27DB-BD31-4B8C-83A1-F6EECF244321}">
-                <p14:modId xmlns:p14="http://schemas.microsoft.com/office/powerpoint/2010/main" val="1158771400"/>
-              </p:ext>
-            </p:extLst>
-          </p:nvPr>
+          <p:nvPr/>
         </p:nvGraphicFramePr>
         <p:xfrm>
           <a:off x="3250354" y="2187761"/>
@@ -10204,13 +9868,7 @@
                 <a:tableStyleId>{5C22544A-7EE6-4342-B048-85BDC9FD1C3A}</a:tableStyleId>
               </a:tblPr>
               <a:tblGrid>
-                <a:gridCol w="1625177">
-                  <a:extLst>
-                    <a:ext uri="{9D8B030D-6E8A-4147-A177-3AD203B41FA5}">
-                      <a16:colId xmlns:a16="http://schemas.microsoft.com/office/drawing/2014/main" val="834125827"/>
-                    </a:ext>
-                  </a:extLst>
-                </a:gridCol>
+                <a:gridCol w="1625177"/>
               </a:tblGrid>
               <a:tr h="1820839">
                 <a:tc>
@@ -10223,11 +9881,6 @@
                   </a:txBody>
                   <a:tcPr marL="45720" marR="45720" marT="22860" marB="22860"/>
                 </a:tc>
-                <a:extLst>
-                  <a:ext uri="{0D108BD9-81ED-4DB2-BD59-A6C34878D82A}">
-                    <a16:rowId xmlns:a16="http://schemas.microsoft.com/office/drawing/2014/main" val="2142730199"/>
-                  </a:ext>
-                </a:extLst>
               </a:tr>
               <a:tr h="450910">
                 <a:tc>
@@ -10243,15 +9896,14 @@
                         </a:rPr>
                         <a:t>Diana Xu</a:t>
                       </a:r>
+                      <a:endParaRPr lang="en-US" sz="1600" dirty="0">
+                        <a:latin typeface="Times New Roman" panose="02020603050405020304" pitchFamily="18" charset="0"/>
+                        <a:cs typeface="Times New Roman" panose="02020603050405020304" pitchFamily="18" charset="0"/>
+                      </a:endParaRPr>
                     </a:p>
                   </a:txBody>
                   <a:tcPr marL="45720" marR="45720" marT="22860" marB="22860"/>
                 </a:tc>
-                <a:extLst>
-                  <a:ext uri="{0D108BD9-81ED-4DB2-BD59-A6C34878D82A}">
-                    <a16:rowId xmlns:a16="http://schemas.microsoft.com/office/drawing/2014/main" val="172075169"/>
-                  </a:ext>
-                </a:extLst>
               </a:tr>
             </a:tbl>
           </a:graphicData>
@@ -10259,20 +9911,14 @@
       </p:graphicFrame>
       <p:pic>
         <p:nvPicPr>
-          <p:cNvPr id="24" name="Picture 2" descr="可爱又霸气的卡通小狗头像，眼神超凶超有范儿武术edd | 比格多栋表情包抽象头像| 战斗牛表情包图片gif动图-">
-            <a:extLst>
-              <a:ext uri="{FF2B5EF4-FFF2-40B4-BE49-F238E27FC236}">
-                <a16:creationId xmlns:a16="http://schemas.microsoft.com/office/drawing/2014/main" id="{195A01E0-2B63-C9FD-92A8-CB4D695CCFE8}"/>
-              </a:ext>
-            </a:extLst>
-          </p:cNvPr>
+          <p:cNvPr id="24" name="Picture 2" descr="可爱又霸气的卡通小狗头像，眼神超凶超有范儿武术edd | 比格多栋表情包抽象头像| 战斗牛表情包图片gif动图-"/>
           <p:cNvPicPr>
             <a:picLocks noChangeAspect="1" noChangeArrowheads="1"/>
           </p:cNvPicPr>
           <p:nvPr/>
         </p:nvPicPr>
         <p:blipFill>
-          <a:blip r:embed="rId2">
+          <a:blip r:embed="rId1">
             <a:extLst>
               <a:ext uri="{28A0092B-C50C-407E-A947-70E740481C1C}">
                 <a14:useLocalDpi xmlns:a14="http://schemas.microsoft.com/office/drawing/2010/main" val="0"/>
@@ -10306,20 +9952,14 @@
       </p:pic>
       <p:pic>
         <p:nvPicPr>
-          <p:cNvPr id="25" name="Picture 4" descr="100 个线条小狗点子| 小狗, 狗, 可愛狗狗">
-            <a:extLst>
-              <a:ext uri="{FF2B5EF4-FFF2-40B4-BE49-F238E27FC236}">
-                <a16:creationId xmlns:a16="http://schemas.microsoft.com/office/drawing/2014/main" id="{3F23200B-2580-7632-08C3-F188B8DE1FED}"/>
-              </a:ext>
-            </a:extLst>
-          </p:cNvPr>
+          <p:cNvPr id="25" name="Picture 4" descr="100 个线条小狗点子| 小狗, 狗, 可愛狗狗"/>
           <p:cNvPicPr>
             <a:picLocks noChangeAspect="1" noChangeArrowheads="1"/>
           </p:cNvPicPr>
           <p:nvPr/>
         </p:nvPicPr>
         <p:blipFill>
-          <a:blip r:embed="rId3">
+          <a:blip r:embed="rId2">
             <a:extLst>
               <a:ext uri="{28A0092B-C50C-407E-A947-70E740481C1C}">
                 <a14:useLocalDpi xmlns:a14="http://schemas.microsoft.com/office/drawing/2010/main" val="0"/>
@@ -10353,20 +9993,14 @@
       </p:pic>
       <p:pic>
         <p:nvPicPr>
-          <p:cNvPr id="1030" name="Picture 6" descr="线条小狗情头超甜最热超甜美的情头合集-腾牛个性网">
-            <a:extLst>
-              <a:ext uri="{FF2B5EF4-FFF2-40B4-BE49-F238E27FC236}">
-                <a16:creationId xmlns:a16="http://schemas.microsoft.com/office/drawing/2014/main" id="{92BCCDC5-F243-20E2-1DAD-93C3E96068B5}"/>
-              </a:ext>
-            </a:extLst>
-          </p:cNvPr>
+          <p:cNvPr id="1030" name="Picture 6" descr="线条小狗情头超甜最热超甜美的情头合集-腾牛个性网"/>
           <p:cNvPicPr>
             <a:picLocks noChangeAspect="1" noChangeArrowheads="1"/>
           </p:cNvPicPr>
           <p:nvPr/>
         </p:nvPicPr>
         <p:blipFill>
-          <a:blip r:embed="rId4">
+          <a:blip r:embed="rId3">
             <a:extLst>
               <a:ext uri="{28A0092B-C50C-407E-A947-70E740481C1C}">
                 <a14:useLocalDpi xmlns:a14="http://schemas.microsoft.com/office/drawing/2010/main" val="0"/>
@@ -10400,20 +10034,14 @@
       </p:pic>
       <p:pic>
         <p:nvPicPr>
-          <p:cNvPr id="15" name="图片 14">
-            <a:extLst>
-              <a:ext uri="{FF2B5EF4-FFF2-40B4-BE49-F238E27FC236}">
-                <a16:creationId xmlns:a16="http://schemas.microsoft.com/office/drawing/2014/main" id="{915B07A6-C259-D338-3C90-89BF7CC7587E}"/>
-              </a:ext>
-            </a:extLst>
-          </p:cNvPr>
+          <p:cNvPr id="15" name="图片 14"/>
           <p:cNvPicPr>
             <a:picLocks noChangeAspect="1"/>
           </p:cNvPicPr>
           <p:nvPr/>
         </p:nvPicPr>
         <p:blipFill>
-          <a:blip r:embed="rId5"/>
+          <a:blip r:embed="rId4"/>
           <a:stretch>
             <a:fillRect/>
           </a:stretch>
@@ -10429,21 +10057,16 @@
         </p:spPr>
       </p:pic>
     </p:spTree>
-    <p:extLst>
-      <p:ext uri="{BB962C8B-B14F-4D97-AF65-F5344CB8AC3E}">
-        <p14:creationId xmlns:p14="http://schemas.microsoft.com/office/powerpoint/2010/main" val="2805913149"/>
-      </p:ext>
-    </p:extLst>
   </p:cSld>
   <p:clrMapOvr>
     <a:masterClrMapping/>
   </p:clrMapOvr>
-  <mc:AlternateContent xmlns:mc="http://schemas.openxmlformats.org/markup-compatibility/2006" xmlns:p14="http://schemas.microsoft.com/office/powerpoint/2010/main">
-    <mc:Choice Requires="p14">
+  <mc:AlternateContent xmlns:mc="http://schemas.openxmlformats.org/markup-compatibility/2006">
+    <mc:Choice xmlns:p14="http://schemas.microsoft.com/office/powerpoint/2010/main" Requires="p14">
       <p:transition p14:dur="0" advClick="0"/>
     </mc:Choice>
-    <mc:Fallback xmlns="">
-      <p:transition xmlns:p14="http://schemas.microsoft.com/office/powerpoint/2010/main" advClick="0"/>
+    <mc:Fallback>
+      <p:transition advClick="0"/>
     </mc:Fallback>
   </mc:AlternateContent>
 </p:sld>
@@ -10468,20 +10091,14 @@
       </p:grpSpPr>
       <p:pic>
         <p:nvPicPr>
-          <p:cNvPr id="3" name="图片 2">
-            <a:extLst>
-              <a:ext uri="{FF2B5EF4-FFF2-40B4-BE49-F238E27FC236}">
-                <a16:creationId xmlns:a16="http://schemas.microsoft.com/office/drawing/2014/main" id="{9246EC7E-9863-D2A5-B908-0E9433A9CD69}"/>
-              </a:ext>
-            </a:extLst>
-          </p:cNvPr>
+          <p:cNvPr id="3" name="图片 2"/>
           <p:cNvPicPr>
             <a:picLocks noChangeAspect="1"/>
           </p:cNvPicPr>
           <p:nvPr/>
         </p:nvPicPr>
         <p:blipFill>
-          <a:blip r:embed="rId3">
+          <a:blip r:embed="rId1">
             <a:extLst>
               <a:ext uri="{28A0092B-C50C-407E-A947-70E740481C1C}">
                 <a14:useLocalDpi xmlns:a14="http://schemas.microsoft.com/office/drawing/2010/main" val="0"/>
@@ -10503,11 +10120,6 @@
         </p:spPr>
       </p:pic>
     </p:spTree>
-    <p:extLst>
-      <p:ext uri="{BB962C8B-B14F-4D97-AF65-F5344CB8AC3E}">
-        <p14:creationId xmlns:p14="http://schemas.microsoft.com/office/powerpoint/2010/main" val="2709318167"/>
-      </p:ext>
-    </p:extLst>
   </p:cSld>
   <p:clrMapOvr>
     <a:masterClrMapping/>
@@ -10534,20 +10146,14 @@
       </p:grpSpPr>
       <p:pic>
         <p:nvPicPr>
-          <p:cNvPr id="3" name="图片 2">
-            <a:extLst>
-              <a:ext uri="{FF2B5EF4-FFF2-40B4-BE49-F238E27FC236}">
-                <a16:creationId xmlns:a16="http://schemas.microsoft.com/office/drawing/2014/main" id="{5B368F0D-A5F3-870B-7371-EB7DB5493239}"/>
-              </a:ext>
-            </a:extLst>
-          </p:cNvPr>
+          <p:cNvPr id="3" name="图片 2"/>
           <p:cNvPicPr>
             <a:picLocks noChangeAspect="1"/>
           </p:cNvPicPr>
           <p:nvPr/>
         </p:nvPicPr>
         <p:blipFill>
-          <a:blip r:embed="rId3">
+          <a:blip r:embed="rId1">
             <a:extLst>
               <a:ext uri="{28A0092B-C50C-407E-A947-70E740481C1C}">
                 <a14:useLocalDpi xmlns:a14="http://schemas.microsoft.com/office/drawing/2010/main" val="0"/>
@@ -10570,13 +10176,7 @@
       </p:pic>
       <p:sp>
         <p:nvSpPr>
-          <p:cNvPr id="4" name="TextBox 3">
-            <a:extLst>
-              <a:ext uri="{FF2B5EF4-FFF2-40B4-BE49-F238E27FC236}">
-                <a16:creationId xmlns:a16="http://schemas.microsoft.com/office/drawing/2014/main" id="{B14CAE6B-DEAC-D950-7339-7F4237308122}"/>
-              </a:ext>
-            </a:extLst>
-          </p:cNvPr>
+          <p:cNvPr id="4" name="TextBox 3"/>
           <p:cNvSpPr txBox="1"/>
           <p:nvPr/>
         </p:nvSpPr>
@@ -10643,11 +10243,6 @@
         </p:txBody>
       </p:sp>
     </p:spTree>
-    <p:extLst>
-      <p:ext uri="{BB962C8B-B14F-4D97-AF65-F5344CB8AC3E}">
-        <p14:creationId xmlns:p14="http://schemas.microsoft.com/office/powerpoint/2010/main" val="3697836294"/>
-      </p:ext>
-    </p:extLst>
   </p:cSld>
   <p:clrMapOvr>
     <a:masterClrMapping/>
@@ -10674,13 +10269,7 @@
       </p:grpSpPr>
       <p:sp>
         <p:nvSpPr>
-          <p:cNvPr id="2" name="TextBox 3">
-            <a:extLst>
-              <a:ext uri="{FF2B5EF4-FFF2-40B4-BE49-F238E27FC236}">
-                <a16:creationId xmlns:a16="http://schemas.microsoft.com/office/drawing/2014/main" id="{7C162C93-797F-0E87-D052-A88DB6A8E963}"/>
-              </a:ext>
-            </a:extLst>
-          </p:cNvPr>
+          <p:cNvPr id="2" name="TextBox 3"/>
           <p:cNvSpPr txBox="1"/>
           <p:nvPr/>
         </p:nvSpPr>
@@ -10748,20 +10337,14 @@
       </p:sp>
       <p:pic>
         <p:nvPicPr>
-          <p:cNvPr id="5" name="图片 4">
-            <a:extLst>
-              <a:ext uri="{FF2B5EF4-FFF2-40B4-BE49-F238E27FC236}">
-                <a16:creationId xmlns:a16="http://schemas.microsoft.com/office/drawing/2014/main" id="{FBF87EDF-3FC4-B0E4-27F7-0B51F278ABD4}"/>
-              </a:ext>
-            </a:extLst>
-          </p:cNvPr>
+          <p:cNvPr id="5" name="图片 4"/>
           <p:cNvPicPr>
             <a:picLocks noChangeAspect="1"/>
           </p:cNvPicPr>
           <p:nvPr/>
         </p:nvPicPr>
         <p:blipFill>
-          <a:blip r:embed="rId3">
+          <a:blip r:embed="rId1">
             <a:extLst>
               <a:ext uri="{28A0092B-C50C-407E-A947-70E740481C1C}">
                 <a14:useLocalDpi xmlns:a14="http://schemas.microsoft.com/office/drawing/2010/main" val="0"/>
@@ -10783,11 +10366,6 @@
         </p:spPr>
       </p:pic>
     </p:spTree>
-    <p:extLst>
-      <p:ext uri="{BB962C8B-B14F-4D97-AF65-F5344CB8AC3E}">
-        <p14:creationId xmlns:p14="http://schemas.microsoft.com/office/powerpoint/2010/main" val="3081009482"/>
-      </p:ext>
-    </p:extLst>
   </p:cSld>
   <p:clrMapOvr>
     <a:masterClrMapping/>
@@ -10814,13 +10392,7 @@
       </p:grpSpPr>
       <p:sp>
         <p:nvSpPr>
-          <p:cNvPr id="4" name="TextBox 3">
-            <a:extLst>
-              <a:ext uri="{FF2B5EF4-FFF2-40B4-BE49-F238E27FC236}">
-                <a16:creationId xmlns:a16="http://schemas.microsoft.com/office/drawing/2014/main" id="{231AA983-A074-173B-6935-10C227767BBD}"/>
-              </a:ext>
-            </a:extLst>
-          </p:cNvPr>
+          <p:cNvPr id="4" name="TextBox 3"/>
           <p:cNvSpPr txBox="1"/>
           <p:nvPr/>
         </p:nvSpPr>
@@ -10856,25 +10428,31 @@
               </a:rPr>
               <a:t>Database &amp; CRUD APIs</a:t>
             </a:r>
-          </a:p>
-        </p:txBody>
-      </p:sp>
-      <p:sp>
-        <p:nvSpPr>
-          <p:cNvPr id="6" name="TextBox 5">
-            <a:extLst>
-              <a:ext uri="{FF2B5EF4-FFF2-40B4-BE49-F238E27FC236}">
-                <a16:creationId xmlns:a16="http://schemas.microsoft.com/office/drawing/2014/main" id="{100BAABF-5E0B-4E54-691E-AFFE52B7B306}"/>
-              </a:ext>
-            </a:extLst>
-          </p:cNvPr>
+            <a:endParaRPr lang="en-US" sz="3200" b="1" cap="none" spc="0" dirty="0">
+              <a:ln w="0"/>
+              <a:effectLst>
+                <a:outerShdw blurRad="38100" dist="19050" dir="2700000" algn="tl" rotWithShape="0">
+                  <a:schemeClr val="dk1">
+                    <a:alpha val="40000"/>
+                  </a:schemeClr>
+                </a:outerShdw>
+              </a:effectLst>
+              <a:latin typeface="Times New Roman" panose="02020603050405020304" pitchFamily="18" charset="0"/>
+              <a:cs typeface="Times New Roman" panose="02020603050405020304" pitchFamily="18" charset="0"/>
+            </a:endParaRPr>
+          </a:p>
+        </p:txBody>
+      </p:sp>
+      <p:sp>
+        <p:nvSpPr>
+          <p:cNvPr id="6" name="TextBox 5"/>
           <p:cNvSpPr txBox="1"/>
           <p:nvPr/>
         </p:nvSpPr>
         <p:spPr>
           <a:xfrm>
             <a:off x="1072367" y="1001454"/>
-            <a:ext cx="10928412" cy="461665"/>
+            <a:ext cx="10928412" cy="460375"/>
           </a:xfrm>
           <a:prstGeom prst="rect">
             <a:avLst/>
@@ -10888,13 +10466,22 @@
           <a:lstStyle/>
           <a:p>
             <a:r>
+              <a:rPr lang="en-US" altLang="zh-CN" sz="2400" b="1" kern="100" dirty="0">
+                <a:effectLst/>
+                <a:latin typeface="Times New Roman" panose="02020603050405020304" pitchFamily="18" charset="0"/>
+                <a:ea typeface="Calibri" panose="020F0502020204030204" pitchFamily="34" charset="0"/>
+                <a:cs typeface="Times New Roman" panose="02020603050405020304" pitchFamily="18" charset="0"/>
+              </a:rPr>
+              <a:t>Related API</a:t>
+            </a:r>
+            <a:r>
               <a:rPr lang="en-US" sz="2400" b="1" kern="100" dirty="0">
                 <a:effectLst/>
                 <a:latin typeface="Times New Roman" panose="02020603050405020304" pitchFamily="18" charset="0"/>
                 <a:ea typeface="Calibri" panose="020F0502020204030204" pitchFamily="34" charset="0"/>
                 <a:cs typeface="Times New Roman" panose="02020603050405020304" pitchFamily="18" charset="0"/>
               </a:rPr>
-              <a:t>Three Core Database Systems managing all application data</a:t>
+              <a:t> managing all application data</a:t>
             </a:r>
             <a:endParaRPr lang="en-IN" sz="2400" dirty="0"/>
           </a:p>
@@ -10902,13 +10489,7 @@
       </p:sp>
       <p:sp>
         <p:nvSpPr>
-          <p:cNvPr id="7" name="TextBox 6">
-            <a:extLst>
-              <a:ext uri="{FF2B5EF4-FFF2-40B4-BE49-F238E27FC236}">
-                <a16:creationId xmlns:a16="http://schemas.microsoft.com/office/drawing/2014/main" id="{2EA02871-99A1-0544-F4BC-537D19F5A432}"/>
-              </a:ext>
-            </a:extLst>
-          </p:cNvPr>
+          <p:cNvPr id="7" name="TextBox 6"/>
           <p:cNvSpPr txBox="1"/>
           <p:nvPr/>
         </p:nvSpPr>
@@ -10939,6 +10520,10 @@
               </a:rPr>
               <a:t>User Management APIs </a:t>
             </a:r>
+            <a:endParaRPr lang="en-US" sz="2000" dirty="0">
+              <a:latin typeface="Times New Roman" panose="02020603050405020304" pitchFamily="18" charset="0"/>
+              <a:cs typeface="Times New Roman" panose="02020603050405020304" pitchFamily="18" charset="0"/>
+            </a:endParaRPr>
           </a:p>
           <a:p>
             <a:pPr marL="285750" indent="-285750">
@@ -10952,6 +10537,10 @@
               </a:rPr>
               <a:t>Portfolio Management APIs </a:t>
             </a:r>
+            <a:endParaRPr lang="en-US" sz="2000" dirty="0">
+              <a:latin typeface="Times New Roman" panose="02020603050405020304" pitchFamily="18" charset="0"/>
+              <a:cs typeface="Times New Roman" panose="02020603050405020304" pitchFamily="18" charset="0"/>
+            </a:endParaRPr>
           </a:p>
           <a:p>
             <a:pPr marL="285750" indent="-285750">
@@ -10974,13 +10563,7 @@
       </p:sp>
       <p:sp>
         <p:nvSpPr>
-          <p:cNvPr id="10" name="TextBox 9">
-            <a:extLst>
-              <a:ext uri="{FF2B5EF4-FFF2-40B4-BE49-F238E27FC236}">
-                <a16:creationId xmlns:a16="http://schemas.microsoft.com/office/drawing/2014/main" id="{DFACC9D2-3FE8-10EB-28C7-FCF98A25C853}"/>
-              </a:ext>
-            </a:extLst>
-          </p:cNvPr>
+          <p:cNvPr id="10" name="TextBox 9"/>
           <p:cNvSpPr txBox="1"/>
           <p:nvPr/>
         </p:nvSpPr>
@@ -11019,13 +10602,7 @@
       </p:sp>
       <p:sp>
         <p:nvSpPr>
-          <p:cNvPr id="2" name="TextBox 9">
-            <a:extLst>
-              <a:ext uri="{FF2B5EF4-FFF2-40B4-BE49-F238E27FC236}">
-                <a16:creationId xmlns:a16="http://schemas.microsoft.com/office/drawing/2014/main" id="{635D0E6F-1E0C-083F-C1F5-D4072C2E1ADA}"/>
-              </a:ext>
-            </a:extLst>
-          </p:cNvPr>
+          <p:cNvPr id="2" name="TextBox 9"/>
           <p:cNvSpPr txBox="1"/>
           <p:nvPr/>
         </p:nvSpPr>
@@ -11056,6 +10633,10 @@
               </a:rPr>
               <a:t>Users table</a:t>
             </a:r>
+            <a:endParaRPr lang="en-US" sz="2000" dirty="0">
+              <a:latin typeface="Times New Roman" panose="02020603050405020304" pitchFamily="18" charset="0"/>
+              <a:cs typeface="Times New Roman" panose="02020603050405020304" pitchFamily="18" charset="0"/>
+            </a:endParaRPr>
           </a:p>
           <a:p>
             <a:pPr marL="285750" lvl="0" indent="-285750">
@@ -11076,6 +10657,10 @@
               </a:rPr>
               <a:t> table</a:t>
             </a:r>
+            <a:endParaRPr lang="en-US" sz="2000" dirty="0">
+              <a:latin typeface="Times New Roman" panose="02020603050405020304" pitchFamily="18" charset="0"/>
+              <a:cs typeface="Times New Roman" panose="02020603050405020304" pitchFamily="18" charset="0"/>
+            </a:endParaRPr>
           </a:p>
           <a:p>
             <a:pPr marL="285750" lvl="0" indent="-285750">
@@ -11105,13 +10690,7 @@
       </p:sp>
       <p:sp>
         <p:nvSpPr>
-          <p:cNvPr id="3" name="TextBox 9">
-            <a:extLst>
-              <a:ext uri="{FF2B5EF4-FFF2-40B4-BE49-F238E27FC236}">
-                <a16:creationId xmlns:a16="http://schemas.microsoft.com/office/drawing/2014/main" id="{3DCB56FA-4174-3D81-84F4-A0D1F56131CF}"/>
-              </a:ext>
-            </a:extLst>
-          </p:cNvPr>
+          <p:cNvPr id="3" name="TextBox 9"/>
           <p:cNvSpPr txBox="1"/>
           <p:nvPr/>
         </p:nvSpPr>
@@ -11149,11 +10728,6 @@
         </p:txBody>
       </p:sp>
     </p:spTree>
-    <p:extLst>
-      <p:ext uri="{BB962C8B-B14F-4D97-AF65-F5344CB8AC3E}">
-        <p14:creationId xmlns:p14="http://schemas.microsoft.com/office/powerpoint/2010/main" val="3725213470"/>
-      </p:ext>
-    </p:extLst>
   </p:cSld>
   <p:clrMapOvr>
     <a:masterClrMapping/>
@@ -11180,19 +10754,13 @@
       </p:grpSpPr>
       <p:sp>
         <p:nvSpPr>
-          <p:cNvPr id="4" name="TextBox 3">
-            <a:extLst>
-              <a:ext uri="{FF2B5EF4-FFF2-40B4-BE49-F238E27FC236}">
-                <a16:creationId xmlns:a16="http://schemas.microsoft.com/office/drawing/2014/main" id="{231AA983-A074-173B-6935-10C227767BBD}"/>
-              </a:ext>
-            </a:extLst>
-          </p:cNvPr>
+          <p:cNvPr id="4" name="TextBox 3"/>
           <p:cNvSpPr txBox="1"/>
           <p:nvPr/>
         </p:nvSpPr>
         <p:spPr>
           <a:xfrm>
-            <a:off x="1733365" y="537422"/>
+            <a:off x="1787153" y="197342"/>
             <a:ext cx="8175948" cy="584775"/>
           </a:xfrm>
           <a:prstGeom prst="rect">
@@ -11220,107 +10788,252 @@
                 <a:latin typeface="Times New Roman" panose="02020603050405020304" pitchFamily="18" charset="0"/>
                 <a:cs typeface="Times New Roman" panose="02020603050405020304" pitchFamily="18" charset="0"/>
               </a:rPr>
-              <a:t>Stock Data APIs</a:t>
-            </a:r>
-          </a:p>
-        </p:txBody>
-      </p:sp>
-      <p:sp>
-        <p:nvSpPr>
-          <p:cNvPr id="10" name="TextBox 9">
-            <a:extLst>
-              <a:ext uri="{FF2B5EF4-FFF2-40B4-BE49-F238E27FC236}">
-                <a16:creationId xmlns:a16="http://schemas.microsoft.com/office/drawing/2014/main" id="{DFACC9D2-3FE8-10EB-28C7-FCF98A25C853}"/>
-              </a:ext>
-            </a:extLst>
-          </p:cNvPr>
-          <p:cNvSpPr txBox="1"/>
+              <a:t>Database &amp; CRUD APIs</a:t>
+            </a:r>
+            <a:endParaRPr lang="en-US" sz="3200" b="1" cap="none" spc="0" dirty="0">
+              <a:ln w="0"/>
+              <a:effectLst>
+                <a:outerShdw blurRad="38100" dist="19050" dir="2700000" algn="tl" rotWithShape="0">
+                  <a:schemeClr val="dk1">
+                    <a:alpha val="40000"/>
+                  </a:schemeClr>
+                </a:outerShdw>
+              </a:effectLst>
+              <a:latin typeface="Times New Roman" panose="02020603050405020304" pitchFamily="18" charset="0"/>
+              <a:cs typeface="Times New Roman" panose="02020603050405020304" pitchFamily="18" charset="0"/>
+            </a:endParaRPr>
+          </a:p>
+        </p:txBody>
+      </p:sp>
+      <p:grpSp>
+        <p:nvGrpSpPr>
+          <p:cNvPr id="9" name="组合 8"/>
+          <p:cNvGrpSpPr/>
           <p:nvPr/>
-        </p:nvSpPr>
+        </p:nvGrpSpPr>
+        <p:grpSpPr>
+          <a:xfrm>
+            <a:off x="699770" y="645160"/>
+            <a:ext cx="4748530" cy="2093511"/>
+            <a:chOff x="907" y="1407"/>
+            <a:chExt cx="8256" cy="3799"/>
+          </a:xfrm>
+        </p:grpSpPr>
+        <p:pic>
+          <p:nvPicPr>
+            <p:cNvPr id="2" name="图片 1"/>
+            <p:cNvPicPr>
+              <a:picLocks noChangeAspect="1"/>
+            </p:cNvPicPr>
+            <p:nvPr/>
+          </p:nvPicPr>
+          <p:blipFill>
+            <a:blip r:embed="rId1"/>
+            <a:stretch>
+              <a:fillRect/>
+            </a:stretch>
+          </p:blipFill>
+          <p:spPr>
+            <a:xfrm>
+              <a:off x="907" y="2163"/>
+              <a:ext cx="8256" cy="3043"/>
+            </a:xfrm>
+            <a:prstGeom prst="rect">
+              <a:avLst/>
+            </a:prstGeom>
+          </p:spPr>
+        </p:pic>
+        <p:sp>
+          <p:nvSpPr>
+            <p:cNvPr id="6" name="文本框 5"/>
+            <p:cNvSpPr txBox="1"/>
+            <p:nvPr/>
+          </p:nvSpPr>
+          <p:spPr>
+            <a:xfrm>
+              <a:off x="907" y="1407"/>
+              <a:ext cx="6400" cy="668"/>
+            </a:xfrm>
+            <a:prstGeom prst="rect">
+              <a:avLst/>
+            </a:prstGeom>
+            <a:noFill/>
+          </p:spPr>
+          <p:txBody>
+            <a:bodyPr wrap="square" rtlCol="0">
+              <a:spAutoFit/>
+            </a:bodyPr>
+            <a:p>
+              <a:r>
+                <a:rPr lang="en-US" altLang="zh-CN"/>
+                <a:t>stocks_detail Table</a:t>
+              </a:r>
+              <a:endParaRPr lang="en-US" altLang="zh-CN"/>
+            </a:p>
+          </p:txBody>
+        </p:sp>
+      </p:grpSp>
+      <p:grpSp>
+        <p:nvGrpSpPr>
+          <p:cNvPr id="8" name="组合 7"/>
+          <p:cNvGrpSpPr/>
+          <p:nvPr/>
+        </p:nvGrpSpPr>
+        <p:grpSpPr>
+          <a:xfrm>
+            <a:off x="6720840" y="977265"/>
+            <a:ext cx="4064000" cy="1187450"/>
+            <a:chOff x="12044" y="1828"/>
+            <a:chExt cx="6400" cy="1870"/>
+          </a:xfrm>
+        </p:grpSpPr>
+        <p:pic>
+          <p:nvPicPr>
+            <p:cNvPr id="3" name="图片 2"/>
+            <p:cNvPicPr>
+              <a:picLocks noChangeAspect="1"/>
+            </p:cNvPicPr>
+            <p:nvPr/>
+          </p:nvPicPr>
+          <p:blipFill>
+            <a:blip r:embed="rId2"/>
+            <a:stretch>
+              <a:fillRect/>
+            </a:stretch>
+          </p:blipFill>
+          <p:spPr>
+            <a:xfrm>
+              <a:off x="12044" y="2570"/>
+              <a:ext cx="6096" cy="1128"/>
+            </a:xfrm>
+            <a:prstGeom prst="rect">
+              <a:avLst/>
+            </a:prstGeom>
+          </p:spPr>
+        </p:pic>
+        <p:sp>
+          <p:nvSpPr>
+            <p:cNvPr id="7" name="文本框 6"/>
+            <p:cNvSpPr txBox="1"/>
+            <p:nvPr/>
+          </p:nvSpPr>
+          <p:spPr>
+            <a:xfrm>
+              <a:off x="12044" y="1828"/>
+              <a:ext cx="6400" cy="580"/>
+            </a:xfrm>
+            <a:prstGeom prst="rect">
+              <a:avLst/>
+            </a:prstGeom>
+            <a:noFill/>
+          </p:spPr>
+          <p:txBody>
+            <a:bodyPr wrap="square" rtlCol="0">
+              <a:spAutoFit/>
+            </a:bodyPr>
+            <a:p>
+              <a:r>
+                <a:rPr lang="en-US" altLang="zh-CN"/>
+                <a:t>user_info Table</a:t>
+              </a:r>
+              <a:endParaRPr lang="en-US" altLang="zh-CN"/>
+            </a:p>
+          </p:txBody>
+        </p:sp>
+      </p:grpSp>
+      <p:grpSp>
+        <p:nvGrpSpPr>
+          <p:cNvPr id="11" name="组合 10"/>
+          <p:cNvGrpSpPr/>
+          <p:nvPr/>
+        </p:nvGrpSpPr>
+        <p:grpSpPr>
+          <a:xfrm>
+            <a:off x="6624320" y="2462530"/>
+            <a:ext cx="4785360" cy="3111500"/>
+            <a:chOff x="11000" y="4537"/>
+            <a:chExt cx="7536" cy="4900"/>
+          </a:xfrm>
+        </p:grpSpPr>
+        <p:pic>
+          <p:nvPicPr>
+            <p:cNvPr id="5" name="图片 4"/>
+            <p:cNvPicPr>
+              <a:picLocks noChangeAspect="1"/>
+            </p:cNvPicPr>
+            <p:nvPr/>
+          </p:nvPicPr>
+          <p:blipFill>
+            <a:blip r:embed="rId3"/>
+            <a:stretch>
+              <a:fillRect/>
+            </a:stretch>
+          </p:blipFill>
+          <p:spPr>
+            <a:xfrm>
+              <a:off x="11000" y="5117"/>
+              <a:ext cx="7536" cy="4320"/>
+            </a:xfrm>
+            <a:prstGeom prst="rect">
+              <a:avLst/>
+            </a:prstGeom>
+          </p:spPr>
+        </p:pic>
+        <p:sp>
+          <p:nvSpPr>
+            <p:cNvPr id="10" name="文本框 9"/>
+            <p:cNvSpPr txBox="1"/>
+            <p:nvPr/>
+          </p:nvSpPr>
+          <p:spPr>
+            <a:xfrm>
+              <a:off x="11000" y="4537"/>
+              <a:ext cx="6400" cy="580"/>
+            </a:xfrm>
+            <a:prstGeom prst="rect">
+              <a:avLst/>
+            </a:prstGeom>
+            <a:noFill/>
+          </p:spPr>
+          <p:txBody>
+            <a:bodyPr wrap="square" rtlCol="0">
+              <a:spAutoFit/>
+            </a:bodyPr>
+            <a:p>
+              <a:r>
+                <a:rPr lang="en-US" altLang="zh-CN"/>
+                <a:t>user_portfolio_items</a:t>
+              </a:r>
+              <a:endParaRPr lang="en-US" altLang="zh-CN"/>
+            </a:p>
+          </p:txBody>
+        </p:sp>
+      </p:grpSp>
+      <p:pic>
+        <p:nvPicPr>
+          <p:cNvPr id="12" name="图片 11"/>
+          <p:cNvPicPr>
+            <a:picLocks noChangeAspect="1"/>
+          </p:cNvPicPr>
+          <p:nvPr/>
+        </p:nvPicPr>
+        <p:blipFill>
+          <a:blip r:embed="rId4"/>
+          <a:stretch>
+            <a:fillRect/>
+          </a:stretch>
+        </p:blipFill>
         <p:spPr>
           <a:xfrm>
-            <a:off x="1441201" y="1741965"/>
-            <a:ext cx="7431551" cy="461665"/>
+            <a:off x="2353310" y="3018155"/>
+            <a:ext cx="3649980" cy="3807460"/>
           </a:xfrm>
           <a:prstGeom prst="rect">
             <a:avLst/>
           </a:prstGeom>
-          <a:noFill/>
         </p:spPr>
-        <p:txBody>
-          <a:bodyPr wrap="square">
-            <a:spAutoFit/>
-          </a:bodyPr>
-          <a:lstStyle/>
-          <a:p>
-            <a:pPr lvl="0"/>
-            <a:r>
-              <a:rPr lang="en-US" sz="2400" b="1" kern="100" dirty="0">
-                <a:latin typeface="Times New Roman" panose="02020603050405020304" pitchFamily="18" charset="0"/>
-                <a:ea typeface="Calibri" panose="020F0502020204030204" pitchFamily="34" charset="0"/>
-                <a:cs typeface="Times New Roman" panose="02020603050405020304" pitchFamily="18" charset="0"/>
-              </a:rPr>
-              <a:t>Technical foundation using Yahoo Finance API</a:t>
-            </a:r>
-            <a:endParaRPr lang="en-IN" sz="2400" b="1" kern="100" dirty="0">
-              <a:latin typeface="Times New Roman" panose="02020603050405020304" pitchFamily="18" charset="0"/>
-              <a:ea typeface="Calibri" panose="020F0502020204030204" pitchFamily="34" charset="0"/>
-              <a:cs typeface="Times New Roman" panose="02020603050405020304" pitchFamily="18" charset="0"/>
-            </a:endParaRPr>
-          </a:p>
-        </p:txBody>
-      </p:sp>
-      <p:sp>
-        <p:nvSpPr>
-          <p:cNvPr id="3" name="TextBox 9">
-            <a:extLst>
-              <a:ext uri="{FF2B5EF4-FFF2-40B4-BE49-F238E27FC236}">
-                <a16:creationId xmlns:a16="http://schemas.microsoft.com/office/drawing/2014/main" id="{3DCB56FA-4174-3D81-84F4-A0D1F56131CF}"/>
-              </a:ext>
-            </a:extLst>
-          </p:cNvPr>
-          <p:cNvSpPr txBox="1"/>
-          <p:nvPr/>
-        </p:nvSpPr>
-        <p:spPr>
-          <a:xfrm>
-            <a:off x="1537376" y="2610820"/>
-            <a:ext cx="6094520" cy="461665"/>
-          </a:xfrm>
-          <a:prstGeom prst="rect">
-            <a:avLst/>
-          </a:prstGeom>
-          <a:noFill/>
-        </p:spPr>
-        <p:txBody>
-          <a:bodyPr wrap="square">
-            <a:spAutoFit/>
-          </a:bodyPr>
-          <a:lstStyle/>
-          <a:p>
-            <a:pPr lvl="0"/>
-            <a:r>
-              <a:rPr lang="en-US" sz="2400" b="1" kern="100" dirty="0">
-                <a:latin typeface="Times New Roman" panose="02020603050405020304" pitchFamily="18" charset="0"/>
-                <a:ea typeface="Calibri" panose="020F0502020204030204" pitchFamily="34" charset="0"/>
-                <a:cs typeface="Times New Roman" panose="02020603050405020304" pitchFamily="18" charset="0"/>
-              </a:rPr>
-              <a:t>Reliability solutions implemented</a:t>
-            </a:r>
-            <a:endParaRPr lang="en-IN" sz="2400" b="1" kern="100" dirty="0">
-              <a:latin typeface="Times New Roman" panose="02020603050405020304" pitchFamily="18" charset="0"/>
-              <a:ea typeface="Calibri" panose="020F0502020204030204" pitchFamily="34" charset="0"/>
-              <a:cs typeface="Times New Roman" panose="02020603050405020304" pitchFamily="18" charset="0"/>
-            </a:endParaRPr>
-          </a:p>
-        </p:txBody>
-      </p:sp>
+      </p:pic>
     </p:spTree>
-    <p:extLst>
-      <p:ext uri="{BB962C8B-B14F-4D97-AF65-F5344CB8AC3E}">
-        <p14:creationId xmlns:p14="http://schemas.microsoft.com/office/powerpoint/2010/main" val="1585522172"/>
-      </p:ext>
-    </p:extLst>
   </p:cSld>
   <p:clrMapOvr>
     <a:masterClrMapping/>
@@ -11347,19 +11060,13 @@
       </p:grpSpPr>
       <p:sp>
         <p:nvSpPr>
-          <p:cNvPr id="4" name="TextBox 3">
-            <a:extLst>
-              <a:ext uri="{FF2B5EF4-FFF2-40B4-BE49-F238E27FC236}">
-                <a16:creationId xmlns:a16="http://schemas.microsoft.com/office/drawing/2014/main" id="{231AA983-A074-173B-6935-10C227767BBD}"/>
-              </a:ext>
-            </a:extLst>
-          </p:cNvPr>
+          <p:cNvPr id="4" name="TextBox 3"/>
           <p:cNvSpPr txBox="1"/>
           <p:nvPr/>
         </p:nvSpPr>
         <p:spPr>
           <a:xfrm>
-            <a:off x="1733365" y="421171"/>
+            <a:off x="1733365" y="537422"/>
             <a:ext cx="8175948" cy="584775"/>
           </a:xfrm>
           <a:prstGeom prst="rect">
@@ -11389,25 +11096,31 @@
               </a:rPr>
               <a:t>Stock Data APIs</a:t>
             </a:r>
-          </a:p>
-        </p:txBody>
-      </p:sp>
-      <p:sp>
-        <p:nvSpPr>
-          <p:cNvPr id="6" name="TextBox 5">
-            <a:extLst>
-              <a:ext uri="{FF2B5EF4-FFF2-40B4-BE49-F238E27FC236}">
-                <a16:creationId xmlns:a16="http://schemas.microsoft.com/office/drawing/2014/main" id="{100BAABF-5E0B-4E54-691E-AFFE52B7B306}"/>
-              </a:ext>
-            </a:extLst>
-          </p:cNvPr>
+            <a:endParaRPr lang="en-US" sz="3200" b="1" cap="none" spc="0" dirty="0">
+              <a:ln w="0"/>
+              <a:effectLst>
+                <a:outerShdw blurRad="38100" dist="19050" dir="2700000" algn="tl" rotWithShape="0">
+                  <a:schemeClr val="dk1">
+                    <a:alpha val="40000"/>
+                  </a:schemeClr>
+                </a:outerShdw>
+              </a:effectLst>
+              <a:latin typeface="Times New Roman" panose="02020603050405020304" pitchFamily="18" charset="0"/>
+              <a:cs typeface="Times New Roman" panose="02020603050405020304" pitchFamily="18" charset="0"/>
+            </a:endParaRPr>
+          </a:p>
+        </p:txBody>
+      </p:sp>
+      <p:sp>
+        <p:nvSpPr>
+          <p:cNvPr id="10" name="TextBox 9"/>
           <p:cNvSpPr txBox="1"/>
           <p:nvPr/>
         </p:nvSpPr>
         <p:spPr>
           <a:xfrm>
-            <a:off x="834162" y="1421445"/>
-            <a:ext cx="10928412" cy="830997"/>
+            <a:off x="1441201" y="1741965"/>
+            <a:ext cx="7431551" cy="461665"/>
           </a:xfrm>
           <a:prstGeom prst="rect">
             <a:avLst/>
@@ -11415,128 +11128,68 @@
           <a:noFill/>
         </p:spPr>
         <p:txBody>
-          <a:bodyPr wrap="square" rtlCol="0">
+          <a:bodyPr wrap="square">
             <a:spAutoFit/>
           </a:bodyPr>
           <a:lstStyle/>
           <a:p>
+            <a:pPr lvl="0"/>
             <a:r>
               <a:rPr lang="en-US" sz="2400" b="1" kern="100" dirty="0">
-                <a:effectLst/>
                 <a:latin typeface="Times New Roman" panose="02020603050405020304" pitchFamily="18" charset="0"/>
                 <a:ea typeface="Calibri" panose="020F0502020204030204" pitchFamily="34" charset="0"/>
                 <a:cs typeface="Times New Roman" panose="02020603050405020304" pitchFamily="18" charset="0"/>
               </a:rPr>
-              <a:t>Four Core APIs built for complete stock data services</a:t>
-            </a:r>
-            <a:endParaRPr lang="en-IN" sz="2400" kern="100" dirty="0">
-              <a:effectLst/>
-              <a:latin typeface="Calibri" panose="020F0502020204030204" pitchFamily="34" charset="0"/>
+              <a:t>Technical foundation using Yahoo Finance API</a:t>
+            </a:r>
+            <a:endParaRPr lang="en-IN" sz="2400" b="1" kern="100" dirty="0">
+              <a:latin typeface="Times New Roman" panose="02020603050405020304" pitchFamily="18" charset="0"/>
               <a:ea typeface="Calibri" panose="020F0502020204030204" pitchFamily="34" charset="0"/>
               <a:cs typeface="Times New Roman" panose="02020603050405020304" pitchFamily="18" charset="0"/>
             </a:endParaRPr>
           </a:p>
-          <a:p>
-            <a:endParaRPr lang="en-IN" sz="2400" dirty="0"/>
-          </a:p>
-        </p:txBody>
-      </p:sp>
-      <p:pic>
-        <p:nvPicPr>
-          <p:cNvPr id="5" name="图片 4">
-            <a:extLst>
-              <a:ext uri="{FF2B5EF4-FFF2-40B4-BE49-F238E27FC236}">
-                <a16:creationId xmlns:a16="http://schemas.microsoft.com/office/drawing/2014/main" id="{8E3D4D83-160D-13F8-91A1-1548284E827A}"/>
-              </a:ext>
-            </a:extLst>
-          </p:cNvPr>
-          <p:cNvPicPr>
-            <a:picLocks noChangeAspect="1"/>
-          </p:cNvPicPr>
+        </p:txBody>
+      </p:sp>
+      <p:sp>
+        <p:nvSpPr>
+          <p:cNvPr id="3" name="TextBox 9"/>
+          <p:cNvSpPr txBox="1"/>
           <p:nvPr/>
-        </p:nvPicPr>
-        <p:blipFill>
-          <a:blip r:embed="rId3"/>
-          <a:stretch>
-            <a:fillRect/>
-          </a:stretch>
-        </p:blipFill>
+        </p:nvSpPr>
         <p:spPr>
           <a:xfrm>
-            <a:off x="4139355" y="2252442"/>
-            <a:ext cx="4442237" cy="3408297"/>
+            <a:off x="1537376" y="2610820"/>
+            <a:ext cx="6094520" cy="461665"/>
           </a:xfrm>
           <a:prstGeom prst="rect">
             <a:avLst/>
           </a:prstGeom>
+          <a:noFill/>
         </p:spPr>
-      </p:pic>
-      <p:pic>
-        <p:nvPicPr>
-          <p:cNvPr id="9" name="图片 8">
-            <a:extLst>
-              <a:ext uri="{FF2B5EF4-FFF2-40B4-BE49-F238E27FC236}">
-                <a16:creationId xmlns:a16="http://schemas.microsoft.com/office/drawing/2014/main" id="{9808886A-189A-003E-4F04-3B0579DFA3EB}"/>
-              </a:ext>
-            </a:extLst>
-          </p:cNvPr>
-          <p:cNvPicPr>
-            <a:picLocks noChangeAspect="1"/>
-          </p:cNvPicPr>
-          <p:nvPr/>
-        </p:nvPicPr>
-        <p:blipFill>
-          <a:blip r:embed="rId4"/>
-          <a:stretch>
-            <a:fillRect/>
-          </a:stretch>
-        </p:blipFill>
-        <p:spPr>
-          <a:xfrm>
-            <a:off x="0" y="2252442"/>
-            <a:ext cx="4139355" cy="3286641"/>
-          </a:xfrm>
-          <a:prstGeom prst="rect">
-            <a:avLst/>
-          </a:prstGeom>
-        </p:spPr>
-      </p:pic>
-      <p:pic>
-        <p:nvPicPr>
-          <p:cNvPr id="12" name="图片 11">
-            <a:extLst>
-              <a:ext uri="{FF2B5EF4-FFF2-40B4-BE49-F238E27FC236}">
-                <a16:creationId xmlns:a16="http://schemas.microsoft.com/office/drawing/2014/main" id="{25C93997-058D-84A6-1CEB-757E64385883}"/>
-              </a:ext>
-            </a:extLst>
-          </p:cNvPr>
-          <p:cNvPicPr>
-            <a:picLocks noChangeAspect="1"/>
-          </p:cNvPicPr>
-          <p:nvPr/>
-        </p:nvPicPr>
-        <p:blipFill>
-          <a:blip r:embed="rId5"/>
-          <a:stretch>
-            <a:fillRect/>
-          </a:stretch>
-        </p:blipFill>
-        <p:spPr>
-          <a:xfrm>
-            <a:off x="8581592" y="1289520"/>
-            <a:ext cx="3358272" cy="4954668"/>
-          </a:xfrm>
-          <a:prstGeom prst="rect">
-            <a:avLst/>
-          </a:prstGeom>
-        </p:spPr>
-      </p:pic>
+        <p:txBody>
+          <a:bodyPr wrap="square">
+            <a:spAutoFit/>
+          </a:bodyPr>
+          <a:lstStyle/>
+          <a:p>
+            <a:pPr lvl="0"/>
+            <a:r>
+              <a:rPr lang="en-US" sz="2400" b="1" kern="100" dirty="0">
+                <a:latin typeface="Times New Roman" panose="02020603050405020304" pitchFamily="18" charset="0"/>
+                <a:ea typeface="Calibri" panose="020F0502020204030204" pitchFamily="34" charset="0"/>
+                <a:cs typeface="Times New Roman" panose="02020603050405020304" pitchFamily="18" charset="0"/>
+              </a:rPr>
+              <a:t>Reliability solutions implemented</a:t>
+            </a:r>
+            <a:endParaRPr lang="en-IN" sz="2400" b="1" kern="100" dirty="0">
+              <a:latin typeface="Times New Roman" panose="02020603050405020304" pitchFamily="18" charset="0"/>
+              <a:ea typeface="Calibri" panose="020F0502020204030204" pitchFamily="34" charset="0"/>
+              <a:cs typeface="Times New Roman" panose="02020603050405020304" pitchFamily="18" charset="0"/>
+            </a:endParaRPr>
+          </a:p>
+        </p:txBody>
+      </p:sp>
     </p:spTree>
-    <p:extLst>
-      <p:ext uri="{BB962C8B-B14F-4D97-AF65-F5344CB8AC3E}">
-        <p14:creationId xmlns:p14="http://schemas.microsoft.com/office/powerpoint/2010/main" val="1284115610"/>
-      </p:ext>
-    </p:extLst>
   </p:cSld>
   <p:clrMapOvr>
     <a:masterClrMapping/>
@@ -11757,11 +11410,9 @@
       </a:bgFillStyleLst>
     </a:fmtScheme>
   </a:themeElements>
-  <a:objectDefaults/>
-  <a:extraClrSchemeLst/>
   <a:extLst>
     <a:ext uri="{05A4C25C-085E-4340-85A3-A5531E510DB2}">
-      <thm15:themeFamily xmlns:thm15="http://schemas.microsoft.com/office/thememl/2012/main" name="Retrospect" id="{5F128B03-DCCA-4EEB-AB3B-CF2899314A46}" vid="{3F1AAB62-24C6-49D2-8E01-B56FAC9A3DCD}"/>
+      <thm15:themeFamily xmlns:thm15="http://schemas.microsoft.com/office/thememl/2012/main" name="Office Theme" id="{62F939B6-93AF-4DB8-9C6B-D6C7DFDC589F}" vid="{4A3C46E8-61CC-4603-A589-7422A47A8E4A}"/>
     </a:ext>
   </a:extLst>
 </a:theme>
@@ -11810,7 +11461,7 @@
     </a:clrScheme>
     <a:fontScheme name="Office">
       <a:majorFont>
-        <a:latin typeface="等线 Light" panose="020F0302020204030204"/>
+        <a:latin typeface="等线 Light"/>
         <a:ea typeface=""/>
         <a:cs typeface=""/>
         <a:font script="Jpan" typeface="游ゴシック Light"/>
@@ -11843,26 +11494,9 @@
         <a:font script="Viet" typeface="Times New Roman"/>
         <a:font script="Uigh" typeface="Microsoft Uighur"/>
         <a:font script="Geor" typeface="Sylfaen"/>
-        <a:font script="Armn" typeface="Arial"/>
-        <a:font script="Bugi" typeface="Leelawadee UI"/>
-        <a:font script="Bopo" typeface="Microsoft JhengHei"/>
-        <a:font script="Java" typeface="Javanese Text"/>
-        <a:font script="Lisu" typeface="Segoe UI"/>
-        <a:font script="Mymr" typeface="Myanmar Text"/>
-        <a:font script="Nkoo" typeface="Ebrima"/>
-        <a:font script="Olck" typeface="Nirmala UI"/>
-        <a:font script="Osma" typeface="Ebrima"/>
-        <a:font script="Phag" typeface="Phagspa"/>
-        <a:font script="Syrn" typeface="Estrangelo Edessa"/>
-        <a:font script="Syrj" typeface="Estrangelo Edessa"/>
-        <a:font script="Syre" typeface="Estrangelo Edessa"/>
-        <a:font script="Sora" typeface="Nirmala UI"/>
-        <a:font script="Tale" typeface="Microsoft Tai Le"/>
-        <a:font script="Talu" typeface="Microsoft New Tai Lue"/>
-        <a:font script="Tfng" typeface="Ebrima"/>
       </a:majorFont>
       <a:minorFont>
-        <a:latin typeface="等线" panose="020F0502020204030204"/>
+        <a:latin typeface="等线"/>
         <a:ea typeface=""/>
         <a:cs typeface=""/>
         <a:font script="Jpan" typeface="游ゴシック"/>
@@ -11895,23 +11529,6 @@
         <a:font script="Viet" typeface="Arial"/>
         <a:font script="Uigh" typeface="Microsoft Uighur"/>
         <a:font script="Geor" typeface="Sylfaen"/>
-        <a:font script="Armn" typeface="Arial"/>
-        <a:font script="Bugi" typeface="Leelawadee UI"/>
-        <a:font script="Bopo" typeface="Microsoft JhengHei"/>
-        <a:font script="Java" typeface="Javanese Text"/>
-        <a:font script="Lisu" typeface="Segoe UI"/>
-        <a:font script="Mymr" typeface="Myanmar Text"/>
-        <a:font script="Nkoo" typeface="Ebrima"/>
-        <a:font script="Olck" typeface="Nirmala UI"/>
-        <a:font script="Osma" typeface="Ebrima"/>
-        <a:font script="Phag" typeface="Phagspa"/>
-        <a:font script="Syrn" typeface="Estrangelo Edessa"/>
-        <a:font script="Syrj" typeface="Estrangelo Edessa"/>
-        <a:font script="Syre" typeface="Estrangelo Edessa"/>
-        <a:font script="Sora" typeface="Nirmala UI"/>
-        <a:font script="Tale" typeface="Microsoft Tai Le"/>
-        <a:font script="Talu" typeface="Microsoft New Tai Lue"/>
-        <a:font script="Tfng" typeface="Ebrima"/>
       </a:minorFont>
     </a:fontScheme>
     <a:fmtScheme name="Office">
@@ -12052,8 +11669,6 @@
       </a:bgFillStyleLst>
     </a:fmtScheme>
   </a:themeElements>
-  <a:objectDefaults/>
-  <a:extraClrSchemeLst/>
   <a:extLst>
     <a:ext uri="{05A4C25C-085E-4340-85A3-A5531E510DB2}">
       <thm15:themeFamily xmlns:thm15="http://schemas.microsoft.com/office/thememl/2012/main" name="Office Theme" id="{62F939B6-93AF-4DB8-9C6B-D6C7DFDC589F}" vid="{4A3C46E8-61CC-4603-A589-7422A47A8E4A}"/>
